--- a/phase5 presentation.pptx
+++ b/phase5 presentation.pptx
@@ -17,6 +17,18 @@
     <p:sldId id="265" r:id="rId11"/>
     <p:sldId id="266" r:id="rId12"/>
     <p:sldId id="267" r:id="rId13"/>
+    <p:sldId id="270" r:id="rId14"/>
+    <p:sldId id="277" r:id="rId15"/>
+    <p:sldId id="269" r:id="rId16"/>
+    <p:sldId id="272" r:id="rId17"/>
+    <p:sldId id="278" r:id="rId18"/>
+    <p:sldId id="271" r:id="rId19"/>
+    <p:sldId id="279" r:id="rId20"/>
+    <p:sldId id="274" r:id="rId21"/>
+    <p:sldId id="268" r:id="rId22"/>
+    <p:sldId id="280" r:id="rId23"/>
+    <p:sldId id="275" r:id="rId24"/>
+    <p:sldId id="276" r:id="rId25"/>
   </p:sldIdLst>
   <p:sldSz cx="12192000" cy="6858000"/>
   <p:notesSz cx="6858000" cy="9144000"/>
@@ -115,7 +127,338 @@
       </a:defRPr>
     </a:lvl9pPr>
   </p:defaultTextStyle>
+  <p:extLst>
+    <p:ext uri="{EFAFB233-063F-42B5-8137-9DF3F51BA10A}">
+      <p15:sldGuideLst xmlns:p15="http://schemas.microsoft.com/office/powerpoint/2012/main"/>
+    </p:ext>
+  </p:extLst>
 </p:presentation>
+</file>
+
+<file path=ppt/revisionInfo.xml><?xml version="1.0" encoding="utf-8"?>
+<p1510:revInfo xmlns:a="http://schemas.openxmlformats.org/drawingml/2006/main" xmlns:r="http://schemas.openxmlformats.org/officeDocument/2006/relationships" xmlns:p1510="http://schemas.microsoft.com/office/powerpoint/2015/10/main">
+  <p1510:revLst>
+    <p1510:client id="{C8512032-1E17-4F34-91A0-8718753EA2AC}" v="73" dt="2019-04-30T15:41:38.927"/>
+  </p1510:revLst>
+</p1510:revInfo>
+</file>
+
+<file path=ppt/changesInfos/changesInfo1.xml><?xml version="1.0" encoding="utf-8"?>
+<pc:chgInfo xmlns:a="http://schemas.openxmlformats.org/drawingml/2006/main" xmlns:r="http://schemas.openxmlformats.org/officeDocument/2006/relationships" xmlns:ac="http://schemas.microsoft.com/office/drawing/2013/main/command" xmlns:pc="http://schemas.microsoft.com/office/powerpoint/2013/main/command">
+  <pc:docChgLst>
+    <pc:chgData name="Drake Wood" userId="de25c2bc060809e4" providerId="LiveId" clId="{C8512032-1E17-4F34-91A0-8718753EA2AC}"/>
+    <pc:docChg chg="undo custSel addSld delSld modSld">
+      <pc:chgData name="Drake Wood" userId="de25c2bc060809e4" providerId="LiveId" clId="{C8512032-1E17-4F34-91A0-8718753EA2AC}" dt="2019-04-30T15:41:40.646" v="1471" actId="1076"/>
+      <pc:docMkLst>
+        <pc:docMk/>
+      </pc:docMkLst>
+      <pc:sldChg chg="addSp modSp">
+        <pc:chgData name="Drake Wood" userId="de25c2bc060809e4" providerId="LiveId" clId="{C8512032-1E17-4F34-91A0-8718753EA2AC}" dt="2019-04-30T14:29:45.335" v="1152" actId="1076"/>
+        <pc:sldMkLst>
+          <pc:docMk/>
+          <pc:sldMk cId="1400517578" sldId="264"/>
+        </pc:sldMkLst>
+        <pc:spChg chg="mod">
+          <ac:chgData name="Drake Wood" userId="de25c2bc060809e4" providerId="LiveId" clId="{C8512032-1E17-4F34-91A0-8718753EA2AC}" dt="2019-04-30T14:29:12.207" v="1149" actId="20577"/>
+          <ac:spMkLst>
+            <pc:docMk/>
+            <pc:sldMk cId="1400517578" sldId="264"/>
+            <ac:spMk id="3" creationId="{F9DC5653-0CEF-4FC7-ACEB-C48167324057}"/>
+          </ac:spMkLst>
+        </pc:spChg>
+        <pc:spChg chg="add mod">
+          <ac:chgData name="Drake Wood" userId="de25c2bc060809e4" providerId="LiveId" clId="{C8512032-1E17-4F34-91A0-8718753EA2AC}" dt="2019-04-30T14:29:45.335" v="1152" actId="1076"/>
+          <ac:spMkLst>
+            <pc:docMk/>
+            <pc:sldMk cId="1400517578" sldId="264"/>
+            <ac:spMk id="4" creationId="{A44451E7-4F11-4D32-9C1F-BDD9A31142B8}"/>
+          </ac:spMkLst>
+        </pc:spChg>
+      </pc:sldChg>
+      <pc:sldChg chg="modSp">
+        <pc:chgData name="Drake Wood" userId="de25c2bc060809e4" providerId="LiveId" clId="{C8512032-1E17-4F34-91A0-8718753EA2AC}" dt="2019-04-30T14:31:40.510" v="1211" actId="20578"/>
+        <pc:sldMkLst>
+          <pc:docMk/>
+          <pc:sldMk cId="2737439653" sldId="266"/>
+        </pc:sldMkLst>
+        <pc:spChg chg="mod">
+          <ac:chgData name="Drake Wood" userId="de25c2bc060809e4" providerId="LiveId" clId="{C8512032-1E17-4F34-91A0-8718753EA2AC}" dt="2019-04-30T14:31:40.510" v="1211" actId="20578"/>
+          <ac:spMkLst>
+            <pc:docMk/>
+            <pc:sldMk cId="2737439653" sldId="266"/>
+            <ac:spMk id="3" creationId="{A7305512-004B-4275-AF40-1E36FE9B8DB3}"/>
+          </ac:spMkLst>
+        </pc:spChg>
+      </pc:sldChg>
+      <pc:sldChg chg="modSp">
+        <pc:chgData name="Drake Wood" userId="de25c2bc060809e4" providerId="LiveId" clId="{C8512032-1E17-4F34-91A0-8718753EA2AC}" dt="2019-04-30T14:35:42.773" v="1453" actId="20577"/>
+        <pc:sldMkLst>
+          <pc:docMk/>
+          <pc:sldMk cId="923596246" sldId="267"/>
+        </pc:sldMkLst>
+        <pc:spChg chg="mod">
+          <ac:chgData name="Drake Wood" userId="de25c2bc060809e4" providerId="LiveId" clId="{C8512032-1E17-4F34-91A0-8718753EA2AC}" dt="2019-04-30T14:35:42.773" v="1453" actId="20577"/>
+          <ac:spMkLst>
+            <pc:docMk/>
+            <pc:sldMk cId="923596246" sldId="267"/>
+            <ac:spMk id="3" creationId="{5C61AD28-8B1E-4254-9578-B4DD8120637A}"/>
+          </ac:spMkLst>
+        </pc:spChg>
+      </pc:sldChg>
+      <pc:sldChg chg="modSp add">
+        <pc:chgData name="Drake Wood" userId="de25c2bc060809e4" providerId="LiveId" clId="{C8512032-1E17-4F34-91A0-8718753EA2AC}" dt="2019-04-30T14:35:17.736" v="1452" actId="20577"/>
+        <pc:sldMkLst>
+          <pc:docMk/>
+          <pc:sldMk cId="823154206" sldId="268"/>
+        </pc:sldMkLst>
+        <pc:spChg chg="mod">
+          <ac:chgData name="Drake Wood" userId="de25c2bc060809e4" providerId="LiveId" clId="{C8512032-1E17-4F34-91A0-8718753EA2AC}" dt="2019-04-30T12:37:00.399" v="42" actId="313"/>
+          <ac:spMkLst>
+            <pc:docMk/>
+            <pc:sldMk cId="823154206" sldId="268"/>
+            <ac:spMk id="2" creationId="{B445D5D6-7D6A-4165-9FDB-201401ABC049}"/>
+          </ac:spMkLst>
+        </pc:spChg>
+        <pc:spChg chg="mod">
+          <ac:chgData name="Drake Wood" userId="de25c2bc060809e4" providerId="LiveId" clId="{C8512032-1E17-4F34-91A0-8718753EA2AC}" dt="2019-04-30T14:35:17.736" v="1452" actId="20577"/>
+          <ac:spMkLst>
+            <pc:docMk/>
+            <pc:sldMk cId="823154206" sldId="268"/>
+            <ac:spMk id="3" creationId="{CACFE881-6C65-4B06-B621-2B8788E9ABE2}"/>
+          </ac:spMkLst>
+        </pc:spChg>
+      </pc:sldChg>
+      <pc:sldChg chg="modSp add">
+        <pc:chgData name="Drake Wood" userId="de25c2bc060809e4" providerId="LiveId" clId="{C8512032-1E17-4F34-91A0-8718753EA2AC}" dt="2019-04-30T13:05:42.720" v="488" actId="20577"/>
+        <pc:sldMkLst>
+          <pc:docMk/>
+          <pc:sldMk cId="4021644420" sldId="269"/>
+        </pc:sldMkLst>
+        <pc:spChg chg="mod">
+          <ac:chgData name="Drake Wood" userId="de25c2bc060809e4" providerId="LiveId" clId="{C8512032-1E17-4F34-91A0-8718753EA2AC}" dt="2019-04-30T13:01:03.942" v="213" actId="20577"/>
+          <ac:spMkLst>
+            <pc:docMk/>
+            <pc:sldMk cId="4021644420" sldId="269"/>
+            <ac:spMk id="2" creationId="{9030DCCA-D7B7-459C-9EEE-9E5C4D5C0537}"/>
+          </ac:spMkLst>
+        </pc:spChg>
+        <pc:spChg chg="mod">
+          <ac:chgData name="Drake Wood" userId="de25c2bc060809e4" providerId="LiveId" clId="{C8512032-1E17-4F34-91A0-8718753EA2AC}" dt="2019-04-30T13:05:42.720" v="488" actId="20577"/>
+          <ac:spMkLst>
+            <pc:docMk/>
+            <pc:sldMk cId="4021644420" sldId="269"/>
+            <ac:spMk id="3" creationId="{752914AE-3684-44EF-A731-DFA772CE8E3F}"/>
+          </ac:spMkLst>
+        </pc:spChg>
+      </pc:sldChg>
+      <pc:sldChg chg="modSp add">
+        <pc:chgData name="Drake Wood" userId="de25c2bc060809e4" providerId="LiveId" clId="{C8512032-1E17-4F34-91A0-8718753EA2AC}" dt="2019-04-30T14:33:07.545" v="1362" actId="20577"/>
+        <pc:sldMkLst>
+          <pc:docMk/>
+          <pc:sldMk cId="2480457708" sldId="270"/>
+        </pc:sldMkLst>
+        <pc:spChg chg="mod">
+          <ac:chgData name="Drake Wood" userId="de25c2bc060809e4" providerId="LiveId" clId="{C8512032-1E17-4F34-91A0-8718753EA2AC}" dt="2019-04-30T13:15:28.240" v="633" actId="313"/>
+          <ac:spMkLst>
+            <pc:docMk/>
+            <pc:sldMk cId="2480457708" sldId="270"/>
+            <ac:spMk id="2" creationId="{C4CF4CAB-16EB-49D0-9F54-5CC5C285D1CD}"/>
+          </ac:spMkLst>
+        </pc:spChg>
+        <pc:spChg chg="mod">
+          <ac:chgData name="Drake Wood" userId="de25c2bc060809e4" providerId="LiveId" clId="{C8512032-1E17-4F34-91A0-8718753EA2AC}" dt="2019-04-30T14:33:07.545" v="1362" actId="20577"/>
+          <ac:spMkLst>
+            <pc:docMk/>
+            <pc:sldMk cId="2480457708" sldId="270"/>
+            <ac:spMk id="3" creationId="{9EA6B119-4B68-46D4-9943-433CF048F9A8}"/>
+          </ac:spMkLst>
+        </pc:spChg>
+      </pc:sldChg>
+      <pc:sldChg chg="modSp add">
+        <pc:chgData name="Drake Wood" userId="de25c2bc060809e4" providerId="LiveId" clId="{C8512032-1E17-4F34-91A0-8718753EA2AC}" dt="2019-04-30T13:10:13.945" v="612" actId="20577"/>
+        <pc:sldMkLst>
+          <pc:docMk/>
+          <pc:sldMk cId="2502610320" sldId="271"/>
+        </pc:sldMkLst>
+        <pc:spChg chg="mod">
+          <ac:chgData name="Drake Wood" userId="de25c2bc060809e4" providerId="LiveId" clId="{C8512032-1E17-4F34-91A0-8718753EA2AC}" dt="2019-04-30T13:05:56.062" v="498" actId="313"/>
+          <ac:spMkLst>
+            <pc:docMk/>
+            <pc:sldMk cId="2502610320" sldId="271"/>
+            <ac:spMk id="2" creationId="{112F466D-C0CA-4909-91F8-38C3A0C788A6}"/>
+          </ac:spMkLst>
+        </pc:spChg>
+        <pc:spChg chg="mod">
+          <ac:chgData name="Drake Wood" userId="de25c2bc060809e4" providerId="LiveId" clId="{C8512032-1E17-4F34-91A0-8718753EA2AC}" dt="2019-04-30T13:10:13.945" v="612" actId="20577"/>
+          <ac:spMkLst>
+            <pc:docMk/>
+            <pc:sldMk cId="2502610320" sldId="271"/>
+            <ac:spMk id="3" creationId="{F38EB51E-4D3A-43CA-9FFB-613CF3BB0275}"/>
+          </ac:spMkLst>
+        </pc:spChg>
+      </pc:sldChg>
+      <pc:sldChg chg="delSp modSp">
+        <pc:chgData name="Drake Wood" userId="de25c2bc060809e4" providerId="LiveId" clId="{C8512032-1E17-4F34-91A0-8718753EA2AC}" dt="2019-04-30T15:41:13.086" v="1455"/>
+        <pc:sldMkLst>
+          <pc:docMk/>
+          <pc:sldMk cId="3169543746" sldId="272"/>
+        </pc:sldMkLst>
+        <pc:spChg chg="mod">
+          <ac:chgData name="Drake Wood" userId="de25c2bc060809e4" providerId="LiveId" clId="{C8512032-1E17-4F34-91A0-8718753EA2AC}" dt="2019-04-30T14:00:18.317" v="910" actId="207"/>
+          <ac:spMkLst>
+            <pc:docMk/>
+            <pc:sldMk cId="3169543746" sldId="272"/>
+            <ac:spMk id="3" creationId="{752914AE-3684-44EF-A731-DFA772CE8E3F}"/>
+          </ac:spMkLst>
+        </pc:spChg>
+        <pc:picChg chg="del">
+          <ac:chgData name="Drake Wood" userId="de25c2bc060809e4" providerId="LiveId" clId="{C8512032-1E17-4F34-91A0-8718753EA2AC}" dt="2019-04-30T15:41:13.086" v="1455"/>
+          <ac:picMkLst>
+            <pc:docMk/>
+            <pc:sldMk cId="3169543746" sldId="272"/>
+            <ac:picMk id="4" creationId="{2F00E279-EE74-4282-9AB7-753E280FCBEE}"/>
+          </ac:picMkLst>
+        </pc:picChg>
+      </pc:sldChg>
+      <pc:sldChg chg="add del">
+        <pc:chgData name="Drake Wood" userId="de25c2bc060809e4" providerId="LiveId" clId="{C8512032-1E17-4F34-91A0-8718753EA2AC}" dt="2019-04-30T14:33:41.712" v="1363" actId="2696"/>
+        <pc:sldMkLst>
+          <pc:docMk/>
+          <pc:sldMk cId="2097507447" sldId="273"/>
+        </pc:sldMkLst>
+      </pc:sldChg>
+      <pc:sldChg chg="modSp add">
+        <pc:chgData name="Drake Wood" userId="de25c2bc060809e4" providerId="LiveId" clId="{C8512032-1E17-4F34-91A0-8718753EA2AC}" dt="2019-04-30T14:03:28.770" v="923" actId="207"/>
+        <pc:sldMkLst>
+          <pc:docMk/>
+          <pc:sldMk cId="3270750101" sldId="274"/>
+        </pc:sldMkLst>
+        <pc:spChg chg="mod">
+          <ac:chgData name="Drake Wood" userId="de25c2bc060809e4" providerId="LiveId" clId="{C8512032-1E17-4F34-91A0-8718753EA2AC}" dt="2019-04-30T14:03:28.770" v="923" actId="207"/>
+          <ac:spMkLst>
+            <pc:docMk/>
+            <pc:sldMk cId="3270750101" sldId="274"/>
+            <ac:spMk id="3" creationId="{F38EB51E-4D3A-43CA-9FFB-613CF3BB0275}"/>
+          </ac:spMkLst>
+        </pc:spChg>
+      </pc:sldChg>
+      <pc:sldChg chg="modSp add">
+        <pc:chgData name="Drake Wood" userId="de25c2bc060809e4" providerId="LiveId" clId="{C8512032-1E17-4F34-91A0-8718753EA2AC}" dt="2019-04-30T14:12:00.217" v="945" actId="207"/>
+        <pc:sldMkLst>
+          <pc:docMk/>
+          <pc:sldMk cId="2935090236" sldId="275"/>
+        </pc:sldMkLst>
+        <pc:spChg chg="mod">
+          <ac:chgData name="Drake Wood" userId="de25c2bc060809e4" providerId="LiveId" clId="{C8512032-1E17-4F34-91A0-8718753EA2AC}" dt="2019-04-30T14:12:00.217" v="945" actId="207"/>
+          <ac:spMkLst>
+            <pc:docMk/>
+            <pc:sldMk cId="2935090236" sldId="275"/>
+            <ac:spMk id="3" creationId="{CACFE881-6C65-4B06-B621-2B8788E9ABE2}"/>
+          </ac:spMkLst>
+        </pc:spChg>
+      </pc:sldChg>
+      <pc:sldChg chg="modSp add">
+        <pc:chgData name="Drake Wood" userId="de25c2bc060809e4" providerId="LiveId" clId="{C8512032-1E17-4F34-91A0-8718753EA2AC}" dt="2019-04-30T14:16:22.593" v="958" actId="207"/>
+        <pc:sldMkLst>
+          <pc:docMk/>
+          <pc:sldMk cId="363588586" sldId="276"/>
+        </pc:sldMkLst>
+        <pc:spChg chg="mod">
+          <ac:chgData name="Drake Wood" userId="de25c2bc060809e4" providerId="LiveId" clId="{C8512032-1E17-4F34-91A0-8718753EA2AC}" dt="2019-04-30T14:16:22.593" v="958" actId="207"/>
+          <ac:spMkLst>
+            <pc:docMk/>
+            <pc:sldMk cId="363588586" sldId="276"/>
+            <ac:spMk id="3" creationId="{CACFE881-6C65-4B06-B621-2B8788E9ABE2}"/>
+          </ac:spMkLst>
+        </pc:spChg>
+      </pc:sldChg>
+      <pc:sldChg chg="add">
+        <pc:chgData name="Drake Wood" userId="de25c2bc060809e4" providerId="LiveId" clId="{C8512032-1E17-4F34-91A0-8718753EA2AC}" dt="2019-04-30T15:40:55.725" v="1454"/>
+        <pc:sldMkLst>
+          <pc:docMk/>
+          <pc:sldMk cId="2284196699" sldId="277"/>
+        </pc:sldMkLst>
+      </pc:sldChg>
+      <pc:sldChg chg="addSp delSp modSp add">
+        <pc:chgData name="Drake Wood" userId="de25c2bc060809e4" providerId="LiveId" clId="{C8512032-1E17-4F34-91A0-8718753EA2AC}" dt="2019-04-30T15:41:21.583" v="1459" actId="962"/>
+        <pc:sldMkLst>
+          <pc:docMk/>
+          <pc:sldMk cId="1027919614" sldId="278"/>
+        </pc:sldMkLst>
+        <pc:spChg chg="del">
+          <ac:chgData name="Drake Wood" userId="de25c2bc060809e4" providerId="LiveId" clId="{C8512032-1E17-4F34-91A0-8718753EA2AC}" dt="2019-04-30T15:41:19.607" v="1457"/>
+          <ac:spMkLst>
+            <pc:docMk/>
+            <pc:sldMk cId="1027919614" sldId="278"/>
+            <ac:spMk id="3" creationId="{4468D250-1350-400D-898F-A03FF84451CE}"/>
+          </ac:spMkLst>
+        </pc:spChg>
+        <pc:picChg chg="add mod">
+          <ac:chgData name="Drake Wood" userId="de25c2bc060809e4" providerId="LiveId" clId="{C8512032-1E17-4F34-91A0-8718753EA2AC}" dt="2019-04-30T15:41:21.583" v="1459" actId="962"/>
+          <ac:picMkLst>
+            <pc:docMk/>
+            <pc:sldMk cId="1027919614" sldId="278"/>
+            <ac:picMk id="5" creationId="{B7538621-890E-45E3-B965-2968B2262BFA}"/>
+          </ac:picMkLst>
+        </pc:picChg>
+      </pc:sldChg>
+      <pc:sldChg chg="addSp delSp modSp add">
+        <pc:chgData name="Drake Wood" userId="de25c2bc060809e4" providerId="LiveId" clId="{C8512032-1E17-4F34-91A0-8718753EA2AC}" dt="2019-04-30T15:41:28.312" v="1462" actId="27614"/>
+        <pc:sldMkLst>
+          <pc:docMk/>
+          <pc:sldMk cId="3329937859" sldId="279"/>
+        </pc:sldMkLst>
+        <pc:spChg chg="del">
+          <ac:chgData name="Drake Wood" userId="de25c2bc060809e4" providerId="LiveId" clId="{C8512032-1E17-4F34-91A0-8718753EA2AC}" dt="2019-04-30T15:41:26.812" v="1461"/>
+          <ac:spMkLst>
+            <pc:docMk/>
+            <pc:sldMk cId="3329937859" sldId="279"/>
+            <ac:spMk id="3" creationId="{F5EBA16D-DD3B-4882-AED3-32B22EDAF027}"/>
+          </ac:spMkLst>
+        </pc:spChg>
+        <pc:picChg chg="add mod">
+          <ac:chgData name="Drake Wood" userId="de25c2bc060809e4" providerId="LiveId" clId="{C8512032-1E17-4F34-91A0-8718753EA2AC}" dt="2019-04-30T15:41:28.312" v="1462" actId="27614"/>
+          <ac:picMkLst>
+            <pc:docMk/>
+            <pc:sldMk cId="3329937859" sldId="279"/>
+            <ac:picMk id="5" creationId="{438F952E-28C7-4FC0-B6B3-0A3912CF5177}"/>
+          </ac:picMkLst>
+        </pc:picChg>
+      </pc:sldChg>
+      <pc:sldChg chg="addSp delSp modSp add">
+        <pc:chgData name="Drake Wood" userId="de25c2bc060809e4" providerId="LiveId" clId="{C8512032-1E17-4F34-91A0-8718753EA2AC}" dt="2019-04-30T15:41:40.646" v="1471" actId="1076"/>
+        <pc:sldMkLst>
+          <pc:docMk/>
+          <pc:sldMk cId="1550287035" sldId="280"/>
+        </pc:sldMkLst>
+        <pc:spChg chg="del">
+          <ac:chgData name="Drake Wood" userId="de25c2bc060809e4" providerId="LiveId" clId="{C8512032-1E17-4F34-91A0-8718753EA2AC}" dt="2019-04-30T15:41:36.421" v="1464"/>
+          <ac:spMkLst>
+            <pc:docMk/>
+            <pc:sldMk cId="1550287035" sldId="280"/>
+            <ac:spMk id="3" creationId="{9627E5A9-2A12-4612-BB65-D3D6762034C1}"/>
+          </ac:spMkLst>
+        </pc:spChg>
+        <pc:picChg chg="add mod">
+          <ac:chgData name="Drake Wood" userId="de25c2bc060809e4" providerId="LiveId" clId="{C8512032-1E17-4F34-91A0-8718753EA2AC}" dt="2019-04-30T15:41:40.646" v="1471" actId="1076"/>
+          <ac:picMkLst>
+            <pc:docMk/>
+            <pc:sldMk cId="1550287035" sldId="280"/>
+            <ac:picMk id="5" creationId="{DEEA3EFF-BBE1-4E5A-84E0-7EBCB3ACA3B3}"/>
+          </ac:picMkLst>
+        </pc:picChg>
+        <pc:picChg chg="add mod">
+          <ac:chgData name="Drake Wood" userId="de25c2bc060809e4" providerId="LiveId" clId="{C8512032-1E17-4F34-91A0-8718753EA2AC}" dt="2019-04-30T15:41:40.090" v="1470" actId="962"/>
+          <ac:picMkLst>
+            <pc:docMk/>
+            <pc:sldMk cId="1550287035" sldId="280"/>
+            <ac:picMk id="7" creationId="{43E04F55-30D9-4CE1-BF03-42CBC8B2C084}"/>
+          </ac:picMkLst>
+        </pc:picChg>
+      </pc:sldChg>
+    </pc:docChg>
+  </pc:docChgLst>
+</pc:chgInfo>
 </file>
 
 <file path=ppt/slideLayouts/slideLayout1.xml><?xml version="1.0" encoding="utf-8"?>
@@ -303,7 +646,7 @@
           <a:p>
             <a:fld id="{54092EE9-4F16-42FD-9083-B6A56A53B414}" type="datetimeFigureOut">
               <a:rPr lang="en-US" smtClean="0"/>
-              <a:t>4/29/2019</a:t>
+              <a:t>4/30/2019</a:t>
             </a:fld>
             <a:endParaRPr lang="en-US"/>
           </a:p>
@@ -601,7 +944,7 @@
           <a:p>
             <a:fld id="{54092EE9-4F16-42FD-9083-B6A56A53B414}" type="datetimeFigureOut">
               <a:rPr lang="en-US" smtClean="0"/>
-              <a:t>4/29/2019</a:t>
+              <a:t>4/30/2019</a:t>
             </a:fld>
             <a:endParaRPr lang="en-US"/>
           </a:p>
@@ -793,7 +1136,7 @@
           <a:p>
             <a:fld id="{54092EE9-4F16-42FD-9083-B6A56A53B414}" type="datetimeFigureOut">
               <a:rPr lang="en-US" smtClean="0"/>
-              <a:t>4/29/2019</a:t>
+              <a:t>4/30/2019</a:t>
             </a:fld>
             <a:endParaRPr lang="en-US"/>
           </a:p>
@@ -1054,7 +1397,7 @@
           <a:p>
             <a:fld id="{54092EE9-4F16-42FD-9083-B6A56A53B414}" type="datetimeFigureOut">
               <a:rPr lang="en-US" smtClean="0"/>
-              <a:t>4/29/2019</a:t>
+              <a:t>4/30/2019</a:t>
             </a:fld>
             <a:endParaRPr lang="en-US"/>
           </a:p>
@@ -1478,7 +1821,7 @@
           <a:p>
             <a:fld id="{54092EE9-4F16-42FD-9083-B6A56A53B414}" type="datetimeFigureOut">
               <a:rPr lang="en-US" smtClean="0"/>
-              <a:t>4/29/2019</a:t>
+              <a:t>4/30/2019</a:t>
             </a:fld>
             <a:endParaRPr lang="en-US"/>
           </a:p>
@@ -2015,7 +2358,7 @@
           <a:p>
             <a:fld id="{54092EE9-4F16-42FD-9083-B6A56A53B414}" type="datetimeFigureOut">
               <a:rPr lang="en-US" smtClean="0"/>
-              <a:t>4/29/2019</a:t>
+              <a:t>4/30/2019</a:t>
             </a:fld>
             <a:endParaRPr lang="en-US"/>
           </a:p>
@@ -2879,7 +3222,7 @@
           <a:p>
             <a:fld id="{54092EE9-4F16-42FD-9083-B6A56A53B414}" type="datetimeFigureOut">
               <a:rPr lang="en-US" smtClean="0"/>
-              <a:t>4/29/2019</a:t>
+              <a:t>4/30/2019</a:t>
             </a:fld>
             <a:endParaRPr lang="en-US"/>
           </a:p>
@@ -3049,7 +3392,7 @@
           <a:p>
             <a:fld id="{54092EE9-4F16-42FD-9083-B6A56A53B414}" type="datetimeFigureOut">
               <a:rPr lang="en-US" smtClean="0"/>
-              <a:t>4/29/2019</a:t>
+              <a:t>4/30/2019</a:t>
             </a:fld>
             <a:endParaRPr lang="en-US"/>
           </a:p>
@@ -3233,7 +3576,7 @@
           <a:p>
             <a:fld id="{54092EE9-4F16-42FD-9083-B6A56A53B414}" type="datetimeFigureOut">
               <a:rPr lang="en-US" smtClean="0"/>
-              <a:t>4/29/2019</a:t>
+              <a:t>4/30/2019</a:t>
             </a:fld>
             <a:endParaRPr lang="en-US"/>
           </a:p>
@@ -3403,7 +3746,7 @@
           <a:p>
             <a:fld id="{54092EE9-4F16-42FD-9083-B6A56A53B414}" type="datetimeFigureOut">
               <a:rPr lang="en-US" smtClean="0"/>
-              <a:t>4/29/2019</a:t>
+              <a:t>4/30/2019</a:t>
             </a:fld>
             <a:endParaRPr lang="en-US"/>
           </a:p>
@@ -3647,7 +3990,7 @@
           <a:p>
             <a:fld id="{54092EE9-4F16-42FD-9083-B6A56A53B414}" type="datetimeFigureOut">
               <a:rPr lang="en-US" smtClean="0"/>
-              <a:t>4/29/2019</a:t>
+              <a:t>4/30/2019</a:t>
             </a:fld>
             <a:endParaRPr lang="en-US"/>
           </a:p>
@@ -3883,7 +4226,7 @@
           <a:p>
             <a:fld id="{54092EE9-4F16-42FD-9083-B6A56A53B414}" type="datetimeFigureOut">
               <a:rPr lang="en-US" smtClean="0"/>
-              <a:t>4/29/2019</a:t>
+              <a:t>4/30/2019</a:t>
             </a:fld>
             <a:endParaRPr lang="en-US"/>
           </a:p>
@@ -4349,7 +4692,7 @@
           <a:p>
             <a:fld id="{54092EE9-4F16-42FD-9083-B6A56A53B414}" type="datetimeFigureOut">
               <a:rPr lang="en-US" smtClean="0"/>
-              <a:t>4/29/2019</a:t>
+              <a:t>4/30/2019</a:t>
             </a:fld>
             <a:endParaRPr lang="en-US"/>
           </a:p>
@@ -4467,7 +4810,7 @@
           <a:p>
             <a:fld id="{54092EE9-4F16-42FD-9083-B6A56A53B414}" type="datetimeFigureOut">
               <a:rPr lang="en-US" smtClean="0"/>
-              <a:t>4/29/2019</a:t>
+              <a:t>4/30/2019</a:t>
             </a:fld>
             <a:endParaRPr lang="en-US"/>
           </a:p>
@@ -4562,7 +4905,7 @@
           <a:p>
             <a:fld id="{54092EE9-4F16-42FD-9083-B6A56A53B414}" type="datetimeFigureOut">
               <a:rPr lang="en-US" smtClean="0"/>
-              <a:t>4/29/2019</a:t>
+              <a:t>4/30/2019</a:t>
             </a:fld>
             <a:endParaRPr lang="en-US"/>
           </a:p>
@@ -4817,7 +5160,7 @@
           <a:p>
             <a:fld id="{54092EE9-4F16-42FD-9083-B6A56A53B414}" type="datetimeFigureOut">
               <a:rPr lang="en-US" smtClean="0"/>
-              <a:t>4/29/2019</a:t>
+              <a:t>4/30/2019</a:t>
             </a:fld>
             <a:endParaRPr lang="en-US"/>
           </a:p>
@@ -5117,7 +5460,7 @@
           <a:p>
             <a:fld id="{54092EE9-4F16-42FD-9083-B6A56A53B414}" type="datetimeFigureOut">
               <a:rPr lang="en-US" smtClean="0"/>
-              <a:t>4/29/2019</a:t>
+              <a:t>4/30/2019</a:t>
             </a:fld>
             <a:endParaRPr lang="en-US"/>
           </a:p>
@@ -5351,7 +5694,7 @@
           <a:p>
             <a:fld id="{54092EE9-4F16-42FD-9083-B6A56A53B414}" type="datetimeFigureOut">
               <a:rPr lang="en-US" smtClean="0"/>
-              <a:t>4/29/2019</a:t>
+              <a:t>4/30/2019</a:t>
             </a:fld>
             <a:endParaRPr lang="en-US"/>
           </a:p>
@@ -6248,7 +6591,29 @@
           <a:bodyPr/>
           <a:lstStyle/>
           <a:p>
-            <a:endParaRPr lang="en-US"/>
+            <a:r>
+              <a:rPr lang="en-US" dirty="0"/>
+              <a:t>TCB – Task Control Block</a:t>
+            </a:r>
+          </a:p>
+          <a:p>
+            <a:r>
+              <a:rPr lang="en-US" dirty="0"/>
+              <a:t>File System</a:t>
+            </a:r>
+          </a:p>
+          <a:p>
+            <a:r>
+              <a:rPr lang="en-US" dirty="0" err="1"/>
+              <a:t>Inode</a:t>
+            </a:r>
+            <a:endParaRPr lang="en-US" dirty="0"/>
+          </a:p>
+          <a:p>
+            <a:r>
+              <a:rPr lang="en-US" dirty="0"/>
+              <a:t>Memory </a:t>
+            </a:r>
           </a:p>
         </p:txBody>
       </p:sp>
@@ -6331,7 +6696,34 @@
           <a:bodyPr/>
           <a:lstStyle/>
           <a:p>
-            <a:endParaRPr lang="en-US"/>
+            <a:r>
+              <a:rPr lang="en-US" dirty="0"/>
+              <a:t>Phase 1 – Semaphore and Scheduler</a:t>
+            </a:r>
+          </a:p>
+          <a:p>
+            <a:r>
+              <a:rPr lang="en-US" dirty="0"/>
+              <a:t>Phase 2 – Inter-process Communication</a:t>
+            </a:r>
+          </a:p>
+          <a:p>
+            <a:r>
+              <a:rPr lang="en-US" dirty="0"/>
+              <a:t>Phase 3 – Memory Management</a:t>
+            </a:r>
+          </a:p>
+          <a:p>
+            <a:r>
+              <a:rPr lang="en-US" dirty="0"/>
+              <a:t>Phase 4 – File system </a:t>
+            </a:r>
+          </a:p>
+          <a:p>
+            <a:r>
+              <a:rPr lang="en-US" dirty="0"/>
+              <a:t>Integration Testing</a:t>
+            </a:r>
           </a:p>
         </p:txBody>
       </p:sp>
@@ -6339,6 +6731,1370 @@
     <p:extLst>
       <p:ext uri="{BB962C8B-B14F-4D97-AF65-F5344CB8AC3E}">
         <p14:creationId xmlns:p14="http://schemas.microsoft.com/office/powerpoint/2010/main" val="923596246"/>
+      </p:ext>
+    </p:extLst>
+  </p:cSld>
+  <p:clrMapOvr>
+    <a:masterClrMapping/>
+  </p:clrMapOvr>
+</p:sld>
+</file>
+
+<file path=ppt/slides/slide13.xml><?xml version="1.0" encoding="utf-8"?>
+<p:sld xmlns:a="http://schemas.openxmlformats.org/drawingml/2006/main" xmlns:r="http://schemas.openxmlformats.org/officeDocument/2006/relationships" xmlns:p="http://schemas.openxmlformats.org/presentationml/2006/main">
+  <p:cSld>
+    <p:spTree>
+      <p:nvGrpSpPr>
+        <p:cNvPr id="1" name=""/>
+        <p:cNvGrpSpPr/>
+        <p:nvPr/>
+      </p:nvGrpSpPr>
+      <p:grpSpPr>
+        <a:xfrm>
+          <a:off x="0" y="0"/>
+          <a:ext cx="0" cy="0"/>
+          <a:chOff x="0" y="0"/>
+          <a:chExt cx="0" cy="0"/>
+        </a:xfrm>
+      </p:grpSpPr>
+      <p:sp>
+        <p:nvSpPr>
+          <p:cNvPr id="2" name="Title 1">
+            <a:extLst>
+              <a:ext uri="{FF2B5EF4-FFF2-40B4-BE49-F238E27FC236}">
+                <a16:creationId xmlns:a16="http://schemas.microsoft.com/office/drawing/2014/main" id="{C4CF4CAB-16EB-49D0-9F54-5CC5C285D1CD}"/>
+              </a:ext>
+            </a:extLst>
+          </p:cNvPr>
+          <p:cNvSpPr>
+            <a:spLocks noGrp="1"/>
+          </p:cNvSpPr>
+          <p:nvPr>
+            <p:ph type="title"/>
+          </p:nvPr>
+        </p:nvSpPr>
+        <p:spPr/>
+        <p:txBody>
+          <a:bodyPr/>
+          <a:lstStyle/>
+          <a:p>
+            <a:r>
+              <a:rPr lang="en-US" dirty="0"/>
+              <a:t>Phase 1 Testcase ‘1’’2’’3’’r’</a:t>
+            </a:r>
+          </a:p>
+        </p:txBody>
+      </p:sp>
+      <p:sp>
+        <p:nvSpPr>
+          <p:cNvPr id="3" name="Content Placeholder 2">
+            <a:extLst>
+              <a:ext uri="{FF2B5EF4-FFF2-40B4-BE49-F238E27FC236}">
+                <a16:creationId xmlns:a16="http://schemas.microsoft.com/office/drawing/2014/main" id="{9EA6B119-4B68-46D4-9943-433CF048F9A8}"/>
+              </a:ext>
+            </a:extLst>
+          </p:cNvPr>
+          <p:cNvSpPr>
+            <a:spLocks noGrp="1"/>
+          </p:cNvSpPr>
+          <p:nvPr>
+            <p:ph idx="1"/>
+          </p:nvPr>
+        </p:nvSpPr>
+        <p:spPr/>
+        <p:txBody>
+          <a:bodyPr/>
+          <a:lstStyle/>
+          <a:p>
+            <a:r>
+              <a:rPr lang="en-US" dirty="0"/>
+              <a:t>General operation of Ultima</a:t>
+            </a:r>
+          </a:p>
+          <a:p>
+            <a:r>
+              <a:rPr lang="en-US" dirty="0"/>
+              <a:t>Cases 1,2, and 3 kill the specific task</a:t>
+            </a:r>
+          </a:p>
+          <a:p>
+            <a:r>
+              <a:rPr lang="en-US" dirty="0"/>
+              <a:t>R induces deadlock by calling a semaphore</a:t>
+            </a:r>
+          </a:p>
+        </p:txBody>
+      </p:sp>
+    </p:spTree>
+    <p:extLst>
+      <p:ext uri="{BB962C8B-B14F-4D97-AF65-F5344CB8AC3E}">
+        <p14:creationId xmlns:p14="http://schemas.microsoft.com/office/powerpoint/2010/main" val="2480457708"/>
+      </p:ext>
+    </p:extLst>
+  </p:cSld>
+  <p:clrMapOvr>
+    <a:masterClrMapping/>
+  </p:clrMapOvr>
+</p:sld>
+</file>
+
+<file path=ppt/slides/slide14.xml><?xml version="1.0" encoding="utf-8"?>
+<p:sld xmlns:a="http://schemas.openxmlformats.org/drawingml/2006/main" xmlns:r="http://schemas.openxmlformats.org/officeDocument/2006/relationships" xmlns:p="http://schemas.openxmlformats.org/presentationml/2006/main">
+  <p:cSld>
+    <p:spTree>
+      <p:nvGrpSpPr>
+        <p:cNvPr id="1" name=""/>
+        <p:cNvGrpSpPr/>
+        <p:nvPr/>
+      </p:nvGrpSpPr>
+      <p:grpSpPr>
+        <a:xfrm>
+          <a:off x="0" y="0"/>
+          <a:ext cx="0" cy="0"/>
+          <a:chOff x="0" y="0"/>
+          <a:chExt cx="0" cy="0"/>
+        </a:xfrm>
+      </p:grpSpPr>
+      <p:sp>
+        <p:nvSpPr>
+          <p:cNvPr id="2" name="Title 1">
+            <a:extLst>
+              <a:ext uri="{FF2B5EF4-FFF2-40B4-BE49-F238E27FC236}">
+                <a16:creationId xmlns:a16="http://schemas.microsoft.com/office/drawing/2014/main" id="{85AB88F2-5E64-4E2F-8DAE-5A1B1E5CC41E}"/>
+              </a:ext>
+            </a:extLst>
+          </p:cNvPr>
+          <p:cNvSpPr>
+            <a:spLocks noGrp="1"/>
+          </p:cNvSpPr>
+          <p:nvPr>
+            <p:ph type="title"/>
+          </p:nvPr>
+        </p:nvSpPr>
+        <p:spPr/>
+        <p:txBody>
+          <a:bodyPr/>
+          <a:lstStyle/>
+          <a:p>
+            <a:endParaRPr lang="en-US"/>
+          </a:p>
+        </p:txBody>
+      </p:sp>
+      <p:sp>
+        <p:nvSpPr>
+          <p:cNvPr id="3" name="Content Placeholder 2">
+            <a:extLst>
+              <a:ext uri="{FF2B5EF4-FFF2-40B4-BE49-F238E27FC236}">
+                <a16:creationId xmlns:a16="http://schemas.microsoft.com/office/drawing/2014/main" id="{1AA6FC73-4EDD-477A-8E6D-9AA4023F6D70}"/>
+              </a:ext>
+            </a:extLst>
+          </p:cNvPr>
+          <p:cNvSpPr>
+            <a:spLocks noGrp="1"/>
+          </p:cNvSpPr>
+          <p:nvPr>
+            <p:ph idx="1"/>
+          </p:nvPr>
+        </p:nvSpPr>
+        <p:spPr/>
+        <p:txBody>
+          <a:bodyPr/>
+          <a:lstStyle/>
+          <a:p>
+            <a:endParaRPr lang="en-US"/>
+          </a:p>
+        </p:txBody>
+      </p:sp>
+    </p:spTree>
+    <p:extLst>
+      <p:ext uri="{BB962C8B-B14F-4D97-AF65-F5344CB8AC3E}">
+        <p14:creationId xmlns:p14="http://schemas.microsoft.com/office/powerpoint/2010/main" val="2284196699"/>
+      </p:ext>
+    </p:extLst>
+  </p:cSld>
+  <p:clrMapOvr>
+    <a:masterClrMapping/>
+  </p:clrMapOvr>
+</p:sld>
+</file>
+
+<file path=ppt/slides/slide15.xml><?xml version="1.0" encoding="utf-8"?>
+<p:sld xmlns:a="http://schemas.openxmlformats.org/drawingml/2006/main" xmlns:r="http://schemas.openxmlformats.org/officeDocument/2006/relationships" xmlns:p="http://schemas.openxmlformats.org/presentationml/2006/main">
+  <p:cSld>
+    <p:spTree>
+      <p:nvGrpSpPr>
+        <p:cNvPr id="1" name=""/>
+        <p:cNvGrpSpPr/>
+        <p:nvPr/>
+      </p:nvGrpSpPr>
+      <p:grpSpPr>
+        <a:xfrm>
+          <a:off x="0" y="0"/>
+          <a:ext cx="0" cy="0"/>
+          <a:chOff x="0" y="0"/>
+          <a:chExt cx="0" cy="0"/>
+        </a:xfrm>
+      </p:grpSpPr>
+      <p:sp>
+        <p:nvSpPr>
+          <p:cNvPr id="2" name="Title 1">
+            <a:extLst>
+              <a:ext uri="{FF2B5EF4-FFF2-40B4-BE49-F238E27FC236}">
+                <a16:creationId xmlns:a16="http://schemas.microsoft.com/office/drawing/2014/main" id="{9030DCCA-D7B7-459C-9EEE-9E5C4D5C0537}"/>
+              </a:ext>
+            </a:extLst>
+          </p:cNvPr>
+          <p:cNvSpPr>
+            <a:spLocks noGrp="1"/>
+          </p:cNvSpPr>
+          <p:nvPr>
+            <p:ph type="title"/>
+          </p:nvPr>
+        </p:nvSpPr>
+        <p:spPr/>
+        <p:txBody>
+          <a:bodyPr/>
+          <a:lstStyle/>
+          <a:p>
+            <a:r>
+              <a:rPr lang="en-US" dirty="0"/>
+              <a:t>Phase 2 Testcase ‘z’</a:t>
+            </a:r>
+          </a:p>
+        </p:txBody>
+      </p:sp>
+      <p:sp>
+        <p:nvSpPr>
+          <p:cNvPr id="3" name="Content Placeholder 2">
+            <a:extLst>
+              <a:ext uri="{FF2B5EF4-FFF2-40B4-BE49-F238E27FC236}">
+                <a16:creationId xmlns:a16="http://schemas.microsoft.com/office/drawing/2014/main" id="{752914AE-3684-44EF-A731-DFA772CE8E3F}"/>
+              </a:ext>
+            </a:extLst>
+          </p:cNvPr>
+          <p:cNvSpPr>
+            <a:spLocks noGrp="1"/>
+          </p:cNvSpPr>
+          <p:nvPr>
+            <p:ph idx="1"/>
+          </p:nvPr>
+        </p:nvSpPr>
+        <p:spPr/>
+        <p:txBody>
+          <a:bodyPr/>
+          <a:lstStyle/>
+          <a:p>
+            <a:r>
+              <a:rPr lang="en-US" dirty="0"/>
+              <a:t>Print messages in task1 box</a:t>
+            </a:r>
+          </a:p>
+          <a:p>
+            <a:r>
+              <a:rPr lang="en-US" dirty="0"/>
+              <a:t>Print # of messages in task1 box</a:t>
+            </a:r>
+          </a:p>
+          <a:p>
+            <a:r>
+              <a:rPr lang="en-US" dirty="0"/>
+              <a:t>Print # of messages in all boxes</a:t>
+            </a:r>
+          </a:p>
+          <a:p>
+            <a:r>
+              <a:rPr lang="en-US" dirty="0"/>
+              <a:t>Delete messages in task1 box</a:t>
+            </a:r>
+          </a:p>
+          <a:p>
+            <a:r>
+              <a:rPr lang="en-US" dirty="0"/>
+              <a:t>Print # of messages in task1 box</a:t>
+            </a:r>
+          </a:p>
+          <a:p>
+            <a:r>
+              <a:rPr lang="en-US" dirty="0"/>
+              <a:t>Print # of messages in all boxes</a:t>
+            </a:r>
+          </a:p>
+        </p:txBody>
+      </p:sp>
+    </p:spTree>
+    <p:extLst>
+      <p:ext uri="{BB962C8B-B14F-4D97-AF65-F5344CB8AC3E}">
+        <p14:creationId xmlns:p14="http://schemas.microsoft.com/office/powerpoint/2010/main" val="4021644420"/>
+      </p:ext>
+    </p:extLst>
+  </p:cSld>
+  <p:clrMapOvr>
+    <a:masterClrMapping/>
+  </p:clrMapOvr>
+</p:sld>
+</file>
+
+<file path=ppt/slides/slide16.xml><?xml version="1.0" encoding="utf-8"?>
+<p:sld xmlns:a="http://schemas.openxmlformats.org/drawingml/2006/main" xmlns:r="http://schemas.openxmlformats.org/officeDocument/2006/relationships" xmlns:p="http://schemas.openxmlformats.org/presentationml/2006/main">
+  <p:cSld>
+    <p:spTree>
+      <p:nvGrpSpPr>
+        <p:cNvPr id="1" name=""/>
+        <p:cNvGrpSpPr/>
+        <p:nvPr/>
+      </p:nvGrpSpPr>
+      <p:grpSpPr>
+        <a:xfrm>
+          <a:off x="0" y="0"/>
+          <a:ext cx="0" cy="0"/>
+          <a:chOff x="0" y="0"/>
+          <a:chExt cx="0" cy="0"/>
+        </a:xfrm>
+      </p:grpSpPr>
+      <p:sp>
+        <p:nvSpPr>
+          <p:cNvPr id="2" name="Title 1">
+            <a:extLst>
+              <a:ext uri="{FF2B5EF4-FFF2-40B4-BE49-F238E27FC236}">
+                <a16:creationId xmlns:a16="http://schemas.microsoft.com/office/drawing/2014/main" id="{9030DCCA-D7B7-459C-9EEE-9E5C4D5C0537}"/>
+              </a:ext>
+            </a:extLst>
+          </p:cNvPr>
+          <p:cNvSpPr>
+            <a:spLocks noGrp="1"/>
+          </p:cNvSpPr>
+          <p:nvPr>
+            <p:ph type="title"/>
+          </p:nvPr>
+        </p:nvSpPr>
+        <p:spPr/>
+        <p:txBody>
+          <a:bodyPr/>
+          <a:lstStyle/>
+          <a:p>
+            <a:r>
+              <a:rPr lang="en-US" dirty="0"/>
+              <a:t>Phase 2 Testcase ‘z’</a:t>
+            </a:r>
+          </a:p>
+        </p:txBody>
+      </p:sp>
+      <p:sp>
+        <p:nvSpPr>
+          <p:cNvPr id="3" name="Content Placeholder 2">
+            <a:extLst>
+              <a:ext uri="{FF2B5EF4-FFF2-40B4-BE49-F238E27FC236}">
+                <a16:creationId xmlns:a16="http://schemas.microsoft.com/office/drawing/2014/main" id="{752914AE-3684-44EF-A731-DFA772CE8E3F}"/>
+              </a:ext>
+            </a:extLst>
+          </p:cNvPr>
+          <p:cNvSpPr>
+            <a:spLocks noGrp="1"/>
+          </p:cNvSpPr>
+          <p:nvPr>
+            <p:ph idx="1"/>
+          </p:nvPr>
+        </p:nvSpPr>
+        <p:spPr/>
+        <p:txBody>
+          <a:bodyPr>
+            <a:normAutofit/>
+          </a:bodyPr>
+          <a:lstStyle/>
+          <a:p>
+            <a:pPr marL="0" marR="0" indent="0">
+              <a:lnSpc>
+                <a:spcPct val="107000"/>
+              </a:lnSpc>
+              <a:spcBef>
+                <a:spcPts val="0"/>
+              </a:spcBef>
+              <a:spcAft>
+                <a:spcPts val="0"/>
+              </a:spcAft>
+              <a:buNone/>
+            </a:pPr>
+            <a:r>
+              <a:rPr lang="en-US" dirty="0" err="1">
+                <a:effectLst/>
+                <a:latin typeface="Calibri" panose="020F0502020204030204" pitchFamily="34" charset="0"/>
+                <a:ea typeface="Calibri" panose="020F0502020204030204" pitchFamily="34" charset="0"/>
+                <a:cs typeface="Times New Roman" panose="02020603050405020304" pitchFamily="18" charset="0"/>
+              </a:rPr>
+              <a:t>IPC.Message_Print</a:t>
+            </a:r>
+            <a:r>
+              <a:rPr lang="en-US" dirty="0">
+                <a:effectLst/>
+                <a:latin typeface="Calibri" panose="020F0502020204030204" pitchFamily="34" charset="0"/>
+                <a:ea typeface="Calibri" panose="020F0502020204030204" pitchFamily="34" charset="0"/>
+                <a:cs typeface="Times New Roman" panose="02020603050405020304" pitchFamily="18" charset="0"/>
+              </a:rPr>
+              <a:t>(1, </a:t>
+            </a:r>
+            <a:r>
+              <a:rPr lang="en-US" dirty="0" err="1">
+                <a:effectLst/>
+                <a:latin typeface="Calibri" panose="020F0502020204030204" pitchFamily="34" charset="0"/>
+                <a:ea typeface="Calibri" panose="020F0502020204030204" pitchFamily="34" charset="0"/>
+                <a:cs typeface="Times New Roman" panose="02020603050405020304" pitchFamily="18" charset="0"/>
+              </a:rPr>
+              <a:t>messwin</a:t>
+            </a:r>
+            <a:r>
+              <a:rPr lang="en-US" dirty="0">
+                <a:effectLst/>
+                <a:latin typeface="Calibri" panose="020F0502020204030204" pitchFamily="34" charset="0"/>
+                <a:ea typeface="Calibri" panose="020F0502020204030204" pitchFamily="34" charset="0"/>
+                <a:cs typeface="Times New Roman" panose="02020603050405020304" pitchFamily="18" charset="0"/>
+              </a:rPr>
+              <a:t>); </a:t>
+            </a:r>
+            <a:r>
+              <a:rPr lang="en-US" i="1" dirty="0">
+                <a:effectLst/>
+                <a:latin typeface="Calibri" panose="020F0502020204030204" pitchFamily="34" charset="0"/>
+                <a:ea typeface="Calibri" panose="020F0502020204030204" pitchFamily="34" charset="0"/>
+                <a:cs typeface="Times New Roman" panose="02020603050405020304" pitchFamily="18" charset="0"/>
+              </a:rPr>
+              <a:t>// print messages</a:t>
+            </a:r>
+            <a:endParaRPr lang="en-US" dirty="0">
+              <a:effectLst/>
+              <a:latin typeface="Calibri" panose="020F0502020204030204" pitchFamily="34" charset="0"/>
+              <a:ea typeface="Calibri" panose="020F0502020204030204" pitchFamily="34" charset="0"/>
+              <a:cs typeface="Times New Roman" panose="02020603050405020304" pitchFamily="18" charset="0"/>
+            </a:endParaRPr>
+          </a:p>
+          <a:p>
+            <a:pPr marL="0" marR="0" indent="0">
+              <a:lnSpc>
+                <a:spcPct val="107000"/>
+              </a:lnSpc>
+              <a:spcBef>
+                <a:spcPts val="0"/>
+              </a:spcBef>
+              <a:spcAft>
+                <a:spcPts val="0"/>
+              </a:spcAft>
+              <a:buNone/>
+            </a:pPr>
+            <a:r>
+              <a:rPr lang="en-US" dirty="0" err="1">
+                <a:effectLst/>
+                <a:latin typeface="Calibri" panose="020F0502020204030204" pitchFamily="34" charset="0"/>
+                <a:ea typeface="Calibri" panose="020F0502020204030204" pitchFamily="34" charset="0"/>
+                <a:cs typeface="Times New Roman" panose="02020603050405020304" pitchFamily="18" charset="0"/>
+              </a:rPr>
+              <a:t>sprintf</a:t>
+            </a:r>
+            <a:r>
+              <a:rPr lang="en-US" dirty="0">
+                <a:effectLst/>
+                <a:latin typeface="Calibri" panose="020F0502020204030204" pitchFamily="34" charset="0"/>
+                <a:ea typeface="Calibri" panose="020F0502020204030204" pitchFamily="34" charset="0"/>
+                <a:cs typeface="Times New Roman" panose="02020603050405020304" pitchFamily="18" charset="0"/>
+              </a:rPr>
+              <a:t>(buff, </a:t>
+            </a:r>
+            <a:r>
+              <a:rPr lang="en-US" dirty="0">
+                <a:solidFill>
+                  <a:srgbClr val="00B050"/>
+                </a:solidFill>
+                <a:effectLst/>
+                <a:latin typeface="Calibri" panose="020F0502020204030204" pitchFamily="34" charset="0"/>
+                <a:ea typeface="Calibri" panose="020F0502020204030204" pitchFamily="34" charset="0"/>
+                <a:cs typeface="Times New Roman" panose="02020603050405020304" pitchFamily="18" charset="0"/>
+              </a:rPr>
+              <a:t>" # of messages in task1 box = %d \n" </a:t>
+            </a:r>
+            <a:r>
+              <a:rPr lang="en-US" dirty="0">
+                <a:effectLst/>
+                <a:latin typeface="Calibri" panose="020F0502020204030204" pitchFamily="34" charset="0"/>
+                <a:ea typeface="Calibri" panose="020F0502020204030204" pitchFamily="34" charset="0"/>
+                <a:cs typeface="Times New Roman" panose="02020603050405020304" pitchFamily="18" charset="0"/>
+              </a:rPr>
+              <a:t>, </a:t>
+            </a:r>
+            <a:r>
+              <a:rPr lang="en-US" dirty="0" err="1">
+                <a:effectLst/>
+                <a:latin typeface="Calibri" panose="020F0502020204030204" pitchFamily="34" charset="0"/>
+                <a:ea typeface="Calibri" panose="020F0502020204030204" pitchFamily="34" charset="0"/>
+                <a:cs typeface="Times New Roman" panose="02020603050405020304" pitchFamily="18" charset="0"/>
+              </a:rPr>
+              <a:t>IPC.Message_Count</a:t>
+            </a:r>
+            <a:r>
+              <a:rPr lang="en-US" dirty="0">
+                <a:effectLst/>
+                <a:latin typeface="Calibri" panose="020F0502020204030204" pitchFamily="34" charset="0"/>
+                <a:ea typeface="Calibri" panose="020F0502020204030204" pitchFamily="34" charset="0"/>
+                <a:cs typeface="Times New Roman" panose="02020603050405020304" pitchFamily="18" charset="0"/>
+              </a:rPr>
+              <a:t>(1));</a:t>
+            </a:r>
+          </a:p>
+          <a:p>
+            <a:pPr marL="0" marR="0" indent="0">
+              <a:lnSpc>
+                <a:spcPct val="107000"/>
+              </a:lnSpc>
+              <a:spcBef>
+                <a:spcPts val="0"/>
+              </a:spcBef>
+              <a:spcAft>
+                <a:spcPts val="0"/>
+              </a:spcAft>
+              <a:buNone/>
+            </a:pPr>
+            <a:r>
+              <a:rPr lang="en-US" dirty="0" err="1">
+                <a:effectLst/>
+                <a:latin typeface="Calibri" panose="020F0502020204030204" pitchFamily="34" charset="0"/>
+                <a:ea typeface="Calibri" panose="020F0502020204030204" pitchFamily="34" charset="0"/>
+                <a:cs typeface="Times New Roman" panose="02020603050405020304" pitchFamily="18" charset="0"/>
+              </a:rPr>
+              <a:t>write_window</a:t>
+            </a:r>
+            <a:r>
+              <a:rPr lang="en-US" dirty="0">
+                <a:effectLst/>
+                <a:latin typeface="Calibri" panose="020F0502020204030204" pitchFamily="34" charset="0"/>
+                <a:ea typeface="Calibri" panose="020F0502020204030204" pitchFamily="34" charset="0"/>
+                <a:cs typeface="Times New Roman" panose="02020603050405020304" pitchFamily="18" charset="0"/>
+              </a:rPr>
+              <a:t>(</a:t>
+            </a:r>
+            <a:r>
+              <a:rPr lang="en-US" dirty="0" err="1">
+                <a:effectLst/>
+                <a:latin typeface="Calibri" panose="020F0502020204030204" pitchFamily="34" charset="0"/>
+                <a:ea typeface="Calibri" panose="020F0502020204030204" pitchFamily="34" charset="0"/>
+                <a:cs typeface="Times New Roman" panose="02020603050405020304" pitchFamily="18" charset="0"/>
+              </a:rPr>
+              <a:t>messwin</a:t>
+            </a:r>
+            <a:r>
+              <a:rPr lang="en-US" dirty="0">
+                <a:effectLst/>
+                <a:latin typeface="Calibri" panose="020F0502020204030204" pitchFamily="34" charset="0"/>
+                <a:ea typeface="Calibri" panose="020F0502020204030204" pitchFamily="34" charset="0"/>
+                <a:cs typeface="Times New Roman" panose="02020603050405020304" pitchFamily="18" charset="0"/>
+              </a:rPr>
+              <a:t>, buff);</a:t>
+            </a:r>
+          </a:p>
+          <a:p>
+            <a:pPr marL="0" marR="0" indent="0">
+              <a:lnSpc>
+                <a:spcPct val="107000"/>
+              </a:lnSpc>
+              <a:spcBef>
+                <a:spcPts val="0"/>
+              </a:spcBef>
+              <a:spcAft>
+                <a:spcPts val="0"/>
+              </a:spcAft>
+              <a:buNone/>
+            </a:pPr>
+            <a:r>
+              <a:rPr lang="en-US" dirty="0" err="1">
+                <a:effectLst/>
+                <a:latin typeface="Calibri" panose="020F0502020204030204" pitchFamily="34" charset="0"/>
+                <a:ea typeface="Calibri" panose="020F0502020204030204" pitchFamily="34" charset="0"/>
+                <a:cs typeface="Times New Roman" panose="02020603050405020304" pitchFamily="18" charset="0"/>
+              </a:rPr>
+              <a:t>sprintf</a:t>
+            </a:r>
+            <a:r>
+              <a:rPr lang="en-US" dirty="0">
+                <a:effectLst/>
+                <a:latin typeface="Calibri" panose="020F0502020204030204" pitchFamily="34" charset="0"/>
+                <a:ea typeface="Calibri" panose="020F0502020204030204" pitchFamily="34" charset="0"/>
+                <a:cs typeface="Times New Roman" panose="02020603050405020304" pitchFamily="18" charset="0"/>
+              </a:rPr>
+              <a:t>(buff, </a:t>
+            </a:r>
+            <a:r>
+              <a:rPr lang="en-US" dirty="0">
+                <a:solidFill>
+                  <a:srgbClr val="00B050"/>
+                </a:solidFill>
+                <a:effectLst/>
+                <a:latin typeface="Calibri" panose="020F0502020204030204" pitchFamily="34" charset="0"/>
+                <a:ea typeface="Calibri" panose="020F0502020204030204" pitchFamily="34" charset="0"/>
+                <a:cs typeface="Times New Roman" panose="02020603050405020304" pitchFamily="18" charset="0"/>
+              </a:rPr>
+              <a:t>" # of messages in all boxes = %d \n" </a:t>
+            </a:r>
+            <a:r>
+              <a:rPr lang="en-US" dirty="0">
+                <a:effectLst/>
+                <a:latin typeface="Calibri" panose="020F0502020204030204" pitchFamily="34" charset="0"/>
+                <a:ea typeface="Calibri" panose="020F0502020204030204" pitchFamily="34" charset="0"/>
+                <a:cs typeface="Times New Roman" panose="02020603050405020304" pitchFamily="18" charset="0"/>
+              </a:rPr>
+              <a:t>, </a:t>
+            </a:r>
+            <a:r>
+              <a:rPr lang="en-US" dirty="0" err="1">
+                <a:effectLst/>
+                <a:latin typeface="Calibri" panose="020F0502020204030204" pitchFamily="34" charset="0"/>
+                <a:ea typeface="Calibri" panose="020F0502020204030204" pitchFamily="34" charset="0"/>
+                <a:cs typeface="Times New Roman" panose="02020603050405020304" pitchFamily="18" charset="0"/>
+              </a:rPr>
+              <a:t>IPC.Message_Count</a:t>
+            </a:r>
+            <a:r>
+              <a:rPr lang="en-US" dirty="0">
+                <a:effectLst/>
+                <a:latin typeface="Calibri" panose="020F0502020204030204" pitchFamily="34" charset="0"/>
+                <a:ea typeface="Calibri" panose="020F0502020204030204" pitchFamily="34" charset="0"/>
+                <a:cs typeface="Times New Roman" panose="02020603050405020304" pitchFamily="18" charset="0"/>
+              </a:rPr>
+              <a:t>());</a:t>
+            </a:r>
+          </a:p>
+          <a:p>
+            <a:pPr marL="0" marR="0" indent="0">
+              <a:lnSpc>
+                <a:spcPct val="107000"/>
+              </a:lnSpc>
+              <a:spcBef>
+                <a:spcPts val="0"/>
+              </a:spcBef>
+              <a:spcAft>
+                <a:spcPts val="0"/>
+              </a:spcAft>
+              <a:buNone/>
+            </a:pPr>
+            <a:r>
+              <a:rPr lang="en-US" dirty="0" err="1">
+                <a:effectLst/>
+                <a:latin typeface="Calibri" panose="020F0502020204030204" pitchFamily="34" charset="0"/>
+                <a:ea typeface="Calibri" panose="020F0502020204030204" pitchFamily="34" charset="0"/>
+                <a:cs typeface="Times New Roman" panose="02020603050405020304" pitchFamily="18" charset="0"/>
+              </a:rPr>
+              <a:t>write_window</a:t>
+            </a:r>
+            <a:r>
+              <a:rPr lang="en-US" dirty="0">
+                <a:effectLst/>
+                <a:latin typeface="Calibri" panose="020F0502020204030204" pitchFamily="34" charset="0"/>
+                <a:ea typeface="Calibri" panose="020F0502020204030204" pitchFamily="34" charset="0"/>
+                <a:cs typeface="Times New Roman" panose="02020603050405020304" pitchFamily="18" charset="0"/>
+              </a:rPr>
+              <a:t>(</a:t>
+            </a:r>
+            <a:r>
+              <a:rPr lang="en-US" dirty="0" err="1">
+                <a:effectLst/>
+                <a:latin typeface="Calibri" panose="020F0502020204030204" pitchFamily="34" charset="0"/>
+                <a:ea typeface="Calibri" panose="020F0502020204030204" pitchFamily="34" charset="0"/>
+                <a:cs typeface="Times New Roman" panose="02020603050405020304" pitchFamily="18" charset="0"/>
+              </a:rPr>
+              <a:t>messwin</a:t>
+            </a:r>
+            <a:r>
+              <a:rPr lang="en-US" dirty="0">
+                <a:effectLst/>
+                <a:latin typeface="Calibri" panose="020F0502020204030204" pitchFamily="34" charset="0"/>
+                <a:ea typeface="Calibri" panose="020F0502020204030204" pitchFamily="34" charset="0"/>
+                <a:cs typeface="Times New Roman" panose="02020603050405020304" pitchFamily="18" charset="0"/>
+              </a:rPr>
+              <a:t>, buff);</a:t>
+            </a:r>
+          </a:p>
+          <a:p>
+            <a:pPr marL="0" marR="0" indent="0">
+              <a:lnSpc>
+                <a:spcPct val="107000"/>
+              </a:lnSpc>
+              <a:spcBef>
+                <a:spcPts val="0"/>
+              </a:spcBef>
+              <a:spcAft>
+                <a:spcPts val="0"/>
+              </a:spcAft>
+              <a:buNone/>
+            </a:pPr>
+            <a:r>
+              <a:rPr lang="en-US" dirty="0" err="1">
+                <a:effectLst/>
+                <a:latin typeface="Calibri" panose="020F0502020204030204" pitchFamily="34" charset="0"/>
+                <a:ea typeface="Calibri" panose="020F0502020204030204" pitchFamily="34" charset="0"/>
+                <a:cs typeface="Times New Roman" panose="02020603050405020304" pitchFamily="18" charset="0"/>
+              </a:rPr>
+              <a:t>sprintf</a:t>
+            </a:r>
+            <a:r>
+              <a:rPr lang="en-US" dirty="0">
+                <a:effectLst/>
+                <a:latin typeface="Calibri" panose="020F0502020204030204" pitchFamily="34" charset="0"/>
+                <a:ea typeface="Calibri" panose="020F0502020204030204" pitchFamily="34" charset="0"/>
+                <a:cs typeface="Times New Roman" panose="02020603050405020304" pitchFamily="18" charset="0"/>
+              </a:rPr>
+              <a:t>(buff, </a:t>
+            </a:r>
+            <a:r>
+              <a:rPr lang="en-US" dirty="0">
+                <a:solidFill>
+                  <a:srgbClr val="00B050"/>
+                </a:solidFill>
+                <a:effectLst/>
+                <a:latin typeface="Calibri" panose="020F0502020204030204" pitchFamily="34" charset="0"/>
+                <a:ea typeface="Calibri" panose="020F0502020204030204" pitchFamily="34" charset="0"/>
+                <a:cs typeface="Times New Roman" panose="02020603050405020304" pitchFamily="18" charset="0"/>
+              </a:rPr>
+              <a:t>" Deleting messages in task 1 box \n"</a:t>
+            </a:r>
+            <a:r>
+              <a:rPr lang="en-US" dirty="0">
+                <a:effectLst/>
+                <a:latin typeface="Calibri" panose="020F0502020204030204" pitchFamily="34" charset="0"/>
+                <a:ea typeface="Calibri" panose="020F0502020204030204" pitchFamily="34" charset="0"/>
+                <a:cs typeface="Times New Roman" panose="02020603050405020304" pitchFamily="18" charset="0"/>
+              </a:rPr>
+              <a:t>);</a:t>
+            </a:r>
+          </a:p>
+          <a:p>
+            <a:pPr marL="0" marR="0" indent="0">
+              <a:lnSpc>
+                <a:spcPct val="107000"/>
+              </a:lnSpc>
+              <a:spcBef>
+                <a:spcPts val="0"/>
+              </a:spcBef>
+              <a:spcAft>
+                <a:spcPts val="0"/>
+              </a:spcAft>
+              <a:buNone/>
+            </a:pPr>
+            <a:r>
+              <a:rPr lang="en-US" dirty="0" err="1">
+                <a:effectLst/>
+                <a:latin typeface="Calibri" panose="020F0502020204030204" pitchFamily="34" charset="0"/>
+                <a:ea typeface="Calibri" panose="020F0502020204030204" pitchFamily="34" charset="0"/>
+                <a:cs typeface="Times New Roman" panose="02020603050405020304" pitchFamily="18" charset="0"/>
+              </a:rPr>
+              <a:t>write_window</a:t>
+            </a:r>
+            <a:r>
+              <a:rPr lang="en-US" dirty="0">
+                <a:effectLst/>
+                <a:latin typeface="Calibri" panose="020F0502020204030204" pitchFamily="34" charset="0"/>
+                <a:ea typeface="Calibri" panose="020F0502020204030204" pitchFamily="34" charset="0"/>
+                <a:cs typeface="Times New Roman" panose="02020603050405020304" pitchFamily="18" charset="0"/>
+              </a:rPr>
+              <a:t>(</a:t>
+            </a:r>
+            <a:r>
+              <a:rPr lang="en-US" dirty="0" err="1">
+                <a:effectLst/>
+                <a:latin typeface="Calibri" panose="020F0502020204030204" pitchFamily="34" charset="0"/>
+                <a:ea typeface="Calibri" panose="020F0502020204030204" pitchFamily="34" charset="0"/>
+                <a:cs typeface="Times New Roman" panose="02020603050405020304" pitchFamily="18" charset="0"/>
+              </a:rPr>
+              <a:t>messwin</a:t>
+            </a:r>
+            <a:r>
+              <a:rPr lang="en-US" dirty="0">
+                <a:effectLst/>
+                <a:latin typeface="Calibri" panose="020F0502020204030204" pitchFamily="34" charset="0"/>
+                <a:ea typeface="Calibri" panose="020F0502020204030204" pitchFamily="34" charset="0"/>
+                <a:cs typeface="Times New Roman" panose="02020603050405020304" pitchFamily="18" charset="0"/>
+              </a:rPr>
+              <a:t>, buff);</a:t>
+            </a:r>
+          </a:p>
+          <a:p>
+            <a:pPr marL="0" marR="0" indent="0">
+              <a:lnSpc>
+                <a:spcPct val="107000"/>
+              </a:lnSpc>
+              <a:spcBef>
+                <a:spcPts val="0"/>
+              </a:spcBef>
+              <a:spcAft>
+                <a:spcPts val="0"/>
+              </a:spcAft>
+              <a:buNone/>
+            </a:pPr>
+            <a:r>
+              <a:rPr lang="en-US" dirty="0" err="1">
+                <a:effectLst/>
+                <a:latin typeface="Calibri" panose="020F0502020204030204" pitchFamily="34" charset="0"/>
+                <a:ea typeface="Calibri" panose="020F0502020204030204" pitchFamily="34" charset="0"/>
+                <a:cs typeface="Times New Roman" panose="02020603050405020304" pitchFamily="18" charset="0"/>
+              </a:rPr>
+              <a:t>IPC.Message_DeleteAll</a:t>
+            </a:r>
+            <a:r>
+              <a:rPr lang="en-US" dirty="0">
+                <a:effectLst/>
+                <a:latin typeface="Calibri" panose="020F0502020204030204" pitchFamily="34" charset="0"/>
+                <a:ea typeface="Calibri" panose="020F0502020204030204" pitchFamily="34" charset="0"/>
+                <a:cs typeface="Times New Roman" panose="02020603050405020304" pitchFamily="18" charset="0"/>
+              </a:rPr>
+              <a:t>(1);</a:t>
+            </a:r>
+          </a:p>
+          <a:p>
+            <a:pPr marL="0" marR="0" indent="0">
+              <a:lnSpc>
+                <a:spcPct val="107000"/>
+              </a:lnSpc>
+              <a:spcBef>
+                <a:spcPts val="0"/>
+              </a:spcBef>
+              <a:spcAft>
+                <a:spcPts val="0"/>
+              </a:spcAft>
+              <a:buNone/>
+            </a:pPr>
+            <a:r>
+              <a:rPr lang="en-US" dirty="0" err="1">
+                <a:effectLst/>
+                <a:latin typeface="Calibri" panose="020F0502020204030204" pitchFamily="34" charset="0"/>
+                <a:ea typeface="Calibri" panose="020F0502020204030204" pitchFamily="34" charset="0"/>
+                <a:cs typeface="Times New Roman" panose="02020603050405020304" pitchFamily="18" charset="0"/>
+              </a:rPr>
+              <a:t>sprintf</a:t>
+            </a:r>
+            <a:r>
+              <a:rPr lang="en-US" dirty="0">
+                <a:effectLst/>
+                <a:latin typeface="Calibri" panose="020F0502020204030204" pitchFamily="34" charset="0"/>
+                <a:ea typeface="Calibri" panose="020F0502020204030204" pitchFamily="34" charset="0"/>
+                <a:cs typeface="Times New Roman" panose="02020603050405020304" pitchFamily="18" charset="0"/>
+              </a:rPr>
+              <a:t>(buff, </a:t>
+            </a:r>
+            <a:r>
+              <a:rPr lang="en-US" dirty="0">
+                <a:solidFill>
+                  <a:srgbClr val="00B050"/>
+                </a:solidFill>
+                <a:effectLst/>
+                <a:latin typeface="Calibri" panose="020F0502020204030204" pitchFamily="34" charset="0"/>
+                <a:ea typeface="Calibri" panose="020F0502020204030204" pitchFamily="34" charset="0"/>
+                <a:cs typeface="Times New Roman" panose="02020603050405020304" pitchFamily="18" charset="0"/>
+              </a:rPr>
+              <a:t>" # of messages in task1 box = %d \n"</a:t>
+            </a:r>
+            <a:r>
+              <a:rPr lang="en-US" dirty="0">
+                <a:effectLst/>
+                <a:latin typeface="Calibri" panose="020F0502020204030204" pitchFamily="34" charset="0"/>
+                <a:ea typeface="Calibri" panose="020F0502020204030204" pitchFamily="34" charset="0"/>
+                <a:cs typeface="Times New Roman" panose="02020603050405020304" pitchFamily="18" charset="0"/>
+              </a:rPr>
+              <a:t> , </a:t>
+            </a:r>
+            <a:r>
+              <a:rPr lang="en-US" dirty="0" err="1">
+                <a:effectLst/>
+                <a:latin typeface="Calibri" panose="020F0502020204030204" pitchFamily="34" charset="0"/>
+                <a:ea typeface="Calibri" panose="020F0502020204030204" pitchFamily="34" charset="0"/>
+                <a:cs typeface="Times New Roman" panose="02020603050405020304" pitchFamily="18" charset="0"/>
+              </a:rPr>
+              <a:t>IPC.Message_Count</a:t>
+            </a:r>
+            <a:r>
+              <a:rPr lang="en-US" dirty="0">
+                <a:effectLst/>
+                <a:latin typeface="Calibri" panose="020F0502020204030204" pitchFamily="34" charset="0"/>
+                <a:ea typeface="Calibri" panose="020F0502020204030204" pitchFamily="34" charset="0"/>
+                <a:cs typeface="Times New Roman" panose="02020603050405020304" pitchFamily="18" charset="0"/>
+              </a:rPr>
+              <a:t>(1));</a:t>
+            </a:r>
+          </a:p>
+          <a:p>
+            <a:pPr marL="0" marR="0" indent="0">
+              <a:lnSpc>
+                <a:spcPct val="107000"/>
+              </a:lnSpc>
+              <a:spcBef>
+                <a:spcPts val="0"/>
+              </a:spcBef>
+              <a:spcAft>
+                <a:spcPts val="0"/>
+              </a:spcAft>
+              <a:buNone/>
+            </a:pPr>
+            <a:r>
+              <a:rPr lang="en-US" dirty="0" err="1">
+                <a:effectLst/>
+                <a:latin typeface="Calibri" panose="020F0502020204030204" pitchFamily="34" charset="0"/>
+                <a:ea typeface="Calibri" panose="020F0502020204030204" pitchFamily="34" charset="0"/>
+                <a:cs typeface="Times New Roman" panose="02020603050405020304" pitchFamily="18" charset="0"/>
+              </a:rPr>
+              <a:t>write_window</a:t>
+            </a:r>
+            <a:r>
+              <a:rPr lang="en-US" dirty="0">
+                <a:effectLst/>
+                <a:latin typeface="Calibri" panose="020F0502020204030204" pitchFamily="34" charset="0"/>
+                <a:ea typeface="Calibri" panose="020F0502020204030204" pitchFamily="34" charset="0"/>
+                <a:cs typeface="Times New Roman" panose="02020603050405020304" pitchFamily="18" charset="0"/>
+              </a:rPr>
+              <a:t>(</a:t>
+            </a:r>
+            <a:r>
+              <a:rPr lang="en-US" dirty="0" err="1">
+                <a:effectLst/>
+                <a:latin typeface="Calibri" panose="020F0502020204030204" pitchFamily="34" charset="0"/>
+                <a:ea typeface="Calibri" panose="020F0502020204030204" pitchFamily="34" charset="0"/>
+                <a:cs typeface="Times New Roman" panose="02020603050405020304" pitchFamily="18" charset="0"/>
+              </a:rPr>
+              <a:t>messwin</a:t>
+            </a:r>
+            <a:r>
+              <a:rPr lang="en-US" dirty="0">
+                <a:effectLst/>
+                <a:latin typeface="Calibri" panose="020F0502020204030204" pitchFamily="34" charset="0"/>
+                <a:ea typeface="Calibri" panose="020F0502020204030204" pitchFamily="34" charset="0"/>
+                <a:cs typeface="Times New Roman" panose="02020603050405020304" pitchFamily="18" charset="0"/>
+              </a:rPr>
+              <a:t>, buff);</a:t>
+            </a:r>
+          </a:p>
+          <a:p>
+            <a:pPr marL="0" marR="0" indent="0">
+              <a:lnSpc>
+                <a:spcPct val="107000"/>
+              </a:lnSpc>
+              <a:spcBef>
+                <a:spcPts val="0"/>
+              </a:spcBef>
+              <a:spcAft>
+                <a:spcPts val="0"/>
+              </a:spcAft>
+              <a:buNone/>
+            </a:pPr>
+            <a:r>
+              <a:rPr lang="en-US" dirty="0" err="1">
+                <a:effectLst/>
+                <a:latin typeface="Calibri" panose="020F0502020204030204" pitchFamily="34" charset="0"/>
+                <a:ea typeface="Calibri" panose="020F0502020204030204" pitchFamily="34" charset="0"/>
+                <a:cs typeface="Times New Roman" panose="02020603050405020304" pitchFamily="18" charset="0"/>
+              </a:rPr>
+              <a:t>sprintf</a:t>
+            </a:r>
+            <a:r>
+              <a:rPr lang="en-US" dirty="0">
+                <a:effectLst/>
+                <a:latin typeface="Calibri" panose="020F0502020204030204" pitchFamily="34" charset="0"/>
+                <a:ea typeface="Calibri" panose="020F0502020204030204" pitchFamily="34" charset="0"/>
+                <a:cs typeface="Times New Roman" panose="02020603050405020304" pitchFamily="18" charset="0"/>
+              </a:rPr>
+              <a:t>(buff, </a:t>
+            </a:r>
+            <a:r>
+              <a:rPr lang="en-US" dirty="0">
+                <a:solidFill>
+                  <a:srgbClr val="00B050"/>
+                </a:solidFill>
+                <a:effectLst/>
+                <a:latin typeface="Calibri" panose="020F0502020204030204" pitchFamily="34" charset="0"/>
+                <a:ea typeface="Calibri" panose="020F0502020204030204" pitchFamily="34" charset="0"/>
+                <a:cs typeface="Times New Roman" panose="02020603050405020304" pitchFamily="18" charset="0"/>
+              </a:rPr>
+              <a:t>" # of messages in all boxes = %d \n" </a:t>
+            </a:r>
+            <a:r>
+              <a:rPr lang="en-US" dirty="0">
+                <a:effectLst/>
+                <a:latin typeface="Calibri" panose="020F0502020204030204" pitchFamily="34" charset="0"/>
+                <a:ea typeface="Calibri" panose="020F0502020204030204" pitchFamily="34" charset="0"/>
+                <a:cs typeface="Times New Roman" panose="02020603050405020304" pitchFamily="18" charset="0"/>
+              </a:rPr>
+              <a:t>, </a:t>
+            </a:r>
+            <a:r>
+              <a:rPr lang="en-US" dirty="0" err="1">
+                <a:effectLst/>
+                <a:latin typeface="Calibri" panose="020F0502020204030204" pitchFamily="34" charset="0"/>
+                <a:ea typeface="Calibri" panose="020F0502020204030204" pitchFamily="34" charset="0"/>
+                <a:cs typeface="Times New Roman" panose="02020603050405020304" pitchFamily="18" charset="0"/>
+              </a:rPr>
+              <a:t>IPC.Message_Count</a:t>
+            </a:r>
+            <a:r>
+              <a:rPr lang="en-US" dirty="0">
+                <a:effectLst/>
+                <a:latin typeface="Calibri" panose="020F0502020204030204" pitchFamily="34" charset="0"/>
+                <a:ea typeface="Calibri" panose="020F0502020204030204" pitchFamily="34" charset="0"/>
+                <a:cs typeface="Times New Roman" panose="02020603050405020304" pitchFamily="18" charset="0"/>
+              </a:rPr>
+              <a:t>());</a:t>
+            </a:r>
+          </a:p>
+          <a:p>
+            <a:pPr marL="0" marR="0" indent="0">
+              <a:lnSpc>
+                <a:spcPct val="107000"/>
+              </a:lnSpc>
+              <a:spcBef>
+                <a:spcPts val="0"/>
+              </a:spcBef>
+              <a:spcAft>
+                <a:spcPts val="0"/>
+              </a:spcAft>
+              <a:buNone/>
+            </a:pPr>
+            <a:r>
+              <a:rPr lang="en-US" dirty="0" err="1">
+                <a:effectLst/>
+                <a:latin typeface="Calibri" panose="020F0502020204030204" pitchFamily="34" charset="0"/>
+                <a:ea typeface="Calibri" panose="020F0502020204030204" pitchFamily="34" charset="0"/>
+                <a:cs typeface="Times New Roman" panose="02020603050405020304" pitchFamily="18" charset="0"/>
+              </a:rPr>
+              <a:t>write_window</a:t>
+            </a:r>
+            <a:r>
+              <a:rPr lang="en-US" dirty="0">
+                <a:effectLst/>
+                <a:latin typeface="Calibri" panose="020F0502020204030204" pitchFamily="34" charset="0"/>
+                <a:ea typeface="Calibri" panose="020F0502020204030204" pitchFamily="34" charset="0"/>
+                <a:cs typeface="Times New Roman" panose="02020603050405020304" pitchFamily="18" charset="0"/>
+              </a:rPr>
+              <a:t>(</a:t>
+            </a:r>
+            <a:r>
+              <a:rPr lang="en-US" dirty="0" err="1">
+                <a:effectLst/>
+                <a:latin typeface="Calibri" panose="020F0502020204030204" pitchFamily="34" charset="0"/>
+                <a:ea typeface="Calibri" panose="020F0502020204030204" pitchFamily="34" charset="0"/>
+                <a:cs typeface="Times New Roman" panose="02020603050405020304" pitchFamily="18" charset="0"/>
+              </a:rPr>
+              <a:t>messwin</a:t>
+            </a:r>
+            <a:r>
+              <a:rPr lang="en-US" dirty="0">
+                <a:effectLst/>
+                <a:latin typeface="Calibri" panose="020F0502020204030204" pitchFamily="34" charset="0"/>
+                <a:ea typeface="Calibri" panose="020F0502020204030204" pitchFamily="34" charset="0"/>
+                <a:cs typeface="Times New Roman" panose="02020603050405020304" pitchFamily="18" charset="0"/>
+              </a:rPr>
+              <a:t>, buff);</a:t>
+            </a:r>
+          </a:p>
+          <a:p>
+            <a:pPr marL="36900" indent="0">
+              <a:buNone/>
+            </a:pPr>
+            <a:endParaRPr lang="en-US" dirty="0"/>
+          </a:p>
+        </p:txBody>
+      </p:sp>
+    </p:spTree>
+    <p:extLst>
+      <p:ext uri="{BB962C8B-B14F-4D97-AF65-F5344CB8AC3E}">
+        <p14:creationId xmlns:p14="http://schemas.microsoft.com/office/powerpoint/2010/main" val="3169543746"/>
+      </p:ext>
+    </p:extLst>
+  </p:cSld>
+  <p:clrMapOvr>
+    <a:masterClrMapping/>
+  </p:clrMapOvr>
+</p:sld>
+</file>
+
+<file path=ppt/slides/slide17.xml><?xml version="1.0" encoding="utf-8"?>
+<p:sld xmlns:a="http://schemas.openxmlformats.org/drawingml/2006/main" xmlns:r="http://schemas.openxmlformats.org/officeDocument/2006/relationships" xmlns:p="http://schemas.openxmlformats.org/presentationml/2006/main">
+  <p:cSld>
+    <p:spTree>
+      <p:nvGrpSpPr>
+        <p:cNvPr id="1" name=""/>
+        <p:cNvGrpSpPr/>
+        <p:nvPr/>
+      </p:nvGrpSpPr>
+      <p:grpSpPr>
+        <a:xfrm>
+          <a:off x="0" y="0"/>
+          <a:ext cx="0" cy="0"/>
+          <a:chOff x="0" y="0"/>
+          <a:chExt cx="0" cy="0"/>
+        </a:xfrm>
+      </p:grpSpPr>
+      <p:sp>
+        <p:nvSpPr>
+          <p:cNvPr id="2" name="Title 1">
+            <a:extLst>
+              <a:ext uri="{FF2B5EF4-FFF2-40B4-BE49-F238E27FC236}">
+                <a16:creationId xmlns:a16="http://schemas.microsoft.com/office/drawing/2014/main" id="{F8435390-AE63-44E4-98FB-166DFCB3E7BF}"/>
+              </a:ext>
+            </a:extLst>
+          </p:cNvPr>
+          <p:cNvSpPr>
+            <a:spLocks noGrp="1"/>
+          </p:cNvSpPr>
+          <p:nvPr>
+            <p:ph type="title"/>
+          </p:nvPr>
+        </p:nvSpPr>
+        <p:spPr/>
+        <p:txBody>
+          <a:bodyPr/>
+          <a:lstStyle/>
+          <a:p>
+            <a:endParaRPr lang="en-US"/>
+          </a:p>
+        </p:txBody>
+      </p:sp>
+      <p:pic>
+        <p:nvPicPr>
+          <p:cNvPr id="5" name="Content Placeholder 4" descr="A screen shot of a computer&#10;&#10;Description automatically generated">
+            <a:extLst>
+              <a:ext uri="{FF2B5EF4-FFF2-40B4-BE49-F238E27FC236}">
+                <a16:creationId xmlns:a16="http://schemas.microsoft.com/office/drawing/2014/main" id="{B7538621-890E-45E3-B965-2968B2262BFA}"/>
+              </a:ext>
+            </a:extLst>
+          </p:cNvPr>
+          <p:cNvPicPr>
+            <a:picLocks noGrp="1" noChangeAspect="1"/>
+          </p:cNvPicPr>
+          <p:nvPr>
+            <p:ph idx="1"/>
+          </p:nvPr>
+        </p:nvPicPr>
+        <p:blipFill>
+          <a:blip r:embed="rId2">
+            <a:extLst>
+              <a:ext uri="{28A0092B-C50C-407E-A947-70E740481C1C}">
+                <a14:useLocalDpi xmlns:a14="http://schemas.microsoft.com/office/drawing/2010/main" val="0"/>
+              </a:ext>
+            </a:extLst>
+          </a:blip>
+          <a:stretch>
+            <a:fillRect/>
+          </a:stretch>
+        </p:blipFill>
+        <p:spPr>
+          <a:xfrm>
+            <a:off x="2403341" y="1731963"/>
+            <a:ext cx="7375792" cy="4059237"/>
+          </a:xfrm>
+        </p:spPr>
+      </p:pic>
+    </p:spTree>
+    <p:extLst>
+      <p:ext uri="{BB962C8B-B14F-4D97-AF65-F5344CB8AC3E}">
+        <p14:creationId xmlns:p14="http://schemas.microsoft.com/office/powerpoint/2010/main" val="1027919614"/>
+      </p:ext>
+    </p:extLst>
+  </p:cSld>
+  <p:clrMapOvr>
+    <a:masterClrMapping/>
+  </p:clrMapOvr>
+</p:sld>
+</file>
+
+<file path=ppt/slides/slide18.xml><?xml version="1.0" encoding="utf-8"?>
+<p:sld xmlns:a="http://schemas.openxmlformats.org/drawingml/2006/main" xmlns:r="http://schemas.openxmlformats.org/officeDocument/2006/relationships" xmlns:p="http://schemas.openxmlformats.org/presentationml/2006/main">
+  <p:cSld>
+    <p:spTree>
+      <p:nvGrpSpPr>
+        <p:cNvPr id="1" name=""/>
+        <p:cNvGrpSpPr/>
+        <p:nvPr/>
+      </p:nvGrpSpPr>
+      <p:grpSpPr>
+        <a:xfrm>
+          <a:off x="0" y="0"/>
+          <a:ext cx="0" cy="0"/>
+          <a:chOff x="0" y="0"/>
+          <a:chExt cx="0" cy="0"/>
+        </a:xfrm>
+      </p:grpSpPr>
+      <p:sp>
+        <p:nvSpPr>
+          <p:cNvPr id="2" name="Title 1">
+            <a:extLst>
+              <a:ext uri="{FF2B5EF4-FFF2-40B4-BE49-F238E27FC236}">
+                <a16:creationId xmlns:a16="http://schemas.microsoft.com/office/drawing/2014/main" id="{112F466D-C0CA-4909-91F8-38C3A0C788A6}"/>
+              </a:ext>
+            </a:extLst>
+          </p:cNvPr>
+          <p:cNvSpPr>
+            <a:spLocks noGrp="1"/>
+          </p:cNvSpPr>
+          <p:nvPr>
+            <p:ph type="title"/>
+          </p:nvPr>
+        </p:nvSpPr>
+        <p:spPr/>
+        <p:txBody>
+          <a:bodyPr/>
+          <a:lstStyle/>
+          <a:p>
+            <a:r>
+              <a:rPr lang="en-US" dirty="0"/>
+              <a:t>Phase 3 Testcase ‘m’</a:t>
+            </a:r>
+          </a:p>
+        </p:txBody>
+      </p:sp>
+      <p:sp>
+        <p:nvSpPr>
+          <p:cNvPr id="3" name="Content Placeholder 2">
+            <a:extLst>
+              <a:ext uri="{FF2B5EF4-FFF2-40B4-BE49-F238E27FC236}">
+                <a16:creationId xmlns:a16="http://schemas.microsoft.com/office/drawing/2014/main" id="{F38EB51E-4D3A-43CA-9FFB-613CF3BB0275}"/>
+              </a:ext>
+            </a:extLst>
+          </p:cNvPr>
+          <p:cNvSpPr>
+            <a:spLocks noGrp="1"/>
+          </p:cNvSpPr>
+          <p:nvPr>
+            <p:ph idx="1"/>
+          </p:nvPr>
+        </p:nvSpPr>
+        <p:spPr/>
+        <p:txBody>
+          <a:bodyPr/>
+          <a:lstStyle/>
+          <a:p>
+            <a:r>
+              <a:rPr lang="en-US" dirty="0"/>
+              <a:t>Dump Core</a:t>
+            </a:r>
+          </a:p>
+          <a:p>
+            <a:r>
+              <a:rPr lang="en-US" dirty="0"/>
+              <a:t>Print largest, smallest, left</a:t>
+            </a:r>
+          </a:p>
+          <a:p>
+            <a:r>
+              <a:rPr lang="en-US" dirty="0"/>
+              <a:t>Print mem usage</a:t>
+            </a:r>
+          </a:p>
+          <a:p>
+            <a:r>
+              <a:rPr lang="en-US" dirty="0"/>
+              <a:t>Overloaded </a:t>
+            </a:r>
+            <a:r>
+              <a:rPr lang="en-US" dirty="0" err="1"/>
+              <a:t>memwrite</a:t>
+            </a:r>
+            <a:endParaRPr lang="en-US" dirty="0"/>
+          </a:p>
+          <a:p>
+            <a:r>
+              <a:rPr lang="en-US" dirty="0"/>
+              <a:t>Dump Core</a:t>
+            </a:r>
+          </a:p>
+          <a:p>
+            <a:endParaRPr lang="en-US" dirty="0"/>
+          </a:p>
+        </p:txBody>
+      </p:sp>
+    </p:spTree>
+    <p:extLst>
+      <p:ext uri="{BB962C8B-B14F-4D97-AF65-F5344CB8AC3E}">
+        <p14:creationId xmlns:p14="http://schemas.microsoft.com/office/powerpoint/2010/main" val="2502610320"/>
+      </p:ext>
+    </p:extLst>
+  </p:cSld>
+  <p:clrMapOvr>
+    <a:masterClrMapping/>
+  </p:clrMapOvr>
+</p:sld>
+</file>
+
+<file path=ppt/slides/slide19.xml><?xml version="1.0" encoding="utf-8"?>
+<p:sld xmlns:a="http://schemas.openxmlformats.org/drawingml/2006/main" xmlns:r="http://schemas.openxmlformats.org/officeDocument/2006/relationships" xmlns:p="http://schemas.openxmlformats.org/presentationml/2006/main">
+  <p:cSld>
+    <p:spTree>
+      <p:nvGrpSpPr>
+        <p:cNvPr id="1" name=""/>
+        <p:cNvGrpSpPr/>
+        <p:nvPr/>
+      </p:nvGrpSpPr>
+      <p:grpSpPr>
+        <a:xfrm>
+          <a:off x="0" y="0"/>
+          <a:ext cx="0" cy="0"/>
+          <a:chOff x="0" y="0"/>
+          <a:chExt cx="0" cy="0"/>
+        </a:xfrm>
+      </p:grpSpPr>
+      <p:sp>
+        <p:nvSpPr>
+          <p:cNvPr id="2" name="Title 1">
+            <a:extLst>
+              <a:ext uri="{FF2B5EF4-FFF2-40B4-BE49-F238E27FC236}">
+                <a16:creationId xmlns:a16="http://schemas.microsoft.com/office/drawing/2014/main" id="{6273F60F-264A-481D-AE8F-CB2B8324580C}"/>
+              </a:ext>
+            </a:extLst>
+          </p:cNvPr>
+          <p:cNvSpPr>
+            <a:spLocks noGrp="1"/>
+          </p:cNvSpPr>
+          <p:nvPr>
+            <p:ph type="title"/>
+          </p:nvPr>
+        </p:nvSpPr>
+        <p:spPr/>
+        <p:txBody>
+          <a:bodyPr/>
+          <a:lstStyle/>
+          <a:p>
+            <a:endParaRPr lang="en-US"/>
+          </a:p>
+        </p:txBody>
+      </p:sp>
+      <p:pic>
+        <p:nvPicPr>
+          <p:cNvPr id="5" name="Content Placeholder 4" descr="A screenshot of a computer&#10;&#10;Description automatically generated">
+            <a:extLst>
+              <a:ext uri="{FF2B5EF4-FFF2-40B4-BE49-F238E27FC236}">
+                <a16:creationId xmlns:a16="http://schemas.microsoft.com/office/drawing/2014/main" id="{438F952E-28C7-4FC0-B6B3-0A3912CF5177}"/>
+              </a:ext>
+            </a:extLst>
+          </p:cNvPr>
+          <p:cNvPicPr>
+            <a:picLocks noGrp="1" noChangeAspect="1"/>
+          </p:cNvPicPr>
+          <p:nvPr>
+            <p:ph idx="1"/>
+          </p:nvPr>
+        </p:nvPicPr>
+        <p:blipFill>
+          <a:blip r:embed="rId2">
+            <a:extLst>
+              <a:ext uri="{28A0092B-C50C-407E-A947-70E740481C1C}">
+                <a14:useLocalDpi xmlns:a14="http://schemas.microsoft.com/office/drawing/2010/main" val="0"/>
+              </a:ext>
+            </a:extLst>
+          </a:blip>
+          <a:stretch>
+            <a:fillRect/>
+          </a:stretch>
+        </p:blipFill>
+        <p:spPr>
+          <a:xfrm>
+            <a:off x="3329522" y="1731963"/>
+            <a:ext cx="5523431" cy="4059237"/>
+          </a:xfrm>
+        </p:spPr>
+      </p:pic>
+    </p:spTree>
+    <p:extLst>
+      <p:ext uri="{BB962C8B-B14F-4D97-AF65-F5344CB8AC3E}">
+        <p14:creationId xmlns:p14="http://schemas.microsoft.com/office/powerpoint/2010/main" val="3329937859"/>
       </p:ext>
     </p:extLst>
   </p:cSld>
@@ -6456,6 +8212,4180 @@
     <p:extLst>
       <p:ext uri="{BB962C8B-B14F-4D97-AF65-F5344CB8AC3E}">
         <p14:creationId xmlns:p14="http://schemas.microsoft.com/office/powerpoint/2010/main" val="333450566"/>
+      </p:ext>
+    </p:extLst>
+  </p:cSld>
+  <p:clrMapOvr>
+    <a:masterClrMapping/>
+  </p:clrMapOvr>
+</p:sld>
+</file>
+
+<file path=ppt/slides/slide20.xml><?xml version="1.0" encoding="utf-8"?>
+<p:sld xmlns:a="http://schemas.openxmlformats.org/drawingml/2006/main" xmlns:r="http://schemas.openxmlformats.org/officeDocument/2006/relationships" xmlns:p="http://schemas.openxmlformats.org/presentationml/2006/main">
+  <p:cSld>
+    <p:spTree>
+      <p:nvGrpSpPr>
+        <p:cNvPr id="1" name=""/>
+        <p:cNvGrpSpPr/>
+        <p:nvPr/>
+      </p:nvGrpSpPr>
+      <p:grpSpPr>
+        <a:xfrm>
+          <a:off x="0" y="0"/>
+          <a:ext cx="0" cy="0"/>
+          <a:chOff x="0" y="0"/>
+          <a:chExt cx="0" cy="0"/>
+        </a:xfrm>
+      </p:grpSpPr>
+      <p:sp>
+        <p:nvSpPr>
+          <p:cNvPr id="2" name="Title 1">
+            <a:extLst>
+              <a:ext uri="{FF2B5EF4-FFF2-40B4-BE49-F238E27FC236}">
+                <a16:creationId xmlns:a16="http://schemas.microsoft.com/office/drawing/2014/main" id="{112F466D-C0CA-4909-91F8-38C3A0C788A6}"/>
+              </a:ext>
+            </a:extLst>
+          </p:cNvPr>
+          <p:cNvSpPr>
+            <a:spLocks noGrp="1"/>
+          </p:cNvSpPr>
+          <p:nvPr>
+            <p:ph type="title"/>
+          </p:nvPr>
+        </p:nvSpPr>
+        <p:spPr/>
+        <p:txBody>
+          <a:bodyPr/>
+          <a:lstStyle/>
+          <a:p>
+            <a:r>
+              <a:rPr lang="en-US" dirty="0"/>
+              <a:t>Phase 3 Testcase ‘m’</a:t>
+            </a:r>
+          </a:p>
+        </p:txBody>
+      </p:sp>
+      <p:sp>
+        <p:nvSpPr>
+          <p:cNvPr id="3" name="Content Placeholder 2">
+            <a:extLst>
+              <a:ext uri="{FF2B5EF4-FFF2-40B4-BE49-F238E27FC236}">
+                <a16:creationId xmlns:a16="http://schemas.microsoft.com/office/drawing/2014/main" id="{F38EB51E-4D3A-43CA-9FFB-613CF3BB0275}"/>
+              </a:ext>
+            </a:extLst>
+          </p:cNvPr>
+          <p:cNvSpPr>
+            <a:spLocks noGrp="1"/>
+          </p:cNvSpPr>
+          <p:nvPr>
+            <p:ph idx="1"/>
+          </p:nvPr>
+        </p:nvSpPr>
+        <p:spPr/>
+        <p:txBody>
+          <a:bodyPr/>
+          <a:lstStyle/>
+          <a:p>
+            <a:pPr marL="0" marR="0" indent="0">
+              <a:lnSpc>
+                <a:spcPct val="107000"/>
+              </a:lnSpc>
+              <a:spcBef>
+                <a:spcPts val="0"/>
+              </a:spcBef>
+              <a:spcAft>
+                <a:spcPts val="0"/>
+              </a:spcAft>
+              <a:buNone/>
+            </a:pPr>
+            <a:r>
+              <a:rPr lang="en-US" dirty="0" err="1">
+                <a:effectLst/>
+                <a:latin typeface="Calibri" panose="020F0502020204030204" pitchFamily="34" charset="0"/>
+                <a:ea typeface="Calibri" panose="020F0502020204030204" pitchFamily="34" charset="0"/>
+                <a:cs typeface="Times New Roman" panose="02020603050405020304" pitchFamily="18" charset="0"/>
+              </a:rPr>
+              <a:t>Mem_Mgr.Core_Dump</a:t>
+            </a:r>
+            <a:r>
+              <a:rPr lang="en-US" dirty="0">
+                <a:effectLst/>
+                <a:latin typeface="Calibri" panose="020F0502020204030204" pitchFamily="34" charset="0"/>
+                <a:ea typeface="Calibri" panose="020F0502020204030204" pitchFamily="34" charset="0"/>
+                <a:cs typeface="Times New Roman" panose="02020603050405020304" pitchFamily="18" charset="0"/>
+              </a:rPr>
+              <a:t>(</a:t>
+            </a:r>
+            <a:r>
+              <a:rPr lang="en-US" dirty="0" err="1">
+                <a:effectLst/>
+                <a:latin typeface="Calibri" panose="020F0502020204030204" pitchFamily="34" charset="0"/>
+                <a:ea typeface="Calibri" panose="020F0502020204030204" pitchFamily="34" charset="0"/>
+                <a:cs typeface="Times New Roman" panose="02020603050405020304" pitchFamily="18" charset="0"/>
+              </a:rPr>
+              <a:t>memwin</a:t>
+            </a:r>
+            <a:r>
+              <a:rPr lang="en-US" dirty="0">
+                <a:effectLst/>
+                <a:latin typeface="Calibri" panose="020F0502020204030204" pitchFamily="34" charset="0"/>
+                <a:ea typeface="Calibri" panose="020F0502020204030204" pitchFamily="34" charset="0"/>
+                <a:cs typeface="Times New Roman" panose="02020603050405020304" pitchFamily="18" charset="0"/>
+              </a:rPr>
+              <a:t>);  </a:t>
+            </a:r>
+          </a:p>
+          <a:p>
+            <a:pPr marL="0" marR="0" indent="0">
+              <a:lnSpc>
+                <a:spcPct val="107000"/>
+              </a:lnSpc>
+              <a:spcBef>
+                <a:spcPts val="0"/>
+              </a:spcBef>
+              <a:spcAft>
+                <a:spcPts val="0"/>
+              </a:spcAft>
+              <a:buNone/>
+            </a:pPr>
+            <a:r>
+              <a:rPr lang="en-US" dirty="0" err="1">
+                <a:effectLst/>
+                <a:latin typeface="Calibri" panose="020F0502020204030204" pitchFamily="34" charset="0"/>
+                <a:ea typeface="Calibri" panose="020F0502020204030204" pitchFamily="34" charset="0"/>
+                <a:cs typeface="Times New Roman" panose="02020603050405020304" pitchFamily="18" charset="0"/>
+              </a:rPr>
+              <a:t>write_window</a:t>
+            </a:r>
+            <a:r>
+              <a:rPr lang="en-US" dirty="0">
+                <a:effectLst/>
+                <a:latin typeface="Calibri" panose="020F0502020204030204" pitchFamily="34" charset="0"/>
+                <a:ea typeface="Calibri" panose="020F0502020204030204" pitchFamily="34" charset="0"/>
+                <a:cs typeface="Times New Roman" panose="02020603050405020304" pitchFamily="18" charset="0"/>
+              </a:rPr>
+              <a:t>(</a:t>
+            </a:r>
+            <a:r>
+              <a:rPr lang="en-US" dirty="0" err="1">
+                <a:effectLst/>
+                <a:latin typeface="Calibri" panose="020F0502020204030204" pitchFamily="34" charset="0"/>
+                <a:ea typeface="Calibri" panose="020F0502020204030204" pitchFamily="34" charset="0"/>
+                <a:cs typeface="Times New Roman" panose="02020603050405020304" pitchFamily="18" charset="0"/>
+              </a:rPr>
+              <a:t>logwin</a:t>
+            </a:r>
+            <a:r>
+              <a:rPr lang="en-US" dirty="0">
+                <a:effectLst/>
+                <a:latin typeface="Calibri" panose="020F0502020204030204" pitchFamily="34" charset="0"/>
+                <a:ea typeface="Calibri" panose="020F0502020204030204" pitchFamily="34" charset="0"/>
+                <a:cs typeface="Times New Roman" panose="02020603050405020304" pitchFamily="18" charset="0"/>
+              </a:rPr>
+              <a:t>, </a:t>
+            </a:r>
+            <a:r>
+              <a:rPr lang="en-US" dirty="0">
+                <a:solidFill>
+                  <a:srgbClr val="00B050"/>
+                </a:solidFill>
+                <a:effectLst/>
+                <a:latin typeface="Calibri" panose="020F0502020204030204" pitchFamily="34" charset="0"/>
+                <a:ea typeface="Calibri" panose="020F0502020204030204" pitchFamily="34" charset="0"/>
+                <a:cs typeface="Times New Roman" panose="02020603050405020304" pitchFamily="18" charset="0"/>
+              </a:rPr>
+              <a:t>" Calling </a:t>
+            </a:r>
+            <a:r>
+              <a:rPr lang="en-US" dirty="0" err="1">
+                <a:solidFill>
+                  <a:srgbClr val="00B050"/>
+                </a:solidFill>
+                <a:effectLst/>
+                <a:latin typeface="Calibri" panose="020F0502020204030204" pitchFamily="34" charset="0"/>
+                <a:ea typeface="Calibri" panose="020F0502020204030204" pitchFamily="34" charset="0"/>
+                <a:cs typeface="Times New Roman" panose="02020603050405020304" pitchFamily="18" charset="0"/>
+              </a:rPr>
+              <a:t>Core_Dump</a:t>
+            </a:r>
+            <a:r>
+              <a:rPr lang="en-US" dirty="0">
+                <a:solidFill>
+                  <a:srgbClr val="00B050"/>
+                </a:solidFill>
+                <a:effectLst/>
+                <a:latin typeface="Calibri" panose="020F0502020204030204" pitchFamily="34" charset="0"/>
+                <a:ea typeface="Calibri" panose="020F0502020204030204" pitchFamily="34" charset="0"/>
+                <a:cs typeface="Times New Roman" panose="02020603050405020304" pitchFamily="18" charset="0"/>
+              </a:rPr>
+              <a:t>()\n"</a:t>
+            </a:r>
+            <a:r>
+              <a:rPr lang="en-US" dirty="0">
+                <a:effectLst/>
+                <a:latin typeface="Calibri" panose="020F0502020204030204" pitchFamily="34" charset="0"/>
+                <a:ea typeface="Calibri" panose="020F0502020204030204" pitchFamily="34" charset="0"/>
+                <a:cs typeface="Times New Roman" panose="02020603050405020304" pitchFamily="18" charset="0"/>
+              </a:rPr>
+              <a:t>);</a:t>
+            </a:r>
+          </a:p>
+          <a:p>
+            <a:pPr marL="0" marR="0" indent="0">
+              <a:lnSpc>
+                <a:spcPct val="107000"/>
+              </a:lnSpc>
+              <a:spcBef>
+                <a:spcPts val="0"/>
+              </a:spcBef>
+              <a:spcAft>
+                <a:spcPts val="0"/>
+              </a:spcAft>
+              <a:buNone/>
+            </a:pPr>
+            <a:r>
+              <a:rPr lang="en-US" dirty="0" err="1">
+                <a:effectLst/>
+                <a:latin typeface="Calibri" panose="020F0502020204030204" pitchFamily="34" charset="0"/>
+                <a:ea typeface="Calibri" panose="020F0502020204030204" pitchFamily="34" charset="0"/>
+                <a:cs typeface="Times New Roman" panose="02020603050405020304" pitchFamily="18" charset="0"/>
+              </a:rPr>
+              <a:t>write_window</a:t>
+            </a:r>
+            <a:r>
+              <a:rPr lang="en-US" dirty="0">
+                <a:effectLst/>
+                <a:latin typeface="Calibri" panose="020F0502020204030204" pitchFamily="34" charset="0"/>
+                <a:ea typeface="Calibri" panose="020F0502020204030204" pitchFamily="34" charset="0"/>
+                <a:cs typeface="Times New Roman" panose="02020603050405020304" pitchFamily="18" charset="0"/>
+              </a:rPr>
+              <a:t>(</a:t>
+            </a:r>
+            <a:r>
+              <a:rPr lang="en-US" dirty="0" err="1">
+                <a:effectLst/>
+                <a:latin typeface="Calibri" panose="020F0502020204030204" pitchFamily="34" charset="0"/>
+                <a:ea typeface="Calibri" panose="020F0502020204030204" pitchFamily="34" charset="0"/>
+                <a:cs typeface="Times New Roman" panose="02020603050405020304" pitchFamily="18" charset="0"/>
+              </a:rPr>
+              <a:t>logwin</a:t>
+            </a:r>
+            <a:r>
+              <a:rPr lang="en-US" dirty="0">
+                <a:effectLst/>
+                <a:latin typeface="Calibri" panose="020F0502020204030204" pitchFamily="34" charset="0"/>
+                <a:ea typeface="Calibri" panose="020F0502020204030204" pitchFamily="34" charset="0"/>
+                <a:cs typeface="Times New Roman" panose="02020603050405020304" pitchFamily="18" charset="0"/>
+              </a:rPr>
+              <a:t>, </a:t>
+            </a:r>
+            <a:r>
+              <a:rPr lang="en-US" dirty="0">
+                <a:solidFill>
+                  <a:srgbClr val="00B050"/>
+                </a:solidFill>
+                <a:effectLst/>
+                <a:latin typeface="Calibri" panose="020F0502020204030204" pitchFamily="34" charset="0"/>
+                <a:ea typeface="Calibri" panose="020F0502020204030204" pitchFamily="34" charset="0"/>
+                <a:cs typeface="Times New Roman" panose="02020603050405020304" pitchFamily="18" charset="0"/>
+              </a:rPr>
+              <a:t>" Printing memory data: \n"</a:t>
+            </a:r>
+            <a:r>
+              <a:rPr lang="en-US" dirty="0">
+                <a:effectLst/>
+                <a:latin typeface="Calibri" panose="020F0502020204030204" pitchFamily="34" charset="0"/>
+                <a:ea typeface="Calibri" panose="020F0502020204030204" pitchFamily="34" charset="0"/>
+                <a:cs typeface="Times New Roman" panose="02020603050405020304" pitchFamily="18" charset="0"/>
+              </a:rPr>
+              <a:t>);</a:t>
+            </a:r>
+          </a:p>
+          <a:p>
+            <a:pPr marL="0" marR="0" indent="0">
+              <a:lnSpc>
+                <a:spcPct val="107000"/>
+              </a:lnSpc>
+              <a:spcBef>
+                <a:spcPts val="0"/>
+              </a:spcBef>
+              <a:spcAft>
+                <a:spcPts val="0"/>
+              </a:spcAft>
+              <a:buNone/>
+            </a:pPr>
+            <a:r>
+              <a:rPr lang="en-US" dirty="0" err="1">
+                <a:effectLst/>
+                <a:latin typeface="Calibri" panose="020F0502020204030204" pitchFamily="34" charset="0"/>
+                <a:ea typeface="Calibri" panose="020F0502020204030204" pitchFamily="34" charset="0"/>
+                <a:cs typeface="Times New Roman" panose="02020603050405020304" pitchFamily="18" charset="0"/>
+              </a:rPr>
+              <a:t>sprintf</a:t>
+            </a:r>
+            <a:r>
+              <a:rPr lang="en-US" dirty="0">
+                <a:effectLst/>
+                <a:latin typeface="Calibri" panose="020F0502020204030204" pitchFamily="34" charset="0"/>
+                <a:ea typeface="Calibri" panose="020F0502020204030204" pitchFamily="34" charset="0"/>
+                <a:cs typeface="Times New Roman" panose="02020603050405020304" pitchFamily="18" charset="0"/>
+              </a:rPr>
+              <a:t>(buff, </a:t>
+            </a:r>
+            <a:r>
+              <a:rPr lang="en-US" dirty="0">
+                <a:solidFill>
+                  <a:srgbClr val="00B050"/>
+                </a:solidFill>
+                <a:effectLst/>
+                <a:latin typeface="Calibri" panose="020F0502020204030204" pitchFamily="34" charset="0"/>
+                <a:ea typeface="Calibri" panose="020F0502020204030204" pitchFamily="34" charset="0"/>
+                <a:cs typeface="Times New Roman" panose="02020603050405020304" pitchFamily="18" charset="0"/>
+              </a:rPr>
+              <a:t>" memory largest: %d smallest: %d left: %d \n"</a:t>
+            </a:r>
+            <a:r>
+              <a:rPr lang="en-US" dirty="0">
+                <a:effectLst/>
+                <a:latin typeface="Calibri" panose="020F0502020204030204" pitchFamily="34" charset="0"/>
+                <a:ea typeface="Calibri" panose="020F0502020204030204" pitchFamily="34" charset="0"/>
+                <a:cs typeface="Times New Roman" panose="02020603050405020304" pitchFamily="18" charset="0"/>
+              </a:rPr>
+              <a:t>, </a:t>
+            </a:r>
+            <a:r>
+              <a:rPr lang="en-US" dirty="0" err="1">
+                <a:effectLst/>
+                <a:latin typeface="Calibri" panose="020F0502020204030204" pitchFamily="34" charset="0"/>
+                <a:ea typeface="Calibri" panose="020F0502020204030204" pitchFamily="34" charset="0"/>
+                <a:cs typeface="Times New Roman" panose="02020603050405020304" pitchFamily="18" charset="0"/>
+              </a:rPr>
+              <a:t>Mem_Mgr.Mem_Largest</a:t>
+            </a:r>
+            <a:r>
+              <a:rPr lang="en-US" dirty="0">
+                <a:effectLst/>
+                <a:latin typeface="Calibri" panose="020F0502020204030204" pitchFamily="34" charset="0"/>
+                <a:ea typeface="Calibri" panose="020F0502020204030204" pitchFamily="34" charset="0"/>
+                <a:cs typeface="Times New Roman" panose="02020603050405020304" pitchFamily="18" charset="0"/>
+              </a:rPr>
+              <a:t>(), 	</a:t>
+            </a:r>
+            <a:r>
+              <a:rPr lang="en-US" dirty="0" err="1">
+                <a:effectLst/>
+                <a:latin typeface="Calibri" panose="020F0502020204030204" pitchFamily="34" charset="0"/>
+                <a:ea typeface="Calibri" panose="020F0502020204030204" pitchFamily="34" charset="0"/>
+                <a:cs typeface="Times New Roman" panose="02020603050405020304" pitchFamily="18" charset="0"/>
+              </a:rPr>
+              <a:t>Mem_Mgr.Mem_Smallest</a:t>
+            </a:r>
+            <a:r>
+              <a:rPr lang="en-US" dirty="0">
+                <a:effectLst/>
+                <a:latin typeface="Calibri" panose="020F0502020204030204" pitchFamily="34" charset="0"/>
+                <a:ea typeface="Calibri" panose="020F0502020204030204" pitchFamily="34" charset="0"/>
+                <a:cs typeface="Times New Roman" panose="02020603050405020304" pitchFamily="18" charset="0"/>
+              </a:rPr>
+              <a:t>(), </a:t>
+            </a:r>
+            <a:r>
+              <a:rPr lang="en-US" dirty="0" err="1">
+                <a:effectLst/>
+                <a:latin typeface="Calibri" panose="020F0502020204030204" pitchFamily="34" charset="0"/>
+                <a:ea typeface="Calibri" panose="020F0502020204030204" pitchFamily="34" charset="0"/>
+                <a:cs typeface="Times New Roman" panose="02020603050405020304" pitchFamily="18" charset="0"/>
+              </a:rPr>
+              <a:t>Mem_Mgr.Mem_Left</a:t>
+            </a:r>
+            <a:r>
+              <a:rPr lang="en-US" dirty="0">
+                <a:effectLst/>
+                <a:latin typeface="Calibri" panose="020F0502020204030204" pitchFamily="34" charset="0"/>
+                <a:ea typeface="Calibri" panose="020F0502020204030204" pitchFamily="34" charset="0"/>
+                <a:cs typeface="Times New Roman" panose="02020603050405020304" pitchFamily="18" charset="0"/>
+              </a:rPr>
+              <a:t>());</a:t>
+            </a:r>
+          </a:p>
+          <a:p>
+            <a:pPr marL="0" marR="0" indent="0">
+              <a:lnSpc>
+                <a:spcPct val="107000"/>
+              </a:lnSpc>
+              <a:spcBef>
+                <a:spcPts val="0"/>
+              </a:spcBef>
+              <a:spcAft>
+                <a:spcPts val="0"/>
+              </a:spcAft>
+              <a:buNone/>
+            </a:pPr>
+            <a:r>
+              <a:rPr lang="en-US" dirty="0" err="1">
+                <a:effectLst/>
+                <a:latin typeface="Calibri" panose="020F0502020204030204" pitchFamily="34" charset="0"/>
+                <a:ea typeface="Calibri" panose="020F0502020204030204" pitchFamily="34" charset="0"/>
+                <a:cs typeface="Times New Roman" panose="02020603050405020304" pitchFamily="18" charset="0"/>
+              </a:rPr>
+              <a:t>write_window</a:t>
+            </a:r>
+            <a:r>
+              <a:rPr lang="en-US" dirty="0">
+                <a:effectLst/>
+                <a:latin typeface="Calibri" panose="020F0502020204030204" pitchFamily="34" charset="0"/>
+                <a:ea typeface="Calibri" panose="020F0502020204030204" pitchFamily="34" charset="0"/>
+                <a:cs typeface="Times New Roman" panose="02020603050405020304" pitchFamily="18" charset="0"/>
+              </a:rPr>
+              <a:t>(</a:t>
+            </a:r>
+            <a:r>
+              <a:rPr lang="en-US" dirty="0" err="1">
+                <a:effectLst/>
+                <a:latin typeface="Calibri" panose="020F0502020204030204" pitchFamily="34" charset="0"/>
+                <a:ea typeface="Calibri" panose="020F0502020204030204" pitchFamily="34" charset="0"/>
+                <a:cs typeface="Times New Roman" panose="02020603050405020304" pitchFamily="18" charset="0"/>
+              </a:rPr>
+              <a:t>logwin</a:t>
+            </a:r>
+            <a:r>
+              <a:rPr lang="en-US" dirty="0">
+                <a:effectLst/>
+                <a:latin typeface="Calibri" panose="020F0502020204030204" pitchFamily="34" charset="0"/>
+                <a:ea typeface="Calibri" panose="020F0502020204030204" pitchFamily="34" charset="0"/>
+                <a:cs typeface="Times New Roman" panose="02020603050405020304" pitchFamily="18" charset="0"/>
+              </a:rPr>
+              <a:t>, buff);</a:t>
+            </a:r>
+          </a:p>
+          <a:p>
+            <a:pPr marL="0" marR="0" indent="0">
+              <a:lnSpc>
+                <a:spcPct val="107000"/>
+              </a:lnSpc>
+              <a:spcBef>
+                <a:spcPts val="0"/>
+              </a:spcBef>
+              <a:spcAft>
+                <a:spcPts val="0"/>
+              </a:spcAft>
+              <a:buNone/>
+            </a:pPr>
+            <a:r>
+              <a:rPr lang="en-US" dirty="0" err="1">
+                <a:effectLst/>
+                <a:latin typeface="Calibri" panose="020F0502020204030204" pitchFamily="34" charset="0"/>
+                <a:ea typeface="Calibri" panose="020F0502020204030204" pitchFamily="34" charset="0"/>
+                <a:cs typeface="Times New Roman" panose="02020603050405020304" pitchFamily="18" charset="0"/>
+              </a:rPr>
+              <a:t>write_window</a:t>
+            </a:r>
+            <a:r>
+              <a:rPr lang="en-US" dirty="0">
+                <a:effectLst/>
+                <a:latin typeface="Calibri" panose="020F0502020204030204" pitchFamily="34" charset="0"/>
+                <a:ea typeface="Calibri" panose="020F0502020204030204" pitchFamily="34" charset="0"/>
+                <a:cs typeface="Times New Roman" panose="02020603050405020304" pitchFamily="18" charset="0"/>
+              </a:rPr>
+              <a:t>(</a:t>
+            </a:r>
+            <a:r>
+              <a:rPr lang="en-US" dirty="0" err="1">
+                <a:effectLst/>
+                <a:latin typeface="Calibri" panose="020F0502020204030204" pitchFamily="34" charset="0"/>
+                <a:ea typeface="Calibri" panose="020F0502020204030204" pitchFamily="34" charset="0"/>
+                <a:cs typeface="Times New Roman" panose="02020603050405020304" pitchFamily="18" charset="0"/>
+              </a:rPr>
+              <a:t>logwin</a:t>
+            </a:r>
+            <a:r>
+              <a:rPr lang="en-US" dirty="0">
+                <a:effectLst/>
+                <a:latin typeface="Calibri" panose="020F0502020204030204" pitchFamily="34" charset="0"/>
+                <a:ea typeface="Calibri" panose="020F0502020204030204" pitchFamily="34" charset="0"/>
+                <a:cs typeface="Times New Roman" panose="02020603050405020304" pitchFamily="18" charset="0"/>
+              </a:rPr>
+              <a:t>, </a:t>
+            </a:r>
+            <a:r>
+              <a:rPr lang="en-US" dirty="0">
+                <a:solidFill>
+                  <a:srgbClr val="00B050"/>
+                </a:solidFill>
+                <a:effectLst/>
+                <a:latin typeface="Calibri" panose="020F0502020204030204" pitchFamily="34" charset="0"/>
+                <a:ea typeface="Calibri" panose="020F0502020204030204" pitchFamily="34" charset="0"/>
+                <a:cs typeface="Times New Roman" panose="02020603050405020304" pitchFamily="18" charset="0"/>
+              </a:rPr>
+              <a:t>" Calling </a:t>
+            </a:r>
+            <a:r>
+              <a:rPr lang="en-US" dirty="0" err="1">
+                <a:solidFill>
+                  <a:srgbClr val="00B050"/>
+                </a:solidFill>
+                <a:effectLst/>
+                <a:latin typeface="Calibri" panose="020F0502020204030204" pitchFamily="34" charset="0"/>
+                <a:ea typeface="Calibri" panose="020F0502020204030204" pitchFamily="34" charset="0"/>
+                <a:cs typeface="Times New Roman" panose="02020603050405020304" pitchFamily="18" charset="0"/>
+              </a:rPr>
+              <a:t>Mem_Usage</a:t>
+            </a:r>
+            <a:r>
+              <a:rPr lang="en-US" dirty="0">
+                <a:solidFill>
+                  <a:srgbClr val="00B050"/>
+                </a:solidFill>
+                <a:effectLst/>
+                <a:latin typeface="Calibri" panose="020F0502020204030204" pitchFamily="34" charset="0"/>
+                <a:ea typeface="Calibri" panose="020F0502020204030204" pitchFamily="34" charset="0"/>
+                <a:cs typeface="Times New Roman" panose="02020603050405020304" pitchFamily="18" charset="0"/>
+              </a:rPr>
+              <a:t>()\n"</a:t>
+            </a:r>
+            <a:r>
+              <a:rPr lang="en-US" dirty="0">
+                <a:effectLst/>
+                <a:latin typeface="Calibri" panose="020F0502020204030204" pitchFamily="34" charset="0"/>
+                <a:ea typeface="Calibri" panose="020F0502020204030204" pitchFamily="34" charset="0"/>
+                <a:cs typeface="Times New Roman" panose="02020603050405020304" pitchFamily="18" charset="0"/>
+              </a:rPr>
+              <a:t>);</a:t>
+            </a:r>
+          </a:p>
+          <a:p>
+            <a:pPr marL="0" marR="0" indent="0">
+              <a:lnSpc>
+                <a:spcPct val="107000"/>
+              </a:lnSpc>
+              <a:spcBef>
+                <a:spcPts val="0"/>
+              </a:spcBef>
+              <a:spcAft>
+                <a:spcPts val="0"/>
+              </a:spcAft>
+              <a:buNone/>
+            </a:pPr>
+            <a:r>
+              <a:rPr lang="en-US" dirty="0" err="1">
+                <a:effectLst/>
+                <a:latin typeface="Calibri" panose="020F0502020204030204" pitchFamily="34" charset="0"/>
+                <a:ea typeface="Calibri" panose="020F0502020204030204" pitchFamily="34" charset="0"/>
+                <a:cs typeface="Times New Roman" panose="02020603050405020304" pitchFamily="18" charset="0"/>
+              </a:rPr>
+              <a:t>Mem_Mgr.Mem_Usage</a:t>
+            </a:r>
+            <a:r>
+              <a:rPr lang="en-US" dirty="0">
+                <a:effectLst/>
+                <a:latin typeface="Calibri" panose="020F0502020204030204" pitchFamily="34" charset="0"/>
+                <a:ea typeface="Calibri" panose="020F0502020204030204" pitchFamily="34" charset="0"/>
+                <a:cs typeface="Times New Roman" panose="02020603050405020304" pitchFamily="18" charset="0"/>
+              </a:rPr>
+              <a:t>(</a:t>
+            </a:r>
+            <a:r>
+              <a:rPr lang="en-US" dirty="0" err="1">
+                <a:effectLst/>
+                <a:latin typeface="Calibri" panose="020F0502020204030204" pitchFamily="34" charset="0"/>
+                <a:ea typeface="Calibri" panose="020F0502020204030204" pitchFamily="34" charset="0"/>
+                <a:cs typeface="Times New Roman" panose="02020603050405020304" pitchFamily="18" charset="0"/>
+              </a:rPr>
+              <a:t>memwin</a:t>
+            </a:r>
+            <a:r>
+              <a:rPr lang="en-US" dirty="0">
+                <a:effectLst/>
+                <a:latin typeface="Calibri" panose="020F0502020204030204" pitchFamily="34" charset="0"/>
+                <a:ea typeface="Calibri" panose="020F0502020204030204" pitchFamily="34" charset="0"/>
+                <a:cs typeface="Times New Roman" panose="02020603050405020304" pitchFamily="18" charset="0"/>
+              </a:rPr>
+              <a:t>);</a:t>
+            </a:r>
+          </a:p>
+          <a:p>
+            <a:pPr marL="0" marR="0" indent="0">
+              <a:lnSpc>
+                <a:spcPct val="107000"/>
+              </a:lnSpc>
+              <a:spcBef>
+                <a:spcPts val="0"/>
+              </a:spcBef>
+              <a:spcAft>
+                <a:spcPts val="0"/>
+              </a:spcAft>
+              <a:buNone/>
+            </a:pPr>
+            <a:r>
+              <a:rPr lang="en-US" dirty="0" err="1">
+                <a:effectLst/>
+                <a:latin typeface="Calibri" panose="020F0502020204030204" pitchFamily="34" charset="0"/>
+                <a:ea typeface="Calibri" panose="020F0502020204030204" pitchFamily="34" charset="0"/>
+                <a:cs typeface="Times New Roman" panose="02020603050405020304" pitchFamily="18" charset="0"/>
+              </a:rPr>
+              <a:t>write_window</a:t>
+            </a:r>
+            <a:r>
+              <a:rPr lang="en-US" dirty="0">
+                <a:effectLst/>
+                <a:latin typeface="Calibri" panose="020F0502020204030204" pitchFamily="34" charset="0"/>
+                <a:ea typeface="Calibri" panose="020F0502020204030204" pitchFamily="34" charset="0"/>
+                <a:cs typeface="Times New Roman" panose="02020603050405020304" pitchFamily="18" charset="0"/>
+              </a:rPr>
+              <a:t>(</a:t>
+            </a:r>
+            <a:r>
+              <a:rPr lang="en-US" dirty="0" err="1">
+                <a:effectLst/>
+                <a:latin typeface="Calibri" panose="020F0502020204030204" pitchFamily="34" charset="0"/>
+                <a:ea typeface="Calibri" panose="020F0502020204030204" pitchFamily="34" charset="0"/>
+                <a:cs typeface="Times New Roman" panose="02020603050405020304" pitchFamily="18" charset="0"/>
+              </a:rPr>
+              <a:t>logwin</a:t>
+            </a:r>
+            <a:r>
+              <a:rPr lang="en-US" dirty="0">
+                <a:effectLst/>
+                <a:latin typeface="Calibri" panose="020F0502020204030204" pitchFamily="34" charset="0"/>
+                <a:ea typeface="Calibri" panose="020F0502020204030204" pitchFamily="34" charset="0"/>
+                <a:cs typeface="Times New Roman" panose="02020603050405020304" pitchFamily="18" charset="0"/>
+              </a:rPr>
+              <a:t>, </a:t>
+            </a:r>
+            <a:r>
+              <a:rPr lang="en-US" dirty="0">
+                <a:solidFill>
+                  <a:srgbClr val="00B050"/>
+                </a:solidFill>
+                <a:effectLst/>
+                <a:latin typeface="Calibri" panose="020F0502020204030204" pitchFamily="34" charset="0"/>
+                <a:ea typeface="Calibri" panose="020F0502020204030204" pitchFamily="34" charset="0"/>
+                <a:cs typeface="Times New Roman" panose="02020603050405020304" pitchFamily="18" charset="0"/>
+              </a:rPr>
+              <a:t>" Calling Overloaded </a:t>
+            </a:r>
+            <a:r>
+              <a:rPr lang="en-US" dirty="0" err="1">
+                <a:solidFill>
+                  <a:srgbClr val="00B050"/>
+                </a:solidFill>
+                <a:effectLst/>
+                <a:latin typeface="Calibri" panose="020F0502020204030204" pitchFamily="34" charset="0"/>
+                <a:ea typeface="Calibri" panose="020F0502020204030204" pitchFamily="34" charset="0"/>
+                <a:cs typeface="Times New Roman" panose="02020603050405020304" pitchFamily="18" charset="0"/>
+              </a:rPr>
+              <a:t>Mem_Write</a:t>
+            </a:r>
+            <a:r>
+              <a:rPr lang="en-US" dirty="0">
+                <a:solidFill>
+                  <a:srgbClr val="00B050"/>
+                </a:solidFill>
+                <a:effectLst/>
+                <a:latin typeface="Calibri" panose="020F0502020204030204" pitchFamily="34" charset="0"/>
+                <a:ea typeface="Calibri" panose="020F0502020204030204" pitchFamily="34" charset="0"/>
+                <a:cs typeface="Times New Roman" panose="02020603050405020304" pitchFamily="18" charset="0"/>
+              </a:rPr>
+              <a:t>\n"</a:t>
+            </a:r>
+            <a:r>
+              <a:rPr lang="en-US" dirty="0">
+                <a:effectLst/>
+                <a:latin typeface="Calibri" panose="020F0502020204030204" pitchFamily="34" charset="0"/>
+                <a:ea typeface="Calibri" panose="020F0502020204030204" pitchFamily="34" charset="0"/>
+                <a:cs typeface="Times New Roman" panose="02020603050405020304" pitchFamily="18" charset="0"/>
+              </a:rPr>
+              <a:t>);</a:t>
+            </a:r>
+          </a:p>
+          <a:p>
+            <a:pPr marL="0" marR="0" indent="0">
+              <a:lnSpc>
+                <a:spcPct val="107000"/>
+              </a:lnSpc>
+              <a:spcBef>
+                <a:spcPts val="0"/>
+              </a:spcBef>
+              <a:spcAft>
+                <a:spcPts val="0"/>
+              </a:spcAft>
+              <a:buNone/>
+            </a:pPr>
+            <a:r>
+              <a:rPr lang="en-US" dirty="0" err="1">
+                <a:effectLst/>
+                <a:latin typeface="Calibri" panose="020F0502020204030204" pitchFamily="34" charset="0"/>
+                <a:ea typeface="Calibri" panose="020F0502020204030204" pitchFamily="34" charset="0"/>
+                <a:cs typeface="Times New Roman" panose="02020603050405020304" pitchFamily="18" charset="0"/>
+              </a:rPr>
+              <a:t>Mem_Mgr.Mem_Write</a:t>
+            </a:r>
+            <a:r>
+              <a:rPr lang="en-US" dirty="0">
+                <a:effectLst/>
+                <a:latin typeface="Calibri" panose="020F0502020204030204" pitchFamily="34" charset="0"/>
+                <a:ea typeface="Calibri" panose="020F0502020204030204" pitchFamily="34" charset="0"/>
+                <a:cs typeface="Times New Roman" panose="02020603050405020304" pitchFamily="18" charset="0"/>
+              </a:rPr>
+              <a:t>(</a:t>
+            </a:r>
+            <a:r>
+              <a:rPr lang="en-US" dirty="0" err="1">
+                <a:effectLst/>
+                <a:latin typeface="Calibri" panose="020F0502020204030204" pitchFamily="34" charset="0"/>
+                <a:ea typeface="Calibri" panose="020F0502020204030204" pitchFamily="34" charset="0"/>
+                <a:cs typeface="Times New Roman" panose="02020603050405020304" pitchFamily="18" charset="0"/>
+              </a:rPr>
+              <a:t>tcb</a:t>
+            </a:r>
+            <a:r>
+              <a:rPr lang="en-US" dirty="0">
+                <a:effectLst/>
+                <a:latin typeface="Calibri" panose="020F0502020204030204" pitchFamily="34" charset="0"/>
+                <a:ea typeface="Calibri" panose="020F0502020204030204" pitchFamily="34" charset="0"/>
+                <a:cs typeface="Times New Roman" panose="02020603050405020304" pitchFamily="18" charset="0"/>
+              </a:rPr>
+              <a:t>-&gt;</a:t>
+            </a:r>
+            <a:r>
+              <a:rPr lang="en-US" dirty="0" err="1">
+                <a:effectLst/>
+                <a:latin typeface="Calibri" panose="020F0502020204030204" pitchFamily="34" charset="0"/>
+                <a:ea typeface="Calibri" panose="020F0502020204030204" pitchFamily="34" charset="0"/>
+                <a:cs typeface="Times New Roman" panose="02020603050405020304" pitchFamily="18" charset="0"/>
+              </a:rPr>
+              <a:t>memhandle</a:t>
+            </a:r>
+            <a:r>
+              <a:rPr lang="en-US" dirty="0">
+                <a:effectLst/>
+                <a:latin typeface="Calibri" panose="020F0502020204030204" pitchFamily="34" charset="0"/>
+                <a:ea typeface="Calibri" panose="020F0502020204030204" pitchFamily="34" charset="0"/>
+                <a:cs typeface="Times New Roman" panose="02020603050405020304" pitchFamily="18" charset="0"/>
+              </a:rPr>
+              <a:t>, 9, </a:t>
+            </a:r>
+            <a:r>
+              <a:rPr lang="en-US" dirty="0" err="1">
+                <a:effectLst/>
+                <a:latin typeface="Calibri" panose="020F0502020204030204" pitchFamily="34" charset="0"/>
+                <a:ea typeface="Calibri" panose="020F0502020204030204" pitchFamily="34" charset="0"/>
+                <a:cs typeface="Times New Roman" panose="02020603050405020304" pitchFamily="18" charset="0"/>
+              </a:rPr>
+              <a:t>textsize</a:t>
+            </a:r>
+            <a:r>
+              <a:rPr lang="en-US" dirty="0">
+                <a:effectLst/>
+                <a:latin typeface="Calibri" panose="020F0502020204030204" pitchFamily="34" charset="0"/>
+                <a:ea typeface="Calibri" panose="020F0502020204030204" pitchFamily="34" charset="0"/>
+                <a:cs typeface="Times New Roman" panose="02020603050405020304" pitchFamily="18" charset="0"/>
+              </a:rPr>
+              <a:t>, text);</a:t>
+            </a:r>
+          </a:p>
+          <a:p>
+            <a:pPr marL="0" marR="0" indent="0">
+              <a:lnSpc>
+                <a:spcPct val="107000"/>
+              </a:lnSpc>
+              <a:spcBef>
+                <a:spcPts val="0"/>
+              </a:spcBef>
+              <a:spcAft>
+                <a:spcPts val="0"/>
+              </a:spcAft>
+              <a:buNone/>
+            </a:pPr>
+            <a:r>
+              <a:rPr lang="en-US" dirty="0" err="1">
+                <a:effectLst/>
+                <a:latin typeface="Calibri" panose="020F0502020204030204" pitchFamily="34" charset="0"/>
+                <a:ea typeface="Calibri" panose="020F0502020204030204" pitchFamily="34" charset="0"/>
+                <a:cs typeface="Times New Roman" panose="02020603050405020304" pitchFamily="18" charset="0"/>
+              </a:rPr>
+              <a:t>write_window</a:t>
+            </a:r>
+            <a:r>
+              <a:rPr lang="en-US" dirty="0">
+                <a:effectLst/>
+                <a:latin typeface="Calibri" panose="020F0502020204030204" pitchFamily="34" charset="0"/>
+                <a:ea typeface="Calibri" panose="020F0502020204030204" pitchFamily="34" charset="0"/>
+                <a:cs typeface="Times New Roman" panose="02020603050405020304" pitchFamily="18" charset="0"/>
+              </a:rPr>
+              <a:t>(</a:t>
+            </a:r>
+            <a:r>
+              <a:rPr lang="en-US" dirty="0" err="1">
+                <a:effectLst/>
+                <a:latin typeface="Calibri" panose="020F0502020204030204" pitchFamily="34" charset="0"/>
+                <a:ea typeface="Calibri" panose="020F0502020204030204" pitchFamily="34" charset="0"/>
+                <a:cs typeface="Times New Roman" panose="02020603050405020304" pitchFamily="18" charset="0"/>
+              </a:rPr>
+              <a:t>logwin</a:t>
+            </a:r>
+            <a:r>
+              <a:rPr lang="en-US" dirty="0">
+                <a:effectLst/>
+                <a:latin typeface="Calibri" panose="020F0502020204030204" pitchFamily="34" charset="0"/>
+                <a:ea typeface="Calibri" panose="020F0502020204030204" pitchFamily="34" charset="0"/>
+                <a:cs typeface="Times New Roman" panose="02020603050405020304" pitchFamily="18" charset="0"/>
+              </a:rPr>
+              <a:t>, </a:t>
+            </a:r>
+            <a:r>
+              <a:rPr lang="en-US" dirty="0">
+                <a:solidFill>
+                  <a:srgbClr val="00B050"/>
+                </a:solidFill>
+                <a:effectLst/>
+                <a:latin typeface="Calibri" panose="020F0502020204030204" pitchFamily="34" charset="0"/>
+                <a:ea typeface="Calibri" panose="020F0502020204030204" pitchFamily="34" charset="0"/>
+                <a:cs typeface="Times New Roman" panose="02020603050405020304" pitchFamily="18" charset="0"/>
+              </a:rPr>
+              <a:t>" Another call to </a:t>
+            </a:r>
+            <a:r>
+              <a:rPr lang="en-US" dirty="0" err="1">
+                <a:solidFill>
+                  <a:srgbClr val="00B050"/>
+                </a:solidFill>
+                <a:effectLst/>
+                <a:latin typeface="Calibri" panose="020F0502020204030204" pitchFamily="34" charset="0"/>
+                <a:ea typeface="Calibri" panose="020F0502020204030204" pitchFamily="34" charset="0"/>
+                <a:cs typeface="Times New Roman" panose="02020603050405020304" pitchFamily="18" charset="0"/>
+              </a:rPr>
+              <a:t>Core_Dump</a:t>
+            </a:r>
+            <a:r>
+              <a:rPr lang="en-US" dirty="0">
+                <a:solidFill>
+                  <a:srgbClr val="00B050"/>
+                </a:solidFill>
+                <a:effectLst/>
+                <a:latin typeface="Calibri" panose="020F0502020204030204" pitchFamily="34" charset="0"/>
+                <a:ea typeface="Calibri" panose="020F0502020204030204" pitchFamily="34" charset="0"/>
+                <a:cs typeface="Times New Roman" panose="02020603050405020304" pitchFamily="18" charset="0"/>
+              </a:rPr>
+              <a:t>()\n"</a:t>
+            </a:r>
+            <a:r>
+              <a:rPr lang="en-US" dirty="0">
+                <a:effectLst/>
+                <a:latin typeface="Calibri" panose="020F0502020204030204" pitchFamily="34" charset="0"/>
+                <a:ea typeface="Calibri" panose="020F0502020204030204" pitchFamily="34" charset="0"/>
+                <a:cs typeface="Times New Roman" panose="02020603050405020304" pitchFamily="18" charset="0"/>
+              </a:rPr>
+              <a:t>);</a:t>
+            </a:r>
+          </a:p>
+          <a:p>
+            <a:pPr marL="0" marR="0" indent="0">
+              <a:lnSpc>
+                <a:spcPct val="107000"/>
+              </a:lnSpc>
+              <a:spcBef>
+                <a:spcPts val="0"/>
+              </a:spcBef>
+              <a:spcAft>
+                <a:spcPts val="0"/>
+              </a:spcAft>
+              <a:buNone/>
+            </a:pPr>
+            <a:r>
+              <a:rPr lang="en-US" dirty="0" err="1">
+                <a:effectLst/>
+                <a:latin typeface="Calibri" panose="020F0502020204030204" pitchFamily="34" charset="0"/>
+                <a:ea typeface="Calibri" panose="020F0502020204030204" pitchFamily="34" charset="0"/>
+                <a:cs typeface="Times New Roman" panose="02020603050405020304" pitchFamily="18" charset="0"/>
+              </a:rPr>
+              <a:t>Mem_Mgr.Core_Dump</a:t>
+            </a:r>
+            <a:r>
+              <a:rPr lang="en-US" dirty="0">
+                <a:effectLst/>
+                <a:latin typeface="Calibri" panose="020F0502020204030204" pitchFamily="34" charset="0"/>
+                <a:ea typeface="Calibri" panose="020F0502020204030204" pitchFamily="34" charset="0"/>
+                <a:cs typeface="Times New Roman" panose="02020603050405020304" pitchFamily="18" charset="0"/>
+              </a:rPr>
+              <a:t>(</a:t>
+            </a:r>
+            <a:r>
+              <a:rPr lang="en-US" dirty="0" err="1">
+                <a:effectLst/>
+                <a:latin typeface="Calibri" panose="020F0502020204030204" pitchFamily="34" charset="0"/>
+                <a:ea typeface="Calibri" panose="020F0502020204030204" pitchFamily="34" charset="0"/>
+                <a:cs typeface="Times New Roman" panose="02020603050405020304" pitchFamily="18" charset="0"/>
+              </a:rPr>
+              <a:t>memwin</a:t>
+            </a:r>
+            <a:r>
+              <a:rPr lang="en-US" dirty="0">
+                <a:effectLst/>
+                <a:latin typeface="Calibri" panose="020F0502020204030204" pitchFamily="34" charset="0"/>
+                <a:ea typeface="Calibri" panose="020F0502020204030204" pitchFamily="34" charset="0"/>
+                <a:cs typeface="Times New Roman" panose="02020603050405020304" pitchFamily="18" charset="0"/>
+              </a:rPr>
+              <a:t>);</a:t>
+            </a:r>
+          </a:p>
+          <a:p>
+            <a:pPr marL="36900" indent="0">
+              <a:buNone/>
+            </a:pPr>
+            <a:endParaRPr lang="en-US" dirty="0"/>
+          </a:p>
+        </p:txBody>
+      </p:sp>
+    </p:spTree>
+    <p:extLst>
+      <p:ext uri="{BB962C8B-B14F-4D97-AF65-F5344CB8AC3E}">
+        <p14:creationId xmlns:p14="http://schemas.microsoft.com/office/powerpoint/2010/main" val="3270750101"/>
+      </p:ext>
+    </p:extLst>
+  </p:cSld>
+  <p:clrMapOvr>
+    <a:masterClrMapping/>
+  </p:clrMapOvr>
+</p:sld>
+</file>
+
+<file path=ppt/slides/slide21.xml><?xml version="1.0" encoding="utf-8"?>
+<p:sld xmlns:a="http://schemas.openxmlformats.org/drawingml/2006/main" xmlns:r="http://schemas.openxmlformats.org/officeDocument/2006/relationships" xmlns:p="http://schemas.openxmlformats.org/presentationml/2006/main">
+  <p:cSld>
+    <p:spTree>
+      <p:nvGrpSpPr>
+        <p:cNvPr id="1" name=""/>
+        <p:cNvGrpSpPr/>
+        <p:nvPr/>
+      </p:nvGrpSpPr>
+      <p:grpSpPr>
+        <a:xfrm>
+          <a:off x="0" y="0"/>
+          <a:ext cx="0" cy="0"/>
+          <a:chOff x="0" y="0"/>
+          <a:chExt cx="0" cy="0"/>
+        </a:xfrm>
+      </p:grpSpPr>
+      <p:sp>
+        <p:nvSpPr>
+          <p:cNvPr id="2" name="Title 1">
+            <a:extLst>
+              <a:ext uri="{FF2B5EF4-FFF2-40B4-BE49-F238E27FC236}">
+                <a16:creationId xmlns:a16="http://schemas.microsoft.com/office/drawing/2014/main" id="{B445D5D6-7D6A-4165-9FDB-201401ABC049}"/>
+              </a:ext>
+            </a:extLst>
+          </p:cNvPr>
+          <p:cNvSpPr>
+            <a:spLocks noGrp="1"/>
+          </p:cNvSpPr>
+          <p:nvPr>
+            <p:ph type="title"/>
+          </p:nvPr>
+        </p:nvSpPr>
+        <p:spPr/>
+        <p:txBody>
+          <a:bodyPr/>
+          <a:lstStyle/>
+          <a:p>
+            <a:r>
+              <a:rPr lang="en-US" dirty="0"/>
+              <a:t>Phase 4 Testcase ‘f’</a:t>
+            </a:r>
+          </a:p>
+        </p:txBody>
+      </p:sp>
+      <p:sp>
+        <p:nvSpPr>
+          <p:cNvPr id="3" name="Content Placeholder 2">
+            <a:extLst>
+              <a:ext uri="{FF2B5EF4-FFF2-40B4-BE49-F238E27FC236}">
+                <a16:creationId xmlns:a16="http://schemas.microsoft.com/office/drawing/2014/main" id="{CACFE881-6C65-4B06-B621-2B8788E9ABE2}"/>
+              </a:ext>
+            </a:extLst>
+          </p:cNvPr>
+          <p:cNvSpPr>
+            <a:spLocks noGrp="1"/>
+          </p:cNvSpPr>
+          <p:nvPr>
+            <p:ph idx="1"/>
+          </p:nvPr>
+        </p:nvSpPr>
+        <p:spPr/>
+        <p:txBody>
+          <a:bodyPr>
+            <a:normAutofit/>
+          </a:bodyPr>
+          <a:lstStyle/>
+          <a:p>
+            <a:r>
+              <a:rPr lang="en-US" dirty="0"/>
+              <a:t>Print Dir</a:t>
+            </a:r>
+          </a:p>
+          <a:p>
+            <a:r>
+              <a:rPr lang="en-US" dirty="0"/>
+              <a:t>Create file with permissions 1100</a:t>
+            </a:r>
+          </a:p>
+          <a:p>
+            <a:r>
+              <a:rPr lang="en-US" dirty="0"/>
+              <a:t>Open</a:t>
+            </a:r>
+          </a:p>
+          <a:p>
+            <a:r>
+              <a:rPr lang="en-US" dirty="0"/>
+              <a:t>Write char and print Dir</a:t>
+            </a:r>
+          </a:p>
+          <a:p>
+            <a:r>
+              <a:rPr lang="en-US" dirty="0"/>
+              <a:t>Change  permissions to 1111 and print Dir</a:t>
+            </a:r>
+          </a:p>
+          <a:p>
+            <a:r>
+              <a:rPr lang="en-US" dirty="0"/>
+              <a:t>Dump</a:t>
+            </a:r>
+          </a:p>
+          <a:p>
+            <a:r>
+              <a:rPr lang="en-US" dirty="0"/>
+              <a:t>Read and print </a:t>
+            </a:r>
+          </a:p>
+          <a:p>
+            <a:r>
+              <a:rPr lang="en-US" dirty="0"/>
+              <a:t>Delete file and print Dir</a:t>
+            </a:r>
+          </a:p>
+          <a:p>
+            <a:r>
+              <a:rPr lang="en-US" dirty="0"/>
+              <a:t>Dump</a:t>
+            </a:r>
+          </a:p>
+        </p:txBody>
+      </p:sp>
+    </p:spTree>
+    <p:extLst>
+      <p:ext uri="{BB962C8B-B14F-4D97-AF65-F5344CB8AC3E}">
+        <p14:creationId xmlns:p14="http://schemas.microsoft.com/office/powerpoint/2010/main" val="823154206"/>
+      </p:ext>
+    </p:extLst>
+  </p:cSld>
+  <p:clrMapOvr>
+    <a:masterClrMapping/>
+  </p:clrMapOvr>
+</p:sld>
+</file>
+
+<file path=ppt/slides/slide22.xml><?xml version="1.0" encoding="utf-8"?>
+<p:sld xmlns:a="http://schemas.openxmlformats.org/drawingml/2006/main" xmlns:r="http://schemas.openxmlformats.org/officeDocument/2006/relationships" xmlns:p="http://schemas.openxmlformats.org/presentationml/2006/main">
+  <p:cSld>
+    <p:spTree>
+      <p:nvGrpSpPr>
+        <p:cNvPr id="1" name=""/>
+        <p:cNvGrpSpPr/>
+        <p:nvPr/>
+      </p:nvGrpSpPr>
+      <p:grpSpPr>
+        <a:xfrm>
+          <a:off x="0" y="0"/>
+          <a:ext cx="0" cy="0"/>
+          <a:chOff x="0" y="0"/>
+          <a:chExt cx="0" cy="0"/>
+        </a:xfrm>
+      </p:grpSpPr>
+      <p:sp>
+        <p:nvSpPr>
+          <p:cNvPr id="2" name="Title 1">
+            <a:extLst>
+              <a:ext uri="{FF2B5EF4-FFF2-40B4-BE49-F238E27FC236}">
+                <a16:creationId xmlns:a16="http://schemas.microsoft.com/office/drawing/2014/main" id="{DED74125-AB35-4292-B9D8-94F72D7F8E9B}"/>
+              </a:ext>
+            </a:extLst>
+          </p:cNvPr>
+          <p:cNvSpPr>
+            <a:spLocks noGrp="1"/>
+          </p:cNvSpPr>
+          <p:nvPr>
+            <p:ph type="title"/>
+          </p:nvPr>
+        </p:nvSpPr>
+        <p:spPr/>
+        <p:txBody>
+          <a:bodyPr/>
+          <a:lstStyle/>
+          <a:p>
+            <a:endParaRPr lang="en-US"/>
+          </a:p>
+        </p:txBody>
+      </p:sp>
+      <p:pic>
+        <p:nvPicPr>
+          <p:cNvPr id="5" name="Content Placeholder 4" descr="A screenshot of a cell phone&#10;&#10;Description automatically generated">
+            <a:extLst>
+              <a:ext uri="{FF2B5EF4-FFF2-40B4-BE49-F238E27FC236}">
+                <a16:creationId xmlns:a16="http://schemas.microsoft.com/office/drawing/2014/main" id="{DEEA3EFF-BBE1-4E5A-84E0-7EBCB3ACA3B3}"/>
+              </a:ext>
+            </a:extLst>
+          </p:cNvPr>
+          <p:cNvPicPr>
+            <a:picLocks noGrp="1" noChangeAspect="1"/>
+          </p:cNvPicPr>
+          <p:nvPr>
+            <p:ph idx="1"/>
+          </p:nvPr>
+        </p:nvPicPr>
+        <p:blipFill>
+          <a:blip r:embed="rId2">
+            <a:extLst>
+              <a:ext uri="{28A0092B-C50C-407E-A947-70E740481C1C}">
+                <a14:useLocalDpi xmlns:a14="http://schemas.microsoft.com/office/drawing/2010/main" val="0"/>
+              </a:ext>
+            </a:extLst>
+          </a:blip>
+          <a:stretch>
+            <a:fillRect/>
+          </a:stretch>
+        </p:blipFill>
+        <p:spPr>
+          <a:xfrm>
+            <a:off x="913795" y="1737628"/>
+            <a:ext cx="4142998" cy="4059237"/>
+          </a:xfrm>
+        </p:spPr>
+      </p:pic>
+      <p:pic>
+        <p:nvPicPr>
+          <p:cNvPr id="7" name="Picture 6" descr="A screenshot of text&#10;&#10;Description automatically generated">
+            <a:extLst>
+              <a:ext uri="{FF2B5EF4-FFF2-40B4-BE49-F238E27FC236}">
+                <a16:creationId xmlns:a16="http://schemas.microsoft.com/office/drawing/2014/main" id="{43E04F55-30D9-4CE1-BF03-42CBC8B2C084}"/>
+              </a:ext>
+            </a:extLst>
+          </p:cNvPr>
+          <p:cNvPicPr>
+            <a:picLocks noChangeAspect="1"/>
+          </p:cNvPicPr>
+          <p:nvPr/>
+        </p:nvPicPr>
+        <p:blipFill>
+          <a:blip r:embed="rId3">
+            <a:extLst>
+              <a:ext uri="{28A0092B-C50C-407E-A947-70E740481C1C}">
+                <a14:useLocalDpi xmlns:a14="http://schemas.microsoft.com/office/drawing/2010/main" val="0"/>
+              </a:ext>
+            </a:extLst>
+          </a:blip>
+          <a:stretch>
+            <a:fillRect/>
+          </a:stretch>
+        </p:blipFill>
+        <p:spPr>
+          <a:xfrm>
+            <a:off x="6213751" y="452022"/>
+            <a:ext cx="6154009" cy="5953956"/>
+          </a:xfrm>
+          <a:prstGeom prst="rect">
+            <a:avLst/>
+          </a:prstGeom>
+        </p:spPr>
+      </p:pic>
+    </p:spTree>
+    <p:extLst>
+      <p:ext uri="{BB962C8B-B14F-4D97-AF65-F5344CB8AC3E}">
+        <p14:creationId xmlns:p14="http://schemas.microsoft.com/office/powerpoint/2010/main" val="1550287035"/>
+      </p:ext>
+    </p:extLst>
+  </p:cSld>
+  <p:clrMapOvr>
+    <a:masterClrMapping/>
+  </p:clrMapOvr>
+</p:sld>
+</file>
+
+<file path=ppt/slides/slide23.xml><?xml version="1.0" encoding="utf-8"?>
+<p:sld xmlns:a="http://schemas.openxmlformats.org/drawingml/2006/main" xmlns:r="http://schemas.openxmlformats.org/officeDocument/2006/relationships" xmlns:p="http://schemas.openxmlformats.org/presentationml/2006/main">
+  <p:cSld>
+    <p:spTree>
+      <p:nvGrpSpPr>
+        <p:cNvPr id="1" name=""/>
+        <p:cNvGrpSpPr/>
+        <p:nvPr/>
+      </p:nvGrpSpPr>
+      <p:grpSpPr>
+        <a:xfrm>
+          <a:off x="0" y="0"/>
+          <a:ext cx="0" cy="0"/>
+          <a:chOff x="0" y="0"/>
+          <a:chExt cx="0" cy="0"/>
+        </a:xfrm>
+      </p:grpSpPr>
+      <p:sp>
+        <p:nvSpPr>
+          <p:cNvPr id="2" name="Title 1">
+            <a:extLst>
+              <a:ext uri="{FF2B5EF4-FFF2-40B4-BE49-F238E27FC236}">
+                <a16:creationId xmlns:a16="http://schemas.microsoft.com/office/drawing/2014/main" id="{B445D5D6-7D6A-4165-9FDB-201401ABC049}"/>
+              </a:ext>
+            </a:extLst>
+          </p:cNvPr>
+          <p:cNvSpPr>
+            <a:spLocks noGrp="1"/>
+          </p:cNvSpPr>
+          <p:nvPr>
+            <p:ph type="title"/>
+          </p:nvPr>
+        </p:nvSpPr>
+        <p:spPr/>
+        <p:txBody>
+          <a:bodyPr/>
+          <a:lstStyle/>
+          <a:p>
+            <a:r>
+              <a:rPr lang="en-US" dirty="0"/>
+              <a:t>Phase 4 Testcase ‘f’</a:t>
+            </a:r>
+          </a:p>
+        </p:txBody>
+      </p:sp>
+      <p:sp>
+        <p:nvSpPr>
+          <p:cNvPr id="3" name="Content Placeholder 2">
+            <a:extLst>
+              <a:ext uri="{FF2B5EF4-FFF2-40B4-BE49-F238E27FC236}">
+                <a16:creationId xmlns:a16="http://schemas.microsoft.com/office/drawing/2014/main" id="{CACFE881-6C65-4B06-B621-2B8788E9ABE2}"/>
+              </a:ext>
+            </a:extLst>
+          </p:cNvPr>
+          <p:cNvSpPr>
+            <a:spLocks noGrp="1"/>
+          </p:cNvSpPr>
+          <p:nvPr>
+            <p:ph idx="1"/>
+          </p:nvPr>
+        </p:nvSpPr>
+        <p:spPr/>
+        <p:txBody>
+          <a:bodyPr>
+            <a:normAutofit fontScale="77500" lnSpcReduction="20000"/>
+          </a:bodyPr>
+          <a:lstStyle/>
+          <a:p>
+            <a:pPr marL="0" marR="0" indent="0">
+              <a:lnSpc>
+                <a:spcPct val="107000"/>
+              </a:lnSpc>
+              <a:spcBef>
+                <a:spcPts val="0"/>
+              </a:spcBef>
+              <a:spcAft>
+                <a:spcPts val="0"/>
+              </a:spcAft>
+              <a:buNone/>
+            </a:pPr>
+            <a:r>
+              <a:rPr lang="en-US" dirty="0" err="1">
+                <a:effectLst/>
+                <a:latin typeface="Calibri" panose="020F0502020204030204" pitchFamily="34" charset="0"/>
+                <a:ea typeface="Calibri" panose="020F0502020204030204" pitchFamily="34" charset="0"/>
+                <a:cs typeface="Times New Roman" panose="02020603050405020304" pitchFamily="18" charset="0"/>
+              </a:rPr>
+              <a:t>write_window</a:t>
+            </a:r>
+            <a:r>
+              <a:rPr lang="en-US" dirty="0">
+                <a:effectLst/>
+                <a:latin typeface="Calibri" panose="020F0502020204030204" pitchFamily="34" charset="0"/>
+                <a:ea typeface="Calibri" panose="020F0502020204030204" pitchFamily="34" charset="0"/>
+                <a:cs typeface="Times New Roman" panose="02020603050405020304" pitchFamily="18" charset="0"/>
+              </a:rPr>
+              <a:t>(</a:t>
+            </a:r>
+            <a:r>
+              <a:rPr lang="en-US" dirty="0" err="1">
+                <a:effectLst/>
+                <a:latin typeface="Calibri" panose="020F0502020204030204" pitchFamily="34" charset="0"/>
+                <a:ea typeface="Calibri" panose="020F0502020204030204" pitchFamily="34" charset="0"/>
+                <a:cs typeface="Times New Roman" panose="02020603050405020304" pitchFamily="18" charset="0"/>
+              </a:rPr>
+              <a:t>conwin</a:t>
+            </a:r>
+            <a:r>
+              <a:rPr lang="en-US" dirty="0">
+                <a:effectLst/>
+                <a:latin typeface="Calibri" panose="020F0502020204030204" pitchFamily="34" charset="0"/>
+                <a:ea typeface="Calibri" panose="020F0502020204030204" pitchFamily="34" charset="0"/>
+                <a:cs typeface="Times New Roman" panose="02020603050405020304" pitchFamily="18" charset="0"/>
+              </a:rPr>
+              <a:t>, </a:t>
+            </a:r>
+            <a:r>
+              <a:rPr lang="en-US" dirty="0">
+                <a:solidFill>
+                  <a:srgbClr val="00B050"/>
+                </a:solidFill>
+                <a:effectLst/>
+                <a:latin typeface="Calibri" panose="020F0502020204030204" pitchFamily="34" charset="0"/>
+                <a:ea typeface="Calibri" panose="020F0502020204030204" pitchFamily="34" charset="0"/>
+                <a:cs typeface="Times New Roman" panose="02020603050405020304" pitchFamily="18" charset="0"/>
+              </a:rPr>
+              <a:t>"f \n Ultima # "</a:t>
+            </a:r>
+            <a:r>
+              <a:rPr lang="en-US" dirty="0">
+                <a:effectLst/>
+                <a:latin typeface="Calibri" panose="020F0502020204030204" pitchFamily="34" charset="0"/>
+                <a:ea typeface="Calibri" panose="020F0502020204030204" pitchFamily="34" charset="0"/>
+                <a:cs typeface="Times New Roman" panose="02020603050405020304" pitchFamily="18" charset="0"/>
+              </a:rPr>
+              <a:t>);</a:t>
+            </a:r>
+          </a:p>
+          <a:p>
+            <a:pPr marL="0" marR="0" indent="0">
+              <a:lnSpc>
+                <a:spcPct val="107000"/>
+              </a:lnSpc>
+              <a:spcBef>
+                <a:spcPts val="0"/>
+              </a:spcBef>
+              <a:spcAft>
+                <a:spcPts val="0"/>
+              </a:spcAft>
+              <a:buNone/>
+            </a:pPr>
+            <a:r>
+              <a:rPr lang="en-US" dirty="0" err="1">
+                <a:effectLst/>
+                <a:latin typeface="Calibri" panose="020F0502020204030204" pitchFamily="34" charset="0"/>
+                <a:ea typeface="Calibri" panose="020F0502020204030204" pitchFamily="34" charset="0"/>
+                <a:cs typeface="Times New Roman" panose="02020603050405020304" pitchFamily="18" charset="0"/>
+              </a:rPr>
+              <a:t>write_window</a:t>
+            </a:r>
+            <a:r>
+              <a:rPr lang="en-US" dirty="0">
+                <a:effectLst/>
+                <a:latin typeface="Calibri" panose="020F0502020204030204" pitchFamily="34" charset="0"/>
+                <a:ea typeface="Calibri" panose="020F0502020204030204" pitchFamily="34" charset="0"/>
+                <a:cs typeface="Times New Roman" panose="02020603050405020304" pitchFamily="18" charset="0"/>
+              </a:rPr>
+              <a:t>(</a:t>
+            </a:r>
+            <a:r>
+              <a:rPr lang="en-US" dirty="0" err="1">
+                <a:effectLst/>
+                <a:latin typeface="Calibri" panose="020F0502020204030204" pitchFamily="34" charset="0"/>
+                <a:ea typeface="Calibri" panose="020F0502020204030204" pitchFamily="34" charset="0"/>
+                <a:cs typeface="Times New Roman" panose="02020603050405020304" pitchFamily="18" charset="0"/>
+              </a:rPr>
+              <a:t>logwin</a:t>
+            </a:r>
+            <a:r>
+              <a:rPr lang="en-US" dirty="0">
+                <a:effectLst/>
+                <a:latin typeface="Calibri" panose="020F0502020204030204" pitchFamily="34" charset="0"/>
+                <a:ea typeface="Calibri" panose="020F0502020204030204" pitchFamily="34" charset="0"/>
+                <a:cs typeface="Times New Roman" panose="02020603050405020304" pitchFamily="18" charset="0"/>
+              </a:rPr>
+              <a:t>, </a:t>
+            </a:r>
+            <a:r>
+              <a:rPr lang="en-US" dirty="0">
+                <a:solidFill>
+                  <a:srgbClr val="00B050"/>
+                </a:solidFill>
+                <a:effectLst/>
+                <a:latin typeface="Calibri" panose="020F0502020204030204" pitchFamily="34" charset="0"/>
+                <a:ea typeface="Calibri" panose="020F0502020204030204" pitchFamily="34" charset="0"/>
+                <a:cs typeface="Times New Roman" panose="02020603050405020304" pitchFamily="18" charset="0"/>
+              </a:rPr>
+              <a:t>" calling Dir();\n"</a:t>
+            </a:r>
+            <a:r>
+              <a:rPr lang="en-US" dirty="0">
+                <a:effectLst/>
+                <a:latin typeface="Calibri" panose="020F0502020204030204" pitchFamily="34" charset="0"/>
+                <a:ea typeface="Calibri" panose="020F0502020204030204" pitchFamily="34" charset="0"/>
+                <a:cs typeface="Times New Roman" panose="02020603050405020304" pitchFamily="18" charset="0"/>
+              </a:rPr>
+              <a:t> );</a:t>
+            </a:r>
+          </a:p>
+          <a:p>
+            <a:pPr marL="0" marR="0" indent="0">
+              <a:lnSpc>
+                <a:spcPct val="107000"/>
+              </a:lnSpc>
+              <a:spcBef>
+                <a:spcPts val="0"/>
+              </a:spcBef>
+              <a:spcAft>
+                <a:spcPts val="0"/>
+              </a:spcAft>
+              <a:buNone/>
+            </a:pPr>
+            <a:r>
+              <a:rPr lang="en-US" dirty="0" err="1">
+                <a:effectLst/>
+                <a:latin typeface="Calibri" panose="020F0502020204030204" pitchFamily="34" charset="0"/>
+                <a:ea typeface="Calibri" panose="020F0502020204030204" pitchFamily="34" charset="0"/>
+                <a:cs typeface="Times New Roman" panose="02020603050405020304" pitchFamily="18" charset="0"/>
+              </a:rPr>
+              <a:t>superuser.Dir</a:t>
+            </a:r>
+            <a:r>
+              <a:rPr lang="en-US" dirty="0">
+                <a:effectLst/>
+                <a:latin typeface="Calibri" panose="020F0502020204030204" pitchFamily="34" charset="0"/>
+                <a:ea typeface="Calibri" panose="020F0502020204030204" pitchFamily="34" charset="0"/>
+                <a:cs typeface="Times New Roman" panose="02020603050405020304" pitchFamily="18" charset="0"/>
+              </a:rPr>
+              <a:t>(</a:t>
+            </a:r>
+            <a:r>
+              <a:rPr lang="en-US" dirty="0" err="1">
+                <a:effectLst/>
+                <a:latin typeface="Calibri" panose="020F0502020204030204" pitchFamily="34" charset="0"/>
+                <a:ea typeface="Calibri" panose="020F0502020204030204" pitchFamily="34" charset="0"/>
+                <a:cs typeface="Times New Roman" panose="02020603050405020304" pitchFamily="18" charset="0"/>
+              </a:rPr>
+              <a:t>memwin</a:t>
+            </a:r>
+            <a:r>
+              <a:rPr lang="en-US" dirty="0">
+                <a:effectLst/>
+                <a:latin typeface="Calibri" panose="020F0502020204030204" pitchFamily="34" charset="0"/>
+                <a:ea typeface="Calibri" panose="020F0502020204030204" pitchFamily="34" charset="0"/>
+                <a:cs typeface="Times New Roman" panose="02020603050405020304" pitchFamily="18" charset="0"/>
+              </a:rPr>
+              <a:t>);</a:t>
+            </a:r>
+          </a:p>
+          <a:p>
+            <a:pPr marL="0" marR="0" indent="0">
+              <a:lnSpc>
+                <a:spcPct val="107000"/>
+              </a:lnSpc>
+              <a:spcBef>
+                <a:spcPts val="0"/>
+              </a:spcBef>
+              <a:spcAft>
+                <a:spcPts val="0"/>
+              </a:spcAft>
+              <a:buNone/>
+            </a:pPr>
+            <a:r>
+              <a:rPr lang="en-US" dirty="0" err="1">
+                <a:effectLst/>
+                <a:latin typeface="Calibri" panose="020F0502020204030204" pitchFamily="34" charset="0"/>
+                <a:ea typeface="Calibri" panose="020F0502020204030204" pitchFamily="34" charset="0"/>
+                <a:cs typeface="Times New Roman" panose="02020603050405020304" pitchFamily="18" charset="0"/>
+              </a:rPr>
+              <a:t>write_window</a:t>
+            </a:r>
+            <a:r>
+              <a:rPr lang="en-US" dirty="0">
+                <a:effectLst/>
+                <a:latin typeface="Calibri" panose="020F0502020204030204" pitchFamily="34" charset="0"/>
+                <a:ea typeface="Calibri" panose="020F0502020204030204" pitchFamily="34" charset="0"/>
+                <a:cs typeface="Times New Roman" panose="02020603050405020304" pitchFamily="18" charset="0"/>
+              </a:rPr>
+              <a:t>(</a:t>
+            </a:r>
+            <a:r>
+              <a:rPr lang="en-US" dirty="0" err="1">
+                <a:effectLst/>
+                <a:latin typeface="Calibri" panose="020F0502020204030204" pitchFamily="34" charset="0"/>
+                <a:ea typeface="Calibri" panose="020F0502020204030204" pitchFamily="34" charset="0"/>
+                <a:cs typeface="Times New Roman" panose="02020603050405020304" pitchFamily="18" charset="0"/>
+              </a:rPr>
+              <a:t>logwin</a:t>
+            </a:r>
+            <a:r>
+              <a:rPr lang="en-US" dirty="0">
+                <a:effectLst/>
+                <a:latin typeface="Calibri" panose="020F0502020204030204" pitchFamily="34" charset="0"/>
+                <a:ea typeface="Calibri" panose="020F0502020204030204" pitchFamily="34" charset="0"/>
+                <a:cs typeface="Times New Roman" panose="02020603050405020304" pitchFamily="18" charset="0"/>
+              </a:rPr>
+              <a:t>, </a:t>
+            </a:r>
+            <a:r>
+              <a:rPr lang="en-US" dirty="0">
+                <a:solidFill>
+                  <a:srgbClr val="00B050"/>
+                </a:solidFill>
+                <a:effectLst/>
+                <a:latin typeface="Calibri" panose="020F0502020204030204" pitchFamily="34" charset="0"/>
+                <a:ea typeface="Calibri" panose="020F0502020204030204" pitchFamily="34" charset="0"/>
+                <a:cs typeface="Times New Roman" panose="02020603050405020304" pitchFamily="18" charset="0"/>
+              </a:rPr>
+              <a:t>" calling </a:t>
+            </a:r>
+            <a:r>
+              <a:rPr lang="en-US" dirty="0" err="1">
+                <a:solidFill>
+                  <a:srgbClr val="00B050"/>
+                </a:solidFill>
+                <a:effectLst/>
+                <a:latin typeface="Calibri" panose="020F0502020204030204" pitchFamily="34" charset="0"/>
+                <a:ea typeface="Calibri" panose="020F0502020204030204" pitchFamily="34" charset="0"/>
+                <a:cs typeface="Times New Roman" panose="02020603050405020304" pitchFamily="18" charset="0"/>
+              </a:rPr>
+              <a:t>Create_File</a:t>
+            </a:r>
+            <a:r>
+              <a:rPr lang="en-US" dirty="0">
+                <a:solidFill>
+                  <a:srgbClr val="00B050"/>
+                </a:solidFill>
+                <a:effectLst/>
+                <a:latin typeface="Calibri" panose="020F0502020204030204" pitchFamily="34" charset="0"/>
+                <a:ea typeface="Calibri" panose="020F0502020204030204" pitchFamily="34" charset="0"/>
+                <a:cs typeface="Times New Roman" panose="02020603050405020304" pitchFamily="18" charset="0"/>
+              </a:rPr>
+              <a:t>(</a:t>
+            </a:r>
+            <a:r>
+              <a:rPr lang="en-US" dirty="0" err="1">
+                <a:solidFill>
+                  <a:srgbClr val="00B050"/>
+                </a:solidFill>
+                <a:effectLst/>
+                <a:latin typeface="Calibri" panose="020F0502020204030204" pitchFamily="34" charset="0"/>
+                <a:ea typeface="Calibri" panose="020F0502020204030204" pitchFamily="34" charset="0"/>
+                <a:cs typeface="Times New Roman" panose="02020603050405020304" pitchFamily="18" charset="0"/>
+              </a:rPr>
+              <a:t>uifile</a:t>
+            </a:r>
+            <a:r>
+              <a:rPr lang="en-US" dirty="0">
+                <a:solidFill>
+                  <a:srgbClr val="00B050"/>
+                </a:solidFill>
+                <a:effectLst/>
+                <a:latin typeface="Calibri" panose="020F0502020204030204" pitchFamily="34" charset="0"/>
+                <a:ea typeface="Calibri" panose="020F0502020204030204" pitchFamily="34" charset="0"/>
+                <a:cs typeface="Times New Roman" panose="02020603050405020304" pitchFamily="18" charset="0"/>
+              </a:rPr>
+              <a:t>);\n"</a:t>
+            </a:r>
+            <a:r>
+              <a:rPr lang="en-US" dirty="0">
+                <a:effectLst/>
+                <a:latin typeface="Calibri" panose="020F0502020204030204" pitchFamily="34" charset="0"/>
+                <a:ea typeface="Calibri" panose="020F0502020204030204" pitchFamily="34" charset="0"/>
+                <a:cs typeface="Times New Roman" panose="02020603050405020304" pitchFamily="18" charset="0"/>
+              </a:rPr>
+              <a:t> );</a:t>
+            </a:r>
+          </a:p>
+          <a:p>
+            <a:pPr marL="0" marR="0" indent="0">
+              <a:lnSpc>
+                <a:spcPct val="107000"/>
+              </a:lnSpc>
+              <a:spcBef>
+                <a:spcPts val="0"/>
+              </a:spcBef>
+              <a:spcAft>
+                <a:spcPts val="0"/>
+              </a:spcAft>
+              <a:buNone/>
+            </a:pPr>
+            <a:r>
+              <a:rPr lang="en-US" b="1" dirty="0">
+                <a:effectLst/>
+                <a:latin typeface="Calibri" panose="020F0502020204030204" pitchFamily="34" charset="0"/>
+                <a:ea typeface="Calibri" panose="020F0502020204030204" pitchFamily="34" charset="0"/>
+                <a:cs typeface="Times New Roman" panose="02020603050405020304" pitchFamily="18" charset="0"/>
+              </a:rPr>
+              <a:t>int</a:t>
+            </a:r>
+            <a:r>
+              <a:rPr lang="en-US" dirty="0">
+                <a:effectLst/>
+                <a:latin typeface="Calibri" panose="020F0502020204030204" pitchFamily="34" charset="0"/>
+                <a:ea typeface="Calibri" panose="020F0502020204030204" pitchFamily="34" charset="0"/>
+                <a:cs typeface="Times New Roman" panose="02020603050405020304" pitchFamily="18" charset="0"/>
+              </a:rPr>
+              <a:t> per[4] = {1, 1, 0, 0};</a:t>
+            </a:r>
+          </a:p>
+          <a:p>
+            <a:pPr marL="0" marR="0" indent="0">
+              <a:lnSpc>
+                <a:spcPct val="107000"/>
+              </a:lnSpc>
+              <a:spcBef>
+                <a:spcPts val="0"/>
+              </a:spcBef>
+              <a:spcAft>
+                <a:spcPts val="0"/>
+              </a:spcAft>
+              <a:buNone/>
+            </a:pPr>
+            <a:r>
+              <a:rPr lang="en-US" dirty="0" err="1">
+                <a:effectLst/>
+                <a:latin typeface="Calibri" panose="020F0502020204030204" pitchFamily="34" charset="0"/>
+                <a:ea typeface="Calibri" panose="020F0502020204030204" pitchFamily="34" charset="0"/>
+                <a:cs typeface="Times New Roman" panose="02020603050405020304" pitchFamily="18" charset="0"/>
+              </a:rPr>
+              <a:t>superuser.Create_file</a:t>
+            </a:r>
+            <a:r>
+              <a:rPr lang="en-US" dirty="0">
+                <a:effectLst/>
+                <a:latin typeface="Calibri" panose="020F0502020204030204" pitchFamily="34" charset="0"/>
+                <a:ea typeface="Calibri" panose="020F0502020204030204" pitchFamily="34" charset="0"/>
+                <a:cs typeface="Times New Roman" panose="02020603050405020304" pitchFamily="18" charset="0"/>
+              </a:rPr>
+              <a:t>(</a:t>
+            </a:r>
+            <a:r>
+              <a:rPr lang="en-US" dirty="0" err="1">
+                <a:effectLst/>
+                <a:latin typeface="Calibri" panose="020F0502020204030204" pitchFamily="34" charset="0"/>
+                <a:ea typeface="Calibri" panose="020F0502020204030204" pitchFamily="34" charset="0"/>
+                <a:cs typeface="Times New Roman" panose="02020603050405020304" pitchFamily="18" charset="0"/>
+              </a:rPr>
+              <a:t>tcb</a:t>
+            </a:r>
+            <a:r>
+              <a:rPr lang="en-US" dirty="0">
+                <a:effectLst/>
+                <a:latin typeface="Calibri" panose="020F0502020204030204" pitchFamily="34" charset="0"/>
+                <a:ea typeface="Calibri" panose="020F0502020204030204" pitchFamily="34" charset="0"/>
+                <a:cs typeface="Times New Roman" panose="02020603050405020304" pitchFamily="18" charset="0"/>
+              </a:rPr>
+              <a:t>-&gt;</a:t>
+            </a:r>
+            <a:r>
+              <a:rPr lang="en-US" dirty="0" err="1">
+                <a:effectLst/>
+                <a:latin typeface="Calibri" panose="020F0502020204030204" pitchFamily="34" charset="0"/>
+                <a:ea typeface="Calibri" panose="020F0502020204030204" pitchFamily="34" charset="0"/>
+                <a:cs typeface="Times New Roman" panose="02020603050405020304" pitchFamily="18" charset="0"/>
+              </a:rPr>
+              <a:t>thread_no</a:t>
+            </a:r>
+            <a:r>
+              <a:rPr lang="en-US" dirty="0">
+                <a:effectLst/>
+                <a:latin typeface="Calibri" panose="020F0502020204030204" pitchFamily="34" charset="0"/>
+                <a:ea typeface="Calibri" panose="020F0502020204030204" pitchFamily="34" charset="0"/>
+                <a:cs typeface="Times New Roman" panose="02020603050405020304" pitchFamily="18" charset="0"/>
+              </a:rPr>
+              <a:t>, (</a:t>
+            </a:r>
+            <a:r>
+              <a:rPr lang="en-US" b="1" dirty="0">
+                <a:effectLst/>
+                <a:latin typeface="Calibri" panose="020F0502020204030204" pitchFamily="34" charset="0"/>
+                <a:ea typeface="Calibri" panose="020F0502020204030204" pitchFamily="34" charset="0"/>
+                <a:cs typeface="Times New Roman" panose="02020603050405020304" pitchFamily="18" charset="0"/>
+              </a:rPr>
+              <a:t>char</a:t>
+            </a:r>
+            <a:r>
+              <a:rPr lang="en-US" dirty="0">
+                <a:effectLst/>
+                <a:latin typeface="Calibri" panose="020F0502020204030204" pitchFamily="34" charset="0"/>
+                <a:ea typeface="Calibri" panose="020F0502020204030204" pitchFamily="34" charset="0"/>
+                <a:cs typeface="Times New Roman" panose="02020603050405020304" pitchFamily="18" charset="0"/>
+              </a:rPr>
+              <a:t>*)"</a:t>
+            </a:r>
+            <a:r>
+              <a:rPr lang="en-US" dirty="0" err="1">
+                <a:effectLst/>
+                <a:latin typeface="Calibri" panose="020F0502020204030204" pitchFamily="34" charset="0"/>
+                <a:ea typeface="Calibri" panose="020F0502020204030204" pitchFamily="34" charset="0"/>
+                <a:cs typeface="Times New Roman" panose="02020603050405020304" pitchFamily="18" charset="0"/>
+              </a:rPr>
+              <a:t>uifile</a:t>
+            </a:r>
+            <a:r>
+              <a:rPr lang="en-US" dirty="0">
+                <a:effectLst/>
+                <a:latin typeface="Calibri" panose="020F0502020204030204" pitchFamily="34" charset="0"/>
+                <a:ea typeface="Calibri" panose="020F0502020204030204" pitchFamily="34" charset="0"/>
+                <a:cs typeface="Times New Roman" panose="02020603050405020304" pitchFamily="18" charset="0"/>
+              </a:rPr>
+              <a:t>", 120, per);</a:t>
+            </a:r>
+          </a:p>
+          <a:p>
+            <a:pPr marL="0" marR="0" indent="0">
+              <a:lnSpc>
+                <a:spcPct val="107000"/>
+              </a:lnSpc>
+              <a:spcBef>
+                <a:spcPts val="0"/>
+              </a:spcBef>
+              <a:spcAft>
+                <a:spcPts val="0"/>
+              </a:spcAft>
+              <a:buNone/>
+            </a:pPr>
+            <a:r>
+              <a:rPr lang="en-US" dirty="0" err="1">
+                <a:effectLst/>
+                <a:latin typeface="Calibri" panose="020F0502020204030204" pitchFamily="34" charset="0"/>
+                <a:ea typeface="Calibri" panose="020F0502020204030204" pitchFamily="34" charset="0"/>
+                <a:cs typeface="Times New Roman" panose="02020603050405020304" pitchFamily="18" charset="0"/>
+              </a:rPr>
+              <a:t>write_window</a:t>
+            </a:r>
+            <a:r>
+              <a:rPr lang="en-US" dirty="0">
+                <a:effectLst/>
+                <a:latin typeface="Calibri" panose="020F0502020204030204" pitchFamily="34" charset="0"/>
+                <a:ea typeface="Calibri" panose="020F0502020204030204" pitchFamily="34" charset="0"/>
+                <a:cs typeface="Times New Roman" panose="02020603050405020304" pitchFamily="18" charset="0"/>
+              </a:rPr>
+              <a:t>(</a:t>
+            </a:r>
+            <a:r>
+              <a:rPr lang="en-US" dirty="0" err="1">
+                <a:effectLst/>
+                <a:latin typeface="Calibri" panose="020F0502020204030204" pitchFamily="34" charset="0"/>
+                <a:ea typeface="Calibri" panose="020F0502020204030204" pitchFamily="34" charset="0"/>
+                <a:cs typeface="Times New Roman" panose="02020603050405020304" pitchFamily="18" charset="0"/>
+              </a:rPr>
+              <a:t>logwin</a:t>
+            </a:r>
+            <a:r>
+              <a:rPr lang="en-US" dirty="0">
+                <a:effectLst/>
+                <a:latin typeface="Calibri" panose="020F0502020204030204" pitchFamily="34" charset="0"/>
+                <a:ea typeface="Calibri" panose="020F0502020204030204" pitchFamily="34" charset="0"/>
+                <a:cs typeface="Times New Roman" panose="02020603050405020304" pitchFamily="18" charset="0"/>
+              </a:rPr>
+              <a:t>, </a:t>
+            </a:r>
+            <a:r>
+              <a:rPr lang="en-US" dirty="0">
+                <a:solidFill>
+                  <a:srgbClr val="00B050"/>
+                </a:solidFill>
+                <a:effectLst/>
+                <a:latin typeface="Calibri" panose="020F0502020204030204" pitchFamily="34" charset="0"/>
+                <a:ea typeface="Calibri" panose="020F0502020204030204" pitchFamily="34" charset="0"/>
+                <a:cs typeface="Times New Roman" panose="02020603050405020304" pitchFamily="18" charset="0"/>
+              </a:rPr>
+              <a:t>" calling open(</a:t>
+            </a:r>
+            <a:r>
+              <a:rPr lang="en-US" dirty="0" err="1">
+                <a:solidFill>
+                  <a:srgbClr val="00B050"/>
+                </a:solidFill>
+                <a:effectLst/>
+                <a:latin typeface="Calibri" panose="020F0502020204030204" pitchFamily="34" charset="0"/>
+                <a:ea typeface="Calibri" panose="020F0502020204030204" pitchFamily="34" charset="0"/>
+                <a:cs typeface="Times New Roman" panose="02020603050405020304" pitchFamily="18" charset="0"/>
+              </a:rPr>
+              <a:t>uifile</a:t>
+            </a:r>
+            <a:r>
+              <a:rPr lang="en-US" dirty="0">
+                <a:solidFill>
+                  <a:srgbClr val="00B050"/>
+                </a:solidFill>
+                <a:effectLst/>
+                <a:latin typeface="Calibri" panose="020F0502020204030204" pitchFamily="34" charset="0"/>
+                <a:ea typeface="Calibri" panose="020F0502020204030204" pitchFamily="34" charset="0"/>
+                <a:cs typeface="Times New Roman" panose="02020603050405020304" pitchFamily="18" charset="0"/>
+              </a:rPr>
+              <a:t>)\n"</a:t>
+            </a:r>
+            <a:r>
+              <a:rPr lang="en-US" dirty="0">
+                <a:effectLst/>
+                <a:latin typeface="Calibri" panose="020F0502020204030204" pitchFamily="34" charset="0"/>
+                <a:ea typeface="Calibri" panose="020F0502020204030204" pitchFamily="34" charset="0"/>
+                <a:cs typeface="Times New Roman" panose="02020603050405020304" pitchFamily="18" charset="0"/>
+              </a:rPr>
+              <a:t> );</a:t>
+            </a:r>
+          </a:p>
+          <a:p>
+            <a:pPr marL="0" marR="0" indent="0">
+              <a:lnSpc>
+                <a:spcPct val="107000"/>
+              </a:lnSpc>
+              <a:spcBef>
+                <a:spcPts val="0"/>
+              </a:spcBef>
+              <a:spcAft>
+                <a:spcPts val="0"/>
+              </a:spcAft>
+              <a:buNone/>
+            </a:pPr>
+            <a:r>
+              <a:rPr lang="en-US" b="1" dirty="0">
+                <a:effectLst/>
+                <a:latin typeface="Calibri" panose="020F0502020204030204" pitchFamily="34" charset="0"/>
+                <a:ea typeface="Calibri" panose="020F0502020204030204" pitchFamily="34" charset="0"/>
+                <a:cs typeface="Times New Roman" panose="02020603050405020304" pitchFamily="18" charset="0"/>
+              </a:rPr>
+              <a:t>if</a:t>
+            </a:r>
+            <a:r>
+              <a:rPr lang="en-US" dirty="0">
+                <a:effectLst/>
+                <a:latin typeface="Calibri" panose="020F0502020204030204" pitchFamily="34" charset="0"/>
+                <a:ea typeface="Calibri" panose="020F0502020204030204" pitchFamily="34" charset="0"/>
+                <a:cs typeface="Times New Roman" panose="02020603050405020304" pitchFamily="18" charset="0"/>
+              </a:rPr>
+              <a:t> (</a:t>
+            </a:r>
+            <a:r>
+              <a:rPr lang="en-US" dirty="0" err="1">
+                <a:effectLst/>
+                <a:latin typeface="Calibri" panose="020F0502020204030204" pitchFamily="34" charset="0"/>
+                <a:ea typeface="Calibri" panose="020F0502020204030204" pitchFamily="34" charset="0"/>
+                <a:cs typeface="Times New Roman" panose="02020603050405020304" pitchFamily="18" charset="0"/>
+              </a:rPr>
+              <a:t>superuser.Open</a:t>
+            </a:r>
+            <a:r>
+              <a:rPr lang="en-US" dirty="0">
+                <a:effectLst/>
+                <a:latin typeface="Calibri" panose="020F0502020204030204" pitchFamily="34" charset="0"/>
+                <a:ea typeface="Calibri" panose="020F0502020204030204" pitchFamily="34" charset="0"/>
+                <a:cs typeface="Times New Roman" panose="02020603050405020304" pitchFamily="18" charset="0"/>
+              </a:rPr>
+              <a:t>(</a:t>
+            </a:r>
+            <a:r>
+              <a:rPr lang="en-US" dirty="0" err="1">
+                <a:effectLst/>
+                <a:latin typeface="Calibri" panose="020F0502020204030204" pitchFamily="34" charset="0"/>
+                <a:ea typeface="Calibri" panose="020F0502020204030204" pitchFamily="34" charset="0"/>
+                <a:cs typeface="Times New Roman" panose="02020603050405020304" pitchFamily="18" charset="0"/>
+              </a:rPr>
+              <a:t>tcb</a:t>
+            </a:r>
+            <a:r>
+              <a:rPr lang="en-US" dirty="0">
+                <a:effectLst/>
+                <a:latin typeface="Calibri" panose="020F0502020204030204" pitchFamily="34" charset="0"/>
+                <a:ea typeface="Calibri" panose="020F0502020204030204" pitchFamily="34" charset="0"/>
+                <a:cs typeface="Times New Roman" panose="02020603050405020304" pitchFamily="18" charset="0"/>
+              </a:rPr>
+              <a:t>-&gt;</a:t>
+            </a:r>
+            <a:r>
+              <a:rPr lang="en-US" dirty="0" err="1">
+                <a:effectLst/>
+                <a:latin typeface="Calibri" panose="020F0502020204030204" pitchFamily="34" charset="0"/>
+                <a:ea typeface="Calibri" panose="020F0502020204030204" pitchFamily="34" charset="0"/>
+                <a:cs typeface="Times New Roman" panose="02020603050405020304" pitchFamily="18" charset="0"/>
+              </a:rPr>
+              <a:t>thread_no</a:t>
+            </a:r>
+            <a:r>
+              <a:rPr lang="en-US" dirty="0">
+                <a:effectLst/>
+                <a:latin typeface="Calibri" panose="020F0502020204030204" pitchFamily="34" charset="0"/>
+                <a:ea typeface="Calibri" panose="020F0502020204030204" pitchFamily="34" charset="0"/>
+                <a:cs typeface="Times New Roman" panose="02020603050405020304" pitchFamily="18" charset="0"/>
+              </a:rPr>
+              <a:t>, </a:t>
+            </a:r>
+            <a:r>
+              <a:rPr lang="en-US" dirty="0" err="1">
+                <a:effectLst/>
+                <a:latin typeface="Calibri" panose="020F0502020204030204" pitchFamily="34" charset="0"/>
+                <a:ea typeface="Calibri" panose="020F0502020204030204" pitchFamily="34" charset="0"/>
+                <a:cs typeface="Times New Roman" panose="02020603050405020304" pitchFamily="18" charset="0"/>
+              </a:rPr>
+              <a:t>tcb</a:t>
+            </a:r>
+            <a:r>
+              <a:rPr lang="en-US" dirty="0">
+                <a:effectLst/>
+                <a:latin typeface="Calibri" panose="020F0502020204030204" pitchFamily="34" charset="0"/>
+                <a:ea typeface="Calibri" panose="020F0502020204030204" pitchFamily="34" charset="0"/>
+                <a:cs typeface="Times New Roman" panose="02020603050405020304" pitchFamily="18" charset="0"/>
+              </a:rPr>
+              <a:t>-&gt;</a:t>
+            </a:r>
+            <a:r>
+              <a:rPr lang="en-US" dirty="0" err="1">
+                <a:effectLst/>
+                <a:latin typeface="Calibri" panose="020F0502020204030204" pitchFamily="34" charset="0"/>
+                <a:ea typeface="Calibri" panose="020F0502020204030204" pitchFamily="34" charset="0"/>
+                <a:cs typeface="Times New Roman" panose="02020603050405020304" pitchFamily="18" charset="0"/>
+              </a:rPr>
+              <a:t>thread_no</a:t>
+            </a:r>
+            <a:r>
+              <a:rPr lang="en-US" dirty="0">
+                <a:effectLst/>
+                <a:latin typeface="Calibri" panose="020F0502020204030204" pitchFamily="34" charset="0"/>
+                <a:ea typeface="Calibri" panose="020F0502020204030204" pitchFamily="34" charset="0"/>
+                <a:cs typeface="Times New Roman" panose="02020603050405020304" pitchFamily="18" charset="0"/>
+              </a:rPr>
+              <a:t>,(</a:t>
+            </a:r>
+            <a:r>
+              <a:rPr lang="en-US" b="1" dirty="0">
+                <a:effectLst/>
+                <a:latin typeface="Calibri" panose="020F0502020204030204" pitchFamily="34" charset="0"/>
+                <a:ea typeface="Calibri" panose="020F0502020204030204" pitchFamily="34" charset="0"/>
+                <a:cs typeface="Times New Roman" panose="02020603050405020304" pitchFamily="18" charset="0"/>
+              </a:rPr>
+              <a:t>char</a:t>
+            </a:r>
+            <a:r>
+              <a:rPr lang="en-US" dirty="0">
+                <a:effectLst/>
+                <a:latin typeface="Calibri" panose="020F0502020204030204" pitchFamily="34" charset="0"/>
+                <a:ea typeface="Calibri" panose="020F0502020204030204" pitchFamily="34" charset="0"/>
+                <a:cs typeface="Times New Roman" panose="02020603050405020304" pitchFamily="18" charset="0"/>
+              </a:rPr>
+              <a:t>*)"</a:t>
+            </a:r>
+            <a:r>
+              <a:rPr lang="en-US" dirty="0" err="1">
+                <a:effectLst/>
+                <a:latin typeface="Calibri" panose="020F0502020204030204" pitchFamily="34" charset="0"/>
+                <a:ea typeface="Calibri" panose="020F0502020204030204" pitchFamily="34" charset="0"/>
+                <a:cs typeface="Times New Roman" panose="02020603050405020304" pitchFamily="18" charset="0"/>
+              </a:rPr>
+              <a:t>uifile</a:t>
+            </a:r>
+            <a:r>
+              <a:rPr lang="en-US" dirty="0">
+                <a:effectLst/>
+                <a:latin typeface="Calibri" panose="020F0502020204030204" pitchFamily="34" charset="0"/>
+                <a:ea typeface="Calibri" panose="020F0502020204030204" pitchFamily="34" charset="0"/>
+                <a:cs typeface="Times New Roman" panose="02020603050405020304" pitchFamily="18" charset="0"/>
+              </a:rPr>
+              <a:t>",(</a:t>
+            </a:r>
+            <a:r>
+              <a:rPr lang="en-US" b="1" dirty="0">
+                <a:effectLst/>
+                <a:latin typeface="Calibri" panose="020F0502020204030204" pitchFamily="34" charset="0"/>
+                <a:ea typeface="Calibri" panose="020F0502020204030204" pitchFamily="34" charset="0"/>
+                <a:cs typeface="Times New Roman" panose="02020603050405020304" pitchFamily="18" charset="0"/>
+              </a:rPr>
+              <a:t>char</a:t>
+            </a:r>
+            <a:r>
+              <a:rPr lang="en-US" dirty="0">
+                <a:effectLst/>
+                <a:latin typeface="Calibri" panose="020F0502020204030204" pitchFamily="34" charset="0"/>
+                <a:ea typeface="Calibri" panose="020F0502020204030204" pitchFamily="34" charset="0"/>
+                <a:cs typeface="Times New Roman" panose="02020603050405020304" pitchFamily="18" charset="0"/>
+              </a:rPr>
+              <a:t>*)"w")){</a:t>
+            </a:r>
+          </a:p>
+          <a:p>
+            <a:pPr marL="0" marR="0" indent="0">
+              <a:lnSpc>
+                <a:spcPct val="107000"/>
+              </a:lnSpc>
+              <a:spcBef>
+                <a:spcPts val="0"/>
+              </a:spcBef>
+              <a:spcAft>
+                <a:spcPts val="0"/>
+              </a:spcAft>
+              <a:buNone/>
+            </a:pPr>
+            <a:r>
+              <a:rPr lang="en-US" dirty="0">
+                <a:effectLst/>
+                <a:latin typeface="Calibri" panose="020F0502020204030204" pitchFamily="34" charset="0"/>
+                <a:ea typeface="Calibri" panose="020F0502020204030204" pitchFamily="34" charset="0"/>
+                <a:cs typeface="Times New Roman" panose="02020603050405020304" pitchFamily="18" charset="0"/>
+              </a:rPr>
+              <a:t>	</a:t>
+            </a:r>
+            <a:r>
+              <a:rPr lang="en-US" dirty="0" err="1">
+                <a:effectLst/>
+                <a:latin typeface="Calibri" panose="020F0502020204030204" pitchFamily="34" charset="0"/>
+                <a:ea typeface="Calibri" panose="020F0502020204030204" pitchFamily="34" charset="0"/>
+                <a:cs typeface="Times New Roman" panose="02020603050405020304" pitchFamily="18" charset="0"/>
+              </a:rPr>
+              <a:t>write_window</a:t>
+            </a:r>
+            <a:r>
+              <a:rPr lang="en-US" dirty="0">
+                <a:effectLst/>
+                <a:latin typeface="Calibri" panose="020F0502020204030204" pitchFamily="34" charset="0"/>
+                <a:ea typeface="Calibri" panose="020F0502020204030204" pitchFamily="34" charset="0"/>
+                <a:cs typeface="Times New Roman" panose="02020603050405020304" pitchFamily="18" charset="0"/>
+              </a:rPr>
+              <a:t>(</a:t>
+            </a:r>
+            <a:r>
+              <a:rPr lang="en-US" dirty="0" err="1">
+                <a:effectLst/>
+                <a:latin typeface="Calibri" panose="020F0502020204030204" pitchFamily="34" charset="0"/>
+                <a:ea typeface="Calibri" panose="020F0502020204030204" pitchFamily="34" charset="0"/>
+                <a:cs typeface="Times New Roman" panose="02020603050405020304" pitchFamily="18" charset="0"/>
+              </a:rPr>
+              <a:t>logwin</a:t>
+            </a:r>
+            <a:r>
+              <a:rPr lang="en-US" dirty="0">
+                <a:effectLst/>
+                <a:latin typeface="Calibri" panose="020F0502020204030204" pitchFamily="34" charset="0"/>
+                <a:ea typeface="Calibri" panose="020F0502020204030204" pitchFamily="34" charset="0"/>
+                <a:cs typeface="Times New Roman" panose="02020603050405020304" pitchFamily="18" charset="0"/>
+              </a:rPr>
+              <a:t>, </a:t>
+            </a:r>
+            <a:r>
+              <a:rPr lang="en-US" dirty="0">
+                <a:solidFill>
+                  <a:srgbClr val="00B050"/>
+                </a:solidFill>
+                <a:effectLst/>
+                <a:latin typeface="Calibri" panose="020F0502020204030204" pitchFamily="34" charset="0"/>
+                <a:ea typeface="Calibri" panose="020F0502020204030204" pitchFamily="34" charset="0"/>
+                <a:cs typeface="Times New Roman" panose="02020603050405020304" pitchFamily="18" charset="0"/>
+              </a:rPr>
+              <a:t>" open success\n"</a:t>
+            </a:r>
+            <a:r>
+              <a:rPr lang="en-US" dirty="0">
+                <a:effectLst/>
+                <a:latin typeface="Calibri" panose="020F0502020204030204" pitchFamily="34" charset="0"/>
+                <a:ea typeface="Calibri" panose="020F0502020204030204" pitchFamily="34" charset="0"/>
+                <a:cs typeface="Times New Roman" panose="02020603050405020304" pitchFamily="18" charset="0"/>
+              </a:rPr>
+              <a:t> );</a:t>
+            </a:r>
+          </a:p>
+          <a:p>
+            <a:pPr marL="0" marR="0" indent="0">
+              <a:lnSpc>
+                <a:spcPct val="107000"/>
+              </a:lnSpc>
+              <a:spcBef>
+                <a:spcPts val="0"/>
+              </a:spcBef>
+              <a:spcAft>
+                <a:spcPts val="0"/>
+              </a:spcAft>
+              <a:buNone/>
+            </a:pPr>
+            <a:r>
+              <a:rPr lang="en-US" dirty="0">
+                <a:effectLst/>
+                <a:latin typeface="Calibri" panose="020F0502020204030204" pitchFamily="34" charset="0"/>
+                <a:ea typeface="Calibri" panose="020F0502020204030204" pitchFamily="34" charset="0"/>
+                <a:cs typeface="Times New Roman" panose="02020603050405020304" pitchFamily="18" charset="0"/>
+              </a:rPr>
+              <a:t>	}</a:t>
+            </a:r>
+            <a:r>
+              <a:rPr lang="en-US" b="1" dirty="0">
+                <a:effectLst/>
+                <a:latin typeface="Calibri" panose="020F0502020204030204" pitchFamily="34" charset="0"/>
+                <a:ea typeface="Calibri" panose="020F0502020204030204" pitchFamily="34" charset="0"/>
+                <a:cs typeface="Times New Roman" panose="02020603050405020304" pitchFamily="18" charset="0"/>
+              </a:rPr>
+              <a:t>else</a:t>
+            </a:r>
+            <a:r>
+              <a:rPr lang="en-US" dirty="0">
+                <a:effectLst/>
+                <a:latin typeface="Calibri" panose="020F0502020204030204" pitchFamily="34" charset="0"/>
+                <a:ea typeface="Calibri" panose="020F0502020204030204" pitchFamily="34" charset="0"/>
+                <a:cs typeface="Times New Roman" panose="02020603050405020304" pitchFamily="18" charset="0"/>
+              </a:rPr>
+              <a:t>{</a:t>
+            </a:r>
+          </a:p>
+          <a:p>
+            <a:pPr marL="457200" marR="0" indent="0">
+              <a:lnSpc>
+                <a:spcPct val="107000"/>
+              </a:lnSpc>
+              <a:spcBef>
+                <a:spcPts val="0"/>
+              </a:spcBef>
+              <a:spcAft>
+                <a:spcPts val="0"/>
+              </a:spcAft>
+              <a:buNone/>
+            </a:pPr>
+            <a:r>
+              <a:rPr lang="en-US" dirty="0">
+                <a:effectLst/>
+                <a:latin typeface="Calibri" panose="020F0502020204030204" pitchFamily="34" charset="0"/>
+                <a:ea typeface="Calibri" panose="020F0502020204030204" pitchFamily="34" charset="0"/>
+                <a:cs typeface="Times New Roman" panose="02020603050405020304" pitchFamily="18" charset="0"/>
+              </a:rPr>
+              <a:t>	</a:t>
+            </a:r>
+            <a:r>
+              <a:rPr lang="en-US" dirty="0" err="1">
+                <a:effectLst/>
+                <a:latin typeface="Calibri" panose="020F0502020204030204" pitchFamily="34" charset="0"/>
+                <a:ea typeface="Calibri" panose="020F0502020204030204" pitchFamily="34" charset="0"/>
+                <a:cs typeface="Times New Roman" panose="02020603050405020304" pitchFamily="18" charset="0"/>
+              </a:rPr>
+              <a:t>write_window</a:t>
+            </a:r>
+            <a:r>
+              <a:rPr lang="en-US" dirty="0">
+                <a:effectLst/>
+                <a:latin typeface="Calibri" panose="020F0502020204030204" pitchFamily="34" charset="0"/>
+                <a:ea typeface="Calibri" panose="020F0502020204030204" pitchFamily="34" charset="0"/>
+                <a:cs typeface="Times New Roman" panose="02020603050405020304" pitchFamily="18" charset="0"/>
+              </a:rPr>
+              <a:t>(</a:t>
+            </a:r>
+            <a:r>
+              <a:rPr lang="en-US" dirty="0" err="1">
+                <a:effectLst/>
+                <a:latin typeface="Calibri" panose="020F0502020204030204" pitchFamily="34" charset="0"/>
+                <a:ea typeface="Calibri" panose="020F0502020204030204" pitchFamily="34" charset="0"/>
+                <a:cs typeface="Times New Roman" panose="02020603050405020304" pitchFamily="18" charset="0"/>
+              </a:rPr>
+              <a:t>logwin</a:t>
+            </a:r>
+            <a:r>
+              <a:rPr lang="en-US" dirty="0">
+                <a:effectLst/>
+                <a:latin typeface="Calibri" panose="020F0502020204030204" pitchFamily="34" charset="0"/>
+                <a:ea typeface="Calibri" panose="020F0502020204030204" pitchFamily="34" charset="0"/>
+                <a:cs typeface="Times New Roman" panose="02020603050405020304" pitchFamily="18" charset="0"/>
+              </a:rPr>
+              <a:t>, </a:t>
+            </a:r>
+            <a:r>
+              <a:rPr lang="en-US" dirty="0">
+                <a:solidFill>
+                  <a:srgbClr val="00B050"/>
+                </a:solidFill>
+                <a:effectLst/>
+                <a:latin typeface="Calibri" panose="020F0502020204030204" pitchFamily="34" charset="0"/>
+                <a:ea typeface="Calibri" panose="020F0502020204030204" pitchFamily="34" charset="0"/>
+                <a:cs typeface="Times New Roman" panose="02020603050405020304" pitchFamily="18" charset="0"/>
+              </a:rPr>
+              <a:t>" open fail\n"</a:t>
+            </a:r>
+            <a:r>
+              <a:rPr lang="en-US" dirty="0">
+                <a:effectLst/>
+                <a:latin typeface="Calibri" panose="020F0502020204030204" pitchFamily="34" charset="0"/>
+                <a:ea typeface="Calibri" panose="020F0502020204030204" pitchFamily="34" charset="0"/>
+                <a:cs typeface="Times New Roman" panose="02020603050405020304" pitchFamily="18" charset="0"/>
+              </a:rPr>
+              <a:t> );</a:t>
+            </a:r>
+          </a:p>
+          <a:p>
+            <a:pPr marL="0" marR="0" indent="0">
+              <a:lnSpc>
+                <a:spcPct val="107000"/>
+              </a:lnSpc>
+              <a:spcBef>
+                <a:spcPts val="0"/>
+              </a:spcBef>
+              <a:spcAft>
+                <a:spcPts val="0"/>
+              </a:spcAft>
+              <a:buNone/>
+            </a:pPr>
+            <a:r>
+              <a:rPr lang="en-US" dirty="0">
+                <a:effectLst/>
+                <a:latin typeface="Calibri" panose="020F0502020204030204" pitchFamily="34" charset="0"/>
+                <a:ea typeface="Calibri" panose="020F0502020204030204" pitchFamily="34" charset="0"/>
+                <a:cs typeface="Times New Roman" panose="02020603050405020304" pitchFamily="18" charset="0"/>
+              </a:rPr>
+              <a:t>	}</a:t>
+            </a:r>
+          </a:p>
+          <a:p>
+            <a:pPr marL="0" marR="0" indent="0">
+              <a:lnSpc>
+                <a:spcPct val="107000"/>
+              </a:lnSpc>
+              <a:spcBef>
+                <a:spcPts val="0"/>
+              </a:spcBef>
+              <a:spcAft>
+                <a:spcPts val="0"/>
+              </a:spcAft>
+              <a:buNone/>
+            </a:pPr>
+            <a:r>
+              <a:rPr lang="en-US" dirty="0" err="1">
+                <a:effectLst/>
+                <a:latin typeface="Calibri" panose="020F0502020204030204" pitchFamily="34" charset="0"/>
+                <a:ea typeface="Calibri" panose="020F0502020204030204" pitchFamily="34" charset="0"/>
+                <a:cs typeface="Times New Roman" panose="02020603050405020304" pitchFamily="18" charset="0"/>
+              </a:rPr>
+              <a:t>write_window</a:t>
+            </a:r>
+            <a:r>
+              <a:rPr lang="en-US" dirty="0">
+                <a:effectLst/>
+                <a:latin typeface="Calibri" panose="020F0502020204030204" pitchFamily="34" charset="0"/>
+                <a:ea typeface="Calibri" panose="020F0502020204030204" pitchFamily="34" charset="0"/>
+                <a:cs typeface="Times New Roman" panose="02020603050405020304" pitchFamily="18" charset="0"/>
+              </a:rPr>
+              <a:t>(</a:t>
+            </a:r>
+            <a:r>
+              <a:rPr lang="en-US" dirty="0" err="1">
+                <a:effectLst/>
+                <a:latin typeface="Calibri" panose="020F0502020204030204" pitchFamily="34" charset="0"/>
+                <a:ea typeface="Calibri" panose="020F0502020204030204" pitchFamily="34" charset="0"/>
+                <a:cs typeface="Times New Roman" panose="02020603050405020304" pitchFamily="18" charset="0"/>
+              </a:rPr>
+              <a:t>logwin</a:t>
+            </a:r>
+            <a:r>
+              <a:rPr lang="en-US" dirty="0">
+                <a:effectLst/>
+                <a:latin typeface="Calibri" panose="020F0502020204030204" pitchFamily="34" charset="0"/>
+                <a:ea typeface="Calibri" panose="020F0502020204030204" pitchFamily="34" charset="0"/>
+                <a:cs typeface="Times New Roman" panose="02020603050405020304" pitchFamily="18" charset="0"/>
+              </a:rPr>
+              <a:t>, </a:t>
+            </a:r>
+            <a:r>
+              <a:rPr lang="en-US" dirty="0">
+                <a:solidFill>
+                  <a:srgbClr val="00B050"/>
+                </a:solidFill>
+                <a:effectLst/>
+                <a:latin typeface="Calibri" panose="020F0502020204030204" pitchFamily="34" charset="0"/>
+                <a:ea typeface="Calibri" panose="020F0502020204030204" pitchFamily="34" charset="0"/>
+                <a:cs typeface="Times New Roman" panose="02020603050405020304" pitchFamily="18" charset="0"/>
+              </a:rPr>
+              <a:t>" calling </a:t>
+            </a:r>
+            <a:r>
+              <a:rPr lang="en-US" dirty="0" err="1">
+                <a:solidFill>
+                  <a:srgbClr val="00B050"/>
+                </a:solidFill>
+                <a:effectLst/>
+                <a:latin typeface="Calibri" panose="020F0502020204030204" pitchFamily="34" charset="0"/>
+                <a:ea typeface="Calibri" panose="020F0502020204030204" pitchFamily="34" charset="0"/>
+                <a:cs typeface="Times New Roman" panose="02020603050405020304" pitchFamily="18" charset="0"/>
+              </a:rPr>
+              <a:t>write_char</a:t>
+            </a:r>
+            <a:r>
+              <a:rPr lang="en-US" dirty="0">
+                <a:solidFill>
+                  <a:srgbClr val="00B050"/>
+                </a:solidFill>
+                <a:effectLst/>
+                <a:latin typeface="Calibri" panose="020F0502020204030204" pitchFamily="34" charset="0"/>
+                <a:ea typeface="Calibri" panose="020F0502020204030204" pitchFamily="34" charset="0"/>
+                <a:cs typeface="Times New Roman" panose="02020603050405020304" pitchFamily="18" charset="0"/>
+              </a:rPr>
+              <a:t>(</a:t>
+            </a:r>
+            <a:r>
+              <a:rPr lang="en-US" dirty="0" err="1">
+                <a:solidFill>
+                  <a:srgbClr val="00B050"/>
+                </a:solidFill>
+                <a:effectLst/>
+                <a:latin typeface="Calibri" panose="020F0502020204030204" pitchFamily="34" charset="0"/>
+                <a:ea typeface="Calibri" panose="020F0502020204030204" pitchFamily="34" charset="0"/>
+                <a:cs typeface="Times New Roman" panose="02020603050405020304" pitchFamily="18" charset="0"/>
+              </a:rPr>
+              <a:t>uifile</a:t>
+            </a:r>
+            <a:r>
+              <a:rPr lang="en-US" dirty="0">
+                <a:solidFill>
+                  <a:srgbClr val="00B050"/>
+                </a:solidFill>
+                <a:effectLst/>
+                <a:latin typeface="Calibri" panose="020F0502020204030204" pitchFamily="34" charset="0"/>
+                <a:ea typeface="Calibri" panose="020F0502020204030204" pitchFamily="34" charset="0"/>
+                <a:cs typeface="Times New Roman" panose="02020603050405020304" pitchFamily="18" charset="0"/>
+              </a:rPr>
+              <a:t>, x)\n"</a:t>
+            </a:r>
+            <a:r>
+              <a:rPr lang="en-US" dirty="0">
+                <a:effectLst/>
+                <a:latin typeface="Calibri" panose="020F0502020204030204" pitchFamily="34" charset="0"/>
+                <a:ea typeface="Calibri" panose="020F0502020204030204" pitchFamily="34" charset="0"/>
+                <a:cs typeface="Times New Roman" panose="02020603050405020304" pitchFamily="18" charset="0"/>
+              </a:rPr>
+              <a:t> );</a:t>
+            </a:r>
+          </a:p>
+          <a:p>
+            <a:pPr marL="0" marR="0" indent="0">
+              <a:lnSpc>
+                <a:spcPct val="107000"/>
+              </a:lnSpc>
+              <a:spcBef>
+                <a:spcPts val="0"/>
+              </a:spcBef>
+              <a:spcAft>
+                <a:spcPts val="0"/>
+              </a:spcAft>
+              <a:buNone/>
+            </a:pPr>
+            <a:r>
+              <a:rPr lang="en-US" dirty="0" err="1">
+                <a:effectLst/>
+                <a:latin typeface="Calibri" panose="020F0502020204030204" pitchFamily="34" charset="0"/>
+                <a:ea typeface="Calibri" panose="020F0502020204030204" pitchFamily="34" charset="0"/>
+                <a:cs typeface="Times New Roman" panose="02020603050405020304" pitchFamily="18" charset="0"/>
+              </a:rPr>
+              <a:t>superuser.Write_Char</a:t>
+            </a:r>
+            <a:r>
+              <a:rPr lang="en-US" dirty="0">
+                <a:effectLst/>
+                <a:latin typeface="Calibri" panose="020F0502020204030204" pitchFamily="34" charset="0"/>
+                <a:ea typeface="Calibri" panose="020F0502020204030204" pitchFamily="34" charset="0"/>
+                <a:cs typeface="Times New Roman" panose="02020603050405020304" pitchFamily="18" charset="0"/>
+              </a:rPr>
+              <a:t>(</a:t>
+            </a:r>
+            <a:r>
+              <a:rPr lang="en-US" dirty="0" err="1">
+                <a:effectLst/>
+                <a:latin typeface="Calibri" panose="020F0502020204030204" pitchFamily="34" charset="0"/>
+                <a:ea typeface="Calibri" panose="020F0502020204030204" pitchFamily="34" charset="0"/>
+                <a:cs typeface="Times New Roman" panose="02020603050405020304" pitchFamily="18" charset="0"/>
+              </a:rPr>
+              <a:t>tcb</a:t>
+            </a:r>
+            <a:r>
+              <a:rPr lang="en-US" dirty="0">
+                <a:effectLst/>
+                <a:latin typeface="Calibri" panose="020F0502020204030204" pitchFamily="34" charset="0"/>
+                <a:ea typeface="Calibri" panose="020F0502020204030204" pitchFamily="34" charset="0"/>
+                <a:cs typeface="Times New Roman" panose="02020603050405020304" pitchFamily="18" charset="0"/>
+              </a:rPr>
+              <a:t>-&gt;</a:t>
+            </a:r>
+            <a:r>
+              <a:rPr lang="en-US" dirty="0" err="1">
+                <a:effectLst/>
+                <a:latin typeface="Calibri" panose="020F0502020204030204" pitchFamily="34" charset="0"/>
+                <a:ea typeface="Calibri" panose="020F0502020204030204" pitchFamily="34" charset="0"/>
+                <a:cs typeface="Times New Roman" panose="02020603050405020304" pitchFamily="18" charset="0"/>
+              </a:rPr>
+              <a:t>thread_no</a:t>
+            </a:r>
+            <a:r>
+              <a:rPr lang="en-US" dirty="0">
+                <a:effectLst/>
+                <a:latin typeface="Calibri" panose="020F0502020204030204" pitchFamily="34" charset="0"/>
+                <a:ea typeface="Calibri" panose="020F0502020204030204" pitchFamily="34" charset="0"/>
+                <a:cs typeface="Times New Roman" panose="02020603050405020304" pitchFamily="18" charset="0"/>
+              </a:rPr>
+              <a:t>, (</a:t>
+            </a:r>
+            <a:r>
+              <a:rPr lang="en-US" b="1" dirty="0">
+                <a:effectLst/>
+                <a:latin typeface="Calibri" panose="020F0502020204030204" pitchFamily="34" charset="0"/>
+                <a:ea typeface="Calibri" panose="020F0502020204030204" pitchFamily="34" charset="0"/>
+                <a:cs typeface="Times New Roman" panose="02020603050405020304" pitchFamily="18" charset="0"/>
+              </a:rPr>
+              <a:t>char</a:t>
+            </a:r>
+            <a:r>
+              <a:rPr lang="en-US" dirty="0">
+                <a:effectLst/>
+                <a:latin typeface="Calibri" panose="020F0502020204030204" pitchFamily="34" charset="0"/>
+                <a:ea typeface="Calibri" panose="020F0502020204030204" pitchFamily="34" charset="0"/>
+                <a:cs typeface="Times New Roman" panose="02020603050405020304" pitchFamily="18" charset="0"/>
+              </a:rPr>
+              <a:t>*)</a:t>
+            </a:r>
+            <a:r>
+              <a:rPr lang="en-US" dirty="0">
+                <a:solidFill>
+                  <a:srgbClr val="00B050"/>
+                </a:solidFill>
+                <a:effectLst/>
+                <a:latin typeface="Calibri" panose="020F0502020204030204" pitchFamily="34" charset="0"/>
+                <a:ea typeface="Calibri" panose="020F0502020204030204" pitchFamily="34" charset="0"/>
+                <a:cs typeface="Times New Roman" panose="02020603050405020304" pitchFamily="18" charset="0"/>
+              </a:rPr>
+              <a:t>"</a:t>
+            </a:r>
+            <a:r>
+              <a:rPr lang="en-US" dirty="0" err="1">
+                <a:solidFill>
+                  <a:srgbClr val="00B050"/>
+                </a:solidFill>
+                <a:effectLst/>
+                <a:latin typeface="Calibri" panose="020F0502020204030204" pitchFamily="34" charset="0"/>
+                <a:ea typeface="Calibri" panose="020F0502020204030204" pitchFamily="34" charset="0"/>
+                <a:cs typeface="Times New Roman" panose="02020603050405020304" pitchFamily="18" charset="0"/>
+              </a:rPr>
+              <a:t>uifile</a:t>
+            </a:r>
+            <a:r>
+              <a:rPr lang="en-US" dirty="0">
+                <a:solidFill>
+                  <a:srgbClr val="00B050"/>
+                </a:solidFill>
+                <a:effectLst/>
+                <a:latin typeface="Calibri" panose="020F0502020204030204" pitchFamily="34" charset="0"/>
+                <a:ea typeface="Calibri" panose="020F0502020204030204" pitchFamily="34" charset="0"/>
+                <a:cs typeface="Times New Roman" panose="02020603050405020304" pitchFamily="18" charset="0"/>
+              </a:rPr>
+              <a:t>"</a:t>
+            </a:r>
+            <a:r>
+              <a:rPr lang="en-US" dirty="0">
+                <a:solidFill>
+                  <a:schemeClr val="tx1"/>
+                </a:solidFill>
+                <a:effectLst/>
+                <a:latin typeface="Calibri" panose="020F0502020204030204" pitchFamily="34" charset="0"/>
+                <a:ea typeface="Calibri" panose="020F0502020204030204" pitchFamily="34" charset="0"/>
+                <a:cs typeface="Times New Roman" panose="02020603050405020304" pitchFamily="18" charset="0"/>
+              </a:rPr>
+              <a:t>,</a:t>
+            </a:r>
+            <a:r>
+              <a:rPr lang="en-US" dirty="0">
+                <a:solidFill>
+                  <a:srgbClr val="00B050"/>
+                </a:solidFill>
+                <a:effectLst/>
+                <a:latin typeface="Calibri" panose="020F0502020204030204" pitchFamily="34" charset="0"/>
+                <a:ea typeface="Calibri" panose="020F0502020204030204" pitchFamily="34" charset="0"/>
+                <a:cs typeface="Times New Roman" panose="02020603050405020304" pitchFamily="18" charset="0"/>
+              </a:rPr>
+              <a:t> </a:t>
+            </a:r>
+            <a:r>
+              <a:rPr lang="en-US" dirty="0">
+                <a:effectLst/>
+                <a:latin typeface="Calibri" panose="020F0502020204030204" pitchFamily="34" charset="0"/>
+                <a:ea typeface="Calibri" panose="020F0502020204030204" pitchFamily="34" charset="0"/>
+                <a:cs typeface="Times New Roman" panose="02020603050405020304" pitchFamily="18" charset="0"/>
+              </a:rPr>
+              <a:t>(</a:t>
+            </a:r>
+            <a:r>
+              <a:rPr lang="en-US" b="1" dirty="0">
+                <a:effectLst/>
+                <a:latin typeface="Calibri" panose="020F0502020204030204" pitchFamily="34" charset="0"/>
+                <a:ea typeface="Calibri" panose="020F0502020204030204" pitchFamily="34" charset="0"/>
+                <a:cs typeface="Times New Roman" panose="02020603050405020304" pitchFamily="18" charset="0"/>
+              </a:rPr>
+              <a:t>char</a:t>
+            </a:r>
+            <a:r>
+              <a:rPr lang="en-US" dirty="0">
+                <a:effectLst/>
+                <a:latin typeface="Calibri" panose="020F0502020204030204" pitchFamily="34" charset="0"/>
+                <a:ea typeface="Calibri" panose="020F0502020204030204" pitchFamily="34" charset="0"/>
+                <a:cs typeface="Times New Roman" panose="02020603050405020304" pitchFamily="18" charset="0"/>
+              </a:rPr>
+              <a:t>*)"x");</a:t>
+            </a:r>
+          </a:p>
+          <a:p>
+            <a:pPr marL="0" marR="0" indent="0">
+              <a:lnSpc>
+                <a:spcPct val="107000"/>
+              </a:lnSpc>
+              <a:spcBef>
+                <a:spcPts val="0"/>
+              </a:spcBef>
+              <a:spcAft>
+                <a:spcPts val="0"/>
+              </a:spcAft>
+              <a:buNone/>
+            </a:pPr>
+            <a:r>
+              <a:rPr lang="en-US" dirty="0" err="1">
+                <a:effectLst/>
+                <a:latin typeface="Calibri" panose="020F0502020204030204" pitchFamily="34" charset="0"/>
+                <a:ea typeface="Calibri" panose="020F0502020204030204" pitchFamily="34" charset="0"/>
+                <a:cs typeface="Times New Roman" panose="02020603050405020304" pitchFamily="18" charset="0"/>
+              </a:rPr>
+              <a:t>write_window</a:t>
+            </a:r>
+            <a:r>
+              <a:rPr lang="en-US" dirty="0">
+                <a:effectLst/>
+                <a:latin typeface="Calibri" panose="020F0502020204030204" pitchFamily="34" charset="0"/>
+                <a:ea typeface="Calibri" panose="020F0502020204030204" pitchFamily="34" charset="0"/>
+                <a:cs typeface="Times New Roman" panose="02020603050405020304" pitchFamily="18" charset="0"/>
+              </a:rPr>
+              <a:t>(</a:t>
+            </a:r>
+            <a:r>
+              <a:rPr lang="en-US" dirty="0" err="1">
+                <a:effectLst/>
+                <a:latin typeface="Calibri" panose="020F0502020204030204" pitchFamily="34" charset="0"/>
+                <a:ea typeface="Calibri" panose="020F0502020204030204" pitchFamily="34" charset="0"/>
+                <a:cs typeface="Times New Roman" panose="02020603050405020304" pitchFamily="18" charset="0"/>
+              </a:rPr>
+              <a:t>logwin</a:t>
+            </a:r>
+            <a:r>
+              <a:rPr lang="en-US" dirty="0">
+                <a:effectLst/>
+                <a:latin typeface="Calibri" panose="020F0502020204030204" pitchFamily="34" charset="0"/>
+                <a:ea typeface="Calibri" panose="020F0502020204030204" pitchFamily="34" charset="0"/>
+                <a:cs typeface="Times New Roman" panose="02020603050405020304" pitchFamily="18" charset="0"/>
+              </a:rPr>
+              <a:t>, </a:t>
+            </a:r>
+            <a:r>
+              <a:rPr lang="en-US" dirty="0">
+                <a:solidFill>
+                  <a:srgbClr val="00B050"/>
+                </a:solidFill>
+                <a:effectLst/>
+                <a:latin typeface="Calibri" panose="020F0502020204030204" pitchFamily="34" charset="0"/>
+                <a:ea typeface="Calibri" panose="020F0502020204030204" pitchFamily="34" charset="0"/>
+                <a:cs typeface="Times New Roman" panose="02020603050405020304" pitchFamily="18" charset="0"/>
+              </a:rPr>
+              <a:t>" calling Dir();\n"</a:t>
+            </a:r>
+            <a:r>
+              <a:rPr lang="en-US" dirty="0">
+                <a:effectLst/>
+                <a:latin typeface="Calibri" panose="020F0502020204030204" pitchFamily="34" charset="0"/>
+                <a:ea typeface="Calibri" panose="020F0502020204030204" pitchFamily="34" charset="0"/>
+                <a:cs typeface="Times New Roman" panose="02020603050405020304" pitchFamily="18" charset="0"/>
+              </a:rPr>
+              <a:t> );</a:t>
+            </a:r>
+          </a:p>
+          <a:p>
+            <a:pPr marL="0" marR="0" indent="0">
+              <a:lnSpc>
+                <a:spcPct val="107000"/>
+              </a:lnSpc>
+              <a:spcBef>
+                <a:spcPts val="0"/>
+              </a:spcBef>
+              <a:spcAft>
+                <a:spcPts val="0"/>
+              </a:spcAft>
+              <a:buNone/>
+            </a:pPr>
+            <a:r>
+              <a:rPr lang="en-US" dirty="0" err="1">
+                <a:effectLst/>
+                <a:latin typeface="Calibri" panose="020F0502020204030204" pitchFamily="34" charset="0"/>
+                <a:ea typeface="Calibri" panose="020F0502020204030204" pitchFamily="34" charset="0"/>
+                <a:cs typeface="Times New Roman" panose="02020603050405020304" pitchFamily="18" charset="0"/>
+              </a:rPr>
+              <a:t>superuser.Dir</a:t>
+            </a:r>
+            <a:r>
+              <a:rPr lang="en-US" dirty="0">
+                <a:effectLst/>
+                <a:latin typeface="Calibri" panose="020F0502020204030204" pitchFamily="34" charset="0"/>
+                <a:ea typeface="Calibri" panose="020F0502020204030204" pitchFamily="34" charset="0"/>
+                <a:cs typeface="Times New Roman" panose="02020603050405020304" pitchFamily="18" charset="0"/>
+              </a:rPr>
+              <a:t>(</a:t>
+            </a:r>
+            <a:r>
+              <a:rPr lang="en-US" dirty="0" err="1">
+                <a:effectLst/>
+                <a:latin typeface="Calibri" panose="020F0502020204030204" pitchFamily="34" charset="0"/>
+                <a:ea typeface="Calibri" panose="020F0502020204030204" pitchFamily="34" charset="0"/>
+                <a:cs typeface="Times New Roman" panose="02020603050405020304" pitchFamily="18" charset="0"/>
+              </a:rPr>
+              <a:t>memwin</a:t>
+            </a:r>
+            <a:r>
+              <a:rPr lang="en-US" dirty="0">
+                <a:effectLst/>
+                <a:latin typeface="Calibri" panose="020F0502020204030204" pitchFamily="34" charset="0"/>
+                <a:ea typeface="Calibri" panose="020F0502020204030204" pitchFamily="34" charset="0"/>
+                <a:cs typeface="Times New Roman" panose="02020603050405020304" pitchFamily="18" charset="0"/>
+              </a:rPr>
+              <a:t>);</a:t>
+            </a:r>
+          </a:p>
+          <a:p>
+            <a:pPr marL="0" marR="0" indent="0">
+              <a:lnSpc>
+                <a:spcPct val="107000"/>
+              </a:lnSpc>
+              <a:spcBef>
+                <a:spcPts val="0"/>
+              </a:spcBef>
+              <a:spcAft>
+                <a:spcPts val="0"/>
+              </a:spcAft>
+              <a:buNone/>
+            </a:pPr>
+            <a:r>
+              <a:rPr lang="en-US" b="1" dirty="0">
+                <a:effectLst/>
+                <a:latin typeface="Calibri" panose="020F0502020204030204" pitchFamily="34" charset="0"/>
+                <a:ea typeface="Calibri" panose="020F0502020204030204" pitchFamily="34" charset="0"/>
+                <a:cs typeface="Times New Roman" panose="02020603050405020304" pitchFamily="18" charset="0"/>
+              </a:rPr>
+              <a:t>int</a:t>
+            </a:r>
+            <a:r>
+              <a:rPr lang="en-US" dirty="0">
+                <a:effectLst/>
+                <a:latin typeface="Calibri" panose="020F0502020204030204" pitchFamily="34" charset="0"/>
+                <a:ea typeface="Calibri" panose="020F0502020204030204" pitchFamily="34" charset="0"/>
+                <a:cs typeface="Times New Roman" panose="02020603050405020304" pitchFamily="18" charset="0"/>
+              </a:rPr>
+              <a:t> perm[4] = { 1, 1, 1, 1 };</a:t>
+            </a:r>
+          </a:p>
+          <a:p>
+            <a:pPr marL="0" marR="0" indent="0">
+              <a:lnSpc>
+                <a:spcPct val="107000"/>
+              </a:lnSpc>
+              <a:spcBef>
+                <a:spcPts val="0"/>
+              </a:spcBef>
+              <a:spcAft>
+                <a:spcPts val="0"/>
+              </a:spcAft>
+              <a:buNone/>
+            </a:pPr>
+            <a:r>
+              <a:rPr lang="en-US" dirty="0" err="1">
+                <a:effectLst/>
+                <a:latin typeface="Calibri" panose="020F0502020204030204" pitchFamily="34" charset="0"/>
+                <a:ea typeface="Calibri" panose="020F0502020204030204" pitchFamily="34" charset="0"/>
+                <a:cs typeface="Times New Roman" panose="02020603050405020304" pitchFamily="18" charset="0"/>
+              </a:rPr>
+              <a:t>write_window</a:t>
+            </a:r>
+            <a:r>
+              <a:rPr lang="en-US" dirty="0">
+                <a:effectLst/>
+                <a:latin typeface="Calibri" panose="020F0502020204030204" pitchFamily="34" charset="0"/>
+                <a:ea typeface="Calibri" panose="020F0502020204030204" pitchFamily="34" charset="0"/>
+                <a:cs typeface="Times New Roman" panose="02020603050405020304" pitchFamily="18" charset="0"/>
+              </a:rPr>
+              <a:t>(</a:t>
+            </a:r>
+            <a:r>
+              <a:rPr lang="en-US" dirty="0" err="1">
+                <a:effectLst/>
+                <a:latin typeface="Calibri" panose="020F0502020204030204" pitchFamily="34" charset="0"/>
+                <a:ea typeface="Calibri" panose="020F0502020204030204" pitchFamily="34" charset="0"/>
+                <a:cs typeface="Times New Roman" panose="02020603050405020304" pitchFamily="18" charset="0"/>
+              </a:rPr>
+              <a:t>logwin</a:t>
+            </a:r>
+            <a:r>
+              <a:rPr lang="en-US" dirty="0">
+                <a:effectLst/>
+                <a:latin typeface="Calibri" panose="020F0502020204030204" pitchFamily="34" charset="0"/>
+                <a:ea typeface="Calibri" panose="020F0502020204030204" pitchFamily="34" charset="0"/>
+                <a:cs typeface="Times New Roman" panose="02020603050405020304" pitchFamily="18" charset="0"/>
+              </a:rPr>
+              <a:t>, </a:t>
+            </a:r>
+            <a:r>
+              <a:rPr lang="en-US" dirty="0">
+                <a:solidFill>
+                  <a:srgbClr val="00B050"/>
+                </a:solidFill>
+                <a:effectLst/>
+                <a:latin typeface="Calibri" panose="020F0502020204030204" pitchFamily="34" charset="0"/>
+                <a:ea typeface="Calibri" panose="020F0502020204030204" pitchFamily="34" charset="0"/>
+                <a:cs typeface="Times New Roman" panose="02020603050405020304" pitchFamily="18" charset="0"/>
+              </a:rPr>
+              <a:t>" calling change permissions(1,1,1,1) </a:t>
+            </a:r>
+            <a:r>
+              <a:rPr lang="en-US" dirty="0" err="1">
+                <a:solidFill>
+                  <a:srgbClr val="00B050"/>
+                </a:solidFill>
+                <a:effectLst/>
+                <a:latin typeface="Calibri" panose="020F0502020204030204" pitchFamily="34" charset="0"/>
+                <a:ea typeface="Calibri" panose="020F0502020204030204" pitchFamily="34" charset="0"/>
+                <a:cs typeface="Times New Roman" panose="02020603050405020304" pitchFamily="18" charset="0"/>
+              </a:rPr>
+              <a:t>uifile</a:t>
+            </a:r>
+            <a:r>
+              <a:rPr lang="en-US" dirty="0">
+                <a:solidFill>
+                  <a:srgbClr val="00B050"/>
+                </a:solidFill>
+                <a:effectLst/>
+                <a:latin typeface="Calibri" panose="020F0502020204030204" pitchFamily="34" charset="0"/>
+                <a:ea typeface="Calibri" panose="020F0502020204030204" pitchFamily="34" charset="0"/>
+                <a:cs typeface="Times New Roman" panose="02020603050405020304" pitchFamily="18" charset="0"/>
+              </a:rPr>
+              <a:t>\n"</a:t>
+            </a:r>
+            <a:r>
+              <a:rPr lang="en-US" dirty="0">
+                <a:effectLst/>
+                <a:latin typeface="Calibri" panose="020F0502020204030204" pitchFamily="34" charset="0"/>
+                <a:ea typeface="Calibri" panose="020F0502020204030204" pitchFamily="34" charset="0"/>
+                <a:cs typeface="Times New Roman" panose="02020603050405020304" pitchFamily="18" charset="0"/>
+              </a:rPr>
+              <a:t> );</a:t>
+            </a:r>
+          </a:p>
+        </p:txBody>
+      </p:sp>
+    </p:spTree>
+    <p:extLst>
+      <p:ext uri="{BB962C8B-B14F-4D97-AF65-F5344CB8AC3E}">
+        <p14:creationId xmlns:p14="http://schemas.microsoft.com/office/powerpoint/2010/main" val="2935090236"/>
+      </p:ext>
+    </p:extLst>
+  </p:cSld>
+  <p:clrMapOvr>
+    <a:masterClrMapping/>
+  </p:clrMapOvr>
+</p:sld>
+</file>
+
+<file path=ppt/slides/slide24.xml><?xml version="1.0" encoding="utf-8"?>
+<p:sld xmlns:a="http://schemas.openxmlformats.org/drawingml/2006/main" xmlns:r="http://schemas.openxmlformats.org/officeDocument/2006/relationships" xmlns:p="http://schemas.openxmlformats.org/presentationml/2006/main">
+  <p:cSld>
+    <p:spTree>
+      <p:nvGrpSpPr>
+        <p:cNvPr id="1" name=""/>
+        <p:cNvGrpSpPr/>
+        <p:nvPr/>
+      </p:nvGrpSpPr>
+      <p:grpSpPr>
+        <a:xfrm>
+          <a:off x="0" y="0"/>
+          <a:ext cx="0" cy="0"/>
+          <a:chOff x="0" y="0"/>
+          <a:chExt cx="0" cy="0"/>
+        </a:xfrm>
+      </p:grpSpPr>
+      <p:sp>
+        <p:nvSpPr>
+          <p:cNvPr id="2" name="Title 1">
+            <a:extLst>
+              <a:ext uri="{FF2B5EF4-FFF2-40B4-BE49-F238E27FC236}">
+                <a16:creationId xmlns:a16="http://schemas.microsoft.com/office/drawing/2014/main" id="{B445D5D6-7D6A-4165-9FDB-201401ABC049}"/>
+              </a:ext>
+            </a:extLst>
+          </p:cNvPr>
+          <p:cNvSpPr>
+            <a:spLocks noGrp="1"/>
+          </p:cNvSpPr>
+          <p:nvPr>
+            <p:ph type="title"/>
+          </p:nvPr>
+        </p:nvSpPr>
+        <p:spPr/>
+        <p:txBody>
+          <a:bodyPr/>
+          <a:lstStyle/>
+          <a:p>
+            <a:r>
+              <a:rPr lang="en-US" dirty="0"/>
+              <a:t>Phase 4 Testcase ‘f’</a:t>
+            </a:r>
+          </a:p>
+        </p:txBody>
+      </p:sp>
+      <p:sp>
+        <p:nvSpPr>
+          <p:cNvPr id="3" name="Content Placeholder 2">
+            <a:extLst>
+              <a:ext uri="{FF2B5EF4-FFF2-40B4-BE49-F238E27FC236}">
+                <a16:creationId xmlns:a16="http://schemas.microsoft.com/office/drawing/2014/main" id="{CACFE881-6C65-4B06-B621-2B8788E9ABE2}"/>
+              </a:ext>
+            </a:extLst>
+          </p:cNvPr>
+          <p:cNvSpPr>
+            <a:spLocks noGrp="1"/>
+          </p:cNvSpPr>
+          <p:nvPr>
+            <p:ph idx="1"/>
+          </p:nvPr>
+        </p:nvSpPr>
+        <p:spPr/>
+        <p:txBody>
+          <a:bodyPr>
+            <a:normAutofit fontScale="85000" lnSpcReduction="20000"/>
+          </a:bodyPr>
+          <a:lstStyle/>
+          <a:p>
+            <a:pPr marL="0" marR="0" indent="0">
+              <a:lnSpc>
+                <a:spcPct val="107000"/>
+              </a:lnSpc>
+              <a:spcBef>
+                <a:spcPts val="0"/>
+              </a:spcBef>
+              <a:spcAft>
+                <a:spcPts val="0"/>
+              </a:spcAft>
+              <a:buNone/>
+            </a:pPr>
+            <a:r>
+              <a:rPr lang="en-US" dirty="0" err="1">
+                <a:effectLst/>
+                <a:latin typeface="Calibri" panose="020F0502020204030204" pitchFamily="34" charset="0"/>
+                <a:ea typeface="Calibri" panose="020F0502020204030204" pitchFamily="34" charset="0"/>
+                <a:cs typeface="Times New Roman" panose="02020603050405020304" pitchFamily="18" charset="0"/>
+              </a:rPr>
+              <a:t>superuser.Change_Permission</a:t>
+            </a:r>
+            <a:r>
+              <a:rPr lang="en-US" dirty="0">
+                <a:effectLst/>
+                <a:latin typeface="Calibri" panose="020F0502020204030204" pitchFamily="34" charset="0"/>
+                <a:ea typeface="Calibri" panose="020F0502020204030204" pitchFamily="34" charset="0"/>
+                <a:cs typeface="Times New Roman" panose="02020603050405020304" pitchFamily="18" charset="0"/>
+              </a:rPr>
+              <a:t>(</a:t>
+            </a:r>
+            <a:r>
+              <a:rPr lang="en-US" dirty="0" err="1">
+                <a:effectLst/>
+                <a:latin typeface="Calibri" panose="020F0502020204030204" pitchFamily="34" charset="0"/>
+                <a:ea typeface="Calibri" panose="020F0502020204030204" pitchFamily="34" charset="0"/>
+                <a:cs typeface="Times New Roman" panose="02020603050405020304" pitchFamily="18" charset="0"/>
+              </a:rPr>
+              <a:t>tcb</a:t>
+            </a:r>
+            <a:r>
+              <a:rPr lang="en-US" dirty="0">
+                <a:effectLst/>
+                <a:latin typeface="Calibri" panose="020F0502020204030204" pitchFamily="34" charset="0"/>
+                <a:ea typeface="Calibri" panose="020F0502020204030204" pitchFamily="34" charset="0"/>
+                <a:cs typeface="Times New Roman" panose="02020603050405020304" pitchFamily="18" charset="0"/>
+              </a:rPr>
+              <a:t>-&gt;</a:t>
+            </a:r>
+            <a:r>
+              <a:rPr lang="en-US" dirty="0" err="1">
+                <a:effectLst/>
+                <a:latin typeface="Calibri" panose="020F0502020204030204" pitchFamily="34" charset="0"/>
+                <a:ea typeface="Calibri" panose="020F0502020204030204" pitchFamily="34" charset="0"/>
+                <a:cs typeface="Times New Roman" panose="02020603050405020304" pitchFamily="18" charset="0"/>
+              </a:rPr>
+              <a:t>thread_no</a:t>
+            </a:r>
+            <a:r>
+              <a:rPr lang="en-US" dirty="0">
+                <a:effectLst/>
+                <a:latin typeface="Calibri" panose="020F0502020204030204" pitchFamily="34" charset="0"/>
+                <a:ea typeface="Calibri" panose="020F0502020204030204" pitchFamily="34" charset="0"/>
+                <a:cs typeface="Times New Roman" panose="02020603050405020304" pitchFamily="18" charset="0"/>
+              </a:rPr>
+              <a:t>, (</a:t>
+            </a:r>
+            <a:r>
+              <a:rPr lang="en-US" b="1" dirty="0">
+                <a:effectLst/>
+                <a:latin typeface="Calibri" panose="020F0502020204030204" pitchFamily="34" charset="0"/>
+                <a:ea typeface="Calibri" panose="020F0502020204030204" pitchFamily="34" charset="0"/>
+                <a:cs typeface="Times New Roman" panose="02020603050405020304" pitchFamily="18" charset="0"/>
+              </a:rPr>
+              <a:t>char</a:t>
+            </a:r>
+            <a:r>
+              <a:rPr lang="en-US" dirty="0">
+                <a:effectLst/>
+                <a:latin typeface="Calibri" panose="020F0502020204030204" pitchFamily="34" charset="0"/>
+                <a:ea typeface="Calibri" panose="020F0502020204030204" pitchFamily="34" charset="0"/>
+                <a:cs typeface="Times New Roman" panose="02020603050405020304" pitchFamily="18" charset="0"/>
+              </a:rPr>
+              <a:t>*)</a:t>
+            </a:r>
+            <a:r>
+              <a:rPr lang="en-US" dirty="0">
+                <a:solidFill>
+                  <a:srgbClr val="00B050"/>
+                </a:solidFill>
+                <a:effectLst/>
+                <a:latin typeface="Calibri" panose="020F0502020204030204" pitchFamily="34" charset="0"/>
+                <a:ea typeface="Calibri" panose="020F0502020204030204" pitchFamily="34" charset="0"/>
+                <a:cs typeface="Times New Roman" panose="02020603050405020304" pitchFamily="18" charset="0"/>
+              </a:rPr>
+              <a:t>"</a:t>
+            </a:r>
+            <a:r>
+              <a:rPr lang="en-US" dirty="0" err="1">
+                <a:solidFill>
+                  <a:srgbClr val="00B050"/>
+                </a:solidFill>
+                <a:effectLst/>
+                <a:latin typeface="Calibri" panose="020F0502020204030204" pitchFamily="34" charset="0"/>
+                <a:ea typeface="Calibri" panose="020F0502020204030204" pitchFamily="34" charset="0"/>
+                <a:cs typeface="Times New Roman" panose="02020603050405020304" pitchFamily="18" charset="0"/>
+              </a:rPr>
+              <a:t>uifile</a:t>
+            </a:r>
+            <a:r>
+              <a:rPr lang="en-US" dirty="0">
+                <a:solidFill>
+                  <a:srgbClr val="00B050"/>
+                </a:solidFill>
+                <a:effectLst/>
+                <a:latin typeface="Calibri" panose="020F0502020204030204" pitchFamily="34" charset="0"/>
+                <a:ea typeface="Calibri" panose="020F0502020204030204" pitchFamily="34" charset="0"/>
+                <a:cs typeface="Times New Roman" panose="02020603050405020304" pitchFamily="18" charset="0"/>
+              </a:rPr>
+              <a:t>"</a:t>
+            </a:r>
+            <a:r>
+              <a:rPr lang="en-US" dirty="0">
+                <a:solidFill>
+                  <a:schemeClr val="tx1"/>
+                </a:solidFill>
+                <a:effectLst/>
+                <a:latin typeface="Calibri" panose="020F0502020204030204" pitchFamily="34" charset="0"/>
+                <a:ea typeface="Calibri" panose="020F0502020204030204" pitchFamily="34" charset="0"/>
+                <a:cs typeface="Times New Roman" panose="02020603050405020304" pitchFamily="18" charset="0"/>
+              </a:rPr>
+              <a:t>,</a:t>
+            </a:r>
+            <a:r>
+              <a:rPr lang="en-US" dirty="0">
+                <a:solidFill>
+                  <a:srgbClr val="00B050"/>
+                </a:solidFill>
+                <a:effectLst/>
+                <a:latin typeface="Calibri" panose="020F0502020204030204" pitchFamily="34" charset="0"/>
+                <a:ea typeface="Calibri" panose="020F0502020204030204" pitchFamily="34" charset="0"/>
+                <a:cs typeface="Times New Roman" panose="02020603050405020304" pitchFamily="18" charset="0"/>
+              </a:rPr>
+              <a:t> </a:t>
+            </a:r>
+            <a:r>
+              <a:rPr lang="en-US" dirty="0">
+                <a:effectLst/>
+                <a:latin typeface="Calibri" panose="020F0502020204030204" pitchFamily="34" charset="0"/>
+                <a:ea typeface="Calibri" panose="020F0502020204030204" pitchFamily="34" charset="0"/>
+                <a:cs typeface="Times New Roman" panose="02020603050405020304" pitchFamily="18" charset="0"/>
+              </a:rPr>
+              <a:t>perm, </a:t>
+            </a:r>
+            <a:r>
+              <a:rPr lang="en-US" dirty="0" err="1">
+                <a:effectLst/>
+                <a:latin typeface="Calibri" panose="020F0502020204030204" pitchFamily="34" charset="0"/>
+                <a:ea typeface="Calibri" panose="020F0502020204030204" pitchFamily="34" charset="0"/>
+                <a:cs typeface="Times New Roman" panose="02020603050405020304" pitchFamily="18" charset="0"/>
+              </a:rPr>
+              <a:t>logwin</a:t>
+            </a:r>
+            <a:r>
+              <a:rPr lang="en-US" dirty="0">
+                <a:effectLst/>
+                <a:latin typeface="Calibri" panose="020F0502020204030204" pitchFamily="34" charset="0"/>
+                <a:ea typeface="Calibri" panose="020F0502020204030204" pitchFamily="34" charset="0"/>
+                <a:cs typeface="Times New Roman" panose="02020603050405020304" pitchFamily="18" charset="0"/>
+              </a:rPr>
+              <a:t>);</a:t>
+            </a:r>
+          </a:p>
+          <a:p>
+            <a:pPr marL="0" marR="0" indent="0">
+              <a:lnSpc>
+                <a:spcPct val="107000"/>
+              </a:lnSpc>
+              <a:spcBef>
+                <a:spcPts val="0"/>
+              </a:spcBef>
+              <a:spcAft>
+                <a:spcPts val="0"/>
+              </a:spcAft>
+              <a:buNone/>
+            </a:pPr>
+            <a:r>
+              <a:rPr lang="en-US" dirty="0" err="1">
+                <a:effectLst/>
+                <a:latin typeface="Calibri" panose="020F0502020204030204" pitchFamily="34" charset="0"/>
+                <a:ea typeface="Calibri" panose="020F0502020204030204" pitchFamily="34" charset="0"/>
+                <a:cs typeface="Times New Roman" panose="02020603050405020304" pitchFamily="18" charset="0"/>
+              </a:rPr>
+              <a:t>write_window</a:t>
+            </a:r>
+            <a:r>
+              <a:rPr lang="en-US" dirty="0">
+                <a:effectLst/>
+                <a:latin typeface="Calibri" panose="020F0502020204030204" pitchFamily="34" charset="0"/>
+                <a:ea typeface="Calibri" panose="020F0502020204030204" pitchFamily="34" charset="0"/>
+                <a:cs typeface="Times New Roman" panose="02020603050405020304" pitchFamily="18" charset="0"/>
+              </a:rPr>
+              <a:t>(</a:t>
+            </a:r>
+            <a:r>
+              <a:rPr lang="en-US" dirty="0" err="1">
+                <a:effectLst/>
+                <a:latin typeface="Calibri" panose="020F0502020204030204" pitchFamily="34" charset="0"/>
+                <a:ea typeface="Calibri" panose="020F0502020204030204" pitchFamily="34" charset="0"/>
+                <a:cs typeface="Times New Roman" panose="02020603050405020304" pitchFamily="18" charset="0"/>
+              </a:rPr>
+              <a:t>logwin</a:t>
+            </a:r>
+            <a:r>
+              <a:rPr lang="en-US" dirty="0">
+                <a:effectLst/>
+                <a:latin typeface="Calibri" panose="020F0502020204030204" pitchFamily="34" charset="0"/>
+                <a:ea typeface="Calibri" panose="020F0502020204030204" pitchFamily="34" charset="0"/>
+                <a:cs typeface="Times New Roman" panose="02020603050405020304" pitchFamily="18" charset="0"/>
+              </a:rPr>
+              <a:t>, </a:t>
+            </a:r>
+            <a:r>
+              <a:rPr lang="en-US" dirty="0">
+                <a:solidFill>
+                  <a:srgbClr val="00B050"/>
+                </a:solidFill>
+                <a:effectLst/>
+                <a:latin typeface="Calibri" panose="020F0502020204030204" pitchFamily="34" charset="0"/>
+                <a:ea typeface="Calibri" panose="020F0502020204030204" pitchFamily="34" charset="0"/>
+                <a:cs typeface="Times New Roman" panose="02020603050405020304" pitchFamily="18" charset="0"/>
+              </a:rPr>
+              <a:t>" calling Dir(task id);\n" </a:t>
+            </a:r>
+            <a:r>
+              <a:rPr lang="en-US" dirty="0">
+                <a:effectLst/>
+                <a:latin typeface="Calibri" panose="020F0502020204030204" pitchFamily="34" charset="0"/>
+                <a:ea typeface="Calibri" panose="020F0502020204030204" pitchFamily="34" charset="0"/>
+                <a:cs typeface="Times New Roman" panose="02020603050405020304" pitchFamily="18" charset="0"/>
+              </a:rPr>
+              <a:t>);</a:t>
+            </a:r>
+          </a:p>
+          <a:p>
+            <a:pPr marL="0" marR="0" indent="0">
+              <a:lnSpc>
+                <a:spcPct val="107000"/>
+              </a:lnSpc>
+              <a:spcBef>
+                <a:spcPts val="0"/>
+              </a:spcBef>
+              <a:spcAft>
+                <a:spcPts val="0"/>
+              </a:spcAft>
+              <a:buNone/>
+            </a:pPr>
+            <a:r>
+              <a:rPr lang="en-US" dirty="0" err="1">
+                <a:effectLst/>
+                <a:latin typeface="Calibri" panose="020F0502020204030204" pitchFamily="34" charset="0"/>
+                <a:ea typeface="Calibri" panose="020F0502020204030204" pitchFamily="34" charset="0"/>
+                <a:cs typeface="Times New Roman" panose="02020603050405020304" pitchFamily="18" charset="0"/>
+              </a:rPr>
+              <a:t>superuser.Dir</a:t>
+            </a:r>
+            <a:r>
+              <a:rPr lang="en-US" dirty="0">
+                <a:effectLst/>
+                <a:latin typeface="Calibri" panose="020F0502020204030204" pitchFamily="34" charset="0"/>
+                <a:ea typeface="Calibri" panose="020F0502020204030204" pitchFamily="34" charset="0"/>
+                <a:cs typeface="Times New Roman" panose="02020603050405020304" pitchFamily="18" charset="0"/>
+              </a:rPr>
+              <a:t>(</a:t>
+            </a:r>
+            <a:r>
+              <a:rPr lang="en-US" dirty="0" err="1">
+                <a:effectLst/>
+                <a:latin typeface="Calibri" panose="020F0502020204030204" pitchFamily="34" charset="0"/>
+                <a:ea typeface="Calibri" panose="020F0502020204030204" pitchFamily="34" charset="0"/>
+                <a:cs typeface="Times New Roman" panose="02020603050405020304" pitchFamily="18" charset="0"/>
+              </a:rPr>
+              <a:t>tcb</a:t>
+            </a:r>
+            <a:r>
+              <a:rPr lang="en-US" dirty="0">
+                <a:effectLst/>
+                <a:latin typeface="Calibri" panose="020F0502020204030204" pitchFamily="34" charset="0"/>
+                <a:ea typeface="Calibri" panose="020F0502020204030204" pitchFamily="34" charset="0"/>
+                <a:cs typeface="Times New Roman" panose="02020603050405020304" pitchFamily="18" charset="0"/>
+              </a:rPr>
+              <a:t>-&gt;</a:t>
+            </a:r>
+            <a:r>
+              <a:rPr lang="en-US" dirty="0" err="1">
+                <a:effectLst/>
+                <a:latin typeface="Calibri" panose="020F0502020204030204" pitchFamily="34" charset="0"/>
+                <a:ea typeface="Calibri" panose="020F0502020204030204" pitchFamily="34" charset="0"/>
+                <a:cs typeface="Times New Roman" panose="02020603050405020304" pitchFamily="18" charset="0"/>
+              </a:rPr>
+              <a:t>thread_no,memwin</a:t>
+            </a:r>
+            <a:r>
+              <a:rPr lang="en-US" dirty="0">
+                <a:effectLst/>
+                <a:latin typeface="Calibri" panose="020F0502020204030204" pitchFamily="34" charset="0"/>
+                <a:ea typeface="Calibri" panose="020F0502020204030204" pitchFamily="34" charset="0"/>
+                <a:cs typeface="Times New Roman" panose="02020603050405020304" pitchFamily="18" charset="0"/>
+              </a:rPr>
+              <a:t>);</a:t>
+            </a:r>
+          </a:p>
+          <a:p>
+            <a:pPr marL="0" marR="0" indent="0">
+              <a:lnSpc>
+                <a:spcPct val="107000"/>
+              </a:lnSpc>
+              <a:spcBef>
+                <a:spcPts val="0"/>
+              </a:spcBef>
+              <a:spcAft>
+                <a:spcPts val="0"/>
+              </a:spcAft>
+              <a:buNone/>
+            </a:pPr>
+            <a:r>
+              <a:rPr lang="en-US" dirty="0" err="1">
+                <a:effectLst/>
+                <a:latin typeface="Calibri" panose="020F0502020204030204" pitchFamily="34" charset="0"/>
+                <a:ea typeface="Calibri" panose="020F0502020204030204" pitchFamily="34" charset="0"/>
+                <a:cs typeface="Times New Roman" panose="02020603050405020304" pitchFamily="18" charset="0"/>
+              </a:rPr>
+              <a:t>write_window</a:t>
+            </a:r>
+            <a:r>
+              <a:rPr lang="en-US" dirty="0">
+                <a:effectLst/>
+                <a:latin typeface="Calibri" panose="020F0502020204030204" pitchFamily="34" charset="0"/>
+                <a:ea typeface="Calibri" panose="020F0502020204030204" pitchFamily="34" charset="0"/>
+                <a:cs typeface="Times New Roman" panose="02020603050405020304" pitchFamily="18" charset="0"/>
+              </a:rPr>
+              <a:t>(</a:t>
+            </a:r>
+            <a:r>
+              <a:rPr lang="en-US" dirty="0" err="1">
+                <a:effectLst/>
+                <a:latin typeface="Calibri" panose="020F0502020204030204" pitchFamily="34" charset="0"/>
+                <a:ea typeface="Calibri" panose="020F0502020204030204" pitchFamily="34" charset="0"/>
+                <a:cs typeface="Times New Roman" panose="02020603050405020304" pitchFamily="18" charset="0"/>
+              </a:rPr>
+              <a:t>logwin</a:t>
+            </a:r>
+            <a:r>
+              <a:rPr lang="en-US" dirty="0">
+                <a:effectLst/>
+                <a:latin typeface="Calibri" panose="020F0502020204030204" pitchFamily="34" charset="0"/>
+                <a:ea typeface="Calibri" panose="020F0502020204030204" pitchFamily="34" charset="0"/>
+                <a:cs typeface="Times New Roman" panose="02020603050405020304" pitchFamily="18" charset="0"/>
+              </a:rPr>
+              <a:t>, </a:t>
+            </a:r>
+            <a:r>
+              <a:rPr lang="en-US" dirty="0">
+                <a:solidFill>
+                  <a:srgbClr val="00B050"/>
+                </a:solidFill>
+                <a:effectLst/>
+                <a:latin typeface="Calibri" panose="020F0502020204030204" pitchFamily="34" charset="0"/>
+                <a:ea typeface="Calibri" panose="020F0502020204030204" pitchFamily="34" charset="0"/>
+                <a:cs typeface="Times New Roman" panose="02020603050405020304" pitchFamily="18" charset="0"/>
+              </a:rPr>
+              <a:t>" calling dump\n"</a:t>
+            </a:r>
+            <a:r>
+              <a:rPr lang="en-US" dirty="0">
+                <a:effectLst/>
+                <a:latin typeface="Calibri" panose="020F0502020204030204" pitchFamily="34" charset="0"/>
+                <a:ea typeface="Calibri" panose="020F0502020204030204" pitchFamily="34" charset="0"/>
+                <a:cs typeface="Times New Roman" panose="02020603050405020304" pitchFamily="18" charset="0"/>
+              </a:rPr>
+              <a:t> );</a:t>
+            </a:r>
+          </a:p>
+          <a:p>
+            <a:pPr marL="0" marR="0" indent="0">
+              <a:lnSpc>
+                <a:spcPct val="107000"/>
+              </a:lnSpc>
+              <a:spcBef>
+                <a:spcPts val="0"/>
+              </a:spcBef>
+              <a:spcAft>
+                <a:spcPts val="0"/>
+              </a:spcAft>
+              <a:buNone/>
+            </a:pPr>
+            <a:r>
+              <a:rPr lang="en-US" dirty="0" err="1">
+                <a:effectLst/>
+                <a:latin typeface="Calibri" panose="020F0502020204030204" pitchFamily="34" charset="0"/>
+                <a:ea typeface="Calibri" panose="020F0502020204030204" pitchFamily="34" charset="0"/>
+                <a:cs typeface="Times New Roman" panose="02020603050405020304" pitchFamily="18" charset="0"/>
+              </a:rPr>
+              <a:t>superuser.dump</a:t>
+            </a:r>
+            <a:r>
+              <a:rPr lang="en-US" dirty="0">
+                <a:effectLst/>
+                <a:latin typeface="Calibri" panose="020F0502020204030204" pitchFamily="34" charset="0"/>
+                <a:ea typeface="Calibri" panose="020F0502020204030204" pitchFamily="34" charset="0"/>
+                <a:cs typeface="Times New Roman" panose="02020603050405020304" pitchFamily="18" charset="0"/>
+              </a:rPr>
+              <a:t>(</a:t>
+            </a:r>
+            <a:r>
+              <a:rPr lang="en-US" dirty="0" err="1">
+                <a:effectLst/>
+                <a:latin typeface="Calibri" panose="020F0502020204030204" pitchFamily="34" charset="0"/>
+                <a:ea typeface="Calibri" panose="020F0502020204030204" pitchFamily="34" charset="0"/>
+                <a:cs typeface="Times New Roman" panose="02020603050405020304" pitchFamily="18" charset="0"/>
+              </a:rPr>
+              <a:t>memwin</a:t>
+            </a:r>
+            <a:r>
+              <a:rPr lang="en-US" dirty="0">
+                <a:effectLst/>
+                <a:latin typeface="Calibri" panose="020F0502020204030204" pitchFamily="34" charset="0"/>
+                <a:ea typeface="Calibri" panose="020F0502020204030204" pitchFamily="34" charset="0"/>
+                <a:cs typeface="Times New Roman" panose="02020603050405020304" pitchFamily="18" charset="0"/>
+              </a:rPr>
+              <a:t>);</a:t>
+            </a:r>
+          </a:p>
+          <a:p>
+            <a:pPr marL="0" marR="0" indent="0">
+              <a:lnSpc>
+                <a:spcPct val="107000"/>
+              </a:lnSpc>
+              <a:spcBef>
+                <a:spcPts val="0"/>
+              </a:spcBef>
+              <a:spcAft>
+                <a:spcPts val="0"/>
+              </a:spcAft>
+              <a:buNone/>
+            </a:pPr>
+            <a:r>
+              <a:rPr lang="en-US" dirty="0" err="1">
+                <a:effectLst/>
+                <a:latin typeface="Calibri" panose="020F0502020204030204" pitchFamily="34" charset="0"/>
+                <a:ea typeface="Calibri" panose="020F0502020204030204" pitchFamily="34" charset="0"/>
+                <a:cs typeface="Times New Roman" panose="02020603050405020304" pitchFamily="18" charset="0"/>
+              </a:rPr>
+              <a:t>write_window</a:t>
+            </a:r>
+            <a:r>
+              <a:rPr lang="en-US" dirty="0">
+                <a:effectLst/>
+                <a:latin typeface="Calibri" panose="020F0502020204030204" pitchFamily="34" charset="0"/>
+                <a:ea typeface="Calibri" panose="020F0502020204030204" pitchFamily="34" charset="0"/>
+                <a:cs typeface="Times New Roman" panose="02020603050405020304" pitchFamily="18" charset="0"/>
+              </a:rPr>
+              <a:t>(</a:t>
+            </a:r>
+            <a:r>
+              <a:rPr lang="en-US" dirty="0" err="1">
+                <a:effectLst/>
+                <a:latin typeface="Calibri" panose="020F0502020204030204" pitchFamily="34" charset="0"/>
+                <a:ea typeface="Calibri" panose="020F0502020204030204" pitchFamily="34" charset="0"/>
+                <a:cs typeface="Times New Roman" panose="02020603050405020304" pitchFamily="18" charset="0"/>
+              </a:rPr>
+              <a:t>logwin</a:t>
+            </a:r>
+            <a:r>
+              <a:rPr lang="en-US" dirty="0">
+                <a:effectLst/>
+                <a:latin typeface="Calibri" panose="020F0502020204030204" pitchFamily="34" charset="0"/>
+                <a:ea typeface="Calibri" panose="020F0502020204030204" pitchFamily="34" charset="0"/>
+                <a:cs typeface="Times New Roman" panose="02020603050405020304" pitchFamily="18" charset="0"/>
+              </a:rPr>
+              <a:t>, </a:t>
+            </a:r>
+            <a:r>
+              <a:rPr lang="en-US" dirty="0">
+                <a:solidFill>
+                  <a:srgbClr val="00B050"/>
+                </a:solidFill>
+                <a:effectLst/>
+                <a:latin typeface="Calibri" panose="020F0502020204030204" pitchFamily="34" charset="0"/>
+                <a:ea typeface="Calibri" panose="020F0502020204030204" pitchFamily="34" charset="0"/>
+                <a:cs typeface="Times New Roman" panose="02020603050405020304" pitchFamily="18" charset="0"/>
+              </a:rPr>
+              <a:t>" calling read\n"</a:t>
+            </a:r>
+            <a:r>
+              <a:rPr lang="en-US" dirty="0">
+                <a:effectLst/>
+                <a:latin typeface="Calibri" panose="020F0502020204030204" pitchFamily="34" charset="0"/>
+                <a:ea typeface="Calibri" panose="020F0502020204030204" pitchFamily="34" charset="0"/>
+                <a:cs typeface="Times New Roman" panose="02020603050405020304" pitchFamily="18" charset="0"/>
+              </a:rPr>
+              <a:t> );</a:t>
+            </a:r>
+          </a:p>
+          <a:p>
+            <a:pPr marL="0" marR="0" indent="0">
+              <a:lnSpc>
+                <a:spcPct val="107000"/>
+              </a:lnSpc>
+              <a:spcBef>
+                <a:spcPts val="0"/>
+              </a:spcBef>
+              <a:spcAft>
+                <a:spcPts val="0"/>
+              </a:spcAft>
+              <a:buNone/>
+            </a:pPr>
+            <a:r>
+              <a:rPr lang="en-US" b="1" dirty="0">
+                <a:effectLst/>
+                <a:latin typeface="Calibri" panose="020F0502020204030204" pitchFamily="34" charset="0"/>
+                <a:ea typeface="Calibri" panose="020F0502020204030204" pitchFamily="34" charset="0"/>
+                <a:cs typeface="Times New Roman" panose="02020603050405020304" pitchFamily="18" charset="0"/>
+              </a:rPr>
+              <a:t>char</a:t>
+            </a:r>
+            <a:r>
+              <a:rPr lang="en-US" dirty="0">
+                <a:effectLst/>
+                <a:latin typeface="Calibri" panose="020F0502020204030204" pitchFamily="34" charset="0"/>
+                <a:ea typeface="Calibri" panose="020F0502020204030204" pitchFamily="34" charset="0"/>
+                <a:cs typeface="Times New Roman" panose="02020603050405020304" pitchFamily="18" charset="0"/>
+              </a:rPr>
+              <a:t> v;</a:t>
+            </a:r>
+          </a:p>
+          <a:p>
+            <a:pPr marL="0" marR="0" indent="0">
+              <a:lnSpc>
+                <a:spcPct val="107000"/>
+              </a:lnSpc>
+              <a:spcBef>
+                <a:spcPts val="0"/>
+              </a:spcBef>
+              <a:spcAft>
+                <a:spcPts val="0"/>
+              </a:spcAft>
+              <a:buNone/>
+            </a:pPr>
+            <a:r>
+              <a:rPr lang="en-US" dirty="0" err="1">
+                <a:effectLst/>
+                <a:latin typeface="Calibri" panose="020F0502020204030204" pitchFamily="34" charset="0"/>
+                <a:ea typeface="Calibri" panose="020F0502020204030204" pitchFamily="34" charset="0"/>
+                <a:cs typeface="Times New Roman" panose="02020603050405020304" pitchFamily="18" charset="0"/>
+              </a:rPr>
+              <a:t>superuser.Read_Char</a:t>
+            </a:r>
+            <a:r>
+              <a:rPr lang="en-US" dirty="0">
+                <a:effectLst/>
+                <a:latin typeface="Calibri" panose="020F0502020204030204" pitchFamily="34" charset="0"/>
+                <a:ea typeface="Calibri" panose="020F0502020204030204" pitchFamily="34" charset="0"/>
+                <a:cs typeface="Times New Roman" panose="02020603050405020304" pitchFamily="18" charset="0"/>
+              </a:rPr>
+              <a:t>(</a:t>
+            </a:r>
+            <a:r>
+              <a:rPr lang="en-US" dirty="0" err="1">
+                <a:effectLst/>
+                <a:latin typeface="Calibri" panose="020F0502020204030204" pitchFamily="34" charset="0"/>
+                <a:ea typeface="Calibri" panose="020F0502020204030204" pitchFamily="34" charset="0"/>
+                <a:cs typeface="Times New Roman" panose="02020603050405020304" pitchFamily="18" charset="0"/>
+              </a:rPr>
+              <a:t>tcb</a:t>
+            </a:r>
+            <a:r>
+              <a:rPr lang="en-US" dirty="0">
+                <a:effectLst/>
+                <a:latin typeface="Calibri" panose="020F0502020204030204" pitchFamily="34" charset="0"/>
+                <a:ea typeface="Calibri" panose="020F0502020204030204" pitchFamily="34" charset="0"/>
+                <a:cs typeface="Times New Roman" panose="02020603050405020304" pitchFamily="18" charset="0"/>
+              </a:rPr>
+              <a:t>-&gt;</a:t>
+            </a:r>
+            <a:r>
+              <a:rPr lang="en-US" dirty="0" err="1">
+                <a:effectLst/>
+                <a:latin typeface="Calibri" panose="020F0502020204030204" pitchFamily="34" charset="0"/>
+                <a:ea typeface="Calibri" panose="020F0502020204030204" pitchFamily="34" charset="0"/>
+                <a:cs typeface="Times New Roman" panose="02020603050405020304" pitchFamily="18" charset="0"/>
+              </a:rPr>
+              <a:t>thread_no</a:t>
+            </a:r>
+            <a:r>
+              <a:rPr lang="en-US" dirty="0">
+                <a:effectLst/>
+                <a:latin typeface="Calibri" panose="020F0502020204030204" pitchFamily="34" charset="0"/>
+                <a:ea typeface="Calibri" panose="020F0502020204030204" pitchFamily="34" charset="0"/>
+                <a:cs typeface="Times New Roman" panose="02020603050405020304" pitchFamily="18" charset="0"/>
+              </a:rPr>
+              <a:t>, (</a:t>
+            </a:r>
+            <a:r>
+              <a:rPr lang="en-US" b="1" dirty="0">
+                <a:effectLst/>
+                <a:latin typeface="Calibri" panose="020F0502020204030204" pitchFamily="34" charset="0"/>
+                <a:ea typeface="Calibri" panose="020F0502020204030204" pitchFamily="34" charset="0"/>
+                <a:cs typeface="Times New Roman" panose="02020603050405020304" pitchFamily="18" charset="0"/>
+              </a:rPr>
+              <a:t>char</a:t>
+            </a:r>
+            <a:r>
+              <a:rPr lang="en-US" dirty="0">
+                <a:effectLst/>
+                <a:latin typeface="Calibri" panose="020F0502020204030204" pitchFamily="34" charset="0"/>
+                <a:ea typeface="Calibri" panose="020F0502020204030204" pitchFamily="34" charset="0"/>
+                <a:cs typeface="Times New Roman" panose="02020603050405020304" pitchFamily="18" charset="0"/>
+              </a:rPr>
+              <a:t>*)</a:t>
+            </a:r>
+            <a:r>
+              <a:rPr lang="en-US" dirty="0">
+                <a:solidFill>
+                  <a:srgbClr val="00B050"/>
+                </a:solidFill>
+                <a:effectLst/>
+                <a:latin typeface="Calibri" panose="020F0502020204030204" pitchFamily="34" charset="0"/>
+                <a:ea typeface="Calibri" panose="020F0502020204030204" pitchFamily="34" charset="0"/>
+                <a:cs typeface="Times New Roman" panose="02020603050405020304" pitchFamily="18" charset="0"/>
+              </a:rPr>
+              <a:t> "</a:t>
+            </a:r>
+            <a:r>
+              <a:rPr lang="en-US" dirty="0" err="1">
+                <a:solidFill>
+                  <a:srgbClr val="00B050"/>
+                </a:solidFill>
+                <a:effectLst/>
+                <a:latin typeface="Calibri" panose="020F0502020204030204" pitchFamily="34" charset="0"/>
+                <a:ea typeface="Calibri" panose="020F0502020204030204" pitchFamily="34" charset="0"/>
+                <a:cs typeface="Times New Roman" panose="02020603050405020304" pitchFamily="18" charset="0"/>
+              </a:rPr>
+              <a:t>uifile</a:t>
+            </a:r>
+            <a:r>
+              <a:rPr lang="en-US" dirty="0">
+                <a:solidFill>
+                  <a:srgbClr val="00B050"/>
+                </a:solidFill>
+                <a:effectLst/>
+                <a:latin typeface="Calibri" panose="020F0502020204030204" pitchFamily="34" charset="0"/>
+                <a:ea typeface="Calibri" panose="020F0502020204030204" pitchFamily="34" charset="0"/>
+                <a:cs typeface="Times New Roman" panose="02020603050405020304" pitchFamily="18" charset="0"/>
+              </a:rPr>
+              <a:t>"</a:t>
+            </a:r>
+            <a:r>
+              <a:rPr lang="en-US" dirty="0">
+                <a:solidFill>
+                  <a:schemeClr val="tx1"/>
+                </a:solidFill>
+                <a:effectLst/>
+                <a:latin typeface="Calibri" panose="020F0502020204030204" pitchFamily="34" charset="0"/>
+                <a:ea typeface="Calibri" panose="020F0502020204030204" pitchFamily="34" charset="0"/>
+                <a:cs typeface="Times New Roman" panose="02020603050405020304" pitchFamily="18" charset="0"/>
+              </a:rPr>
+              <a:t>,</a:t>
+            </a:r>
+            <a:r>
+              <a:rPr lang="en-US" dirty="0">
+                <a:solidFill>
+                  <a:srgbClr val="00B050"/>
+                </a:solidFill>
+                <a:effectLst/>
+                <a:latin typeface="Calibri" panose="020F0502020204030204" pitchFamily="34" charset="0"/>
+                <a:ea typeface="Calibri" panose="020F0502020204030204" pitchFamily="34" charset="0"/>
+                <a:cs typeface="Times New Roman" panose="02020603050405020304" pitchFamily="18" charset="0"/>
+              </a:rPr>
+              <a:t> </a:t>
+            </a:r>
+            <a:r>
+              <a:rPr lang="en-US" dirty="0">
+                <a:effectLst/>
+                <a:latin typeface="Calibri" panose="020F0502020204030204" pitchFamily="34" charset="0"/>
+                <a:ea typeface="Calibri" panose="020F0502020204030204" pitchFamily="34" charset="0"/>
+                <a:cs typeface="Times New Roman" panose="02020603050405020304" pitchFamily="18" charset="0"/>
+              </a:rPr>
+              <a:t>&amp;v);</a:t>
+            </a:r>
+          </a:p>
+          <a:p>
+            <a:pPr marL="0" marR="0" indent="0">
+              <a:lnSpc>
+                <a:spcPct val="107000"/>
+              </a:lnSpc>
+              <a:spcBef>
+                <a:spcPts val="0"/>
+              </a:spcBef>
+              <a:spcAft>
+                <a:spcPts val="0"/>
+              </a:spcAft>
+              <a:buNone/>
+            </a:pPr>
+            <a:r>
+              <a:rPr lang="en-US" b="1" dirty="0">
+                <a:effectLst/>
+                <a:latin typeface="Calibri" panose="020F0502020204030204" pitchFamily="34" charset="0"/>
+                <a:ea typeface="Calibri" panose="020F0502020204030204" pitchFamily="34" charset="0"/>
+                <a:cs typeface="Times New Roman" panose="02020603050405020304" pitchFamily="18" charset="0"/>
+              </a:rPr>
+              <a:t>char</a:t>
+            </a:r>
+            <a:r>
+              <a:rPr lang="en-US" dirty="0">
+                <a:effectLst/>
+                <a:latin typeface="Calibri" panose="020F0502020204030204" pitchFamily="34" charset="0"/>
+                <a:ea typeface="Calibri" panose="020F0502020204030204" pitchFamily="34" charset="0"/>
+                <a:cs typeface="Times New Roman" panose="02020603050405020304" pitchFamily="18" charset="0"/>
+              </a:rPr>
+              <a:t> </a:t>
+            </a:r>
+            <a:r>
+              <a:rPr lang="en-US" dirty="0" err="1">
+                <a:effectLst/>
+                <a:latin typeface="Calibri" panose="020F0502020204030204" pitchFamily="34" charset="0"/>
+                <a:ea typeface="Calibri" panose="020F0502020204030204" pitchFamily="34" charset="0"/>
+                <a:cs typeface="Times New Roman" panose="02020603050405020304" pitchFamily="18" charset="0"/>
+              </a:rPr>
+              <a:t>buffread</a:t>
+            </a:r>
+            <a:r>
+              <a:rPr lang="en-US" dirty="0">
+                <a:effectLst/>
+                <a:latin typeface="Calibri" panose="020F0502020204030204" pitchFamily="34" charset="0"/>
+                <a:ea typeface="Calibri" panose="020F0502020204030204" pitchFamily="34" charset="0"/>
+                <a:cs typeface="Times New Roman" panose="02020603050405020304" pitchFamily="18" charset="0"/>
+              </a:rPr>
+              <a:t>[256];</a:t>
+            </a:r>
+          </a:p>
+          <a:p>
+            <a:pPr marL="0" marR="0" indent="0">
+              <a:lnSpc>
+                <a:spcPct val="107000"/>
+              </a:lnSpc>
+              <a:spcBef>
+                <a:spcPts val="0"/>
+              </a:spcBef>
+              <a:spcAft>
+                <a:spcPts val="0"/>
+              </a:spcAft>
+              <a:buNone/>
+            </a:pPr>
+            <a:r>
+              <a:rPr lang="en-US" dirty="0" err="1">
+                <a:effectLst/>
+                <a:latin typeface="Calibri" panose="020F0502020204030204" pitchFamily="34" charset="0"/>
+                <a:ea typeface="Calibri" panose="020F0502020204030204" pitchFamily="34" charset="0"/>
+                <a:cs typeface="Times New Roman" panose="02020603050405020304" pitchFamily="18" charset="0"/>
+              </a:rPr>
+              <a:t>sprintf</a:t>
+            </a:r>
+            <a:r>
+              <a:rPr lang="en-US" dirty="0">
+                <a:effectLst/>
+                <a:latin typeface="Calibri" panose="020F0502020204030204" pitchFamily="34" charset="0"/>
+                <a:ea typeface="Calibri" panose="020F0502020204030204" pitchFamily="34" charset="0"/>
+                <a:cs typeface="Times New Roman" panose="02020603050405020304" pitchFamily="18" charset="0"/>
+              </a:rPr>
+              <a:t>(buff, </a:t>
+            </a:r>
+            <a:r>
+              <a:rPr lang="en-US" dirty="0">
+                <a:solidFill>
+                  <a:srgbClr val="00B050"/>
+                </a:solidFill>
+                <a:effectLst/>
+                <a:latin typeface="Calibri" panose="020F0502020204030204" pitchFamily="34" charset="0"/>
+                <a:ea typeface="Calibri" panose="020F0502020204030204" pitchFamily="34" charset="0"/>
+                <a:cs typeface="Times New Roman" panose="02020603050405020304" pitchFamily="18" charset="0"/>
+              </a:rPr>
+              <a:t>" read in from </a:t>
+            </a:r>
+            <a:r>
+              <a:rPr lang="en-US" dirty="0" err="1">
+                <a:solidFill>
+                  <a:srgbClr val="00B050"/>
+                </a:solidFill>
+                <a:effectLst/>
+                <a:latin typeface="Calibri" panose="020F0502020204030204" pitchFamily="34" charset="0"/>
+                <a:ea typeface="Calibri" panose="020F0502020204030204" pitchFamily="34" charset="0"/>
+                <a:cs typeface="Times New Roman" panose="02020603050405020304" pitchFamily="18" charset="0"/>
+              </a:rPr>
+              <a:t>uifile</a:t>
+            </a:r>
+            <a:r>
+              <a:rPr lang="en-US" dirty="0">
+                <a:solidFill>
+                  <a:srgbClr val="00B050"/>
+                </a:solidFill>
+                <a:effectLst/>
+                <a:latin typeface="Calibri" panose="020F0502020204030204" pitchFamily="34" charset="0"/>
+                <a:ea typeface="Calibri" panose="020F0502020204030204" pitchFamily="34" charset="0"/>
+                <a:cs typeface="Times New Roman" panose="02020603050405020304" pitchFamily="18" charset="0"/>
+              </a:rPr>
+              <a:t> = %c \n"</a:t>
+            </a:r>
+            <a:r>
+              <a:rPr lang="en-US" dirty="0">
+                <a:effectLst/>
+                <a:latin typeface="Calibri" panose="020F0502020204030204" pitchFamily="34" charset="0"/>
+                <a:ea typeface="Calibri" panose="020F0502020204030204" pitchFamily="34" charset="0"/>
+                <a:cs typeface="Times New Roman" panose="02020603050405020304" pitchFamily="18" charset="0"/>
+              </a:rPr>
+              <a:t>, v);</a:t>
+            </a:r>
+          </a:p>
+          <a:p>
+            <a:pPr marL="0" marR="0" indent="0">
+              <a:lnSpc>
+                <a:spcPct val="107000"/>
+              </a:lnSpc>
+              <a:spcBef>
+                <a:spcPts val="0"/>
+              </a:spcBef>
+              <a:spcAft>
+                <a:spcPts val="0"/>
+              </a:spcAft>
+              <a:buNone/>
+            </a:pPr>
+            <a:r>
+              <a:rPr lang="en-US" dirty="0" err="1">
+                <a:effectLst/>
+                <a:latin typeface="Calibri" panose="020F0502020204030204" pitchFamily="34" charset="0"/>
+                <a:ea typeface="Calibri" panose="020F0502020204030204" pitchFamily="34" charset="0"/>
+                <a:cs typeface="Times New Roman" panose="02020603050405020304" pitchFamily="18" charset="0"/>
+              </a:rPr>
+              <a:t>write_window</a:t>
+            </a:r>
+            <a:r>
+              <a:rPr lang="en-US" dirty="0">
+                <a:effectLst/>
+                <a:latin typeface="Calibri" panose="020F0502020204030204" pitchFamily="34" charset="0"/>
+                <a:ea typeface="Calibri" panose="020F0502020204030204" pitchFamily="34" charset="0"/>
+                <a:cs typeface="Times New Roman" panose="02020603050405020304" pitchFamily="18" charset="0"/>
+              </a:rPr>
+              <a:t>(</a:t>
+            </a:r>
+            <a:r>
+              <a:rPr lang="en-US" dirty="0" err="1">
+                <a:effectLst/>
+                <a:latin typeface="Calibri" panose="020F0502020204030204" pitchFamily="34" charset="0"/>
+                <a:ea typeface="Calibri" panose="020F0502020204030204" pitchFamily="34" charset="0"/>
+                <a:cs typeface="Times New Roman" panose="02020603050405020304" pitchFamily="18" charset="0"/>
+              </a:rPr>
+              <a:t>logwin</a:t>
+            </a:r>
+            <a:r>
+              <a:rPr lang="en-US" dirty="0">
+                <a:effectLst/>
+                <a:latin typeface="Calibri" panose="020F0502020204030204" pitchFamily="34" charset="0"/>
+                <a:ea typeface="Calibri" panose="020F0502020204030204" pitchFamily="34" charset="0"/>
+                <a:cs typeface="Times New Roman" panose="02020603050405020304" pitchFamily="18" charset="0"/>
+              </a:rPr>
+              <a:t>, buff );</a:t>
+            </a:r>
+          </a:p>
+          <a:p>
+            <a:pPr marL="0" marR="0" indent="0">
+              <a:lnSpc>
+                <a:spcPct val="107000"/>
+              </a:lnSpc>
+              <a:spcBef>
+                <a:spcPts val="0"/>
+              </a:spcBef>
+              <a:spcAft>
+                <a:spcPts val="0"/>
+              </a:spcAft>
+              <a:buNone/>
+            </a:pPr>
+            <a:r>
+              <a:rPr lang="en-US" dirty="0" err="1">
+                <a:effectLst/>
+                <a:latin typeface="Calibri" panose="020F0502020204030204" pitchFamily="34" charset="0"/>
+                <a:ea typeface="Calibri" panose="020F0502020204030204" pitchFamily="34" charset="0"/>
+                <a:cs typeface="Times New Roman" panose="02020603050405020304" pitchFamily="18" charset="0"/>
+              </a:rPr>
+              <a:t>write_window</a:t>
+            </a:r>
+            <a:r>
+              <a:rPr lang="en-US" dirty="0">
+                <a:effectLst/>
+                <a:latin typeface="Calibri" panose="020F0502020204030204" pitchFamily="34" charset="0"/>
+                <a:ea typeface="Calibri" panose="020F0502020204030204" pitchFamily="34" charset="0"/>
+                <a:cs typeface="Times New Roman" panose="02020603050405020304" pitchFamily="18" charset="0"/>
+              </a:rPr>
+              <a:t>(</a:t>
+            </a:r>
+            <a:r>
+              <a:rPr lang="en-US" dirty="0" err="1">
+                <a:effectLst/>
+                <a:latin typeface="Calibri" panose="020F0502020204030204" pitchFamily="34" charset="0"/>
+                <a:ea typeface="Calibri" panose="020F0502020204030204" pitchFamily="34" charset="0"/>
+                <a:cs typeface="Times New Roman" panose="02020603050405020304" pitchFamily="18" charset="0"/>
+              </a:rPr>
+              <a:t>logwin</a:t>
+            </a:r>
+            <a:r>
+              <a:rPr lang="en-US" dirty="0">
+                <a:effectLst/>
+                <a:latin typeface="Calibri" panose="020F0502020204030204" pitchFamily="34" charset="0"/>
+                <a:ea typeface="Calibri" panose="020F0502020204030204" pitchFamily="34" charset="0"/>
+                <a:cs typeface="Times New Roman" panose="02020603050405020304" pitchFamily="18" charset="0"/>
+              </a:rPr>
+              <a:t>, </a:t>
+            </a:r>
+            <a:r>
+              <a:rPr lang="en-US" dirty="0">
+                <a:solidFill>
+                  <a:srgbClr val="00B050"/>
+                </a:solidFill>
+                <a:effectLst/>
+                <a:latin typeface="Calibri" panose="020F0502020204030204" pitchFamily="34" charset="0"/>
+                <a:ea typeface="Calibri" panose="020F0502020204030204" pitchFamily="34" charset="0"/>
+                <a:cs typeface="Times New Roman" panose="02020603050405020304" pitchFamily="18" charset="0"/>
+              </a:rPr>
+              <a:t>" calling delete(</a:t>
+            </a:r>
+            <a:r>
+              <a:rPr lang="en-US" dirty="0" err="1">
+                <a:solidFill>
+                  <a:srgbClr val="00B050"/>
+                </a:solidFill>
+                <a:effectLst/>
+                <a:latin typeface="Calibri" panose="020F0502020204030204" pitchFamily="34" charset="0"/>
+                <a:ea typeface="Calibri" panose="020F0502020204030204" pitchFamily="34" charset="0"/>
+                <a:cs typeface="Times New Roman" panose="02020603050405020304" pitchFamily="18" charset="0"/>
+              </a:rPr>
+              <a:t>uifile</a:t>
+            </a:r>
+            <a:r>
+              <a:rPr lang="en-US" dirty="0">
+                <a:solidFill>
+                  <a:srgbClr val="00B050"/>
+                </a:solidFill>
+                <a:effectLst/>
+                <a:latin typeface="Calibri" panose="020F0502020204030204" pitchFamily="34" charset="0"/>
+                <a:ea typeface="Calibri" panose="020F0502020204030204" pitchFamily="34" charset="0"/>
+                <a:cs typeface="Times New Roman" panose="02020603050405020304" pitchFamily="18" charset="0"/>
+              </a:rPr>
+              <a:t>)\n"</a:t>
+            </a:r>
+            <a:r>
+              <a:rPr lang="en-US" dirty="0">
+                <a:effectLst/>
+                <a:latin typeface="Calibri" panose="020F0502020204030204" pitchFamily="34" charset="0"/>
+                <a:ea typeface="Calibri" panose="020F0502020204030204" pitchFamily="34" charset="0"/>
+                <a:cs typeface="Times New Roman" panose="02020603050405020304" pitchFamily="18" charset="0"/>
+              </a:rPr>
+              <a:t> );</a:t>
+            </a:r>
+          </a:p>
+          <a:p>
+            <a:pPr marL="0" marR="0" indent="0">
+              <a:lnSpc>
+                <a:spcPct val="107000"/>
+              </a:lnSpc>
+              <a:spcBef>
+                <a:spcPts val="0"/>
+              </a:spcBef>
+              <a:spcAft>
+                <a:spcPts val="0"/>
+              </a:spcAft>
+              <a:buNone/>
+            </a:pPr>
+            <a:r>
+              <a:rPr lang="en-US" dirty="0" err="1">
+                <a:effectLst/>
+                <a:latin typeface="Calibri" panose="020F0502020204030204" pitchFamily="34" charset="0"/>
+                <a:ea typeface="Calibri" panose="020F0502020204030204" pitchFamily="34" charset="0"/>
+                <a:cs typeface="Times New Roman" panose="02020603050405020304" pitchFamily="18" charset="0"/>
+              </a:rPr>
+              <a:t>superuser.Del_file</a:t>
+            </a:r>
+            <a:r>
+              <a:rPr lang="en-US" dirty="0">
+                <a:effectLst/>
+                <a:latin typeface="Calibri" panose="020F0502020204030204" pitchFamily="34" charset="0"/>
+                <a:ea typeface="Calibri" panose="020F0502020204030204" pitchFamily="34" charset="0"/>
+                <a:cs typeface="Times New Roman" panose="02020603050405020304" pitchFamily="18" charset="0"/>
+              </a:rPr>
+              <a:t>(</a:t>
+            </a:r>
+            <a:r>
+              <a:rPr lang="en-US" dirty="0" err="1">
+                <a:effectLst/>
+                <a:latin typeface="Calibri" panose="020F0502020204030204" pitchFamily="34" charset="0"/>
+                <a:ea typeface="Calibri" panose="020F0502020204030204" pitchFamily="34" charset="0"/>
+                <a:cs typeface="Times New Roman" panose="02020603050405020304" pitchFamily="18" charset="0"/>
+              </a:rPr>
+              <a:t>tcb</a:t>
+            </a:r>
+            <a:r>
+              <a:rPr lang="en-US" dirty="0">
+                <a:effectLst/>
+                <a:latin typeface="Calibri" panose="020F0502020204030204" pitchFamily="34" charset="0"/>
+                <a:ea typeface="Calibri" panose="020F0502020204030204" pitchFamily="34" charset="0"/>
+                <a:cs typeface="Times New Roman" panose="02020603050405020304" pitchFamily="18" charset="0"/>
+              </a:rPr>
+              <a:t>-&gt;</a:t>
+            </a:r>
+            <a:r>
+              <a:rPr lang="en-US" dirty="0" err="1">
+                <a:effectLst/>
+                <a:latin typeface="Calibri" panose="020F0502020204030204" pitchFamily="34" charset="0"/>
+                <a:ea typeface="Calibri" panose="020F0502020204030204" pitchFamily="34" charset="0"/>
+                <a:cs typeface="Times New Roman" panose="02020603050405020304" pitchFamily="18" charset="0"/>
+              </a:rPr>
+              <a:t>thread_no</a:t>
+            </a:r>
+            <a:r>
+              <a:rPr lang="en-US" dirty="0">
+                <a:effectLst/>
+                <a:latin typeface="Calibri" panose="020F0502020204030204" pitchFamily="34" charset="0"/>
+                <a:ea typeface="Calibri" panose="020F0502020204030204" pitchFamily="34" charset="0"/>
+                <a:cs typeface="Times New Roman" panose="02020603050405020304" pitchFamily="18" charset="0"/>
+              </a:rPr>
+              <a:t>, (</a:t>
+            </a:r>
+            <a:r>
+              <a:rPr lang="en-US" b="1" dirty="0">
+                <a:effectLst/>
+                <a:latin typeface="Calibri" panose="020F0502020204030204" pitchFamily="34" charset="0"/>
+                <a:ea typeface="Calibri" panose="020F0502020204030204" pitchFamily="34" charset="0"/>
+                <a:cs typeface="Times New Roman" panose="02020603050405020304" pitchFamily="18" charset="0"/>
+              </a:rPr>
+              <a:t>char</a:t>
+            </a:r>
+            <a:r>
+              <a:rPr lang="en-US" dirty="0">
+                <a:effectLst/>
+                <a:latin typeface="Calibri" panose="020F0502020204030204" pitchFamily="34" charset="0"/>
+                <a:ea typeface="Calibri" panose="020F0502020204030204" pitchFamily="34" charset="0"/>
+                <a:cs typeface="Times New Roman" panose="02020603050405020304" pitchFamily="18" charset="0"/>
+              </a:rPr>
+              <a:t>*)</a:t>
+            </a:r>
+            <a:r>
+              <a:rPr lang="en-US" dirty="0">
+                <a:solidFill>
+                  <a:srgbClr val="00B050"/>
+                </a:solidFill>
+                <a:effectLst/>
+                <a:latin typeface="Calibri" panose="020F0502020204030204" pitchFamily="34" charset="0"/>
+                <a:ea typeface="Calibri" panose="020F0502020204030204" pitchFamily="34" charset="0"/>
+                <a:cs typeface="Times New Roman" panose="02020603050405020304" pitchFamily="18" charset="0"/>
+              </a:rPr>
+              <a:t>"</a:t>
+            </a:r>
+            <a:r>
+              <a:rPr lang="en-US" dirty="0" err="1">
+                <a:solidFill>
+                  <a:srgbClr val="00B050"/>
+                </a:solidFill>
+                <a:effectLst/>
+                <a:latin typeface="Calibri" panose="020F0502020204030204" pitchFamily="34" charset="0"/>
+                <a:ea typeface="Calibri" panose="020F0502020204030204" pitchFamily="34" charset="0"/>
+                <a:cs typeface="Times New Roman" panose="02020603050405020304" pitchFamily="18" charset="0"/>
+              </a:rPr>
+              <a:t>uifile</a:t>
+            </a:r>
+            <a:r>
+              <a:rPr lang="en-US" dirty="0">
+                <a:solidFill>
+                  <a:srgbClr val="00B050"/>
+                </a:solidFill>
+                <a:effectLst/>
+                <a:latin typeface="Calibri" panose="020F0502020204030204" pitchFamily="34" charset="0"/>
+                <a:ea typeface="Calibri" panose="020F0502020204030204" pitchFamily="34" charset="0"/>
+                <a:cs typeface="Times New Roman" panose="02020603050405020304" pitchFamily="18" charset="0"/>
+              </a:rPr>
+              <a:t>"</a:t>
+            </a:r>
+            <a:r>
+              <a:rPr lang="en-US" dirty="0">
+                <a:effectLst/>
+                <a:latin typeface="Calibri" panose="020F0502020204030204" pitchFamily="34" charset="0"/>
+                <a:ea typeface="Calibri" panose="020F0502020204030204" pitchFamily="34" charset="0"/>
+                <a:cs typeface="Times New Roman" panose="02020603050405020304" pitchFamily="18" charset="0"/>
+              </a:rPr>
+              <a:t>);</a:t>
+            </a:r>
+          </a:p>
+          <a:p>
+            <a:pPr marL="0" marR="0" indent="0">
+              <a:lnSpc>
+                <a:spcPct val="107000"/>
+              </a:lnSpc>
+              <a:spcBef>
+                <a:spcPts val="0"/>
+              </a:spcBef>
+              <a:spcAft>
+                <a:spcPts val="0"/>
+              </a:spcAft>
+              <a:buNone/>
+            </a:pPr>
+            <a:r>
+              <a:rPr lang="en-US" dirty="0" err="1">
+                <a:effectLst/>
+                <a:latin typeface="Calibri" panose="020F0502020204030204" pitchFamily="34" charset="0"/>
+                <a:ea typeface="Calibri" panose="020F0502020204030204" pitchFamily="34" charset="0"/>
+                <a:cs typeface="Times New Roman" panose="02020603050405020304" pitchFamily="18" charset="0"/>
+              </a:rPr>
+              <a:t>write_window</a:t>
+            </a:r>
+            <a:r>
+              <a:rPr lang="en-US" dirty="0">
+                <a:effectLst/>
+                <a:latin typeface="Calibri" panose="020F0502020204030204" pitchFamily="34" charset="0"/>
+                <a:ea typeface="Calibri" panose="020F0502020204030204" pitchFamily="34" charset="0"/>
+                <a:cs typeface="Times New Roman" panose="02020603050405020304" pitchFamily="18" charset="0"/>
+              </a:rPr>
+              <a:t>(</a:t>
+            </a:r>
+            <a:r>
+              <a:rPr lang="en-US" dirty="0" err="1">
+                <a:effectLst/>
+                <a:latin typeface="Calibri" panose="020F0502020204030204" pitchFamily="34" charset="0"/>
+                <a:ea typeface="Calibri" panose="020F0502020204030204" pitchFamily="34" charset="0"/>
+                <a:cs typeface="Times New Roman" panose="02020603050405020304" pitchFamily="18" charset="0"/>
+              </a:rPr>
+              <a:t>logwin</a:t>
+            </a:r>
+            <a:r>
+              <a:rPr lang="en-US" dirty="0">
+                <a:effectLst/>
+                <a:latin typeface="Calibri" panose="020F0502020204030204" pitchFamily="34" charset="0"/>
+                <a:ea typeface="Calibri" panose="020F0502020204030204" pitchFamily="34" charset="0"/>
+                <a:cs typeface="Times New Roman" panose="02020603050405020304" pitchFamily="18" charset="0"/>
+              </a:rPr>
+              <a:t>, </a:t>
+            </a:r>
+            <a:r>
+              <a:rPr lang="en-US" dirty="0">
+                <a:solidFill>
+                  <a:srgbClr val="00B050"/>
+                </a:solidFill>
+                <a:effectLst/>
+                <a:latin typeface="Calibri" panose="020F0502020204030204" pitchFamily="34" charset="0"/>
+                <a:ea typeface="Calibri" panose="020F0502020204030204" pitchFamily="34" charset="0"/>
+                <a:cs typeface="Times New Roman" panose="02020603050405020304" pitchFamily="18" charset="0"/>
+              </a:rPr>
+              <a:t>" calling Dir();\n"</a:t>
+            </a:r>
+            <a:r>
+              <a:rPr lang="en-US" dirty="0">
+                <a:effectLst/>
+                <a:latin typeface="Calibri" panose="020F0502020204030204" pitchFamily="34" charset="0"/>
+                <a:ea typeface="Calibri" panose="020F0502020204030204" pitchFamily="34" charset="0"/>
+                <a:cs typeface="Times New Roman" panose="02020603050405020304" pitchFamily="18" charset="0"/>
+              </a:rPr>
+              <a:t> );</a:t>
+            </a:r>
+          </a:p>
+          <a:p>
+            <a:pPr marL="0" marR="0" indent="0">
+              <a:lnSpc>
+                <a:spcPct val="107000"/>
+              </a:lnSpc>
+              <a:spcBef>
+                <a:spcPts val="0"/>
+              </a:spcBef>
+              <a:spcAft>
+                <a:spcPts val="0"/>
+              </a:spcAft>
+              <a:buNone/>
+            </a:pPr>
+            <a:r>
+              <a:rPr lang="en-US" dirty="0" err="1">
+                <a:effectLst/>
+                <a:latin typeface="Calibri" panose="020F0502020204030204" pitchFamily="34" charset="0"/>
+                <a:ea typeface="Calibri" panose="020F0502020204030204" pitchFamily="34" charset="0"/>
+                <a:cs typeface="Times New Roman" panose="02020603050405020304" pitchFamily="18" charset="0"/>
+              </a:rPr>
+              <a:t>superuser.Dir</a:t>
+            </a:r>
+            <a:r>
+              <a:rPr lang="en-US" dirty="0">
+                <a:effectLst/>
+                <a:latin typeface="Calibri" panose="020F0502020204030204" pitchFamily="34" charset="0"/>
+                <a:ea typeface="Calibri" panose="020F0502020204030204" pitchFamily="34" charset="0"/>
+                <a:cs typeface="Times New Roman" panose="02020603050405020304" pitchFamily="18" charset="0"/>
+              </a:rPr>
+              <a:t>(</a:t>
+            </a:r>
+            <a:r>
+              <a:rPr lang="en-US" dirty="0" err="1">
+                <a:effectLst/>
+                <a:latin typeface="Calibri" panose="020F0502020204030204" pitchFamily="34" charset="0"/>
+                <a:ea typeface="Calibri" panose="020F0502020204030204" pitchFamily="34" charset="0"/>
+                <a:cs typeface="Times New Roman" panose="02020603050405020304" pitchFamily="18" charset="0"/>
+              </a:rPr>
+              <a:t>memwin</a:t>
+            </a:r>
+            <a:r>
+              <a:rPr lang="en-US" dirty="0">
+                <a:effectLst/>
+                <a:latin typeface="Calibri" panose="020F0502020204030204" pitchFamily="34" charset="0"/>
+                <a:ea typeface="Calibri" panose="020F0502020204030204" pitchFamily="34" charset="0"/>
+                <a:cs typeface="Times New Roman" panose="02020603050405020304" pitchFamily="18" charset="0"/>
+              </a:rPr>
+              <a:t>);</a:t>
+            </a:r>
+          </a:p>
+          <a:p>
+            <a:pPr marL="0" marR="0" indent="0">
+              <a:lnSpc>
+                <a:spcPct val="107000"/>
+              </a:lnSpc>
+              <a:spcBef>
+                <a:spcPts val="0"/>
+              </a:spcBef>
+              <a:spcAft>
+                <a:spcPts val="0"/>
+              </a:spcAft>
+              <a:buNone/>
+            </a:pPr>
+            <a:r>
+              <a:rPr lang="en-US" dirty="0" err="1">
+                <a:effectLst/>
+                <a:latin typeface="Calibri" panose="020F0502020204030204" pitchFamily="34" charset="0"/>
+                <a:ea typeface="Calibri" panose="020F0502020204030204" pitchFamily="34" charset="0"/>
+                <a:cs typeface="Times New Roman" panose="02020603050405020304" pitchFamily="18" charset="0"/>
+              </a:rPr>
+              <a:t>write_window</a:t>
+            </a:r>
+            <a:r>
+              <a:rPr lang="en-US" dirty="0">
+                <a:effectLst/>
+                <a:latin typeface="Calibri" panose="020F0502020204030204" pitchFamily="34" charset="0"/>
+                <a:ea typeface="Calibri" panose="020F0502020204030204" pitchFamily="34" charset="0"/>
+                <a:cs typeface="Times New Roman" panose="02020603050405020304" pitchFamily="18" charset="0"/>
+              </a:rPr>
+              <a:t>(</a:t>
+            </a:r>
+            <a:r>
+              <a:rPr lang="en-US" dirty="0" err="1">
+                <a:effectLst/>
+                <a:latin typeface="Calibri" panose="020F0502020204030204" pitchFamily="34" charset="0"/>
+                <a:ea typeface="Calibri" panose="020F0502020204030204" pitchFamily="34" charset="0"/>
+                <a:cs typeface="Times New Roman" panose="02020603050405020304" pitchFamily="18" charset="0"/>
+              </a:rPr>
+              <a:t>logwin</a:t>
+            </a:r>
+            <a:r>
+              <a:rPr lang="en-US" dirty="0">
+                <a:effectLst/>
+                <a:latin typeface="Calibri" panose="020F0502020204030204" pitchFamily="34" charset="0"/>
+                <a:ea typeface="Calibri" panose="020F0502020204030204" pitchFamily="34" charset="0"/>
+                <a:cs typeface="Times New Roman" panose="02020603050405020304" pitchFamily="18" charset="0"/>
+              </a:rPr>
+              <a:t>, </a:t>
+            </a:r>
+            <a:r>
+              <a:rPr lang="en-US" dirty="0">
+                <a:solidFill>
+                  <a:srgbClr val="00B050"/>
+                </a:solidFill>
+                <a:effectLst/>
+                <a:latin typeface="Calibri" panose="020F0502020204030204" pitchFamily="34" charset="0"/>
+                <a:ea typeface="Calibri" panose="020F0502020204030204" pitchFamily="34" charset="0"/>
+                <a:cs typeface="Times New Roman" panose="02020603050405020304" pitchFamily="18" charset="0"/>
+              </a:rPr>
+              <a:t>" calling dump\n"</a:t>
+            </a:r>
+            <a:r>
+              <a:rPr lang="en-US" dirty="0">
+                <a:effectLst/>
+                <a:latin typeface="Calibri" panose="020F0502020204030204" pitchFamily="34" charset="0"/>
+                <a:ea typeface="Calibri" panose="020F0502020204030204" pitchFamily="34" charset="0"/>
+                <a:cs typeface="Times New Roman" panose="02020603050405020304" pitchFamily="18" charset="0"/>
+              </a:rPr>
+              <a:t> );</a:t>
+            </a:r>
+          </a:p>
+          <a:p>
+            <a:pPr marL="0" marR="0" indent="0">
+              <a:lnSpc>
+                <a:spcPct val="107000"/>
+              </a:lnSpc>
+              <a:spcBef>
+                <a:spcPts val="0"/>
+              </a:spcBef>
+              <a:spcAft>
+                <a:spcPts val="0"/>
+              </a:spcAft>
+              <a:buNone/>
+            </a:pPr>
+            <a:r>
+              <a:rPr lang="en-US" dirty="0" err="1">
+                <a:effectLst/>
+                <a:latin typeface="Calibri" panose="020F0502020204030204" pitchFamily="34" charset="0"/>
+                <a:ea typeface="Calibri" panose="020F0502020204030204" pitchFamily="34" charset="0"/>
+                <a:cs typeface="Times New Roman" panose="02020603050405020304" pitchFamily="18" charset="0"/>
+              </a:rPr>
+              <a:t>superuser.dump</a:t>
+            </a:r>
+            <a:r>
+              <a:rPr lang="en-US" dirty="0">
+                <a:effectLst/>
+                <a:latin typeface="Calibri" panose="020F0502020204030204" pitchFamily="34" charset="0"/>
+                <a:ea typeface="Calibri" panose="020F0502020204030204" pitchFamily="34" charset="0"/>
+                <a:cs typeface="Times New Roman" panose="02020603050405020304" pitchFamily="18" charset="0"/>
+              </a:rPr>
+              <a:t>(</a:t>
+            </a:r>
+            <a:r>
+              <a:rPr lang="en-US" dirty="0" err="1">
+                <a:effectLst/>
+                <a:latin typeface="Calibri" panose="020F0502020204030204" pitchFamily="34" charset="0"/>
+                <a:ea typeface="Calibri" panose="020F0502020204030204" pitchFamily="34" charset="0"/>
+                <a:cs typeface="Times New Roman" panose="02020603050405020304" pitchFamily="18" charset="0"/>
+              </a:rPr>
+              <a:t>memwin</a:t>
+            </a:r>
+            <a:r>
+              <a:rPr lang="en-US" dirty="0">
+                <a:effectLst/>
+                <a:latin typeface="Calibri" panose="020F0502020204030204" pitchFamily="34" charset="0"/>
+                <a:ea typeface="Calibri" panose="020F0502020204030204" pitchFamily="34" charset="0"/>
+                <a:cs typeface="Times New Roman" panose="02020603050405020304" pitchFamily="18" charset="0"/>
+              </a:rPr>
+              <a:t>);</a:t>
+            </a:r>
+          </a:p>
+        </p:txBody>
+      </p:sp>
+    </p:spTree>
+    <p:extLst>
+      <p:ext uri="{BB962C8B-B14F-4D97-AF65-F5344CB8AC3E}">
+        <p14:creationId xmlns:p14="http://schemas.microsoft.com/office/powerpoint/2010/main" val="363588586"/>
       </p:ext>
     </p:extLst>
   </p:cSld>
@@ -7190,6 +13120,122 @@
           <a:bodyPr/>
           <a:lstStyle/>
           <a:p>
+            <a:pPr marL="36900" indent="0" algn="ctr">
+              <a:buNone/>
+            </a:pPr>
+            <a:endParaRPr lang="en-US" dirty="0"/>
+          </a:p>
+          <a:p>
+            <a:pPr marL="36900" indent="0" algn="ctr">
+              <a:buNone/>
+            </a:pPr>
+            <a:endParaRPr lang="en-US" dirty="0"/>
+          </a:p>
+          <a:p>
+            <a:pPr marL="36900" indent="0" algn="ctr">
+              <a:buNone/>
+            </a:pPr>
+            <a:r>
+              <a:rPr lang="en-US" dirty="0" err="1"/>
+              <a:t>Ncurses</a:t>
+            </a:r>
+            <a:r>
+              <a:rPr lang="en-US" dirty="0"/>
+              <a:t> – </a:t>
+            </a:r>
+            <a:r>
+              <a:rPr lang="en-US" dirty="0" err="1"/>
+              <a:t>Pthreads</a:t>
+            </a:r>
+            <a:r>
+              <a:rPr lang="en-US" dirty="0"/>
+              <a:t> </a:t>
+            </a:r>
+          </a:p>
+          <a:p>
+            <a:pPr marL="36900" indent="0" algn="ctr">
+              <a:buNone/>
+            </a:pPr>
+            <a:r>
+              <a:rPr lang="en-US" dirty="0"/>
+              <a:t>Queue Template</a:t>
+            </a:r>
+          </a:p>
+          <a:p>
+            <a:pPr marL="36900" indent="0" algn="ctr">
+              <a:buNone/>
+            </a:pPr>
+            <a:r>
+              <a:rPr lang="en-US" dirty="0" err="1"/>
+              <a:t>Sheduler</a:t>
+            </a:r>
+            <a:r>
+              <a:rPr lang="en-US" dirty="0"/>
+              <a:t> – Window </a:t>
+            </a:r>
+          </a:p>
+          <a:p>
+            <a:pPr marL="36900" indent="0" algn="ctr">
+              <a:buNone/>
+            </a:pPr>
+            <a:r>
+              <a:rPr lang="en-US" dirty="0"/>
+              <a:t>Semaphores</a:t>
+            </a:r>
+          </a:p>
+          <a:p>
+            <a:pPr marL="36900" indent="0" algn="ctr">
+              <a:buNone/>
+            </a:pPr>
+            <a:r>
+              <a:rPr lang="en-US" dirty="0"/>
+              <a:t>IPC – Memory Management – File system</a:t>
+            </a:r>
+          </a:p>
+        </p:txBody>
+      </p:sp>
+      <p:sp>
+        <p:nvSpPr>
+          <p:cNvPr id="4" name="Arrow: Down 3">
+            <a:extLst>
+              <a:ext uri="{FF2B5EF4-FFF2-40B4-BE49-F238E27FC236}">
+                <a16:creationId xmlns:a16="http://schemas.microsoft.com/office/drawing/2014/main" id="{A44451E7-4F11-4D32-9C1F-BDD9A31142B8}"/>
+              </a:ext>
+            </a:extLst>
+          </p:cNvPr>
+          <p:cNvSpPr/>
+          <p:nvPr/>
+        </p:nvSpPr>
+        <p:spPr>
+          <a:xfrm>
+            <a:off x="2988297" y="3110846"/>
+            <a:ext cx="484632" cy="978408"/>
+          </a:xfrm>
+          <a:prstGeom prst="downArrow">
+            <a:avLst/>
+          </a:prstGeom>
+        </p:spPr>
+        <p:style>
+          <a:lnRef idx="2">
+            <a:schemeClr val="accent1">
+              <a:shade val="50000"/>
+            </a:schemeClr>
+          </a:lnRef>
+          <a:fillRef idx="1">
+            <a:schemeClr val="accent1"/>
+          </a:fillRef>
+          <a:effectRef idx="0">
+            <a:schemeClr val="accent1"/>
+          </a:effectRef>
+          <a:fontRef idx="minor">
+            <a:schemeClr val="lt1"/>
+          </a:fontRef>
+        </p:style>
+        <p:txBody>
+          <a:bodyPr rtlCol="0" anchor="ctr"/>
+          <a:lstStyle/>
+          <a:p>
+            <a:pPr algn="ctr"/>
             <a:endParaRPr lang="en-US"/>
           </a:p>
         </p:txBody>

--- a/phase5 presentation.pptx
+++ b/phase5 presentation.pptx
@@ -19,16 +19,22 @@
     <p:sldId id="267" r:id="rId13"/>
     <p:sldId id="270" r:id="rId14"/>
     <p:sldId id="277" r:id="rId15"/>
-    <p:sldId id="269" r:id="rId16"/>
-    <p:sldId id="272" r:id="rId17"/>
-    <p:sldId id="278" r:id="rId18"/>
-    <p:sldId id="271" r:id="rId19"/>
-    <p:sldId id="279" r:id="rId20"/>
-    <p:sldId id="274" r:id="rId21"/>
-    <p:sldId id="268" r:id="rId22"/>
-    <p:sldId id="280" r:id="rId23"/>
-    <p:sldId id="275" r:id="rId24"/>
-    <p:sldId id="276" r:id="rId25"/>
+    <p:sldId id="288" r:id="rId16"/>
+    <p:sldId id="286" r:id="rId17"/>
+    <p:sldId id="269" r:id="rId18"/>
+    <p:sldId id="272" r:id="rId19"/>
+    <p:sldId id="278" r:id="rId20"/>
+    <p:sldId id="271" r:id="rId21"/>
+    <p:sldId id="274" r:id="rId22"/>
+    <p:sldId id="285" r:id="rId23"/>
+    <p:sldId id="279" r:id="rId24"/>
+    <p:sldId id="283" r:id="rId25"/>
+    <p:sldId id="282" r:id="rId26"/>
+    <p:sldId id="287" r:id="rId27"/>
+    <p:sldId id="268" r:id="rId28"/>
+    <p:sldId id="280" r:id="rId29"/>
+    <p:sldId id="275" r:id="rId30"/>
+    <p:sldId id="276" r:id="rId31"/>
   </p:sldIdLst>
   <p:sldSz cx="12192000" cy="6858000"/>
   <p:notesSz cx="6858000" cy="9144000"/>
@@ -6373,7 +6379,7 @@
           <p:cNvPr id="2" name="Title 1">
             <a:extLst>
               <a:ext uri="{FF2B5EF4-FFF2-40B4-BE49-F238E27FC236}">
-                <a16:creationId xmlns:a16="http://schemas.microsoft.com/office/drawing/2014/main" id="{E2A8081D-2CAF-46E4-B965-6B5F7E5CC7FD}"/>
+                <a16:creationId xmlns:a16="http://schemas.microsoft.com/office/drawing/2014/main" xmlns="" id="{E2A8081D-2CAF-46E4-B965-6B5F7E5CC7FD}"/>
               </a:ext>
             </a:extLst>
           </p:cNvPr>
@@ -6401,7 +6407,7 @@
           <p:cNvPr id="3" name="Subtitle 2">
             <a:extLst>
               <a:ext uri="{FF2B5EF4-FFF2-40B4-BE49-F238E27FC236}">
-                <a16:creationId xmlns:a16="http://schemas.microsoft.com/office/drawing/2014/main" id="{DFA41350-0342-4932-9094-08FBE8C2F19B}"/>
+                <a16:creationId xmlns:a16="http://schemas.microsoft.com/office/drawing/2014/main" xmlns="" id="{DFA41350-0342-4932-9094-08FBE8C2F19B}"/>
               </a:ext>
             </a:extLst>
           </p:cNvPr>
@@ -6439,6 +6445,13 @@
   <p:clrMapOvr>
     <a:masterClrMapping/>
   </p:clrMapOvr>
+  <p:timing>
+    <p:tnLst>
+      <p:par>
+        <p:cTn id="1" dur="indefinite" restart="never" nodeType="tmRoot"/>
+      </p:par>
+    </p:tnLst>
+  </p:timing>
 </p:sld>
 </file>
 
@@ -6464,7 +6477,7 @@
           <p:cNvPr id="2" name="Title 1">
             <a:extLst>
               <a:ext uri="{FF2B5EF4-FFF2-40B4-BE49-F238E27FC236}">
-                <a16:creationId xmlns:a16="http://schemas.microsoft.com/office/drawing/2014/main" id="{EEC3A33A-C1DC-4822-8EA2-37B04387D42E}"/>
+                <a16:creationId xmlns:a16="http://schemas.microsoft.com/office/drawing/2014/main" xmlns="" id="{EEC3A33A-C1DC-4822-8EA2-37B04387D42E}"/>
               </a:ext>
             </a:extLst>
           </p:cNvPr>
@@ -6492,7 +6505,7 @@
           <p:cNvPr id="3" name="Content Placeholder 2">
             <a:extLst>
               <a:ext uri="{FF2B5EF4-FFF2-40B4-BE49-F238E27FC236}">
-                <a16:creationId xmlns:a16="http://schemas.microsoft.com/office/drawing/2014/main" id="{9E5BE228-4595-4115-9F53-051C7DC21420}"/>
+                <a16:creationId xmlns:a16="http://schemas.microsoft.com/office/drawing/2014/main" xmlns="" id="{9E5BE228-4595-4115-9F53-051C7DC21420}"/>
               </a:ext>
             </a:extLst>
           </p:cNvPr>
@@ -6522,6 +6535,13 @@
   <p:clrMapOvr>
     <a:masterClrMapping/>
   </p:clrMapOvr>
+  <p:timing>
+    <p:tnLst>
+      <p:par>
+        <p:cTn id="1" dur="indefinite" restart="never" nodeType="tmRoot"/>
+      </p:par>
+    </p:tnLst>
+  </p:timing>
 </p:sld>
 </file>
 
@@ -6547,7 +6567,7 @@
           <p:cNvPr id="2" name="Title 1">
             <a:extLst>
               <a:ext uri="{FF2B5EF4-FFF2-40B4-BE49-F238E27FC236}">
-                <a16:creationId xmlns:a16="http://schemas.microsoft.com/office/drawing/2014/main" id="{CC8CC068-54B0-48EE-B6A2-13F13A526FD6}"/>
+                <a16:creationId xmlns:a16="http://schemas.microsoft.com/office/drawing/2014/main" xmlns="" id="{CC8CC068-54B0-48EE-B6A2-13F13A526FD6}"/>
               </a:ext>
             </a:extLst>
           </p:cNvPr>
@@ -6575,7 +6595,7 @@
           <p:cNvPr id="3" name="Content Placeholder 2">
             <a:extLst>
               <a:ext uri="{FF2B5EF4-FFF2-40B4-BE49-F238E27FC236}">
-                <a16:creationId xmlns:a16="http://schemas.microsoft.com/office/drawing/2014/main" id="{A7305512-004B-4275-AF40-1E36FE9B8DB3}"/>
+                <a16:creationId xmlns:a16="http://schemas.microsoft.com/office/drawing/2014/main" xmlns="" id="{A7305512-004B-4275-AF40-1E36FE9B8DB3}"/>
               </a:ext>
             </a:extLst>
           </p:cNvPr>
@@ -6627,6 +6647,13 @@
   <p:clrMapOvr>
     <a:masterClrMapping/>
   </p:clrMapOvr>
+  <p:timing>
+    <p:tnLst>
+      <p:par>
+        <p:cTn id="1" dur="indefinite" restart="never" nodeType="tmRoot"/>
+      </p:par>
+    </p:tnLst>
+  </p:timing>
 </p:sld>
 </file>
 
@@ -6652,7 +6679,7 @@
           <p:cNvPr id="2" name="Title 1">
             <a:extLst>
               <a:ext uri="{FF2B5EF4-FFF2-40B4-BE49-F238E27FC236}">
-                <a16:creationId xmlns:a16="http://schemas.microsoft.com/office/drawing/2014/main" id="{448EEB96-B1FC-463C-B636-47FC6BC051EA}"/>
+                <a16:creationId xmlns:a16="http://schemas.microsoft.com/office/drawing/2014/main" xmlns="" id="{448EEB96-B1FC-463C-B636-47FC6BC051EA}"/>
               </a:ext>
             </a:extLst>
           </p:cNvPr>
@@ -6680,7 +6707,7 @@
           <p:cNvPr id="3" name="Content Placeholder 2">
             <a:extLst>
               <a:ext uri="{FF2B5EF4-FFF2-40B4-BE49-F238E27FC236}">
-                <a16:creationId xmlns:a16="http://schemas.microsoft.com/office/drawing/2014/main" id="{5C61AD28-8B1E-4254-9578-B4DD8120637A}"/>
+                <a16:creationId xmlns:a16="http://schemas.microsoft.com/office/drawing/2014/main" xmlns="" id="{5C61AD28-8B1E-4254-9578-B4DD8120637A}"/>
               </a:ext>
             </a:extLst>
           </p:cNvPr>
@@ -6737,6 +6764,13 @@
   <p:clrMapOvr>
     <a:masterClrMapping/>
   </p:clrMapOvr>
+  <p:timing>
+    <p:tnLst>
+      <p:par>
+        <p:cTn id="1" dur="indefinite" restart="never" nodeType="tmRoot"/>
+      </p:par>
+    </p:tnLst>
+  </p:timing>
 </p:sld>
 </file>
 
@@ -6762,7 +6796,7 @@
           <p:cNvPr id="2" name="Title 1">
             <a:extLst>
               <a:ext uri="{FF2B5EF4-FFF2-40B4-BE49-F238E27FC236}">
-                <a16:creationId xmlns:a16="http://schemas.microsoft.com/office/drawing/2014/main" id="{C4CF4CAB-16EB-49D0-9F54-5CC5C285D1CD}"/>
+                <a16:creationId xmlns:a16="http://schemas.microsoft.com/office/drawing/2014/main" xmlns="" id="{C4CF4CAB-16EB-49D0-9F54-5CC5C285D1CD}"/>
               </a:ext>
             </a:extLst>
           </p:cNvPr>
@@ -6790,7 +6824,7 @@
           <p:cNvPr id="3" name="Content Placeholder 2">
             <a:extLst>
               <a:ext uri="{FF2B5EF4-FFF2-40B4-BE49-F238E27FC236}">
-                <a16:creationId xmlns:a16="http://schemas.microsoft.com/office/drawing/2014/main" id="{9EA6B119-4B68-46D4-9943-433CF048F9A8}"/>
+                <a16:creationId xmlns:a16="http://schemas.microsoft.com/office/drawing/2014/main" xmlns="" id="{9EA6B119-4B68-46D4-9943-433CF048F9A8}"/>
               </a:ext>
             </a:extLst>
           </p:cNvPr>
@@ -6835,6 +6869,13 @@
   <p:clrMapOvr>
     <a:masterClrMapping/>
   </p:clrMapOvr>
+  <p:timing>
+    <p:tnLst>
+      <p:par>
+        <p:cTn id="1" dur="indefinite" restart="never" nodeType="tmRoot"/>
+      </p:par>
+    </p:tnLst>
+  </p:timing>
 </p:sld>
 </file>
 
@@ -6860,7 +6901,7 @@
           <p:cNvPr id="2" name="Title 1">
             <a:extLst>
               <a:ext uri="{FF2B5EF4-FFF2-40B4-BE49-F238E27FC236}">
-                <a16:creationId xmlns:a16="http://schemas.microsoft.com/office/drawing/2014/main" id="{85AB88F2-5E64-4E2F-8DAE-5A1B1E5CC41E}"/>
+                <a16:creationId xmlns:a16="http://schemas.microsoft.com/office/drawing/2014/main" xmlns="" id="{85AB88F2-5E64-4E2F-8DAE-5A1B1E5CC41E}"/>
               </a:ext>
             </a:extLst>
           </p:cNvPr>
@@ -6880,31 +6921,35 @@
           </a:p>
         </p:txBody>
       </p:sp>
-      <p:sp>
-        <p:nvSpPr>
-          <p:cNvPr id="3" name="Content Placeholder 2">
+      <p:pic>
+        <p:nvPicPr>
+          <p:cNvPr id="4" name="Content Placeholder 3"/>
+          <p:cNvPicPr>
+            <a:picLocks noGrp="1" noChangeAspect="1"/>
+          </p:cNvPicPr>
+          <p:nvPr>
+            <p:ph idx="1"/>
+          </p:nvPr>
+        </p:nvPicPr>
+        <p:blipFill>
+          <a:blip r:embed="rId2">
             <a:extLst>
-              <a:ext uri="{FF2B5EF4-FFF2-40B4-BE49-F238E27FC236}">
-                <a16:creationId xmlns:a16="http://schemas.microsoft.com/office/drawing/2014/main" id="{1AA6FC73-4EDD-477A-8E6D-9AA4023F6D70}"/>
+              <a:ext uri="{28A0092B-C50C-407E-A947-70E740481C1C}">
+                <a14:useLocalDpi xmlns:a14="http://schemas.microsoft.com/office/drawing/2010/main" val="0"/>
               </a:ext>
             </a:extLst>
-          </p:cNvPr>
-          <p:cNvSpPr>
-            <a:spLocks noGrp="1"/>
-          </p:cNvSpPr>
-          <p:nvPr>
-            <p:ph idx="1"/>
-          </p:nvPr>
-        </p:nvSpPr>
-        <p:spPr/>
-        <p:txBody>
-          <a:bodyPr/>
-          <a:lstStyle/>
-          <a:p>
-            <a:endParaRPr lang="en-US"/>
-          </a:p>
-        </p:txBody>
-      </p:sp>
+          </a:blip>
+          <a:stretch>
+            <a:fillRect/>
+          </a:stretch>
+        </p:blipFill>
+        <p:spPr>
+          <a:xfrm>
+            <a:off x="38854" y="968188"/>
+            <a:ext cx="12130609" cy="4823013"/>
+          </a:xfrm>
+        </p:spPr>
+      </p:pic>
     </p:spTree>
     <p:extLst>
       <p:ext uri="{BB962C8B-B14F-4D97-AF65-F5344CB8AC3E}">
@@ -6915,6 +6960,13 @@
   <p:clrMapOvr>
     <a:masterClrMapping/>
   </p:clrMapOvr>
+  <p:timing>
+    <p:tnLst>
+      <p:par>
+        <p:cTn id="1" dur="indefinite" restart="never" nodeType="tmRoot"/>
+      </p:par>
+    </p:tnLst>
+  </p:timing>
 </p:sld>
 </file>
 
@@ -6937,94 +6989,56 @@
       </p:grpSpPr>
       <p:sp>
         <p:nvSpPr>
-          <p:cNvPr id="2" name="Title 1">
+          <p:cNvPr id="2" name="Title 1"/>
+          <p:cNvSpPr>
+            <a:spLocks noGrp="1"/>
+          </p:cNvSpPr>
+          <p:nvPr>
+            <p:ph type="title"/>
+          </p:nvPr>
+        </p:nvSpPr>
+        <p:spPr/>
+        <p:txBody>
+          <a:bodyPr/>
+          <a:lstStyle/>
+          <a:p>
+            <a:endParaRPr lang="en-US"/>
+          </a:p>
+        </p:txBody>
+      </p:sp>
+      <p:pic>
+        <p:nvPicPr>
+          <p:cNvPr id="4" name="Content Placeholder 3"/>
+          <p:cNvPicPr>
+            <a:picLocks noGrp="1" noChangeAspect="1"/>
+          </p:cNvPicPr>
+          <p:nvPr>
+            <p:ph idx="1"/>
+          </p:nvPr>
+        </p:nvPicPr>
+        <p:blipFill>
+          <a:blip r:embed="rId2">
             <a:extLst>
-              <a:ext uri="{FF2B5EF4-FFF2-40B4-BE49-F238E27FC236}">
-                <a16:creationId xmlns:a16="http://schemas.microsoft.com/office/drawing/2014/main" id="{9030DCCA-D7B7-459C-9EEE-9E5C4D5C0537}"/>
+              <a:ext uri="{28A0092B-C50C-407E-A947-70E740481C1C}">
+                <a14:useLocalDpi xmlns:a14="http://schemas.microsoft.com/office/drawing/2010/main" val="0"/>
               </a:ext>
             </a:extLst>
-          </p:cNvPr>
-          <p:cNvSpPr>
-            <a:spLocks noGrp="1"/>
-          </p:cNvSpPr>
-          <p:nvPr>
-            <p:ph type="title"/>
-          </p:nvPr>
-        </p:nvSpPr>
-        <p:spPr/>
-        <p:txBody>
-          <a:bodyPr/>
-          <a:lstStyle/>
-          <a:p>
-            <a:r>
-              <a:rPr lang="en-US" dirty="0"/>
-              <a:t>Phase 2 Testcase ‘z’</a:t>
-            </a:r>
-          </a:p>
-        </p:txBody>
-      </p:sp>
-      <p:sp>
-        <p:nvSpPr>
-          <p:cNvPr id="3" name="Content Placeholder 2">
-            <a:extLst>
-              <a:ext uri="{FF2B5EF4-FFF2-40B4-BE49-F238E27FC236}">
-                <a16:creationId xmlns:a16="http://schemas.microsoft.com/office/drawing/2014/main" id="{752914AE-3684-44EF-A731-DFA772CE8E3F}"/>
-              </a:ext>
-            </a:extLst>
-          </p:cNvPr>
-          <p:cNvSpPr>
-            <a:spLocks noGrp="1"/>
-          </p:cNvSpPr>
-          <p:nvPr>
-            <p:ph idx="1"/>
-          </p:nvPr>
-        </p:nvSpPr>
-        <p:spPr/>
-        <p:txBody>
-          <a:bodyPr/>
-          <a:lstStyle/>
-          <a:p>
-            <a:r>
-              <a:rPr lang="en-US" dirty="0"/>
-              <a:t>Print messages in task1 box</a:t>
-            </a:r>
-          </a:p>
-          <a:p>
-            <a:r>
-              <a:rPr lang="en-US" dirty="0"/>
-              <a:t>Print # of messages in task1 box</a:t>
-            </a:r>
-          </a:p>
-          <a:p>
-            <a:r>
-              <a:rPr lang="en-US" dirty="0"/>
-              <a:t>Print # of messages in all boxes</a:t>
-            </a:r>
-          </a:p>
-          <a:p>
-            <a:r>
-              <a:rPr lang="en-US" dirty="0"/>
-              <a:t>Delete messages in task1 box</a:t>
-            </a:r>
-          </a:p>
-          <a:p>
-            <a:r>
-              <a:rPr lang="en-US" dirty="0"/>
-              <a:t>Print # of messages in task1 box</a:t>
-            </a:r>
-          </a:p>
-          <a:p>
-            <a:r>
-              <a:rPr lang="en-US" dirty="0"/>
-              <a:t>Print # of messages in all boxes</a:t>
-            </a:r>
-          </a:p>
-        </p:txBody>
-      </p:sp>
+          </a:blip>
+          <a:stretch>
+            <a:fillRect/>
+          </a:stretch>
+        </p:blipFill>
+        <p:spPr>
+          <a:xfrm>
+            <a:off x="0" y="537883"/>
+            <a:ext cx="12216278" cy="5836023"/>
+          </a:xfrm>
+        </p:spPr>
+      </p:pic>
     </p:spTree>
     <p:extLst>
       <p:ext uri="{BB962C8B-B14F-4D97-AF65-F5344CB8AC3E}">
-        <p14:creationId xmlns:p14="http://schemas.microsoft.com/office/powerpoint/2010/main" val="4021644420"/>
+        <p14:creationId xmlns:p14="http://schemas.microsoft.com/office/powerpoint/2010/main" val="493611517"/>
       </p:ext>
     </p:extLst>
   </p:cSld>
@@ -7053,756 +7067,69 @@
       </p:grpSpPr>
       <p:sp>
         <p:nvSpPr>
-          <p:cNvPr id="2" name="Title 1">
+          <p:cNvPr id="2" name="Title 1"/>
+          <p:cNvSpPr>
+            <a:spLocks noGrp="1"/>
+          </p:cNvSpPr>
+          <p:nvPr>
+            <p:ph type="title"/>
+          </p:nvPr>
+        </p:nvSpPr>
+        <p:spPr/>
+        <p:txBody>
+          <a:bodyPr/>
+          <a:lstStyle/>
+          <a:p>
+            <a:endParaRPr lang="en-US"/>
+          </a:p>
+        </p:txBody>
+      </p:sp>
+      <p:pic>
+        <p:nvPicPr>
+          <p:cNvPr id="4" name="Content Placeholder 3"/>
+          <p:cNvPicPr>
+            <a:picLocks noGrp="1" noChangeAspect="1"/>
+          </p:cNvPicPr>
+          <p:nvPr>
+            <p:ph idx="1"/>
+          </p:nvPr>
+        </p:nvPicPr>
+        <p:blipFill>
+          <a:blip r:embed="rId2">
             <a:extLst>
-              <a:ext uri="{FF2B5EF4-FFF2-40B4-BE49-F238E27FC236}">
-                <a16:creationId xmlns:a16="http://schemas.microsoft.com/office/drawing/2014/main" id="{9030DCCA-D7B7-459C-9EEE-9E5C4D5C0537}"/>
+              <a:ext uri="{28A0092B-C50C-407E-A947-70E740481C1C}">
+                <a14:useLocalDpi xmlns:a14="http://schemas.microsoft.com/office/drawing/2010/main" val="0"/>
               </a:ext>
             </a:extLst>
-          </p:cNvPr>
-          <p:cNvSpPr>
-            <a:spLocks noGrp="1"/>
-          </p:cNvSpPr>
-          <p:nvPr>
-            <p:ph type="title"/>
-          </p:nvPr>
-        </p:nvSpPr>
-        <p:spPr/>
-        <p:txBody>
-          <a:bodyPr/>
-          <a:lstStyle/>
-          <a:p>
-            <a:r>
-              <a:rPr lang="en-US" dirty="0"/>
-              <a:t>Phase 2 Testcase ‘z’</a:t>
-            </a:r>
-          </a:p>
-        </p:txBody>
-      </p:sp>
-      <p:sp>
-        <p:nvSpPr>
-          <p:cNvPr id="3" name="Content Placeholder 2">
-            <a:extLst>
-              <a:ext uri="{FF2B5EF4-FFF2-40B4-BE49-F238E27FC236}">
-                <a16:creationId xmlns:a16="http://schemas.microsoft.com/office/drawing/2014/main" id="{752914AE-3684-44EF-A731-DFA772CE8E3F}"/>
-              </a:ext>
-            </a:extLst>
-          </p:cNvPr>
-          <p:cNvSpPr>
-            <a:spLocks noGrp="1"/>
-          </p:cNvSpPr>
-          <p:nvPr>
-            <p:ph idx="1"/>
-          </p:nvPr>
-        </p:nvSpPr>
-        <p:spPr/>
-        <p:txBody>
-          <a:bodyPr>
-            <a:normAutofit/>
-          </a:bodyPr>
-          <a:lstStyle/>
-          <a:p>
-            <a:pPr marL="0" marR="0" indent="0">
-              <a:lnSpc>
-                <a:spcPct val="107000"/>
-              </a:lnSpc>
-              <a:spcBef>
-                <a:spcPts val="0"/>
-              </a:spcBef>
-              <a:spcAft>
-                <a:spcPts val="0"/>
-              </a:spcAft>
-              <a:buNone/>
-            </a:pPr>
-            <a:r>
-              <a:rPr lang="en-US" dirty="0" err="1">
-                <a:effectLst/>
-                <a:latin typeface="Calibri" panose="020F0502020204030204" pitchFamily="34" charset="0"/>
-                <a:ea typeface="Calibri" panose="020F0502020204030204" pitchFamily="34" charset="0"/>
-                <a:cs typeface="Times New Roman" panose="02020603050405020304" pitchFamily="18" charset="0"/>
-              </a:rPr>
-              <a:t>IPC.Message_Print</a:t>
-            </a:r>
-            <a:r>
-              <a:rPr lang="en-US" dirty="0">
-                <a:effectLst/>
-                <a:latin typeface="Calibri" panose="020F0502020204030204" pitchFamily="34" charset="0"/>
-                <a:ea typeface="Calibri" panose="020F0502020204030204" pitchFamily="34" charset="0"/>
-                <a:cs typeface="Times New Roman" panose="02020603050405020304" pitchFamily="18" charset="0"/>
-              </a:rPr>
-              <a:t>(1, </a:t>
-            </a:r>
-            <a:r>
-              <a:rPr lang="en-US" dirty="0" err="1">
-                <a:effectLst/>
-                <a:latin typeface="Calibri" panose="020F0502020204030204" pitchFamily="34" charset="0"/>
-                <a:ea typeface="Calibri" panose="020F0502020204030204" pitchFamily="34" charset="0"/>
-                <a:cs typeface="Times New Roman" panose="02020603050405020304" pitchFamily="18" charset="0"/>
-              </a:rPr>
-              <a:t>messwin</a:t>
-            </a:r>
-            <a:r>
-              <a:rPr lang="en-US" dirty="0">
-                <a:effectLst/>
-                <a:latin typeface="Calibri" panose="020F0502020204030204" pitchFamily="34" charset="0"/>
-                <a:ea typeface="Calibri" panose="020F0502020204030204" pitchFamily="34" charset="0"/>
-                <a:cs typeface="Times New Roman" panose="02020603050405020304" pitchFamily="18" charset="0"/>
-              </a:rPr>
-              <a:t>); </a:t>
-            </a:r>
-            <a:r>
-              <a:rPr lang="en-US" i="1" dirty="0">
-                <a:effectLst/>
-                <a:latin typeface="Calibri" panose="020F0502020204030204" pitchFamily="34" charset="0"/>
-                <a:ea typeface="Calibri" panose="020F0502020204030204" pitchFamily="34" charset="0"/>
-                <a:cs typeface="Times New Roman" panose="02020603050405020304" pitchFamily="18" charset="0"/>
-              </a:rPr>
-              <a:t>// print messages</a:t>
-            </a:r>
-            <a:endParaRPr lang="en-US" dirty="0">
-              <a:effectLst/>
-              <a:latin typeface="Calibri" panose="020F0502020204030204" pitchFamily="34" charset="0"/>
-              <a:ea typeface="Calibri" panose="020F0502020204030204" pitchFamily="34" charset="0"/>
-              <a:cs typeface="Times New Roman" panose="02020603050405020304" pitchFamily="18" charset="0"/>
-            </a:endParaRPr>
-          </a:p>
-          <a:p>
-            <a:pPr marL="0" marR="0" indent="0">
-              <a:lnSpc>
-                <a:spcPct val="107000"/>
-              </a:lnSpc>
-              <a:spcBef>
-                <a:spcPts val="0"/>
-              </a:spcBef>
-              <a:spcAft>
-                <a:spcPts val="0"/>
-              </a:spcAft>
-              <a:buNone/>
-            </a:pPr>
-            <a:r>
-              <a:rPr lang="en-US" dirty="0" err="1">
-                <a:effectLst/>
-                <a:latin typeface="Calibri" panose="020F0502020204030204" pitchFamily="34" charset="0"/>
-                <a:ea typeface="Calibri" panose="020F0502020204030204" pitchFamily="34" charset="0"/>
-                <a:cs typeface="Times New Roman" panose="02020603050405020304" pitchFamily="18" charset="0"/>
-              </a:rPr>
-              <a:t>sprintf</a:t>
-            </a:r>
-            <a:r>
-              <a:rPr lang="en-US" dirty="0">
-                <a:effectLst/>
-                <a:latin typeface="Calibri" panose="020F0502020204030204" pitchFamily="34" charset="0"/>
-                <a:ea typeface="Calibri" panose="020F0502020204030204" pitchFamily="34" charset="0"/>
-                <a:cs typeface="Times New Roman" panose="02020603050405020304" pitchFamily="18" charset="0"/>
-              </a:rPr>
-              <a:t>(buff, </a:t>
-            </a:r>
-            <a:r>
-              <a:rPr lang="en-US" dirty="0">
-                <a:solidFill>
-                  <a:srgbClr val="00B050"/>
-                </a:solidFill>
-                <a:effectLst/>
-                <a:latin typeface="Calibri" panose="020F0502020204030204" pitchFamily="34" charset="0"/>
-                <a:ea typeface="Calibri" panose="020F0502020204030204" pitchFamily="34" charset="0"/>
-                <a:cs typeface="Times New Roman" panose="02020603050405020304" pitchFamily="18" charset="0"/>
-              </a:rPr>
-              <a:t>" # of messages in task1 box = %d \n" </a:t>
-            </a:r>
-            <a:r>
-              <a:rPr lang="en-US" dirty="0">
-                <a:effectLst/>
-                <a:latin typeface="Calibri" panose="020F0502020204030204" pitchFamily="34" charset="0"/>
-                <a:ea typeface="Calibri" panose="020F0502020204030204" pitchFamily="34" charset="0"/>
-                <a:cs typeface="Times New Roman" panose="02020603050405020304" pitchFamily="18" charset="0"/>
-              </a:rPr>
-              <a:t>, </a:t>
-            </a:r>
-            <a:r>
-              <a:rPr lang="en-US" dirty="0" err="1">
-                <a:effectLst/>
-                <a:latin typeface="Calibri" panose="020F0502020204030204" pitchFamily="34" charset="0"/>
-                <a:ea typeface="Calibri" panose="020F0502020204030204" pitchFamily="34" charset="0"/>
-                <a:cs typeface="Times New Roman" panose="02020603050405020304" pitchFamily="18" charset="0"/>
-              </a:rPr>
-              <a:t>IPC.Message_Count</a:t>
-            </a:r>
-            <a:r>
-              <a:rPr lang="en-US" dirty="0">
-                <a:effectLst/>
-                <a:latin typeface="Calibri" panose="020F0502020204030204" pitchFamily="34" charset="0"/>
-                <a:ea typeface="Calibri" panose="020F0502020204030204" pitchFamily="34" charset="0"/>
-                <a:cs typeface="Times New Roman" panose="02020603050405020304" pitchFamily="18" charset="0"/>
-              </a:rPr>
-              <a:t>(1));</a:t>
-            </a:r>
-          </a:p>
-          <a:p>
-            <a:pPr marL="0" marR="0" indent="0">
-              <a:lnSpc>
-                <a:spcPct val="107000"/>
-              </a:lnSpc>
-              <a:spcBef>
-                <a:spcPts val="0"/>
-              </a:spcBef>
-              <a:spcAft>
-                <a:spcPts val="0"/>
-              </a:spcAft>
-              <a:buNone/>
-            </a:pPr>
-            <a:r>
-              <a:rPr lang="en-US" dirty="0" err="1">
-                <a:effectLst/>
-                <a:latin typeface="Calibri" panose="020F0502020204030204" pitchFamily="34" charset="0"/>
-                <a:ea typeface="Calibri" panose="020F0502020204030204" pitchFamily="34" charset="0"/>
-                <a:cs typeface="Times New Roman" panose="02020603050405020304" pitchFamily="18" charset="0"/>
-              </a:rPr>
-              <a:t>write_window</a:t>
-            </a:r>
-            <a:r>
-              <a:rPr lang="en-US" dirty="0">
-                <a:effectLst/>
-                <a:latin typeface="Calibri" panose="020F0502020204030204" pitchFamily="34" charset="0"/>
-                <a:ea typeface="Calibri" panose="020F0502020204030204" pitchFamily="34" charset="0"/>
-                <a:cs typeface="Times New Roman" panose="02020603050405020304" pitchFamily="18" charset="0"/>
-              </a:rPr>
-              <a:t>(</a:t>
-            </a:r>
-            <a:r>
-              <a:rPr lang="en-US" dirty="0" err="1">
-                <a:effectLst/>
-                <a:latin typeface="Calibri" panose="020F0502020204030204" pitchFamily="34" charset="0"/>
-                <a:ea typeface="Calibri" panose="020F0502020204030204" pitchFamily="34" charset="0"/>
-                <a:cs typeface="Times New Roman" panose="02020603050405020304" pitchFamily="18" charset="0"/>
-              </a:rPr>
-              <a:t>messwin</a:t>
-            </a:r>
-            <a:r>
-              <a:rPr lang="en-US" dirty="0">
-                <a:effectLst/>
-                <a:latin typeface="Calibri" panose="020F0502020204030204" pitchFamily="34" charset="0"/>
-                <a:ea typeface="Calibri" panose="020F0502020204030204" pitchFamily="34" charset="0"/>
-                <a:cs typeface="Times New Roman" panose="02020603050405020304" pitchFamily="18" charset="0"/>
-              </a:rPr>
-              <a:t>, buff);</a:t>
-            </a:r>
-          </a:p>
-          <a:p>
-            <a:pPr marL="0" marR="0" indent="0">
-              <a:lnSpc>
-                <a:spcPct val="107000"/>
-              </a:lnSpc>
-              <a:spcBef>
-                <a:spcPts val="0"/>
-              </a:spcBef>
-              <a:spcAft>
-                <a:spcPts val="0"/>
-              </a:spcAft>
-              <a:buNone/>
-            </a:pPr>
-            <a:r>
-              <a:rPr lang="en-US" dirty="0" err="1">
-                <a:effectLst/>
-                <a:latin typeface="Calibri" panose="020F0502020204030204" pitchFamily="34" charset="0"/>
-                <a:ea typeface="Calibri" panose="020F0502020204030204" pitchFamily="34" charset="0"/>
-                <a:cs typeface="Times New Roman" panose="02020603050405020304" pitchFamily="18" charset="0"/>
-              </a:rPr>
-              <a:t>sprintf</a:t>
-            </a:r>
-            <a:r>
-              <a:rPr lang="en-US" dirty="0">
-                <a:effectLst/>
-                <a:latin typeface="Calibri" panose="020F0502020204030204" pitchFamily="34" charset="0"/>
-                <a:ea typeface="Calibri" panose="020F0502020204030204" pitchFamily="34" charset="0"/>
-                <a:cs typeface="Times New Roman" panose="02020603050405020304" pitchFamily="18" charset="0"/>
-              </a:rPr>
-              <a:t>(buff, </a:t>
-            </a:r>
-            <a:r>
-              <a:rPr lang="en-US" dirty="0">
-                <a:solidFill>
-                  <a:srgbClr val="00B050"/>
-                </a:solidFill>
-                <a:effectLst/>
-                <a:latin typeface="Calibri" panose="020F0502020204030204" pitchFamily="34" charset="0"/>
-                <a:ea typeface="Calibri" panose="020F0502020204030204" pitchFamily="34" charset="0"/>
-                <a:cs typeface="Times New Roman" panose="02020603050405020304" pitchFamily="18" charset="0"/>
-              </a:rPr>
-              <a:t>" # of messages in all boxes = %d \n" </a:t>
-            </a:r>
-            <a:r>
-              <a:rPr lang="en-US" dirty="0">
-                <a:effectLst/>
-                <a:latin typeface="Calibri" panose="020F0502020204030204" pitchFamily="34" charset="0"/>
-                <a:ea typeface="Calibri" panose="020F0502020204030204" pitchFamily="34" charset="0"/>
-                <a:cs typeface="Times New Roman" panose="02020603050405020304" pitchFamily="18" charset="0"/>
-              </a:rPr>
-              <a:t>, </a:t>
-            </a:r>
-            <a:r>
-              <a:rPr lang="en-US" dirty="0" err="1">
-                <a:effectLst/>
-                <a:latin typeface="Calibri" panose="020F0502020204030204" pitchFamily="34" charset="0"/>
-                <a:ea typeface="Calibri" panose="020F0502020204030204" pitchFamily="34" charset="0"/>
-                <a:cs typeface="Times New Roman" panose="02020603050405020304" pitchFamily="18" charset="0"/>
-              </a:rPr>
-              <a:t>IPC.Message_Count</a:t>
-            </a:r>
-            <a:r>
-              <a:rPr lang="en-US" dirty="0">
-                <a:effectLst/>
-                <a:latin typeface="Calibri" panose="020F0502020204030204" pitchFamily="34" charset="0"/>
-                <a:ea typeface="Calibri" panose="020F0502020204030204" pitchFamily="34" charset="0"/>
-                <a:cs typeface="Times New Roman" panose="02020603050405020304" pitchFamily="18" charset="0"/>
-              </a:rPr>
-              <a:t>());</a:t>
-            </a:r>
-          </a:p>
-          <a:p>
-            <a:pPr marL="0" marR="0" indent="0">
-              <a:lnSpc>
-                <a:spcPct val="107000"/>
-              </a:lnSpc>
-              <a:spcBef>
-                <a:spcPts val="0"/>
-              </a:spcBef>
-              <a:spcAft>
-                <a:spcPts val="0"/>
-              </a:spcAft>
-              <a:buNone/>
-            </a:pPr>
-            <a:r>
-              <a:rPr lang="en-US" dirty="0" err="1">
-                <a:effectLst/>
-                <a:latin typeface="Calibri" panose="020F0502020204030204" pitchFamily="34" charset="0"/>
-                <a:ea typeface="Calibri" panose="020F0502020204030204" pitchFamily="34" charset="0"/>
-                <a:cs typeface="Times New Roman" panose="02020603050405020304" pitchFamily="18" charset="0"/>
-              </a:rPr>
-              <a:t>write_window</a:t>
-            </a:r>
-            <a:r>
-              <a:rPr lang="en-US" dirty="0">
-                <a:effectLst/>
-                <a:latin typeface="Calibri" panose="020F0502020204030204" pitchFamily="34" charset="0"/>
-                <a:ea typeface="Calibri" panose="020F0502020204030204" pitchFamily="34" charset="0"/>
-                <a:cs typeface="Times New Roman" panose="02020603050405020304" pitchFamily="18" charset="0"/>
-              </a:rPr>
-              <a:t>(</a:t>
-            </a:r>
-            <a:r>
-              <a:rPr lang="en-US" dirty="0" err="1">
-                <a:effectLst/>
-                <a:latin typeface="Calibri" panose="020F0502020204030204" pitchFamily="34" charset="0"/>
-                <a:ea typeface="Calibri" panose="020F0502020204030204" pitchFamily="34" charset="0"/>
-                <a:cs typeface="Times New Roman" panose="02020603050405020304" pitchFamily="18" charset="0"/>
-              </a:rPr>
-              <a:t>messwin</a:t>
-            </a:r>
-            <a:r>
-              <a:rPr lang="en-US" dirty="0">
-                <a:effectLst/>
-                <a:latin typeface="Calibri" panose="020F0502020204030204" pitchFamily="34" charset="0"/>
-                <a:ea typeface="Calibri" panose="020F0502020204030204" pitchFamily="34" charset="0"/>
-                <a:cs typeface="Times New Roman" panose="02020603050405020304" pitchFamily="18" charset="0"/>
-              </a:rPr>
-              <a:t>, buff);</a:t>
-            </a:r>
-          </a:p>
-          <a:p>
-            <a:pPr marL="0" marR="0" indent="0">
-              <a:lnSpc>
-                <a:spcPct val="107000"/>
-              </a:lnSpc>
-              <a:spcBef>
-                <a:spcPts val="0"/>
-              </a:spcBef>
-              <a:spcAft>
-                <a:spcPts val="0"/>
-              </a:spcAft>
-              <a:buNone/>
-            </a:pPr>
-            <a:r>
-              <a:rPr lang="en-US" dirty="0" err="1">
-                <a:effectLst/>
-                <a:latin typeface="Calibri" panose="020F0502020204030204" pitchFamily="34" charset="0"/>
-                <a:ea typeface="Calibri" panose="020F0502020204030204" pitchFamily="34" charset="0"/>
-                <a:cs typeface="Times New Roman" panose="02020603050405020304" pitchFamily="18" charset="0"/>
-              </a:rPr>
-              <a:t>sprintf</a:t>
-            </a:r>
-            <a:r>
-              <a:rPr lang="en-US" dirty="0">
-                <a:effectLst/>
-                <a:latin typeface="Calibri" panose="020F0502020204030204" pitchFamily="34" charset="0"/>
-                <a:ea typeface="Calibri" panose="020F0502020204030204" pitchFamily="34" charset="0"/>
-                <a:cs typeface="Times New Roman" panose="02020603050405020304" pitchFamily="18" charset="0"/>
-              </a:rPr>
-              <a:t>(buff, </a:t>
-            </a:r>
-            <a:r>
-              <a:rPr lang="en-US" dirty="0">
-                <a:solidFill>
-                  <a:srgbClr val="00B050"/>
-                </a:solidFill>
-                <a:effectLst/>
-                <a:latin typeface="Calibri" panose="020F0502020204030204" pitchFamily="34" charset="0"/>
-                <a:ea typeface="Calibri" panose="020F0502020204030204" pitchFamily="34" charset="0"/>
-                <a:cs typeface="Times New Roman" panose="02020603050405020304" pitchFamily="18" charset="0"/>
-              </a:rPr>
-              <a:t>" Deleting messages in task 1 box \n"</a:t>
-            </a:r>
-            <a:r>
-              <a:rPr lang="en-US" dirty="0">
-                <a:effectLst/>
-                <a:latin typeface="Calibri" panose="020F0502020204030204" pitchFamily="34" charset="0"/>
-                <a:ea typeface="Calibri" panose="020F0502020204030204" pitchFamily="34" charset="0"/>
-                <a:cs typeface="Times New Roman" panose="02020603050405020304" pitchFamily="18" charset="0"/>
-              </a:rPr>
-              <a:t>);</a:t>
-            </a:r>
-          </a:p>
-          <a:p>
-            <a:pPr marL="0" marR="0" indent="0">
-              <a:lnSpc>
-                <a:spcPct val="107000"/>
-              </a:lnSpc>
-              <a:spcBef>
-                <a:spcPts val="0"/>
-              </a:spcBef>
-              <a:spcAft>
-                <a:spcPts val="0"/>
-              </a:spcAft>
-              <a:buNone/>
-            </a:pPr>
-            <a:r>
-              <a:rPr lang="en-US" dirty="0" err="1">
-                <a:effectLst/>
-                <a:latin typeface="Calibri" panose="020F0502020204030204" pitchFamily="34" charset="0"/>
-                <a:ea typeface="Calibri" panose="020F0502020204030204" pitchFamily="34" charset="0"/>
-                <a:cs typeface="Times New Roman" panose="02020603050405020304" pitchFamily="18" charset="0"/>
-              </a:rPr>
-              <a:t>write_window</a:t>
-            </a:r>
-            <a:r>
-              <a:rPr lang="en-US" dirty="0">
-                <a:effectLst/>
-                <a:latin typeface="Calibri" panose="020F0502020204030204" pitchFamily="34" charset="0"/>
-                <a:ea typeface="Calibri" panose="020F0502020204030204" pitchFamily="34" charset="0"/>
-                <a:cs typeface="Times New Roman" panose="02020603050405020304" pitchFamily="18" charset="0"/>
-              </a:rPr>
-              <a:t>(</a:t>
-            </a:r>
-            <a:r>
-              <a:rPr lang="en-US" dirty="0" err="1">
-                <a:effectLst/>
-                <a:latin typeface="Calibri" panose="020F0502020204030204" pitchFamily="34" charset="0"/>
-                <a:ea typeface="Calibri" panose="020F0502020204030204" pitchFamily="34" charset="0"/>
-                <a:cs typeface="Times New Roman" panose="02020603050405020304" pitchFamily="18" charset="0"/>
-              </a:rPr>
-              <a:t>messwin</a:t>
-            </a:r>
-            <a:r>
-              <a:rPr lang="en-US" dirty="0">
-                <a:effectLst/>
-                <a:latin typeface="Calibri" panose="020F0502020204030204" pitchFamily="34" charset="0"/>
-                <a:ea typeface="Calibri" panose="020F0502020204030204" pitchFamily="34" charset="0"/>
-                <a:cs typeface="Times New Roman" panose="02020603050405020304" pitchFamily="18" charset="0"/>
-              </a:rPr>
-              <a:t>, buff);</a:t>
-            </a:r>
-          </a:p>
-          <a:p>
-            <a:pPr marL="0" marR="0" indent="0">
-              <a:lnSpc>
-                <a:spcPct val="107000"/>
-              </a:lnSpc>
-              <a:spcBef>
-                <a:spcPts val="0"/>
-              </a:spcBef>
-              <a:spcAft>
-                <a:spcPts val="0"/>
-              </a:spcAft>
-              <a:buNone/>
-            </a:pPr>
-            <a:r>
-              <a:rPr lang="en-US" dirty="0" err="1">
-                <a:effectLst/>
-                <a:latin typeface="Calibri" panose="020F0502020204030204" pitchFamily="34" charset="0"/>
-                <a:ea typeface="Calibri" panose="020F0502020204030204" pitchFamily="34" charset="0"/>
-                <a:cs typeface="Times New Roman" panose="02020603050405020304" pitchFamily="18" charset="0"/>
-              </a:rPr>
-              <a:t>IPC.Message_DeleteAll</a:t>
-            </a:r>
-            <a:r>
-              <a:rPr lang="en-US" dirty="0">
-                <a:effectLst/>
-                <a:latin typeface="Calibri" panose="020F0502020204030204" pitchFamily="34" charset="0"/>
-                <a:ea typeface="Calibri" panose="020F0502020204030204" pitchFamily="34" charset="0"/>
-                <a:cs typeface="Times New Roman" panose="02020603050405020304" pitchFamily="18" charset="0"/>
-              </a:rPr>
-              <a:t>(1);</a:t>
-            </a:r>
-          </a:p>
-          <a:p>
-            <a:pPr marL="0" marR="0" indent="0">
-              <a:lnSpc>
-                <a:spcPct val="107000"/>
-              </a:lnSpc>
-              <a:spcBef>
-                <a:spcPts val="0"/>
-              </a:spcBef>
-              <a:spcAft>
-                <a:spcPts val="0"/>
-              </a:spcAft>
-              <a:buNone/>
-            </a:pPr>
-            <a:r>
-              <a:rPr lang="en-US" dirty="0" err="1">
-                <a:effectLst/>
-                <a:latin typeface="Calibri" panose="020F0502020204030204" pitchFamily="34" charset="0"/>
-                <a:ea typeface="Calibri" panose="020F0502020204030204" pitchFamily="34" charset="0"/>
-                <a:cs typeface="Times New Roman" panose="02020603050405020304" pitchFamily="18" charset="0"/>
-              </a:rPr>
-              <a:t>sprintf</a:t>
-            </a:r>
-            <a:r>
-              <a:rPr lang="en-US" dirty="0">
-                <a:effectLst/>
-                <a:latin typeface="Calibri" panose="020F0502020204030204" pitchFamily="34" charset="0"/>
-                <a:ea typeface="Calibri" panose="020F0502020204030204" pitchFamily="34" charset="0"/>
-                <a:cs typeface="Times New Roman" panose="02020603050405020304" pitchFamily="18" charset="0"/>
-              </a:rPr>
-              <a:t>(buff, </a:t>
-            </a:r>
-            <a:r>
-              <a:rPr lang="en-US" dirty="0">
-                <a:solidFill>
-                  <a:srgbClr val="00B050"/>
-                </a:solidFill>
-                <a:effectLst/>
-                <a:latin typeface="Calibri" panose="020F0502020204030204" pitchFamily="34" charset="0"/>
-                <a:ea typeface="Calibri" panose="020F0502020204030204" pitchFamily="34" charset="0"/>
-                <a:cs typeface="Times New Roman" panose="02020603050405020304" pitchFamily="18" charset="0"/>
-              </a:rPr>
-              <a:t>" # of messages in task1 box = %d \n"</a:t>
-            </a:r>
-            <a:r>
-              <a:rPr lang="en-US" dirty="0">
-                <a:effectLst/>
-                <a:latin typeface="Calibri" panose="020F0502020204030204" pitchFamily="34" charset="0"/>
-                <a:ea typeface="Calibri" panose="020F0502020204030204" pitchFamily="34" charset="0"/>
-                <a:cs typeface="Times New Roman" panose="02020603050405020304" pitchFamily="18" charset="0"/>
-              </a:rPr>
-              <a:t> , </a:t>
-            </a:r>
-            <a:r>
-              <a:rPr lang="en-US" dirty="0" err="1">
-                <a:effectLst/>
-                <a:latin typeface="Calibri" panose="020F0502020204030204" pitchFamily="34" charset="0"/>
-                <a:ea typeface="Calibri" panose="020F0502020204030204" pitchFamily="34" charset="0"/>
-                <a:cs typeface="Times New Roman" panose="02020603050405020304" pitchFamily="18" charset="0"/>
-              </a:rPr>
-              <a:t>IPC.Message_Count</a:t>
-            </a:r>
-            <a:r>
-              <a:rPr lang="en-US" dirty="0">
-                <a:effectLst/>
-                <a:latin typeface="Calibri" panose="020F0502020204030204" pitchFamily="34" charset="0"/>
-                <a:ea typeface="Calibri" panose="020F0502020204030204" pitchFamily="34" charset="0"/>
-                <a:cs typeface="Times New Roman" panose="02020603050405020304" pitchFamily="18" charset="0"/>
-              </a:rPr>
-              <a:t>(1));</a:t>
-            </a:r>
-          </a:p>
-          <a:p>
-            <a:pPr marL="0" marR="0" indent="0">
-              <a:lnSpc>
-                <a:spcPct val="107000"/>
-              </a:lnSpc>
-              <a:spcBef>
-                <a:spcPts val="0"/>
-              </a:spcBef>
-              <a:spcAft>
-                <a:spcPts val="0"/>
-              </a:spcAft>
-              <a:buNone/>
-            </a:pPr>
-            <a:r>
-              <a:rPr lang="en-US" dirty="0" err="1">
-                <a:effectLst/>
-                <a:latin typeface="Calibri" panose="020F0502020204030204" pitchFamily="34" charset="0"/>
-                <a:ea typeface="Calibri" panose="020F0502020204030204" pitchFamily="34" charset="0"/>
-                <a:cs typeface="Times New Roman" panose="02020603050405020304" pitchFamily="18" charset="0"/>
-              </a:rPr>
-              <a:t>write_window</a:t>
-            </a:r>
-            <a:r>
-              <a:rPr lang="en-US" dirty="0">
-                <a:effectLst/>
-                <a:latin typeface="Calibri" panose="020F0502020204030204" pitchFamily="34" charset="0"/>
-                <a:ea typeface="Calibri" panose="020F0502020204030204" pitchFamily="34" charset="0"/>
-                <a:cs typeface="Times New Roman" panose="02020603050405020304" pitchFamily="18" charset="0"/>
-              </a:rPr>
-              <a:t>(</a:t>
-            </a:r>
-            <a:r>
-              <a:rPr lang="en-US" dirty="0" err="1">
-                <a:effectLst/>
-                <a:latin typeface="Calibri" panose="020F0502020204030204" pitchFamily="34" charset="0"/>
-                <a:ea typeface="Calibri" panose="020F0502020204030204" pitchFamily="34" charset="0"/>
-                <a:cs typeface="Times New Roman" panose="02020603050405020304" pitchFamily="18" charset="0"/>
-              </a:rPr>
-              <a:t>messwin</a:t>
-            </a:r>
-            <a:r>
-              <a:rPr lang="en-US" dirty="0">
-                <a:effectLst/>
-                <a:latin typeface="Calibri" panose="020F0502020204030204" pitchFamily="34" charset="0"/>
-                <a:ea typeface="Calibri" panose="020F0502020204030204" pitchFamily="34" charset="0"/>
-                <a:cs typeface="Times New Roman" panose="02020603050405020304" pitchFamily="18" charset="0"/>
-              </a:rPr>
-              <a:t>, buff);</a:t>
-            </a:r>
-          </a:p>
-          <a:p>
-            <a:pPr marL="0" marR="0" indent="0">
-              <a:lnSpc>
-                <a:spcPct val="107000"/>
-              </a:lnSpc>
-              <a:spcBef>
-                <a:spcPts val="0"/>
-              </a:spcBef>
-              <a:spcAft>
-                <a:spcPts val="0"/>
-              </a:spcAft>
-              <a:buNone/>
-            </a:pPr>
-            <a:r>
-              <a:rPr lang="en-US" dirty="0" err="1">
-                <a:effectLst/>
-                <a:latin typeface="Calibri" panose="020F0502020204030204" pitchFamily="34" charset="0"/>
-                <a:ea typeface="Calibri" panose="020F0502020204030204" pitchFamily="34" charset="0"/>
-                <a:cs typeface="Times New Roman" panose="02020603050405020304" pitchFamily="18" charset="0"/>
-              </a:rPr>
-              <a:t>sprintf</a:t>
-            </a:r>
-            <a:r>
-              <a:rPr lang="en-US" dirty="0">
-                <a:effectLst/>
-                <a:latin typeface="Calibri" panose="020F0502020204030204" pitchFamily="34" charset="0"/>
-                <a:ea typeface="Calibri" panose="020F0502020204030204" pitchFamily="34" charset="0"/>
-                <a:cs typeface="Times New Roman" panose="02020603050405020304" pitchFamily="18" charset="0"/>
-              </a:rPr>
-              <a:t>(buff, </a:t>
-            </a:r>
-            <a:r>
-              <a:rPr lang="en-US" dirty="0">
-                <a:solidFill>
-                  <a:srgbClr val="00B050"/>
-                </a:solidFill>
-                <a:effectLst/>
-                <a:latin typeface="Calibri" panose="020F0502020204030204" pitchFamily="34" charset="0"/>
-                <a:ea typeface="Calibri" panose="020F0502020204030204" pitchFamily="34" charset="0"/>
-                <a:cs typeface="Times New Roman" panose="02020603050405020304" pitchFamily="18" charset="0"/>
-              </a:rPr>
-              <a:t>" # of messages in all boxes = %d \n" </a:t>
-            </a:r>
-            <a:r>
-              <a:rPr lang="en-US" dirty="0">
-                <a:effectLst/>
-                <a:latin typeface="Calibri" panose="020F0502020204030204" pitchFamily="34" charset="0"/>
-                <a:ea typeface="Calibri" panose="020F0502020204030204" pitchFamily="34" charset="0"/>
-                <a:cs typeface="Times New Roman" panose="02020603050405020304" pitchFamily="18" charset="0"/>
-              </a:rPr>
-              <a:t>, </a:t>
-            </a:r>
-            <a:r>
-              <a:rPr lang="en-US" dirty="0" err="1">
-                <a:effectLst/>
-                <a:latin typeface="Calibri" panose="020F0502020204030204" pitchFamily="34" charset="0"/>
-                <a:ea typeface="Calibri" panose="020F0502020204030204" pitchFamily="34" charset="0"/>
-                <a:cs typeface="Times New Roman" panose="02020603050405020304" pitchFamily="18" charset="0"/>
-              </a:rPr>
-              <a:t>IPC.Message_Count</a:t>
-            </a:r>
-            <a:r>
-              <a:rPr lang="en-US" dirty="0">
-                <a:effectLst/>
-                <a:latin typeface="Calibri" panose="020F0502020204030204" pitchFamily="34" charset="0"/>
-                <a:ea typeface="Calibri" panose="020F0502020204030204" pitchFamily="34" charset="0"/>
-                <a:cs typeface="Times New Roman" panose="02020603050405020304" pitchFamily="18" charset="0"/>
-              </a:rPr>
-              <a:t>());</a:t>
-            </a:r>
-          </a:p>
-          <a:p>
-            <a:pPr marL="0" marR="0" indent="0">
-              <a:lnSpc>
-                <a:spcPct val="107000"/>
-              </a:lnSpc>
-              <a:spcBef>
-                <a:spcPts val="0"/>
-              </a:spcBef>
-              <a:spcAft>
-                <a:spcPts val="0"/>
-              </a:spcAft>
-              <a:buNone/>
-            </a:pPr>
-            <a:r>
-              <a:rPr lang="en-US" dirty="0" err="1">
-                <a:effectLst/>
-                <a:latin typeface="Calibri" panose="020F0502020204030204" pitchFamily="34" charset="0"/>
-                <a:ea typeface="Calibri" panose="020F0502020204030204" pitchFamily="34" charset="0"/>
-                <a:cs typeface="Times New Roman" panose="02020603050405020304" pitchFamily="18" charset="0"/>
-              </a:rPr>
-              <a:t>write_window</a:t>
-            </a:r>
-            <a:r>
-              <a:rPr lang="en-US" dirty="0">
-                <a:effectLst/>
-                <a:latin typeface="Calibri" panose="020F0502020204030204" pitchFamily="34" charset="0"/>
-                <a:ea typeface="Calibri" panose="020F0502020204030204" pitchFamily="34" charset="0"/>
-                <a:cs typeface="Times New Roman" panose="02020603050405020304" pitchFamily="18" charset="0"/>
-              </a:rPr>
-              <a:t>(</a:t>
-            </a:r>
-            <a:r>
-              <a:rPr lang="en-US" dirty="0" err="1">
-                <a:effectLst/>
-                <a:latin typeface="Calibri" panose="020F0502020204030204" pitchFamily="34" charset="0"/>
-                <a:ea typeface="Calibri" panose="020F0502020204030204" pitchFamily="34" charset="0"/>
-                <a:cs typeface="Times New Roman" panose="02020603050405020304" pitchFamily="18" charset="0"/>
-              </a:rPr>
-              <a:t>messwin</a:t>
-            </a:r>
-            <a:r>
-              <a:rPr lang="en-US" dirty="0">
-                <a:effectLst/>
-                <a:latin typeface="Calibri" panose="020F0502020204030204" pitchFamily="34" charset="0"/>
-                <a:ea typeface="Calibri" panose="020F0502020204030204" pitchFamily="34" charset="0"/>
-                <a:cs typeface="Times New Roman" panose="02020603050405020304" pitchFamily="18" charset="0"/>
-              </a:rPr>
-              <a:t>, buff);</a:t>
-            </a:r>
-          </a:p>
-          <a:p>
-            <a:pPr marL="36900" indent="0">
-              <a:buNone/>
-            </a:pPr>
-            <a:endParaRPr lang="en-US" dirty="0"/>
-          </a:p>
-        </p:txBody>
-      </p:sp>
+          </a:blip>
+          <a:stretch>
+            <a:fillRect/>
+          </a:stretch>
+        </p:blipFill>
+        <p:spPr>
+          <a:xfrm>
+            <a:off x="190588" y="385228"/>
+            <a:ext cx="11800175" cy="6159008"/>
+          </a:xfrm>
+        </p:spPr>
+      </p:pic>
     </p:spTree>
     <p:extLst>
       <p:ext uri="{BB962C8B-B14F-4D97-AF65-F5344CB8AC3E}">
-        <p14:creationId xmlns:p14="http://schemas.microsoft.com/office/powerpoint/2010/main" val="3169543746"/>
+        <p14:creationId xmlns:p14="http://schemas.microsoft.com/office/powerpoint/2010/main" val="4249851967"/>
       </p:ext>
     </p:extLst>
   </p:cSld>
   <p:clrMapOvr>
     <a:masterClrMapping/>
   </p:clrMapOvr>
+  <p:timing>
+    <p:tnLst>
+      <p:par>
+        <p:cTn id="1" dur="indefinite" restart="never" nodeType="tmRoot"/>
+      </p:par>
+    </p:tnLst>
+  </p:timing>
 </p:sld>
 </file>
 
@@ -7828,7 +7155,7 @@
           <p:cNvPr id="2" name="Title 1">
             <a:extLst>
               <a:ext uri="{FF2B5EF4-FFF2-40B4-BE49-F238E27FC236}">
-                <a16:creationId xmlns:a16="http://schemas.microsoft.com/office/drawing/2014/main" id="{F8435390-AE63-44E4-98FB-166DFCB3E7BF}"/>
+                <a16:creationId xmlns:a16="http://schemas.microsoft.com/office/drawing/2014/main" xmlns="" id="{9030DCCA-D7B7-459C-9EEE-9E5C4D5C0537}"/>
               </a:ext>
             </a:extLst>
           </p:cNvPr>
@@ -7844,55 +7171,88 @@
           <a:bodyPr/>
           <a:lstStyle/>
           <a:p>
-            <a:endParaRPr lang="en-US"/>
-          </a:p>
-        </p:txBody>
-      </p:sp>
-      <p:pic>
-        <p:nvPicPr>
-          <p:cNvPr id="5" name="Content Placeholder 4" descr="A screen shot of a computer&#10;&#10;Description automatically generated">
+            <a:r>
+              <a:rPr lang="en-US" dirty="0"/>
+              <a:t>Phase 2 Testcase ‘z’</a:t>
+            </a:r>
+          </a:p>
+        </p:txBody>
+      </p:sp>
+      <p:sp>
+        <p:nvSpPr>
+          <p:cNvPr id="3" name="Content Placeholder 2">
             <a:extLst>
               <a:ext uri="{FF2B5EF4-FFF2-40B4-BE49-F238E27FC236}">
-                <a16:creationId xmlns:a16="http://schemas.microsoft.com/office/drawing/2014/main" id="{B7538621-890E-45E3-B965-2968B2262BFA}"/>
+                <a16:creationId xmlns:a16="http://schemas.microsoft.com/office/drawing/2014/main" xmlns="" id="{752914AE-3684-44EF-A731-DFA772CE8E3F}"/>
               </a:ext>
             </a:extLst>
           </p:cNvPr>
-          <p:cNvPicPr>
-            <a:picLocks noGrp="1" noChangeAspect="1"/>
-          </p:cNvPicPr>
+          <p:cNvSpPr>
+            <a:spLocks noGrp="1"/>
+          </p:cNvSpPr>
           <p:nvPr>
             <p:ph idx="1"/>
           </p:nvPr>
-        </p:nvPicPr>
-        <p:blipFill>
-          <a:blip r:embed="rId2">
-            <a:extLst>
-              <a:ext uri="{28A0092B-C50C-407E-A947-70E740481C1C}">
-                <a14:useLocalDpi xmlns:a14="http://schemas.microsoft.com/office/drawing/2010/main" val="0"/>
-              </a:ext>
-            </a:extLst>
-          </a:blip>
-          <a:stretch>
-            <a:fillRect/>
-          </a:stretch>
-        </p:blipFill>
-        <p:spPr>
-          <a:xfrm>
-            <a:off x="2403341" y="1731963"/>
-            <a:ext cx="7375792" cy="4059237"/>
-          </a:xfrm>
-        </p:spPr>
-      </p:pic>
+        </p:nvSpPr>
+        <p:spPr/>
+        <p:txBody>
+          <a:bodyPr/>
+          <a:lstStyle/>
+          <a:p>
+            <a:r>
+              <a:rPr lang="en-US" dirty="0"/>
+              <a:t>Print messages in task1 box</a:t>
+            </a:r>
+          </a:p>
+          <a:p>
+            <a:r>
+              <a:rPr lang="en-US" dirty="0"/>
+              <a:t>Print # of messages in task1 box</a:t>
+            </a:r>
+          </a:p>
+          <a:p>
+            <a:r>
+              <a:rPr lang="en-US" dirty="0"/>
+              <a:t>Print # of messages in all boxes</a:t>
+            </a:r>
+          </a:p>
+          <a:p>
+            <a:r>
+              <a:rPr lang="en-US" dirty="0"/>
+              <a:t>Delete messages in task1 box</a:t>
+            </a:r>
+          </a:p>
+          <a:p>
+            <a:r>
+              <a:rPr lang="en-US" dirty="0"/>
+              <a:t>Print # of messages in task1 box</a:t>
+            </a:r>
+          </a:p>
+          <a:p>
+            <a:r>
+              <a:rPr lang="en-US" dirty="0"/>
+              <a:t>Print # of messages in all boxes</a:t>
+            </a:r>
+          </a:p>
+        </p:txBody>
+      </p:sp>
     </p:spTree>
     <p:extLst>
       <p:ext uri="{BB962C8B-B14F-4D97-AF65-F5344CB8AC3E}">
-        <p14:creationId xmlns:p14="http://schemas.microsoft.com/office/powerpoint/2010/main" val="1027919614"/>
+        <p14:creationId xmlns:p14="http://schemas.microsoft.com/office/powerpoint/2010/main" val="4021644420"/>
       </p:ext>
     </p:extLst>
   </p:cSld>
   <p:clrMapOvr>
     <a:masterClrMapping/>
   </p:clrMapOvr>
+  <p:timing>
+    <p:tnLst>
+      <p:par>
+        <p:cTn id="1" dur="indefinite" restart="never" nodeType="tmRoot"/>
+      </p:par>
+    </p:tnLst>
+  </p:timing>
 </p:sld>
 </file>
 
@@ -7918,7 +7278,7 @@
           <p:cNvPr id="2" name="Title 1">
             <a:extLst>
               <a:ext uri="{FF2B5EF4-FFF2-40B4-BE49-F238E27FC236}">
-                <a16:creationId xmlns:a16="http://schemas.microsoft.com/office/drawing/2014/main" id="{112F466D-C0CA-4909-91F8-38C3A0C788A6}"/>
+                <a16:creationId xmlns:a16="http://schemas.microsoft.com/office/drawing/2014/main" xmlns="" id="{9030DCCA-D7B7-459C-9EEE-9E5C4D5C0537}"/>
               </a:ext>
             </a:extLst>
           </p:cNvPr>
@@ -7936,7 +7296,7 @@
           <a:p>
             <a:r>
               <a:rPr lang="en-US" dirty="0"/>
-              <a:t>Phase 3 Testcase ‘m’</a:t>
+              <a:t>Phase 2 Testcase ‘z’</a:t>
             </a:r>
           </a:p>
         </p:txBody>
@@ -7946,7 +7306,7 @@
           <p:cNvPr id="3" name="Content Placeholder 2">
             <a:extLst>
               <a:ext uri="{FF2B5EF4-FFF2-40B4-BE49-F238E27FC236}">
-                <a16:creationId xmlns:a16="http://schemas.microsoft.com/office/drawing/2014/main" id="{F38EB51E-4D3A-43CA-9FFB-613CF3BB0275}"/>
+                <a16:creationId xmlns:a16="http://schemas.microsoft.com/office/drawing/2014/main" xmlns="" id="{752914AE-3684-44EF-A731-DFA772CE8E3F}"/>
               </a:ext>
             </a:extLst>
           </p:cNvPr>
@@ -7959,44 +7319,698 @@
         </p:nvSpPr>
         <p:spPr/>
         <p:txBody>
-          <a:bodyPr/>
+          <a:bodyPr>
+            <a:normAutofit/>
+          </a:bodyPr>
           <a:lstStyle/>
           <a:p>
-            <a:r>
-              <a:rPr lang="en-US" dirty="0"/>
-              <a:t>Dump Core</a:t>
-            </a:r>
-          </a:p>
-          <a:p>
-            <a:r>
-              <a:rPr lang="en-US" dirty="0"/>
-              <a:t>Print largest, smallest, left</a:t>
-            </a:r>
-          </a:p>
-          <a:p>
-            <a:r>
-              <a:rPr lang="en-US" dirty="0"/>
-              <a:t>Print mem usage</a:t>
-            </a:r>
-          </a:p>
-          <a:p>
-            <a:r>
-              <a:rPr lang="en-US" dirty="0"/>
-              <a:t>Overloaded </a:t>
-            </a:r>
-            <a:r>
-              <a:rPr lang="en-US" dirty="0" err="1"/>
-              <a:t>memwrite</a:t>
-            </a:r>
-            <a:endParaRPr lang="en-US" dirty="0"/>
-          </a:p>
-          <a:p>
-            <a:r>
-              <a:rPr lang="en-US" dirty="0"/>
-              <a:t>Dump Core</a:t>
-            </a:r>
-          </a:p>
-          <a:p>
+            <a:pPr marL="0" marR="0" indent="0">
+              <a:lnSpc>
+                <a:spcPct val="107000"/>
+              </a:lnSpc>
+              <a:spcBef>
+                <a:spcPts val="0"/>
+              </a:spcBef>
+              <a:spcAft>
+                <a:spcPts val="0"/>
+              </a:spcAft>
+              <a:buNone/>
+            </a:pPr>
+            <a:r>
+              <a:rPr lang="en-US" dirty="0" err="1">
+                <a:effectLst/>
+                <a:latin typeface="Calibri" panose="020F0502020204030204" pitchFamily="34" charset="0"/>
+                <a:ea typeface="Calibri" panose="020F0502020204030204" pitchFamily="34" charset="0"/>
+                <a:cs typeface="Times New Roman" panose="02020603050405020304" pitchFamily="18" charset="0"/>
+              </a:rPr>
+              <a:t>IPC.Message_Print</a:t>
+            </a:r>
+            <a:r>
+              <a:rPr lang="en-US" dirty="0">
+                <a:effectLst/>
+                <a:latin typeface="Calibri" panose="020F0502020204030204" pitchFamily="34" charset="0"/>
+                <a:ea typeface="Calibri" panose="020F0502020204030204" pitchFamily="34" charset="0"/>
+                <a:cs typeface="Times New Roman" panose="02020603050405020304" pitchFamily="18" charset="0"/>
+              </a:rPr>
+              <a:t>(1, </a:t>
+            </a:r>
+            <a:r>
+              <a:rPr lang="en-US" dirty="0" err="1">
+                <a:effectLst/>
+                <a:latin typeface="Calibri" panose="020F0502020204030204" pitchFamily="34" charset="0"/>
+                <a:ea typeface="Calibri" panose="020F0502020204030204" pitchFamily="34" charset="0"/>
+                <a:cs typeface="Times New Roman" panose="02020603050405020304" pitchFamily="18" charset="0"/>
+              </a:rPr>
+              <a:t>messwin</a:t>
+            </a:r>
+            <a:r>
+              <a:rPr lang="en-US" dirty="0">
+                <a:effectLst/>
+                <a:latin typeface="Calibri" panose="020F0502020204030204" pitchFamily="34" charset="0"/>
+                <a:ea typeface="Calibri" panose="020F0502020204030204" pitchFamily="34" charset="0"/>
+                <a:cs typeface="Times New Roman" panose="02020603050405020304" pitchFamily="18" charset="0"/>
+              </a:rPr>
+              <a:t>); </a:t>
+            </a:r>
+            <a:r>
+              <a:rPr lang="en-US" i="1" dirty="0">
+                <a:effectLst/>
+                <a:latin typeface="Calibri" panose="020F0502020204030204" pitchFamily="34" charset="0"/>
+                <a:ea typeface="Calibri" panose="020F0502020204030204" pitchFamily="34" charset="0"/>
+                <a:cs typeface="Times New Roman" panose="02020603050405020304" pitchFamily="18" charset="0"/>
+              </a:rPr>
+              <a:t>// print messages</a:t>
+            </a:r>
+            <a:endParaRPr lang="en-US" dirty="0">
+              <a:effectLst/>
+              <a:latin typeface="Calibri" panose="020F0502020204030204" pitchFamily="34" charset="0"/>
+              <a:ea typeface="Calibri" panose="020F0502020204030204" pitchFamily="34" charset="0"/>
+              <a:cs typeface="Times New Roman" panose="02020603050405020304" pitchFamily="18" charset="0"/>
+            </a:endParaRPr>
+          </a:p>
+          <a:p>
+            <a:pPr marL="0" marR="0" indent="0">
+              <a:lnSpc>
+                <a:spcPct val="107000"/>
+              </a:lnSpc>
+              <a:spcBef>
+                <a:spcPts val="0"/>
+              </a:spcBef>
+              <a:spcAft>
+                <a:spcPts val="0"/>
+              </a:spcAft>
+              <a:buNone/>
+            </a:pPr>
+            <a:r>
+              <a:rPr lang="en-US" dirty="0" err="1">
+                <a:effectLst/>
+                <a:latin typeface="Calibri" panose="020F0502020204030204" pitchFamily="34" charset="0"/>
+                <a:ea typeface="Calibri" panose="020F0502020204030204" pitchFamily="34" charset="0"/>
+                <a:cs typeface="Times New Roman" panose="02020603050405020304" pitchFamily="18" charset="0"/>
+              </a:rPr>
+              <a:t>sprintf</a:t>
+            </a:r>
+            <a:r>
+              <a:rPr lang="en-US" dirty="0">
+                <a:effectLst/>
+                <a:latin typeface="Calibri" panose="020F0502020204030204" pitchFamily="34" charset="0"/>
+                <a:ea typeface="Calibri" panose="020F0502020204030204" pitchFamily="34" charset="0"/>
+                <a:cs typeface="Times New Roman" panose="02020603050405020304" pitchFamily="18" charset="0"/>
+              </a:rPr>
+              <a:t>(buff, </a:t>
+            </a:r>
+            <a:r>
+              <a:rPr lang="en-US" dirty="0">
+                <a:solidFill>
+                  <a:srgbClr val="00B050"/>
+                </a:solidFill>
+                <a:effectLst/>
+                <a:latin typeface="Calibri" panose="020F0502020204030204" pitchFamily="34" charset="0"/>
+                <a:ea typeface="Calibri" panose="020F0502020204030204" pitchFamily="34" charset="0"/>
+                <a:cs typeface="Times New Roman" panose="02020603050405020304" pitchFamily="18" charset="0"/>
+              </a:rPr>
+              <a:t>" # of messages in task1 box = %d \n" </a:t>
+            </a:r>
+            <a:r>
+              <a:rPr lang="en-US" dirty="0">
+                <a:effectLst/>
+                <a:latin typeface="Calibri" panose="020F0502020204030204" pitchFamily="34" charset="0"/>
+                <a:ea typeface="Calibri" panose="020F0502020204030204" pitchFamily="34" charset="0"/>
+                <a:cs typeface="Times New Roman" panose="02020603050405020304" pitchFamily="18" charset="0"/>
+              </a:rPr>
+              <a:t>, </a:t>
+            </a:r>
+            <a:r>
+              <a:rPr lang="en-US" dirty="0" err="1">
+                <a:effectLst/>
+                <a:latin typeface="Calibri" panose="020F0502020204030204" pitchFamily="34" charset="0"/>
+                <a:ea typeface="Calibri" panose="020F0502020204030204" pitchFamily="34" charset="0"/>
+                <a:cs typeface="Times New Roman" panose="02020603050405020304" pitchFamily="18" charset="0"/>
+              </a:rPr>
+              <a:t>IPC.Message_Count</a:t>
+            </a:r>
+            <a:r>
+              <a:rPr lang="en-US" dirty="0">
+                <a:effectLst/>
+                <a:latin typeface="Calibri" panose="020F0502020204030204" pitchFamily="34" charset="0"/>
+                <a:ea typeface="Calibri" panose="020F0502020204030204" pitchFamily="34" charset="0"/>
+                <a:cs typeface="Times New Roman" panose="02020603050405020304" pitchFamily="18" charset="0"/>
+              </a:rPr>
+              <a:t>(1));</a:t>
+            </a:r>
+          </a:p>
+          <a:p>
+            <a:pPr marL="0" marR="0" indent="0">
+              <a:lnSpc>
+                <a:spcPct val="107000"/>
+              </a:lnSpc>
+              <a:spcBef>
+                <a:spcPts val="0"/>
+              </a:spcBef>
+              <a:spcAft>
+                <a:spcPts val="0"/>
+              </a:spcAft>
+              <a:buNone/>
+            </a:pPr>
+            <a:r>
+              <a:rPr lang="en-US" dirty="0" err="1">
+                <a:effectLst/>
+                <a:latin typeface="Calibri" panose="020F0502020204030204" pitchFamily="34" charset="0"/>
+                <a:ea typeface="Calibri" panose="020F0502020204030204" pitchFamily="34" charset="0"/>
+                <a:cs typeface="Times New Roman" panose="02020603050405020304" pitchFamily="18" charset="0"/>
+              </a:rPr>
+              <a:t>write_window</a:t>
+            </a:r>
+            <a:r>
+              <a:rPr lang="en-US" dirty="0">
+                <a:effectLst/>
+                <a:latin typeface="Calibri" panose="020F0502020204030204" pitchFamily="34" charset="0"/>
+                <a:ea typeface="Calibri" panose="020F0502020204030204" pitchFamily="34" charset="0"/>
+                <a:cs typeface="Times New Roman" panose="02020603050405020304" pitchFamily="18" charset="0"/>
+              </a:rPr>
+              <a:t>(</a:t>
+            </a:r>
+            <a:r>
+              <a:rPr lang="en-US" dirty="0" err="1">
+                <a:effectLst/>
+                <a:latin typeface="Calibri" panose="020F0502020204030204" pitchFamily="34" charset="0"/>
+                <a:ea typeface="Calibri" panose="020F0502020204030204" pitchFamily="34" charset="0"/>
+                <a:cs typeface="Times New Roman" panose="02020603050405020304" pitchFamily="18" charset="0"/>
+              </a:rPr>
+              <a:t>messwin</a:t>
+            </a:r>
+            <a:r>
+              <a:rPr lang="en-US" dirty="0">
+                <a:effectLst/>
+                <a:latin typeface="Calibri" panose="020F0502020204030204" pitchFamily="34" charset="0"/>
+                <a:ea typeface="Calibri" panose="020F0502020204030204" pitchFamily="34" charset="0"/>
+                <a:cs typeface="Times New Roman" panose="02020603050405020304" pitchFamily="18" charset="0"/>
+              </a:rPr>
+              <a:t>, buff);</a:t>
+            </a:r>
+          </a:p>
+          <a:p>
+            <a:pPr marL="0" marR="0" indent="0">
+              <a:lnSpc>
+                <a:spcPct val="107000"/>
+              </a:lnSpc>
+              <a:spcBef>
+                <a:spcPts val="0"/>
+              </a:spcBef>
+              <a:spcAft>
+                <a:spcPts val="0"/>
+              </a:spcAft>
+              <a:buNone/>
+            </a:pPr>
+            <a:r>
+              <a:rPr lang="en-US" dirty="0" err="1">
+                <a:effectLst/>
+                <a:latin typeface="Calibri" panose="020F0502020204030204" pitchFamily="34" charset="0"/>
+                <a:ea typeface="Calibri" panose="020F0502020204030204" pitchFamily="34" charset="0"/>
+                <a:cs typeface="Times New Roman" panose="02020603050405020304" pitchFamily="18" charset="0"/>
+              </a:rPr>
+              <a:t>sprintf</a:t>
+            </a:r>
+            <a:r>
+              <a:rPr lang="en-US" dirty="0">
+                <a:effectLst/>
+                <a:latin typeface="Calibri" panose="020F0502020204030204" pitchFamily="34" charset="0"/>
+                <a:ea typeface="Calibri" panose="020F0502020204030204" pitchFamily="34" charset="0"/>
+                <a:cs typeface="Times New Roman" panose="02020603050405020304" pitchFamily="18" charset="0"/>
+              </a:rPr>
+              <a:t>(buff, </a:t>
+            </a:r>
+            <a:r>
+              <a:rPr lang="en-US" dirty="0">
+                <a:solidFill>
+                  <a:srgbClr val="00B050"/>
+                </a:solidFill>
+                <a:effectLst/>
+                <a:latin typeface="Calibri" panose="020F0502020204030204" pitchFamily="34" charset="0"/>
+                <a:ea typeface="Calibri" panose="020F0502020204030204" pitchFamily="34" charset="0"/>
+                <a:cs typeface="Times New Roman" panose="02020603050405020304" pitchFamily="18" charset="0"/>
+              </a:rPr>
+              <a:t>" # of messages in all boxes = %d \n" </a:t>
+            </a:r>
+            <a:r>
+              <a:rPr lang="en-US" dirty="0">
+                <a:effectLst/>
+                <a:latin typeface="Calibri" panose="020F0502020204030204" pitchFamily="34" charset="0"/>
+                <a:ea typeface="Calibri" panose="020F0502020204030204" pitchFamily="34" charset="0"/>
+                <a:cs typeface="Times New Roman" panose="02020603050405020304" pitchFamily="18" charset="0"/>
+              </a:rPr>
+              <a:t>, </a:t>
+            </a:r>
+            <a:r>
+              <a:rPr lang="en-US" dirty="0" err="1">
+                <a:effectLst/>
+                <a:latin typeface="Calibri" panose="020F0502020204030204" pitchFamily="34" charset="0"/>
+                <a:ea typeface="Calibri" panose="020F0502020204030204" pitchFamily="34" charset="0"/>
+                <a:cs typeface="Times New Roman" panose="02020603050405020304" pitchFamily="18" charset="0"/>
+              </a:rPr>
+              <a:t>IPC.Message_Count</a:t>
+            </a:r>
+            <a:r>
+              <a:rPr lang="en-US" dirty="0">
+                <a:effectLst/>
+                <a:latin typeface="Calibri" panose="020F0502020204030204" pitchFamily="34" charset="0"/>
+                <a:ea typeface="Calibri" panose="020F0502020204030204" pitchFamily="34" charset="0"/>
+                <a:cs typeface="Times New Roman" panose="02020603050405020304" pitchFamily="18" charset="0"/>
+              </a:rPr>
+              <a:t>());</a:t>
+            </a:r>
+          </a:p>
+          <a:p>
+            <a:pPr marL="0" marR="0" indent="0">
+              <a:lnSpc>
+                <a:spcPct val="107000"/>
+              </a:lnSpc>
+              <a:spcBef>
+                <a:spcPts val="0"/>
+              </a:spcBef>
+              <a:spcAft>
+                <a:spcPts val="0"/>
+              </a:spcAft>
+              <a:buNone/>
+            </a:pPr>
+            <a:r>
+              <a:rPr lang="en-US" dirty="0" err="1">
+                <a:effectLst/>
+                <a:latin typeface="Calibri" panose="020F0502020204030204" pitchFamily="34" charset="0"/>
+                <a:ea typeface="Calibri" panose="020F0502020204030204" pitchFamily="34" charset="0"/>
+                <a:cs typeface="Times New Roman" panose="02020603050405020304" pitchFamily="18" charset="0"/>
+              </a:rPr>
+              <a:t>write_window</a:t>
+            </a:r>
+            <a:r>
+              <a:rPr lang="en-US" dirty="0">
+                <a:effectLst/>
+                <a:latin typeface="Calibri" panose="020F0502020204030204" pitchFamily="34" charset="0"/>
+                <a:ea typeface="Calibri" panose="020F0502020204030204" pitchFamily="34" charset="0"/>
+                <a:cs typeface="Times New Roman" panose="02020603050405020304" pitchFamily="18" charset="0"/>
+              </a:rPr>
+              <a:t>(</a:t>
+            </a:r>
+            <a:r>
+              <a:rPr lang="en-US" dirty="0" err="1">
+                <a:effectLst/>
+                <a:latin typeface="Calibri" panose="020F0502020204030204" pitchFamily="34" charset="0"/>
+                <a:ea typeface="Calibri" panose="020F0502020204030204" pitchFamily="34" charset="0"/>
+                <a:cs typeface="Times New Roman" panose="02020603050405020304" pitchFamily="18" charset="0"/>
+              </a:rPr>
+              <a:t>messwin</a:t>
+            </a:r>
+            <a:r>
+              <a:rPr lang="en-US" dirty="0">
+                <a:effectLst/>
+                <a:latin typeface="Calibri" panose="020F0502020204030204" pitchFamily="34" charset="0"/>
+                <a:ea typeface="Calibri" panose="020F0502020204030204" pitchFamily="34" charset="0"/>
+                <a:cs typeface="Times New Roman" panose="02020603050405020304" pitchFamily="18" charset="0"/>
+              </a:rPr>
+              <a:t>, buff);</a:t>
+            </a:r>
+          </a:p>
+          <a:p>
+            <a:pPr marL="0" marR="0" indent="0">
+              <a:lnSpc>
+                <a:spcPct val="107000"/>
+              </a:lnSpc>
+              <a:spcBef>
+                <a:spcPts val="0"/>
+              </a:spcBef>
+              <a:spcAft>
+                <a:spcPts val="0"/>
+              </a:spcAft>
+              <a:buNone/>
+            </a:pPr>
+            <a:r>
+              <a:rPr lang="en-US" dirty="0" err="1">
+                <a:effectLst/>
+                <a:latin typeface="Calibri" panose="020F0502020204030204" pitchFamily="34" charset="0"/>
+                <a:ea typeface="Calibri" panose="020F0502020204030204" pitchFamily="34" charset="0"/>
+                <a:cs typeface="Times New Roman" panose="02020603050405020304" pitchFamily="18" charset="0"/>
+              </a:rPr>
+              <a:t>sprintf</a:t>
+            </a:r>
+            <a:r>
+              <a:rPr lang="en-US" dirty="0">
+                <a:effectLst/>
+                <a:latin typeface="Calibri" panose="020F0502020204030204" pitchFamily="34" charset="0"/>
+                <a:ea typeface="Calibri" panose="020F0502020204030204" pitchFamily="34" charset="0"/>
+                <a:cs typeface="Times New Roman" panose="02020603050405020304" pitchFamily="18" charset="0"/>
+              </a:rPr>
+              <a:t>(buff, </a:t>
+            </a:r>
+            <a:r>
+              <a:rPr lang="en-US" dirty="0">
+                <a:solidFill>
+                  <a:srgbClr val="00B050"/>
+                </a:solidFill>
+                <a:effectLst/>
+                <a:latin typeface="Calibri" panose="020F0502020204030204" pitchFamily="34" charset="0"/>
+                <a:ea typeface="Calibri" panose="020F0502020204030204" pitchFamily="34" charset="0"/>
+                <a:cs typeface="Times New Roman" panose="02020603050405020304" pitchFamily="18" charset="0"/>
+              </a:rPr>
+              <a:t>" Deleting messages in task 1 box \n"</a:t>
+            </a:r>
+            <a:r>
+              <a:rPr lang="en-US" dirty="0">
+                <a:effectLst/>
+                <a:latin typeface="Calibri" panose="020F0502020204030204" pitchFamily="34" charset="0"/>
+                <a:ea typeface="Calibri" panose="020F0502020204030204" pitchFamily="34" charset="0"/>
+                <a:cs typeface="Times New Roman" panose="02020603050405020304" pitchFamily="18" charset="0"/>
+              </a:rPr>
+              <a:t>);</a:t>
+            </a:r>
+          </a:p>
+          <a:p>
+            <a:pPr marL="0" marR="0" indent="0">
+              <a:lnSpc>
+                <a:spcPct val="107000"/>
+              </a:lnSpc>
+              <a:spcBef>
+                <a:spcPts val="0"/>
+              </a:spcBef>
+              <a:spcAft>
+                <a:spcPts val="0"/>
+              </a:spcAft>
+              <a:buNone/>
+            </a:pPr>
+            <a:r>
+              <a:rPr lang="en-US" dirty="0" err="1">
+                <a:effectLst/>
+                <a:latin typeface="Calibri" panose="020F0502020204030204" pitchFamily="34" charset="0"/>
+                <a:ea typeface="Calibri" panose="020F0502020204030204" pitchFamily="34" charset="0"/>
+                <a:cs typeface="Times New Roman" panose="02020603050405020304" pitchFamily="18" charset="0"/>
+              </a:rPr>
+              <a:t>write_window</a:t>
+            </a:r>
+            <a:r>
+              <a:rPr lang="en-US" dirty="0">
+                <a:effectLst/>
+                <a:latin typeface="Calibri" panose="020F0502020204030204" pitchFamily="34" charset="0"/>
+                <a:ea typeface="Calibri" panose="020F0502020204030204" pitchFamily="34" charset="0"/>
+                <a:cs typeface="Times New Roman" panose="02020603050405020304" pitchFamily="18" charset="0"/>
+              </a:rPr>
+              <a:t>(</a:t>
+            </a:r>
+            <a:r>
+              <a:rPr lang="en-US" dirty="0" err="1">
+                <a:effectLst/>
+                <a:latin typeface="Calibri" panose="020F0502020204030204" pitchFamily="34" charset="0"/>
+                <a:ea typeface="Calibri" panose="020F0502020204030204" pitchFamily="34" charset="0"/>
+                <a:cs typeface="Times New Roman" panose="02020603050405020304" pitchFamily="18" charset="0"/>
+              </a:rPr>
+              <a:t>messwin</a:t>
+            </a:r>
+            <a:r>
+              <a:rPr lang="en-US" dirty="0">
+                <a:effectLst/>
+                <a:latin typeface="Calibri" panose="020F0502020204030204" pitchFamily="34" charset="0"/>
+                <a:ea typeface="Calibri" panose="020F0502020204030204" pitchFamily="34" charset="0"/>
+                <a:cs typeface="Times New Roman" panose="02020603050405020304" pitchFamily="18" charset="0"/>
+              </a:rPr>
+              <a:t>, buff);</a:t>
+            </a:r>
+          </a:p>
+          <a:p>
+            <a:pPr marL="0" marR="0" indent="0">
+              <a:lnSpc>
+                <a:spcPct val="107000"/>
+              </a:lnSpc>
+              <a:spcBef>
+                <a:spcPts val="0"/>
+              </a:spcBef>
+              <a:spcAft>
+                <a:spcPts val="0"/>
+              </a:spcAft>
+              <a:buNone/>
+            </a:pPr>
+            <a:r>
+              <a:rPr lang="en-US" dirty="0" err="1">
+                <a:effectLst/>
+                <a:latin typeface="Calibri" panose="020F0502020204030204" pitchFamily="34" charset="0"/>
+                <a:ea typeface="Calibri" panose="020F0502020204030204" pitchFamily="34" charset="0"/>
+                <a:cs typeface="Times New Roman" panose="02020603050405020304" pitchFamily="18" charset="0"/>
+              </a:rPr>
+              <a:t>IPC.Message_DeleteAll</a:t>
+            </a:r>
+            <a:r>
+              <a:rPr lang="en-US" dirty="0">
+                <a:effectLst/>
+                <a:latin typeface="Calibri" panose="020F0502020204030204" pitchFamily="34" charset="0"/>
+                <a:ea typeface="Calibri" panose="020F0502020204030204" pitchFamily="34" charset="0"/>
+                <a:cs typeface="Times New Roman" panose="02020603050405020304" pitchFamily="18" charset="0"/>
+              </a:rPr>
+              <a:t>(1);</a:t>
+            </a:r>
+          </a:p>
+          <a:p>
+            <a:pPr marL="0" marR="0" indent="0">
+              <a:lnSpc>
+                <a:spcPct val="107000"/>
+              </a:lnSpc>
+              <a:spcBef>
+                <a:spcPts val="0"/>
+              </a:spcBef>
+              <a:spcAft>
+                <a:spcPts val="0"/>
+              </a:spcAft>
+              <a:buNone/>
+            </a:pPr>
+            <a:r>
+              <a:rPr lang="en-US" dirty="0" err="1">
+                <a:effectLst/>
+                <a:latin typeface="Calibri" panose="020F0502020204030204" pitchFamily="34" charset="0"/>
+                <a:ea typeface="Calibri" panose="020F0502020204030204" pitchFamily="34" charset="0"/>
+                <a:cs typeface="Times New Roman" panose="02020603050405020304" pitchFamily="18" charset="0"/>
+              </a:rPr>
+              <a:t>sprintf</a:t>
+            </a:r>
+            <a:r>
+              <a:rPr lang="en-US" dirty="0">
+                <a:effectLst/>
+                <a:latin typeface="Calibri" panose="020F0502020204030204" pitchFamily="34" charset="0"/>
+                <a:ea typeface="Calibri" panose="020F0502020204030204" pitchFamily="34" charset="0"/>
+                <a:cs typeface="Times New Roman" panose="02020603050405020304" pitchFamily="18" charset="0"/>
+              </a:rPr>
+              <a:t>(buff, </a:t>
+            </a:r>
+            <a:r>
+              <a:rPr lang="en-US" dirty="0">
+                <a:solidFill>
+                  <a:srgbClr val="00B050"/>
+                </a:solidFill>
+                <a:effectLst/>
+                <a:latin typeface="Calibri" panose="020F0502020204030204" pitchFamily="34" charset="0"/>
+                <a:ea typeface="Calibri" panose="020F0502020204030204" pitchFamily="34" charset="0"/>
+                <a:cs typeface="Times New Roman" panose="02020603050405020304" pitchFamily="18" charset="0"/>
+              </a:rPr>
+              <a:t>" # of messages in task1 box = %d \n"</a:t>
+            </a:r>
+            <a:r>
+              <a:rPr lang="en-US" dirty="0">
+                <a:effectLst/>
+                <a:latin typeface="Calibri" panose="020F0502020204030204" pitchFamily="34" charset="0"/>
+                <a:ea typeface="Calibri" panose="020F0502020204030204" pitchFamily="34" charset="0"/>
+                <a:cs typeface="Times New Roman" panose="02020603050405020304" pitchFamily="18" charset="0"/>
+              </a:rPr>
+              <a:t> , </a:t>
+            </a:r>
+            <a:r>
+              <a:rPr lang="en-US" dirty="0" err="1">
+                <a:effectLst/>
+                <a:latin typeface="Calibri" panose="020F0502020204030204" pitchFamily="34" charset="0"/>
+                <a:ea typeface="Calibri" panose="020F0502020204030204" pitchFamily="34" charset="0"/>
+                <a:cs typeface="Times New Roman" panose="02020603050405020304" pitchFamily="18" charset="0"/>
+              </a:rPr>
+              <a:t>IPC.Message_Count</a:t>
+            </a:r>
+            <a:r>
+              <a:rPr lang="en-US" dirty="0">
+                <a:effectLst/>
+                <a:latin typeface="Calibri" panose="020F0502020204030204" pitchFamily="34" charset="0"/>
+                <a:ea typeface="Calibri" panose="020F0502020204030204" pitchFamily="34" charset="0"/>
+                <a:cs typeface="Times New Roman" panose="02020603050405020304" pitchFamily="18" charset="0"/>
+              </a:rPr>
+              <a:t>(1));</a:t>
+            </a:r>
+          </a:p>
+          <a:p>
+            <a:pPr marL="0" marR="0" indent="0">
+              <a:lnSpc>
+                <a:spcPct val="107000"/>
+              </a:lnSpc>
+              <a:spcBef>
+                <a:spcPts val="0"/>
+              </a:spcBef>
+              <a:spcAft>
+                <a:spcPts val="0"/>
+              </a:spcAft>
+              <a:buNone/>
+            </a:pPr>
+            <a:r>
+              <a:rPr lang="en-US" dirty="0" err="1">
+                <a:effectLst/>
+                <a:latin typeface="Calibri" panose="020F0502020204030204" pitchFamily="34" charset="0"/>
+                <a:ea typeface="Calibri" panose="020F0502020204030204" pitchFamily="34" charset="0"/>
+                <a:cs typeface="Times New Roman" panose="02020603050405020304" pitchFamily="18" charset="0"/>
+              </a:rPr>
+              <a:t>write_window</a:t>
+            </a:r>
+            <a:r>
+              <a:rPr lang="en-US" dirty="0">
+                <a:effectLst/>
+                <a:latin typeface="Calibri" panose="020F0502020204030204" pitchFamily="34" charset="0"/>
+                <a:ea typeface="Calibri" panose="020F0502020204030204" pitchFamily="34" charset="0"/>
+                <a:cs typeface="Times New Roman" panose="02020603050405020304" pitchFamily="18" charset="0"/>
+              </a:rPr>
+              <a:t>(</a:t>
+            </a:r>
+            <a:r>
+              <a:rPr lang="en-US" dirty="0" err="1">
+                <a:effectLst/>
+                <a:latin typeface="Calibri" panose="020F0502020204030204" pitchFamily="34" charset="0"/>
+                <a:ea typeface="Calibri" panose="020F0502020204030204" pitchFamily="34" charset="0"/>
+                <a:cs typeface="Times New Roman" panose="02020603050405020304" pitchFamily="18" charset="0"/>
+              </a:rPr>
+              <a:t>messwin</a:t>
+            </a:r>
+            <a:r>
+              <a:rPr lang="en-US" dirty="0">
+                <a:effectLst/>
+                <a:latin typeface="Calibri" panose="020F0502020204030204" pitchFamily="34" charset="0"/>
+                <a:ea typeface="Calibri" panose="020F0502020204030204" pitchFamily="34" charset="0"/>
+                <a:cs typeface="Times New Roman" panose="02020603050405020304" pitchFamily="18" charset="0"/>
+              </a:rPr>
+              <a:t>, buff);</a:t>
+            </a:r>
+          </a:p>
+          <a:p>
+            <a:pPr marL="0" marR="0" indent="0">
+              <a:lnSpc>
+                <a:spcPct val="107000"/>
+              </a:lnSpc>
+              <a:spcBef>
+                <a:spcPts val="0"/>
+              </a:spcBef>
+              <a:spcAft>
+                <a:spcPts val="0"/>
+              </a:spcAft>
+              <a:buNone/>
+            </a:pPr>
+            <a:r>
+              <a:rPr lang="en-US" dirty="0" err="1">
+                <a:effectLst/>
+                <a:latin typeface="Calibri" panose="020F0502020204030204" pitchFamily="34" charset="0"/>
+                <a:ea typeface="Calibri" panose="020F0502020204030204" pitchFamily="34" charset="0"/>
+                <a:cs typeface="Times New Roman" panose="02020603050405020304" pitchFamily="18" charset="0"/>
+              </a:rPr>
+              <a:t>sprintf</a:t>
+            </a:r>
+            <a:r>
+              <a:rPr lang="en-US" dirty="0">
+                <a:effectLst/>
+                <a:latin typeface="Calibri" panose="020F0502020204030204" pitchFamily="34" charset="0"/>
+                <a:ea typeface="Calibri" panose="020F0502020204030204" pitchFamily="34" charset="0"/>
+                <a:cs typeface="Times New Roman" panose="02020603050405020304" pitchFamily="18" charset="0"/>
+              </a:rPr>
+              <a:t>(buff, </a:t>
+            </a:r>
+            <a:r>
+              <a:rPr lang="en-US" dirty="0">
+                <a:solidFill>
+                  <a:srgbClr val="00B050"/>
+                </a:solidFill>
+                <a:effectLst/>
+                <a:latin typeface="Calibri" panose="020F0502020204030204" pitchFamily="34" charset="0"/>
+                <a:ea typeface="Calibri" panose="020F0502020204030204" pitchFamily="34" charset="0"/>
+                <a:cs typeface="Times New Roman" panose="02020603050405020304" pitchFamily="18" charset="0"/>
+              </a:rPr>
+              <a:t>" # of messages in all boxes = %d \n" </a:t>
+            </a:r>
+            <a:r>
+              <a:rPr lang="en-US" dirty="0">
+                <a:effectLst/>
+                <a:latin typeface="Calibri" panose="020F0502020204030204" pitchFamily="34" charset="0"/>
+                <a:ea typeface="Calibri" panose="020F0502020204030204" pitchFamily="34" charset="0"/>
+                <a:cs typeface="Times New Roman" panose="02020603050405020304" pitchFamily="18" charset="0"/>
+              </a:rPr>
+              <a:t>, </a:t>
+            </a:r>
+            <a:r>
+              <a:rPr lang="en-US" dirty="0" err="1">
+                <a:effectLst/>
+                <a:latin typeface="Calibri" panose="020F0502020204030204" pitchFamily="34" charset="0"/>
+                <a:ea typeface="Calibri" panose="020F0502020204030204" pitchFamily="34" charset="0"/>
+                <a:cs typeface="Times New Roman" panose="02020603050405020304" pitchFamily="18" charset="0"/>
+              </a:rPr>
+              <a:t>IPC.Message_Count</a:t>
+            </a:r>
+            <a:r>
+              <a:rPr lang="en-US" dirty="0">
+                <a:effectLst/>
+                <a:latin typeface="Calibri" panose="020F0502020204030204" pitchFamily="34" charset="0"/>
+                <a:ea typeface="Calibri" panose="020F0502020204030204" pitchFamily="34" charset="0"/>
+                <a:cs typeface="Times New Roman" panose="02020603050405020304" pitchFamily="18" charset="0"/>
+              </a:rPr>
+              <a:t>());</a:t>
+            </a:r>
+          </a:p>
+          <a:p>
+            <a:pPr marL="0" marR="0" indent="0">
+              <a:lnSpc>
+                <a:spcPct val="107000"/>
+              </a:lnSpc>
+              <a:spcBef>
+                <a:spcPts val="0"/>
+              </a:spcBef>
+              <a:spcAft>
+                <a:spcPts val="0"/>
+              </a:spcAft>
+              <a:buNone/>
+            </a:pPr>
+            <a:r>
+              <a:rPr lang="en-US" dirty="0" err="1">
+                <a:effectLst/>
+                <a:latin typeface="Calibri" panose="020F0502020204030204" pitchFamily="34" charset="0"/>
+                <a:ea typeface="Calibri" panose="020F0502020204030204" pitchFamily="34" charset="0"/>
+                <a:cs typeface="Times New Roman" panose="02020603050405020304" pitchFamily="18" charset="0"/>
+              </a:rPr>
+              <a:t>write_window</a:t>
+            </a:r>
+            <a:r>
+              <a:rPr lang="en-US" dirty="0">
+                <a:effectLst/>
+                <a:latin typeface="Calibri" panose="020F0502020204030204" pitchFamily="34" charset="0"/>
+                <a:ea typeface="Calibri" panose="020F0502020204030204" pitchFamily="34" charset="0"/>
+                <a:cs typeface="Times New Roman" panose="02020603050405020304" pitchFamily="18" charset="0"/>
+              </a:rPr>
+              <a:t>(</a:t>
+            </a:r>
+            <a:r>
+              <a:rPr lang="en-US" dirty="0" err="1">
+                <a:effectLst/>
+                <a:latin typeface="Calibri" panose="020F0502020204030204" pitchFamily="34" charset="0"/>
+                <a:ea typeface="Calibri" panose="020F0502020204030204" pitchFamily="34" charset="0"/>
+                <a:cs typeface="Times New Roman" panose="02020603050405020304" pitchFamily="18" charset="0"/>
+              </a:rPr>
+              <a:t>messwin</a:t>
+            </a:r>
+            <a:r>
+              <a:rPr lang="en-US" dirty="0">
+                <a:effectLst/>
+                <a:latin typeface="Calibri" panose="020F0502020204030204" pitchFamily="34" charset="0"/>
+                <a:ea typeface="Calibri" panose="020F0502020204030204" pitchFamily="34" charset="0"/>
+                <a:cs typeface="Times New Roman" panose="02020603050405020304" pitchFamily="18" charset="0"/>
+              </a:rPr>
+              <a:t>, buff);</a:t>
+            </a:r>
+          </a:p>
+          <a:p>
+            <a:pPr marL="36900" indent="0">
+              <a:buNone/>
+            </a:pPr>
             <a:endParaRPr lang="en-US" dirty="0"/>
           </a:p>
         </p:txBody>
@@ -8004,13 +8018,20 @@
     </p:spTree>
     <p:extLst>
       <p:ext uri="{BB962C8B-B14F-4D97-AF65-F5344CB8AC3E}">
-        <p14:creationId xmlns:p14="http://schemas.microsoft.com/office/powerpoint/2010/main" val="2502610320"/>
+        <p14:creationId xmlns:p14="http://schemas.microsoft.com/office/powerpoint/2010/main" val="3169543746"/>
       </p:ext>
     </p:extLst>
   </p:cSld>
   <p:clrMapOvr>
     <a:masterClrMapping/>
   </p:clrMapOvr>
+  <p:timing>
+    <p:tnLst>
+      <p:par>
+        <p:cTn id="1" dur="indefinite" restart="never" nodeType="tmRoot"/>
+      </p:par>
+    </p:tnLst>
+  </p:timing>
 </p:sld>
 </file>
 
@@ -8036,7 +8057,7 @@
           <p:cNvPr id="2" name="Title 1">
             <a:extLst>
               <a:ext uri="{FF2B5EF4-FFF2-40B4-BE49-F238E27FC236}">
-                <a16:creationId xmlns:a16="http://schemas.microsoft.com/office/drawing/2014/main" id="{6273F60F-264A-481D-AE8F-CB2B8324580C}"/>
+                <a16:creationId xmlns:a16="http://schemas.microsoft.com/office/drawing/2014/main" xmlns="" id="{F8435390-AE63-44E4-98FB-166DFCB3E7BF}"/>
               </a:ext>
             </a:extLst>
           </p:cNvPr>
@@ -8058,10 +8079,10 @@
       </p:sp>
       <p:pic>
         <p:nvPicPr>
-          <p:cNvPr id="5" name="Content Placeholder 4" descr="A screenshot of a computer&#10;&#10;Description automatically generated">
+          <p:cNvPr id="5" name="Content Placeholder 4" descr="A screen shot of a computer&#10;&#10;Description automatically generated">
             <a:extLst>
               <a:ext uri="{FF2B5EF4-FFF2-40B4-BE49-F238E27FC236}">
-                <a16:creationId xmlns:a16="http://schemas.microsoft.com/office/drawing/2014/main" id="{438F952E-28C7-4FC0-B6B3-0A3912CF5177}"/>
+                <a16:creationId xmlns:a16="http://schemas.microsoft.com/office/drawing/2014/main" xmlns="" id="{B7538621-890E-45E3-B965-2968B2262BFA}"/>
               </a:ext>
             </a:extLst>
           </p:cNvPr>
@@ -8086,21 +8107,28 @@
         </p:blipFill>
         <p:spPr>
           <a:xfrm>
-            <a:off x="3329522" y="1731963"/>
-            <a:ext cx="5523431" cy="4059237"/>
+            <a:off x="291713" y="251011"/>
+            <a:ext cx="11597926" cy="6382871"/>
           </a:xfrm>
         </p:spPr>
       </p:pic>
     </p:spTree>
     <p:extLst>
       <p:ext uri="{BB962C8B-B14F-4D97-AF65-F5344CB8AC3E}">
-        <p14:creationId xmlns:p14="http://schemas.microsoft.com/office/powerpoint/2010/main" val="3329937859"/>
+        <p14:creationId xmlns:p14="http://schemas.microsoft.com/office/powerpoint/2010/main" val="1027919614"/>
       </p:ext>
     </p:extLst>
   </p:cSld>
   <p:clrMapOvr>
     <a:masterClrMapping/>
   </p:clrMapOvr>
+  <p:timing>
+    <p:tnLst>
+      <p:par>
+        <p:cTn id="1" dur="indefinite" restart="never" nodeType="tmRoot"/>
+      </p:par>
+    </p:tnLst>
+  </p:timing>
 </p:sld>
 </file>
 
@@ -8126,7 +8154,7 @@
           <p:cNvPr id="2" name="Title 1">
             <a:extLst>
               <a:ext uri="{FF2B5EF4-FFF2-40B4-BE49-F238E27FC236}">
-                <a16:creationId xmlns:a16="http://schemas.microsoft.com/office/drawing/2014/main" id="{551D838F-BC08-4FBE-A8F6-922D984BB2B5}"/>
+                <a16:creationId xmlns:a16="http://schemas.microsoft.com/office/drawing/2014/main" xmlns="" id="{551D838F-BC08-4FBE-A8F6-922D984BB2B5}"/>
               </a:ext>
             </a:extLst>
           </p:cNvPr>
@@ -8158,7 +8186,7 @@
           <p:cNvPr id="3" name="Content Placeholder 2">
             <a:extLst>
               <a:ext uri="{FF2B5EF4-FFF2-40B4-BE49-F238E27FC236}">
-                <a16:creationId xmlns:a16="http://schemas.microsoft.com/office/drawing/2014/main" id="{E90871D8-0BFF-44CF-8C1A-A78C69059659}"/>
+                <a16:creationId xmlns:a16="http://schemas.microsoft.com/office/drawing/2014/main" xmlns="" id="{E90871D8-0BFF-44CF-8C1A-A78C69059659}"/>
               </a:ext>
             </a:extLst>
           </p:cNvPr>
@@ -8218,6 +8246,13 @@
   <p:clrMapOvr>
     <a:masterClrMapping/>
   </p:clrMapOvr>
+  <p:timing>
+    <p:tnLst>
+      <p:par>
+        <p:cTn id="1" dur="indefinite" restart="never" nodeType="tmRoot"/>
+      </p:par>
+    </p:tnLst>
+  </p:timing>
 </p:sld>
 </file>
 
@@ -8243,7 +8278,7 @@
           <p:cNvPr id="2" name="Title 1">
             <a:extLst>
               <a:ext uri="{FF2B5EF4-FFF2-40B4-BE49-F238E27FC236}">
-                <a16:creationId xmlns:a16="http://schemas.microsoft.com/office/drawing/2014/main" id="{112F466D-C0CA-4909-91F8-38C3A0C788A6}"/>
+                <a16:creationId xmlns:a16="http://schemas.microsoft.com/office/drawing/2014/main" xmlns="" id="{112F466D-C0CA-4909-91F8-38C3A0C788A6}"/>
               </a:ext>
             </a:extLst>
           </p:cNvPr>
@@ -8271,7 +8306,7 @@
           <p:cNvPr id="3" name="Content Placeholder 2">
             <a:extLst>
               <a:ext uri="{FF2B5EF4-FFF2-40B4-BE49-F238E27FC236}">
-                <a16:creationId xmlns:a16="http://schemas.microsoft.com/office/drawing/2014/main" id="{F38EB51E-4D3A-43CA-9FFB-613CF3BB0275}"/>
+                <a16:creationId xmlns:a16="http://schemas.microsoft.com/office/drawing/2014/main" xmlns="" id="{F38EB51E-4D3A-43CA-9FFB-613CF3BB0275}"/>
               </a:ext>
             </a:extLst>
           </p:cNvPr>
@@ -8287,853 +8322,41 @@
           <a:bodyPr/>
           <a:lstStyle/>
           <a:p>
-            <a:pPr marL="0" marR="0" indent="0">
-              <a:lnSpc>
-                <a:spcPct val="107000"/>
-              </a:lnSpc>
-              <a:spcBef>
-                <a:spcPts val="0"/>
-              </a:spcBef>
-              <a:spcAft>
-                <a:spcPts val="0"/>
-              </a:spcAft>
-              <a:buNone/>
-            </a:pPr>
-            <a:r>
-              <a:rPr lang="en-US" dirty="0" err="1">
-                <a:effectLst/>
-                <a:latin typeface="Calibri" panose="020F0502020204030204" pitchFamily="34" charset="0"/>
-                <a:ea typeface="Calibri" panose="020F0502020204030204" pitchFamily="34" charset="0"/>
-                <a:cs typeface="Times New Roman" panose="02020603050405020304" pitchFamily="18" charset="0"/>
-              </a:rPr>
-              <a:t>Mem_Mgr.Core_Dump</a:t>
-            </a:r>
-            <a:r>
-              <a:rPr lang="en-US" dirty="0">
-                <a:effectLst/>
-                <a:latin typeface="Calibri" panose="020F0502020204030204" pitchFamily="34" charset="0"/>
-                <a:ea typeface="Calibri" panose="020F0502020204030204" pitchFamily="34" charset="0"/>
-                <a:cs typeface="Times New Roman" panose="02020603050405020304" pitchFamily="18" charset="0"/>
-              </a:rPr>
-              <a:t>(</a:t>
-            </a:r>
-            <a:r>
-              <a:rPr lang="en-US" dirty="0" err="1">
-                <a:effectLst/>
-                <a:latin typeface="Calibri" panose="020F0502020204030204" pitchFamily="34" charset="0"/>
-                <a:ea typeface="Calibri" panose="020F0502020204030204" pitchFamily="34" charset="0"/>
-                <a:cs typeface="Times New Roman" panose="02020603050405020304" pitchFamily="18" charset="0"/>
-              </a:rPr>
-              <a:t>memwin</a:t>
-            </a:r>
-            <a:r>
-              <a:rPr lang="en-US" dirty="0">
-                <a:effectLst/>
-                <a:latin typeface="Calibri" panose="020F0502020204030204" pitchFamily="34" charset="0"/>
-                <a:ea typeface="Calibri" panose="020F0502020204030204" pitchFamily="34" charset="0"/>
-                <a:cs typeface="Times New Roman" panose="02020603050405020304" pitchFamily="18" charset="0"/>
-              </a:rPr>
-              <a:t>);  </a:t>
-            </a:r>
-          </a:p>
-          <a:p>
-            <a:pPr marL="0" marR="0" indent="0">
-              <a:lnSpc>
-                <a:spcPct val="107000"/>
-              </a:lnSpc>
-              <a:spcBef>
-                <a:spcPts val="0"/>
-              </a:spcBef>
-              <a:spcAft>
-                <a:spcPts val="0"/>
-              </a:spcAft>
-              <a:buNone/>
-            </a:pPr>
-            <a:r>
-              <a:rPr lang="en-US" dirty="0" err="1">
-                <a:effectLst/>
-                <a:latin typeface="Calibri" panose="020F0502020204030204" pitchFamily="34" charset="0"/>
-                <a:ea typeface="Calibri" panose="020F0502020204030204" pitchFamily="34" charset="0"/>
-                <a:cs typeface="Times New Roman" panose="02020603050405020304" pitchFamily="18" charset="0"/>
-              </a:rPr>
-              <a:t>write_window</a:t>
-            </a:r>
-            <a:r>
-              <a:rPr lang="en-US" dirty="0">
-                <a:effectLst/>
-                <a:latin typeface="Calibri" panose="020F0502020204030204" pitchFamily="34" charset="0"/>
-                <a:ea typeface="Calibri" panose="020F0502020204030204" pitchFamily="34" charset="0"/>
-                <a:cs typeface="Times New Roman" panose="02020603050405020304" pitchFamily="18" charset="0"/>
-              </a:rPr>
-              <a:t>(</a:t>
-            </a:r>
-            <a:r>
-              <a:rPr lang="en-US" dirty="0" err="1">
-                <a:effectLst/>
-                <a:latin typeface="Calibri" panose="020F0502020204030204" pitchFamily="34" charset="0"/>
-                <a:ea typeface="Calibri" panose="020F0502020204030204" pitchFamily="34" charset="0"/>
-                <a:cs typeface="Times New Roman" panose="02020603050405020304" pitchFamily="18" charset="0"/>
-              </a:rPr>
-              <a:t>logwin</a:t>
-            </a:r>
-            <a:r>
-              <a:rPr lang="en-US" dirty="0">
-                <a:effectLst/>
-                <a:latin typeface="Calibri" panose="020F0502020204030204" pitchFamily="34" charset="0"/>
-                <a:ea typeface="Calibri" panose="020F0502020204030204" pitchFamily="34" charset="0"/>
-                <a:cs typeface="Times New Roman" panose="02020603050405020304" pitchFamily="18" charset="0"/>
-              </a:rPr>
-              <a:t>, </a:t>
-            </a:r>
-            <a:r>
-              <a:rPr lang="en-US" dirty="0">
-                <a:solidFill>
-                  <a:srgbClr val="00B050"/>
-                </a:solidFill>
-                <a:effectLst/>
-                <a:latin typeface="Calibri" panose="020F0502020204030204" pitchFamily="34" charset="0"/>
-                <a:ea typeface="Calibri" panose="020F0502020204030204" pitchFamily="34" charset="0"/>
-                <a:cs typeface="Times New Roman" panose="02020603050405020304" pitchFamily="18" charset="0"/>
-              </a:rPr>
-              <a:t>" Calling </a:t>
-            </a:r>
-            <a:r>
-              <a:rPr lang="en-US" dirty="0" err="1">
-                <a:solidFill>
-                  <a:srgbClr val="00B050"/>
-                </a:solidFill>
-                <a:effectLst/>
-                <a:latin typeface="Calibri" panose="020F0502020204030204" pitchFamily="34" charset="0"/>
-                <a:ea typeface="Calibri" panose="020F0502020204030204" pitchFamily="34" charset="0"/>
-                <a:cs typeface="Times New Roman" panose="02020603050405020304" pitchFamily="18" charset="0"/>
-              </a:rPr>
-              <a:t>Core_Dump</a:t>
-            </a:r>
-            <a:r>
-              <a:rPr lang="en-US" dirty="0">
-                <a:solidFill>
-                  <a:srgbClr val="00B050"/>
-                </a:solidFill>
-                <a:effectLst/>
-                <a:latin typeface="Calibri" panose="020F0502020204030204" pitchFamily="34" charset="0"/>
-                <a:ea typeface="Calibri" panose="020F0502020204030204" pitchFamily="34" charset="0"/>
-                <a:cs typeface="Times New Roman" panose="02020603050405020304" pitchFamily="18" charset="0"/>
-              </a:rPr>
-              <a:t>()\n"</a:t>
-            </a:r>
-            <a:r>
-              <a:rPr lang="en-US" dirty="0">
-                <a:effectLst/>
-                <a:latin typeface="Calibri" panose="020F0502020204030204" pitchFamily="34" charset="0"/>
-                <a:ea typeface="Calibri" panose="020F0502020204030204" pitchFamily="34" charset="0"/>
-                <a:cs typeface="Times New Roman" panose="02020603050405020304" pitchFamily="18" charset="0"/>
-              </a:rPr>
-              <a:t>);</a:t>
-            </a:r>
-          </a:p>
-          <a:p>
-            <a:pPr marL="0" marR="0" indent="0">
-              <a:lnSpc>
-                <a:spcPct val="107000"/>
-              </a:lnSpc>
-              <a:spcBef>
-                <a:spcPts val="0"/>
-              </a:spcBef>
-              <a:spcAft>
-                <a:spcPts val="0"/>
-              </a:spcAft>
-              <a:buNone/>
-            </a:pPr>
-            <a:r>
-              <a:rPr lang="en-US" dirty="0" err="1">
-                <a:effectLst/>
-                <a:latin typeface="Calibri" panose="020F0502020204030204" pitchFamily="34" charset="0"/>
-                <a:ea typeface="Calibri" panose="020F0502020204030204" pitchFamily="34" charset="0"/>
-                <a:cs typeface="Times New Roman" panose="02020603050405020304" pitchFamily="18" charset="0"/>
-              </a:rPr>
-              <a:t>write_window</a:t>
-            </a:r>
-            <a:r>
-              <a:rPr lang="en-US" dirty="0">
-                <a:effectLst/>
-                <a:latin typeface="Calibri" panose="020F0502020204030204" pitchFamily="34" charset="0"/>
-                <a:ea typeface="Calibri" panose="020F0502020204030204" pitchFamily="34" charset="0"/>
-                <a:cs typeface="Times New Roman" panose="02020603050405020304" pitchFamily="18" charset="0"/>
-              </a:rPr>
-              <a:t>(</a:t>
-            </a:r>
-            <a:r>
-              <a:rPr lang="en-US" dirty="0" err="1">
-                <a:effectLst/>
-                <a:latin typeface="Calibri" panose="020F0502020204030204" pitchFamily="34" charset="0"/>
-                <a:ea typeface="Calibri" panose="020F0502020204030204" pitchFamily="34" charset="0"/>
-                <a:cs typeface="Times New Roman" panose="02020603050405020304" pitchFamily="18" charset="0"/>
-              </a:rPr>
-              <a:t>logwin</a:t>
-            </a:r>
-            <a:r>
-              <a:rPr lang="en-US" dirty="0">
-                <a:effectLst/>
-                <a:latin typeface="Calibri" panose="020F0502020204030204" pitchFamily="34" charset="0"/>
-                <a:ea typeface="Calibri" panose="020F0502020204030204" pitchFamily="34" charset="0"/>
-                <a:cs typeface="Times New Roman" panose="02020603050405020304" pitchFamily="18" charset="0"/>
-              </a:rPr>
-              <a:t>, </a:t>
-            </a:r>
-            <a:r>
-              <a:rPr lang="en-US" dirty="0">
-                <a:solidFill>
-                  <a:srgbClr val="00B050"/>
-                </a:solidFill>
-                <a:effectLst/>
-                <a:latin typeface="Calibri" panose="020F0502020204030204" pitchFamily="34" charset="0"/>
-                <a:ea typeface="Calibri" panose="020F0502020204030204" pitchFamily="34" charset="0"/>
-                <a:cs typeface="Times New Roman" panose="02020603050405020304" pitchFamily="18" charset="0"/>
-              </a:rPr>
-              <a:t>" Printing memory data: \n"</a:t>
-            </a:r>
-            <a:r>
-              <a:rPr lang="en-US" dirty="0">
-                <a:effectLst/>
-                <a:latin typeface="Calibri" panose="020F0502020204030204" pitchFamily="34" charset="0"/>
-                <a:ea typeface="Calibri" panose="020F0502020204030204" pitchFamily="34" charset="0"/>
-                <a:cs typeface="Times New Roman" panose="02020603050405020304" pitchFamily="18" charset="0"/>
-              </a:rPr>
-              <a:t>);</a:t>
-            </a:r>
-          </a:p>
-          <a:p>
-            <a:pPr marL="0" marR="0" indent="0">
-              <a:lnSpc>
-                <a:spcPct val="107000"/>
-              </a:lnSpc>
-              <a:spcBef>
-                <a:spcPts val="0"/>
-              </a:spcBef>
-              <a:spcAft>
-                <a:spcPts val="0"/>
-              </a:spcAft>
-              <a:buNone/>
-            </a:pPr>
-            <a:r>
-              <a:rPr lang="en-US" dirty="0" err="1">
-                <a:effectLst/>
-                <a:latin typeface="Calibri" panose="020F0502020204030204" pitchFamily="34" charset="0"/>
-                <a:ea typeface="Calibri" panose="020F0502020204030204" pitchFamily="34" charset="0"/>
-                <a:cs typeface="Times New Roman" panose="02020603050405020304" pitchFamily="18" charset="0"/>
-              </a:rPr>
-              <a:t>sprintf</a:t>
-            </a:r>
-            <a:r>
-              <a:rPr lang="en-US" dirty="0">
-                <a:effectLst/>
-                <a:latin typeface="Calibri" panose="020F0502020204030204" pitchFamily="34" charset="0"/>
-                <a:ea typeface="Calibri" panose="020F0502020204030204" pitchFamily="34" charset="0"/>
-                <a:cs typeface="Times New Roman" panose="02020603050405020304" pitchFamily="18" charset="0"/>
-              </a:rPr>
-              <a:t>(buff, </a:t>
-            </a:r>
-            <a:r>
-              <a:rPr lang="en-US" dirty="0">
-                <a:solidFill>
-                  <a:srgbClr val="00B050"/>
-                </a:solidFill>
-                <a:effectLst/>
-                <a:latin typeface="Calibri" panose="020F0502020204030204" pitchFamily="34" charset="0"/>
-                <a:ea typeface="Calibri" panose="020F0502020204030204" pitchFamily="34" charset="0"/>
-                <a:cs typeface="Times New Roman" panose="02020603050405020304" pitchFamily="18" charset="0"/>
-              </a:rPr>
-              <a:t>" memory largest: %d smallest: %d left: %d \n"</a:t>
-            </a:r>
-            <a:r>
-              <a:rPr lang="en-US" dirty="0">
-                <a:effectLst/>
-                <a:latin typeface="Calibri" panose="020F0502020204030204" pitchFamily="34" charset="0"/>
-                <a:ea typeface="Calibri" panose="020F0502020204030204" pitchFamily="34" charset="0"/>
-                <a:cs typeface="Times New Roman" panose="02020603050405020304" pitchFamily="18" charset="0"/>
-              </a:rPr>
-              <a:t>, </a:t>
-            </a:r>
-            <a:r>
-              <a:rPr lang="en-US" dirty="0" err="1">
-                <a:effectLst/>
-                <a:latin typeface="Calibri" panose="020F0502020204030204" pitchFamily="34" charset="0"/>
-                <a:ea typeface="Calibri" panose="020F0502020204030204" pitchFamily="34" charset="0"/>
-                <a:cs typeface="Times New Roman" panose="02020603050405020304" pitchFamily="18" charset="0"/>
-              </a:rPr>
-              <a:t>Mem_Mgr.Mem_Largest</a:t>
-            </a:r>
-            <a:r>
-              <a:rPr lang="en-US" dirty="0">
-                <a:effectLst/>
-                <a:latin typeface="Calibri" panose="020F0502020204030204" pitchFamily="34" charset="0"/>
-                <a:ea typeface="Calibri" panose="020F0502020204030204" pitchFamily="34" charset="0"/>
-                <a:cs typeface="Times New Roman" panose="02020603050405020304" pitchFamily="18" charset="0"/>
-              </a:rPr>
-              <a:t>(), 	</a:t>
-            </a:r>
-            <a:r>
-              <a:rPr lang="en-US" dirty="0" err="1">
-                <a:effectLst/>
-                <a:latin typeface="Calibri" panose="020F0502020204030204" pitchFamily="34" charset="0"/>
-                <a:ea typeface="Calibri" panose="020F0502020204030204" pitchFamily="34" charset="0"/>
-                <a:cs typeface="Times New Roman" panose="02020603050405020304" pitchFamily="18" charset="0"/>
-              </a:rPr>
-              <a:t>Mem_Mgr.Mem_Smallest</a:t>
-            </a:r>
-            <a:r>
-              <a:rPr lang="en-US" dirty="0">
-                <a:effectLst/>
-                <a:latin typeface="Calibri" panose="020F0502020204030204" pitchFamily="34" charset="0"/>
-                <a:ea typeface="Calibri" panose="020F0502020204030204" pitchFamily="34" charset="0"/>
-                <a:cs typeface="Times New Roman" panose="02020603050405020304" pitchFamily="18" charset="0"/>
-              </a:rPr>
-              <a:t>(), </a:t>
-            </a:r>
-            <a:r>
-              <a:rPr lang="en-US" dirty="0" err="1">
-                <a:effectLst/>
-                <a:latin typeface="Calibri" panose="020F0502020204030204" pitchFamily="34" charset="0"/>
-                <a:ea typeface="Calibri" panose="020F0502020204030204" pitchFamily="34" charset="0"/>
-                <a:cs typeface="Times New Roman" panose="02020603050405020304" pitchFamily="18" charset="0"/>
-              </a:rPr>
-              <a:t>Mem_Mgr.Mem_Left</a:t>
-            </a:r>
-            <a:r>
-              <a:rPr lang="en-US" dirty="0">
-                <a:effectLst/>
-                <a:latin typeface="Calibri" panose="020F0502020204030204" pitchFamily="34" charset="0"/>
-                <a:ea typeface="Calibri" panose="020F0502020204030204" pitchFamily="34" charset="0"/>
-                <a:cs typeface="Times New Roman" panose="02020603050405020304" pitchFamily="18" charset="0"/>
-              </a:rPr>
-              <a:t>());</a:t>
-            </a:r>
-          </a:p>
-          <a:p>
-            <a:pPr marL="0" marR="0" indent="0">
-              <a:lnSpc>
-                <a:spcPct val="107000"/>
-              </a:lnSpc>
-              <a:spcBef>
-                <a:spcPts val="0"/>
-              </a:spcBef>
-              <a:spcAft>
-                <a:spcPts val="0"/>
-              </a:spcAft>
-              <a:buNone/>
-            </a:pPr>
-            <a:r>
-              <a:rPr lang="en-US" dirty="0" err="1">
-                <a:effectLst/>
-                <a:latin typeface="Calibri" panose="020F0502020204030204" pitchFamily="34" charset="0"/>
-                <a:ea typeface="Calibri" panose="020F0502020204030204" pitchFamily="34" charset="0"/>
-                <a:cs typeface="Times New Roman" panose="02020603050405020304" pitchFamily="18" charset="0"/>
-              </a:rPr>
-              <a:t>write_window</a:t>
-            </a:r>
-            <a:r>
-              <a:rPr lang="en-US" dirty="0">
-                <a:effectLst/>
-                <a:latin typeface="Calibri" panose="020F0502020204030204" pitchFamily="34" charset="0"/>
-                <a:ea typeface="Calibri" panose="020F0502020204030204" pitchFamily="34" charset="0"/>
-                <a:cs typeface="Times New Roman" panose="02020603050405020304" pitchFamily="18" charset="0"/>
-              </a:rPr>
-              <a:t>(</a:t>
-            </a:r>
-            <a:r>
-              <a:rPr lang="en-US" dirty="0" err="1">
-                <a:effectLst/>
-                <a:latin typeface="Calibri" panose="020F0502020204030204" pitchFamily="34" charset="0"/>
-                <a:ea typeface="Calibri" panose="020F0502020204030204" pitchFamily="34" charset="0"/>
-                <a:cs typeface="Times New Roman" panose="02020603050405020304" pitchFamily="18" charset="0"/>
-              </a:rPr>
-              <a:t>logwin</a:t>
-            </a:r>
-            <a:r>
-              <a:rPr lang="en-US" dirty="0">
-                <a:effectLst/>
-                <a:latin typeface="Calibri" panose="020F0502020204030204" pitchFamily="34" charset="0"/>
-                <a:ea typeface="Calibri" panose="020F0502020204030204" pitchFamily="34" charset="0"/>
-                <a:cs typeface="Times New Roman" panose="02020603050405020304" pitchFamily="18" charset="0"/>
-              </a:rPr>
-              <a:t>, buff);</a:t>
-            </a:r>
-          </a:p>
-          <a:p>
-            <a:pPr marL="0" marR="0" indent="0">
-              <a:lnSpc>
-                <a:spcPct val="107000"/>
-              </a:lnSpc>
-              <a:spcBef>
-                <a:spcPts val="0"/>
-              </a:spcBef>
-              <a:spcAft>
-                <a:spcPts val="0"/>
-              </a:spcAft>
-              <a:buNone/>
-            </a:pPr>
-            <a:r>
-              <a:rPr lang="en-US" dirty="0" err="1">
-                <a:effectLst/>
-                <a:latin typeface="Calibri" panose="020F0502020204030204" pitchFamily="34" charset="0"/>
-                <a:ea typeface="Calibri" panose="020F0502020204030204" pitchFamily="34" charset="0"/>
-                <a:cs typeface="Times New Roman" panose="02020603050405020304" pitchFamily="18" charset="0"/>
-              </a:rPr>
-              <a:t>write_window</a:t>
-            </a:r>
-            <a:r>
-              <a:rPr lang="en-US" dirty="0">
-                <a:effectLst/>
-                <a:latin typeface="Calibri" panose="020F0502020204030204" pitchFamily="34" charset="0"/>
-                <a:ea typeface="Calibri" panose="020F0502020204030204" pitchFamily="34" charset="0"/>
-                <a:cs typeface="Times New Roman" panose="02020603050405020304" pitchFamily="18" charset="0"/>
-              </a:rPr>
-              <a:t>(</a:t>
-            </a:r>
-            <a:r>
-              <a:rPr lang="en-US" dirty="0" err="1">
-                <a:effectLst/>
-                <a:latin typeface="Calibri" panose="020F0502020204030204" pitchFamily="34" charset="0"/>
-                <a:ea typeface="Calibri" panose="020F0502020204030204" pitchFamily="34" charset="0"/>
-                <a:cs typeface="Times New Roman" panose="02020603050405020304" pitchFamily="18" charset="0"/>
-              </a:rPr>
-              <a:t>logwin</a:t>
-            </a:r>
-            <a:r>
-              <a:rPr lang="en-US" dirty="0">
-                <a:effectLst/>
-                <a:latin typeface="Calibri" panose="020F0502020204030204" pitchFamily="34" charset="0"/>
-                <a:ea typeface="Calibri" panose="020F0502020204030204" pitchFamily="34" charset="0"/>
-                <a:cs typeface="Times New Roman" panose="02020603050405020304" pitchFamily="18" charset="0"/>
-              </a:rPr>
-              <a:t>, </a:t>
-            </a:r>
-            <a:r>
-              <a:rPr lang="en-US" dirty="0">
-                <a:solidFill>
-                  <a:srgbClr val="00B050"/>
-                </a:solidFill>
-                <a:effectLst/>
-                <a:latin typeface="Calibri" panose="020F0502020204030204" pitchFamily="34" charset="0"/>
-                <a:ea typeface="Calibri" panose="020F0502020204030204" pitchFamily="34" charset="0"/>
-                <a:cs typeface="Times New Roman" panose="02020603050405020304" pitchFamily="18" charset="0"/>
-              </a:rPr>
-              <a:t>" Calling </a:t>
-            </a:r>
-            <a:r>
-              <a:rPr lang="en-US" dirty="0" err="1">
-                <a:solidFill>
-                  <a:srgbClr val="00B050"/>
-                </a:solidFill>
-                <a:effectLst/>
-                <a:latin typeface="Calibri" panose="020F0502020204030204" pitchFamily="34" charset="0"/>
-                <a:ea typeface="Calibri" panose="020F0502020204030204" pitchFamily="34" charset="0"/>
-                <a:cs typeface="Times New Roman" panose="02020603050405020304" pitchFamily="18" charset="0"/>
-              </a:rPr>
-              <a:t>Mem_Usage</a:t>
-            </a:r>
-            <a:r>
-              <a:rPr lang="en-US" dirty="0">
-                <a:solidFill>
-                  <a:srgbClr val="00B050"/>
-                </a:solidFill>
-                <a:effectLst/>
-                <a:latin typeface="Calibri" panose="020F0502020204030204" pitchFamily="34" charset="0"/>
-                <a:ea typeface="Calibri" panose="020F0502020204030204" pitchFamily="34" charset="0"/>
-                <a:cs typeface="Times New Roman" panose="02020603050405020304" pitchFamily="18" charset="0"/>
-              </a:rPr>
-              <a:t>()\n"</a:t>
-            </a:r>
-            <a:r>
-              <a:rPr lang="en-US" dirty="0">
-                <a:effectLst/>
-                <a:latin typeface="Calibri" panose="020F0502020204030204" pitchFamily="34" charset="0"/>
-                <a:ea typeface="Calibri" panose="020F0502020204030204" pitchFamily="34" charset="0"/>
-                <a:cs typeface="Times New Roman" panose="02020603050405020304" pitchFamily="18" charset="0"/>
-              </a:rPr>
-              <a:t>);</a:t>
-            </a:r>
-          </a:p>
-          <a:p>
-            <a:pPr marL="0" marR="0" indent="0">
-              <a:lnSpc>
-                <a:spcPct val="107000"/>
-              </a:lnSpc>
-              <a:spcBef>
-                <a:spcPts val="0"/>
-              </a:spcBef>
-              <a:spcAft>
-                <a:spcPts val="0"/>
-              </a:spcAft>
-              <a:buNone/>
-            </a:pPr>
-            <a:r>
-              <a:rPr lang="en-US" dirty="0" err="1">
-                <a:effectLst/>
-                <a:latin typeface="Calibri" panose="020F0502020204030204" pitchFamily="34" charset="0"/>
-                <a:ea typeface="Calibri" panose="020F0502020204030204" pitchFamily="34" charset="0"/>
-                <a:cs typeface="Times New Roman" panose="02020603050405020304" pitchFamily="18" charset="0"/>
-              </a:rPr>
-              <a:t>Mem_Mgr.Mem_Usage</a:t>
-            </a:r>
-            <a:r>
-              <a:rPr lang="en-US" dirty="0">
-                <a:effectLst/>
-                <a:latin typeface="Calibri" panose="020F0502020204030204" pitchFamily="34" charset="0"/>
-                <a:ea typeface="Calibri" panose="020F0502020204030204" pitchFamily="34" charset="0"/>
-                <a:cs typeface="Times New Roman" panose="02020603050405020304" pitchFamily="18" charset="0"/>
-              </a:rPr>
-              <a:t>(</a:t>
-            </a:r>
-            <a:r>
-              <a:rPr lang="en-US" dirty="0" err="1">
-                <a:effectLst/>
-                <a:latin typeface="Calibri" panose="020F0502020204030204" pitchFamily="34" charset="0"/>
-                <a:ea typeface="Calibri" panose="020F0502020204030204" pitchFamily="34" charset="0"/>
-                <a:cs typeface="Times New Roman" panose="02020603050405020304" pitchFamily="18" charset="0"/>
-              </a:rPr>
-              <a:t>memwin</a:t>
-            </a:r>
-            <a:r>
-              <a:rPr lang="en-US" dirty="0">
-                <a:effectLst/>
-                <a:latin typeface="Calibri" panose="020F0502020204030204" pitchFamily="34" charset="0"/>
-                <a:ea typeface="Calibri" panose="020F0502020204030204" pitchFamily="34" charset="0"/>
-                <a:cs typeface="Times New Roman" panose="02020603050405020304" pitchFamily="18" charset="0"/>
-              </a:rPr>
-              <a:t>);</a:t>
-            </a:r>
-          </a:p>
-          <a:p>
-            <a:pPr marL="0" marR="0" indent="0">
-              <a:lnSpc>
-                <a:spcPct val="107000"/>
-              </a:lnSpc>
-              <a:spcBef>
-                <a:spcPts val="0"/>
-              </a:spcBef>
-              <a:spcAft>
-                <a:spcPts val="0"/>
-              </a:spcAft>
-              <a:buNone/>
-            </a:pPr>
-            <a:r>
-              <a:rPr lang="en-US" dirty="0" err="1">
-                <a:effectLst/>
-                <a:latin typeface="Calibri" panose="020F0502020204030204" pitchFamily="34" charset="0"/>
-                <a:ea typeface="Calibri" panose="020F0502020204030204" pitchFamily="34" charset="0"/>
-                <a:cs typeface="Times New Roman" panose="02020603050405020304" pitchFamily="18" charset="0"/>
-              </a:rPr>
-              <a:t>write_window</a:t>
-            </a:r>
-            <a:r>
-              <a:rPr lang="en-US" dirty="0">
-                <a:effectLst/>
-                <a:latin typeface="Calibri" panose="020F0502020204030204" pitchFamily="34" charset="0"/>
-                <a:ea typeface="Calibri" panose="020F0502020204030204" pitchFamily="34" charset="0"/>
-                <a:cs typeface="Times New Roman" panose="02020603050405020304" pitchFamily="18" charset="0"/>
-              </a:rPr>
-              <a:t>(</a:t>
-            </a:r>
-            <a:r>
-              <a:rPr lang="en-US" dirty="0" err="1">
-                <a:effectLst/>
-                <a:latin typeface="Calibri" panose="020F0502020204030204" pitchFamily="34" charset="0"/>
-                <a:ea typeface="Calibri" panose="020F0502020204030204" pitchFamily="34" charset="0"/>
-                <a:cs typeface="Times New Roman" panose="02020603050405020304" pitchFamily="18" charset="0"/>
-              </a:rPr>
-              <a:t>logwin</a:t>
-            </a:r>
-            <a:r>
-              <a:rPr lang="en-US" dirty="0">
-                <a:effectLst/>
-                <a:latin typeface="Calibri" panose="020F0502020204030204" pitchFamily="34" charset="0"/>
-                <a:ea typeface="Calibri" panose="020F0502020204030204" pitchFamily="34" charset="0"/>
-                <a:cs typeface="Times New Roman" panose="02020603050405020304" pitchFamily="18" charset="0"/>
-              </a:rPr>
-              <a:t>, </a:t>
-            </a:r>
-            <a:r>
-              <a:rPr lang="en-US" dirty="0">
-                <a:solidFill>
-                  <a:srgbClr val="00B050"/>
-                </a:solidFill>
-                <a:effectLst/>
-                <a:latin typeface="Calibri" panose="020F0502020204030204" pitchFamily="34" charset="0"/>
-                <a:ea typeface="Calibri" panose="020F0502020204030204" pitchFamily="34" charset="0"/>
-                <a:cs typeface="Times New Roman" panose="02020603050405020304" pitchFamily="18" charset="0"/>
-              </a:rPr>
-              <a:t>" Calling Overloaded </a:t>
-            </a:r>
-            <a:r>
-              <a:rPr lang="en-US" dirty="0" err="1">
-                <a:solidFill>
-                  <a:srgbClr val="00B050"/>
-                </a:solidFill>
-                <a:effectLst/>
-                <a:latin typeface="Calibri" panose="020F0502020204030204" pitchFamily="34" charset="0"/>
-                <a:ea typeface="Calibri" panose="020F0502020204030204" pitchFamily="34" charset="0"/>
-                <a:cs typeface="Times New Roman" panose="02020603050405020304" pitchFamily="18" charset="0"/>
-              </a:rPr>
-              <a:t>Mem_Write</a:t>
-            </a:r>
-            <a:r>
-              <a:rPr lang="en-US" dirty="0">
-                <a:solidFill>
-                  <a:srgbClr val="00B050"/>
-                </a:solidFill>
-                <a:effectLst/>
-                <a:latin typeface="Calibri" panose="020F0502020204030204" pitchFamily="34" charset="0"/>
-                <a:ea typeface="Calibri" panose="020F0502020204030204" pitchFamily="34" charset="0"/>
-                <a:cs typeface="Times New Roman" panose="02020603050405020304" pitchFamily="18" charset="0"/>
-              </a:rPr>
-              <a:t>\n"</a:t>
-            </a:r>
-            <a:r>
-              <a:rPr lang="en-US" dirty="0">
-                <a:effectLst/>
-                <a:latin typeface="Calibri" panose="020F0502020204030204" pitchFamily="34" charset="0"/>
-                <a:ea typeface="Calibri" panose="020F0502020204030204" pitchFamily="34" charset="0"/>
-                <a:cs typeface="Times New Roman" panose="02020603050405020304" pitchFamily="18" charset="0"/>
-              </a:rPr>
-              <a:t>);</a:t>
-            </a:r>
-          </a:p>
-          <a:p>
-            <a:pPr marL="0" marR="0" indent="0">
-              <a:lnSpc>
-                <a:spcPct val="107000"/>
-              </a:lnSpc>
-              <a:spcBef>
-                <a:spcPts val="0"/>
-              </a:spcBef>
-              <a:spcAft>
-                <a:spcPts val="0"/>
-              </a:spcAft>
-              <a:buNone/>
-            </a:pPr>
-            <a:r>
-              <a:rPr lang="en-US" dirty="0" err="1">
-                <a:effectLst/>
-                <a:latin typeface="Calibri" panose="020F0502020204030204" pitchFamily="34" charset="0"/>
-                <a:ea typeface="Calibri" panose="020F0502020204030204" pitchFamily="34" charset="0"/>
-                <a:cs typeface="Times New Roman" panose="02020603050405020304" pitchFamily="18" charset="0"/>
-              </a:rPr>
-              <a:t>Mem_Mgr.Mem_Write</a:t>
-            </a:r>
-            <a:r>
-              <a:rPr lang="en-US" dirty="0">
-                <a:effectLst/>
-                <a:latin typeface="Calibri" panose="020F0502020204030204" pitchFamily="34" charset="0"/>
-                <a:ea typeface="Calibri" panose="020F0502020204030204" pitchFamily="34" charset="0"/>
-                <a:cs typeface="Times New Roman" panose="02020603050405020304" pitchFamily="18" charset="0"/>
-              </a:rPr>
-              <a:t>(</a:t>
-            </a:r>
-            <a:r>
-              <a:rPr lang="en-US" dirty="0" err="1">
-                <a:effectLst/>
-                <a:latin typeface="Calibri" panose="020F0502020204030204" pitchFamily="34" charset="0"/>
-                <a:ea typeface="Calibri" panose="020F0502020204030204" pitchFamily="34" charset="0"/>
-                <a:cs typeface="Times New Roman" panose="02020603050405020304" pitchFamily="18" charset="0"/>
-              </a:rPr>
-              <a:t>tcb</a:t>
-            </a:r>
-            <a:r>
-              <a:rPr lang="en-US" dirty="0">
-                <a:effectLst/>
-                <a:latin typeface="Calibri" panose="020F0502020204030204" pitchFamily="34" charset="0"/>
-                <a:ea typeface="Calibri" panose="020F0502020204030204" pitchFamily="34" charset="0"/>
-                <a:cs typeface="Times New Roman" panose="02020603050405020304" pitchFamily="18" charset="0"/>
-              </a:rPr>
-              <a:t>-&gt;</a:t>
-            </a:r>
-            <a:r>
-              <a:rPr lang="en-US" dirty="0" err="1">
-                <a:effectLst/>
-                <a:latin typeface="Calibri" panose="020F0502020204030204" pitchFamily="34" charset="0"/>
-                <a:ea typeface="Calibri" panose="020F0502020204030204" pitchFamily="34" charset="0"/>
-                <a:cs typeface="Times New Roman" panose="02020603050405020304" pitchFamily="18" charset="0"/>
-              </a:rPr>
-              <a:t>memhandle</a:t>
-            </a:r>
-            <a:r>
-              <a:rPr lang="en-US" dirty="0">
-                <a:effectLst/>
-                <a:latin typeface="Calibri" panose="020F0502020204030204" pitchFamily="34" charset="0"/>
-                <a:ea typeface="Calibri" panose="020F0502020204030204" pitchFamily="34" charset="0"/>
-                <a:cs typeface="Times New Roman" panose="02020603050405020304" pitchFamily="18" charset="0"/>
-              </a:rPr>
-              <a:t>, 9, </a:t>
-            </a:r>
-            <a:r>
-              <a:rPr lang="en-US" dirty="0" err="1">
-                <a:effectLst/>
-                <a:latin typeface="Calibri" panose="020F0502020204030204" pitchFamily="34" charset="0"/>
-                <a:ea typeface="Calibri" panose="020F0502020204030204" pitchFamily="34" charset="0"/>
-                <a:cs typeface="Times New Roman" panose="02020603050405020304" pitchFamily="18" charset="0"/>
-              </a:rPr>
-              <a:t>textsize</a:t>
-            </a:r>
-            <a:r>
-              <a:rPr lang="en-US" dirty="0">
-                <a:effectLst/>
-                <a:latin typeface="Calibri" panose="020F0502020204030204" pitchFamily="34" charset="0"/>
-                <a:ea typeface="Calibri" panose="020F0502020204030204" pitchFamily="34" charset="0"/>
-                <a:cs typeface="Times New Roman" panose="02020603050405020304" pitchFamily="18" charset="0"/>
-              </a:rPr>
-              <a:t>, text);</a:t>
-            </a:r>
-          </a:p>
-          <a:p>
-            <a:pPr marL="0" marR="0" indent="0">
-              <a:lnSpc>
-                <a:spcPct val="107000"/>
-              </a:lnSpc>
-              <a:spcBef>
-                <a:spcPts val="0"/>
-              </a:spcBef>
-              <a:spcAft>
-                <a:spcPts val="0"/>
-              </a:spcAft>
-              <a:buNone/>
-            </a:pPr>
-            <a:r>
-              <a:rPr lang="en-US" dirty="0" err="1">
-                <a:effectLst/>
-                <a:latin typeface="Calibri" panose="020F0502020204030204" pitchFamily="34" charset="0"/>
-                <a:ea typeface="Calibri" panose="020F0502020204030204" pitchFamily="34" charset="0"/>
-                <a:cs typeface="Times New Roman" panose="02020603050405020304" pitchFamily="18" charset="0"/>
-              </a:rPr>
-              <a:t>write_window</a:t>
-            </a:r>
-            <a:r>
-              <a:rPr lang="en-US" dirty="0">
-                <a:effectLst/>
-                <a:latin typeface="Calibri" panose="020F0502020204030204" pitchFamily="34" charset="0"/>
-                <a:ea typeface="Calibri" panose="020F0502020204030204" pitchFamily="34" charset="0"/>
-                <a:cs typeface="Times New Roman" panose="02020603050405020304" pitchFamily="18" charset="0"/>
-              </a:rPr>
-              <a:t>(</a:t>
-            </a:r>
-            <a:r>
-              <a:rPr lang="en-US" dirty="0" err="1">
-                <a:effectLst/>
-                <a:latin typeface="Calibri" panose="020F0502020204030204" pitchFamily="34" charset="0"/>
-                <a:ea typeface="Calibri" panose="020F0502020204030204" pitchFamily="34" charset="0"/>
-                <a:cs typeface="Times New Roman" panose="02020603050405020304" pitchFamily="18" charset="0"/>
-              </a:rPr>
-              <a:t>logwin</a:t>
-            </a:r>
-            <a:r>
-              <a:rPr lang="en-US" dirty="0">
-                <a:effectLst/>
-                <a:latin typeface="Calibri" panose="020F0502020204030204" pitchFamily="34" charset="0"/>
-                <a:ea typeface="Calibri" panose="020F0502020204030204" pitchFamily="34" charset="0"/>
-                <a:cs typeface="Times New Roman" panose="02020603050405020304" pitchFamily="18" charset="0"/>
-              </a:rPr>
-              <a:t>, </a:t>
-            </a:r>
-            <a:r>
-              <a:rPr lang="en-US" dirty="0">
-                <a:solidFill>
-                  <a:srgbClr val="00B050"/>
-                </a:solidFill>
-                <a:effectLst/>
-                <a:latin typeface="Calibri" panose="020F0502020204030204" pitchFamily="34" charset="0"/>
-                <a:ea typeface="Calibri" panose="020F0502020204030204" pitchFamily="34" charset="0"/>
-                <a:cs typeface="Times New Roman" panose="02020603050405020304" pitchFamily="18" charset="0"/>
-              </a:rPr>
-              <a:t>" Another call to </a:t>
-            </a:r>
-            <a:r>
-              <a:rPr lang="en-US" dirty="0" err="1">
-                <a:solidFill>
-                  <a:srgbClr val="00B050"/>
-                </a:solidFill>
-                <a:effectLst/>
-                <a:latin typeface="Calibri" panose="020F0502020204030204" pitchFamily="34" charset="0"/>
-                <a:ea typeface="Calibri" panose="020F0502020204030204" pitchFamily="34" charset="0"/>
-                <a:cs typeface="Times New Roman" panose="02020603050405020304" pitchFamily="18" charset="0"/>
-              </a:rPr>
-              <a:t>Core_Dump</a:t>
-            </a:r>
-            <a:r>
-              <a:rPr lang="en-US" dirty="0">
-                <a:solidFill>
-                  <a:srgbClr val="00B050"/>
-                </a:solidFill>
-                <a:effectLst/>
-                <a:latin typeface="Calibri" panose="020F0502020204030204" pitchFamily="34" charset="0"/>
-                <a:ea typeface="Calibri" panose="020F0502020204030204" pitchFamily="34" charset="0"/>
-                <a:cs typeface="Times New Roman" panose="02020603050405020304" pitchFamily="18" charset="0"/>
-              </a:rPr>
-              <a:t>()\n"</a:t>
-            </a:r>
-            <a:r>
-              <a:rPr lang="en-US" dirty="0">
-                <a:effectLst/>
-                <a:latin typeface="Calibri" panose="020F0502020204030204" pitchFamily="34" charset="0"/>
-                <a:ea typeface="Calibri" panose="020F0502020204030204" pitchFamily="34" charset="0"/>
-                <a:cs typeface="Times New Roman" panose="02020603050405020304" pitchFamily="18" charset="0"/>
-              </a:rPr>
-              <a:t>);</a:t>
-            </a:r>
-          </a:p>
-          <a:p>
-            <a:pPr marL="0" marR="0" indent="0">
-              <a:lnSpc>
-                <a:spcPct val="107000"/>
-              </a:lnSpc>
-              <a:spcBef>
-                <a:spcPts val="0"/>
-              </a:spcBef>
-              <a:spcAft>
-                <a:spcPts val="0"/>
-              </a:spcAft>
-              <a:buNone/>
-            </a:pPr>
-            <a:r>
-              <a:rPr lang="en-US" dirty="0" err="1">
-                <a:effectLst/>
-                <a:latin typeface="Calibri" panose="020F0502020204030204" pitchFamily="34" charset="0"/>
-                <a:ea typeface="Calibri" panose="020F0502020204030204" pitchFamily="34" charset="0"/>
-                <a:cs typeface="Times New Roman" panose="02020603050405020304" pitchFamily="18" charset="0"/>
-              </a:rPr>
-              <a:t>Mem_Mgr.Core_Dump</a:t>
-            </a:r>
-            <a:r>
-              <a:rPr lang="en-US" dirty="0">
-                <a:effectLst/>
-                <a:latin typeface="Calibri" panose="020F0502020204030204" pitchFamily="34" charset="0"/>
-                <a:ea typeface="Calibri" panose="020F0502020204030204" pitchFamily="34" charset="0"/>
-                <a:cs typeface="Times New Roman" panose="02020603050405020304" pitchFamily="18" charset="0"/>
-              </a:rPr>
-              <a:t>(</a:t>
-            </a:r>
-            <a:r>
-              <a:rPr lang="en-US" dirty="0" err="1">
-                <a:effectLst/>
-                <a:latin typeface="Calibri" panose="020F0502020204030204" pitchFamily="34" charset="0"/>
-                <a:ea typeface="Calibri" panose="020F0502020204030204" pitchFamily="34" charset="0"/>
-                <a:cs typeface="Times New Roman" panose="02020603050405020304" pitchFamily="18" charset="0"/>
-              </a:rPr>
-              <a:t>memwin</a:t>
-            </a:r>
-            <a:r>
-              <a:rPr lang="en-US" dirty="0">
-                <a:effectLst/>
-                <a:latin typeface="Calibri" panose="020F0502020204030204" pitchFamily="34" charset="0"/>
-                <a:ea typeface="Calibri" panose="020F0502020204030204" pitchFamily="34" charset="0"/>
-                <a:cs typeface="Times New Roman" panose="02020603050405020304" pitchFamily="18" charset="0"/>
-              </a:rPr>
-              <a:t>);</a:t>
-            </a:r>
-          </a:p>
-          <a:p>
-            <a:pPr marL="36900" indent="0">
-              <a:buNone/>
-            </a:pPr>
+            <a:r>
+              <a:rPr lang="en-US" dirty="0"/>
+              <a:t>Dump Core</a:t>
+            </a:r>
+          </a:p>
+          <a:p>
+            <a:r>
+              <a:rPr lang="en-US" dirty="0"/>
+              <a:t>Print largest, smallest, left</a:t>
+            </a:r>
+          </a:p>
+          <a:p>
+            <a:r>
+              <a:rPr lang="en-US" dirty="0"/>
+              <a:t>Print mem usage</a:t>
+            </a:r>
+          </a:p>
+          <a:p>
+            <a:r>
+              <a:rPr lang="en-US" dirty="0"/>
+              <a:t>Overloaded </a:t>
+            </a:r>
+            <a:r>
+              <a:rPr lang="en-US" dirty="0" err="1"/>
+              <a:t>memwrite</a:t>
+            </a:r>
+            <a:endParaRPr lang="en-US" dirty="0"/>
+          </a:p>
+          <a:p>
+            <a:r>
+              <a:rPr lang="en-US" dirty="0"/>
+              <a:t>Dump Core</a:t>
+            </a:r>
+          </a:p>
+          <a:p>
             <a:endParaRPr lang="en-US" dirty="0"/>
           </a:p>
         </p:txBody>
@@ -9141,13 +8364,20 @@
     </p:spTree>
     <p:extLst>
       <p:ext uri="{BB962C8B-B14F-4D97-AF65-F5344CB8AC3E}">
-        <p14:creationId xmlns:p14="http://schemas.microsoft.com/office/powerpoint/2010/main" val="3270750101"/>
+        <p14:creationId xmlns:p14="http://schemas.microsoft.com/office/powerpoint/2010/main" val="2502610320"/>
       </p:ext>
     </p:extLst>
   </p:cSld>
   <p:clrMapOvr>
     <a:masterClrMapping/>
   </p:clrMapOvr>
+  <p:timing>
+    <p:tnLst>
+      <p:par>
+        <p:cTn id="1" dur="indefinite" restart="never" nodeType="tmRoot"/>
+      </p:par>
+    </p:tnLst>
+  </p:timing>
 </p:sld>
 </file>
 
@@ -9173,7 +8403,7 @@
           <p:cNvPr id="2" name="Title 1">
             <a:extLst>
               <a:ext uri="{FF2B5EF4-FFF2-40B4-BE49-F238E27FC236}">
-                <a16:creationId xmlns:a16="http://schemas.microsoft.com/office/drawing/2014/main" id="{B445D5D6-7D6A-4165-9FDB-201401ABC049}"/>
+                <a16:creationId xmlns:a16="http://schemas.microsoft.com/office/drawing/2014/main" xmlns="" id="{112F466D-C0CA-4909-91F8-38C3A0C788A6}"/>
               </a:ext>
             </a:extLst>
           </p:cNvPr>
@@ -9191,7 +8421,7 @@
           <a:p>
             <a:r>
               <a:rPr lang="en-US" dirty="0"/>
-              <a:t>Phase 4 Testcase ‘f’</a:t>
+              <a:t>Phase 3 Testcase ‘m’</a:t>
             </a:r>
           </a:p>
         </p:txBody>
@@ -9201,7 +8431,7 @@
           <p:cNvPr id="3" name="Content Placeholder 2">
             <a:extLst>
               <a:ext uri="{FF2B5EF4-FFF2-40B4-BE49-F238E27FC236}">
-                <a16:creationId xmlns:a16="http://schemas.microsoft.com/office/drawing/2014/main" id="{CACFE881-6C65-4B06-B621-2B8788E9ABE2}"/>
+                <a16:creationId xmlns:a16="http://schemas.microsoft.com/office/drawing/2014/main" xmlns="" id="{F38EB51E-4D3A-43CA-9FFB-613CF3BB0275}"/>
               </a:ext>
             </a:extLst>
           </p:cNvPr>
@@ -9214,76 +8444,877 @@
         </p:nvSpPr>
         <p:spPr/>
         <p:txBody>
-          <a:bodyPr>
-            <a:normAutofit/>
-          </a:bodyPr>
+          <a:bodyPr/>
           <a:lstStyle/>
           <a:p>
-            <a:r>
-              <a:rPr lang="en-US" dirty="0"/>
-              <a:t>Print Dir</a:t>
-            </a:r>
-          </a:p>
-          <a:p>
-            <a:r>
-              <a:rPr lang="en-US" dirty="0"/>
-              <a:t>Create file with permissions 1100</a:t>
-            </a:r>
-          </a:p>
-          <a:p>
-            <a:r>
-              <a:rPr lang="en-US" dirty="0"/>
-              <a:t>Open</a:t>
-            </a:r>
-          </a:p>
-          <a:p>
-            <a:r>
-              <a:rPr lang="en-US" dirty="0"/>
-              <a:t>Write char and print Dir</a:t>
-            </a:r>
-          </a:p>
-          <a:p>
-            <a:r>
-              <a:rPr lang="en-US" dirty="0"/>
-              <a:t>Change  permissions to 1111 and print Dir</a:t>
-            </a:r>
-          </a:p>
-          <a:p>
-            <a:r>
-              <a:rPr lang="en-US" dirty="0"/>
-              <a:t>Dump</a:t>
-            </a:r>
-          </a:p>
-          <a:p>
-            <a:r>
-              <a:rPr lang="en-US" dirty="0"/>
-              <a:t>Read and print </a:t>
-            </a:r>
-          </a:p>
-          <a:p>
-            <a:r>
-              <a:rPr lang="en-US" dirty="0"/>
-              <a:t>Delete file and print Dir</a:t>
-            </a:r>
-          </a:p>
-          <a:p>
-            <a:r>
-              <a:rPr lang="en-US" dirty="0"/>
-              <a:t>Dump</a:t>
-            </a:r>
+            <a:pPr marL="0" marR="0" indent="0">
+              <a:lnSpc>
+                <a:spcPct val="107000"/>
+              </a:lnSpc>
+              <a:spcBef>
+                <a:spcPts val="0"/>
+              </a:spcBef>
+              <a:spcAft>
+                <a:spcPts val="0"/>
+              </a:spcAft>
+              <a:buNone/>
+            </a:pPr>
+            <a:r>
+              <a:rPr lang="en-US" dirty="0" err="1">
+                <a:effectLst/>
+                <a:latin typeface="Calibri" panose="020F0502020204030204" pitchFamily="34" charset="0"/>
+                <a:ea typeface="Calibri" panose="020F0502020204030204" pitchFamily="34" charset="0"/>
+                <a:cs typeface="Times New Roman" panose="02020603050405020304" pitchFamily="18" charset="0"/>
+              </a:rPr>
+              <a:t>Mem_Mgr.Core_Dump</a:t>
+            </a:r>
+            <a:r>
+              <a:rPr lang="en-US" dirty="0">
+                <a:effectLst/>
+                <a:latin typeface="Calibri" panose="020F0502020204030204" pitchFamily="34" charset="0"/>
+                <a:ea typeface="Calibri" panose="020F0502020204030204" pitchFamily="34" charset="0"/>
+                <a:cs typeface="Times New Roman" panose="02020603050405020304" pitchFamily="18" charset="0"/>
+              </a:rPr>
+              <a:t>(</a:t>
+            </a:r>
+            <a:r>
+              <a:rPr lang="en-US" dirty="0" err="1">
+                <a:effectLst/>
+                <a:latin typeface="Calibri" panose="020F0502020204030204" pitchFamily="34" charset="0"/>
+                <a:ea typeface="Calibri" panose="020F0502020204030204" pitchFamily="34" charset="0"/>
+                <a:cs typeface="Times New Roman" panose="02020603050405020304" pitchFamily="18" charset="0"/>
+              </a:rPr>
+              <a:t>memwin</a:t>
+            </a:r>
+            <a:r>
+              <a:rPr lang="en-US" dirty="0">
+                <a:effectLst/>
+                <a:latin typeface="Calibri" panose="020F0502020204030204" pitchFamily="34" charset="0"/>
+                <a:ea typeface="Calibri" panose="020F0502020204030204" pitchFamily="34" charset="0"/>
+                <a:cs typeface="Times New Roman" panose="02020603050405020304" pitchFamily="18" charset="0"/>
+              </a:rPr>
+              <a:t>);  </a:t>
+            </a:r>
+          </a:p>
+          <a:p>
+            <a:pPr marL="0" marR="0" indent="0">
+              <a:lnSpc>
+                <a:spcPct val="107000"/>
+              </a:lnSpc>
+              <a:spcBef>
+                <a:spcPts val="0"/>
+              </a:spcBef>
+              <a:spcAft>
+                <a:spcPts val="0"/>
+              </a:spcAft>
+              <a:buNone/>
+            </a:pPr>
+            <a:r>
+              <a:rPr lang="en-US" dirty="0" err="1">
+                <a:effectLst/>
+                <a:latin typeface="Calibri" panose="020F0502020204030204" pitchFamily="34" charset="0"/>
+                <a:ea typeface="Calibri" panose="020F0502020204030204" pitchFamily="34" charset="0"/>
+                <a:cs typeface="Times New Roman" panose="02020603050405020304" pitchFamily="18" charset="0"/>
+              </a:rPr>
+              <a:t>write_window</a:t>
+            </a:r>
+            <a:r>
+              <a:rPr lang="en-US" dirty="0">
+                <a:effectLst/>
+                <a:latin typeface="Calibri" panose="020F0502020204030204" pitchFamily="34" charset="0"/>
+                <a:ea typeface="Calibri" panose="020F0502020204030204" pitchFamily="34" charset="0"/>
+                <a:cs typeface="Times New Roman" panose="02020603050405020304" pitchFamily="18" charset="0"/>
+              </a:rPr>
+              <a:t>(</a:t>
+            </a:r>
+            <a:r>
+              <a:rPr lang="en-US" dirty="0" err="1">
+                <a:effectLst/>
+                <a:latin typeface="Calibri" panose="020F0502020204030204" pitchFamily="34" charset="0"/>
+                <a:ea typeface="Calibri" panose="020F0502020204030204" pitchFamily="34" charset="0"/>
+                <a:cs typeface="Times New Roman" panose="02020603050405020304" pitchFamily="18" charset="0"/>
+              </a:rPr>
+              <a:t>logwin</a:t>
+            </a:r>
+            <a:r>
+              <a:rPr lang="en-US" dirty="0">
+                <a:effectLst/>
+                <a:latin typeface="Calibri" panose="020F0502020204030204" pitchFamily="34" charset="0"/>
+                <a:ea typeface="Calibri" panose="020F0502020204030204" pitchFamily="34" charset="0"/>
+                <a:cs typeface="Times New Roman" panose="02020603050405020304" pitchFamily="18" charset="0"/>
+              </a:rPr>
+              <a:t>, </a:t>
+            </a:r>
+            <a:r>
+              <a:rPr lang="en-US" dirty="0">
+                <a:solidFill>
+                  <a:srgbClr val="00B050"/>
+                </a:solidFill>
+                <a:effectLst/>
+                <a:latin typeface="Calibri" panose="020F0502020204030204" pitchFamily="34" charset="0"/>
+                <a:ea typeface="Calibri" panose="020F0502020204030204" pitchFamily="34" charset="0"/>
+                <a:cs typeface="Times New Roman" panose="02020603050405020304" pitchFamily="18" charset="0"/>
+              </a:rPr>
+              <a:t>" Calling </a:t>
+            </a:r>
+            <a:r>
+              <a:rPr lang="en-US" dirty="0" err="1">
+                <a:solidFill>
+                  <a:srgbClr val="00B050"/>
+                </a:solidFill>
+                <a:effectLst/>
+                <a:latin typeface="Calibri" panose="020F0502020204030204" pitchFamily="34" charset="0"/>
+                <a:ea typeface="Calibri" panose="020F0502020204030204" pitchFamily="34" charset="0"/>
+                <a:cs typeface="Times New Roman" panose="02020603050405020304" pitchFamily="18" charset="0"/>
+              </a:rPr>
+              <a:t>Core_Dump</a:t>
+            </a:r>
+            <a:r>
+              <a:rPr lang="en-US" dirty="0">
+                <a:solidFill>
+                  <a:srgbClr val="00B050"/>
+                </a:solidFill>
+                <a:effectLst/>
+                <a:latin typeface="Calibri" panose="020F0502020204030204" pitchFamily="34" charset="0"/>
+                <a:ea typeface="Calibri" panose="020F0502020204030204" pitchFamily="34" charset="0"/>
+                <a:cs typeface="Times New Roman" panose="02020603050405020304" pitchFamily="18" charset="0"/>
+              </a:rPr>
+              <a:t>()\n"</a:t>
+            </a:r>
+            <a:r>
+              <a:rPr lang="en-US" dirty="0">
+                <a:effectLst/>
+                <a:latin typeface="Calibri" panose="020F0502020204030204" pitchFamily="34" charset="0"/>
+                <a:ea typeface="Calibri" panose="020F0502020204030204" pitchFamily="34" charset="0"/>
+                <a:cs typeface="Times New Roman" panose="02020603050405020304" pitchFamily="18" charset="0"/>
+              </a:rPr>
+              <a:t>);</a:t>
+            </a:r>
+          </a:p>
+          <a:p>
+            <a:pPr marL="0" marR="0" indent="0">
+              <a:lnSpc>
+                <a:spcPct val="107000"/>
+              </a:lnSpc>
+              <a:spcBef>
+                <a:spcPts val="0"/>
+              </a:spcBef>
+              <a:spcAft>
+                <a:spcPts val="0"/>
+              </a:spcAft>
+              <a:buNone/>
+            </a:pPr>
+            <a:r>
+              <a:rPr lang="en-US" dirty="0" err="1">
+                <a:effectLst/>
+                <a:latin typeface="Calibri" panose="020F0502020204030204" pitchFamily="34" charset="0"/>
+                <a:ea typeface="Calibri" panose="020F0502020204030204" pitchFamily="34" charset="0"/>
+                <a:cs typeface="Times New Roman" panose="02020603050405020304" pitchFamily="18" charset="0"/>
+              </a:rPr>
+              <a:t>write_window</a:t>
+            </a:r>
+            <a:r>
+              <a:rPr lang="en-US" dirty="0">
+                <a:effectLst/>
+                <a:latin typeface="Calibri" panose="020F0502020204030204" pitchFamily="34" charset="0"/>
+                <a:ea typeface="Calibri" panose="020F0502020204030204" pitchFamily="34" charset="0"/>
+                <a:cs typeface="Times New Roman" panose="02020603050405020304" pitchFamily="18" charset="0"/>
+              </a:rPr>
+              <a:t>(</a:t>
+            </a:r>
+            <a:r>
+              <a:rPr lang="en-US" dirty="0" err="1">
+                <a:effectLst/>
+                <a:latin typeface="Calibri" panose="020F0502020204030204" pitchFamily="34" charset="0"/>
+                <a:ea typeface="Calibri" panose="020F0502020204030204" pitchFamily="34" charset="0"/>
+                <a:cs typeface="Times New Roman" panose="02020603050405020304" pitchFamily="18" charset="0"/>
+              </a:rPr>
+              <a:t>logwin</a:t>
+            </a:r>
+            <a:r>
+              <a:rPr lang="en-US" dirty="0">
+                <a:effectLst/>
+                <a:latin typeface="Calibri" panose="020F0502020204030204" pitchFamily="34" charset="0"/>
+                <a:ea typeface="Calibri" panose="020F0502020204030204" pitchFamily="34" charset="0"/>
+                <a:cs typeface="Times New Roman" panose="02020603050405020304" pitchFamily="18" charset="0"/>
+              </a:rPr>
+              <a:t>, </a:t>
+            </a:r>
+            <a:r>
+              <a:rPr lang="en-US" dirty="0">
+                <a:solidFill>
+                  <a:srgbClr val="00B050"/>
+                </a:solidFill>
+                <a:effectLst/>
+                <a:latin typeface="Calibri" panose="020F0502020204030204" pitchFamily="34" charset="0"/>
+                <a:ea typeface="Calibri" panose="020F0502020204030204" pitchFamily="34" charset="0"/>
+                <a:cs typeface="Times New Roman" panose="02020603050405020304" pitchFamily="18" charset="0"/>
+              </a:rPr>
+              <a:t>" Printing memory data: \n"</a:t>
+            </a:r>
+            <a:r>
+              <a:rPr lang="en-US" dirty="0">
+                <a:effectLst/>
+                <a:latin typeface="Calibri" panose="020F0502020204030204" pitchFamily="34" charset="0"/>
+                <a:ea typeface="Calibri" panose="020F0502020204030204" pitchFamily="34" charset="0"/>
+                <a:cs typeface="Times New Roman" panose="02020603050405020304" pitchFamily="18" charset="0"/>
+              </a:rPr>
+              <a:t>);</a:t>
+            </a:r>
+          </a:p>
+          <a:p>
+            <a:pPr marL="0" marR="0" indent="0">
+              <a:lnSpc>
+                <a:spcPct val="107000"/>
+              </a:lnSpc>
+              <a:spcBef>
+                <a:spcPts val="0"/>
+              </a:spcBef>
+              <a:spcAft>
+                <a:spcPts val="0"/>
+              </a:spcAft>
+              <a:buNone/>
+            </a:pPr>
+            <a:r>
+              <a:rPr lang="en-US" dirty="0" err="1">
+                <a:effectLst/>
+                <a:latin typeface="Calibri" panose="020F0502020204030204" pitchFamily="34" charset="0"/>
+                <a:ea typeface="Calibri" panose="020F0502020204030204" pitchFamily="34" charset="0"/>
+                <a:cs typeface="Times New Roman" panose="02020603050405020304" pitchFamily="18" charset="0"/>
+              </a:rPr>
+              <a:t>sprintf</a:t>
+            </a:r>
+            <a:r>
+              <a:rPr lang="en-US" dirty="0">
+                <a:effectLst/>
+                <a:latin typeface="Calibri" panose="020F0502020204030204" pitchFamily="34" charset="0"/>
+                <a:ea typeface="Calibri" panose="020F0502020204030204" pitchFamily="34" charset="0"/>
+                <a:cs typeface="Times New Roman" panose="02020603050405020304" pitchFamily="18" charset="0"/>
+              </a:rPr>
+              <a:t>(buff, </a:t>
+            </a:r>
+            <a:r>
+              <a:rPr lang="en-US" dirty="0">
+                <a:solidFill>
+                  <a:srgbClr val="00B050"/>
+                </a:solidFill>
+                <a:effectLst/>
+                <a:latin typeface="Calibri" panose="020F0502020204030204" pitchFamily="34" charset="0"/>
+                <a:ea typeface="Calibri" panose="020F0502020204030204" pitchFamily="34" charset="0"/>
+                <a:cs typeface="Times New Roman" panose="02020603050405020304" pitchFamily="18" charset="0"/>
+              </a:rPr>
+              <a:t>" memory largest: %d smallest: %d left: %d \n"</a:t>
+            </a:r>
+            <a:r>
+              <a:rPr lang="en-US" dirty="0">
+                <a:effectLst/>
+                <a:latin typeface="Calibri" panose="020F0502020204030204" pitchFamily="34" charset="0"/>
+                <a:ea typeface="Calibri" panose="020F0502020204030204" pitchFamily="34" charset="0"/>
+                <a:cs typeface="Times New Roman" panose="02020603050405020304" pitchFamily="18" charset="0"/>
+              </a:rPr>
+              <a:t>, </a:t>
+            </a:r>
+            <a:r>
+              <a:rPr lang="en-US" dirty="0" err="1">
+                <a:effectLst/>
+                <a:latin typeface="Calibri" panose="020F0502020204030204" pitchFamily="34" charset="0"/>
+                <a:ea typeface="Calibri" panose="020F0502020204030204" pitchFamily="34" charset="0"/>
+                <a:cs typeface="Times New Roman" panose="02020603050405020304" pitchFamily="18" charset="0"/>
+              </a:rPr>
+              <a:t>Mem_Mgr.Mem_Largest</a:t>
+            </a:r>
+            <a:r>
+              <a:rPr lang="en-US" dirty="0">
+                <a:effectLst/>
+                <a:latin typeface="Calibri" panose="020F0502020204030204" pitchFamily="34" charset="0"/>
+                <a:ea typeface="Calibri" panose="020F0502020204030204" pitchFamily="34" charset="0"/>
+                <a:cs typeface="Times New Roman" panose="02020603050405020304" pitchFamily="18" charset="0"/>
+              </a:rPr>
+              <a:t>(), 	</a:t>
+            </a:r>
+            <a:r>
+              <a:rPr lang="en-US" dirty="0" err="1">
+                <a:effectLst/>
+                <a:latin typeface="Calibri" panose="020F0502020204030204" pitchFamily="34" charset="0"/>
+                <a:ea typeface="Calibri" panose="020F0502020204030204" pitchFamily="34" charset="0"/>
+                <a:cs typeface="Times New Roman" panose="02020603050405020304" pitchFamily="18" charset="0"/>
+              </a:rPr>
+              <a:t>Mem_Mgr.Mem_Smallest</a:t>
+            </a:r>
+            <a:r>
+              <a:rPr lang="en-US" dirty="0">
+                <a:effectLst/>
+                <a:latin typeface="Calibri" panose="020F0502020204030204" pitchFamily="34" charset="0"/>
+                <a:ea typeface="Calibri" panose="020F0502020204030204" pitchFamily="34" charset="0"/>
+                <a:cs typeface="Times New Roman" panose="02020603050405020304" pitchFamily="18" charset="0"/>
+              </a:rPr>
+              <a:t>(), </a:t>
+            </a:r>
+            <a:r>
+              <a:rPr lang="en-US" dirty="0" err="1">
+                <a:effectLst/>
+                <a:latin typeface="Calibri" panose="020F0502020204030204" pitchFamily="34" charset="0"/>
+                <a:ea typeface="Calibri" panose="020F0502020204030204" pitchFamily="34" charset="0"/>
+                <a:cs typeface="Times New Roman" panose="02020603050405020304" pitchFamily="18" charset="0"/>
+              </a:rPr>
+              <a:t>Mem_Mgr.Mem_Left</a:t>
+            </a:r>
+            <a:r>
+              <a:rPr lang="en-US" dirty="0">
+                <a:effectLst/>
+                <a:latin typeface="Calibri" panose="020F0502020204030204" pitchFamily="34" charset="0"/>
+                <a:ea typeface="Calibri" panose="020F0502020204030204" pitchFamily="34" charset="0"/>
+                <a:cs typeface="Times New Roman" panose="02020603050405020304" pitchFamily="18" charset="0"/>
+              </a:rPr>
+              <a:t>());</a:t>
+            </a:r>
+          </a:p>
+          <a:p>
+            <a:pPr marL="0" marR="0" indent="0">
+              <a:lnSpc>
+                <a:spcPct val="107000"/>
+              </a:lnSpc>
+              <a:spcBef>
+                <a:spcPts val="0"/>
+              </a:spcBef>
+              <a:spcAft>
+                <a:spcPts val="0"/>
+              </a:spcAft>
+              <a:buNone/>
+            </a:pPr>
+            <a:r>
+              <a:rPr lang="en-US" dirty="0" err="1">
+                <a:effectLst/>
+                <a:latin typeface="Calibri" panose="020F0502020204030204" pitchFamily="34" charset="0"/>
+                <a:ea typeface="Calibri" panose="020F0502020204030204" pitchFamily="34" charset="0"/>
+                <a:cs typeface="Times New Roman" panose="02020603050405020304" pitchFamily="18" charset="0"/>
+              </a:rPr>
+              <a:t>write_window</a:t>
+            </a:r>
+            <a:r>
+              <a:rPr lang="en-US" dirty="0">
+                <a:effectLst/>
+                <a:latin typeface="Calibri" panose="020F0502020204030204" pitchFamily="34" charset="0"/>
+                <a:ea typeface="Calibri" panose="020F0502020204030204" pitchFamily="34" charset="0"/>
+                <a:cs typeface="Times New Roman" panose="02020603050405020304" pitchFamily="18" charset="0"/>
+              </a:rPr>
+              <a:t>(</a:t>
+            </a:r>
+            <a:r>
+              <a:rPr lang="en-US" dirty="0" err="1">
+                <a:effectLst/>
+                <a:latin typeface="Calibri" panose="020F0502020204030204" pitchFamily="34" charset="0"/>
+                <a:ea typeface="Calibri" panose="020F0502020204030204" pitchFamily="34" charset="0"/>
+                <a:cs typeface="Times New Roman" panose="02020603050405020304" pitchFamily="18" charset="0"/>
+              </a:rPr>
+              <a:t>logwin</a:t>
+            </a:r>
+            <a:r>
+              <a:rPr lang="en-US" dirty="0">
+                <a:effectLst/>
+                <a:latin typeface="Calibri" panose="020F0502020204030204" pitchFamily="34" charset="0"/>
+                <a:ea typeface="Calibri" panose="020F0502020204030204" pitchFamily="34" charset="0"/>
+                <a:cs typeface="Times New Roman" panose="02020603050405020304" pitchFamily="18" charset="0"/>
+              </a:rPr>
+              <a:t>, buff);</a:t>
+            </a:r>
+          </a:p>
+          <a:p>
+            <a:pPr marL="0" marR="0" indent="0">
+              <a:lnSpc>
+                <a:spcPct val="107000"/>
+              </a:lnSpc>
+              <a:spcBef>
+                <a:spcPts val="0"/>
+              </a:spcBef>
+              <a:spcAft>
+                <a:spcPts val="0"/>
+              </a:spcAft>
+              <a:buNone/>
+            </a:pPr>
+            <a:r>
+              <a:rPr lang="en-US" dirty="0" err="1">
+                <a:effectLst/>
+                <a:latin typeface="Calibri" panose="020F0502020204030204" pitchFamily="34" charset="0"/>
+                <a:ea typeface="Calibri" panose="020F0502020204030204" pitchFamily="34" charset="0"/>
+                <a:cs typeface="Times New Roman" panose="02020603050405020304" pitchFamily="18" charset="0"/>
+              </a:rPr>
+              <a:t>write_window</a:t>
+            </a:r>
+            <a:r>
+              <a:rPr lang="en-US" dirty="0">
+                <a:effectLst/>
+                <a:latin typeface="Calibri" panose="020F0502020204030204" pitchFamily="34" charset="0"/>
+                <a:ea typeface="Calibri" panose="020F0502020204030204" pitchFamily="34" charset="0"/>
+                <a:cs typeface="Times New Roman" panose="02020603050405020304" pitchFamily="18" charset="0"/>
+              </a:rPr>
+              <a:t>(</a:t>
+            </a:r>
+            <a:r>
+              <a:rPr lang="en-US" dirty="0" err="1">
+                <a:effectLst/>
+                <a:latin typeface="Calibri" panose="020F0502020204030204" pitchFamily="34" charset="0"/>
+                <a:ea typeface="Calibri" panose="020F0502020204030204" pitchFamily="34" charset="0"/>
+                <a:cs typeface="Times New Roman" panose="02020603050405020304" pitchFamily="18" charset="0"/>
+              </a:rPr>
+              <a:t>logwin</a:t>
+            </a:r>
+            <a:r>
+              <a:rPr lang="en-US" dirty="0">
+                <a:effectLst/>
+                <a:latin typeface="Calibri" panose="020F0502020204030204" pitchFamily="34" charset="0"/>
+                <a:ea typeface="Calibri" panose="020F0502020204030204" pitchFamily="34" charset="0"/>
+                <a:cs typeface="Times New Roman" panose="02020603050405020304" pitchFamily="18" charset="0"/>
+              </a:rPr>
+              <a:t>, </a:t>
+            </a:r>
+            <a:r>
+              <a:rPr lang="en-US" dirty="0">
+                <a:solidFill>
+                  <a:srgbClr val="00B050"/>
+                </a:solidFill>
+                <a:effectLst/>
+                <a:latin typeface="Calibri" panose="020F0502020204030204" pitchFamily="34" charset="0"/>
+                <a:ea typeface="Calibri" panose="020F0502020204030204" pitchFamily="34" charset="0"/>
+                <a:cs typeface="Times New Roman" panose="02020603050405020304" pitchFamily="18" charset="0"/>
+              </a:rPr>
+              <a:t>" Calling </a:t>
+            </a:r>
+            <a:r>
+              <a:rPr lang="en-US" dirty="0" err="1">
+                <a:solidFill>
+                  <a:srgbClr val="00B050"/>
+                </a:solidFill>
+                <a:effectLst/>
+                <a:latin typeface="Calibri" panose="020F0502020204030204" pitchFamily="34" charset="0"/>
+                <a:ea typeface="Calibri" panose="020F0502020204030204" pitchFamily="34" charset="0"/>
+                <a:cs typeface="Times New Roman" panose="02020603050405020304" pitchFamily="18" charset="0"/>
+              </a:rPr>
+              <a:t>Mem_Usage</a:t>
+            </a:r>
+            <a:r>
+              <a:rPr lang="en-US" dirty="0">
+                <a:solidFill>
+                  <a:srgbClr val="00B050"/>
+                </a:solidFill>
+                <a:effectLst/>
+                <a:latin typeface="Calibri" panose="020F0502020204030204" pitchFamily="34" charset="0"/>
+                <a:ea typeface="Calibri" panose="020F0502020204030204" pitchFamily="34" charset="0"/>
+                <a:cs typeface="Times New Roman" panose="02020603050405020304" pitchFamily="18" charset="0"/>
+              </a:rPr>
+              <a:t>()\n"</a:t>
+            </a:r>
+            <a:r>
+              <a:rPr lang="en-US" dirty="0">
+                <a:effectLst/>
+                <a:latin typeface="Calibri" panose="020F0502020204030204" pitchFamily="34" charset="0"/>
+                <a:ea typeface="Calibri" panose="020F0502020204030204" pitchFamily="34" charset="0"/>
+                <a:cs typeface="Times New Roman" panose="02020603050405020304" pitchFamily="18" charset="0"/>
+              </a:rPr>
+              <a:t>);</a:t>
+            </a:r>
+          </a:p>
+          <a:p>
+            <a:pPr marL="0" marR="0" indent="0">
+              <a:lnSpc>
+                <a:spcPct val="107000"/>
+              </a:lnSpc>
+              <a:spcBef>
+                <a:spcPts val="0"/>
+              </a:spcBef>
+              <a:spcAft>
+                <a:spcPts val="0"/>
+              </a:spcAft>
+              <a:buNone/>
+            </a:pPr>
+            <a:r>
+              <a:rPr lang="en-US" dirty="0" err="1">
+                <a:effectLst/>
+                <a:latin typeface="Calibri" panose="020F0502020204030204" pitchFamily="34" charset="0"/>
+                <a:ea typeface="Calibri" panose="020F0502020204030204" pitchFamily="34" charset="0"/>
+                <a:cs typeface="Times New Roman" panose="02020603050405020304" pitchFamily="18" charset="0"/>
+              </a:rPr>
+              <a:t>Mem_Mgr.Mem_Usage</a:t>
+            </a:r>
+            <a:r>
+              <a:rPr lang="en-US" dirty="0">
+                <a:effectLst/>
+                <a:latin typeface="Calibri" panose="020F0502020204030204" pitchFamily="34" charset="0"/>
+                <a:ea typeface="Calibri" panose="020F0502020204030204" pitchFamily="34" charset="0"/>
+                <a:cs typeface="Times New Roman" panose="02020603050405020304" pitchFamily="18" charset="0"/>
+              </a:rPr>
+              <a:t>(</a:t>
+            </a:r>
+            <a:r>
+              <a:rPr lang="en-US" dirty="0" err="1">
+                <a:effectLst/>
+                <a:latin typeface="Calibri" panose="020F0502020204030204" pitchFamily="34" charset="0"/>
+                <a:ea typeface="Calibri" panose="020F0502020204030204" pitchFamily="34" charset="0"/>
+                <a:cs typeface="Times New Roman" panose="02020603050405020304" pitchFamily="18" charset="0"/>
+              </a:rPr>
+              <a:t>memwin</a:t>
+            </a:r>
+            <a:r>
+              <a:rPr lang="en-US" dirty="0">
+                <a:effectLst/>
+                <a:latin typeface="Calibri" panose="020F0502020204030204" pitchFamily="34" charset="0"/>
+                <a:ea typeface="Calibri" panose="020F0502020204030204" pitchFamily="34" charset="0"/>
+                <a:cs typeface="Times New Roman" panose="02020603050405020304" pitchFamily="18" charset="0"/>
+              </a:rPr>
+              <a:t>);</a:t>
+            </a:r>
+          </a:p>
+          <a:p>
+            <a:pPr marL="0" marR="0" indent="0">
+              <a:lnSpc>
+                <a:spcPct val="107000"/>
+              </a:lnSpc>
+              <a:spcBef>
+                <a:spcPts val="0"/>
+              </a:spcBef>
+              <a:spcAft>
+                <a:spcPts val="0"/>
+              </a:spcAft>
+              <a:buNone/>
+            </a:pPr>
+            <a:r>
+              <a:rPr lang="en-US" dirty="0" err="1">
+                <a:effectLst/>
+                <a:latin typeface="Calibri" panose="020F0502020204030204" pitchFamily="34" charset="0"/>
+                <a:ea typeface="Calibri" panose="020F0502020204030204" pitchFamily="34" charset="0"/>
+                <a:cs typeface="Times New Roman" panose="02020603050405020304" pitchFamily="18" charset="0"/>
+              </a:rPr>
+              <a:t>write_window</a:t>
+            </a:r>
+            <a:r>
+              <a:rPr lang="en-US" dirty="0">
+                <a:effectLst/>
+                <a:latin typeface="Calibri" panose="020F0502020204030204" pitchFamily="34" charset="0"/>
+                <a:ea typeface="Calibri" panose="020F0502020204030204" pitchFamily="34" charset="0"/>
+                <a:cs typeface="Times New Roman" panose="02020603050405020304" pitchFamily="18" charset="0"/>
+              </a:rPr>
+              <a:t>(</a:t>
+            </a:r>
+            <a:r>
+              <a:rPr lang="en-US" dirty="0" err="1">
+                <a:effectLst/>
+                <a:latin typeface="Calibri" panose="020F0502020204030204" pitchFamily="34" charset="0"/>
+                <a:ea typeface="Calibri" panose="020F0502020204030204" pitchFamily="34" charset="0"/>
+                <a:cs typeface="Times New Roman" panose="02020603050405020304" pitchFamily="18" charset="0"/>
+              </a:rPr>
+              <a:t>logwin</a:t>
+            </a:r>
+            <a:r>
+              <a:rPr lang="en-US" dirty="0">
+                <a:effectLst/>
+                <a:latin typeface="Calibri" panose="020F0502020204030204" pitchFamily="34" charset="0"/>
+                <a:ea typeface="Calibri" panose="020F0502020204030204" pitchFamily="34" charset="0"/>
+                <a:cs typeface="Times New Roman" panose="02020603050405020304" pitchFamily="18" charset="0"/>
+              </a:rPr>
+              <a:t>, </a:t>
+            </a:r>
+            <a:r>
+              <a:rPr lang="en-US" dirty="0">
+                <a:solidFill>
+                  <a:srgbClr val="00B050"/>
+                </a:solidFill>
+                <a:effectLst/>
+                <a:latin typeface="Calibri" panose="020F0502020204030204" pitchFamily="34" charset="0"/>
+                <a:ea typeface="Calibri" panose="020F0502020204030204" pitchFamily="34" charset="0"/>
+                <a:cs typeface="Times New Roman" panose="02020603050405020304" pitchFamily="18" charset="0"/>
+              </a:rPr>
+              <a:t>" Calling Overloaded </a:t>
+            </a:r>
+            <a:r>
+              <a:rPr lang="en-US" dirty="0" err="1">
+                <a:solidFill>
+                  <a:srgbClr val="00B050"/>
+                </a:solidFill>
+                <a:effectLst/>
+                <a:latin typeface="Calibri" panose="020F0502020204030204" pitchFamily="34" charset="0"/>
+                <a:ea typeface="Calibri" panose="020F0502020204030204" pitchFamily="34" charset="0"/>
+                <a:cs typeface="Times New Roman" panose="02020603050405020304" pitchFamily="18" charset="0"/>
+              </a:rPr>
+              <a:t>Mem_Write</a:t>
+            </a:r>
+            <a:r>
+              <a:rPr lang="en-US" dirty="0">
+                <a:solidFill>
+                  <a:srgbClr val="00B050"/>
+                </a:solidFill>
+                <a:effectLst/>
+                <a:latin typeface="Calibri" panose="020F0502020204030204" pitchFamily="34" charset="0"/>
+                <a:ea typeface="Calibri" panose="020F0502020204030204" pitchFamily="34" charset="0"/>
+                <a:cs typeface="Times New Roman" panose="02020603050405020304" pitchFamily="18" charset="0"/>
+              </a:rPr>
+              <a:t>\n"</a:t>
+            </a:r>
+            <a:r>
+              <a:rPr lang="en-US" dirty="0">
+                <a:effectLst/>
+                <a:latin typeface="Calibri" panose="020F0502020204030204" pitchFamily="34" charset="0"/>
+                <a:ea typeface="Calibri" panose="020F0502020204030204" pitchFamily="34" charset="0"/>
+                <a:cs typeface="Times New Roman" panose="02020603050405020304" pitchFamily="18" charset="0"/>
+              </a:rPr>
+              <a:t>);</a:t>
+            </a:r>
+          </a:p>
+          <a:p>
+            <a:pPr marL="0" marR="0" indent="0">
+              <a:lnSpc>
+                <a:spcPct val="107000"/>
+              </a:lnSpc>
+              <a:spcBef>
+                <a:spcPts val="0"/>
+              </a:spcBef>
+              <a:spcAft>
+                <a:spcPts val="0"/>
+              </a:spcAft>
+              <a:buNone/>
+            </a:pPr>
+            <a:r>
+              <a:rPr lang="en-US" dirty="0" err="1">
+                <a:effectLst/>
+                <a:latin typeface="Calibri" panose="020F0502020204030204" pitchFamily="34" charset="0"/>
+                <a:ea typeface="Calibri" panose="020F0502020204030204" pitchFamily="34" charset="0"/>
+                <a:cs typeface="Times New Roman" panose="02020603050405020304" pitchFamily="18" charset="0"/>
+              </a:rPr>
+              <a:t>Mem_Mgr.Mem_Write</a:t>
+            </a:r>
+            <a:r>
+              <a:rPr lang="en-US" dirty="0">
+                <a:effectLst/>
+                <a:latin typeface="Calibri" panose="020F0502020204030204" pitchFamily="34" charset="0"/>
+                <a:ea typeface="Calibri" panose="020F0502020204030204" pitchFamily="34" charset="0"/>
+                <a:cs typeface="Times New Roman" panose="02020603050405020304" pitchFamily="18" charset="0"/>
+              </a:rPr>
+              <a:t>(</a:t>
+            </a:r>
+            <a:r>
+              <a:rPr lang="en-US" dirty="0" err="1">
+                <a:effectLst/>
+                <a:latin typeface="Calibri" panose="020F0502020204030204" pitchFamily="34" charset="0"/>
+                <a:ea typeface="Calibri" panose="020F0502020204030204" pitchFamily="34" charset="0"/>
+                <a:cs typeface="Times New Roman" panose="02020603050405020304" pitchFamily="18" charset="0"/>
+              </a:rPr>
+              <a:t>tcb</a:t>
+            </a:r>
+            <a:r>
+              <a:rPr lang="en-US" dirty="0">
+                <a:effectLst/>
+                <a:latin typeface="Calibri" panose="020F0502020204030204" pitchFamily="34" charset="0"/>
+                <a:ea typeface="Calibri" panose="020F0502020204030204" pitchFamily="34" charset="0"/>
+                <a:cs typeface="Times New Roman" panose="02020603050405020304" pitchFamily="18" charset="0"/>
+              </a:rPr>
+              <a:t>-&gt;</a:t>
+            </a:r>
+            <a:r>
+              <a:rPr lang="en-US" dirty="0" err="1">
+                <a:effectLst/>
+                <a:latin typeface="Calibri" panose="020F0502020204030204" pitchFamily="34" charset="0"/>
+                <a:ea typeface="Calibri" panose="020F0502020204030204" pitchFamily="34" charset="0"/>
+                <a:cs typeface="Times New Roman" panose="02020603050405020304" pitchFamily="18" charset="0"/>
+              </a:rPr>
+              <a:t>memhandle</a:t>
+            </a:r>
+            <a:r>
+              <a:rPr lang="en-US" dirty="0">
+                <a:effectLst/>
+                <a:latin typeface="Calibri" panose="020F0502020204030204" pitchFamily="34" charset="0"/>
+                <a:ea typeface="Calibri" panose="020F0502020204030204" pitchFamily="34" charset="0"/>
+                <a:cs typeface="Times New Roman" panose="02020603050405020304" pitchFamily="18" charset="0"/>
+              </a:rPr>
+              <a:t>, 9, </a:t>
+            </a:r>
+            <a:r>
+              <a:rPr lang="en-US" dirty="0" err="1">
+                <a:effectLst/>
+                <a:latin typeface="Calibri" panose="020F0502020204030204" pitchFamily="34" charset="0"/>
+                <a:ea typeface="Calibri" panose="020F0502020204030204" pitchFamily="34" charset="0"/>
+                <a:cs typeface="Times New Roman" panose="02020603050405020304" pitchFamily="18" charset="0"/>
+              </a:rPr>
+              <a:t>textsize</a:t>
+            </a:r>
+            <a:r>
+              <a:rPr lang="en-US" dirty="0">
+                <a:effectLst/>
+                <a:latin typeface="Calibri" panose="020F0502020204030204" pitchFamily="34" charset="0"/>
+                <a:ea typeface="Calibri" panose="020F0502020204030204" pitchFamily="34" charset="0"/>
+                <a:cs typeface="Times New Roman" panose="02020603050405020304" pitchFamily="18" charset="0"/>
+              </a:rPr>
+              <a:t>, text);</a:t>
+            </a:r>
+          </a:p>
+          <a:p>
+            <a:pPr marL="0" marR="0" indent="0">
+              <a:lnSpc>
+                <a:spcPct val="107000"/>
+              </a:lnSpc>
+              <a:spcBef>
+                <a:spcPts val="0"/>
+              </a:spcBef>
+              <a:spcAft>
+                <a:spcPts val="0"/>
+              </a:spcAft>
+              <a:buNone/>
+            </a:pPr>
+            <a:r>
+              <a:rPr lang="en-US" dirty="0" err="1">
+                <a:effectLst/>
+                <a:latin typeface="Calibri" panose="020F0502020204030204" pitchFamily="34" charset="0"/>
+                <a:ea typeface="Calibri" panose="020F0502020204030204" pitchFamily="34" charset="0"/>
+                <a:cs typeface="Times New Roman" panose="02020603050405020304" pitchFamily="18" charset="0"/>
+              </a:rPr>
+              <a:t>write_window</a:t>
+            </a:r>
+            <a:r>
+              <a:rPr lang="en-US" dirty="0">
+                <a:effectLst/>
+                <a:latin typeface="Calibri" panose="020F0502020204030204" pitchFamily="34" charset="0"/>
+                <a:ea typeface="Calibri" panose="020F0502020204030204" pitchFamily="34" charset="0"/>
+                <a:cs typeface="Times New Roman" panose="02020603050405020304" pitchFamily="18" charset="0"/>
+              </a:rPr>
+              <a:t>(</a:t>
+            </a:r>
+            <a:r>
+              <a:rPr lang="en-US" dirty="0" err="1">
+                <a:effectLst/>
+                <a:latin typeface="Calibri" panose="020F0502020204030204" pitchFamily="34" charset="0"/>
+                <a:ea typeface="Calibri" panose="020F0502020204030204" pitchFamily="34" charset="0"/>
+                <a:cs typeface="Times New Roman" panose="02020603050405020304" pitchFamily="18" charset="0"/>
+              </a:rPr>
+              <a:t>logwin</a:t>
+            </a:r>
+            <a:r>
+              <a:rPr lang="en-US" dirty="0">
+                <a:effectLst/>
+                <a:latin typeface="Calibri" panose="020F0502020204030204" pitchFamily="34" charset="0"/>
+                <a:ea typeface="Calibri" panose="020F0502020204030204" pitchFamily="34" charset="0"/>
+                <a:cs typeface="Times New Roman" panose="02020603050405020304" pitchFamily="18" charset="0"/>
+              </a:rPr>
+              <a:t>, </a:t>
+            </a:r>
+            <a:r>
+              <a:rPr lang="en-US" dirty="0">
+                <a:solidFill>
+                  <a:srgbClr val="00B050"/>
+                </a:solidFill>
+                <a:effectLst/>
+                <a:latin typeface="Calibri" panose="020F0502020204030204" pitchFamily="34" charset="0"/>
+                <a:ea typeface="Calibri" panose="020F0502020204030204" pitchFamily="34" charset="0"/>
+                <a:cs typeface="Times New Roman" panose="02020603050405020304" pitchFamily="18" charset="0"/>
+              </a:rPr>
+              <a:t>" Another call to </a:t>
+            </a:r>
+            <a:r>
+              <a:rPr lang="en-US" dirty="0" err="1">
+                <a:solidFill>
+                  <a:srgbClr val="00B050"/>
+                </a:solidFill>
+                <a:effectLst/>
+                <a:latin typeface="Calibri" panose="020F0502020204030204" pitchFamily="34" charset="0"/>
+                <a:ea typeface="Calibri" panose="020F0502020204030204" pitchFamily="34" charset="0"/>
+                <a:cs typeface="Times New Roman" panose="02020603050405020304" pitchFamily="18" charset="0"/>
+              </a:rPr>
+              <a:t>Core_Dump</a:t>
+            </a:r>
+            <a:r>
+              <a:rPr lang="en-US" dirty="0">
+                <a:solidFill>
+                  <a:srgbClr val="00B050"/>
+                </a:solidFill>
+                <a:effectLst/>
+                <a:latin typeface="Calibri" panose="020F0502020204030204" pitchFamily="34" charset="0"/>
+                <a:ea typeface="Calibri" panose="020F0502020204030204" pitchFamily="34" charset="0"/>
+                <a:cs typeface="Times New Roman" panose="02020603050405020304" pitchFamily="18" charset="0"/>
+              </a:rPr>
+              <a:t>()\n"</a:t>
+            </a:r>
+            <a:r>
+              <a:rPr lang="en-US" dirty="0">
+                <a:effectLst/>
+                <a:latin typeface="Calibri" panose="020F0502020204030204" pitchFamily="34" charset="0"/>
+                <a:ea typeface="Calibri" panose="020F0502020204030204" pitchFamily="34" charset="0"/>
+                <a:cs typeface="Times New Roman" panose="02020603050405020304" pitchFamily="18" charset="0"/>
+              </a:rPr>
+              <a:t>);</a:t>
+            </a:r>
+          </a:p>
+          <a:p>
+            <a:pPr marL="0" marR="0" indent="0">
+              <a:lnSpc>
+                <a:spcPct val="107000"/>
+              </a:lnSpc>
+              <a:spcBef>
+                <a:spcPts val="0"/>
+              </a:spcBef>
+              <a:spcAft>
+                <a:spcPts val="0"/>
+              </a:spcAft>
+              <a:buNone/>
+            </a:pPr>
+            <a:r>
+              <a:rPr lang="en-US" dirty="0" err="1">
+                <a:effectLst/>
+                <a:latin typeface="Calibri" panose="020F0502020204030204" pitchFamily="34" charset="0"/>
+                <a:ea typeface="Calibri" panose="020F0502020204030204" pitchFamily="34" charset="0"/>
+                <a:cs typeface="Times New Roman" panose="02020603050405020304" pitchFamily="18" charset="0"/>
+              </a:rPr>
+              <a:t>Mem_Mgr.Core_Dump</a:t>
+            </a:r>
+            <a:r>
+              <a:rPr lang="en-US" dirty="0">
+                <a:effectLst/>
+                <a:latin typeface="Calibri" panose="020F0502020204030204" pitchFamily="34" charset="0"/>
+                <a:ea typeface="Calibri" panose="020F0502020204030204" pitchFamily="34" charset="0"/>
+                <a:cs typeface="Times New Roman" panose="02020603050405020304" pitchFamily="18" charset="0"/>
+              </a:rPr>
+              <a:t>(</a:t>
+            </a:r>
+            <a:r>
+              <a:rPr lang="en-US" dirty="0" err="1">
+                <a:effectLst/>
+                <a:latin typeface="Calibri" panose="020F0502020204030204" pitchFamily="34" charset="0"/>
+                <a:ea typeface="Calibri" panose="020F0502020204030204" pitchFamily="34" charset="0"/>
+                <a:cs typeface="Times New Roman" panose="02020603050405020304" pitchFamily="18" charset="0"/>
+              </a:rPr>
+              <a:t>memwin</a:t>
+            </a:r>
+            <a:r>
+              <a:rPr lang="en-US" dirty="0">
+                <a:effectLst/>
+                <a:latin typeface="Calibri" panose="020F0502020204030204" pitchFamily="34" charset="0"/>
+                <a:ea typeface="Calibri" panose="020F0502020204030204" pitchFamily="34" charset="0"/>
+                <a:cs typeface="Times New Roman" panose="02020603050405020304" pitchFamily="18" charset="0"/>
+              </a:rPr>
+              <a:t>);</a:t>
+            </a:r>
+          </a:p>
+          <a:p>
+            <a:pPr marL="36900" indent="0">
+              <a:buNone/>
+            </a:pPr>
+            <a:endParaRPr lang="en-US" dirty="0"/>
           </a:p>
         </p:txBody>
       </p:sp>
     </p:spTree>
     <p:extLst>
       <p:ext uri="{BB962C8B-B14F-4D97-AF65-F5344CB8AC3E}">
-        <p14:creationId xmlns:p14="http://schemas.microsoft.com/office/powerpoint/2010/main" val="823154206"/>
+        <p14:creationId xmlns:p14="http://schemas.microsoft.com/office/powerpoint/2010/main" val="3270750101"/>
       </p:ext>
     </p:extLst>
   </p:cSld>
   <p:clrMapOvr>
     <a:masterClrMapping/>
   </p:clrMapOvr>
+  <p:timing>
+    <p:tnLst>
+      <p:par>
+        <p:cTn id="1" dur="indefinite" restart="never" nodeType="tmRoot"/>
+      </p:par>
+    </p:tnLst>
+  </p:timing>
 </p:sld>
 </file>
 
@@ -9306,10 +9337,562 @@
       </p:grpSpPr>
       <p:sp>
         <p:nvSpPr>
+          <p:cNvPr id="2" name="Title 1"/>
+          <p:cNvSpPr>
+            <a:spLocks noGrp="1"/>
+          </p:cNvSpPr>
+          <p:nvPr>
+            <p:ph type="title"/>
+          </p:nvPr>
+        </p:nvSpPr>
+        <p:spPr/>
+        <p:txBody>
+          <a:bodyPr/>
+          <a:lstStyle/>
+          <a:p>
+            <a:endParaRPr lang="en-US"/>
+          </a:p>
+        </p:txBody>
+      </p:sp>
+      <p:pic>
+        <p:nvPicPr>
+          <p:cNvPr id="4" name="Content Placeholder 3"/>
+          <p:cNvPicPr>
+            <a:picLocks noGrp="1" noChangeAspect="1"/>
+          </p:cNvPicPr>
+          <p:nvPr>
+            <p:ph idx="1"/>
+          </p:nvPr>
+        </p:nvPicPr>
+        <p:blipFill>
+          <a:blip r:embed="rId2">
+            <a:extLst>
+              <a:ext uri="{28A0092B-C50C-407E-A947-70E740481C1C}">
+                <a14:useLocalDpi xmlns:a14="http://schemas.microsoft.com/office/drawing/2010/main" val="0"/>
+              </a:ext>
+            </a:extLst>
+          </a:blip>
+          <a:stretch>
+            <a:fillRect/>
+          </a:stretch>
+        </p:blipFill>
+        <p:spPr>
+          <a:xfrm>
+            <a:off x="2209093" y="1"/>
+            <a:ext cx="7096272" cy="6875892"/>
+          </a:xfrm>
+        </p:spPr>
+      </p:pic>
+    </p:spTree>
+    <p:extLst>
+      <p:ext uri="{BB962C8B-B14F-4D97-AF65-F5344CB8AC3E}">
+        <p14:creationId xmlns:p14="http://schemas.microsoft.com/office/powerpoint/2010/main" val="1892353242"/>
+      </p:ext>
+    </p:extLst>
+  </p:cSld>
+  <p:clrMapOvr>
+    <a:masterClrMapping/>
+  </p:clrMapOvr>
+  <p:timing>
+    <p:tnLst>
+      <p:par>
+        <p:cTn id="1" dur="indefinite" restart="never" nodeType="tmRoot"/>
+      </p:par>
+    </p:tnLst>
+  </p:timing>
+</p:sld>
+</file>
+
+<file path=ppt/slides/slide23.xml><?xml version="1.0" encoding="utf-8"?>
+<p:sld xmlns:a="http://schemas.openxmlformats.org/drawingml/2006/main" xmlns:r="http://schemas.openxmlformats.org/officeDocument/2006/relationships" xmlns:p="http://schemas.openxmlformats.org/presentationml/2006/main">
+  <p:cSld>
+    <p:spTree>
+      <p:nvGrpSpPr>
+        <p:cNvPr id="1" name=""/>
+        <p:cNvGrpSpPr/>
+        <p:nvPr/>
+      </p:nvGrpSpPr>
+      <p:grpSpPr>
+        <a:xfrm>
+          <a:off x="0" y="0"/>
+          <a:ext cx="0" cy="0"/>
+          <a:chOff x="0" y="0"/>
+          <a:chExt cx="0" cy="0"/>
+        </a:xfrm>
+      </p:grpSpPr>
+      <p:sp>
+        <p:nvSpPr>
           <p:cNvPr id="2" name="Title 1">
             <a:extLst>
               <a:ext uri="{FF2B5EF4-FFF2-40B4-BE49-F238E27FC236}">
-                <a16:creationId xmlns:a16="http://schemas.microsoft.com/office/drawing/2014/main" id="{DED74125-AB35-4292-B9D8-94F72D7F8E9B}"/>
+                <a16:creationId xmlns:a16="http://schemas.microsoft.com/office/drawing/2014/main" xmlns="" id="{6273F60F-264A-481D-AE8F-CB2B8324580C}"/>
+              </a:ext>
+            </a:extLst>
+          </p:cNvPr>
+          <p:cNvSpPr>
+            <a:spLocks noGrp="1"/>
+          </p:cNvSpPr>
+          <p:nvPr>
+            <p:ph type="title"/>
+          </p:nvPr>
+        </p:nvSpPr>
+        <p:spPr/>
+        <p:txBody>
+          <a:bodyPr/>
+          <a:lstStyle/>
+          <a:p>
+            <a:endParaRPr lang="en-US"/>
+          </a:p>
+        </p:txBody>
+      </p:sp>
+      <p:pic>
+        <p:nvPicPr>
+          <p:cNvPr id="5" name="Content Placeholder 4" descr="A screenshot of a computer&#10;&#10;Description automatically generated">
+            <a:extLst>
+              <a:ext uri="{FF2B5EF4-FFF2-40B4-BE49-F238E27FC236}">
+                <a16:creationId xmlns:a16="http://schemas.microsoft.com/office/drawing/2014/main" xmlns="" id="{438F952E-28C7-4FC0-B6B3-0A3912CF5177}"/>
+              </a:ext>
+            </a:extLst>
+          </p:cNvPr>
+          <p:cNvPicPr>
+            <a:picLocks noGrp="1" noChangeAspect="1"/>
+          </p:cNvPicPr>
+          <p:nvPr>
+            <p:ph idx="1"/>
+          </p:nvPr>
+        </p:nvPicPr>
+        <p:blipFill>
+          <a:blip r:embed="rId2">
+            <a:extLst>
+              <a:ext uri="{28A0092B-C50C-407E-A947-70E740481C1C}">
+                <a14:useLocalDpi xmlns:a14="http://schemas.microsoft.com/office/drawing/2010/main" val="0"/>
+              </a:ext>
+            </a:extLst>
+          </a:blip>
+          <a:stretch>
+            <a:fillRect/>
+          </a:stretch>
+        </p:blipFill>
+        <p:spPr>
+          <a:xfrm>
+            <a:off x="1165413" y="52316"/>
+            <a:ext cx="9260540" cy="6805684"/>
+          </a:xfrm>
+        </p:spPr>
+      </p:pic>
+    </p:spTree>
+    <p:extLst>
+      <p:ext uri="{BB962C8B-B14F-4D97-AF65-F5344CB8AC3E}">
+        <p14:creationId xmlns:p14="http://schemas.microsoft.com/office/powerpoint/2010/main" val="3329937859"/>
+      </p:ext>
+    </p:extLst>
+  </p:cSld>
+  <p:clrMapOvr>
+    <a:masterClrMapping/>
+  </p:clrMapOvr>
+  <p:timing>
+    <p:tnLst>
+      <p:par>
+        <p:cTn id="1" dur="indefinite" restart="never" nodeType="tmRoot"/>
+      </p:par>
+    </p:tnLst>
+  </p:timing>
+</p:sld>
+</file>
+
+<file path=ppt/slides/slide24.xml><?xml version="1.0" encoding="utf-8"?>
+<p:sld xmlns:a="http://schemas.openxmlformats.org/drawingml/2006/main" xmlns:r="http://schemas.openxmlformats.org/officeDocument/2006/relationships" xmlns:p="http://schemas.openxmlformats.org/presentationml/2006/main">
+  <p:cSld>
+    <p:spTree>
+      <p:nvGrpSpPr>
+        <p:cNvPr id="1" name=""/>
+        <p:cNvGrpSpPr/>
+        <p:nvPr/>
+      </p:nvGrpSpPr>
+      <p:grpSpPr>
+        <a:xfrm>
+          <a:off x="0" y="0"/>
+          <a:ext cx="0" cy="0"/>
+          <a:chOff x="0" y="0"/>
+          <a:chExt cx="0" cy="0"/>
+        </a:xfrm>
+      </p:grpSpPr>
+      <p:sp>
+        <p:nvSpPr>
+          <p:cNvPr id="2" name="Title 1"/>
+          <p:cNvSpPr>
+            <a:spLocks noGrp="1"/>
+          </p:cNvSpPr>
+          <p:nvPr>
+            <p:ph type="title"/>
+          </p:nvPr>
+        </p:nvSpPr>
+        <p:spPr/>
+        <p:txBody>
+          <a:bodyPr/>
+          <a:lstStyle/>
+          <a:p>
+            <a:endParaRPr lang="en-US"/>
+          </a:p>
+        </p:txBody>
+      </p:sp>
+      <p:pic>
+        <p:nvPicPr>
+          <p:cNvPr id="4" name="Content Placeholder 3"/>
+          <p:cNvPicPr>
+            <a:picLocks noGrp="1" noChangeAspect="1"/>
+          </p:cNvPicPr>
+          <p:nvPr>
+            <p:ph idx="1"/>
+          </p:nvPr>
+        </p:nvPicPr>
+        <p:blipFill>
+          <a:blip r:embed="rId2">
+            <a:extLst>
+              <a:ext uri="{28A0092B-C50C-407E-A947-70E740481C1C}">
+                <a14:useLocalDpi xmlns:a14="http://schemas.microsoft.com/office/drawing/2010/main" val="0"/>
+              </a:ext>
+            </a:extLst>
+          </a:blip>
+          <a:stretch>
+            <a:fillRect/>
+          </a:stretch>
+        </p:blipFill>
+        <p:spPr>
+          <a:xfrm>
+            <a:off x="2183811" y="1"/>
+            <a:ext cx="7130518" cy="6864372"/>
+          </a:xfrm>
+        </p:spPr>
+      </p:pic>
+    </p:spTree>
+    <p:extLst>
+      <p:ext uri="{BB962C8B-B14F-4D97-AF65-F5344CB8AC3E}">
+        <p14:creationId xmlns:p14="http://schemas.microsoft.com/office/powerpoint/2010/main" val="3859036332"/>
+      </p:ext>
+    </p:extLst>
+  </p:cSld>
+  <p:clrMapOvr>
+    <a:masterClrMapping/>
+  </p:clrMapOvr>
+</p:sld>
+</file>
+
+<file path=ppt/slides/slide25.xml><?xml version="1.0" encoding="utf-8"?>
+<p:sld xmlns:a="http://schemas.openxmlformats.org/drawingml/2006/main" xmlns:r="http://schemas.openxmlformats.org/officeDocument/2006/relationships" xmlns:p="http://schemas.openxmlformats.org/presentationml/2006/main">
+  <p:cSld>
+    <p:spTree>
+      <p:nvGrpSpPr>
+        <p:cNvPr id="1" name=""/>
+        <p:cNvGrpSpPr/>
+        <p:nvPr/>
+      </p:nvGrpSpPr>
+      <p:grpSpPr>
+        <a:xfrm>
+          <a:off x="0" y="0"/>
+          <a:ext cx="0" cy="0"/>
+          <a:chOff x="0" y="0"/>
+          <a:chExt cx="0" cy="0"/>
+        </a:xfrm>
+      </p:grpSpPr>
+      <p:sp>
+        <p:nvSpPr>
+          <p:cNvPr id="2" name="Title 1"/>
+          <p:cNvSpPr>
+            <a:spLocks noGrp="1"/>
+          </p:cNvSpPr>
+          <p:nvPr>
+            <p:ph type="title"/>
+          </p:nvPr>
+        </p:nvSpPr>
+        <p:spPr/>
+        <p:txBody>
+          <a:bodyPr/>
+          <a:lstStyle/>
+          <a:p>
+            <a:endParaRPr lang="en-US"/>
+          </a:p>
+        </p:txBody>
+      </p:sp>
+      <p:pic>
+        <p:nvPicPr>
+          <p:cNvPr id="4" name="Content Placeholder 3"/>
+          <p:cNvPicPr>
+            <a:picLocks noGrp="1" noChangeAspect="1"/>
+          </p:cNvPicPr>
+          <p:nvPr>
+            <p:ph idx="1"/>
+          </p:nvPr>
+        </p:nvPicPr>
+        <p:blipFill>
+          <a:blip r:embed="rId2">
+            <a:extLst>
+              <a:ext uri="{28A0092B-C50C-407E-A947-70E740481C1C}">
+                <a14:useLocalDpi xmlns:a14="http://schemas.microsoft.com/office/drawing/2010/main" val="0"/>
+              </a:ext>
+            </a:extLst>
+          </a:blip>
+          <a:stretch>
+            <a:fillRect/>
+          </a:stretch>
+        </p:blipFill>
+        <p:spPr>
+          <a:xfrm>
+            <a:off x="2294964" y="0"/>
+            <a:ext cx="7096154" cy="6856347"/>
+          </a:xfrm>
+        </p:spPr>
+      </p:pic>
+    </p:spTree>
+    <p:extLst>
+      <p:ext uri="{BB962C8B-B14F-4D97-AF65-F5344CB8AC3E}">
+        <p14:creationId xmlns:p14="http://schemas.microsoft.com/office/powerpoint/2010/main" val="3618605314"/>
+      </p:ext>
+    </p:extLst>
+  </p:cSld>
+  <p:clrMapOvr>
+    <a:masterClrMapping/>
+  </p:clrMapOvr>
+</p:sld>
+</file>
+
+<file path=ppt/slides/slide26.xml><?xml version="1.0" encoding="utf-8"?>
+<p:sld xmlns:a="http://schemas.openxmlformats.org/drawingml/2006/main" xmlns:r="http://schemas.openxmlformats.org/officeDocument/2006/relationships" xmlns:p="http://schemas.openxmlformats.org/presentationml/2006/main">
+  <p:cSld>
+    <p:spTree>
+      <p:nvGrpSpPr>
+        <p:cNvPr id="1" name=""/>
+        <p:cNvGrpSpPr/>
+        <p:nvPr/>
+      </p:nvGrpSpPr>
+      <p:grpSpPr>
+        <a:xfrm>
+          <a:off x="0" y="0"/>
+          <a:ext cx="0" cy="0"/>
+          <a:chOff x="0" y="0"/>
+          <a:chExt cx="0" cy="0"/>
+        </a:xfrm>
+      </p:grpSpPr>
+      <p:sp>
+        <p:nvSpPr>
+          <p:cNvPr id="2" name="Title 1"/>
+          <p:cNvSpPr>
+            <a:spLocks noGrp="1"/>
+          </p:cNvSpPr>
+          <p:nvPr>
+            <p:ph type="title"/>
+          </p:nvPr>
+        </p:nvSpPr>
+        <p:spPr/>
+        <p:txBody>
+          <a:bodyPr/>
+          <a:lstStyle/>
+          <a:p>
+            <a:endParaRPr lang="en-US"/>
+          </a:p>
+        </p:txBody>
+      </p:sp>
+      <p:pic>
+        <p:nvPicPr>
+          <p:cNvPr id="4" name="Content Placeholder 3"/>
+          <p:cNvPicPr>
+            <a:picLocks noGrp="1" noChangeAspect="1"/>
+          </p:cNvPicPr>
+          <p:nvPr>
+            <p:ph idx="1"/>
+          </p:nvPr>
+        </p:nvPicPr>
+        <p:blipFill>
+          <a:blip r:embed="rId2">
+            <a:extLst>
+              <a:ext uri="{28A0092B-C50C-407E-A947-70E740481C1C}">
+                <a14:useLocalDpi xmlns:a14="http://schemas.microsoft.com/office/drawing/2010/main" val="0"/>
+              </a:ext>
+            </a:extLst>
+          </a:blip>
+          <a:stretch>
+            <a:fillRect/>
+          </a:stretch>
+        </p:blipFill>
+        <p:spPr>
+          <a:xfrm>
+            <a:off x="2405134" y="1731963"/>
+            <a:ext cx="7372207" cy="4059237"/>
+          </a:xfrm>
+        </p:spPr>
+      </p:pic>
+    </p:spTree>
+    <p:extLst>
+      <p:ext uri="{BB962C8B-B14F-4D97-AF65-F5344CB8AC3E}">
+        <p14:creationId xmlns:p14="http://schemas.microsoft.com/office/powerpoint/2010/main" val="1066223481"/>
+      </p:ext>
+    </p:extLst>
+  </p:cSld>
+  <p:clrMapOvr>
+    <a:masterClrMapping/>
+  </p:clrMapOvr>
+</p:sld>
+</file>
+
+<file path=ppt/slides/slide27.xml><?xml version="1.0" encoding="utf-8"?>
+<p:sld xmlns:a="http://schemas.openxmlformats.org/drawingml/2006/main" xmlns:r="http://schemas.openxmlformats.org/officeDocument/2006/relationships" xmlns:p="http://schemas.openxmlformats.org/presentationml/2006/main">
+  <p:cSld>
+    <p:spTree>
+      <p:nvGrpSpPr>
+        <p:cNvPr id="1" name=""/>
+        <p:cNvGrpSpPr/>
+        <p:nvPr/>
+      </p:nvGrpSpPr>
+      <p:grpSpPr>
+        <a:xfrm>
+          <a:off x="0" y="0"/>
+          <a:ext cx="0" cy="0"/>
+          <a:chOff x="0" y="0"/>
+          <a:chExt cx="0" cy="0"/>
+        </a:xfrm>
+      </p:grpSpPr>
+      <p:sp>
+        <p:nvSpPr>
+          <p:cNvPr id="2" name="Title 1">
+            <a:extLst>
+              <a:ext uri="{FF2B5EF4-FFF2-40B4-BE49-F238E27FC236}">
+                <a16:creationId xmlns:a16="http://schemas.microsoft.com/office/drawing/2014/main" xmlns="" id="{B445D5D6-7D6A-4165-9FDB-201401ABC049}"/>
+              </a:ext>
+            </a:extLst>
+          </p:cNvPr>
+          <p:cNvSpPr>
+            <a:spLocks noGrp="1"/>
+          </p:cNvSpPr>
+          <p:nvPr>
+            <p:ph type="title"/>
+          </p:nvPr>
+        </p:nvSpPr>
+        <p:spPr/>
+        <p:txBody>
+          <a:bodyPr/>
+          <a:lstStyle/>
+          <a:p>
+            <a:r>
+              <a:rPr lang="en-US" dirty="0"/>
+              <a:t>Phase 4 Testcase ‘f’</a:t>
+            </a:r>
+          </a:p>
+        </p:txBody>
+      </p:sp>
+      <p:sp>
+        <p:nvSpPr>
+          <p:cNvPr id="3" name="Content Placeholder 2">
+            <a:extLst>
+              <a:ext uri="{FF2B5EF4-FFF2-40B4-BE49-F238E27FC236}">
+                <a16:creationId xmlns:a16="http://schemas.microsoft.com/office/drawing/2014/main" xmlns="" id="{CACFE881-6C65-4B06-B621-2B8788E9ABE2}"/>
+              </a:ext>
+            </a:extLst>
+          </p:cNvPr>
+          <p:cNvSpPr>
+            <a:spLocks noGrp="1"/>
+          </p:cNvSpPr>
+          <p:nvPr>
+            <p:ph idx="1"/>
+          </p:nvPr>
+        </p:nvSpPr>
+        <p:spPr/>
+        <p:txBody>
+          <a:bodyPr>
+            <a:normAutofit/>
+          </a:bodyPr>
+          <a:lstStyle/>
+          <a:p>
+            <a:r>
+              <a:rPr lang="en-US" dirty="0"/>
+              <a:t>Print Dir</a:t>
+            </a:r>
+          </a:p>
+          <a:p>
+            <a:r>
+              <a:rPr lang="en-US" dirty="0"/>
+              <a:t>Create file with permissions 1100</a:t>
+            </a:r>
+          </a:p>
+          <a:p>
+            <a:r>
+              <a:rPr lang="en-US" dirty="0"/>
+              <a:t>Open</a:t>
+            </a:r>
+          </a:p>
+          <a:p>
+            <a:r>
+              <a:rPr lang="en-US" dirty="0"/>
+              <a:t>Write char and print Dir</a:t>
+            </a:r>
+          </a:p>
+          <a:p>
+            <a:r>
+              <a:rPr lang="en-US" dirty="0"/>
+              <a:t>Change  permissions to 1111 and print Dir</a:t>
+            </a:r>
+          </a:p>
+          <a:p>
+            <a:r>
+              <a:rPr lang="en-US" dirty="0"/>
+              <a:t>Dump</a:t>
+            </a:r>
+          </a:p>
+          <a:p>
+            <a:r>
+              <a:rPr lang="en-US" dirty="0"/>
+              <a:t>Read and print </a:t>
+            </a:r>
+          </a:p>
+          <a:p>
+            <a:r>
+              <a:rPr lang="en-US" dirty="0"/>
+              <a:t>Delete file and print Dir</a:t>
+            </a:r>
+          </a:p>
+          <a:p>
+            <a:r>
+              <a:rPr lang="en-US" dirty="0"/>
+              <a:t>Dump</a:t>
+            </a:r>
+          </a:p>
+        </p:txBody>
+      </p:sp>
+    </p:spTree>
+    <p:extLst>
+      <p:ext uri="{BB962C8B-B14F-4D97-AF65-F5344CB8AC3E}">
+        <p14:creationId xmlns:p14="http://schemas.microsoft.com/office/powerpoint/2010/main" val="823154206"/>
+      </p:ext>
+    </p:extLst>
+  </p:cSld>
+  <p:clrMapOvr>
+    <a:masterClrMapping/>
+  </p:clrMapOvr>
+</p:sld>
+</file>
+
+<file path=ppt/slides/slide28.xml><?xml version="1.0" encoding="utf-8"?>
+<p:sld xmlns:a="http://schemas.openxmlformats.org/drawingml/2006/main" xmlns:r="http://schemas.openxmlformats.org/officeDocument/2006/relationships" xmlns:p="http://schemas.openxmlformats.org/presentationml/2006/main">
+  <p:cSld>
+    <p:spTree>
+      <p:nvGrpSpPr>
+        <p:cNvPr id="1" name=""/>
+        <p:cNvGrpSpPr/>
+        <p:nvPr/>
+      </p:nvGrpSpPr>
+      <p:grpSpPr>
+        <a:xfrm>
+          <a:off x="0" y="0"/>
+          <a:ext cx="0" cy="0"/>
+          <a:chOff x="0" y="0"/>
+          <a:chExt cx="0" cy="0"/>
+        </a:xfrm>
+      </p:grpSpPr>
+      <p:sp>
+        <p:nvSpPr>
+          <p:cNvPr id="2" name="Title 1">
+            <a:extLst>
+              <a:ext uri="{FF2B5EF4-FFF2-40B4-BE49-F238E27FC236}">
+                <a16:creationId xmlns:a16="http://schemas.microsoft.com/office/drawing/2014/main" xmlns="" id="{DED74125-AB35-4292-B9D8-94F72D7F8E9B}"/>
               </a:ext>
             </a:extLst>
           </p:cNvPr>
@@ -9334,7 +9917,7 @@
           <p:cNvPr id="5" name="Content Placeholder 4" descr="A screenshot of a cell phone&#10;&#10;Description automatically generated">
             <a:extLst>
               <a:ext uri="{FF2B5EF4-FFF2-40B4-BE49-F238E27FC236}">
-                <a16:creationId xmlns:a16="http://schemas.microsoft.com/office/drawing/2014/main" id="{DEEA3EFF-BBE1-4E5A-84E0-7EBCB3ACA3B3}"/>
+                <a16:creationId xmlns:a16="http://schemas.microsoft.com/office/drawing/2014/main" xmlns="" id="{DEEA3EFF-BBE1-4E5A-84E0-7EBCB3ACA3B3}"/>
               </a:ext>
             </a:extLst>
           </p:cNvPr>
@@ -9369,7 +9952,7 @@
           <p:cNvPr id="7" name="Picture 6" descr="A screenshot of text&#10;&#10;Description automatically generated">
             <a:extLst>
               <a:ext uri="{FF2B5EF4-FFF2-40B4-BE49-F238E27FC236}">
-                <a16:creationId xmlns:a16="http://schemas.microsoft.com/office/drawing/2014/main" id="{43E04F55-30D9-4CE1-BF03-42CBC8B2C084}"/>
+                <a16:creationId xmlns:a16="http://schemas.microsoft.com/office/drawing/2014/main" xmlns="" id="{43E04F55-30D9-4CE1-BF03-42CBC8B2C084}"/>
               </a:ext>
             </a:extLst>
           </p:cNvPr>
@@ -9392,7 +9975,7 @@
         </p:blipFill>
         <p:spPr>
           <a:xfrm>
-            <a:off x="6213751" y="452022"/>
+            <a:off x="5424857" y="609600"/>
             <a:ext cx="6154009" cy="5953956"/>
           </a:xfrm>
           <a:prstGeom prst="rect">
@@ -9413,7 +9996,7 @@
 </p:sld>
 </file>
 
-<file path=ppt/slides/slide23.xml><?xml version="1.0" encoding="utf-8"?>
+<file path=ppt/slides/slide29.xml><?xml version="1.0" encoding="utf-8"?>
 <p:sld xmlns:a="http://schemas.openxmlformats.org/drawingml/2006/main" xmlns:r="http://schemas.openxmlformats.org/officeDocument/2006/relationships" xmlns:p="http://schemas.openxmlformats.org/presentationml/2006/main">
   <p:cSld>
     <p:spTree>
@@ -9435,7 +10018,7 @@
           <p:cNvPr id="2" name="Title 1">
             <a:extLst>
               <a:ext uri="{FF2B5EF4-FFF2-40B4-BE49-F238E27FC236}">
-                <a16:creationId xmlns:a16="http://schemas.microsoft.com/office/drawing/2014/main" id="{B445D5D6-7D6A-4165-9FDB-201401ABC049}"/>
+                <a16:creationId xmlns:a16="http://schemas.microsoft.com/office/drawing/2014/main" xmlns="" id="{B445D5D6-7D6A-4165-9FDB-201401ABC049}"/>
               </a:ext>
             </a:extLst>
           </p:cNvPr>
@@ -9463,7 +10046,7 @@
           <p:cNvPr id="3" name="Content Placeholder 2">
             <a:extLst>
               <a:ext uri="{FF2B5EF4-FFF2-40B4-BE49-F238E27FC236}">
-                <a16:creationId xmlns:a16="http://schemas.microsoft.com/office/drawing/2014/main" id="{CACFE881-6C65-4B06-B621-2B8788E9ABE2}"/>
+                <a16:creationId xmlns:a16="http://schemas.microsoft.com/office/drawing/2014/main" xmlns="" id="{CACFE881-6C65-4B06-B621-2B8788E9ABE2}"/>
               </a:ext>
             </a:extLst>
           </p:cNvPr>
@@ -10968,1424 +11551,6 @@
     <p:extLst>
       <p:ext uri="{BB962C8B-B14F-4D97-AF65-F5344CB8AC3E}">
         <p14:creationId xmlns:p14="http://schemas.microsoft.com/office/powerpoint/2010/main" val="2935090236"/>
-      </p:ext>
-    </p:extLst>
-  </p:cSld>
-  <p:clrMapOvr>
-    <a:masterClrMapping/>
-  </p:clrMapOvr>
-</p:sld>
-</file>
-
-<file path=ppt/slides/slide24.xml><?xml version="1.0" encoding="utf-8"?>
-<p:sld xmlns:a="http://schemas.openxmlformats.org/drawingml/2006/main" xmlns:r="http://schemas.openxmlformats.org/officeDocument/2006/relationships" xmlns:p="http://schemas.openxmlformats.org/presentationml/2006/main">
-  <p:cSld>
-    <p:spTree>
-      <p:nvGrpSpPr>
-        <p:cNvPr id="1" name=""/>
-        <p:cNvGrpSpPr/>
-        <p:nvPr/>
-      </p:nvGrpSpPr>
-      <p:grpSpPr>
-        <a:xfrm>
-          <a:off x="0" y="0"/>
-          <a:ext cx="0" cy="0"/>
-          <a:chOff x="0" y="0"/>
-          <a:chExt cx="0" cy="0"/>
-        </a:xfrm>
-      </p:grpSpPr>
-      <p:sp>
-        <p:nvSpPr>
-          <p:cNvPr id="2" name="Title 1">
-            <a:extLst>
-              <a:ext uri="{FF2B5EF4-FFF2-40B4-BE49-F238E27FC236}">
-                <a16:creationId xmlns:a16="http://schemas.microsoft.com/office/drawing/2014/main" id="{B445D5D6-7D6A-4165-9FDB-201401ABC049}"/>
-              </a:ext>
-            </a:extLst>
-          </p:cNvPr>
-          <p:cNvSpPr>
-            <a:spLocks noGrp="1"/>
-          </p:cNvSpPr>
-          <p:nvPr>
-            <p:ph type="title"/>
-          </p:nvPr>
-        </p:nvSpPr>
-        <p:spPr/>
-        <p:txBody>
-          <a:bodyPr/>
-          <a:lstStyle/>
-          <a:p>
-            <a:r>
-              <a:rPr lang="en-US" dirty="0"/>
-              <a:t>Phase 4 Testcase ‘f’</a:t>
-            </a:r>
-          </a:p>
-        </p:txBody>
-      </p:sp>
-      <p:sp>
-        <p:nvSpPr>
-          <p:cNvPr id="3" name="Content Placeholder 2">
-            <a:extLst>
-              <a:ext uri="{FF2B5EF4-FFF2-40B4-BE49-F238E27FC236}">
-                <a16:creationId xmlns:a16="http://schemas.microsoft.com/office/drawing/2014/main" id="{CACFE881-6C65-4B06-B621-2B8788E9ABE2}"/>
-              </a:ext>
-            </a:extLst>
-          </p:cNvPr>
-          <p:cNvSpPr>
-            <a:spLocks noGrp="1"/>
-          </p:cNvSpPr>
-          <p:nvPr>
-            <p:ph idx="1"/>
-          </p:nvPr>
-        </p:nvSpPr>
-        <p:spPr/>
-        <p:txBody>
-          <a:bodyPr>
-            <a:normAutofit fontScale="85000" lnSpcReduction="20000"/>
-          </a:bodyPr>
-          <a:lstStyle/>
-          <a:p>
-            <a:pPr marL="0" marR="0" indent="0">
-              <a:lnSpc>
-                <a:spcPct val="107000"/>
-              </a:lnSpc>
-              <a:spcBef>
-                <a:spcPts val="0"/>
-              </a:spcBef>
-              <a:spcAft>
-                <a:spcPts val="0"/>
-              </a:spcAft>
-              <a:buNone/>
-            </a:pPr>
-            <a:r>
-              <a:rPr lang="en-US" dirty="0" err="1">
-                <a:effectLst/>
-                <a:latin typeface="Calibri" panose="020F0502020204030204" pitchFamily="34" charset="0"/>
-                <a:ea typeface="Calibri" panose="020F0502020204030204" pitchFamily="34" charset="0"/>
-                <a:cs typeface="Times New Roman" panose="02020603050405020304" pitchFamily="18" charset="0"/>
-              </a:rPr>
-              <a:t>superuser.Change_Permission</a:t>
-            </a:r>
-            <a:r>
-              <a:rPr lang="en-US" dirty="0">
-                <a:effectLst/>
-                <a:latin typeface="Calibri" panose="020F0502020204030204" pitchFamily="34" charset="0"/>
-                <a:ea typeface="Calibri" panose="020F0502020204030204" pitchFamily="34" charset="0"/>
-                <a:cs typeface="Times New Roman" panose="02020603050405020304" pitchFamily="18" charset="0"/>
-              </a:rPr>
-              <a:t>(</a:t>
-            </a:r>
-            <a:r>
-              <a:rPr lang="en-US" dirty="0" err="1">
-                <a:effectLst/>
-                <a:latin typeface="Calibri" panose="020F0502020204030204" pitchFamily="34" charset="0"/>
-                <a:ea typeface="Calibri" panose="020F0502020204030204" pitchFamily="34" charset="0"/>
-                <a:cs typeface="Times New Roman" panose="02020603050405020304" pitchFamily="18" charset="0"/>
-              </a:rPr>
-              <a:t>tcb</a:t>
-            </a:r>
-            <a:r>
-              <a:rPr lang="en-US" dirty="0">
-                <a:effectLst/>
-                <a:latin typeface="Calibri" panose="020F0502020204030204" pitchFamily="34" charset="0"/>
-                <a:ea typeface="Calibri" panose="020F0502020204030204" pitchFamily="34" charset="0"/>
-                <a:cs typeface="Times New Roman" panose="02020603050405020304" pitchFamily="18" charset="0"/>
-              </a:rPr>
-              <a:t>-&gt;</a:t>
-            </a:r>
-            <a:r>
-              <a:rPr lang="en-US" dirty="0" err="1">
-                <a:effectLst/>
-                <a:latin typeface="Calibri" panose="020F0502020204030204" pitchFamily="34" charset="0"/>
-                <a:ea typeface="Calibri" panose="020F0502020204030204" pitchFamily="34" charset="0"/>
-                <a:cs typeface="Times New Roman" panose="02020603050405020304" pitchFamily="18" charset="0"/>
-              </a:rPr>
-              <a:t>thread_no</a:t>
-            </a:r>
-            <a:r>
-              <a:rPr lang="en-US" dirty="0">
-                <a:effectLst/>
-                <a:latin typeface="Calibri" panose="020F0502020204030204" pitchFamily="34" charset="0"/>
-                <a:ea typeface="Calibri" panose="020F0502020204030204" pitchFamily="34" charset="0"/>
-                <a:cs typeface="Times New Roman" panose="02020603050405020304" pitchFamily="18" charset="0"/>
-              </a:rPr>
-              <a:t>, (</a:t>
-            </a:r>
-            <a:r>
-              <a:rPr lang="en-US" b="1" dirty="0">
-                <a:effectLst/>
-                <a:latin typeface="Calibri" panose="020F0502020204030204" pitchFamily="34" charset="0"/>
-                <a:ea typeface="Calibri" panose="020F0502020204030204" pitchFamily="34" charset="0"/>
-                <a:cs typeface="Times New Roman" panose="02020603050405020304" pitchFamily="18" charset="0"/>
-              </a:rPr>
-              <a:t>char</a:t>
-            </a:r>
-            <a:r>
-              <a:rPr lang="en-US" dirty="0">
-                <a:effectLst/>
-                <a:latin typeface="Calibri" panose="020F0502020204030204" pitchFamily="34" charset="0"/>
-                <a:ea typeface="Calibri" panose="020F0502020204030204" pitchFamily="34" charset="0"/>
-                <a:cs typeface="Times New Roman" panose="02020603050405020304" pitchFamily="18" charset="0"/>
-              </a:rPr>
-              <a:t>*)</a:t>
-            </a:r>
-            <a:r>
-              <a:rPr lang="en-US" dirty="0">
-                <a:solidFill>
-                  <a:srgbClr val="00B050"/>
-                </a:solidFill>
-                <a:effectLst/>
-                <a:latin typeface="Calibri" panose="020F0502020204030204" pitchFamily="34" charset="0"/>
-                <a:ea typeface="Calibri" panose="020F0502020204030204" pitchFamily="34" charset="0"/>
-                <a:cs typeface="Times New Roman" panose="02020603050405020304" pitchFamily="18" charset="0"/>
-              </a:rPr>
-              <a:t>"</a:t>
-            </a:r>
-            <a:r>
-              <a:rPr lang="en-US" dirty="0" err="1">
-                <a:solidFill>
-                  <a:srgbClr val="00B050"/>
-                </a:solidFill>
-                <a:effectLst/>
-                <a:latin typeface="Calibri" panose="020F0502020204030204" pitchFamily="34" charset="0"/>
-                <a:ea typeface="Calibri" panose="020F0502020204030204" pitchFamily="34" charset="0"/>
-                <a:cs typeface="Times New Roman" panose="02020603050405020304" pitchFamily="18" charset="0"/>
-              </a:rPr>
-              <a:t>uifile</a:t>
-            </a:r>
-            <a:r>
-              <a:rPr lang="en-US" dirty="0">
-                <a:solidFill>
-                  <a:srgbClr val="00B050"/>
-                </a:solidFill>
-                <a:effectLst/>
-                <a:latin typeface="Calibri" panose="020F0502020204030204" pitchFamily="34" charset="0"/>
-                <a:ea typeface="Calibri" panose="020F0502020204030204" pitchFamily="34" charset="0"/>
-                <a:cs typeface="Times New Roman" panose="02020603050405020304" pitchFamily="18" charset="0"/>
-              </a:rPr>
-              <a:t>"</a:t>
-            </a:r>
-            <a:r>
-              <a:rPr lang="en-US" dirty="0">
-                <a:solidFill>
-                  <a:schemeClr val="tx1"/>
-                </a:solidFill>
-                <a:effectLst/>
-                <a:latin typeface="Calibri" panose="020F0502020204030204" pitchFamily="34" charset="0"/>
-                <a:ea typeface="Calibri" panose="020F0502020204030204" pitchFamily="34" charset="0"/>
-                <a:cs typeface="Times New Roman" panose="02020603050405020304" pitchFamily="18" charset="0"/>
-              </a:rPr>
-              <a:t>,</a:t>
-            </a:r>
-            <a:r>
-              <a:rPr lang="en-US" dirty="0">
-                <a:solidFill>
-                  <a:srgbClr val="00B050"/>
-                </a:solidFill>
-                <a:effectLst/>
-                <a:latin typeface="Calibri" panose="020F0502020204030204" pitchFamily="34" charset="0"/>
-                <a:ea typeface="Calibri" panose="020F0502020204030204" pitchFamily="34" charset="0"/>
-                <a:cs typeface="Times New Roman" panose="02020603050405020304" pitchFamily="18" charset="0"/>
-              </a:rPr>
-              <a:t> </a:t>
-            </a:r>
-            <a:r>
-              <a:rPr lang="en-US" dirty="0">
-                <a:effectLst/>
-                <a:latin typeface="Calibri" panose="020F0502020204030204" pitchFamily="34" charset="0"/>
-                <a:ea typeface="Calibri" panose="020F0502020204030204" pitchFamily="34" charset="0"/>
-                <a:cs typeface="Times New Roman" panose="02020603050405020304" pitchFamily="18" charset="0"/>
-              </a:rPr>
-              <a:t>perm, </a:t>
-            </a:r>
-            <a:r>
-              <a:rPr lang="en-US" dirty="0" err="1">
-                <a:effectLst/>
-                <a:latin typeface="Calibri" panose="020F0502020204030204" pitchFamily="34" charset="0"/>
-                <a:ea typeface="Calibri" panose="020F0502020204030204" pitchFamily="34" charset="0"/>
-                <a:cs typeface="Times New Roman" panose="02020603050405020304" pitchFamily="18" charset="0"/>
-              </a:rPr>
-              <a:t>logwin</a:t>
-            </a:r>
-            <a:r>
-              <a:rPr lang="en-US" dirty="0">
-                <a:effectLst/>
-                <a:latin typeface="Calibri" panose="020F0502020204030204" pitchFamily="34" charset="0"/>
-                <a:ea typeface="Calibri" panose="020F0502020204030204" pitchFamily="34" charset="0"/>
-                <a:cs typeface="Times New Roman" panose="02020603050405020304" pitchFamily="18" charset="0"/>
-              </a:rPr>
-              <a:t>);</a:t>
-            </a:r>
-          </a:p>
-          <a:p>
-            <a:pPr marL="0" marR="0" indent="0">
-              <a:lnSpc>
-                <a:spcPct val="107000"/>
-              </a:lnSpc>
-              <a:spcBef>
-                <a:spcPts val="0"/>
-              </a:spcBef>
-              <a:spcAft>
-                <a:spcPts val="0"/>
-              </a:spcAft>
-              <a:buNone/>
-            </a:pPr>
-            <a:r>
-              <a:rPr lang="en-US" dirty="0" err="1">
-                <a:effectLst/>
-                <a:latin typeface="Calibri" panose="020F0502020204030204" pitchFamily="34" charset="0"/>
-                <a:ea typeface="Calibri" panose="020F0502020204030204" pitchFamily="34" charset="0"/>
-                <a:cs typeface="Times New Roman" panose="02020603050405020304" pitchFamily="18" charset="0"/>
-              </a:rPr>
-              <a:t>write_window</a:t>
-            </a:r>
-            <a:r>
-              <a:rPr lang="en-US" dirty="0">
-                <a:effectLst/>
-                <a:latin typeface="Calibri" panose="020F0502020204030204" pitchFamily="34" charset="0"/>
-                <a:ea typeface="Calibri" panose="020F0502020204030204" pitchFamily="34" charset="0"/>
-                <a:cs typeface="Times New Roman" panose="02020603050405020304" pitchFamily="18" charset="0"/>
-              </a:rPr>
-              <a:t>(</a:t>
-            </a:r>
-            <a:r>
-              <a:rPr lang="en-US" dirty="0" err="1">
-                <a:effectLst/>
-                <a:latin typeface="Calibri" panose="020F0502020204030204" pitchFamily="34" charset="0"/>
-                <a:ea typeface="Calibri" panose="020F0502020204030204" pitchFamily="34" charset="0"/>
-                <a:cs typeface="Times New Roman" panose="02020603050405020304" pitchFamily="18" charset="0"/>
-              </a:rPr>
-              <a:t>logwin</a:t>
-            </a:r>
-            <a:r>
-              <a:rPr lang="en-US" dirty="0">
-                <a:effectLst/>
-                <a:latin typeface="Calibri" panose="020F0502020204030204" pitchFamily="34" charset="0"/>
-                <a:ea typeface="Calibri" panose="020F0502020204030204" pitchFamily="34" charset="0"/>
-                <a:cs typeface="Times New Roman" panose="02020603050405020304" pitchFamily="18" charset="0"/>
-              </a:rPr>
-              <a:t>, </a:t>
-            </a:r>
-            <a:r>
-              <a:rPr lang="en-US" dirty="0">
-                <a:solidFill>
-                  <a:srgbClr val="00B050"/>
-                </a:solidFill>
-                <a:effectLst/>
-                <a:latin typeface="Calibri" panose="020F0502020204030204" pitchFamily="34" charset="0"/>
-                <a:ea typeface="Calibri" panose="020F0502020204030204" pitchFamily="34" charset="0"/>
-                <a:cs typeface="Times New Roman" panose="02020603050405020304" pitchFamily="18" charset="0"/>
-              </a:rPr>
-              <a:t>" calling Dir(task id);\n" </a:t>
-            </a:r>
-            <a:r>
-              <a:rPr lang="en-US" dirty="0">
-                <a:effectLst/>
-                <a:latin typeface="Calibri" panose="020F0502020204030204" pitchFamily="34" charset="0"/>
-                <a:ea typeface="Calibri" panose="020F0502020204030204" pitchFamily="34" charset="0"/>
-                <a:cs typeface="Times New Roman" panose="02020603050405020304" pitchFamily="18" charset="0"/>
-              </a:rPr>
-              <a:t>);</a:t>
-            </a:r>
-          </a:p>
-          <a:p>
-            <a:pPr marL="0" marR="0" indent="0">
-              <a:lnSpc>
-                <a:spcPct val="107000"/>
-              </a:lnSpc>
-              <a:spcBef>
-                <a:spcPts val="0"/>
-              </a:spcBef>
-              <a:spcAft>
-                <a:spcPts val="0"/>
-              </a:spcAft>
-              <a:buNone/>
-            </a:pPr>
-            <a:r>
-              <a:rPr lang="en-US" dirty="0" err="1">
-                <a:effectLst/>
-                <a:latin typeface="Calibri" panose="020F0502020204030204" pitchFamily="34" charset="0"/>
-                <a:ea typeface="Calibri" panose="020F0502020204030204" pitchFamily="34" charset="0"/>
-                <a:cs typeface="Times New Roman" panose="02020603050405020304" pitchFamily="18" charset="0"/>
-              </a:rPr>
-              <a:t>superuser.Dir</a:t>
-            </a:r>
-            <a:r>
-              <a:rPr lang="en-US" dirty="0">
-                <a:effectLst/>
-                <a:latin typeface="Calibri" panose="020F0502020204030204" pitchFamily="34" charset="0"/>
-                <a:ea typeface="Calibri" panose="020F0502020204030204" pitchFamily="34" charset="0"/>
-                <a:cs typeface="Times New Roman" panose="02020603050405020304" pitchFamily="18" charset="0"/>
-              </a:rPr>
-              <a:t>(</a:t>
-            </a:r>
-            <a:r>
-              <a:rPr lang="en-US" dirty="0" err="1">
-                <a:effectLst/>
-                <a:latin typeface="Calibri" panose="020F0502020204030204" pitchFamily="34" charset="0"/>
-                <a:ea typeface="Calibri" panose="020F0502020204030204" pitchFamily="34" charset="0"/>
-                <a:cs typeface="Times New Roman" panose="02020603050405020304" pitchFamily="18" charset="0"/>
-              </a:rPr>
-              <a:t>tcb</a:t>
-            </a:r>
-            <a:r>
-              <a:rPr lang="en-US" dirty="0">
-                <a:effectLst/>
-                <a:latin typeface="Calibri" panose="020F0502020204030204" pitchFamily="34" charset="0"/>
-                <a:ea typeface="Calibri" panose="020F0502020204030204" pitchFamily="34" charset="0"/>
-                <a:cs typeface="Times New Roman" panose="02020603050405020304" pitchFamily="18" charset="0"/>
-              </a:rPr>
-              <a:t>-&gt;</a:t>
-            </a:r>
-            <a:r>
-              <a:rPr lang="en-US" dirty="0" err="1">
-                <a:effectLst/>
-                <a:latin typeface="Calibri" panose="020F0502020204030204" pitchFamily="34" charset="0"/>
-                <a:ea typeface="Calibri" panose="020F0502020204030204" pitchFamily="34" charset="0"/>
-                <a:cs typeface="Times New Roman" panose="02020603050405020304" pitchFamily="18" charset="0"/>
-              </a:rPr>
-              <a:t>thread_no,memwin</a:t>
-            </a:r>
-            <a:r>
-              <a:rPr lang="en-US" dirty="0">
-                <a:effectLst/>
-                <a:latin typeface="Calibri" panose="020F0502020204030204" pitchFamily="34" charset="0"/>
-                <a:ea typeface="Calibri" panose="020F0502020204030204" pitchFamily="34" charset="0"/>
-                <a:cs typeface="Times New Roman" panose="02020603050405020304" pitchFamily="18" charset="0"/>
-              </a:rPr>
-              <a:t>);</a:t>
-            </a:r>
-          </a:p>
-          <a:p>
-            <a:pPr marL="0" marR="0" indent="0">
-              <a:lnSpc>
-                <a:spcPct val="107000"/>
-              </a:lnSpc>
-              <a:spcBef>
-                <a:spcPts val="0"/>
-              </a:spcBef>
-              <a:spcAft>
-                <a:spcPts val="0"/>
-              </a:spcAft>
-              <a:buNone/>
-            </a:pPr>
-            <a:r>
-              <a:rPr lang="en-US" dirty="0" err="1">
-                <a:effectLst/>
-                <a:latin typeface="Calibri" panose="020F0502020204030204" pitchFamily="34" charset="0"/>
-                <a:ea typeface="Calibri" panose="020F0502020204030204" pitchFamily="34" charset="0"/>
-                <a:cs typeface="Times New Roman" panose="02020603050405020304" pitchFamily="18" charset="0"/>
-              </a:rPr>
-              <a:t>write_window</a:t>
-            </a:r>
-            <a:r>
-              <a:rPr lang="en-US" dirty="0">
-                <a:effectLst/>
-                <a:latin typeface="Calibri" panose="020F0502020204030204" pitchFamily="34" charset="0"/>
-                <a:ea typeface="Calibri" panose="020F0502020204030204" pitchFamily="34" charset="0"/>
-                <a:cs typeface="Times New Roman" panose="02020603050405020304" pitchFamily="18" charset="0"/>
-              </a:rPr>
-              <a:t>(</a:t>
-            </a:r>
-            <a:r>
-              <a:rPr lang="en-US" dirty="0" err="1">
-                <a:effectLst/>
-                <a:latin typeface="Calibri" panose="020F0502020204030204" pitchFamily="34" charset="0"/>
-                <a:ea typeface="Calibri" panose="020F0502020204030204" pitchFamily="34" charset="0"/>
-                <a:cs typeface="Times New Roman" panose="02020603050405020304" pitchFamily="18" charset="0"/>
-              </a:rPr>
-              <a:t>logwin</a:t>
-            </a:r>
-            <a:r>
-              <a:rPr lang="en-US" dirty="0">
-                <a:effectLst/>
-                <a:latin typeface="Calibri" panose="020F0502020204030204" pitchFamily="34" charset="0"/>
-                <a:ea typeface="Calibri" panose="020F0502020204030204" pitchFamily="34" charset="0"/>
-                <a:cs typeface="Times New Roman" panose="02020603050405020304" pitchFamily="18" charset="0"/>
-              </a:rPr>
-              <a:t>, </a:t>
-            </a:r>
-            <a:r>
-              <a:rPr lang="en-US" dirty="0">
-                <a:solidFill>
-                  <a:srgbClr val="00B050"/>
-                </a:solidFill>
-                <a:effectLst/>
-                <a:latin typeface="Calibri" panose="020F0502020204030204" pitchFamily="34" charset="0"/>
-                <a:ea typeface="Calibri" panose="020F0502020204030204" pitchFamily="34" charset="0"/>
-                <a:cs typeface="Times New Roman" panose="02020603050405020304" pitchFamily="18" charset="0"/>
-              </a:rPr>
-              <a:t>" calling dump\n"</a:t>
-            </a:r>
-            <a:r>
-              <a:rPr lang="en-US" dirty="0">
-                <a:effectLst/>
-                <a:latin typeface="Calibri" panose="020F0502020204030204" pitchFamily="34" charset="0"/>
-                <a:ea typeface="Calibri" panose="020F0502020204030204" pitchFamily="34" charset="0"/>
-                <a:cs typeface="Times New Roman" panose="02020603050405020304" pitchFamily="18" charset="0"/>
-              </a:rPr>
-              <a:t> );</a:t>
-            </a:r>
-          </a:p>
-          <a:p>
-            <a:pPr marL="0" marR="0" indent="0">
-              <a:lnSpc>
-                <a:spcPct val="107000"/>
-              </a:lnSpc>
-              <a:spcBef>
-                <a:spcPts val="0"/>
-              </a:spcBef>
-              <a:spcAft>
-                <a:spcPts val="0"/>
-              </a:spcAft>
-              <a:buNone/>
-            </a:pPr>
-            <a:r>
-              <a:rPr lang="en-US" dirty="0" err="1">
-                <a:effectLst/>
-                <a:latin typeface="Calibri" panose="020F0502020204030204" pitchFamily="34" charset="0"/>
-                <a:ea typeface="Calibri" panose="020F0502020204030204" pitchFamily="34" charset="0"/>
-                <a:cs typeface="Times New Roman" panose="02020603050405020304" pitchFamily="18" charset="0"/>
-              </a:rPr>
-              <a:t>superuser.dump</a:t>
-            </a:r>
-            <a:r>
-              <a:rPr lang="en-US" dirty="0">
-                <a:effectLst/>
-                <a:latin typeface="Calibri" panose="020F0502020204030204" pitchFamily="34" charset="0"/>
-                <a:ea typeface="Calibri" panose="020F0502020204030204" pitchFamily="34" charset="0"/>
-                <a:cs typeface="Times New Roman" panose="02020603050405020304" pitchFamily="18" charset="0"/>
-              </a:rPr>
-              <a:t>(</a:t>
-            </a:r>
-            <a:r>
-              <a:rPr lang="en-US" dirty="0" err="1">
-                <a:effectLst/>
-                <a:latin typeface="Calibri" panose="020F0502020204030204" pitchFamily="34" charset="0"/>
-                <a:ea typeface="Calibri" panose="020F0502020204030204" pitchFamily="34" charset="0"/>
-                <a:cs typeface="Times New Roman" panose="02020603050405020304" pitchFamily="18" charset="0"/>
-              </a:rPr>
-              <a:t>memwin</a:t>
-            </a:r>
-            <a:r>
-              <a:rPr lang="en-US" dirty="0">
-                <a:effectLst/>
-                <a:latin typeface="Calibri" panose="020F0502020204030204" pitchFamily="34" charset="0"/>
-                <a:ea typeface="Calibri" panose="020F0502020204030204" pitchFamily="34" charset="0"/>
-                <a:cs typeface="Times New Roman" panose="02020603050405020304" pitchFamily="18" charset="0"/>
-              </a:rPr>
-              <a:t>);</a:t>
-            </a:r>
-          </a:p>
-          <a:p>
-            <a:pPr marL="0" marR="0" indent="0">
-              <a:lnSpc>
-                <a:spcPct val="107000"/>
-              </a:lnSpc>
-              <a:spcBef>
-                <a:spcPts val="0"/>
-              </a:spcBef>
-              <a:spcAft>
-                <a:spcPts val="0"/>
-              </a:spcAft>
-              <a:buNone/>
-            </a:pPr>
-            <a:r>
-              <a:rPr lang="en-US" dirty="0" err="1">
-                <a:effectLst/>
-                <a:latin typeface="Calibri" panose="020F0502020204030204" pitchFamily="34" charset="0"/>
-                <a:ea typeface="Calibri" panose="020F0502020204030204" pitchFamily="34" charset="0"/>
-                <a:cs typeface="Times New Roman" panose="02020603050405020304" pitchFamily="18" charset="0"/>
-              </a:rPr>
-              <a:t>write_window</a:t>
-            </a:r>
-            <a:r>
-              <a:rPr lang="en-US" dirty="0">
-                <a:effectLst/>
-                <a:latin typeface="Calibri" panose="020F0502020204030204" pitchFamily="34" charset="0"/>
-                <a:ea typeface="Calibri" panose="020F0502020204030204" pitchFamily="34" charset="0"/>
-                <a:cs typeface="Times New Roman" panose="02020603050405020304" pitchFamily="18" charset="0"/>
-              </a:rPr>
-              <a:t>(</a:t>
-            </a:r>
-            <a:r>
-              <a:rPr lang="en-US" dirty="0" err="1">
-                <a:effectLst/>
-                <a:latin typeface="Calibri" panose="020F0502020204030204" pitchFamily="34" charset="0"/>
-                <a:ea typeface="Calibri" panose="020F0502020204030204" pitchFamily="34" charset="0"/>
-                <a:cs typeface="Times New Roman" panose="02020603050405020304" pitchFamily="18" charset="0"/>
-              </a:rPr>
-              <a:t>logwin</a:t>
-            </a:r>
-            <a:r>
-              <a:rPr lang="en-US" dirty="0">
-                <a:effectLst/>
-                <a:latin typeface="Calibri" panose="020F0502020204030204" pitchFamily="34" charset="0"/>
-                <a:ea typeface="Calibri" panose="020F0502020204030204" pitchFamily="34" charset="0"/>
-                <a:cs typeface="Times New Roman" panose="02020603050405020304" pitchFamily="18" charset="0"/>
-              </a:rPr>
-              <a:t>, </a:t>
-            </a:r>
-            <a:r>
-              <a:rPr lang="en-US" dirty="0">
-                <a:solidFill>
-                  <a:srgbClr val="00B050"/>
-                </a:solidFill>
-                <a:effectLst/>
-                <a:latin typeface="Calibri" panose="020F0502020204030204" pitchFamily="34" charset="0"/>
-                <a:ea typeface="Calibri" panose="020F0502020204030204" pitchFamily="34" charset="0"/>
-                <a:cs typeface="Times New Roman" panose="02020603050405020304" pitchFamily="18" charset="0"/>
-              </a:rPr>
-              <a:t>" calling read\n"</a:t>
-            </a:r>
-            <a:r>
-              <a:rPr lang="en-US" dirty="0">
-                <a:effectLst/>
-                <a:latin typeface="Calibri" panose="020F0502020204030204" pitchFamily="34" charset="0"/>
-                <a:ea typeface="Calibri" panose="020F0502020204030204" pitchFamily="34" charset="0"/>
-                <a:cs typeface="Times New Roman" panose="02020603050405020304" pitchFamily="18" charset="0"/>
-              </a:rPr>
-              <a:t> );</a:t>
-            </a:r>
-          </a:p>
-          <a:p>
-            <a:pPr marL="0" marR="0" indent="0">
-              <a:lnSpc>
-                <a:spcPct val="107000"/>
-              </a:lnSpc>
-              <a:spcBef>
-                <a:spcPts val="0"/>
-              </a:spcBef>
-              <a:spcAft>
-                <a:spcPts val="0"/>
-              </a:spcAft>
-              <a:buNone/>
-            </a:pPr>
-            <a:r>
-              <a:rPr lang="en-US" b="1" dirty="0">
-                <a:effectLst/>
-                <a:latin typeface="Calibri" panose="020F0502020204030204" pitchFamily="34" charset="0"/>
-                <a:ea typeface="Calibri" panose="020F0502020204030204" pitchFamily="34" charset="0"/>
-                <a:cs typeface="Times New Roman" panose="02020603050405020304" pitchFamily="18" charset="0"/>
-              </a:rPr>
-              <a:t>char</a:t>
-            </a:r>
-            <a:r>
-              <a:rPr lang="en-US" dirty="0">
-                <a:effectLst/>
-                <a:latin typeface="Calibri" panose="020F0502020204030204" pitchFamily="34" charset="0"/>
-                <a:ea typeface="Calibri" panose="020F0502020204030204" pitchFamily="34" charset="0"/>
-                <a:cs typeface="Times New Roman" panose="02020603050405020304" pitchFamily="18" charset="0"/>
-              </a:rPr>
-              <a:t> v;</a:t>
-            </a:r>
-          </a:p>
-          <a:p>
-            <a:pPr marL="0" marR="0" indent="0">
-              <a:lnSpc>
-                <a:spcPct val="107000"/>
-              </a:lnSpc>
-              <a:spcBef>
-                <a:spcPts val="0"/>
-              </a:spcBef>
-              <a:spcAft>
-                <a:spcPts val="0"/>
-              </a:spcAft>
-              <a:buNone/>
-            </a:pPr>
-            <a:r>
-              <a:rPr lang="en-US" dirty="0" err="1">
-                <a:effectLst/>
-                <a:latin typeface="Calibri" panose="020F0502020204030204" pitchFamily="34" charset="0"/>
-                <a:ea typeface="Calibri" panose="020F0502020204030204" pitchFamily="34" charset="0"/>
-                <a:cs typeface="Times New Roman" panose="02020603050405020304" pitchFamily="18" charset="0"/>
-              </a:rPr>
-              <a:t>superuser.Read_Char</a:t>
-            </a:r>
-            <a:r>
-              <a:rPr lang="en-US" dirty="0">
-                <a:effectLst/>
-                <a:latin typeface="Calibri" panose="020F0502020204030204" pitchFamily="34" charset="0"/>
-                <a:ea typeface="Calibri" panose="020F0502020204030204" pitchFamily="34" charset="0"/>
-                <a:cs typeface="Times New Roman" panose="02020603050405020304" pitchFamily="18" charset="0"/>
-              </a:rPr>
-              <a:t>(</a:t>
-            </a:r>
-            <a:r>
-              <a:rPr lang="en-US" dirty="0" err="1">
-                <a:effectLst/>
-                <a:latin typeface="Calibri" panose="020F0502020204030204" pitchFamily="34" charset="0"/>
-                <a:ea typeface="Calibri" panose="020F0502020204030204" pitchFamily="34" charset="0"/>
-                <a:cs typeface="Times New Roman" panose="02020603050405020304" pitchFamily="18" charset="0"/>
-              </a:rPr>
-              <a:t>tcb</a:t>
-            </a:r>
-            <a:r>
-              <a:rPr lang="en-US" dirty="0">
-                <a:effectLst/>
-                <a:latin typeface="Calibri" panose="020F0502020204030204" pitchFamily="34" charset="0"/>
-                <a:ea typeface="Calibri" panose="020F0502020204030204" pitchFamily="34" charset="0"/>
-                <a:cs typeface="Times New Roman" panose="02020603050405020304" pitchFamily="18" charset="0"/>
-              </a:rPr>
-              <a:t>-&gt;</a:t>
-            </a:r>
-            <a:r>
-              <a:rPr lang="en-US" dirty="0" err="1">
-                <a:effectLst/>
-                <a:latin typeface="Calibri" panose="020F0502020204030204" pitchFamily="34" charset="0"/>
-                <a:ea typeface="Calibri" panose="020F0502020204030204" pitchFamily="34" charset="0"/>
-                <a:cs typeface="Times New Roman" panose="02020603050405020304" pitchFamily="18" charset="0"/>
-              </a:rPr>
-              <a:t>thread_no</a:t>
-            </a:r>
-            <a:r>
-              <a:rPr lang="en-US" dirty="0">
-                <a:effectLst/>
-                <a:latin typeface="Calibri" panose="020F0502020204030204" pitchFamily="34" charset="0"/>
-                <a:ea typeface="Calibri" panose="020F0502020204030204" pitchFamily="34" charset="0"/>
-                <a:cs typeface="Times New Roman" panose="02020603050405020304" pitchFamily="18" charset="0"/>
-              </a:rPr>
-              <a:t>, (</a:t>
-            </a:r>
-            <a:r>
-              <a:rPr lang="en-US" b="1" dirty="0">
-                <a:effectLst/>
-                <a:latin typeface="Calibri" panose="020F0502020204030204" pitchFamily="34" charset="0"/>
-                <a:ea typeface="Calibri" panose="020F0502020204030204" pitchFamily="34" charset="0"/>
-                <a:cs typeface="Times New Roman" panose="02020603050405020304" pitchFamily="18" charset="0"/>
-              </a:rPr>
-              <a:t>char</a:t>
-            </a:r>
-            <a:r>
-              <a:rPr lang="en-US" dirty="0">
-                <a:effectLst/>
-                <a:latin typeface="Calibri" panose="020F0502020204030204" pitchFamily="34" charset="0"/>
-                <a:ea typeface="Calibri" panose="020F0502020204030204" pitchFamily="34" charset="0"/>
-                <a:cs typeface="Times New Roman" panose="02020603050405020304" pitchFamily="18" charset="0"/>
-              </a:rPr>
-              <a:t>*)</a:t>
-            </a:r>
-            <a:r>
-              <a:rPr lang="en-US" dirty="0">
-                <a:solidFill>
-                  <a:srgbClr val="00B050"/>
-                </a:solidFill>
-                <a:effectLst/>
-                <a:latin typeface="Calibri" panose="020F0502020204030204" pitchFamily="34" charset="0"/>
-                <a:ea typeface="Calibri" panose="020F0502020204030204" pitchFamily="34" charset="0"/>
-                <a:cs typeface="Times New Roman" panose="02020603050405020304" pitchFamily="18" charset="0"/>
-              </a:rPr>
-              <a:t> "</a:t>
-            </a:r>
-            <a:r>
-              <a:rPr lang="en-US" dirty="0" err="1">
-                <a:solidFill>
-                  <a:srgbClr val="00B050"/>
-                </a:solidFill>
-                <a:effectLst/>
-                <a:latin typeface="Calibri" panose="020F0502020204030204" pitchFamily="34" charset="0"/>
-                <a:ea typeface="Calibri" panose="020F0502020204030204" pitchFamily="34" charset="0"/>
-                <a:cs typeface="Times New Roman" panose="02020603050405020304" pitchFamily="18" charset="0"/>
-              </a:rPr>
-              <a:t>uifile</a:t>
-            </a:r>
-            <a:r>
-              <a:rPr lang="en-US" dirty="0">
-                <a:solidFill>
-                  <a:srgbClr val="00B050"/>
-                </a:solidFill>
-                <a:effectLst/>
-                <a:latin typeface="Calibri" panose="020F0502020204030204" pitchFamily="34" charset="0"/>
-                <a:ea typeface="Calibri" panose="020F0502020204030204" pitchFamily="34" charset="0"/>
-                <a:cs typeface="Times New Roman" panose="02020603050405020304" pitchFamily="18" charset="0"/>
-              </a:rPr>
-              <a:t>"</a:t>
-            </a:r>
-            <a:r>
-              <a:rPr lang="en-US" dirty="0">
-                <a:solidFill>
-                  <a:schemeClr val="tx1"/>
-                </a:solidFill>
-                <a:effectLst/>
-                <a:latin typeface="Calibri" panose="020F0502020204030204" pitchFamily="34" charset="0"/>
-                <a:ea typeface="Calibri" panose="020F0502020204030204" pitchFamily="34" charset="0"/>
-                <a:cs typeface="Times New Roman" panose="02020603050405020304" pitchFamily="18" charset="0"/>
-              </a:rPr>
-              <a:t>,</a:t>
-            </a:r>
-            <a:r>
-              <a:rPr lang="en-US" dirty="0">
-                <a:solidFill>
-                  <a:srgbClr val="00B050"/>
-                </a:solidFill>
-                <a:effectLst/>
-                <a:latin typeface="Calibri" panose="020F0502020204030204" pitchFamily="34" charset="0"/>
-                <a:ea typeface="Calibri" panose="020F0502020204030204" pitchFamily="34" charset="0"/>
-                <a:cs typeface="Times New Roman" panose="02020603050405020304" pitchFamily="18" charset="0"/>
-              </a:rPr>
-              <a:t> </a:t>
-            </a:r>
-            <a:r>
-              <a:rPr lang="en-US" dirty="0">
-                <a:effectLst/>
-                <a:latin typeface="Calibri" panose="020F0502020204030204" pitchFamily="34" charset="0"/>
-                <a:ea typeface="Calibri" panose="020F0502020204030204" pitchFamily="34" charset="0"/>
-                <a:cs typeface="Times New Roman" panose="02020603050405020304" pitchFamily="18" charset="0"/>
-              </a:rPr>
-              <a:t>&amp;v);</a:t>
-            </a:r>
-          </a:p>
-          <a:p>
-            <a:pPr marL="0" marR="0" indent="0">
-              <a:lnSpc>
-                <a:spcPct val="107000"/>
-              </a:lnSpc>
-              <a:spcBef>
-                <a:spcPts val="0"/>
-              </a:spcBef>
-              <a:spcAft>
-                <a:spcPts val="0"/>
-              </a:spcAft>
-              <a:buNone/>
-            </a:pPr>
-            <a:r>
-              <a:rPr lang="en-US" b="1" dirty="0">
-                <a:effectLst/>
-                <a:latin typeface="Calibri" panose="020F0502020204030204" pitchFamily="34" charset="0"/>
-                <a:ea typeface="Calibri" panose="020F0502020204030204" pitchFamily="34" charset="0"/>
-                <a:cs typeface="Times New Roman" panose="02020603050405020304" pitchFamily="18" charset="0"/>
-              </a:rPr>
-              <a:t>char</a:t>
-            </a:r>
-            <a:r>
-              <a:rPr lang="en-US" dirty="0">
-                <a:effectLst/>
-                <a:latin typeface="Calibri" panose="020F0502020204030204" pitchFamily="34" charset="0"/>
-                <a:ea typeface="Calibri" panose="020F0502020204030204" pitchFamily="34" charset="0"/>
-                <a:cs typeface="Times New Roman" panose="02020603050405020304" pitchFamily="18" charset="0"/>
-              </a:rPr>
-              <a:t> </a:t>
-            </a:r>
-            <a:r>
-              <a:rPr lang="en-US" dirty="0" err="1">
-                <a:effectLst/>
-                <a:latin typeface="Calibri" panose="020F0502020204030204" pitchFamily="34" charset="0"/>
-                <a:ea typeface="Calibri" panose="020F0502020204030204" pitchFamily="34" charset="0"/>
-                <a:cs typeface="Times New Roman" panose="02020603050405020304" pitchFamily="18" charset="0"/>
-              </a:rPr>
-              <a:t>buffread</a:t>
-            </a:r>
-            <a:r>
-              <a:rPr lang="en-US" dirty="0">
-                <a:effectLst/>
-                <a:latin typeface="Calibri" panose="020F0502020204030204" pitchFamily="34" charset="0"/>
-                <a:ea typeface="Calibri" panose="020F0502020204030204" pitchFamily="34" charset="0"/>
-                <a:cs typeface="Times New Roman" panose="02020603050405020304" pitchFamily="18" charset="0"/>
-              </a:rPr>
-              <a:t>[256];</a:t>
-            </a:r>
-          </a:p>
-          <a:p>
-            <a:pPr marL="0" marR="0" indent="0">
-              <a:lnSpc>
-                <a:spcPct val="107000"/>
-              </a:lnSpc>
-              <a:spcBef>
-                <a:spcPts val="0"/>
-              </a:spcBef>
-              <a:spcAft>
-                <a:spcPts val="0"/>
-              </a:spcAft>
-              <a:buNone/>
-            </a:pPr>
-            <a:r>
-              <a:rPr lang="en-US" dirty="0" err="1">
-                <a:effectLst/>
-                <a:latin typeface="Calibri" panose="020F0502020204030204" pitchFamily="34" charset="0"/>
-                <a:ea typeface="Calibri" panose="020F0502020204030204" pitchFamily="34" charset="0"/>
-                <a:cs typeface="Times New Roman" panose="02020603050405020304" pitchFamily="18" charset="0"/>
-              </a:rPr>
-              <a:t>sprintf</a:t>
-            </a:r>
-            <a:r>
-              <a:rPr lang="en-US" dirty="0">
-                <a:effectLst/>
-                <a:latin typeface="Calibri" panose="020F0502020204030204" pitchFamily="34" charset="0"/>
-                <a:ea typeface="Calibri" panose="020F0502020204030204" pitchFamily="34" charset="0"/>
-                <a:cs typeface="Times New Roman" panose="02020603050405020304" pitchFamily="18" charset="0"/>
-              </a:rPr>
-              <a:t>(buff, </a:t>
-            </a:r>
-            <a:r>
-              <a:rPr lang="en-US" dirty="0">
-                <a:solidFill>
-                  <a:srgbClr val="00B050"/>
-                </a:solidFill>
-                <a:effectLst/>
-                <a:latin typeface="Calibri" panose="020F0502020204030204" pitchFamily="34" charset="0"/>
-                <a:ea typeface="Calibri" panose="020F0502020204030204" pitchFamily="34" charset="0"/>
-                <a:cs typeface="Times New Roman" panose="02020603050405020304" pitchFamily="18" charset="0"/>
-              </a:rPr>
-              <a:t>" read in from </a:t>
-            </a:r>
-            <a:r>
-              <a:rPr lang="en-US" dirty="0" err="1">
-                <a:solidFill>
-                  <a:srgbClr val="00B050"/>
-                </a:solidFill>
-                <a:effectLst/>
-                <a:latin typeface="Calibri" panose="020F0502020204030204" pitchFamily="34" charset="0"/>
-                <a:ea typeface="Calibri" panose="020F0502020204030204" pitchFamily="34" charset="0"/>
-                <a:cs typeface="Times New Roman" panose="02020603050405020304" pitchFamily="18" charset="0"/>
-              </a:rPr>
-              <a:t>uifile</a:t>
-            </a:r>
-            <a:r>
-              <a:rPr lang="en-US" dirty="0">
-                <a:solidFill>
-                  <a:srgbClr val="00B050"/>
-                </a:solidFill>
-                <a:effectLst/>
-                <a:latin typeface="Calibri" panose="020F0502020204030204" pitchFamily="34" charset="0"/>
-                <a:ea typeface="Calibri" panose="020F0502020204030204" pitchFamily="34" charset="0"/>
-                <a:cs typeface="Times New Roman" panose="02020603050405020304" pitchFamily="18" charset="0"/>
-              </a:rPr>
-              <a:t> = %c \n"</a:t>
-            </a:r>
-            <a:r>
-              <a:rPr lang="en-US" dirty="0">
-                <a:effectLst/>
-                <a:latin typeface="Calibri" panose="020F0502020204030204" pitchFamily="34" charset="0"/>
-                <a:ea typeface="Calibri" panose="020F0502020204030204" pitchFamily="34" charset="0"/>
-                <a:cs typeface="Times New Roman" panose="02020603050405020304" pitchFamily="18" charset="0"/>
-              </a:rPr>
-              <a:t>, v);</a:t>
-            </a:r>
-          </a:p>
-          <a:p>
-            <a:pPr marL="0" marR="0" indent="0">
-              <a:lnSpc>
-                <a:spcPct val="107000"/>
-              </a:lnSpc>
-              <a:spcBef>
-                <a:spcPts val="0"/>
-              </a:spcBef>
-              <a:spcAft>
-                <a:spcPts val="0"/>
-              </a:spcAft>
-              <a:buNone/>
-            </a:pPr>
-            <a:r>
-              <a:rPr lang="en-US" dirty="0" err="1">
-                <a:effectLst/>
-                <a:latin typeface="Calibri" panose="020F0502020204030204" pitchFamily="34" charset="0"/>
-                <a:ea typeface="Calibri" panose="020F0502020204030204" pitchFamily="34" charset="0"/>
-                <a:cs typeface="Times New Roman" panose="02020603050405020304" pitchFamily="18" charset="0"/>
-              </a:rPr>
-              <a:t>write_window</a:t>
-            </a:r>
-            <a:r>
-              <a:rPr lang="en-US" dirty="0">
-                <a:effectLst/>
-                <a:latin typeface="Calibri" panose="020F0502020204030204" pitchFamily="34" charset="0"/>
-                <a:ea typeface="Calibri" panose="020F0502020204030204" pitchFamily="34" charset="0"/>
-                <a:cs typeface="Times New Roman" panose="02020603050405020304" pitchFamily="18" charset="0"/>
-              </a:rPr>
-              <a:t>(</a:t>
-            </a:r>
-            <a:r>
-              <a:rPr lang="en-US" dirty="0" err="1">
-                <a:effectLst/>
-                <a:latin typeface="Calibri" panose="020F0502020204030204" pitchFamily="34" charset="0"/>
-                <a:ea typeface="Calibri" panose="020F0502020204030204" pitchFamily="34" charset="0"/>
-                <a:cs typeface="Times New Roman" panose="02020603050405020304" pitchFamily="18" charset="0"/>
-              </a:rPr>
-              <a:t>logwin</a:t>
-            </a:r>
-            <a:r>
-              <a:rPr lang="en-US" dirty="0">
-                <a:effectLst/>
-                <a:latin typeface="Calibri" panose="020F0502020204030204" pitchFamily="34" charset="0"/>
-                <a:ea typeface="Calibri" panose="020F0502020204030204" pitchFamily="34" charset="0"/>
-                <a:cs typeface="Times New Roman" panose="02020603050405020304" pitchFamily="18" charset="0"/>
-              </a:rPr>
-              <a:t>, buff );</a:t>
-            </a:r>
-          </a:p>
-          <a:p>
-            <a:pPr marL="0" marR="0" indent="0">
-              <a:lnSpc>
-                <a:spcPct val="107000"/>
-              </a:lnSpc>
-              <a:spcBef>
-                <a:spcPts val="0"/>
-              </a:spcBef>
-              <a:spcAft>
-                <a:spcPts val="0"/>
-              </a:spcAft>
-              <a:buNone/>
-            </a:pPr>
-            <a:r>
-              <a:rPr lang="en-US" dirty="0" err="1">
-                <a:effectLst/>
-                <a:latin typeface="Calibri" panose="020F0502020204030204" pitchFamily="34" charset="0"/>
-                <a:ea typeface="Calibri" panose="020F0502020204030204" pitchFamily="34" charset="0"/>
-                <a:cs typeface="Times New Roman" panose="02020603050405020304" pitchFamily="18" charset="0"/>
-              </a:rPr>
-              <a:t>write_window</a:t>
-            </a:r>
-            <a:r>
-              <a:rPr lang="en-US" dirty="0">
-                <a:effectLst/>
-                <a:latin typeface="Calibri" panose="020F0502020204030204" pitchFamily="34" charset="0"/>
-                <a:ea typeface="Calibri" panose="020F0502020204030204" pitchFamily="34" charset="0"/>
-                <a:cs typeface="Times New Roman" panose="02020603050405020304" pitchFamily="18" charset="0"/>
-              </a:rPr>
-              <a:t>(</a:t>
-            </a:r>
-            <a:r>
-              <a:rPr lang="en-US" dirty="0" err="1">
-                <a:effectLst/>
-                <a:latin typeface="Calibri" panose="020F0502020204030204" pitchFamily="34" charset="0"/>
-                <a:ea typeface="Calibri" panose="020F0502020204030204" pitchFamily="34" charset="0"/>
-                <a:cs typeface="Times New Roman" panose="02020603050405020304" pitchFamily="18" charset="0"/>
-              </a:rPr>
-              <a:t>logwin</a:t>
-            </a:r>
-            <a:r>
-              <a:rPr lang="en-US" dirty="0">
-                <a:effectLst/>
-                <a:latin typeface="Calibri" panose="020F0502020204030204" pitchFamily="34" charset="0"/>
-                <a:ea typeface="Calibri" panose="020F0502020204030204" pitchFamily="34" charset="0"/>
-                <a:cs typeface="Times New Roman" panose="02020603050405020304" pitchFamily="18" charset="0"/>
-              </a:rPr>
-              <a:t>, </a:t>
-            </a:r>
-            <a:r>
-              <a:rPr lang="en-US" dirty="0">
-                <a:solidFill>
-                  <a:srgbClr val="00B050"/>
-                </a:solidFill>
-                <a:effectLst/>
-                <a:latin typeface="Calibri" panose="020F0502020204030204" pitchFamily="34" charset="0"/>
-                <a:ea typeface="Calibri" panose="020F0502020204030204" pitchFamily="34" charset="0"/>
-                <a:cs typeface="Times New Roman" panose="02020603050405020304" pitchFamily="18" charset="0"/>
-              </a:rPr>
-              <a:t>" calling delete(</a:t>
-            </a:r>
-            <a:r>
-              <a:rPr lang="en-US" dirty="0" err="1">
-                <a:solidFill>
-                  <a:srgbClr val="00B050"/>
-                </a:solidFill>
-                <a:effectLst/>
-                <a:latin typeface="Calibri" panose="020F0502020204030204" pitchFamily="34" charset="0"/>
-                <a:ea typeface="Calibri" panose="020F0502020204030204" pitchFamily="34" charset="0"/>
-                <a:cs typeface="Times New Roman" panose="02020603050405020304" pitchFamily="18" charset="0"/>
-              </a:rPr>
-              <a:t>uifile</a:t>
-            </a:r>
-            <a:r>
-              <a:rPr lang="en-US" dirty="0">
-                <a:solidFill>
-                  <a:srgbClr val="00B050"/>
-                </a:solidFill>
-                <a:effectLst/>
-                <a:latin typeface="Calibri" panose="020F0502020204030204" pitchFamily="34" charset="0"/>
-                <a:ea typeface="Calibri" panose="020F0502020204030204" pitchFamily="34" charset="0"/>
-                <a:cs typeface="Times New Roman" panose="02020603050405020304" pitchFamily="18" charset="0"/>
-              </a:rPr>
-              <a:t>)\n"</a:t>
-            </a:r>
-            <a:r>
-              <a:rPr lang="en-US" dirty="0">
-                <a:effectLst/>
-                <a:latin typeface="Calibri" panose="020F0502020204030204" pitchFamily="34" charset="0"/>
-                <a:ea typeface="Calibri" panose="020F0502020204030204" pitchFamily="34" charset="0"/>
-                <a:cs typeface="Times New Roman" panose="02020603050405020304" pitchFamily="18" charset="0"/>
-              </a:rPr>
-              <a:t> );</a:t>
-            </a:r>
-          </a:p>
-          <a:p>
-            <a:pPr marL="0" marR="0" indent="0">
-              <a:lnSpc>
-                <a:spcPct val="107000"/>
-              </a:lnSpc>
-              <a:spcBef>
-                <a:spcPts val="0"/>
-              </a:spcBef>
-              <a:spcAft>
-                <a:spcPts val="0"/>
-              </a:spcAft>
-              <a:buNone/>
-            </a:pPr>
-            <a:r>
-              <a:rPr lang="en-US" dirty="0" err="1">
-                <a:effectLst/>
-                <a:latin typeface="Calibri" panose="020F0502020204030204" pitchFamily="34" charset="0"/>
-                <a:ea typeface="Calibri" panose="020F0502020204030204" pitchFamily="34" charset="0"/>
-                <a:cs typeface="Times New Roman" panose="02020603050405020304" pitchFamily="18" charset="0"/>
-              </a:rPr>
-              <a:t>superuser.Del_file</a:t>
-            </a:r>
-            <a:r>
-              <a:rPr lang="en-US" dirty="0">
-                <a:effectLst/>
-                <a:latin typeface="Calibri" panose="020F0502020204030204" pitchFamily="34" charset="0"/>
-                <a:ea typeface="Calibri" panose="020F0502020204030204" pitchFamily="34" charset="0"/>
-                <a:cs typeface="Times New Roman" panose="02020603050405020304" pitchFamily="18" charset="0"/>
-              </a:rPr>
-              <a:t>(</a:t>
-            </a:r>
-            <a:r>
-              <a:rPr lang="en-US" dirty="0" err="1">
-                <a:effectLst/>
-                <a:latin typeface="Calibri" panose="020F0502020204030204" pitchFamily="34" charset="0"/>
-                <a:ea typeface="Calibri" panose="020F0502020204030204" pitchFamily="34" charset="0"/>
-                <a:cs typeface="Times New Roman" panose="02020603050405020304" pitchFamily="18" charset="0"/>
-              </a:rPr>
-              <a:t>tcb</a:t>
-            </a:r>
-            <a:r>
-              <a:rPr lang="en-US" dirty="0">
-                <a:effectLst/>
-                <a:latin typeface="Calibri" panose="020F0502020204030204" pitchFamily="34" charset="0"/>
-                <a:ea typeface="Calibri" panose="020F0502020204030204" pitchFamily="34" charset="0"/>
-                <a:cs typeface="Times New Roman" panose="02020603050405020304" pitchFamily="18" charset="0"/>
-              </a:rPr>
-              <a:t>-&gt;</a:t>
-            </a:r>
-            <a:r>
-              <a:rPr lang="en-US" dirty="0" err="1">
-                <a:effectLst/>
-                <a:latin typeface="Calibri" panose="020F0502020204030204" pitchFamily="34" charset="0"/>
-                <a:ea typeface="Calibri" panose="020F0502020204030204" pitchFamily="34" charset="0"/>
-                <a:cs typeface="Times New Roman" panose="02020603050405020304" pitchFamily="18" charset="0"/>
-              </a:rPr>
-              <a:t>thread_no</a:t>
-            </a:r>
-            <a:r>
-              <a:rPr lang="en-US" dirty="0">
-                <a:effectLst/>
-                <a:latin typeface="Calibri" panose="020F0502020204030204" pitchFamily="34" charset="0"/>
-                <a:ea typeface="Calibri" panose="020F0502020204030204" pitchFamily="34" charset="0"/>
-                <a:cs typeface="Times New Roman" panose="02020603050405020304" pitchFamily="18" charset="0"/>
-              </a:rPr>
-              <a:t>, (</a:t>
-            </a:r>
-            <a:r>
-              <a:rPr lang="en-US" b="1" dirty="0">
-                <a:effectLst/>
-                <a:latin typeface="Calibri" panose="020F0502020204030204" pitchFamily="34" charset="0"/>
-                <a:ea typeface="Calibri" panose="020F0502020204030204" pitchFamily="34" charset="0"/>
-                <a:cs typeface="Times New Roman" panose="02020603050405020304" pitchFamily="18" charset="0"/>
-              </a:rPr>
-              <a:t>char</a:t>
-            </a:r>
-            <a:r>
-              <a:rPr lang="en-US" dirty="0">
-                <a:effectLst/>
-                <a:latin typeface="Calibri" panose="020F0502020204030204" pitchFamily="34" charset="0"/>
-                <a:ea typeface="Calibri" panose="020F0502020204030204" pitchFamily="34" charset="0"/>
-                <a:cs typeface="Times New Roman" panose="02020603050405020304" pitchFamily="18" charset="0"/>
-              </a:rPr>
-              <a:t>*)</a:t>
-            </a:r>
-            <a:r>
-              <a:rPr lang="en-US" dirty="0">
-                <a:solidFill>
-                  <a:srgbClr val="00B050"/>
-                </a:solidFill>
-                <a:effectLst/>
-                <a:latin typeface="Calibri" panose="020F0502020204030204" pitchFamily="34" charset="0"/>
-                <a:ea typeface="Calibri" panose="020F0502020204030204" pitchFamily="34" charset="0"/>
-                <a:cs typeface="Times New Roman" panose="02020603050405020304" pitchFamily="18" charset="0"/>
-              </a:rPr>
-              <a:t>"</a:t>
-            </a:r>
-            <a:r>
-              <a:rPr lang="en-US" dirty="0" err="1">
-                <a:solidFill>
-                  <a:srgbClr val="00B050"/>
-                </a:solidFill>
-                <a:effectLst/>
-                <a:latin typeface="Calibri" panose="020F0502020204030204" pitchFamily="34" charset="0"/>
-                <a:ea typeface="Calibri" panose="020F0502020204030204" pitchFamily="34" charset="0"/>
-                <a:cs typeface="Times New Roman" panose="02020603050405020304" pitchFamily="18" charset="0"/>
-              </a:rPr>
-              <a:t>uifile</a:t>
-            </a:r>
-            <a:r>
-              <a:rPr lang="en-US" dirty="0">
-                <a:solidFill>
-                  <a:srgbClr val="00B050"/>
-                </a:solidFill>
-                <a:effectLst/>
-                <a:latin typeface="Calibri" panose="020F0502020204030204" pitchFamily="34" charset="0"/>
-                <a:ea typeface="Calibri" panose="020F0502020204030204" pitchFamily="34" charset="0"/>
-                <a:cs typeface="Times New Roman" panose="02020603050405020304" pitchFamily="18" charset="0"/>
-              </a:rPr>
-              <a:t>"</a:t>
-            </a:r>
-            <a:r>
-              <a:rPr lang="en-US" dirty="0">
-                <a:effectLst/>
-                <a:latin typeface="Calibri" panose="020F0502020204030204" pitchFamily="34" charset="0"/>
-                <a:ea typeface="Calibri" panose="020F0502020204030204" pitchFamily="34" charset="0"/>
-                <a:cs typeface="Times New Roman" panose="02020603050405020304" pitchFamily="18" charset="0"/>
-              </a:rPr>
-              <a:t>);</a:t>
-            </a:r>
-          </a:p>
-          <a:p>
-            <a:pPr marL="0" marR="0" indent="0">
-              <a:lnSpc>
-                <a:spcPct val="107000"/>
-              </a:lnSpc>
-              <a:spcBef>
-                <a:spcPts val="0"/>
-              </a:spcBef>
-              <a:spcAft>
-                <a:spcPts val="0"/>
-              </a:spcAft>
-              <a:buNone/>
-            </a:pPr>
-            <a:r>
-              <a:rPr lang="en-US" dirty="0" err="1">
-                <a:effectLst/>
-                <a:latin typeface="Calibri" panose="020F0502020204030204" pitchFamily="34" charset="0"/>
-                <a:ea typeface="Calibri" panose="020F0502020204030204" pitchFamily="34" charset="0"/>
-                <a:cs typeface="Times New Roman" panose="02020603050405020304" pitchFamily="18" charset="0"/>
-              </a:rPr>
-              <a:t>write_window</a:t>
-            </a:r>
-            <a:r>
-              <a:rPr lang="en-US" dirty="0">
-                <a:effectLst/>
-                <a:latin typeface="Calibri" panose="020F0502020204030204" pitchFamily="34" charset="0"/>
-                <a:ea typeface="Calibri" panose="020F0502020204030204" pitchFamily="34" charset="0"/>
-                <a:cs typeface="Times New Roman" panose="02020603050405020304" pitchFamily="18" charset="0"/>
-              </a:rPr>
-              <a:t>(</a:t>
-            </a:r>
-            <a:r>
-              <a:rPr lang="en-US" dirty="0" err="1">
-                <a:effectLst/>
-                <a:latin typeface="Calibri" panose="020F0502020204030204" pitchFamily="34" charset="0"/>
-                <a:ea typeface="Calibri" panose="020F0502020204030204" pitchFamily="34" charset="0"/>
-                <a:cs typeface="Times New Roman" panose="02020603050405020304" pitchFamily="18" charset="0"/>
-              </a:rPr>
-              <a:t>logwin</a:t>
-            </a:r>
-            <a:r>
-              <a:rPr lang="en-US" dirty="0">
-                <a:effectLst/>
-                <a:latin typeface="Calibri" panose="020F0502020204030204" pitchFamily="34" charset="0"/>
-                <a:ea typeface="Calibri" panose="020F0502020204030204" pitchFamily="34" charset="0"/>
-                <a:cs typeface="Times New Roman" panose="02020603050405020304" pitchFamily="18" charset="0"/>
-              </a:rPr>
-              <a:t>, </a:t>
-            </a:r>
-            <a:r>
-              <a:rPr lang="en-US" dirty="0">
-                <a:solidFill>
-                  <a:srgbClr val="00B050"/>
-                </a:solidFill>
-                <a:effectLst/>
-                <a:latin typeface="Calibri" panose="020F0502020204030204" pitchFamily="34" charset="0"/>
-                <a:ea typeface="Calibri" panose="020F0502020204030204" pitchFamily="34" charset="0"/>
-                <a:cs typeface="Times New Roman" panose="02020603050405020304" pitchFamily="18" charset="0"/>
-              </a:rPr>
-              <a:t>" calling Dir();\n"</a:t>
-            </a:r>
-            <a:r>
-              <a:rPr lang="en-US" dirty="0">
-                <a:effectLst/>
-                <a:latin typeface="Calibri" panose="020F0502020204030204" pitchFamily="34" charset="0"/>
-                <a:ea typeface="Calibri" panose="020F0502020204030204" pitchFamily="34" charset="0"/>
-                <a:cs typeface="Times New Roman" panose="02020603050405020304" pitchFamily="18" charset="0"/>
-              </a:rPr>
-              <a:t> );</a:t>
-            </a:r>
-          </a:p>
-          <a:p>
-            <a:pPr marL="0" marR="0" indent="0">
-              <a:lnSpc>
-                <a:spcPct val="107000"/>
-              </a:lnSpc>
-              <a:spcBef>
-                <a:spcPts val="0"/>
-              </a:spcBef>
-              <a:spcAft>
-                <a:spcPts val="0"/>
-              </a:spcAft>
-              <a:buNone/>
-            </a:pPr>
-            <a:r>
-              <a:rPr lang="en-US" dirty="0" err="1">
-                <a:effectLst/>
-                <a:latin typeface="Calibri" panose="020F0502020204030204" pitchFamily="34" charset="0"/>
-                <a:ea typeface="Calibri" panose="020F0502020204030204" pitchFamily="34" charset="0"/>
-                <a:cs typeface="Times New Roman" panose="02020603050405020304" pitchFamily="18" charset="0"/>
-              </a:rPr>
-              <a:t>superuser.Dir</a:t>
-            </a:r>
-            <a:r>
-              <a:rPr lang="en-US" dirty="0">
-                <a:effectLst/>
-                <a:latin typeface="Calibri" panose="020F0502020204030204" pitchFamily="34" charset="0"/>
-                <a:ea typeface="Calibri" panose="020F0502020204030204" pitchFamily="34" charset="0"/>
-                <a:cs typeface="Times New Roman" panose="02020603050405020304" pitchFamily="18" charset="0"/>
-              </a:rPr>
-              <a:t>(</a:t>
-            </a:r>
-            <a:r>
-              <a:rPr lang="en-US" dirty="0" err="1">
-                <a:effectLst/>
-                <a:latin typeface="Calibri" panose="020F0502020204030204" pitchFamily="34" charset="0"/>
-                <a:ea typeface="Calibri" panose="020F0502020204030204" pitchFamily="34" charset="0"/>
-                <a:cs typeface="Times New Roman" panose="02020603050405020304" pitchFamily="18" charset="0"/>
-              </a:rPr>
-              <a:t>memwin</a:t>
-            </a:r>
-            <a:r>
-              <a:rPr lang="en-US" dirty="0">
-                <a:effectLst/>
-                <a:latin typeface="Calibri" panose="020F0502020204030204" pitchFamily="34" charset="0"/>
-                <a:ea typeface="Calibri" panose="020F0502020204030204" pitchFamily="34" charset="0"/>
-                <a:cs typeface="Times New Roman" panose="02020603050405020304" pitchFamily="18" charset="0"/>
-              </a:rPr>
-              <a:t>);</a:t>
-            </a:r>
-          </a:p>
-          <a:p>
-            <a:pPr marL="0" marR="0" indent="0">
-              <a:lnSpc>
-                <a:spcPct val="107000"/>
-              </a:lnSpc>
-              <a:spcBef>
-                <a:spcPts val="0"/>
-              </a:spcBef>
-              <a:spcAft>
-                <a:spcPts val="0"/>
-              </a:spcAft>
-              <a:buNone/>
-            </a:pPr>
-            <a:r>
-              <a:rPr lang="en-US" dirty="0" err="1">
-                <a:effectLst/>
-                <a:latin typeface="Calibri" panose="020F0502020204030204" pitchFamily="34" charset="0"/>
-                <a:ea typeface="Calibri" panose="020F0502020204030204" pitchFamily="34" charset="0"/>
-                <a:cs typeface="Times New Roman" panose="02020603050405020304" pitchFamily="18" charset="0"/>
-              </a:rPr>
-              <a:t>write_window</a:t>
-            </a:r>
-            <a:r>
-              <a:rPr lang="en-US" dirty="0">
-                <a:effectLst/>
-                <a:latin typeface="Calibri" panose="020F0502020204030204" pitchFamily="34" charset="0"/>
-                <a:ea typeface="Calibri" panose="020F0502020204030204" pitchFamily="34" charset="0"/>
-                <a:cs typeface="Times New Roman" panose="02020603050405020304" pitchFamily="18" charset="0"/>
-              </a:rPr>
-              <a:t>(</a:t>
-            </a:r>
-            <a:r>
-              <a:rPr lang="en-US" dirty="0" err="1">
-                <a:effectLst/>
-                <a:latin typeface="Calibri" panose="020F0502020204030204" pitchFamily="34" charset="0"/>
-                <a:ea typeface="Calibri" panose="020F0502020204030204" pitchFamily="34" charset="0"/>
-                <a:cs typeface="Times New Roman" panose="02020603050405020304" pitchFamily="18" charset="0"/>
-              </a:rPr>
-              <a:t>logwin</a:t>
-            </a:r>
-            <a:r>
-              <a:rPr lang="en-US" dirty="0">
-                <a:effectLst/>
-                <a:latin typeface="Calibri" panose="020F0502020204030204" pitchFamily="34" charset="0"/>
-                <a:ea typeface="Calibri" panose="020F0502020204030204" pitchFamily="34" charset="0"/>
-                <a:cs typeface="Times New Roman" panose="02020603050405020304" pitchFamily="18" charset="0"/>
-              </a:rPr>
-              <a:t>, </a:t>
-            </a:r>
-            <a:r>
-              <a:rPr lang="en-US" dirty="0">
-                <a:solidFill>
-                  <a:srgbClr val="00B050"/>
-                </a:solidFill>
-                <a:effectLst/>
-                <a:latin typeface="Calibri" panose="020F0502020204030204" pitchFamily="34" charset="0"/>
-                <a:ea typeface="Calibri" panose="020F0502020204030204" pitchFamily="34" charset="0"/>
-                <a:cs typeface="Times New Roman" panose="02020603050405020304" pitchFamily="18" charset="0"/>
-              </a:rPr>
-              <a:t>" calling dump\n"</a:t>
-            </a:r>
-            <a:r>
-              <a:rPr lang="en-US" dirty="0">
-                <a:effectLst/>
-                <a:latin typeface="Calibri" panose="020F0502020204030204" pitchFamily="34" charset="0"/>
-                <a:ea typeface="Calibri" panose="020F0502020204030204" pitchFamily="34" charset="0"/>
-                <a:cs typeface="Times New Roman" panose="02020603050405020304" pitchFamily="18" charset="0"/>
-              </a:rPr>
-              <a:t> );</a:t>
-            </a:r>
-          </a:p>
-          <a:p>
-            <a:pPr marL="0" marR="0" indent="0">
-              <a:lnSpc>
-                <a:spcPct val="107000"/>
-              </a:lnSpc>
-              <a:spcBef>
-                <a:spcPts val="0"/>
-              </a:spcBef>
-              <a:spcAft>
-                <a:spcPts val="0"/>
-              </a:spcAft>
-              <a:buNone/>
-            </a:pPr>
-            <a:r>
-              <a:rPr lang="en-US" dirty="0" err="1">
-                <a:effectLst/>
-                <a:latin typeface="Calibri" panose="020F0502020204030204" pitchFamily="34" charset="0"/>
-                <a:ea typeface="Calibri" panose="020F0502020204030204" pitchFamily="34" charset="0"/>
-                <a:cs typeface="Times New Roman" panose="02020603050405020304" pitchFamily="18" charset="0"/>
-              </a:rPr>
-              <a:t>superuser.dump</a:t>
-            </a:r>
-            <a:r>
-              <a:rPr lang="en-US" dirty="0">
-                <a:effectLst/>
-                <a:latin typeface="Calibri" panose="020F0502020204030204" pitchFamily="34" charset="0"/>
-                <a:ea typeface="Calibri" panose="020F0502020204030204" pitchFamily="34" charset="0"/>
-                <a:cs typeface="Times New Roman" panose="02020603050405020304" pitchFamily="18" charset="0"/>
-              </a:rPr>
-              <a:t>(</a:t>
-            </a:r>
-            <a:r>
-              <a:rPr lang="en-US" dirty="0" err="1">
-                <a:effectLst/>
-                <a:latin typeface="Calibri" panose="020F0502020204030204" pitchFamily="34" charset="0"/>
-                <a:ea typeface="Calibri" panose="020F0502020204030204" pitchFamily="34" charset="0"/>
-                <a:cs typeface="Times New Roman" panose="02020603050405020304" pitchFamily="18" charset="0"/>
-              </a:rPr>
-              <a:t>memwin</a:t>
-            </a:r>
-            <a:r>
-              <a:rPr lang="en-US" dirty="0">
-                <a:effectLst/>
-                <a:latin typeface="Calibri" panose="020F0502020204030204" pitchFamily="34" charset="0"/>
-                <a:ea typeface="Calibri" panose="020F0502020204030204" pitchFamily="34" charset="0"/>
-                <a:cs typeface="Times New Roman" panose="02020603050405020304" pitchFamily="18" charset="0"/>
-              </a:rPr>
-              <a:t>);</a:t>
-            </a:r>
-          </a:p>
-        </p:txBody>
-      </p:sp>
-    </p:spTree>
-    <p:extLst>
-      <p:ext uri="{BB962C8B-B14F-4D97-AF65-F5344CB8AC3E}">
-        <p14:creationId xmlns:p14="http://schemas.microsoft.com/office/powerpoint/2010/main" val="363588586"/>
       </p:ext>
     </p:extLst>
   </p:cSld>
@@ -12417,7 +11582,7 @@
           <p:cNvPr id="2" name="Title 1">
             <a:extLst>
               <a:ext uri="{FF2B5EF4-FFF2-40B4-BE49-F238E27FC236}">
-                <a16:creationId xmlns:a16="http://schemas.microsoft.com/office/drawing/2014/main" id="{0987B8C3-25BC-4BF6-8F7A-BCA7E31151E7}"/>
+                <a16:creationId xmlns:a16="http://schemas.microsoft.com/office/drawing/2014/main" xmlns="" id="{0987B8C3-25BC-4BF6-8F7A-BCA7E31151E7}"/>
               </a:ext>
             </a:extLst>
           </p:cNvPr>
@@ -12449,7 +11614,7 @@
           <p:cNvPr id="3" name="Content Placeholder 2">
             <a:extLst>
               <a:ext uri="{FF2B5EF4-FFF2-40B4-BE49-F238E27FC236}">
-                <a16:creationId xmlns:a16="http://schemas.microsoft.com/office/drawing/2014/main" id="{010BCA8A-382C-4CC7-A6EC-305FA37C328F}"/>
+                <a16:creationId xmlns:a16="http://schemas.microsoft.com/office/drawing/2014/main" xmlns="" id="{010BCA8A-382C-4CC7-A6EC-305FA37C328F}"/>
               </a:ext>
             </a:extLst>
           </p:cNvPr>
@@ -12500,6 +11665,1431 @@
     <p:extLst>
       <p:ext uri="{BB962C8B-B14F-4D97-AF65-F5344CB8AC3E}">
         <p14:creationId xmlns:p14="http://schemas.microsoft.com/office/powerpoint/2010/main" val="937040826"/>
+      </p:ext>
+    </p:extLst>
+  </p:cSld>
+  <p:clrMapOvr>
+    <a:masterClrMapping/>
+  </p:clrMapOvr>
+  <p:timing>
+    <p:tnLst>
+      <p:par>
+        <p:cTn id="1" dur="indefinite" restart="never" nodeType="tmRoot"/>
+      </p:par>
+    </p:tnLst>
+  </p:timing>
+</p:sld>
+</file>
+
+<file path=ppt/slides/slide30.xml><?xml version="1.0" encoding="utf-8"?>
+<p:sld xmlns:a="http://schemas.openxmlformats.org/drawingml/2006/main" xmlns:r="http://schemas.openxmlformats.org/officeDocument/2006/relationships" xmlns:p="http://schemas.openxmlformats.org/presentationml/2006/main">
+  <p:cSld>
+    <p:spTree>
+      <p:nvGrpSpPr>
+        <p:cNvPr id="1" name=""/>
+        <p:cNvGrpSpPr/>
+        <p:nvPr/>
+      </p:nvGrpSpPr>
+      <p:grpSpPr>
+        <a:xfrm>
+          <a:off x="0" y="0"/>
+          <a:ext cx="0" cy="0"/>
+          <a:chOff x="0" y="0"/>
+          <a:chExt cx="0" cy="0"/>
+        </a:xfrm>
+      </p:grpSpPr>
+      <p:sp>
+        <p:nvSpPr>
+          <p:cNvPr id="2" name="Title 1">
+            <a:extLst>
+              <a:ext uri="{FF2B5EF4-FFF2-40B4-BE49-F238E27FC236}">
+                <a16:creationId xmlns:a16="http://schemas.microsoft.com/office/drawing/2014/main" xmlns="" id="{B445D5D6-7D6A-4165-9FDB-201401ABC049}"/>
+              </a:ext>
+            </a:extLst>
+          </p:cNvPr>
+          <p:cNvSpPr>
+            <a:spLocks noGrp="1"/>
+          </p:cNvSpPr>
+          <p:nvPr>
+            <p:ph type="title"/>
+          </p:nvPr>
+        </p:nvSpPr>
+        <p:spPr/>
+        <p:txBody>
+          <a:bodyPr/>
+          <a:lstStyle/>
+          <a:p>
+            <a:r>
+              <a:rPr lang="en-US" dirty="0"/>
+              <a:t>Phase 4 Testcase ‘f’</a:t>
+            </a:r>
+          </a:p>
+        </p:txBody>
+      </p:sp>
+      <p:sp>
+        <p:nvSpPr>
+          <p:cNvPr id="3" name="Content Placeholder 2">
+            <a:extLst>
+              <a:ext uri="{FF2B5EF4-FFF2-40B4-BE49-F238E27FC236}">
+                <a16:creationId xmlns:a16="http://schemas.microsoft.com/office/drawing/2014/main" xmlns="" id="{CACFE881-6C65-4B06-B621-2B8788E9ABE2}"/>
+              </a:ext>
+            </a:extLst>
+          </p:cNvPr>
+          <p:cNvSpPr>
+            <a:spLocks noGrp="1"/>
+          </p:cNvSpPr>
+          <p:nvPr>
+            <p:ph idx="1"/>
+          </p:nvPr>
+        </p:nvSpPr>
+        <p:spPr/>
+        <p:txBody>
+          <a:bodyPr>
+            <a:normAutofit fontScale="85000" lnSpcReduction="20000"/>
+          </a:bodyPr>
+          <a:lstStyle/>
+          <a:p>
+            <a:pPr marL="0" marR="0" indent="0">
+              <a:lnSpc>
+                <a:spcPct val="107000"/>
+              </a:lnSpc>
+              <a:spcBef>
+                <a:spcPts val="0"/>
+              </a:spcBef>
+              <a:spcAft>
+                <a:spcPts val="0"/>
+              </a:spcAft>
+              <a:buNone/>
+            </a:pPr>
+            <a:r>
+              <a:rPr lang="en-US" dirty="0" err="1">
+                <a:effectLst/>
+                <a:latin typeface="Calibri" panose="020F0502020204030204" pitchFamily="34" charset="0"/>
+                <a:ea typeface="Calibri" panose="020F0502020204030204" pitchFamily="34" charset="0"/>
+                <a:cs typeface="Times New Roman" panose="02020603050405020304" pitchFamily="18" charset="0"/>
+              </a:rPr>
+              <a:t>superuser.Change_Permission</a:t>
+            </a:r>
+            <a:r>
+              <a:rPr lang="en-US" dirty="0">
+                <a:effectLst/>
+                <a:latin typeface="Calibri" panose="020F0502020204030204" pitchFamily="34" charset="0"/>
+                <a:ea typeface="Calibri" panose="020F0502020204030204" pitchFamily="34" charset="0"/>
+                <a:cs typeface="Times New Roman" panose="02020603050405020304" pitchFamily="18" charset="0"/>
+              </a:rPr>
+              <a:t>(</a:t>
+            </a:r>
+            <a:r>
+              <a:rPr lang="en-US" dirty="0" err="1">
+                <a:effectLst/>
+                <a:latin typeface="Calibri" panose="020F0502020204030204" pitchFamily="34" charset="0"/>
+                <a:ea typeface="Calibri" panose="020F0502020204030204" pitchFamily="34" charset="0"/>
+                <a:cs typeface="Times New Roman" panose="02020603050405020304" pitchFamily="18" charset="0"/>
+              </a:rPr>
+              <a:t>tcb</a:t>
+            </a:r>
+            <a:r>
+              <a:rPr lang="en-US" dirty="0">
+                <a:effectLst/>
+                <a:latin typeface="Calibri" panose="020F0502020204030204" pitchFamily="34" charset="0"/>
+                <a:ea typeface="Calibri" panose="020F0502020204030204" pitchFamily="34" charset="0"/>
+                <a:cs typeface="Times New Roman" panose="02020603050405020304" pitchFamily="18" charset="0"/>
+              </a:rPr>
+              <a:t>-&gt;</a:t>
+            </a:r>
+            <a:r>
+              <a:rPr lang="en-US" dirty="0" err="1">
+                <a:effectLst/>
+                <a:latin typeface="Calibri" panose="020F0502020204030204" pitchFamily="34" charset="0"/>
+                <a:ea typeface="Calibri" panose="020F0502020204030204" pitchFamily="34" charset="0"/>
+                <a:cs typeface="Times New Roman" panose="02020603050405020304" pitchFamily="18" charset="0"/>
+              </a:rPr>
+              <a:t>thread_no</a:t>
+            </a:r>
+            <a:r>
+              <a:rPr lang="en-US" dirty="0">
+                <a:effectLst/>
+                <a:latin typeface="Calibri" panose="020F0502020204030204" pitchFamily="34" charset="0"/>
+                <a:ea typeface="Calibri" panose="020F0502020204030204" pitchFamily="34" charset="0"/>
+                <a:cs typeface="Times New Roman" panose="02020603050405020304" pitchFamily="18" charset="0"/>
+              </a:rPr>
+              <a:t>, (</a:t>
+            </a:r>
+            <a:r>
+              <a:rPr lang="en-US" b="1" dirty="0">
+                <a:effectLst/>
+                <a:latin typeface="Calibri" panose="020F0502020204030204" pitchFamily="34" charset="0"/>
+                <a:ea typeface="Calibri" panose="020F0502020204030204" pitchFamily="34" charset="0"/>
+                <a:cs typeface="Times New Roman" panose="02020603050405020304" pitchFamily="18" charset="0"/>
+              </a:rPr>
+              <a:t>char</a:t>
+            </a:r>
+            <a:r>
+              <a:rPr lang="en-US" dirty="0">
+                <a:effectLst/>
+                <a:latin typeface="Calibri" panose="020F0502020204030204" pitchFamily="34" charset="0"/>
+                <a:ea typeface="Calibri" panose="020F0502020204030204" pitchFamily="34" charset="0"/>
+                <a:cs typeface="Times New Roman" panose="02020603050405020304" pitchFamily="18" charset="0"/>
+              </a:rPr>
+              <a:t>*)</a:t>
+            </a:r>
+            <a:r>
+              <a:rPr lang="en-US" dirty="0">
+                <a:solidFill>
+                  <a:srgbClr val="00B050"/>
+                </a:solidFill>
+                <a:effectLst/>
+                <a:latin typeface="Calibri" panose="020F0502020204030204" pitchFamily="34" charset="0"/>
+                <a:ea typeface="Calibri" panose="020F0502020204030204" pitchFamily="34" charset="0"/>
+                <a:cs typeface="Times New Roman" panose="02020603050405020304" pitchFamily="18" charset="0"/>
+              </a:rPr>
+              <a:t>"</a:t>
+            </a:r>
+            <a:r>
+              <a:rPr lang="en-US" dirty="0" err="1">
+                <a:solidFill>
+                  <a:srgbClr val="00B050"/>
+                </a:solidFill>
+                <a:effectLst/>
+                <a:latin typeface="Calibri" panose="020F0502020204030204" pitchFamily="34" charset="0"/>
+                <a:ea typeface="Calibri" panose="020F0502020204030204" pitchFamily="34" charset="0"/>
+                <a:cs typeface="Times New Roman" panose="02020603050405020304" pitchFamily="18" charset="0"/>
+              </a:rPr>
+              <a:t>uifile</a:t>
+            </a:r>
+            <a:r>
+              <a:rPr lang="en-US" dirty="0">
+                <a:solidFill>
+                  <a:srgbClr val="00B050"/>
+                </a:solidFill>
+                <a:effectLst/>
+                <a:latin typeface="Calibri" panose="020F0502020204030204" pitchFamily="34" charset="0"/>
+                <a:ea typeface="Calibri" panose="020F0502020204030204" pitchFamily="34" charset="0"/>
+                <a:cs typeface="Times New Roman" panose="02020603050405020304" pitchFamily="18" charset="0"/>
+              </a:rPr>
+              <a:t>"</a:t>
+            </a:r>
+            <a:r>
+              <a:rPr lang="en-US" dirty="0">
+                <a:solidFill>
+                  <a:schemeClr val="tx1"/>
+                </a:solidFill>
+                <a:effectLst/>
+                <a:latin typeface="Calibri" panose="020F0502020204030204" pitchFamily="34" charset="0"/>
+                <a:ea typeface="Calibri" panose="020F0502020204030204" pitchFamily="34" charset="0"/>
+                <a:cs typeface="Times New Roman" panose="02020603050405020304" pitchFamily="18" charset="0"/>
+              </a:rPr>
+              <a:t>,</a:t>
+            </a:r>
+            <a:r>
+              <a:rPr lang="en-US" dirty="0">
+                <a:solidFill>
+                  <a:srgbClr val="00B050"/>
+                </a:solidFill>
+                <a:effectLst/>
+                <a:latin typeface="Calibri" panose="020F0502020204030204" pitchFamily="34" charset="0"/>
+                <a:ea typeface="Calibri" panose="020F0502020204030204" pitchFamily="34" charset="0"/>
+                <a:cs typeface="Times New Roman" panose="02020603050405020304" pitchFamily="18" charset="0"/>
+              </a:rPr>
+              <a:t> </a:t>
+            </a:r>
+            <a:r>
+              <a:rPr lang="en-US" dirty="0">
+                <a:effectLst/>
+                <a:latin typeface="Calibri" panose="020F0502020204030204" pitchFamily="34" charset="0"/>
+                <a:ea typeface="Calibri" panose="020F0502020204030204" pitchFamily="34" charset="0"/>
+                <a:cs typeface="Times New Roman" panose="02020603050405020304" pitchFamily="18" charset="0"/>
+              </a:rPr>
+              <a:t>perm, </a:t>
+            </a:r>
+            <a:r>
+              <a:rPr lang="en-US" dirty="0" err="1">
+                <a:effectLst/>
+                <a:latin typeface="Calibri" panose="020F0502020204030204" pitchFamily="34" charset="0"/>
+                <a:ea typeface="Calibri" panose="020F0502020204030204" pitchFamily="34" charset="0"/>
+                <a:cs typeface="Times New Roman" panose="02020603050405020304" pitchFamily="18" charset="0"/>
+              </a:rPr>
+              <a:t>logwin</a:t>
+            </a:r>
+            <a:r>
+              <a:rPr lang="en-US" dirty="0">
+                <a:effectLst/>
+                <a:latin typeface="Calibri" panose="020F0502020204030204" pitchFamily="34" charset="0"/>
+                <a:ea typeface="Calibri" panose="020F0502020204030204" pitchFamily="34" charset="0"/>
+                <a:cs typeface="Times New Roman" panose="02020603050405020304" pitchFamily="18" charset="0"/>
+              </a:rPr>
+              <a:t>);</a:t>
+            </a:r>
+          </a:p>
+          <a:p>
+            <a:pPr marL="0" marR="0" indent="0">
+              <a:lnSpc>
+                <a:spcPct val="107000"/>
+              </a:lnSpc>
+              <a:spcBef>
+                <a:spcPts val="0"/>
+              </a:spcBef>
+              <a:spcAft>
+                <a:spcPts val="0"/>
+              </a:spcAft>
+              <a:buNone/>
+            </a:pPr>
+            <a:r>
+              <a:rPr lang="en-US" dirty="0" err="1">
+                <a:effectLst/>
+                <a:latin typeface="Calibri" panose="020F0502020204030204" pitchFamily="34" charset="0"/>
+                <a:ea typeface="Calibri" panose="020F0502020204030204" pitchFamily="34" charset="0"/>
+                <a:cs typeface="Times New Roman" panose="02020603050405020304" pitchFamily="18" charset="0"/>
+              </a:rPr>
+              <a:t>write_window</a:t>
+            </a:r>
+            <a:r>
+              <a:rPr lang="en-US" dirty="0">
+                <a:effectLst/>
+                <a:latin typeface="Calibri" panose="020F0502020204030204" pitchFamily="34" charset="0"/>
+                <a:ea typeface="Calibri" panose="020F0502020204030204" pitchFamily="34" charset="0"/>
+                <a:cs typeface="Times New Roman" panose="02020603050405020304" pitchFamily="18" charset="0"/>
+              </a:rPr>
+              <a:t>(</a:t>
+            </a:r>
+            <a:r>
+              <a:rPr lang="en-US" dirty="0" err="1">
+                <a:effectLst/>
+                <a:latin typeface="Calibri" panose="020F0502020204030204" pitchFamily="34" charset="0"/>
+                <a:ea typeface="Calibri" panose="020F0502020204030204" pitchFamily="34" charset="0"/>
+                <a:cs typeface="Times New Roman" panose="02020603050405020304" pitchFamily="18" charset="0"/>
+              </a:rPr>
+              <a:t>logwin</a:t>
+            </a:r>
+            <a:r>
+              <a:rPr lang="en-US" dirty="0">
+                <a:effectLst/>
+                <a:latin typeface="Calibri" panose="020F0502020204030204" pitchFamily="34" charset="0"/>
+                <a:ea typeface="Calibri" panose="020F0502020204030204" pitchFamily="34" charset="0"/>
+                <a:cs typeface="Times New Roman" panose="02020603050405020304" pitchFamily="18" charset="0"/>
+              </a:rPr>
+              <a:t>, </a:t>
+            </a:r>
+            <a:r>
+              <a:rPr lang="en-US" dirty="0">
+                <a:solidFill>
+                  <a:srgbClr val="00B050"/>
+                </a:solidFill>
+                <a:effectLst/>
+                <a:latin typeface="Calibri" panose="020F0502020204030204" pitchFamily="34" charset="0"/>
+                <a:ea typeface="Calibri" panose="020F0502020204030204" pitchFamily="34" charset="0"/>
+                <a:cs typeface="Times New Roman" panose="02020603050405020304" pitchFamily="18" charset="0"/>
+              </a:rPr>
+              <a:t>" calling Dir(task id);\n" </a:t>
+            </a:r>
+            <a:r>
+              <a:rPr lang="en-US" dirty="0">
+                <a:effectLst/>
+                <a:latin typeface="Calibri" panose="020F0502020204030204" pitchFamily="34" charset="0"/>
+                <a:ea typeface="Calibri" panose="020F0502020204030204" pitchFamily="34" charset="0"/>
+                <a:cs typeface="Times New Roman" panose="02020603050405020304" pitchFamily="18" charset="0"/>
+              </a:rPr>
+              <a:t>);</a:t>
+            </a:r>
+          </a:p>
+          <a:p>
+            <a:pPr marL="0" marR="0" indent="0">
+              <a:lnSpc>
+                <a:spcPct val="107000"/>
+              </a:lnSpc>
+              <a:spcBef>
+                <a:spcPts val="0"/>
+              </a:spcBef>
+              <a:spcAft>
+                <a:spcPts val="0"/>
+              </a:spcAft>
+              <a:buNone/>
+            </a:pPr>
+            <a:r>
+              <a:rPr lang="en-US" dirty="0" err="1">
+                <a:effectLst/>
+                <a:latin typeface="Calibri" panose="020F0502020204030204" pitchFamily="34" charset="0"/>
+                <a:ea typeface="Calibri" panose="020F0502020204030204" pitchFamily="34" charset="0"/>
+                <a:cs typeface="Times New Roman" panose="02020603050405020304" pitchFamily="18" charset="0"/>
+              </a:rPr>
+              <a:t>superuser.Dir</a:t>
+            </a:r>
+            <a:r>
+              <a:rPr lang="en-US" dirty="0">
+                <a:effectLst/>
+                <a:latin typeface="Calibri" panose="020F0502020204030204" pitchFamily="34" charset="0"/>
+                <a:ea typeface="Calibri" panose="020F0502020204030204" pitchFamily="34" charset="0"/>
+                <a:cs typeface="Times New Roman" panose="02020603050405020304" pitchFamily="18" charset="0"/>
+              </a:rPr>
+              <a:t>(</a:t>
+            </a:r>
+            <a:r>
+              <a:rPr lang="en-US" dirty="0" err="1">
+                <a:effectLst/>
+                <a:latin typeface="Calibri" panose="020F0502020204030204" pitchFamily="34" charset="0"/>
+                <a:ea typeface="Calibri" panose="020F0502020204030204" pitchFamily="34" charset="0"/>
+                <a:cs typeface="Times New Roman" panose="02020603050405020304" pitchFamily="18" charset="0"/>
+              </a:rPr>
+              <a:t>tcb</a:t>
+            </a:r>
+            <a:r>
+              <a:rPr lang="en-US" dirty="0">
+                <a:effectLst/>
+                <a:latin typeface="Calibri" panose="020F0502020204030204" pitchFamily="34" charset="0"/>
+                <a:ea typeface="Calibri" panose="020F0502020204030204" pitchFamily="34" charset="0"/>
+                <a:cs typeface="Times New Roman" panose="02020603050405020304" pitchFamily="18" charset="0"/>
+              </a:rPr>
+              <a:t>-&gt;</a:t>
+            </a:r>
+            <a:r>
+              <a:rPr lang="en-US" dirty="0" err="1">
+                <a:effectLst/>
+                <a:latin typeface="Calibri" panose="020F0502020204030204" pitchFamily="34" charset="0"/>
+                <a:ea typeface="Calibri" panose="020F0502020204030204" pitchFamily="34" charset="0"/>
+                <a:cs typeface="Times New Roman" panose="02020603050405020304" pitchFamily="18" charset="0"/>
+              </a:rPr>
+              <a:t>thread_no,memwin</a:t>
+            </a:r>
+            <a:r>
+              <a:rPr lang="en-US" dirty="0">
+                <a:effectLst/>
+                <a:latin typeface="Calibri" panose="020F0502020204030204" pitchFamily="34" charset="0"/>
+                <a:ea typeface="Calibri" panose="020F0502020204030204" pitchFamily="34" charset="0"/>
+                <a:cs typeface="Times New Roman" panose="02020603050405020304" pitchFamily="18" charset="0"/>
+              </a:rPr>
+              <a:t>);</a:t>
+            </a:r>
+          </a:p>
+          <a:p>
+            <a:pPr marL="0" marR="0" indent="0">
+              <a:lnSpc>
+                <a:spcPct val="107000"/>
+              </a:lnSpc>
+              <a:spcBef>
+                <a:spcPts val="0"/>
+              </a:spcBef>
+              <a:spcAft>
+                <a:spcPts val="0"/>
+              </a:spcAft>
+              <a:buNone/>
+            </a:pPr>
+            <a:r>
+              <a:rPr lang="en-US" dirty="0" err="1">
+                <a:effectLst/>
+                <a:latin typeface="Calibri" panose="020F0502020204030204" pitchFamily="34" charset="0"/>
+                <a:ea typeface="Calibri" panose="020F0502020204030204" pitchFamily="34" charset="0"/>
+                <a:cs typeface="Times New Roman" panose="02020603050405020304" pitchFamily="18" charset="0"/>
+              </a:rPr>
+              <a:t>write_window</a:t>
+            </a:r>
+            <a:r>
+              <a:rPr lang="en-US" dirty="0">
+                <a:effectLst/>
+                <a:latin typeface="Calibri" panose="020F0502020204030204" pitchFamily="34" charset="0"/>
+                <a:ea typeface="Calibri" panose="020F0502020204030204" pitchFamily="34" charset="0"/>
+                <a:cs typeface="Times New Roman" panose="02020603050405020304" pitchFamily="18" charset="0"/>
+              </a:rPr>
+              <a:t>(</a:t>
+            </a:r>
+            <a:r>
+              <a:rPr lang="en-US" dirty="0" err="1">
+                <a:effectLst/>
+                <a:latin typeface="Calibri" panose="020F0502020204030204" pitchFamily="34" charset="0"/>
+                <a:ea typeface="Calibri" panose="020F0502020204030204" pitchFamily="34" charset="0"/>
+                <a:cs typeface="Times New Roman" panose="02020603050405020304" pitchFamily="18" charset="0"/>
+              </a:rPr>
+              <a:t>logwin</a:t>
+            </a:r>
+            <a:r>
+              <a:rPr lang="en-US" dirty="0">
+                <a:effectLst/>
+                <a:latin typeface="Calibri" panose="020F0502020204030204" pitchFamily="34" charset="0"/>
+                <a:ea typeface="Calibri" panose="020F0502020204030204" pitchFamily="34" charset="0"/>
+                <a:cs typeface="Times New Roman" panose="02020603050405020304" pitchFamily="18" charset="0"/>
+              </a:rPr>
+              <a:t>, </a:t>
+            </a:r>
+            <a:r>
+              <a:rPr lang="en-US" dirty="0">
+                <a:solidFill>
+                  <a:srgbClr val="00B050"/>
+                </a:solidFill>
+                <a:effectLst/>
+                <a:latin typeface="Calibri" panose="020F0502020204030204" pitchFamily="34" charset="0"/>
+                <a:ea typeface="Calibri" panose="020F0502020204030204" pitchFamily="34" charset="0"/>
+                <a:cs typeface="Times New Roman" panose="02020603050405020304" pitchFamily="18" charset="0"/>
+              </a:rPr>
+              <a:t>" calling dump\n"</a:t>
+            </a:r>
+            <a:r>
+              <a:rPr lang="en-US" dirty="0">
+                <a:effectLst/>
+                <a:latin typeface="Calibri" panose="020F0502020204030204" pitchFamily="34" charset="0"/>
+                <a:ea typeface="Calibri" panose="020F0502020204030204" pitchFamily="34" charset="0"/>
+                <a:cs typeface="Times New Roman" panose="02020603050405020304" pitchFamily="18" charset="0"/>
+              </a:rPr>
+              <a:t> );</a:t>
+            </a:r>
+          </a:p>
+          <a:p>
+            <a:pPr marL="0" marR="0" indent="0">
+              <a:lnSpc>
+                <a:spcPct val="107000"/>
+              </a:lnSpc>
+              <a:spcBef>
+                <a:spcPts val="0"/>
+              </a:spcBef>
+              <a:spcAft>
+                <a:spcPts val="0"/>
+              </a:spcAft>
+              <a:buNone/>
+            </a:pPr>
+            <a:r>
+              <a:rPr lang="en-US" dirty="0" err="1">
+                <a:effectLst/>
+                <a:latin typeface="Calibri" panose="020F0502020204030204" pitchFamily="34" charset="0"/>
+                <a:ea typeface="Calibri" panose="020F0502020204030204" pitchFamily="34" charset="0"/>
+                <a:cs typeface="Times New Roman" panose="02020603050405020304" pitchFamily="18" charset="0"/>
+              </a:rPr>
+              <a:t>superuser.dump</a:t>
+            </a:r>
+            <a:r>
+              <a:rPr lang="en-US" dirty="0">
+                <a:effectLst/>
+                <a:latin typeface="Calibri" panose="020F0502020204030204" pitchFamily="34" charset="0"/>
+                <a:ea typeface="Calibri" panose="020F0502020204030204" pitchFamily="34" charset="0"/>
+                <a:cs typeface="Times New Roman" panose="02020603050405020304" pitchFamily="18" charset="0"/>
+              </a:rPr>
+              <a:t>(</a:t>
+            </a:r>
+            <a:r>
+              <a:rPr lang="en-US" dirty="0" err="1">
+                <a:effectLst/>
+                <a:latin typeface="Calibri" panose="020F0502020204030204" pitchFamily="34" charset="0"/>
+                <a:ea typeface="Calibri" panose="020F0502020204030204" pitchFamily="34" charset="0"/>
+                <a:cs typeface="Times New Roman" panose="02020603050405020304" pitchFamily="18" charset="0"/>
+              </a:rPr>
+              <a:t>memwin</a:t>
+            </a:r>
+            <a:r>
+              <a:rPr lang="en-US" dirty="0">
+                <a:effectLst/>
+                <a:latin typeface="Calibri" panose="020F0502020204030204" pitchFamily="34" charset="0"/>
+                <a:ea typeface="Calibri" panose="020F0502020204030204" pitchFamily="34" charset="0"/>
+                <a:cs typeface="Times New Roman" panose="02020603050405020304" pitchFamily="18" charset="0"/>
+              </a:rPr>
+              <a:t>);</a:t>
+            </a:r>
+          </a:p>
+          <a:p>
+            <a:pPr marL="0" marR="0" indent="0">
+              <a:lnSpc>
+                <a:spcPct val="107000"/>
+              </a:lnSpc>
+              <a:spcBef>
+                <a:spcPts val="0"/>
+              </a:spcBef>
+              <a:spcAft>
+                <a:spcPts val="0"/>
+              </a:spcAft>
+              <a:buNone/>
+            </a:pPr>
+            <a:r>
+              <a:rPr lang="en-US" dirty="0" err="1">
+                <a:effectLst/>
+                <a:latin typeface="Calibri" panose="020F0502020204030204" pitchFamily="34" charset="0"/>
+                <a:ea typeface="Calibri" panose="020F0502020204030204" pitchFamily="34" charset="0"/>
+                <a:cs typeface="Times New Roman" panose="02020603050405020304" pitchFamily="18" charset="0"/>
+              </a:rPr>
+              <a:t>write_window</a:t>
+            </a:r>
+            <a:r>
+              <a:rPr lang="en-US" dirty="0">
+                <a:effectLst/>
+                <a:latin typeface="Calibri" panose="020F0502020204030204" pitchFamily="34" charset="0"/>
+                <a:ea typeface="Calibri" panose="020F0502020204030204" pitchFamily="34" charset="0"/>
+                <a:cs typeface="Times New Roman" panose="02020603050405020304" pitchFamily="18" charset="0"/>
+              </a:rPr>
+              <a:t>(</a:t>
+            </a:r>
+            <a:r>
+              <a:rPr lang="en-US" dirty="0" err="1">
+                <a:effectLst/>
+                <a:latin typeface="Calibri" panose="020F0502020204030204" pitchFamily="34" charset="0"/>
+                <a:ea typeface="Calibri" panose="020F0502020204030204" pitchFamily="34" charset="0"/>
+                <a:cs typeface="Times New Roman" panose="02020603050405020304" pitchFamily="18" charset="0"/>
+              </a:rPr>
+              <a:t>logwin</a:t>
+            </a:r>
+            <a:r>
+              <a:rPr lang="en-US" dirty="0">
+                <a:effectLst/>
+                <a:latin typeface="Calibri" panose="020F0502020204030204" pitchFamily="34" charset="0"/>
+                <a:ea typeface="Calibri" panose="020F0502020204030204" pitchFamily="34" charset="0"/>
+                <a:cs typeface="Times New Roman" panose="02020603050405020304" pitchFamily="18" charset="0"/>
+              </a:rPr>
+              <a:t>, </a:t>
+            </a:r>
+            <a:r>
+              <a:rPr lang="en-US" dirty="0">
+                <a:solidFill>
+                  <a:srgbClr val="00B050"/>
+                </a:solidFill>
+                <a:effectLst/>
+                <a:latin typeface="Calibri" panose="020F0502020204030204" pitchFamily="34" charset="0"/>
+                <a:ea typeface="Calibri" panose="020F0502020204030204" pitchFamily="34" charset="0"/>
+                <a:cs typeface="Times New Roman" panose="02020603050405020304" pitchFamily="18" charset="0"/>
+              </a:rPr>
+              <a:t>" calling read\n"</a:t>
+            </a:r>
+            <a:r>
+              <a:rPr lang="en-US" dirty="0">
+                <a:effectLst/>
+                <a:latin typeface="Calibri" panose="020F0502020204030204" pitchFamily="34" charset="0"/>
+                <a:ea typeface="Calibri" panose="020F0502020204030204" pitchFamily="34" charset="0"/>
+                <a:cs typeface="Times New Roman" panose="02020603050405020304" pitchFamily="18" charset="0"/>
+              </a:rPr>
+              <a:t> );</a:t>
+            </a:r>
+          </a:p>
+          <a:p>
+            <a:pPr marL="0" marR="0" indent="0">
+              <a:lnSpc>
+                <a:spcPct val="107000"/>
+              </a:lnSpc>
+              <a:spcBef>
+                <a:spcPts val="0"/>
+              </a:spcBef>
+              <a:spcAft>
+                <a:spcPts val="0"/>
+              </a:spcAft>
+              <a:buNone/>
+            </a:pPr>
+            <a:r>
+              <a:rPr lang="en-US" b="1" dirty="0">
+                <a:effectLst/>
+                <a:latin typeface="Calibri" panose="020F0502020204030204" pitchFamily="34" charset="0"/>
+                <a:ea typeface="Calibri" panose="020F0502020204030204" pitchFamily="34" charset="0"/>
+                <a:cs typeface="Times New Roman" panose="02020603050405020304" pitchFamily="18" charset="0"/>
+              </a:rPr>
+              <a:t>char</a:t>
+            </a:r>
+            <a:r>
+              <a:rPr lang="en-US" dirty="0">
+                <a:effectLst/>
+                <a:latin typeface="Calibri" panose="020F0502020204030204" pitchFamily="34" charset="0"/>
+                <a:ea typeface="Calibri" panose="020F0502020204030204" pitchFamily="34" charset="0"/>
+                <a:cs typeface="Times New Roman" panose="02020603050405020304" pitchFamily="18" charset="0"/>
+              </a:rPr>
+              <a:t> v;</a:t>
+            </a:r>
+          </a:p>
+          <a:p>
+            <a:pPr marL="0" marR="0" indent="0">
+              <a:lnSpc>
+                <a:spcPct val="107000"/>
+              </a:lnSpc>
+              <a:spcBef>
+                <a:spcPts val="0"/>
+              </a:spcBef>
+              <a:spcAft>
+                <a:spcPts val="0"/>
+              </a:spcAft>
+              <a:buNone/>
+            </a:pPr>
+            <a:r>
+              <a:rPr lang="en-US" dirty="0" err="1">
+                <a:effectLst/>
+                <a:latin typeface="Calibri" panose="020F0502020204030204" pitchFamily="34" charset="0"/>
+                <a:ea typeface="Calibri" panose="020F0502020204030204" pitchFamily="34" charset="0"/>
+                <a:cs typeface="Times New Roman" panose="02020603050405020304" pitchFamily="18" charset="0"/>
+              </a:rPr>
+              <a:t>superuser.Read_Char</a:t>
+            </a:r>
+            <a:r>
+              <a:rPr lang="en-US" dirty="0">
+                <a:effectLst/>
+                <a:latin typeface="Calibri" panose="020F0502020204030204" pitchFamily="34" charset="0"/>
+                <a:ea typeface="Calibri" panose="020F0502020204030204" pitchFamily="34" charset="0"/>
+                <a:cs typeface="Times New Roman" panose="02020603050405020304" pitchFamily="18" charset="0"/>
+              </a:rPr>
+              <a:t>(</a:t>
+            </a:r>
+            <a:r>
+              <a:rPr lang="en-US" dirty="0" err="1">
+                <a:effectLst/>
+                <a:latin typeface="Calibri" panose="020F0502020204030204" pitchFamily="34" charset="0"/>
+                <a:ea typeface="Calibri" panose="020F0502020204030204" pitchFamily="34" charset="0"/>
+                <a:cs typeface="Times New Roman" panose="02020603050405020304" pitchFamily="18" charset="0"/>
+              </a:rPr>
+              <a:t>tcb</a:t>
+            </a:r>
+            <a:r>
+              <a:rPr lang="en-US" dirty="0">
+                <a:effectLst/>
+                <a:latin typeface="Calibri" panose="020F0502020204030204" pitchFamily="34" charset="0"/>
+                <a:ea typeface="Calibri" panose="020F0502020204030204" pitchFamily="34" charset="0"/>
+                <a:cs typeface="Times New Roman" panose="02020603050405020304" pitchFamily="18" charset="0"/>
+              </a:rPr>
+              <a:t>-&gt;</a:t>
+            </a:r>
+            <a:r>
+              <a:rPr lang="en-US" dirty="0" err="1">
+                <a:effectLst/>
+                <a:latin typeface="Calibri" panose="020F0502020204030204" pitchFamily="34" charset="0"/>
+                <a:ea typeface="Calibri" panose="020F0502020204030204" pitchFamily="34" charset="0"/>
+                <a:cs typeface="Times New Roman" panose="02020603050405020304" pitchFamily="18" charset="0"/>
+              </a:rPr>
+              <a:t>thread_no</a:t>
+            </a:r>
+            <a:r>
+              <a:rPr lang="en-US" dirty="0">
+                <a:effectLst/>
+                <a:latin typeface="Calibri" panose="020F0502020204030204" pitchFamily="34" charset="0"/>
+                <a:ea typeface="Calibri" panose="020F0502020204030204" pitchFamily="34" charset="0"/>
+                <a:cs typeface="Times New Roman" panose="02020603050405020304" pitchFamily="18" charset="0"/>
+              </a:rPr>
+              <a:t>, (</a:t>
+            </a:r>
+            <a:r>
+              <a:rPr lang="en-US" b="1" dirty="0">
+                <a:effectLst/>
+                <a:latin typeface="Calibri" panose="020F0502020204030204" pitchFamily="34" charset="0"/>
+                <a:ea typeface="Calibri" panose="020F0502020204030204" pitchFamily="34" charset="0"/>
+                <a:cs typeface="Times New Roman" panose="02020603050405020304" pitchFamily="18" charset="0"/>
+              </a:rPr>
+              <a:t>char</a:t>
+            </a:r>
+            <a:r>
+              <a:rPr lang="en-US" dirty="0">
+                <a:effectLst/>
+                <a:latin typeface="Calibri" panose="020F0502020204030204" pitchFamily="34" charset="0"/>
+                <a:ea typeface="Calibri" panose="020F0502020204030204" pitchFamily="34" charset="0"/>
+                <a:cs typeface="Times New Roman" panose="02020603050405020304" pitchFamily="18" charset="0"/>
+              </a:rPr>
+              <a:t>*)</a:t>
+            </a:r>
+            <a:r>
+              <a:rPr lang="en-US" dirty="0">
+                <a:solidFill>
+                  <a:srgbClr val="00B050"/>
+                </a:solidFill>
+                <a:effectLst/>
+                <a:latin typeface="Calibri" panose="020F0502020204030204" pitchFamily="34" charset="0"/>
+                <a:ea typeface="Calibri" panose="020F0502020204030204" pitchFamily="34" charset="0"/>
+                <a:cs typeface="Times New Roman" panose="02020603050405020304" pitchFamily="18" charset="0"/>
+              </a:rPr>
+              <a:t> "</a:t>
+            </a:r>
+            <a:r>
+              <a:rPr lang="en-US" dirty="0" err="1">
+                <a:solidFill>
+                  <a:srgbClr val="00B050"/>
+                </a:solidFill>
+                <a:effectLst/>
+                <a:latin typeface="Calibri" panose="020F0502020204030204" pitchFamily="34" charset="0"/>
+                <a:ea typeface="Calibri" panose="020F0502020204030204" pitchFamily="34" charset="0"/>
+                <a:cs typeface="Times New Roman" panose="02020603050405020304" pitchFamily="18" charset="0"/>
+              </a:rPr>
+              <a:t>uifile</a:t>
+            </a:r>
+            <a:r>
+              <a:rPr lang="en-US" dirty="0">
+                <a:solidFill>
+                  <a:srgbClr val="00B050"/>
+                </a:solidFill>
+                <a:effectLst/>
+                <a:latin typeface="Calibri" panose="020F0502020204030204" pitchFamily="34" charset="0"/>
+                <a:ea typeface="Calibri" panose="020F0502020204030204" pitchFamily="34" charset="0"/>
+                <a:cs typeface="Times New Roman" panose="02020603050405020304" pitchFamily="18" charset="0"/>
+              </a:rPr>
+              <a:t>"</a:t>
+            </a:r>
+            <a:r>
+              <a:rPr lang="en-US" dirty="0">
+                <a:solidFill>
+                  <a:schemeClr val="tx1"/>
+                </a:solidFill>
+                <a:effectLst/>
+                <a:latin typeface="Calibri" panose="020F0502020204030204" pitchFamily="34" charset="0"/>
+                <a:ea typeface="Calibri" panose="020F0502020204030204" pitchFamily="34" charset="0"/>
+                <a:cs typeface="Times New Roman" panose="02020603050405020304" pitchFamily="18" charset="0"/>
+              </a:rPr>
+              <a:t>,</a:t>
+            </a:r>
+            <a:r>
+              <a:rPr lang="en-US" dirty="0">
+                <a:solidFill>
+                  <a:srgbClr val="00B050"/>
+                </a:solidFill>
+                <a:effectLst/>
+                <a:latin typeface="Calibri" panose="020F0502020204030204" pitchFamily="34" charset="0"/>
+                <a:ea typeface="Calibri" panose="020F0502020204030204" pitchFamily="34" charset="0"/>
+                <a:cs typeface="Times New Roman" panose="02020603050405020304" pitchFamily="18" charset="0"/>
+              </a:rPr>
+              <a:t> </a:t>
+            </a:r>
+            <a:r>
+              <a:rPr lang="en-US" dirty="0">
+                <a:effectLst/>
+                <a:latin typeface="Calibri" panose="020F0502020204030204" pitchFamily="34" charset="0"/>
+                <a:ea typeface="Calibri" panose="020F0502020204030204" pitchFamily="34" charset="0"/>
+                <a:cs typeface="Times New Roman" panose="02020603050405020304" pitchFamily="18" charset="0"/>
+              </a:rPr>
+              <a:t>&amp;v);</a:t>
+            </a:r>
+          </a:p>
+          <a:p>
+            <a:pPr marL="0" marR="0" indent="0">
+              <a:lnSpc>
+                <a:spcPct val="107000"/>
+              </a:lnSpc>
+              <a:spcBef>
+                <a:spcPts val="0"/>
+              </a:spcBef>
+              <a:spcAft>
+                <a:spcPts val="0"/>
+              </a:spcAft>
+              <a:buNone/>
+            </a:pPr>
+            <a:r>
+              <a:rPr lang="en-US" b="1" dirty="0">
+                <a:effectLst/>
+                <a:latin typeface="Calibri" panose="020F0502020204030204" pitchFamily="34" charset="0"/>
+                <a:ea typeface="Calibri" panose="020F0502020204030204" pitchFamily="34" charset="0"/>
+                <a:cs typeface="Times New Roman" panose="02020603050405020304" pitchFamily="18" charset="0"/>
+              </a:rPr>
+              <a:t>char</a:t>
+            </a:r>
+            <a:r>
+              <a:rPr lang="en-US" dirty="0">
+                <a:effectLst/>
+                <a:latin typeface="Calibri" panose="020F0502020204030204" pitchFamily="34" charset="0"/>
+                <a:ea typeface="Calibri" panose="020F0502020204030204" pitchFamily="34" charset="0"/>
+                <a:cs typeface="Times New Roman" panose="02020603050405020304" pitchFamily="18" charset="0"/>
+              </a:rPr>
+              <a:t> </a:t>
+            </a:r>
+            <a:r>
+              <a:rPr lang="en-US" dirty="0" err="1">
+                <a:effectLst/>
+                <a:latin typeface="Calibri" panose="020F0502020204030204" pitchFamily="34" charset="0"/>
+                <a:ea typeface="Calibri" panose="020F0502020204030204" pitchFamily="34" charset="0"/>
+                <a:cs typeface="Times New Roman" panose="02020603050405020304" pitchFamily="18" charset="0"/>
+              </a:rPr>
+              <a:t>buffread</a:t>
+            </a:r>
+            <a:r>
+              <a:rPr lang="en-US" dirty="0">
+                <a:effectLst/>
+                <a:latin typeface="Calibri" panose="020F0502020204030204" pitchFamily="34" charset="0"/>
+                <a:ea typeface="Calibri" panose="020F0502020204030204" pitchFamily="34" charset="0"/>
+                <a:cs typeface="Times New Roman" panose="02020603050405020304" pitchFamily="18" charset="0"/>
+              </a:rPr>
+              <a:t>[256];</a:t>
+            </a:r>
+          </a:p>
+          <a:p>
+            <a:pPr marL="0" marR="0" indent="0">
+              <a:lnSpc>
+                <a:spcPct val="107000"/>
+              </a:lnSpc>
+              <a:spcBef>
+                <a:spcPts val="0"/>
+              </a:spcBef>
+              <a:spcAft>
+                <a:spcPts val="0"/>
+              </a:spcAft>
+              <a:buNone/>
+            </a:pPr>
+            <a:r>
+              <a:rPr lang="en-US" dirty="0" err="1">
+                <a:effectLst/>
+                <a:latin typeface="Calibri" panose="020F0502020204030204" pitchFamily="34" charset="0"/>
+                <a:ea typeface="Calibri" panose="020F0502020204030204" pitchFamily="34" charset="0"/>
+                <a:cs typeface="Times New Roman" panose="02020603050405020304" pitchFamily="18" charset="0"/>
+              </a:rPr>
+              <a:t>sprintf</a:t>
+            </a:r>
+            <a:r>
+              <a:rPr lang="en-US" dirty="0">
+                <a:effectLst/>
+                <a:latin typeface="Calibri" panose="020F0502020204030204" pitchFamily="34" charset="0"/>
+                <a:ea typeface="Calibri" panose="020F0502020204030204" pitchFamily="34" charset="0"/>
+                <a:cs typeface="Times New Roman" panose="02020603050405020304" pitchFamily="18" charset="0"/>
+              </a:rPr>
+              <a:t>(buff, </a:t>
+            </a:r>
+            <a:r>
+              <a:rPr lang="en-US" dirty="0">
+                <a:solidFill>
+                  <a:srgbClr val="00B050"/>
+                </a:solidFill>
+                <a:effectLst/>
+                <a:latin typeface="Calibri" panose="020F0502020204030204" pitchFamily="34" charset="0"/>
+                <a:ea typeface="Calibri" panose="020F0502020204030204" pitchFamily="34" charset="0"/>
+                <a:cs typeface="Times New Roman" panose="02020603050405020304" pitchFamily="18" charset="0"/>
+              </a:rPr>
+              <a:t>" read in from </a:t>
+            </a:r>
+            <a:r>
+              <a:rPr lang="en-US" dirty="0" err="1">
+                <a:solidFill>
+                  <a:srgbClr val="00B050"/>
+                </a:solidFill>
+                <a:effectLst/>
+                <a:latin typeface="Calibri" panose="020F0502020204030204" pitchFamily="34" charset="0"/>
+                <a:ea typeface="Calibri" panose="020F0502020204030204" pitchFamily="34" charset="0"/>
+                <a:cs typeface="Times New Roman" panose="02020603050405020304" pitchFamily="18" charset="0"/>
+              </a:rPr>
+              <a:t>uifile</a:t>
+            </a:r>
+            <a:r>
+              <a:rPr lang="en-US" dirty="0">
+                <a:solidFill>
+                  <a:srgbClr val="00B050"/>
+                </a:solidFill>
+                <a:effectLst/>
+                <a:latin typeface="Calibri" panose="020F0502020204030204" pitchFamily="34" charset="0"/>
+                <a:ea typeface="Calibri" panose="020F0502020204030204" pitchFamily="34" charset="0"/>
+                <a:cs typeface="Times New Roman" panose="02020603050405020304" pitchFamily="18" charset="0"/>
+              </a:rPr>
+              <a:t> = %c \n"</a:t>
+            </a:r>
+            <a:r>
+              <a:rPr lang="en-US" dirty="0">
+                <a:effectLst/>
+                <a:latin typeface="Calibri" panose="020F0502020204030204" pitchFamily="34" charset="0"/>
+                <a:ea typeface="Calibri" panose="020F0502020204030204" pitchFamily="34" charset="0"/>
+                <a:cs typeface="Times New Roman" panose="02020603050405020304" pitchFamily="18" charset="0"/>
+              </a:rPr>
+              <a:t>, v);</a:t>
+            </a:r>
+          </a:p>
+          <a:p>
+            <a:pPr marL="0" marR="0" indent="0">
+              <a:lnSpc>
+                <a:spcPct val="107000"/>
+              </a:lnSpc>
+              <a:spcBef>
+                <a:spcPts val="0"/>
+              </a:spcBef>
+              <a:spcAft>
+                <a:spcPts val="0"/>
+              </a:spcAft>
+              <a:buNone/>
+            </a:pPr>
+            <a:r>
+              <a:rPr lang="en-US" dirty="0" err="1">
+                <a:effectLst/>
+                <a:latin typeface="Calibri" panose="020F0502020204030204" pitchFamily="34" charset="0"/>
+                <a:ea typeface="Calibri" panose="020F0502020204030204" pitchFamily="34" charset="0"/>
+                <a:cs typeface="Times New Roman" panose="02020603050405020304" pitchFamily="18" charset="0"/>
+              </a:rPr>
+              <a:t>write_window</a:t>
+            </a:r>
+            <a:r>
+              <a:rPr lang="en-US" dirty="0">
+                <a:effectLst/>
+                <a:latin typeface="Calibri" panose="020F0502020204030204" pitchFamily="34" charset="0"/>
+                <a:ea typeface="Calibri" panose="020F0502020204030204" pitchFamily="34" charset="0"/>
+                <a:cs typeface="Times New Roman" panose="02020603050405020304" pitchFamily="18" charset="0"/>
+              </a:rPr>
+              <a:t>(</a:t>
+            </a:r>
+            <a:r>
+              <a:rPr lang="en-US" dirty="0" err="1">
+                <a:effectLst/>
+                <a:latin typeface="Calibri" panose="020F0502020204030204" pitchFamily="34" charset="0"/>
+                <a:ea typeface="Calibri" panose="020F0502020204030204" pitchFamily="34" charset="0"/>
+                <a:cs typeface="Times New Roman" panose="02020603050405020304" pitchFamily="18" charset="0"/>
+              </a:rPr>
+              <a:t>logwin</a:t>
+            </a:r>
+            <a:r>
+              <a:rPr lang="en-US" dirty="0">
+                <a:effectLst/>
+                <a:latin typeface="Calibri" panose="020F0502020204030204" pitchFamily="34" charset="0"/>
+                <a:ea typeface="Calibri" panose="020F0502020204030204" pitchFamily="34" charset="0"/>
+                <a:cs typeface="Times New Roman" panose="02020603050405020304" pitchFamily="18" charset="0"/>
+              </a:rPr>
+              <a:t>, buff );</a:t>
+            </a:r>
+          </a:p>
+          <a:p>
+            <a:pPr marL="0" marR="0" indent="0">
+              <a:lnSpc>
+                <a:spcPct val="107000"/>
+              </a:lnSpc>
+              <a:spcBef>
+                <a:spcPts val="0"/>
+              </a:spcBef>
+              <a:spcAft>
+                <a:spcPts val="0"/>
+              </a:spcAft>
+              <a:buNone/>
+            </a:pPr>
+            <a:r>
+              <a:rPr lang="en-US" dirty="0" err="1">
+                <a:effectLst/>
+                <a:latin typeface="Calibri" panose="020F0502020204030204" pitchFamily="34" charset="0"/>
+                <a:ea typeface="Calibri" panose="020F0502020204030204" pitchFamily="34" charset="0"/>
+                <a:cs typeface="Times New Roman" panose="02020603050405020304" pitchFamily="18" charset="0"/>
+              </a:rPr>
+              <a:t>write_window</a:t>
+            </a:r>
+            <a:r>
+              <a:rPr lang="en-US" dirty="0">
+                <a:effectLst/>
+                <a:latin typeface="Calibri" panose="020F0502020204030204" pitchFamily="34" charset="0"/>
+                <a:ea typeface="Calibri" panose="020F0502020204030204" pitchFamily="34" charset="0"/>
+                <a:cs typeface="Times New Roman" panose="02020603050405020304" pitchFamily="18" charset="0"/>
+              </a:rPr>
+              <a:t>(</a:t>
+            </a:r>
+            <a:r>
+              <a:rPr lang="en-US" dirty="0" err="1">
+                <a:effectLst/>
+                <a:latin typeface="Calibri" panose="020F0502020204030204" pitchFamily="34" charset="0"/>
+                <a:ea typeface="Calibri" panose="020F0502020204030204" pitchFamily="34" charset="0"/>
+                <a:cs typeface="Times New Roman" panose="02020603050405020304" pitchFamily="18" charset="0"/>
+              </a:rPr>
+              <a:t>logwin</a:t>
+            </a:r>
+            <a:r>
+              <a:rPr lang="en-US" dirty="0">
+                <a:effectLst/>
+                <a:latin typeface="Calibri" panose="020F0502020204030204" pitchFamily="34" charset="0"/>
+                <a:ea typeface="Calibri" panose="020F0502020204030204" pitchFamily="34" charset="0"/>
+                <a:cs typeface="Times New Roman" panose="02020603050405020304" pitchFamily="18" charset="0"/>
+              </a:rPr>
+              <a:t>, </a:t>
+            </a:r>
+            <a:r>
+              <a:rPr lang="en-US" dirty="0">
+                <a:solidFill>
+                  <a:srgbClr val="00B050"/>
+                </a:solidFill>
+                <a:effectLst/>
+                <a:latin typeface="Calibri" panose="020F0502020204030204" pitchFamily="34" charset="0"/>
+                <a:ea typeface="Calibri" panose="020F0502020204030204" pitchFamily="34" charset="0"/>
+                <a:cs typeface="Times New Roman" panose="02020603050405020304" pitchFamily="18" charset="0"/>
+              </a:rPr>
+              <a:t>" calling delete(</a:t>
+            </a:r>
+            <a:r>
+              <a:rPr lang="en-US" dirty="0" err="1">
+                <a:solidFill>
+                  <a:srgbClr val="00B050"/>
+                </a:solidFill>
+                <a:effectLst/>
+                <a:latin typeface="Calibri" panose="020F0502020204030204" pitchFamily="34" charset="0"/>
+                <a:ea typeface="Calibri" panose="020F0502020204030204" pitchFamily="34" charset="0"/>
+                <a:cs typeface="Times New Roman" panose="02020603050405020304" pitchFamily="18" charset="0"/>
+              </a:rPr>
+              <a:t>uifile</a:t>
+            </a:r>
+            <a:r>
+              <a:rPr lang="en-US" dirty="0">
+                <a:solidFill>
+                  <a:srgbClr val="00B050"/>
+                </a:solidFill>
+                <a:effectLst/>
+                <a:latin typeface="Calibri" panose="020F0502020204030204" pitchFamily="34" charset="0"/>
+                <a:ea typeface="Calibri" panose="020F0502020204030204" pitchFamily="34" charset="0"/>
+                <a:cs typeface="Times New Roman" panose="02020603050405020304" pitchFamily="18" charset="0"/>
+              </a:rPr>
+              <a:t>)\n"</a:t>
+            </a:r>
+            <a:r>
+              <a:rPr lang="en-US" dirty="0">
+                <a:effectLst/>
+                <a:latin typeface="Calibri" panose="020F0502020204030204" pitchFamily="34" charset="0"/>
+                <a:ea typeface="Calibri" panose="020F0502020204030204" pitchFamily="34" charset="0"/>
+                <a:cs typeface="Times New Roman" panose="02020603050405020304" pitchFamily="18" charset="0"/>
+              </a:rPr>
+              <a:t> );</a:t>
+            </a:r>
+          </a:p>
+          <a:p>
+            <a:pPr marL="0" marR="0" indent="0">
+              <a:lnSpc>
+                <a:spcPct val="107000"/>
+              </a:lnSpc>
+              <a:spcBef>
+                <a:spcPts val="0"/>
+              </a:spcBef>
+              <a:spcAft>
+                <a:spcPts val="0"/>
+              </a:spcAft>
+              <a:buNone/>
+            </a:pPr>
+            <a:r>
+              <a:rPr lang="en-US" dirty="0" err="1">
+                <a:effectLst/>
+                <a:latin typeface="Calibri" panose="020F0502020204030204" pitchFamily="34" charset="0"/>
+                <a:ea typeface="Calibri" panose="020F0502020204030204" pitchFamily="34" charset="0"/>
+                <a:cs typeface="Times New Roman" panose="02020603050405020304" pitchFamily="18" charset="0"/>
+              </a:rPr>
+              <a:t>superuser.Del_file</a:t>
+            </a:r>
+            <a:r>
+              <a:rPr lang="en-US" dirty="0">
+                <a:effectLst/>
+                <a:latin typeface="Calibri" panose="020F0502020204030204" pitchFamily="34" charset="0"/>
+                <a:ea typeface="Calibri" panose="020F0502020204030204" pitchFamily="34" charset="0"/>
+                <a:cs typeface="Times New Roman" panose="02020603050405020304" pitchFamily="18" charset="0"/>
+              </a:rPr>
+              <a:t>(</a:t>
+            </a:r>
+            <a:r>
+              <a:rPr lang="en-US" dirty="0" err="1">
+                <a:effectLst/>
+                <a:latin typeface="Calibri" panose="020F0502020204030204" pitchFamily="34" charset="0"/>
+                <a:ea typeface="Calibri" panose="020F0502020204030204" pitchFamily="34" charset="0"/>
+                <a:cs typeface="Times New Roman" panose="02020603050405020304" pitchFamily="18" charset="0"/>
+              </a:rPr>
+              <a:t>tcb</a:t>
+            </a:r>
+            <a:r>
+              <a:rPr lang="en-US" dirty="0">
+                <a:effectLst/>
+                <a:latin typeface="Calibri" panose="020F0502020204030204" pitchFamily="34" charset="0"/>
+                <a:ea typeface="Calibri" panose="020F0502020204030204" pitchFamily="34" charset="0"/>
+                <a:cs typeface="Times New Roman" panose="02020603050405020304" pitchFamily="18" charset="0"/>
+              </a:rPr>
+              <a:t>-&gt;</a:t>
+            </a:r>
+            <a:r>
+              <a:rPr lang="en-US" dirty="0" err="1">
+                <a:effectLst/>
+                <a:latin typeface="Calibri" panose="020F0502020204030204" pitchFamily="34" charset="0"/>
+                <a:ea typeface="Calibri" panose="020F0502020204030204" pitchFamily="34" charset="0"/>
+                <a:cs typeface="Times New Roman" panose="02020603050405020304" pitchFamily="18" charset="0"/>
+              </a:rPr>
+              <a:t>thread_no</a:t>
+            </a:r>
+            <a:r>
+              <a:rPr lang="en-US" dirty="0">
+                <a:effectLst/>
+                <a:latin typeface="Calibri" panose="020F0502020204030204" pitchFamily="34" charset="0"/>
+                <a:ea typeface="Calibri" panose="020F0502020204030204" pitchFamily="34" charset="0"/>
+                <a:cs typeface="Times New Roman" panose="02020603050405020304" pitchFamily="18" charset="0"/>
+              </a:rPr>
+              <a:t>, (</a:t>
+            </a:r>
+            <a:r>
+              <a:rPr lang="en-US" b="1" dirty="0">
+                <a:effectLst/>
+                <a:latin typeface="Calibri" panose="020F0502020204030204" pitchFamily="34" charset="0"/>
+                <a:ea typeface="Calibri" panose="020F0502020204030204" pitchFamily="34" charset="0"/>
+                <a:cs typeface="Times New Roman" panose="02020603050405020304" pitchFamily="18" charset="0"/>
+              </a:rPr>
+              <a:t>char</a:t>
+            </a:r>
+            <a:r>
+              <a:rPr lang="en-US" dirty="0">
+                <a:effectLst/>
+                <a:latin typeface="Calibri" panose="020F0502020204030204" pitchFamily="34" charset="0"/>
+                <a:ea typeface="Calibri" panose="020F0502020204030204" pitchFamily="34" charset="0"/>
+                <a:cs typeface="Times New Roman" panose="02020603050405020304" pitchFamily="18" charset="0"/>
+              </a:rPr>
+              <a:t>*)</a:t>
+            </a:r>
+            <a:r>
+              <a:rPr lang="en-US" dirty="0">
+                <a:solidFill>
+                  <a:srgbClr val="00B050"/>
+                </a:solidFill>
+                <a:effectLst/>
+                <a:latin typeface="Calibri" panose="020F0502020204030204" pitchFamily="34" charset="0"/>
+                <a:ea typeface="Calibri" panose="020F0502020204030204" pitchFamily="34" charset="0"/>
+                <a:cs typeface="Times New Roman" panose="02020603050405020304" pitchFamily="18" charset="0"/>
+              </a:rPr>
+              <a:t>"</a:t>
+            </a:r>
+            <a:r>
+              <a:rPr lang="en-US" dirty="0" err="1">
+                <a:solidFill>
+                  <a:srgbClr val="00B050"/>
+                </a:solidFill>
+                <a:effectLst/>
+                <a:latin typeface="Calibri" panose="020F0502020204030204" pitchFamily="34" charset="0"/>
+                <a:ea typeface="Calibri" panose="020F0502020204030204" pitchFamily="34" charset="0"/>
+                <a:cs typeface="Times New Roman" panose="02020603050405020304" pitchFamily="18" charset="0"/>
+              </a:rPr>
+              <a:t>uifile</a:t>
+            </a:r>
+            <a:r>
+              <a:rPr lang="en-US" dirty="0">
+                <a:solidFill>
+                  <a:srgbClr val="00B050"/>
+                </a:solidFill>
+                <a:effectLst/>
+                <a:latin typeface="Calibri" panose="020F0502020204030204" pitchFamily="34" charset="0"/>
+                <a:ea typeface="Calibri" panose="020F0502020204030204" pitchFamily="34" charset="0"/>
+                <a:cs typeface="Times New Roman" panose="02020603050405020304" pitchFamily="18" charset="0"/>
+              </a:rPr>
+              <a:t>"</a:t>
+            </a:r>
+            <a:r>
+              <a:rPr lang="en-US" dirty="0">
+                <a:effectLst/>
+                <a:latin typeface="Calibri" panose="020F0502020204030204" pitchFamily="34" charset="0"/>
+                <a:ea typeface="Calibri" panose="020F0502020204030204" pitchFamily="34" charset="0"/>
+                <a:cs typeface="Times New Roman" panose="02020603050405020304" pitchFamily="18" charset="0"/>
+              </a:rPr>
+              <a:t>);</a:t>
+            </a:r>
+          </a:p>
+          <a:p>
+            <a:pPr marL="0" marR="0" indent="0">
+              <a:lnSpc>
+                <a:spcPct val="107000"/>
+              </a:lnSpc>
+              <a:spcBef>
+                <a:spcPts val="0"/>
+              </a:spcBef>
+              <a:spcAft>
+                <a:spcPts val="0"/>
+              </a:spcAft>
+              <a:buNone/>
+            </a:pPr>
+            <a:r>
+              <a:rPr lang="en-US" dirty="0" err="1">
+                <a:effectLst/>
+                <a:latin typeface="Calibri" panose="020F0502020204030204" pitchFamily="34" charset="0"/>
+                <a:ea typeface="Calibri" panose="020F0502020204030204" pitchFamily="34" charset="0"/>
+                <a:cs typeface="Times New Roman" panose="02020603050405020304" pitchFamily="18" charset="0"/>
+              </a:rPr>
+              <a:t>write_window</a:t>
+            </a:r>
+            <a:r>
+              <a:rPr lang="en-US" dirty="0">
+                <a:effectLst/>
+                <a:latin typeface="Calibri" panose="020F0502020204030204" pitchFamily="34" charset="0"/>
+                <a:ea typeface="Calibri" panose="020F0502020204030204" pitchFamily="34" charset="0"/>
+                <a:cs typeface="Times New Roman" panose="02020603050405020304" pitchFamily="18" charset="0"/>
+              </a:rPr>
+              <a:t>(</a:t>
+            </a:r>
+            <a:r>
+              <a:rPr lang="en-US" dirty="0" err="1">
+                <a:effectLst/>
+                <a:latin typeface="Calibri" panose="020F0502020204030204" pitchFamily="34" charset="0"/>
+                <a:ea typeface="Calibri" panose="020F0502020204030204" pitchFamily="34" charset="0"/>
+                <a:cs typeface="Times New Roman" panose="02020603050405020304" pitchFamily="18" charset="0"/>
+              </a:rPr>
+              <a:t>logwin</a:t>
+            </a:r>
+            <a:r>
+              <a:rPr lang="en-US" dirty="0">
+                <a:effectLst/>
+                <a:latin typeface="Calibri" panose="020F0502020204030204" pitchFamily="34" charset="0"/>
+                <a:ea typeface="Calibri" panose="020F0502020204030204" pitchFamily="34" charset="0"/>
+                <a:cs typeface="Times New Roman" panose="02020603050405020304" pitchFamily="18" charset="0"/>
+              </a:rPr>
+              <a:t>, </a:t>
+            </a:r>
+            <a:r>
+              <a:rPr lang="en-US" dirty="0">
+                <a:solidFill>
+                  <a:srgbClr val="00B050"/>
+                </a:solidFill>
+                <a:effectLst/>
+                <a:latin typeface="Calibri" panose="020F0502020204030204" pitchFamily="34" charset="0"/>
+                <a:ea typeface="Calibri" panose="020F0502020204030204" pitchFamily="34" charset="0"/>
+                <a:cs typeface="Times New Roman" panose="02020603050405020304" pitchFamily="18" charset="0"/>
+              </a:rPr>
+              <a:t>" calling Dir();\n"</a:t>
+            </a:r>
+            <a:r>
+              <a:rPr lang="en-US" dirty="0">
+                <a:effectLst/>
+                <a:latin typeface="Calibri" panose="020F0502020204030204" pitchFamily="34" charset="0"/>
+                <a:ea typeface="Calibri" panose="020F0502020204030204" pitchFamily="34" charset="0"/>
+                <a:cs typeface="Times New Roman" panose="02020603050405020304" pitchFamily="18" charset="0"/>
+              </a:rPr>
+              <a:t> );</a:t>
+            </a:r>
+          </a:p>
+          <a:p>
+            <a:pPr marL="0" marR="0" indent="0">
+              <a:lnSpc>
+                <a:spcPct val="107000"/>
+              </a:lnSpc>
+              <a:spcBef>
+                <a:spcPts val="0"/>
+              </a:spcBef>
+              <a:spcAft>
+                <a:spcPts val="0"/>
+              </a:spcAft>
+              <a:buNone/>
+            </a:pPr>
+            <a:r>
+              <a:rPr lang="en-US" dirty="0" err="1">
+                <a:effectLst/>
+                <a:latin typeface="Calibri" panose="020F0502020204030204" pitchFamily="34" charset="0"/>
+                <a:ea typeface="Calibri" panose="020F0502020204030204" pitchFamily="34" charset="0"/>
+                <a:cs typeface="Times New Roman" panose="02020603050405020304" pitchFamily="18" charset="0"/>
+              </a:rPr>
+              <a:t>superuser.Dir</a:t>
+            </a:r>
+            <a:r>
+              <a:rPr lang="en-US" dirty="0">
+                <a:effectLst/>
+                <a:latin typeface="Calibri" panose="020F0502020204030204" pitchFamily="34" charset="0"/>
+                <a:ea typeface="Calibri" panose="020F0502020204030204" pitchFamily="34" charset="0"/>
+                <a:cs typeface="Times New Roman" panose="02020603050405020304" pitchFamily="18" charset="0"/>
+              </a:rPr>
+              <a:t>(</a:t>
+            </a:r>
+            <a:r>
+              <a:rPr lang="en-US" dirty="0" err="1">
+                <a:effectLst/>
+                <a:latin typeface="Calibri" panose="020F0502020204030204" pitchFamily="34" charset="0"/>
+                <a:ea typeface="Calibri" panose="020F0502020204030204" pitchFamily="34" charset="0"/>
+                <a:cs typeface="Times New Roman" panose="02020603050405020304" pitchFamily="18" charset="0"/>
+              </a:rPr>
+              <a:t>memwin</a:t>
+            </a:r>
+            <a:r>
+              <a:rPr lang="en-US" dirty="0">
+                <a:effectLst/>
+                <a:latin typeface="Calibri" panose="020F0502020204030204" pitchFamily="34" charset="0"/>
+                <a:ea typeface="Calibri" panose="020F0502020204030204" pitchFamily="34" charset="0"/>
+                <a:cs typeface="Times New Roman" panose="02020603050405020304" pitchFamily="18" charset="0"/>
+              </a:rPr>
+              <a:t>);</a:t>
+            </a:r>
+          </a:p>
+          <a:p>
+            <a:pPr marL="0" marR="0" indent="0">
+              <a:lnSpc>
+                <a:spcPct val="107000"/>
+              </a:lnSpc>
+              <a:spcBef>
+                <a:spcPts val="0"/>
+              </a:spcBef>
+              <a:spcAft>
+                <a:spcPts val="0"/>
+              </a:spcAft>
+              <a:buNone/>
+            </a:pPr>
+            <a:r>
+              <a:rPr lang="en-US" dirty="0" err="1">
+                <a:effectLst/>
+                <a:latin typeface="Calibri" panose="020F0502020204030204" pitchFamily="34" charset="0"/>
+                <a:ea typeface="Calibri" panose="020F0502020204030204" pitchFamily="34" charset="0"/>
+                <a:cs typeface="Times New Roman" panose="02020603050405020304" pitchFamily="18" charset="0"/>
+              </a:rPr>
+              <a:t>write_window</a:t>
+            </a:r>
+            <a:r>
+              <a:rPr lang="en-US" dirty="0">
+                <a:effectLst/>
+                <a:latin typeface="Calibri" panose="020F0502020204030204" pitchFamily="34" charset="0"/>
+                <a:ea typeface="Calibri" panose="020F0502020204030204" pitchFamily="34" charset="0"/>
+                <a:cs typeface="Times New Roman" panose="02020603050405020304" pitchFamily="18" charset="0"/>
+              </a:rPr>
+              <a:t>(</a:t>
+            </a:r>
+            <a:r>
+              <a:rPr lang="en-US" dirty="0" err="1">
+                <a:effectLst/>
+                <a:latin typeface="Calibri" panose="020F0502020204030204" pitchFamily="34" charset="0"/>
+                <a:ea typeface="Calibri" panose="020F0502020204030204" pitchFamily="34" charset="0"/>
+                <a:cs typeface="Times New Roman" panose="02020603050405020304" pitchFamily="18" charset="0"/>
+              </a:rPr>
+              <a:t>logwin</a:t>
+            </a:r>
+            <a:r>
+              <a:rPr lang="en-US" dirty="0">
+                <a:effectLst/>
+                <a:latin typeface="Calibri" panose="020F0502020204030204" pitchFamily="34" charset="0"/>
+                <a:ea typeface="Calibri" panose="020F0502020204030204" pitchFamily="34" charset="0"/>
+                <a:cs typeface="Times New Roman" panose="02020603050405020304" pitchFamily="18" charset="0"/>
+              </a:rPr>
+              <a:t>, </a:t>
+            </a:r>
+            <a:r>
+              <a:rPr lang="en-US" dirty="0">
+                <a:solidFill>
+                  <a:srgbClr val="00B050"/>
+                </a:solidFill>
+                <a:effectLst/>
+                <a:latin typeface="Calibri" panose="020F0502020204030204" pitchFamily="34" charset="0"/>
+                <a:ea typeface="Calibri" panose="020F0502020204030204" pitchFamily="34" charset="0"/>
+                <a:cs typeface="Times New Roman" panose="02020603050405020304" pitchFamily="18" charset="0"/>
+              </a:rPr>
+              <a:t>" calling dump\n"</a:t>
+            </a:r>
+            <a:r>
+              <a:rPr lang="en-US" dirty="0">
+                <a:effectLst/>
+                <a:latin typeface="Calibri" panose="020F0502020204030204" pitchFamily="34" charset="0"/>
+                <a:ea typeface="Calibri" panose="020F0502020204030204" pitchFamily="34" charset="0"/>
+                <a:cs typeface="Times New Roman" panose="02020603050405020304" pitchFamily="18" charset="0"/>
+              </a:rPr>
+              <a:t> );</a:t>
+            </a:r>
+          </a:p>
+          <a:p>
+            <a:pPr marL="0" marR="0" indent="0">
+              <a:lnSpc>
+                <a:spcPct val="107000"/>
+              </a:lnSpc>
+              <a:spcBef>
+                <a:spcPts val="0"/>
+              </a:spcBef>
+              <a:spcAft>
+                <a:spcPts val="0"/>
+              </a:spcAft>
+              <a:buNone/>
+            </a:pPr>
+            <a:r>
+              <a:rPr lang="en-US" dirty="0" err="1">
+                <a:effectLst/>
+                <a:latin typeface="Calibri" panose="020F0502020204030204" pitchFamily="34" charset="0"/>
+                <a:ea typeface="Calibri" panose="020F0502020204030204" pitchFamily="34" charset="0"/>
+                <a:cs typeface="Times New Roman" panose="02020603050405020304" pitchFamily="18" charset="0"/>
+              </a:rPr>
+              <a:t>superuser.dump</a:t>
+            </a:r>
+            <a:r>
+              <a:rPr lang="en-US" dirty="0">
+                <a:effectLst/>
+                <a:latin typeface="Calibri" panose="020F0502020204030204" pitchFamily="34" charset="0"/>
+                <a:ea typeface="Calibri" panose="020F0502020204030204" pitchFamily="34" charset="0"/>
+                <a:cs typeface="Times New Roman" panose="02020603050405020304" pitchFamily="18" charset="0"/>
+              </a:rPr>
+              <a:t>(</a:t>
+            </a:r>
+            <a:r>
+              <a:rPr lang="en-US" dirty="0" err="1">
+                <a:effectLst/>
+                <a:latin typeface="Calibri" panose="020F0502020204030204" pitchFamily="34" charset="0"/>
+                <a:ea typeface="Calibri" panose="020F0502020204030204" pitchFamily="34" charset="0"/>
+                <a:cs typeface="Times New Roman" panose="02020603050405020304" pitchFamily="18" charset="0"/>
+              </a:rPr>
+              <a:t>memwin</a:t>
+            </a:r>
+            <a:r>
+              <a:rPr lang="en-US" dirty="0">
+                <a:effectLst/>
+                <a:latin typeface="Calibri" panose="020F0502020204030204" pitchFamily="34" charset="0"/>
+                <a:ea typeface="Calibri" panose="020F0502020204030204" pitchFamily="34" charset="0"/>
+                <a:cs typeface="Times New Roman" panose="02020603050405020304" pitchFamily="18" charset="0"/>
+              </a:rPr>
+              <a:t>);</a:t>
+            </a:r>
+          </a:p>
+        </p:txBody>
+      </p:sp>
+    </p:spTree>
+    <p:extLst>
+      <p:ext uri="{BB962C8B-B14F-4D97-AF65-F5344CB8AC3E}">
+        <p14:creationId xmlns:p14="http://schemas.microsoft.com/office/powerpoint/2010/main" val="363588586"/>
       </p:ext>
     </p:extLst>
   </p:cSld>
@@ -12531,7 +13121,7 @@
           <p:cNvPr id="2" name="Title 1">
             <a:extLst>
               <a:ext uri="{FF2B5EF4-FFF2-40B4-BE49-F238E27FC236}">
-                <a16:creationId xmlns:a16="http://schemas.microsoft.com/office/drawing/2014/main" id="{D01C3F7A-BEDA-4B76-B83E-193A30C4D52B}"/>
+                <a16:creationId xmlns:a16="http://schemas.microsoft.com/office/drawing/2014/main" xmlns="" id="{D01C3F7A-BEDA-4B76-B83E-193A30C4D52B}"/>
               </a:ext>
             </a:extLst>
           </p:cNvPr>
@@ -12563,7 +13153,7 @@
           <p:cNvPr id="3" name="Content Placeholder 2">
             <a:extLst>
               <a:ext uri="{FF2B5EF4-FFF2-40B4-BE49-F238E27FC236}">
-                <a16:creationId xmlns:a16="http://schemas.microsoft.com/office/drawing/2014/main" id="{C7D69E4D-1A1C-41F5-971B-313988E9BDEC}"/>
+                <a16:creationId xmlns:a16="http://schemas.microsoft.com/office/drawing/2014/main" xmlns="" id="{C7D69E4D-1A1C-41F5-971B-313988E9BDEC}"/>
               </a:ext>
             </a:extLst>
           </p:cNvPr>
@@ -12611,6 +13201,13 @@
   <p:clrMapOvr>
     <a:masterClrMapping/>
   </p:clrMapOvr>
+  <p:timing>
+    <p:tnLst>
+      <p:par>
+        <p:cTn id="1" dur="indefinite" restart="never" nodeType="tmRoot"/>
+      </p:par>
+    </p:tnLst>
+  </p:timing>
 </p:sld>
 </file>
 
@@ -12636,7 +13233,7 @@
           <p:cNvPr id="2" name="Title 1">
             <a:extLst>
               <a:ext uri="{FF2B5EF4-FFF2-40B4-BE49-F238E27FC236}">
-                <a16:creationId xmlns:a16="http://schemas.microsoft.com/office/drawing/2014/main" id="{5AC045DC-8ABA-4DA0-A018-F9497FDFAE71}"/>
+                <a16:creationId xmlns:a16="http://schemas.microsoft.com/office/drawing/2014/main" xmlns="" id="{5AC045DC-8ABA-4DA0-A018-F9497FDFAE71}"/>
               </a:ext>
             </a:extLst>
           </p:cNvPr>
@@ -12668,7 +13265,7 @@
           <p:cNvPr id="3" name="Content Placeholder 2">
             <a:extLst>
               <a:ext uri="{FF2B5EF4-FFF2-40B4-BE49-F238E27FC236}">
-                <a16:creationId xmlns:a16="http://schemas.microsoft.com/office/drawing/2014/main" id="{D096A6D5-7BDB-4104-8437-2CEDC491DDC5}"/>
+                <a16:creationId xmlns:a16="http://schemas.microsoft.com/office/drawing/2014/main" xmlns="" id="{D096A6D5-7BDB-4104-8437-2CEDC491DDC5}"/>
               </a:ext>
             </a:extLst>
           </p:cNvPr>
@@ -12719,6 +13316,13 @@
   <p:clrMapOvr>
     <a:masterClrMapping/>
   </p:clrMapOvr>
+  <p:timing>
+    <p:tnLst>
+      <p:par>
+        <p:cTn id="1" dur="indefinite" restart="never" nodeType="tmRoot"/>
+      </p:par>
+    </p:tnLst>
+  </p:timing>
 </p:sld>
 </file>
 
@@ -12744,7 +13348,7 @@
           <p:cNvPr id="2" name="Title 1">
             <a:extLst>
               <a:ext uri="{FF2B5EF4-FFF2-40B4-BE49-F238E27FC236}">
-                <a16:creationId xmlns:a16="http://schemas.microsoft.com/office/drawing/2014/main" id="{7B811E21-E649-4C2B-AD0B-82277E1D24F1}"/>
+                <a16:creationId xmlns:a16="http://schemas.microsoft.com/office/drawing/2014/main" xmlns="" id="{7B811E21-E649-4C2B-AD0B-82277E1D24F1}"/>
               </a:ext>
             </a:extLst>
           </p:cNvPr>
@@ -12776,7 +13380,7 @@
           <p:cNvPr id="3" name="Content Placeholder 2">
             <a:extLst>
               <a:ext uri="{FF2B5EF4-FFF2-40B4-BE49-F238E27FC236}">
-                <a16:creationId xmlns:a16="http://schemas.microsoft.com/office/drawing/2014/main" id="{C6240AF0-4269-4489-9610-8CBFB2369C9F}"/>
+                <a16:creationId xmlns:a16="http://schemas.microsoft.com/office/drawing/2014/main" xmlns="" id="{C6240AF0-4269-4489-9610-8CBFB2369C9F}"/>
               </a:ext>
             </a:extLst>
           </p:cNvPr>
@@ -12839,6 +13443,13 @@
   <p:clrMapOvr>
     <a:masterClrMapping/>
   </p:clrMapOvr>
+  <p:timing>
+    <p:tnLst>
+      <p:par>
+        <p:cTn id="1" dur="indefinite" restart="never" nodeType="tmRoot"/>
+      </p:par>
+    </p:tnLst>
+  </p:timing>
 </p:sld>
 </file>
 
@@ -12864,7 +13475,7 @@
           <p:cNvPr id="2" name="Title 1">
             <a:extLst>
               <a:ext uri="{FF2B5EF4-FFF2-40B4-BE49-F238E27FC236}">
-                <a16:creationId xmlns:a16="http://schemas.microsoft.com/office/drawing/2014/main" id="{6CA8F64E-2BEA-41B5-BA02-3D8DDB743470}"/>
+                <a16:creationId xmlns:a16="http://schemas.microsoft.com/office/drawing/2014/main" xmlns="" id="{6CA8F64E-2BEA-41B5-BA02-3D8DDB743470}"/>
               </a:ext>
             </a:extLst>
           </p:cNvPr>
@@ -12896,7 +13507,7 @@
           <p:cNvPr id="3" name="Content Placeholder 2">
             <a:extLst>
               <a:ext uri="{FF2B5EF4-FFF2-40B4-BE49-F238E27FC236}">
-                <a16:creationId xmlns:a16="http://schemas.microsoft.com/office/drawing/2014/main" id="{F3604276-9A6C-4BE6-A39D-A7AD2D1791F8}"/>
+                <a16:creationId xmlns:a16="http://schemas.microsoft.com/office/drawing/2014/main" xmlns="" id="{F3604276-9A6C-4BE6-A39D-A7AD2D1791F8}"/>
               </a:ext>
             </a:extLst>
           </p:cNvPr>
@@ -12941,6 +13552,13 @@
   <p:clrMapOvr>
     <a:masterClrMapping/>
   </p:clrMapOvr>
+  <p:timing>
+    <p:tnLst>
+      <p:par>
+        <p:cTn id="1" dur="indefinite" restart="never" nodeType="tmRoot"/>
+      </p:par>
+    </p:tnLst>
+  </p:timing>
 </p:sld>
 </file>
 
@@ -12966,7 +13584,7 @@
           <p:cNvPr id="2" name="Title 1">
             <a:extLst>
               <a:ext uri="{FF2B5EF4-FFF2-40B4-BE49-F238E27FC236}">
-                <a16:creationId xmlns:a16="http://schemas.microsoft.com/office/drawing/2014/main" id="{ED860CF3-EA9D-4BEE-B62C-0D6567622753}"/>
+                <a16:creationId xmlns:a16="http://schemas.microsoft.com/office/drawing/2014/main" xmlns="" id="{ED860CF3-EA9D-4BEE-B62C-0D6567622753}"/>
               </a:ext>
             </a:extLst>
           </p:cNvPr>
@@ -13000,7 +13618,7 @@
           <p:cNvPr id="3" name="Content Placeholder 2">
             <a:extLst>
               <a:ext uri="{FF2B5EF4-FFF2-40B4-BE49-F238E27FC236}">
-                <a16:creationId xmlns:a16="http://schemas.microsoft.com/office/drawing/2014/main" id="{496582DD-5829-4D96-BE0C-C098A968D7A8}"/>
+                <a16:creationId xmlns:a16="http://schemas.microsoft.com/office/drawing/2014/main" xmlns="" id="{496582DD-5829-4D96-BE0C-C098A968D7A8}"/>
               </a:ext>
             </a:extLst>
           </p:cNvPr>
@@ -13051,6 +13669,13 @@
   <p:clrMapOvr>
     <a:masterClrMapping/>
   </p:clrMapOvr>
+  <p:timing>
+    <p:tnLst>
+      <p:par>
+        <p:cTn id="1" dur="indefinite" restart="never" nodeType="tmRoot"/>
+      </p:par>
+    </p:tnLst>
+  </p:timing>
 </p:sld>
 </file>
 
@@ -13076,7 +13701,7 @@
           <p:cNvPr id="2" name="Title 1">
             <a:extLst>
               <a:ext uri="{FF2B5EF4-FFF2-40B4-BE49-F238E27FC236}">
-                <a16:creationId xmlns:a16="http://schemas.microsoft.com/office/drawing/2014/main" id="{6FE5EEFC-A8DE-4AA5-86E5-40439DCA3433}"/>
+                <a16:creationId xmlns:a16="http://schemas.microsoft.com/office/drawing/2014/main" xmlns="" id="{6FE5EEFC-A8DE-4AA5-86E5-40439DCA3433}"/>
               </a:ext>
             </a:extLst>
           </p:cNvPr>
@@ -13104,7 +13729,7 @@
           <p:cNvPr id="3" name="Content Placeholder 2">
             <a:extLst>
               <a:ext uri="{FF2B5EF4-FFF2-40B4-BE49-F238E27FC236}">
-                <a16:creationId xmlns:a16="http://schemas.microsoft.com/office/drawing/2014/main" id="{F9DC5653-0CEF-4FC7-ACEB-C48167324057}"/>
+                <a16:creationId xmlns:a16="http://schemas.microsoft.com/office/drawing/2014/main" xmlns="" id="{F9DC5653-0CEF-4FC7-ACEB-C48167324057}"/>
               </a:ext>
             </a:extLst>
           </p:cNvPr>
@@ -13199,7 +13824,7 @@
           <p:cNvPr id="4" name="Arrow: Down 3">
             <a:extLst>
               <a:ext uri="{FF2B5EF4-FFF2-40B4-BE49-F238E27FC236}">
-                <a16:creationId xmlns:a16="http://schemas.microsoft.com/office/drawing/2014/main" id="{A44451E7-4F11-4D32-9C1F-BDD9A31142B8}"/>
+                <a16:creationId xmlns:a16="http://schemas.microsoft.com/office/drawing/2014/main" xmlns="" id="{A44451E7-4F11-4D32-9C1F-BDD9A31142B8}"/>
               </a:ext>
             </a:extLst>
           </p:cNvPr>
@@ -13250,6 +13875,13 @@
   <p:clrMapOvr>
     <a:masterClrMapping/>
   </p:clrMapOvr>
+  <p:timing>
+    <p:tnLst>
+      <p:par>
+        <p:cTn id="1" dur="indefinite" restart="never" nodeType="tmRoot"/>
+      </p:par>
+    </p:tnLst>
+  </p:timing>
 </p:sld>
 </file>
 

--- a/phase5 presentation.pptx
+++ b/phase5 presentation.pptx
@@ -30,11 +30,11 @@
     <p:sldId id="279" r:id="rId24"/>
     <p:sldId id="283" r:id="rId25"/>
     <p:sldId id="282" r:id="rId26"/>
-    <p:sldId id="287" r:id="rId27"/>
-    <p:sldId id="268" r:id="rId28"/>
-    <p:sldId id="280" r:id="rId29"/>
-    <p:sldId id="275" r:id="rId30"/>
-    <p:sldId id="276" r:id="rId31"/>
+    <p:sldId id="268" r:id="rId27"/>
+    <p:sldId id="275" r:id="rId28"/>
+    <p:sldId id="276" r:id="rId29"/>
+    <p:sldId id="280" r:id="rId30"/>
+    <p:sldId id="287" r:id="rId31"/>
   </p:sldIdLst>
   <p:sldSz cx="12192000" cy="6858000"/>
   <p:notesSz cx="6858000" cy="9144000"/>
@@ -144,7 +144,7 @@
 <file path=ppt/revisionInfo.xml><?xml version="1.0" encoding="utf-8"?>
 <p1510:revInfo xmlns:a="http://schemas.openxmlformats.org/drawingml/2006/main" xmlns:r="http://schemas.openxmlformats.org/officeDocument/2006/relationships" xmlns:p1510="http://schemas.microsoft.com/office/powerpoint/2015/10/main">
   <p1510:revLst>
-    <p1510:client id="{C8512032-1E17-4F34-91A0-8718753EA2AC}" v="73" dt="2019-04-30T15:41:38.927"/>
+    <p1510:client id="{C8512032-1E17-4F34-91A0-8718753EA2AC}" v="78" dt="2019-04-30T16:56:23.506"/>
   </p1510:revLst>
 </p1510:revInfo>
 </file>
@@ -153,8 +153,8 @@
 <pc:chgInfo xmlns:a="http://schemas.openxmlformats.org/drawingml/2006/main" xmlns:r="http://schemas.openxmlformats.org/officeDocument/2006/relationships" xmlns:ac="http://schemas.microsoft.com/office/drawing/2013/main/command" xmlns:pc="http://schemas.microsoft.com/office/powerpoint/2013/main/command">
   <pc:docChgLst>
     <pc:chgData name="Drake Wood" userId="de25c2bc060809e4" providerId="LiveId" clId="{C8512032-1E17-4F34-91A0-8718753EA2AC}"/>
-    <pc:docChg chg="undo custSel addSld delSld modSld">
-      <pc:chgData name="Drake Wood" userId="de25c2bc060809e4" providerId="LiveId" clId="{C8512032-1E17-4F34-91A0-8718753EA2AC}" dt="2019-04-30T15:41:40.646" v="1471" actId="1076"/>
+    <pc:docChg chg="undo custSel mod addSld delSld modSld sldOrd">
+      <pc:chgData name="Drake Wood" userId="de25c2bc060809e4" providerId="LiveId" clId="{C8512032-1E17-4F34-91A0-8718753EA2AC}" dt="2019-04-30T16:57:24.697" v="1582" actId="26606"/>
       <pc:docMkLst>
         <pc:docMk/>
       </pc:docMkLst>
@@ -378,12 +378,28 @@
           </ac:spMkLst>
         </pc:spChg>
       </pc:sldChg>
-      <pc:sldChg chg="add">
-        <pc:chgData name="Drake Wood" userId="de25c2bc060809e4" providerId="LiveId" clId="{C8512032-1E17-4F34-91A0-8718753EA2AC}" dt="2019-04-30T15:40:55.725" v="1454"/>
+      <pc:sldChg chg="delSp modSp add">
+        <pc:chgData name="Drake Wood" userId="de25c2bc060809e4" providerId="LiveId" clId="{C8512032-1E17-4F34-91A0-8718753EA2AC}" dt="2019-04-30T16:34:45.715" v="1474" actId="478"/>
         <pc:sldMkLst>
           <pc:docMk/>
           <pc:sldMk cId="2284196699" sldId="277"/>
         </pc:sldMkLst>
+        <pc:spChg chg="del">
+          <ac:chgData name="Drake Wood" userId="de25c2bc060809e4" providerId="LiveId" clId="{C8512032-1E17-4F34-91A0-8718753EA2AC}" dt="2019-04-30T16:34:45.715" v="1474" actId="478"/>
+          <ac:spMkLst>
+            <pc:docMk/>
+            <pc:sldMk cId="2284196699" sldId="277"/>
+            <ac:spMk id="2" creationId="{85AB88F2-5E64-4E2F-8DAE-5A1B1E5CC41E}"/>
+          </ac:spMkLst>
+        </pc:spChg>
+        <pc:picChg chg="del mod">
+          <ac:chgData name="Drake Wood" userId="de25c2bc060809e4" providerId="LiveId" clId="{C8512032-1E17-4F34-91A0-8718753EA2AC}" dt="2019-04-30T16:34:36.649" v="1473" actId="478"/>
+          <ac:picMkLst>
+            <pc:docMk/>
+            <pc:sldMk cId="2284196699" sldId="277"/>
+            <ac:picMk id="3" creationId="{00000000-0000-0000-0000-000000000000}"/>
+          </ac:picMkLst>
+        </pc:picChg>
       </pc:sldChg>
       <pc:sldChg chg="addSp delSp modSp add">
         <pc:chgData name="Drake Wood" userId="de25c2bc060809e4" providerId="LiveId" clId="{C8512032-1E17-4F34-91A0-8718753EA2AC}" dt="2019-04-30T15:41:21.583" v="1459" actId="962"/>
@@ -431,12 +447,20 @@
           </ac:picMkLst>
         </pc:picChg>
       </pc:sldChg>
-      <pc:sldChg chg="addSp delSp modSp add">
-        <pc:chgData name="Drake Wood" userId="de25c2bc060809e4" providerId="LiveId" clId="{C8512032-1E17-4F34-91A0-8718753EA2AC}" dt="2019-04-30T15:41:40.646" v="1471" actId="1076"/>
+      <pc:sldChg chg="addSp delSp modSp add ord">
+        <pc:chgData name="Drake Wood" userId="de25c2bc060809e4" providerId="LiveId" clId="{C8512032-1E17-4F34-91A0-8718753EA2AC}" dt="2019-04-30T16:56:41.612" v="1515" actId="14100"/>
         <pc:sldMkLst>
           <pc:docMk/>
           <pc:sldMk cId="1550287035" sldId="280"/>
         </pc:sldMkLst>
+        <pc:spChg chg="mod">
+          <ac:chgData name="Drake Wood" userId="de25c2bc060809e4" providerId="LiveId" clId="{C8512032-1E17-4F34-91A0-8718753EA2AC}" dt="2019-04-30T16:56:41.612" v="1515" actId="14100"/>
+          <ac:spMkLst>
+            <pc:docMk/>
+            <pc:sldMk cId="1550287035" sldId="280"/>
+            <ac:spMk id="2" creationId="{DED74125-AB35-4292-B9D8-94F72D7F8E9B}"/>
+          </ac:spMkLst>
+        </pc:spChg>
         <pc:spChg chg="del">
           <ac:chgData name="Drake Wood" userId="de25c2bc060809e4" providerId="LiveId" clId="{C8512032-1E17-4F34-91A0-8718753EA2AC}" dt="2019-04-30T15:41:36.421" v="1464"/>
           <ac:spMkLst>
@@ -461,6 +485,122 @@
             <ac:picMk id="7" creationId="{43E04F55-30D9-4CE1-BF03-42CBC8B2C084}"/>
           </ac:picMkLst>
         </pc:picChg>
+      </pc:sldChg>
+      <pc:sldChg chg="addSp delSp modSp mod setBg">
+        <pc:chgData name="Drake Wood" userId="de25c2bc060809e4" providerId="LiveId" clId="{C8512032-1E17-4F34-91A0-8718753EA2AC}" dt="2019-04-30T16:57:08.584" v="1540" actId="26606"/>
+        <pc:sldMkLst>
+          <pc:docMk/>
+          <pc:sldMk cId="3618605314" sldId="282"/>
+        </pc:sldMkLst>
+        <pc:spChg chg="mod">
+          <ac:chgData name="Drake Wood" userId="de25c2bc060809e4" providerId="LiveId" clId="{C8512032-1E17-4F34-91A0-8718753EA2AC}" dt="2019-04-30T16:57:08.584" v="1540" actId="26606"/>
+          <ac:spMkLst>
+            <pc:docMk/>
+            <pc:sldMk cId="3618605314" sldId="282"/>
+            <ac:spMk id="2" creationId="{00000000-0000-0000-0000-000000000000}"/>
+          </ac:spMkLst>
+        </pc:spChg>
+        <pc:spChg chg="add">
+          <ac:chgData name="Drake Wood" userId="de25c2bc060809e4" providerId="LiveId" clId="{C8512032-1E17-4F34-91A0-8718753EA2AC}" dt="2019-04-30T16:57:08.584" v="1540" actId="26606"/>
+          <ac:spMkLst>
+            <pc:docMk/>
+            <pc:sldMk cId="3618605314" sldId="282"/>
+            <ac:spMk id="9" creationId="{D95A2439-855D-4F76-9DD9-E43AF6ABFD00}"/>
+          </ac:spMkLst>
+        </pc:spChg>
+        <pc:picChg chg="del mod">
+          <ac:chgData name="Drake Wood" userId="de25c2bc060809e4" providerId="LiveId" clId="{C8512032-1E17-4F34-91A0-8718753EA2AC}" dt="2019-04-30T16:57:08.584" v="1540" actId="26606"/>
+          <ac:picMkLst>
+            <pc:docMk/>
+            <pc:sldMk cId="3618605314" sldId="282"/>
+            <ac:picMk id="4" creationId="{00000000-0000-0000-0000-000000000000}"/>
+          </ac:picMkLst>
+        </pc:picChg>
+        <pc:picChg chg="add">
+          <ac:chgData name="Drake Wood" userId="de25c2bc060809e4" providerId="LiveId" clId="{C8512032-1E17-4F34-91A0-8718753EA2AC}" dt="2019-04-30T16:57:08.584" v="1540" actId="26606"/>
+          <ac:picMkLst>
+            <pc:docMk/>
+            <pc:sldMk cId="3618605314" sldId="282"/>
+            <ac:picMk id="7" creationId="{00000000-0000-0000-0000-000000000000}"/>
+          </ac:picMkLst>
+        </pc:picChg>
+        <pc:picChg chg="add">
+          <ac:chgData name="Drake Wood" userId="de25c2bc060809e4" providerId="LiveId" clId="{C8512032-1E17-4F34-91A0-8718753EA2AC}" dt="2019-04-30T16:57:08.584" v="1540" actId="26606"/>
+          <ac:picMkLst>
+            <pc:docMk/>
+            <pc:sldMk cId="3618605314" sldId="282"/>
+            <ac:picMk id="12" creationId="{B536FA4E-0152-4E27-91DA-0FC22D1846BB}"/>
+          </ac:picMkLst>
+        </pc:picChg>
+      </pc:sldChg>
+      <pc:sldChg chg="addSp delSp modSp mod setBg">
+        <pc:chgData name="Drake Wood" userId="de25c2bc060809e4" providerId="LiveId" clId="{C8512032-1E17-4F34-91A0-8718753EA2AC}" dt="2019-04-30T16:57:24.697" v="1582" actId="26606"/>
+        <pc:sldMkLst>
+          <pc:docMk/>
+          <pc:sldMk cId="3859036332" sldId="283"/>
+        </pc:sldMkLst>
+        <pc:spChg chg="mod">
+          <ac:chgData name="Drake Wood" userId="de25c2bc060809e4" providerId="LiveId" clId="{C8512032-1E17-4F34-91A0-8718753EA2AC}" dt="2019-04-30T16:57:24.697" v="1582" actId="26606"/>
+          <ac:spMkLst>
+            <pc:docMk/>
+            <pc:sldMk cId="3859036332" sldId="283"/>
+            <ac:spMk id="2" creationId="{00000000-0000-0000-0000-000000000000}"/>
+          </ac:spMkLst>
+        </pc:spChg>
+        <pc:spChg chg="add">
+          <ac:chgData name="Drake Wood" userId="de25c2bc060809e4" providerId="LiveId" clId="{C8512032-1E17-4F34-91A0-8718753EA2AC}" dt="2019-04-30T16:57:24.697" v="1582" actId="26606"/>
+          <ac:spMkLst>
+            <pc:docMk/>
+            <pc:sldMk cId="3859036332" sldId="283"/>
+            <ac:spMk id="9" creationId="{7E459A73-E637-4CC8-90EB-9E82E0B9B793}"/>
+          </ac:spMkLst>
+        </pc:spChg>
+        <pc:picChg chg="del">
+          <ac:chgData name="Drake Wood" userId="de25c2bc060809e4" providerId="LiveId" clId="{C8512032-1E17-4F34-91A0-8718753EA2AC}" dt="2019-04-30T16:57:24.697" v="1582" actId="26606"/>
+          <ac:picMkLst>
+            <pc:docMk/>
+            <pc:sldMk cId="3859036332" sldId="283"/>
+            <ac:picMk id="4" creationId="{00000000-0000-0000-0000-000000000000}"/>
+          </ac:picMkLst>
+        </pc:picChg>
+        <pc:picChg chg="add">
+          <ac:chgData name="Drake Wood" userId="de25c2bc060809e4" providerId="LiveId" clId="{C8512032-1E17-4F34-91A0-8718753EA2AC}" dt="2019-04-30T16:57:24.697" v="1582" actId="26606"/>
+          <ac:picMkLst>
+            <pc:docMk/>
+            <pc:sldMk cId="3859036332" sldId="283"/>
+            <ac:picMk id="7" creationId="{00000000-0000-0000-0000-000000000000}"/>
+          </ac:picMkLst>
+        </pc:picChg>
+        <pc:picChg chg="add">
+          <ac:chgData name="Drake Wood" userId="de25c2bc060809e4" providerId="LiveId" clId="{C8512032-1E17-4F34-91A0-8718753EA2AC}" dt="2019-04-30T16:57:24.697" v="1582" actId="26606"/>
+          <ac:picMkLst>
+            <pc:docMk/>
+            <pc:sldMk cId="3859036332" sldId="283"/>
+            <ac:picMk id="12" creationId="{B536FA4E-0152-4E27-91DA-0FC22D1846BB}"/>
+          </ac:picMkLst>
+        </pc:picChg>
+      </pc:sldChg>
+      <pc:sldChg chg="ord">
+        <pc:chgData name="Drake Wood" userId="de25c2bc060809e4" providerId="LiveId" clId="{C8512032-1E17-4F34-91A0-8718753EA2AC}" dt="2019-04-30T16:55:56.226" v="1477"/>
+        <pc:sldMkLst>
+          <pc:docMk/>
+          <pc:sldMk cId="4249851967" sldId="286"/>
+        </pc:sldMkLst>
+      </pc:sldChg>
+      <pc:sldChg chg="modSp ord">
+        <pc:chgData name="Drake Wood" userId="de25c2bc060809e4" providerId="LiveId" clId="{C8512032-1E17-4F34-91A0-8718753EA2AC}" dt="2019-04-30T16:56:30.031" v="1501" actId="27636"/>
+        <pc:sldMkLst>
+          <pc:docMk/>
+          <pc:sldMk cId="1066223481" sldId="287"/>
+        </pc:sldMkLst>
+        <pc:spChg chg="mod">
+          <ac:chgData name="Drake Wood" userId="de25c2bc060809e4" providerId="LiveId" clId="{C8512032-1E17-4F34-91A0-8718753EA2AC}" dt="2019-04-30T16:56:30.031" v="1501" actId="27636"/>
+          <ac:spMkLst>
+            <pc:docMk/>
+            <pc:sldMk cId="1066223481" sldId="287"/>
+            <ac:spMk id="2" creationId="{00000000-0000-0000-0000-000000000000}"/>
+          </ac:spMkLst>
+        </pc:spChg>
       </pc:sldChg>
     </pc:docChg>
   </pc:docChgLst>
@@ -6379,7 +6519,7 @@
           <p:cNvPr id="2" name="Title 1">
             <a:extLst>
               <a:ext uri="{FF2B5EF4-FFF2-40B4-BE49-F238E27FC236}">
-                <a16:creationId xmlns:a16="http://schemas.microsoft.com/office/drawing/2014/main" xmlns="" id="{E2A8081D-2CAF-46E4-B965-6B5F7E5CC7FD}"/>
+                <a16:creationId xmlns:a16="http://schemas.microsoft.com/office/drawing/2014/main" id="{E2A8081D-2CAF-46E4-B965-6B5F7E5CC7FD}"/>
               </a:ext>
             </a:extLst>
           </p:cNvPr>
@@ -6407,7 +6547,7 @@
           <p:cNvPr id="3" name="Subtitle 2">
             <a:extLst>
               <a:ext uri="{FF2B5EF4-FFF2-40B4-BE49-F238E27FC236}">
-                <a16:creationId xmlns:a16="http://schemas.microsoft.com/office/drawing/2014/main" xmlns="" id="{DFA41350-0342-4932-9094-08FBE8C2F19B}"/>
+                <a16:creationId xmlns:a16="http://schemas.microsoft.com/office/drawing/2014/main" id="{DFA41350-0342-4932-9094-08FBE8C2F19B}"/>
               </a:ext>
             </a:extLst>
           </p:cNvPr>
@@ -6445,13 +6585,6 @@
   <p:clrMapOvr>
     <a:masterClrMapping/>
   </p:clrMapOvr>
-  <p:timing>
-    <p:tnLst>
-      <p:par>
-        <p:cTn id="1" dur="indefinite" restart="never" nodeType="tmRoot"/>
-      </p:par>
-    </p:tnLst>
-  </p:timing>
 </p:sld>
 </file>
 
@@ -6477,7 +6610,7 @@
           <p:cNvPr id="2" name="Title 1">
             <a:extLst>
               <a:ext uri="{FF2B5EF4-FFF2-40B4-BE49-F238E27FC236}">
-                <a16:creationId xmlns:a16="http://schemas.microsoft.com/office/drawing/2014/main" xmlns="" id="{EEC3A33A-C1DC-4822-8EA2-37B04387D42E}"/>
+                <a16:creationId xmlns:a16="http://schemas.microsoft.com/office/drawing/2014/main" id="{EEC3A33A-C1DC-4822-8EA2-37B04387D42E}"/>
               </a:ext>
             </a:extLst>
           </p:cNvPr>
@@ -6505,7 +6638,7 @@
           <p:cNvPr id="3" name="Content Placeholder 2">
             <a:extLst>
               <a:ext uri="{FF2B5EF4-FFF2-40B4-BE49-F238E27FC236}">
-                <a16:creationId xmlns:a16="http://schemas.microsoft.com/office/drawing/2014/main" xmlns="" id="{9E5BE228-4595-4115-9F53-051C7DC21420}"/>
+                <a16:creationId xmlns:a16="http://schemas.microsoft.com/office/drawing/2014/main" id="{9E5BE228-4595-4115-9F53-051C7DC21420}"/>
               </a:ext>
             </a:extLst>
           </p:cNvPr>
@@ -6535,13 +6668,6 @@
   <p:clrMapOvr>
     <a:masterClrMapping/>
   </p:clrMapOvr>
-  <p:timing>
-    <p:tnLst>
-      <p:par>
-        <p:cTn id="1" dur="indefinite" restart="never" nodeType="tmRoot"/>
-      </p:par>
-    </p:tnLst>
-  </p:timing>
 </p:sld>
 </file>
 
@@ -6567,7 +6693,7 @@
           <p:cNvPr id="2" name="Title 1">
             <a:extLst>
               <a:ext uri="{FF2B5EF4-FFF2-40B4-BE49-F238E27FC236}">
-                <a16:creationId xmlns:a16="http://schemas.microsoft.com/office/drawing/2014/main" xmlns="" id="{CC8CC068-54B0-48EE-B6A2-13F13A526FD6}"/>
+                <a16:creationId xmlns:a16="http://schemas.microsoft.com/office/drawing/2014/main" id="{CC8CC068-54B0-48EE-B6A2-13F13A526FD6}"/>
               </a:ext>
             </a:extLst>
           </p:cNvPr>
@@ -6595,7 +6721,7 @@
           <p:cNvPr id="3" name="Content Placeholder 2">
             <a:extLst>
               <a:ext uri="{FF2B5EF4-FFF2-40B4-BE49-F238E27FC236}">
-                <a16:creationId xmlns:a16="http://schemas.microsoft.com/office/drawing/2014/main" xmlns="" id="{A7305512-004B-4275-AF40-1E36FE9B8DB3}"/>
+                <a16:creationId xmlns:a16="http://schemas.microsoft.com/office/drawing/2014/main" id="{A7305512-004B-4275-AF40-1E36FE9B8DB3}"/>
               </a:ext>
             </a:extLst>
           </p:cNvPr>
@@ -6647,13 +6773,6 @@
   <p:clrMapOvr>
     <a:masterClrMapping/>
   </p:clrMapOvr>
-  <p:timing>
-    <p:tnLst>
-      <p:par>
-        <p:cTn id="1" dur="indefinite" restart="never" nodeType="tmRoot"/>
-      </p:par>
-    </p:tnLst>
-  </p:timing>
 </p:sld>
 </file>
 
@@ -6679,7 +6798,7 @@
           <p:cNvPr id="2" name="Title 1">
             <a:extLst>
               <a:ext uri="{FF2B5EF4-FFF2-40B4-BE49-F238E27FC236}">
-                <a16:creationId xmlns:a16="http://schemas.microsoft.com/office/drawing/2014/main" xmlns="" id="{448EEB96-B1FC-463C-B636-47FC6BC051EA}"/>
+                <a16:creationId xmlns:a16="http://schemas.microsoft.com/office/drawing/2014/main" id="{448EEB96-B1FC-463C-B636-47FC6BC051EA}"/>
               </a:ext>
             </a:extLst>
           </p:cNvPr>
@@ -6707,7 +6826,7 @@
           <p:cNvPr id="3" name="Content Placeholder 2">
             <a:extLst>
               <a:ext uri="{FF2B5EF4-FFF2-40B4-BE49-F238E27FC236}">
-                <a16:creationId xmlns:a16="http://schemas.microsoft.com/office/drawing/2014/main" xmlns="" id="{5C61AD28-8B1E-4254-9578-B4DD8120637A}"/>
+                <a16:creationId xmlns:a16="http://schemas.microsoft.com/office/drawing/2014/main" id="{5C61AD28-8B1E-4254-9578-B4DD8120637A}"/>
               </a:ext>
             </a:extLst>
           </p:cNvPr>
@@ -6764,13 +6883,6 @@
   <p:clrMapOvr>
     <a:masterClrMapping/>
   </p:clrMapOvr>
-  <p:timing>
-    <p:tnLst>
-      <p:par>
-        <p:cTn id="1" dur="indefinite" restart="never" nodeType="tmRoot"/>
-      </p:par>
-    </p:tnLst>
-  </p:timing>
 </p:sld>
 </file>
 
@@ -6796,7 +6908,7 @@
           <p:cNvPr id="2" name="Title 1">
             <a:extLst>
               <a:ext uri="{FF2B5EF4-FFF2-40B4-BE49-F238E27FC236}">
-                <a16:creationId xmlns:a16="http://schemas.microsoft.com/office/drawing/2014/main" xmlns="" id="{C4CF4CAB-16EB-49D0-9F54-5CC5C285D1CD}"/>
+                <a16:creationId xmlns:a16="http://schemas.microsoft.com/office/drawing/2014/main" id="{C4CF4CAB-16EB-49D0-9F54-5CC5C285D1CD}"/>
               </a:ext>
             </a:extLst>
           </p:cNvPr>
@@ -6824,7 +6936,7 @@
           <p:cNvPr id="3" name="Content Placeholder 2">
             <a:extLst>
               <a:ext uri="{FF2B5EF4-FFF2-40B4-BE49-F238E27FC236}">
-                <a16:creationId xmlns:a16="http://schemas.microsoft.com/office/drawing/2014/main" xmlns="" id="{9EA6B119-4B68-46D4-9943-433CF048F9A8}"/>
+                <a16:creationId xmlns:a16="http://schemas.microsoft.com/office/drawing/2014/main" id="{9EA6B119-4B68-46D4-9943-433CF048F9A8}"/>
               </a:ext>
             </a:extLst>
           </p:cNvPr>
@@ -6869,13 +6981,6 @@
   <p:clrMapOvr>
     <a:masterClrMapping/>
   </p:clrMapOvr>
-  <p:timing>
-    <p:tnLst>
-      <p:par>
-        <p:cTn id="1" dur="indefinite" restart="never" nodeType="tmRoot"/>
-      </p:par>
-    </p:tnLst>
-  </p:timing>
 </p:sld>
 </file>
 
@@ -6896,31 +7001,6 @@
           <a:chExt cx="0" cy="0"/>
         </a:xfrm>
       </p:grpSpPr>
-      <p:sp>
-        <p:nvSpPr>
-          <p:cNvPr id="2" name="Title 1">
-            <a:extLst>
-              <a:ext uri="{FF2B5EF4-FFF2-40B4-BE49-F238E27FC236}">
-                <a16:creationId xmlns:a16="http://schemas.microsoft.com/office/drawing/2014/main" xmlns="" id="{85AB88F2-5E64-4E2F-8DAE-5A1B1E5CC41E}"/>
-              </a:ext>
-            </a:extLst>
-          </p:cNvPr>
-          <p:cNvSpPr>
-            <a:spLocks noGrp="1"/>
-          </p:cNvSpPr>
-          <p:nvPr>
-            <p:ph type="title"/>
-          </p:nvPr>
-        </p:nvSpPr>
-        <p:spPr/>
-        <p:txBody>
-          <a:bodyPr/>
-          <a:lstStyle/>
-          <a:p>
-            <a:endParaRPr lang="en-US"/>
-          </a:p>
-        </p:txBody>
-      </p:sp>
       <p:pic>
         <p:nvPicPr>
           <p:cNvPr id="4" name="Content Placeholder 3"/>
@@ -6960,13 +7040,6 @@
   <p:clrMapOvr>
     <a:masterClrMapping/>
   </p:clrMapOvr>
-  <p:timing>
-    <p:tnLst>
-      <p:par>
-        <p:cTn id="1" dur="indefinite" restart="never" nodeType="tmRoot"/>
-      </p:par>
-    </p:tnLst>
-  </p:timing>
 </p:sld>
 </file>
 
@@ -7123,13 +7196,6 @@
   <p:clrMapOvr>
     <a:masterClrMapping/>
   </p:clrMapOvr>
-  <p:timing>
-    <p:tnLst>
-      <p:par>
-        <p:cTn id="1" dur="indefinite" restart="never" nodeType="tmRoot"/>
-      </p:par>
-    </p:tnLst>
-  </p:timing>
 </p:sld>
 </file>
 
@@ -7155,7 +7221,7 @@
           <p:cNvPr id="2" name="Title 1">
             <a:extLst>
               <a:ext uri="{FF2B5EF4-FFF2-40B4-BE49-F238E27FC236}">
-                <a16:creationId xmlns:a16="http://schemas.microsoft.com/office/drawing/2014/main" xmlns="" id="{9030DCCA-D7B7-459C-9EEE-9E5C4D5C0537}"/>
+                <a16:creationId xmlns:a16="http://schemas.microsoft.com/office/drawing/2014/main" id="{9030DCCA-D7B7-459C-9EEE-9E5C4D5C0537}"/>
               </a:ext>
             </a:extLst>
           </p:cNvPr>
@@ -7183,7 +7249,7 @@
           <p:cNvPr id="3" name="Content Placeholder 2">
             <a:extLst>
               <a:ext uri="{FF2B5EF4-FFF2-40B4-BE49-F238E27FC236}">
-                <a16:creationId xmlns:a16="http://schemas.microsoft.com/office/drawing/2014/main" xmlns="" id="{752914AE-3684-44EF-A731-DFA772CE8E3F}"/>
+                <a16:creationId xmlns:a16="http://schemas.microsoft.com/office/drawing/2014/main" id="{752914AE-3684-44EF-A731-DFA772CE8E3F}"/>
               </a:ext>
             </a:extLst>
           </p:cNvPr>
@@ -7246,13 +7312,6 @@
   <p:clrMapOvr>
     <a:masterClrMapping/>
   </p:clrMapOvr>
-  <p:timing>
-    <p:tnLst>
-      <p:par>
-        <p:cTn id="1" dur="indefinite" restart="never" nodeType="tmRoot"/>
-      </p:par>
-    </p:tnLst>
-  </p:timing>
 </p:sld>
 </file>
 
@@ -7278,7 +7337,7 @@
           <p:cNvPr id="2" name="Title 1">
             <a:extLst>
               <a:ext uri="{FF2B5EF4-FFF2-40B4-BE49-F238E27FC236}">
-                <a16:creationId xmlns:a16="http://schemas.microsoft.com/office/drawing/2014/main" xmlns="" id="{9030DCCA-D7B7-459C-9EEE-9E5C4D5C0537}"/>
+                <a16:creationId xmlns:a16="http://schemas.microsoft.com/office/drawing/2014/main" id="{9030DCCA-D7B7-459C-9EEE-9E5C4D5C0537}"/>
               </a:ext>
             </a:extLst>
           </p:cNvPr>
@@ -7306,7 +7365,7 @@
           <p:cNvPr id="3" name="Content Placeholder 2">
             <a:extLst>
               <a:ext uri="{FF2B5EF4-FFF2-40B4-BE49-F238E27FC236}">
-                <a16:creationId xmlns:a16="http://schemas.microsoft.com/office/drawing/2014/main" xmlns="" id="{752914AE-3684-44EF-A731-DFA772CE8E3F}"/>
+                <a16:creationId xmlns:a16="http://schemas.microsoft.com/office/drawing/2014/main" id="{752914AE-3684-44EF-A731-DFA772CE8E3F}"/>
               </a:ext>
             </a:extLst>
           </p:cNvPr>
@@ -8025,13 +8084,6 @@
   <p:clrMapOvr>
     <a:masterClrMapping/>
   </p:clrMapOvr>
-  <p:timing>
-    <p:tnLst>
-      <p:par>
-        <p:cTn id="1" dur="indefinite" restart="never" nodeType="tmRoot"/>
-      </p:par>
-    </p:tnLst>
-  </p:timing>
 </p:sld>
 </file>
 
@@ -8057,7 +8109,7 @@
           <p:cNvPr id="2" name="Title 1">
             <a:extLst>
               <a:ext uri="{FF2B5EF4-FFF2-40B4-BE49-F238E27FC236}">
-                <a16:creationId xmlns:a16="http://schemas.microsoft.com/office/drawing/2014/main" xmlns="" id="{F8435390-AE63-44E4-98FB-166DFCB3E7BF}"/>
+                <a16:creationId xmlns:a16="http://schemas.microsoft.com/office/drawing/2014/main" id="{F8435390-AE63-44E4-98FB-166DFCB3E7BF}"/>
               </a:ext>
             </a:extLst>
           </p:cNvPr>
@@ -8082,7 +8134,7 @@
           <p:cNvPr id="5" name="Content Placeholder 4" descr="A screen shot of a computer&#10;&#10;Description automatically generated">
             <a:extLst>
               <a:ext uri="{FF2B5EF4-FFF2-40B4-BE49-F238E27FC236}">
-                <a16:creationId xmlns:a16="http://schemas.microsoft.com/office/drawing/2014/main" xmlns="" id="{B7538621-890E-45E3-B965-2968B2262BFA}"/>
+                <a16:creationId xmlns:a16="http://schemas.microsoft.com/office/drawing/2014/main" id="{B7538621-890E-45E3-B965-2968B2262BFA}"/>
               </a:ext>
             </a:extLst>
           </p:cNvPr>
@@ -8122,13 +8174,6 @@
   <p:clrMapOvr>
     <a:masterClrMapping/>
   </p:clrMapOvr>
-  <p:timing>
-    <p:tnLst>
-      <p:par>
-        <p:cTn id="1" dur="indefinite" restart="never" nodeType="tmRoot"/>
-      </p:par>
-    </p:tnLst>
-  </p:timing>
 </p:sld>
 </file>
 
@@ -8154,7 +8199,7 @@
           <p:cNvPr id="2" name="Title 1">
             <a:extLst>
               <a:ext uri="{FF2B5EF4-FFF2-40B4-BE49-F238E27FC236}">
-                <a16:creationId xmlns:a16="http://schemas.microsoft.com/office/drawing/2014/main" xmlns="" id="{551D838F-BC08-4FBE-A8F6-922D984BB2B5}"/>
+                <a16:creationId xmlns:a16="http://schemas.microsoft.com/office/drawing/2014/main" id="{551D838F-BC08-4FBE-A8F6-922D984BB2B5}"/>
               </a:ext>
             </a:extLst>
           </p:cNvPr>
@@ -8186,7 +8231,7 @@
           <p:cNvPr id="3" name="Content Placeholder 2">
             <a:extLst>
               <a:ext uri="{FF2B5EF4-FFF2-40B4-BE49-F238E27FC236}">
-                <a16:creationId xmlns:a16="http://schemas.microsoft.com/office/drawing/2014/main" xmlns="" id="{E90871D8-0BFF-44CF-8C1A-A78C69059659}"/>
+                <a16:creationId xmlns:a16="http://schemas.microsoft.com/office/drawing/2014/main" id="{E90871D8-0BFF-44CF-8C1A-A78C69059659}"/>
               </a:ext>
             </a:extLst>
           </p:cNvPr>
@@ -8246,13 +8291,6 @@
   <p:clrMapOvr>
     <a:masterClrMapping/>
   </p:clrMapOvr>
-  <p:timing>
-    <p:tnLst>
-      <p:par>
-        <p:cTn id="1" dur="indefinite" restart="never" nodeType="tmRoot"/>
-      </p:par>
-    </p:tnLst>
-  </p:timing>
 </p:sld>
 </file>
 
@@ -8278,7 +8316,7 @@
           <p:cNvPr id="2" name="Title 1">
             <a:extLst>
               <a:ext uri="{FF2B5EF4-FFF2-40B4-BE49-F238E27FC236}">
-                <a16:creationId xmlns:a16="http://schemas.microsoft.com/office/drawing/2014/main" xmlns="" id="{112F466D-C0CA-4909-91F8-38C3A0C788A6}"/>
+                <a16:creationId xmlns:a16="http://schemas.microsoft.com/office/drawing/2014/main" id="{112F466D-C0CA-4909-91F8-38C3A0C788A6}"/>
               </a:ext>
             </a:extLst>
           </p:cNvPr>
@@ -8306,7 +8344,7 @@
           <p:cNvPr id="3" name="Content Placeholder 2">
             <a:extLst>
               <a:ext uri="{FF2B5EF4-FFF2-40B4-BE49-F238E27FC236}">
-                <a16:creationId xmlns:a16="http://schemas.microsoft.com/office/drawing/2014/main" xmlns="" id="{F38EB51E-4D3A-43CA-9FFB-613CF3BB0275}"/>
+                <a16:creationId xmlns:a16="http://schemas.microsoft.com/office/drawing/2014/main" id="{F38EB51E-4D3A-43CA-9FFB-613CF3BB0275}"/>
               </a:ext>
             </a:extLst>
           </p:cNvPr>
@@ -8371,13 +8409,6 @@
   <p:clrMapOvr>
     <a:masterClrMapping/>
   </p:clrMapOvr>
-  <p:timing>
-    <p:tnLst>
-      <p:par>
-        <p:cTn id="1" dur="indefinite" restart="never" nodeType="tmRoot"/>
-      </p:par>
-    </p:tnLst>
-  </p:timing>
 </p:sld>
 </file>
 
@@ -8403,7 +8434,7 @@
           <p:cNvPr id="2" name="Title 1">
             <a:extLst>
               <a:ext uri="{FF2B5EF4-FFF2-40B4-BE49-F238E27FC236}">
-                <a16:creationId xmlns:a16="http://schemas.microsoft.com/office/drawing/2014/main" xmlns="" id="{112F466D-C0CA-4909-91F8-38C3A0C788A6}"/>
+                <a16:creationId xmlns:a16="http://schemas.microsoft.com/office/drawing/2014/main" id="{112F466D-C0CA-4909-91F8-38C3A0C788A6}"/>
               </a:ext>
             </a:extLst>
           </p:cNvPr>
@@ -8431,7 +8462,7 @@
           <p:cNvPr id="3" name="Content Placeholder 2">
             <a:extLst>
               <a:ext uri="{FF2B5EF4-FFF2-40B4-BE49-F238E27FC236}">
-                <a16:creationId xmlns:a16="http://schemas.microsoft.com/office/drawing/2014/main" xmlns="" id="{F38EB51E-4D3A-43CA-9FFB-613CF3BB0275}"/>
+                <a16:creationId xmlns:a16="http://schemas.microsoft.com/office/drawing/2014/main" id="{F38EB51E-4D3A-43CA-9FFB-613CF3BB0275}"/>
               </a:ext>
             </a:extLst>
           </p:cNvPr>
@@ -9308,13 +9339,6 @@
   <p:clrMapOvr>
     <a:masterClrMapping/>
   </p:clrMapOvr>
-  <p:timing>
-    <p:tnLst>
-      <p:par>
-        <p:cTn id="1" dur="indefinite" restart="never" nodeType="tmRoot"/>
-      </p:par>
-    </p:tnLst>
-  </p:timing>
 </p:sld>
 </file>
 
@@ -9350,7 +9374,7 @@
           <a:bodyPr/>
           <a:lstStyle/>
           <a:p>
-            <a:endParaRPr lang="en-US"/>
+            <a:endParaRPr lang="en-US" dirty="0"/>
           </a:p>
         </p:txBody>
       </p:sp>
@@ -9393,13 +9417,6 @@
   <p:clrMapOvr>
     <a:masterClrMapping/>
   </p:clrMapOvr>
-  <p:timing>
-    <p:tnLst>
-      <p:par>
-        <p:cTn id="1" dur="indefinite" restart="never" nodeType="tmRoot"/>
-      </p:par>
-    </p:tnLst>
-  </p:timing>
 </p:sld>
 </file>
 
@@ -9425,7 +9442,7 @@
           <p:cNvPr id="2" name="Title 1">
             <a:extLst>
               <a:ext uri="{FF2B5EF4-FFF2-40B4-BE49-F238E27FC236}">
-                <a16:creationId xmlns:a16="http://schemas.microsoft.com/office/drawing/2014/main" xmlns="" id="{6273F60F-264A-481D-AE8F-CB2B8324580C}"/>
+                <a16:creationId xmlns:a16="http://schemas.microsoft.com/office/drawing/2014/main" id="{6273F60F-264A-481D-AE8F-CB2B8324580C}"/>
               </a:ext>
             </a:extLst>
           </p:cNvPr>
@@ -9450,7 +9467,7 @@
           <p:cNvPr id="5" name="Content Placeholder 4" descr="A screenshot of a computer&#10;&#10;Description automatically generated">
             <a:extLst>
               <a:ext uri="{FF2B5EF4-FFF2-40B4-BE49-F238E27FC236}">
-                <a16:creationId xmlns:a16="http://schemas.microsoft.com/office/drawing/2014/main" xmlns="" id="{438F952E-28C7-4FC0-B6B3-0A3912CF5177}"/>
+                <a16:creationId xmlns:a16="http://schemas.microsoft.com/office/drawing/2014/main" id="{438F952E-28C7-4FC0-B6B3-0A3912CF5177}"/>
               </a:ext>
             </a:extLst>
           </p:cNvPr>
@@ -9490,19 +9507,32 @@
   <p:clrMapOvr>
     <a:masterClrMapping/>
   </p:clrMapOvr>
-  <p:timing>
-    <p:tnLst>
-      <p:par>
-        <p:cTn id="1" dur="indefinite" restart="never" nodeType="tmRoot"/>
-      </p:par>
-    </p:tnLst>
-  </p:timing>
 </p:sld>
 </file>
 
 <file path=ppt/slides/slide24.xml><?xml version="1.0" encoding="utf-8"?>
 <p:sld xmlns:a="http://schemas.openxmlformats.org/drawingml/2006/main" xmlns:r="http://schemas.openxmlformats.org/officeDocument/2006/relationships" xmlns:p="http://schemas.openxmlformats.org/presentationml/2006/main">
   <p:cSld>
+    <p:bg>
+      <p:bgPr>
+        <a:blipFill rotWithShape="1">
+          <a:blip r:embed="rId2">
+            <a:duotone>
+              <a:schemeClr val="bg2">
+                <a:shade val="80000"/>
+                <a:lumMod val="80000"/>
+              </a:schemeClr>
+              <a:schemeClr val="bg2">
+                <a:tint val="98000"/>
+              </a:schemeClr>
+            </a:duotone>
+            <a:extLst/>
+          </a:blip>
+          <a:stretch/>
+        </a:blipFill>
+        <a:effectLst/>
+      </p:bgPr>
+    </p:bg>
     <p:spTree>
       <p:nvGrpSpPr>
         <p:cNvPr id="1" name=""/>
@@ -9527,42 +9557,133 @@
             <p:ph type="title"/>
           </p:nvPr>
         </p:nvSpPr>
-        <p:spPr/>
-        <p:txBody>
-          <a:bodyPr/>
+        <p:spPr>
+          <a:xfrm>
+            <a:off x="913795" y="609600"/>
+            <a:ext cx="3078749" cy="970450"/>
+          </a:xfrm>
+        </p:spPr>
+        <p:txBody>
+          <a:bodyPr anchor="b">
+            <a:normAutofit/>
+          </a:bodyPr>
           <a:lstStyle/>
           <a:p>
-            <a:endParaRPr lang="en-US"/>
+            <a:pPr algn="l">
+              <a:lnSpc>
+                <a:spcPct val="90000"/>
+              </a:lnSpc>
+            </a:pPr>
+            <a:r>
+              <a:rPr lang="en-US" sz="2200"/>
+              <a:t>Dump after freeing memory of task 1 and 2</a:t>
+            </a:r>
+          </a:p>
+        </p:txBody>
+      </p:sp>
+      <p:sp>
+        <p:nvSpPr>
+          <p:cNvPr id="9" name="Content Placeholder 8">
+            <a:extLst>
+              <a:ext uri="{FF2B5EF4-FFF2-40B4-BE49-F238E27FC236}">
+                <a16:creationId xmlns:a16="http://schemas.microsoft.com/office/drawing/2014/main" id="{7E459A73-E637-4CC8-90EB-9E82E0B9B793}"/>
+              </a:ext>
+            </a:extLst>
+          </p:cNvPr>
+          <p:cNvSpPr>
+            <a:spLocks noGrp="1"/>
+          </p:cNvSpPr>
+          <p:nvPr>
+            <p:ph idx="1"/>
+          </p:nvPr>
+        </p:nvSpPr>
+        <p:spPr>
+          <a:xfrm>
+            <a:off x="913795" y="1732449"/>
+            <a:ext cx="3078749" cy="4058751"/>
+          </a:xfrm>
+        </p:spPr>
+        <p:txBody>
+          <a:bodyPr anchor="t">
+            <a:normAutofit/>
+          </a:bodyPr>
+          <a:lstStyle/>
+          <a:p>
+            <a:endParaRPr lang="en-US" sz="1600"/>
           </a:p>
         </p:txBody>
       </p:sp>
       <p:pic>
         <p:nvPicPr>
-          <p:cNvPr id="4" name="Content Placeholder 3"/>
+          <p:cNvPr id="12" name="Picture 11">
+            <a:extLst>
+              <a:ext uri="{FF2B5EF4-FFF2-40B4-BE49-F238E27FC236}">
+                <a16:creationId xmlns:a16="http://schemas.microsoft.com/office/drawing/2014/main" id="{B536FA4E-0152-4E27-91DA-0FC22D1846BB}"/>
+              </a:ext>
+              <a:ext uri="{C183D7F6-B498-43B3-948B-1728B52AA6E4}">
+                <adec:decorative xmlns:adec="http://schemas.microsoft.com/office/drawing/2017/decorative" val="1"/>
+              </a:ext>
+            </a:extLst>
+          </p:cNvPr>
           <p:cNvPicPr>
-            <a:picLocks noGrp="1" noChangeAspect="1"/>
+            <a:picLocks noGrp="1" noRot="1" noChangeAspect="1" noMove="1" noResize="1" noEditPoints="1" noAdjustHandles="1" noChangeArrowheads="1" noChangeShapeType="1" noCrop="1"/>
           </p:cNvPicPr>
           <p:nvPr>
-            <p:ph idx="1"/>
+            <p:extLst>
+              <p:ext uri="{386F3935-93C4-4BCD-93E2-E3B085C9AB24}">
+                <p16:designElem xmlns:p16="http://schemas.microsoft.com/office/powerpoint/2015/main" val="1"/>
+              </p:ext>
+            </p:extLst>
           </p:nvPr>
         </p:nvPicPr>
-        <p:blipFill>
-          <a:blip r:embed="rId2">
+        <p:blipFill rotWithShape="1">
+          <a:blip r:embed="rId3">
             <a:extLst>
               <a:ext uri="{28A0092B-C50C-407E-A947-70E740481C1C}">
                 <a14:useLocalDpi xmlns:a14="http://schemas.microsoft.com/office/drawing/2010/main" val="0"/>
               </a:ext>
             </a:extLst>
           </a:blip>
-          <a:stretch>
-            <a:fillRect/>
-          </a:stretch>
+          <a:srcRect t="964" r="2807" b="1446"/>
+          <a:stretch/>
         </p:blipFill>
         <p:spPr>
           <a:xfrm>
-            <a:off x="2183811" y="1"/>
-            <a:ext cx="7130518" cy="6864372"/>
+            <a:off x="4552950" y="1"/>
+            <a:ext cx="7639050" cy="6858000"/>
           </a:xfrm>
+          <a:prstGeom prst="rect">
+            <a:avLst/>
+          </a:prstGeom>
+        </p:spPr>
+      </p:pic>
+      <p:pic>
+        <p:nvPicPr>
+          <p:cNvPr id="7" name="Content Placeholder 3"/>
+          <p:cNvPicPr>
+            <a:picLocks noChangeAspect="1"/>
+          </p:cNvPicPr>
+          <p:nvPr/>
+        </p:nvPicPr>
+        <p:blipFill rotWithShape="1">
+          <a:blip r:embed="rId4">
+            <a:extLst>
+              <a:ext uri="{28A0092B-C50C-407E-A947-70E740481C1C}">
+                <a14:useLocalDpi xmlns:a14="http://schemas.microsoft.com/office/drawing/2010/main" val="0"/>
+              </a:ext>
+            </a:extLst>
+          </a:blip>
+          <a:srcRect r="2" b="5492"/>
+          <a:stretch/>
+        </p:blipFill>
+        <p:spPr>
+          <a:xfrm>
+            <a:off x="4654295" y="10"/>
+            <a:ext cx="7537705" cy="6857990"/>
+          </a:xfrm>
+          <a:prstGeom prst="rect">
+            <a:avLst/>
+          </a:prstGeom>
         </p:spPr>
       </p:pic>
     </p:spTree>
@@ -9581,6 +9702,26 @@
 <file path=ppt/slides/slide25.xml><?xml version="1.0" encoding="utf-8"?>
 <p:sld xmlns:a="http://schemas.openxmlformats.org/drawingml/2006/main" xmlns:r="http://schemas.openxmlformats.org/officeDocument/2006/relationships" xmlns:p="http://schemas.openxmlformats.org/presentationml/2006/main">
   <p:cSld>
+    <p:bg>
+      <p:bgPr>
+        <a:blipFill rotWithShape="1">
+          <a:blip r:embed="rId2">
+            <a:duotone>
+              <a:schemeClr val="bg2">
+                <a:shade val="80000"/>
+                <a:lumMod val="80000"/>
+              </a:schemeClr>
+              <a:schemeClr val="bg2">
+                <a:tint val="98000"/>
+              </a:schemeClr>
+            </a:duotone>
+            <a:extLst/>
+          </a:blip>
+          <a:stretch/>
+        </a:blipFill>
+        <a:effectLst/>
+      </p:bgPr>
+    </p:bg>
     <p:spTree>
       <p:nvGrpSpPr>
         <p:cNvPr id="1" name=""/>
@@ -9605,42 +9746,129 @@
             <p:ph type="title"/>
           </p:nvPr>
         </p:nvSpPr>
-        <p:spPr/>
-        <p:txBody>
-          <a:bodyPr/>
+        <p:spPr>
+          <a:xfrm>
+            <a:off x="913795" y="609600"/>
+            <a:ext cx="3078749" cy="970450"/>
+          </a:xfrm>
+        </p:spPr>
+        <p:txBody>
+          <a:bodyPr anchor="b">
+            <a:normAutofit/>
+          </a:bodyPr>
           <a:lstStyle/>
           <a:p>
-            <a:endParaRPr lang="en-US"/>
+            <a:pPr algn="l"/>
+            <a:r>
+              <a:rPr lang="en-US" sz="2800"/>
+              <a:t>Core Dump After Coalesce</a:t>
+            </a:r>
+          </a:p>
+        </p:txBody>
+      </p:sp>
+      <p:sp>
+        <p:nvSpPr>
+          <p:cNvPr id="9" name="Content Placeholder 8">
+            <a:extLst>
+              <a:ext uri="{FF2B5EF4-FFF2-40B4-BE49-F238E27FC236}">
+                <a16:creationId xmlns:a16="http://schemas.microsoft.com/office/drawing/2014/main" id="{D95A2439-855D-4F76-9DD9-E43AF6ABFD00}"/>
+              </a:ext>
+            </a:extLst>
+          </p:cNvPr>
+          <p:cNvSpPr>
+            <a:spLocks noGrp="1"/>
+          </p:cNvSpPr>
+          <p:nvPr>
+            <p:ph idx="1"/>
+          </p:nvPr>
+        </p:nvSpPr>
+        <p:spPr>
+          <a:xfrm>
+            <a:off x="913795" y="1732449"/>
+            <a:ext cx="3078749" cy="4058751"/>
+          </a:xfrm>
+        </p:spPr>
+        <p:txBody>
+          <a:bodyPr anchor="t">
+            <a:normAutofit/>
+          </a:bodyPr>
+          <a:lstStyle/>
+          <a:p>
+            <a:endParaRPr lang="en-US" sz="1600"/>
           </a:p>
         </p:txBody>
       </p:sp>
       <p:pic>
         <p:nvPicPr>
-          <p:cNvPr id="4" name="Content Placeholder 3"/>
+          <p:cNvPr id="12" name="Picture 11">
+            <a:extLst>
+              <a:ext uri="{FF2B5EF4-FFF2-40B4-BE49-F238E27FC236}">
+                <a16:creationId xmlns:a16="http://schemas.microsoft.com/office/drawing/2014/main" id="{B536FA4E-0152-4E27-91DA-0FC22D1846BB}"/>
+              </a:ext>
+              <a:ext uri="{C183D7F6-B498-43B3-948B-1728B52AA6E4}">
+                <adec:decorative xmlns:adec="http://schemas.microsoft.com/office/drawing/2017/decorative" val="1"/>
+              </a:ext>
+            </a:extLst>
+          </p:cNvPr>
           <p:cNvPicPr>
-            <a:picLocks noGrp="1" noChangeAspect="1"/>
+            <a:picLocks noGrp="1" noRot="1" noChangeAspect="1" noMove="1" noResize="1" noEditPoints="1" noAdjustHandles="1" noChangeArrowheads="1" noChangeShapeType="1" noCrop="1"/>
           </p:cNvPicPr>
           <p:nvPr>
-            <p:ph idx="1"/>
+            <p:extLst>
+              <p:ext uri="{386F3935-93C4-4BCD-93E2-E3B085C9AB24}">
+                <p16:designElem xmlns:p16="http://schemas.microsoft.com/office/powerpoint/2015/main" val="1"/>
+              </p:ext>
+            </p:extLst>
           </p:nvPr>
         </p:nvPicPr>
-        <p:blipFill>
-          <a:blip r:embed="rId2">
+        <p:blipFill rotWithShape="1">
+          <a:blip r:embed="rId3">
             <a:extLst>
               <a:ext uri="{28A0092B-C50C-407E-A947-70E740481C1C}">
                 <a14:useLocalDpi xmlns:a14="http://schemas.microsoft.com/office/drawing/2010/main" val="0"/>
               </a:ext>
             </a:extLst>
           </a:blip>
-          <a:stretch>
-            <a:fillRect/>
-          </a:stretch>
+          <a:srcRect t="964" r="2807" b="1446"/>
+          <a:stretch/>
         </p:blipFill>
         <p:spPr>
           <a:xfrm>
-            <a:off x="2294964" y="0"/>
-            <a:ext cx="7096154" cy="6856347"/>
+            <a:off x="4552950" y="1"/>
+            <a:ext cx="7639050" cy="6858000"/>
           </a:xfrm>
+          <a:prstGeom prst="rect">
+            <a:avLst/>
+          </a:prstGeom>
+        </p:spPr>
+      </p:pic>
+      <p:pic>
+        <p:nvPicPr>
+          <p:cNvPr id="7" name="Content Placeholder 3"/>
+          <p:cNvPicPr>
+            <a:picLocks noChangeAspect="1"/>
+          </p:cNvPicPr>
+          <p:nvPr/>
+        </p:nvPicPr>
+        <p:blipFill rotWithShape="1">
+          <a:blip r:embed="rId4">
+            <a:extLst>
+              <a:ext uri="{28A0092B-C50C-407E-A947-70E740481C1C}">
+                <a14:useLocalDpi xmlns:a14="http://schemas.microsoft.com/office/drawing/2010/main" val="0"/>
+              </a:ext>
+            </a:extLst>
+          </a:blip>
+          <a:srcRect r="-4" b="5410"/>
+          <a:stretch/>
+        </p:blipFill>
+        <p:spPr>
+          <a:xfrm>
+            <a:off x="4654295" y="10"/>
+            <a:ext cx="7537705" cy="6857990"/>
+          </a:xfrm>
+          <a:prstGeom prst="rect">
+            <a:avLst/>
+          </a:prstGeom>
         </p:spPr>
       </p:pic>
     </p:spTree>
@@ -9675,7 +9903,13 @@
       </p:grpSpPr>
       <p:sp>
         <p:nvSpPr>
-          <p:cNvPr id="2" name="Title 1"/>
+          <p:cNvPr id="2" name="Title 1">
+            <a:extLst>
+              <a:ext uri="{FF2B5EF4-FFF2-40B4-BE49-F238E27FC236}">
+                <a16:creationId xmlns:a16="http://schemas.microsoft.com/office/drawing/2014/main" id="{B445D5D6-7D6A-4165-9FDB-201401ABC049}"/>
+              </a:ext>
+            </a:extLst>
+          </p:cNvPr>
           <p:cNvSpPr>
             <a:spLocks noGrp="1"/>
           </p:cNvSpPr>
@@ -9688,43 +9922,95 @@
           <a:bodyPr/>
           <a:lstStyle/>
           <a:p>
-            <a:endParaRPr lang="en-US"/>
-          </a:p>
-        </p:txBody>
-      </p:sp>
-      <p:pic>
-        <p:nvPicPr>
-          <p:cNvPr id="4" name="Content Placeholder 3"/>
-          <p:cNvPicPr>
-            <a:picLocks noGrp="1" noChangeAspect="1"/>
-          </p:cNvPicPr>
-          <p:nvPr>
-            <p:ph idx="1"/>
-          </p:nvPr>
-        </p:nvPicPr>
-        <p:blipFill>
-          <a:blip r:embed="rId2">
+            <a:r>
+              <a:rPr lang="en-US" dirty="0"/>
+              <a:t>Phase 4 Testcase ‘f’</a:t>
+            </a:r>
+          </a:p>
+        </p:txBody>
+      </p:sp>
+      <p:sp>
+        <p:nvSpPr>
+          <p:cNvPr id="3" name="Content Placeholder 2">
             <a:extLst>
-              <a:ext uri="{28A0092B-C50C-407E-A947-70E740481C1C}">
-                <a14:useLocalDpi xmlns:a14="http://schemas.microsoft.com/office/drawing/2010/main" val="0"/>
+              <a:ext uri="{FF2B5EF4-FFF2-40B4-BE49-F238E27FC236}">
+                <a16:creationId xmlns:a16="http://schemas.microsoft.com/office/drawing/2014/main" id="{CACFE881-6C65-4B06-B621-2B8788E9ABE2}"/>
               </a:ext>
             </a:extLst>
-          </a:blip>
-          <a:stretch>
-            <a:fillRect/>
-          </a:stretch>
-        </p:blipFill>
-        <p:spPr>
-          <a:xfrm>
-            <a:off x="2405134" y="1731963"/>
-            <a:ext cx="7372207" cy="4059237"/>
-          </a:xfrm>
-        </p:spPr>
-      </p:pic>
+          </p:cNvPr>
+          <p:cNvSpPr>
+            <a:spLocks noGrp="1"/>
+          </p:cNvSpPr>
+          <p:nvPr>
+            <p:ph idx="1"/>
+          </p:nvPr>
+        </p:nvSpPr>
+        <p:spPr/>
+        <p:txBody>
+          <a:bodyPr>
+            <a:normAutofit/>
+          </a:bodyPr>
+          <a:lstStyle/>
+          <a:p>
+            <a:r>
+              <a:rPr lang="en-US" dirty="0"/>
+              <a:t>Print Dir</a:t>
+            </a:r>
+          </a:p>
+          <a:p>
+            <a:r>
+              <a:rPr lang="en-US" dirty="0"/>
+              <a:t>Create file with permissions 1100</a:t>
+            </a:r>
+          </a:p>
+          <a:p>
+            <a:r>
+              <a:rPr lang="en-US" dirty="0"/>
+              <a:t>Open</a:t>
+            </a:r>
+          </a:p>
+          <a:p>
+            <a:r>
+              <a:rPr lang="en-US" dirty="0"/>
+              <a:t>Write char and print Dir</a:t>
+            </a:r>
+          </a:p>
+          <a:p>
+            <a:r>
+              <a:rPr lang="en-US" dirty="0"/>
+              <a:t>Change  permissions to 1111 and print Dir</a:t>
+            </a:r>
+          </a:p>
+          <a:p>
+            <a:r>
+              <a:rPr lang="en-US" dirty="0"/>
+              <a:t>Dump</a:t>
+            </a:r>
+          </a:p>
+          <a:p>
+            <a:r>
+              <a:rPr lang="en-US" dirty="0"/>
+              <a:t>Read and print </a:t>
+            </a:r>
+          </a:p>
+          <a:p>
+            <a:r>
+              <a:rPr lang="en-US" dirty="0"/>
+              <a:t>Delete file and print Dir</a:t>
+            </a:r>
+          </a:p>
+          <a:p>
+            <a:r>
+              <a:rPr lang="en-US" dirty="0"/>
+              <a:t>Dump</a:t>
+            </a:r>
+          </a:p>
+        </p:txBody>
+      </p:sp>
     </p:spTree>
     <p:extLst>
       <p:ext uri="{BB962C8B-B14F-4D97-AF65-F5344CB8AC3E}">
-        <p14:creationId xmlns:p14="http://schemas.microsoft.com/office/powerpoint/2010/main" val="1066223481"/>
+        <p14:creationId xmlns:p14="http://schemas.microsoft.com/office/powerpoint/2010/main" val="823154206"/>
       </p:ext>
     </p:extLst>
   </p:cSld>
@@ -9756,7 +10042,7 @@
           <p:cNvPr id="2" name="Title 1">
             <a:extLst>
               <a:ext uri="{FF2B5EF4-FFF2-40B4-BE49-F238E27FC236}">
-                <a16:creationId xmlns:a16="http://schemas.microsoft.com/office/drawing/2014/main" xmlns="" id="{B445D5D6-7D6A-4165-9FDB-201401ABC049}"/>
+                <a16:creationId xmlns:a16="http://schemas.microsoft.com/office/drawing/2014/main" id="{B445D5D6-7D6A-4165-9FDB-201401ABC049}"/>
               </a:ext>
             </a:extLst>
           </p:cNvPr>
@@ -9784,7 +10070,7 @@
           <p:cNvPr id="3" name="Content Placeholder 2">
             <a:extLst>
               <a:ext uri="{FF2B5EF4-FFF2-40B4-BE49-F238E27FC236}">
-                <a16:creationId xmlns:a16="http://schemas.microsoft.com/office/drawing/2014/main" xmlns="" id="{CACFE881-6C65-4B06-B621-2B8788E9ABE2}"/>
+                <a16:creationId xmlns:a16="http://schemas.microsoft.com/office/drawing/2014/main" id="{CACFE881-6C65-4B06-B621-2B8788E9ABE2}"/>
               </a:ext>
             </a:extLst>
           </p:cNvPr>
@@ -9798,61 +10084,1489 @@
         <p:spPr/>
         <p:txBody>
           <a:bodyPr>
-            <a:normAutofit/>
+            <a:normAutofit fontScale="77500" lnSpcReduction="20000"/>
           </a:bodyPr>
           <a:lstStyle/>
           <a:p>
-            <a:r>
-              <a:rPr lang="en-US" dirty="0"/>
-              <a:t>Print Dir</a:t>
-            </a:r>
-          </a:p>
-          <a:p>
-            <a:r>
-              <a:rPr lang="en-US" dirty="0"/>
-              <a:t>Create file with permissions 1100</a:t>
-            </a:r>
-          </a:p>
-          <a:p>
-            <a:r>
-              <a:rPr lang="en-US" dirty="0"/>
-              <a:t>Open</a:t>
-            </a:r>
-          </a:p>
-          <a:p>
-            <a:r>
-              <a:rPr lang="en-US" dirty="0"/>
-              <a:t>Write char and print Dir</a:t>
-            </a:r>
-          </a:p>
-          <a:p>
-            <a:r>
-              <a:rPr lang="en-US" dirty="0"/>
-              <a:t>Change  permissions to 1111 and print Dir</a:t>
-            </a:r>
-          </a:p>
-          <a:p>
-            <a:r>
-              <a:rPr lang="en-US" dirty="0"/>
-              <a:t>Dump</a:t>
-            </a:r>
-          </a:p>
-          <a:p>
-            <a:r>
-              <a:rPr lang="en-US" dirty="0"/>
-              <a:t>Read and print </a:t>
-            </a:r>
-          </a:p>
-          <a:p>
-            <a:r>
-              <a:rPr lang="en-US" dirty="0"/>
-              <a:t>Delete file and print Dir</a:t>
-            </a:r>
-          </a:p>
-          <a:p>
-            <a:r>
-              <a:rPr lang="en-US" dirty="0"/>
-              <a:t>Dump</a:t>
+            <a:pPr marL="0" marR="0" indent="0">
+              <a:lnSpc>
+                <a:spcPct val="107000"/>
+              </a:lnSpc>
+              <a:spcBef>
+                <a:spcPts val="0"/>
+              </a:spcBef>
+              <a:spcAft>
+                <a:spcPts val="0"/>
+              </a:spcAft>
+              <a:buNone/>
+            </a:pPr>
+            <a:r>
+              <a:rPr lang="en-US" dirty="0" err="1">
+                <a:effectLst/>
+                <a:latin typeface="Calibri" panose="020F0502020204030204" pitchFamily="34" charset="0"/>
+                <a:ea typeface="Calibri" panose="020F0502020204030204" pitchFamily="34" charset="0"/>
+                <a:cs typeface="Times New Roman" panose="02020603050405020304" pitchFamily="18" charset="0"/>
+              </a:rPr>
+              <a:t>write_window</a:t>
+            </a:r>
+            <a:r>
+              <a:rPr lang="en-US" dirty="0">
+                <a:effectLst/>
+                <a:latin typeface="Calibri" panose="020F0502020204030204" pitchFamily="34" charset="0"/>
+                <a:ea typeface="Calibri" panose="020F0502020204030204" pitchFamily="34" charset="0"/>
+                <a:cs typeface="Times New Roman" panose="02020603050405020304" pitchFamily="18" charset="0"/>
+              </a:rPr>
+              <a:t>(</a:t>
+            </a:r>
+            <a:r>
+              <a:rPr lang="en-US" dirty="0" err="1">
+                <a:effectLst/>
+                <a:latin typeface="Calibri" panose="020F0502020204030204" pitchFamily="34" charset="0"/>
+                <a:ea typeface="Calibri" panose="020F0502020204030204" pitchFamily="34" charset="0"/>
+                <a:cs typeface="Times New Roman" panose="02020603050405020304" pitchFamily="18" charset="0"/>
+              </a:rPr>
+              <a:t>conwin</a:t>
+            </a:r>
+            <a:r>
+              <a:rPr lang="en-US" dirty="0">
+                <a:effectLst/>
+                <a:latin typeface="Calibri" panose="020F0502020204030204" pitchFamily="34" charset="0"/>
+                <a:ea typeface="Calibri" panose="020F0502020204030204" pitchFamily="34" charset="0"/>
+                <a:cs typeface="Times New Roman" panose="02020603050405020304" pitchFamily="18" charset="0"/>
+              </a:rPr>
+              <a:t>, </a:t>
+            </a:r>
+            <a:r>
+              <a:rPr lang="en-US" dirty="0">
+                <a:solidFill>
+                  <a:srgbClr val="00B050"/>
+                </a:solidFill>
+                <a:effectLst/>
+                <a:latin typeface="Calibri" panose="020F0502020204030204" pitchFamily="34" charset="0"/>
+                <a:ea typeface="Calibri" panose="020F0502020204030204" pitchFamily="34" charset="0"/>
+                <a:cs typeface="Times New Roman" panose="02020603050405020304" pitchFamily="18" charset="0"/>
+              </a:rPr>
+              <a:t>"f \n Ultima # "</a:t>
+            </a:r>
+            <a:r>
+              <a:rPr lang="en-US" dirty="0">
+                <a:effectLst/>
+                <a:latin typeface="Calibri" panose="020F0502020204030204" pitchFamily="34" charset="0"/>
+                <a:ea typeface="Calibri" panose="020F0502020204030204" pitchFamily="34" charset="0"/>
+                <a:cs typeface="Times New Roman" panose="02020603050405020304" pitchFamily="18" charset="0"/>
+              </a:rPr>
+              <a:t>);</a:t>
+            </a:r>
+          </a:p>
+          <a:p>
+            <a:pPr marL="0" marR="0" indent="0">
+              <a:lnSpc>
+                <a:spcPct val="107000"/>
+              </a:lnSpc>
+              <a:spcBef>
+                <a:spcPts val="0"/>
+              </a:spcBef>
+              <a:spcAft>
+                <a:spcPts val="0"/>
+              </a:spcAft>
+              <a:buNone/>
+            </a:pPr>
+            <a:r>
+              <a:rPr lang="en-US" dirty="0" err="1">
+                <a:effectLst/>
+                <a:latin typeface="Calibri" panose="020F0502020204030204" pitchFamily="34" charset="0"/>
+                <a:ea typeface="Calibri" panose="020F0502020204030204" pitchFamily="34" charset="0"/>
+                <a:cs typeface="Times New Roman" panose="02020603050405020304" pitchFamily="18" charset="0"/>
+              </a:rPr>
+              <a:t>write_window</a:t>
+            </a:r>
+            <a:r>
+              <a:rPr lang="en-US" dirty="0">
+                <a:effectLst/>
+                <a:latin typeface="Calibri" panose="020F0502020204030204" pitchFamily="34" charset="0"/>
+                <a:ea typeface="Calibri" panose="020F0502020204030204" pitchFamily="34" charset="0"/>
+                <a:cs typeface="Times New Roman" panose="02020603050405020304" pitchFamily="18" charset="0"/>
+              </a:rPr>
+              <a:t>(</a:t>
+            </a:r>
+            <a:r>
+              <a:rPr lang="en-US" dirty="0" err="1">
+                <a:effectLst/>
+                <a:latin typeface="Calibri" panose="020F0502020204030204" pitchFamily="34" charset="0"/>
+                <a:ea typeface="Calibri" panose="020F0502020204030204" pitchFamily="34" charset="0"/>
+                <a:cs typeface="Times New Roman" panose="02020603050405020304" pitchFamily="18" charset="0"/>
+              </a:rPr>
+              <a:t>logwin</a:t>
+            </a:r>
+            <a:r>
+              <a:rPr lang="en-US" dirty="0">
+                <a:effectLst/>
+                <a:latin typeface="Calibri" panose="020F0502020204030204" pitchFamily="34" charset="0"/>
+                <a:ea typeface="Calibri" panose="020F0502020204030204" pitchFamily="34" charset="0"/>
+                <a:cs typeface="Times New Roman" panose="02020603050405020304" pitchFamily="18" charset="0"/>
+              </a:rPr>
+              <a:t>, </a:t>
+            </a:r>
+            <a:r>
+              <a:rPr lang="en-US" dirty="0">
+                <a:solidFill>
+                  <a:srgbClr val="00B050"/>
+                </a:solidFill>
+                <a:effectLst/>
+                <a:latin typeface="Calibri" panose="020F0502020204030204" pitchFamily="34" charset="0"/>
+                <a:ea typeface="Calibri" panose="020F0502020204030204" pitchFamily="34" charset="0"/>
+                <a:cs typeface="Times New Roman" panose="02020603050405020304" pitchFamily="18" charset="0"/>
+              </a:rPr>
+              <a:t>" calling Dir();\n"</a:t>
+            </a:r>
+            <a:r>
+              <a:rPr lang="en-US" dirty="0">
+                <a:effectLst/>
+                <a:latin typeface="Calibri" panose="020F0502020204030204" pitchFamily="34" charset="0"/>
+                <a:ea typeface="Calibri" panose="020F0502020204030204" pitchFamily="34" charset="0"/>
+                <a:cs typeface="Times New Roman" panose="02020603050405020304" pitchFamily="18" charset="0"/>
+              </a:rPr>
+              <a:t> );</a:t>
+            </a:r>
+          </a:p>
+          <a:p>
+            <a:pPr marL="0" marR="0" indent="0">
+              <a:lnSpc>
+                <a:spcPct val="107000"/>
+              </a:lnSpc>
+              <a:spcBef>
+                <a:spcPts val="0"/>
+              </a:spcBef>
+              <a:spcAft>
+                <a:spcPts val="0"/>
+              </a:spcAft>
+              <a:buNone/>
+            </a:pPr>
+            <a:r>
+              <a:rPr lang="en-US" dirty="0" err="1">
+                <a:effectLst/>
+                <a:latin typeface="Calibri" panose="020F0502020204030204" pitchFamily="34" charset="0"/>
+                <a:ea typeface="Calibri" panose="020F0502020204030204" pitchFamily="34" charset="0"/>
+                <a:cs typeface="Times New Roman" panose="02020603050405020304" pitchFamily="18" charset="0"/>
+              </a:rPr>
+              <a:t>superuser.Dir</a:t>
+            </a:r>
+            <a:r>
+              <a:rPr lang="en-US" dirty="0">
+                <a:effectLst/>
+                <a:latin typeface="Calibri" panose="020F0502020204030204" pitchFamily="34" charset="0"/>
+                <a:ea typeface="Calibri" panose="020F0502020204030204" pitchFamily="34" charset="0"/>
+                <a:cs typeface="Times New Roman" panose="02020603050405020304" pitchFamily="18" charset="0"/>
+              </a:rPr>
+              <a:t>(</a:t>
+            </a:r>
+            <a:r>
+              <a:rPr lang="en-US" dirty="0" err="1">
+                <a:effectLst/>
+                <a:latin typeface="Calibri" panose="020F0502020204030204" pitchFamily="34" charset="0"/>
+                <a:ea typeface="Calibri" panose="020F0502020204030204" pitchFamily="34" charset="0"/>
+                <a:cs typeface="Times New Roman" panose="02020603050405020304" pitchFamily="18" charset="0"/>
+              </a:rPr>
+              <a:t>memwin</a:t>
+            </a:r>
+            <a:r>
+              <a:rPr lang="en-US" dirty="0">
+                <a:effectLst/>
+                <a:latin typeface="Calibri" panose="020F0502020204030204" pitchFamily="34" charset="0"/>
+                <a:ea typeface="Calibri" panose="020F0502020204030204" pitchFamily="34" charset="0"/>
+                <a:cs typeface="Times New Roman" panose="02020603050405020304" pitchFamily="18" charset="0"/>
+              </a:rPr>
+              <a:t>);</a:t>
+            </a:r>
+          </a:p>
+          <a:p>
+            <a:pPr marL="0" marR="0" indent="0">
+              <a:lnSpc>
+                <a:spcPct val="107000"/>
+              </a:lnSpc>
+              <a:spcBef>
+                <a:spcPts val="0"/>
+              </a:spcBef>
+              <a:spcAft>
+                <a:spcPts val="0"/>
+              </a:spcAft>
+              <a:buNone/>
+            </a:pPr>
+            <a:r>
+              <a:rPr lang="en-US" dirty="0" err="1">
+                <a:effectLst/>
+                <a:latin typeface="Calibri" panose="020F0502020204030204" pitchFamily="34" charset="0"/>
+                <a:ea typeface="Calibri" panose="020F0502020204030204" pitchFamily="34" charset="0"/>
+                <a:cs typeface="Times New Roman" panose="02020603050405020304" pitchFamily="18" charset="0"/>
+              </a:rPr>
+              <a:t>write_window</a:t>
+            </a:r>
+            <a:r>
+              <a:rPr lang="en-US" dirty="0">
+                <a:effectLst/>
+                <a:latin typeface="Calibri" panose="020F0502020204030204" pitchFamily="34" charset="0"/>
+                <a:ea typeface="Calibri" panose="020F0502020204030204" pitchFamily="34" charset="0"/>
+                <a:cs typeface="Times New Roman" panose="02020603050405020304" pitchFamily="18" charset="0"/>
+              </a:rPr>
+              <a:t>(</a:t>
+            </a:r>
+            <a:r>
+              <a:rPr lang="en-US" dirty="0" err="1">
+                <a:effectLst/>
+                <a:latin typeface="Calibri" panose="020F0502020204030204" pitchFamily="34" charset="0"/>
+                <a:ea typeface="Calibri" panose="020F0502020204030204" pitchFamily="34" charset="0"/>
+                <a:cs typeface="Times New Roman" panose="02020603050405020304" pitchFamily="18" charset="0"/>
+              </a:rPr>
+              <a:t>logwin</a:t>
+            </a:r>
+            <a:r>
+              <a:rPr lang="en-US" dirty="0">
+                <a:effectLst/>
+                <a:latin typeface="Calibri" panose="020F0502020204030204" pitchFamily="34" charset="0"/>
+                <a:ea typeface="Calibri" panose="020F0502020204030204" pitchFamily="34" charset="0"/>
+                <a:cs typeface="Times New Roman" panose="02020603050405020304" pitchFamily="18" charset="0"/>
+              </a:rPr>
+              <a:t>, </a:t>
+            </a:r>
+            <a:r>
+              <a:rPr lang="en-US" dirty="0">
+                <a:solidFill>
+                  <a:srgbClr val="00B050"/>
+                </a:solidFill>
+                <a:effectLst/>
+                <a:latin typeface="Calibri" panose="020F0502020204030204" pitchFamily="34" charset="0"/>
+                <a:ea typeface="Calibri" panose="020F0502020204030204" pitchFamily="34" charset="0"/>
+                <a:cs typeface="Times New Roman" panose="02020603050405020304" pitchFamily="18" charset="0"/>
+              </a:rPr>
+              <a:t>" calling </a:t>
+            </a:r>
+            <a:r>
+              <a:rPr lang="en-US" dirty="0" err="1">
+                <a:solidFill>
+                  <a:srgbClr val="00B050"/>
+                </a:solidFill>
+                <a:effectLst/>
+                <a:latin typeface="Calibri" panose="020F0502020204030204" pitchFamily="34" charset="0"/>
+                <a:ea typeface="Calibri" panose="020F0502020204030204" pitchFamily="34" charset="0"/>
+                <a:cs typeface="Times New Roman" panose="02020603050405020304" pitchFamily="18" charset="0"/>
+              </a:rPr>
+              <a:t>Create_File</a:t>
+            </a:r>
+            <a:r>
+              <a:rPr lang="en-US" dirty="0">
+                <a:solidFill>
+                  <a:srgbClr val="00B050"/>
+                </a:solidFill>
+                <a:effectLst/>
+                <a:latin typeface="Calibri" panose="020F0502020204030204" pitchFamily="34" charset="0"/>
+                <a:ea typeface="Calibri" panose="020F0502020204030204" pitchFamily="34" charset="0"/>
+                <a:cs typeface="Times New Roman" panose="02020603050405020304" pitchFamily="18" charset="0"/>
+              </a:rPr>
+              <a:t>(</a:t>
+            </a:r>
+            <a:r>
+              <a:rPr lang="en-US" dirty="0" err="1">
+                <a:solidFill>
+                  <a:srgbClr val="00B050"/>
+                </a:solidFill>
+                <a:effectLst/>
+                <a:latin typeface="Calibri" panose="020F0502020204030204" pitchFamily="34" charset="0"/>
+                <a:ea typeface="Calibri" panose="020F0502020204030204" pitchFamily="34" charset="0"/>
+                <a:cs typeface="Times New Roman" panose="02020603050405020304" pitchFamily="18" charset="0"/>
+              </a:rPr>
+              <a:t>uifile</a:t>
+            </a:r>
+            <a:r>
+              <a:rPr lang="en-US" dirty="0">
+                <a:solidFill>
+                  <a:srgbClr val="00B050"/>
+                </a:solidFill>
+                <a:effectLst/>
+                <a:latin typeface="Calibri" panose="020F0502020204030204" pitchFamily="34" charset="0"/>
+                <a:ea typeface="Calibri" panose="020F0502020204030204" pitchFamily="34" charset="0"/>
+                <a:cs typeface="Times New Roman" panose="02020603050405020304" pitchFamily="18" charset="0"/>
+              </a:rPr>
+              <a:t>);\n"</a:t>
+            </a:r>
+            <a:r>
+              <a:rPr lang="en-US" dirty="0">
+                <a:effectLst/>
+                <a:latin typeface="Calibri" panose="020F0502020204030204" pitchFamily="34" charset="0"/>
+                <a:ea typeface="Calibri" panose="020F0502020204030204" pitchFamily="34" charset="0"/>
+                <a:cs typeface="Times New Roman" panose="02020603050405020304" pitchFamily="18" charset="0"/>
+              </a:rPr>
+              <a:t> );</a:t>
+            </a:r>
+          </a:p>
+          <a:p>
+            <a:pPr marL="0" marR="0" indent="0">
+              <a:lnSpc>
+                <a:spcPct val="107000"/>
+              </a:lnSpc>
+              <a:spcBef>
+                <a:spcPts val="0"/>
+              </a:spcBef>
+              <a:spcAft>
+                <a:spcPts val="0"/>
+              </a:spcAft>
+              <a:buNone/>
+            </a:pPr>
+            <a:r>
+              <a:rPr lang="en-US" b="1" dirty="0">
+                <a:effectLst/>
+                <a:latin typeface="Calibri" panose="020F0502020204030204" pitchFamily="34" charset="0"/>
+                <a:ea typeface="Calibri" panose="020F0502020204030204" pitchFamily="34" charset="0"/>
+                <a:cs typeface="Times New Roman" panose="02020603050405020304" pitchFamily="18" charset="0"/>
+              </a:rPr>
+              <a:t>int</a:t>
+            </a:r>
+            <a:r>
+              <a:rPr lang="en-US" dirty="0">
+                <a:effectLst/>
+                <a:latin typeface="Calibri" panose="020F0502020204030204" pitchFamily="34" charset="0"/>
+                <a:ea typeface="Calibri" panose="020F0502020204030204" pitchFamily="34" charset="0"/>
+                <a:cs typeface="Times New Roman" panose="02020603050405020304" pitchFamily="18" charset="0"/>
+              </a:rPr>
+              <a:t> per[4] = {1, 1, 0, 0};</a:t>
+            </a:r>
+          </a:p>
+          <a:p>
+            <a:pPr marL="0" marR="0" indent="0">
+              <a:lnSpc>
+                <a:spcPct val="107000"/>
+              </a:lnSpc>
+              <a:spcBef>
+                <a:spcPts val="0"/>
+              </a:spcBef>
+              <a:spcAft>
+                <a:spcPts val="0"/>
+              </a:spcAft>
+              <a:buNone/>
+            </a:pPr>
+            <a:r>
+              <a:rPr lang="en-US" dirty="0" err="1">
+                <a:effectLst/>
+                <a:latin typeface="Calibri" panose="020F0502020204030204" pitchFamily="34" charset="0"/>
+                <a:ea typeface="Calibri" panose="020F0502020204030204" pitchFamily="34" charset="0"/>
+                <a:cs typeface="Times New Roman" panose="02020603050405020304" pitchFamily="18" charset="0"/>
+              </a:rPr>
+              <a:t>superuser.Create_file</a:t>
+            </a:r>
+            <a:r>
+              <a:rPr lang="en-US" dirty="0">
+                <a:effectLst/>
+                <a:latin typeface="Calibri" panose="020F0502020204030204" pitchFamily="34" charset="0"/>
+                <a:ea typeface="Calibri" panose="020F0502020204030204" pitchFamily="34" charset="0"/>
+                <a:cs typeface="Times New Roman" panose="02020603050405020304" pitchFamily="18" charset="0"/>
+              </a:rPr>
+              <a:t>(</a:t>
+            </a:r>
+            <a:r>
+              <a:rPr lang="en-US" dirty="0" err="1">
+                <a:effectLst/>
+                <a:latin typeface="Calibri" panose="020F0502020204030204" pitchFamily="34" charset="0"/>
+                <a:ea typeface="Calibri" panose="020F0502020204030204" pitchFamily="34" charset="0"/>
+                <a:cs typeface="Times New Roman" panose="02020603050405020304" pitchFamily="18" charset="0"/>
+              </a:rPr>
+              <a:t>tcb</a:t>
+            </a:r>
+            <a:r>
+              <a:rPr lang="en-US" dirty="0">
+                <a:effectLst/>
+                <a:latin typeface="Calibri" panose="020F0502020204030204" pitchFamily="34" charset="0"/>
+                <a:ea typeface="Calibri" panose="020F0502020204030204" pitchFamily="34" charset="0"/>
+                <a:cs typeface="Times New Roman" panose="02020603050405020304" pitchFamily="18" charset="0"/>
+              </a:rPr>
+              <a:t>-&gt;</a:t>
+            </a:r>
+            <a:r>
+              <a:rPr lang="en-US" dirty="0" err="1">
+                <a:effectLst/>
+                <a:latin typeface="Calibri" panose="020F0502020204030204" pitchFamily="34" charset="0"/>
+                <a:ea typeface="Calibri" panose="020F0502020204030204" pitchFamily="34" charset="0"/>
+                <a:cs typeface="Times New Roman" panose="02020603050405020304" pitchFamily="18" charset="0"/>
+              </a:rPr>
+              <a:t>thread_no</a:t>
+            </a:r>
+            <a:r>
+              <a:rPr lang="en-US" dirty="0">
+                <a:effectLst/>
+                <a:latin typeface="Calibri" panose="020F0502020204030204" pitchFamily="34" charset="0"/>
+                <a:ea typeface="Calibri" panose="020F0502020204030204" pitchFamily="34" charset="0"/>
+                <a:cs typeface="Times New Roman" panose="02020603050405020304" pitchFamily="18" charset="0"/>
+              </a:rPr>
+              <a:t>, (</a:t>
+            </a:r>
+            <a:r>
+              <a:rPr lang="en-US" b="1" dirty="0">
+                <a:effectLst/>
+                <a:latin typeface="Calibri" panose="020F0502020204030204" pitchFamily="34" charset="0"/>
+                <a:ea typeface="Calibri" panose="020F0502020204030204" pitchFamily="34" charset="0"/>
+                <a:cs typeface="Times New Roman" panose="02020603050405020304" pitchFamily="18" charset="0"/>
+              </a:rPr>
+              <a:t>char</a:t>
+            </a:r>
+            <a:r>
+              <a:rPr lang="en-US" dirty="0">
+                <a:effectLst/>
+                <a:latin typeface="Calibri" panose="020F0502020204030204" pitchFamily="34" charset="0"/>
+                <a:ea typeface="Calibri" panose="020F0502020204030204" pitchFamily="34" charset="0"/>
+                <a:cs typeface="Times New Roman" panose="02020603050405020304" pitchFamily="18" charset="0"/>
+              </a:rPr>
+              <a:t>*)"</a:t>
+            </a:r>
+            <a:r>
+              <a:rPr lang="en-US" dirty="0" err="1">
+                <a:effectLst/>
+                <a:latin typeface="Calibri" panose="020F0502020204030204" pitchFamily="34" charset="0"/>
+                <a:ea typeface="Calibri" panose="020F0502020204030204" pitchFamily="34" charset="0"/>
+                <a:cs typeface="Times New Roman" panose="02020603050405020304" pitchFamily="18" charset="0"/>
+              </a:rPr>
+              <a:t>uifile</a:t>
+            </a:r>
+            <a:r>
+              <a:rPr lang="en-US" dirty="0">
+                <a:effectLst/>
+                <a:latin typeface="Calibri" panose="020F0502020204030204" pitchFamily="34" charset="0"/>
+                <a:ea typeface="Calibri" panose="020F0502020204030204" pitchFamily="34" charset="0"/>
+                <a:cs typeface="Times New Roman" panose="02020603050405020304" pitchFamily="18" charset="0"/>
+              </a:rPr>
+              <a:t>", 120, per);</a:t>
+            </a:r>
+          </a:p>
+          <a:p>
+            <a:pPr marL="0" marR="0" indent="0">
+              <a:lnSpc>
+                <a:spcPct val="107000"/>
+              </a:lnSpc>
+              <a:spcBef>
+                <a:spcPts val="0"/>
+              </a:spcBef>
+              <a:spcAft>
+                <a:spcPts val="0"/>
+              </a:spcAft>
+              <a:buNone/>
+            </a:pPr>
+            <a:r>
+              <a:rPr lang="en-US" dirty="0" err="1">
+                <a:effectLst/>
+                <a:latin typeface="Calibri" panose="020F0502020204030204" pitchFamily="34" charset="0"/>
+                <a:ea typeface="Calibri" panose="020F0502020204030204" pitchFamily="34" charset="0"/>
+                <a:cs typeface="Times New Roman" panose="02020603050405020304" pitchFamily="18" charset="0"/>
+              </a:rPr>
+              <a:t>write_window</a:t>
+            </a:r>
+            <a:r>
+              <a:rPr lang="en-US" dirty="0">
+                <a:effectLst/>
+                <a:latin typeface="Calibri" panose="020F0502020204030204" pitchFamily="34" charset="0"/>
+                <a:ea typeface="Calibri" panose="020F0502020204030204" pitchFamily="34" charset="0"/>
+                <a:cs typeface="Times New Roman" panose="02020603050405020304" pitchFamily="18" charset="0"/>
+              </a:rPr>
+              <a:t>(</a:t>
+            </a:r>
+            <a:r>
+              <a:rPr lang="en-US" dirty="0" err="1">
+                <a:effectLst/>
+                <a:latin typeface="Calibri" panose="020F0502020204030204" pitchFamily="34" charset="0"/>
+                <a:ea typeface="Calibri" panose="020F0502020204030204" pitchFamily="34" charset="0"/>
+                <a:cs typeface="Times New Roman" panose="02020603050405020304" pitchFamily="18" charset="0"/>
+              </a:rPr>
+              <a:t>logwin</a:t>
+            </a:r>
+            <a:r>
+              <a:rPr lang="en-US" dirty="0">
+                <a:effectLst/>
+                <a:latin typeface="Calibri" panose="020F0502020204030204" pitchFamily="34" charset="0"/>
+                <a:ea typeface="Calibri" panose="020F0502020204030204" pitchFamily="34" charset="0"/>
+                <a:cs typeface="Times New Roman" panose="02020603050405020304" pitchFamily="18" charset="0"/>
+              </a:rPr>
+              <a:t>, </a:t>
+            </a:r>
+            <a:r>
+              <a:rPr lang="en-US" dirty="0">
+                <a:solidFill>
+                  <a:srgbClr val="00B050"/>
+                </a:solidFill>
+                <a:effectLst/>
+                <a:latin typeface="Calibri" panose="020F0502020204030204" pitchFamily="34" charset="0"/>
+                <a:ea typeface="Calibri" panose="020F0502020204030204" pitchFamily="34" charset="0"/>
+                <a:cs typeface="Times New Roman" panose="02020603050405020304" pitchFamily="18" charset="0"/>
+              </a:rPr>
+              <a:t>" calling open(</a:t>
+            </a:r>
+            <a:r>
+              <a:rPr lang="en-US" dirty="0" err="1">
+                <a:solidFill>
+                  <a:srgbClr val="00B050"/>
+                </a:solidFill>
+                <a:effectLst/>
+                <a:latin typeface="Calibri" panose="020F0502020204030204" pitchFamily="34" charset="0"/>
+                <a:ea typeface="Calibri" panose="020F0502020204030204" pitchFamily="34" charset="0"/>
+                <a:cs typeface="Times New Roman" panose="02020603050405020304" pitchFamily="18" charset="0"/>
+              </a:rPr>
+              <a:t>uifile</a:t>
+            </a:r>
+            <a:r>
+              <a:rPr lang="en-US" dirty="0">
+                <a:solidFill>
+                  <a:srgbClr val="00B050"/>
+                </a:solidFill>
+                <a:effectLst/>
+                <a:latin typeface="Calibri" panose="020F0502020204030204" pitchFamily="34" charset="0"/>
+                <a:ea typeface="Calibri" panose="020F0502020204030204" pitchFamily="34" charset="0"/>
+                <a:cs typeface="Times New Roman" panose="02020603050405020304" pitchFamily="18" charset="0"/>
+              </a:rPr>
+              <a:t>)\n"</a:t>
+            </a:r>
+            <a:r>
+              <a:rPr lang="en-US" dirty="0">
+                <a:effectLst/>
+                <a:latin typeface="Calibri" panose="020F0502020204030204" pitchFamily="34" charset="0"/>
+                <a:ea typeface="Calibri" panose="020F0502020204030204" pitchFamily="34" charset="0"/>
+                <a:cs typeface="Times New Roman" panose="02020603050405020304" pitchFamily="18" charset="0"/>
+              </a:rPr>
+              <a:t> );</a:t>
+            </a:r>
+          </a:p>
+          <a:p>
+            <a:pPr marL="0" marR="0" indent="0">
+              <a:lnSpc>
+                <a:spcPct val="107000"/>
+              </a:lnSpc>
+              <a:spcBef>
+                <a:spcPts val="0"/>
+              </a:spcBef>
+              <a:spcAft>
+                <a:spcPts val="0"/>
+              </a:spcAft>
+              <a:buNone/>
+            </a:pPr>
+            <a:r>
+              <a:rPr lang="en-US" b="1" dirty="0">
+                <a:effectLst/>
+                <a:latin typeface="Calibri" panose="020F0502020204030204" pitchFamily="34" charset="0"/>
+                <a:ea typeface="Calibri" panose="020F0502020204030204" pitchFamily="34" charset="0"/>
+                <a:cs typeface="Times New Roman" panose="02020603050405020304" pitchFamily="18" charset="0"/>
+              </a:rPr>
+              <a:t>if</a:t>
+            </a:r>
+            <a:r>
+              <a:rPr lang="en-US" dirty="0">
+                <a:effectLst/>
+                <a:latin typeface="Calibri" panose="020F0502020204030204" pitchFamily="34" charset="0"/>
+                <a:ea typeface="Calibri" panose="020F0502020204030204" pitchFamily="34" charset="0"/>
+                <a:cs typeface="Times New Roman" panose="02020603050405020304" pitchFamily="18" charset="0"/>
+              </a:rPr>
+              <a:t> (</a:t>
+            </a:r>
+            <a:r>
+              <a:rPr lang="en-US" dirty="0" err="1">
+                <a:effectLst/>
+                <a:latin typeface="Calibri" panose="020F0502020204030204" pitchFamily="34" charset="0"/>
+                <a:ea typeface="Calibri" panose="020F0502020204030204" pitchFamily="34" charset="0"/>
+                <a:cs typeface="Times New Roman" panose="02020603050405020304" pitchFamily="18" charset="0"/>
+              </a:rPr>
+              <a:t>superuser.Open</a:t>
+            </a:r>
+            <a:r>
+              <a:rPr lang="en-US" dirty="0">
+                <a:effectLst/>
+                <a:latin typeface="Calibri" panose="020F0502020204030204" pitchFamily="34" charset="0"/>
+                <a:ea typeface="Calibri" panose="020F0502020204030204" pitchFamily="34" charset="0"/>
+                <a:cs typeface="Times New Roman" panose="02020603050405020304" pitchFamily="18" charset="0"/>
+              </a:rPr>
+              <a:t>(</a:t>
+            </a:r>
+            <a:r>
+              <a:rPr lang="en-US" dirty="0" err="1">
+                <a:effectLst/>
+                <a:latin typeface="Calibri" panose="020F0502020204030204" pitchFamily="34" charset="0"/>
+                <a:ea typeface="Calibri" panose="020F0502020204030204" pitchFamily="34" charset="0"/>
+                <a:cs typeface="Times New Roman" panose="02020603050405020304" pitchFamily="18" charset="0"/>
+              </a:rPr>
+              <a:t>tcb</a:t>
+            </a:r>
+            <a:r>
+              <a:rPr lang="en-US" dirty="0">
+                <a:effectLst/>
+                <a:latin typeface="Calibri" panose="020F0502020204030204" pitchFamily="34" charset="0"/>
+                <a:ea typeface="Calibri" panose="020F0502020204030204" pitchFamily="34" charset="0"/>
+                <a:cs typeface="Times New Roman" panose="02020603050405020304" pitchFamily="18" charset="0"/>
+              </a:rPr>
+              <a:t>-&gt;</a:t>
+            </a:r>
+            <a:r>
+              <a:rPr lang="en-US" dirty="0" err="1">
+                <a:effectLst/>
+                <a:latin typeface="Calibri" panose="020F0502020204030204" pitchFamily="34" charset="0"/>
+                <a:ea typeface="Calibri" panose="020F0502020204030204" pitchFamily="34" charset="0"/>
+                <a:cs typeface="Times New Roman" panose="02020603050405020304" pitchFamily="18" charset="0"/>
+              </a:rPr>
+              <a:t>thread_no</a:t>
+            </a:r>
+            <a:r>
+              <a:rPr lang="en-US" dirty="0">
+                <a:effectLst/>
+                <a:latin typeface="Calibri" panose="020F0502020204030204" pitchFamily="34" charset="0"/>
+                <a:ea typeface="Calibri" panose="020F0502020204030204" pitchFamily="34" charset="0"/>
+                <a:cs typeface="Times New Roman" panose="02020603050405020304" pitchFamily="18" charset="0"/>
+              </a:rPr>
+              <a:t>, </a:t>
+            </a:r>
+            <a:r>
+              <a:rPr lang="en-US" dirty="0" err="1">
+                <a:effectLst/>
+                <a:latin typeface="Calibri" panose="020F0502020204030204" pitchFamily="34" charset="0"/>
+                <a:ea typeface="Calibri" panose="020F0502020204030204" pitchFamily="34" charset="0"/>
+                <a:cs typeface="Times New Roman" panose="02020603050405020304" pitchFamily="18" charset="0"/>
+              </a:rPr>
+              <a:t>tcb</a:t>
+            </a:r>
+            <a:r>
+              <a:rPr lang="en-US" dirty="0">
+                <a:effectLst/>
+                <a:latin typeface="Calibri" panose="020F0502020204030204" pitchFamily="34" charset="0"/>
+                <a:ea typeface="Calibri" panose="020F0502020204030204" pitchFamily="34" charset="0"/>
+                <a:cs typeface="Times New Roman" panose="02020603050405020304" pitchFamily="18" charset="0"/>
+              </a:rPr>
+              <a:t>-&gt;</a:t>
+            </a:r>
+            <a:r>
+              <a:rPr lang="en-US" dirty="0" err="1">
+                <a:effectLst/>
+                <a:latin typeface="Calibri" panose="020F0502020204030204" pitchFamily="34" charset="0"/>
+                <a:ea typeface="Calibri" panose="020F0502020204030204" pitchFamily="34" charset="0"/>
+                <a:cs typeface="Times New Roman" panose="02020603050405020304" pitchFamily="18" charset="0"/>
+              </a:rPr>
+              <a:t>thread_no</a:t>
+            </a:r>
+            <a:r>
+              <a:rPr lang="en-US" dirty="0">
+                <a:effectLst/>
+                <a:latin typeface="Calibri" panose="020F0502020204030204" pitchFamily="34" charset="0"/>
+                <a:ea typeface="Calibri" panose="020F0502020204030204" pitchFamily="34" charset="0"/>
+                <a:cs typeface="Times New Roman" panose="02020603050405020304" pitchFamily="18" charset="0"/>
+              </a:rPr>
+              <a:t>,(</a:t>
+            </a:r>
+            <a:r>
+              <a:rPr lang="en-US" b="1" dirty="0">
+                <a:effectLst/>
+                <a:latin typeface="Calibri" panose="020F0502020204030204" pitchFamily="34" charset="0"/>
+                <a:ea typeface="Calibri" panose="020F0502020204030204" pitchFamily="34" charset="0"/>
+                <a:cs typeface="Times New Roman" panose="02020603050405020304" pitchFamily="18" charset="0"/>
+              </a:rPr>
+              <a:t>char</a:t>
+            </a:r>
+            <a:r>
+              <a:rPr lang="en-US" dirty="0">
+                <a:effectLst/>
+                <a:latin typeface="Calibri" panose="020F0502020204030204" pitchFamily="34" charset="0"/>
+                <a:ea typeface="Calibri" panose="020F0502020204030204" pitchFamily="34" charset="0"/>
+                <a:cs typeface="Times New Roman" panose="02020603050405020304" pitchFamily="18" charset="0"/>
+              </a:rPr>
+              <a:t>*)"</a:t>
+            </a:r>
+            <a:r>
+              <a:rPr lang="en-US" dirty="0" err="1">
+                <a:effectLst/>
+                <a:latin typeface="Calibri" panose="020F0502020204030204" pitchFamily="34" charset="0"/>
+                <a:ea typeface="Calibri" panose="020F0502020204030204" pitchFamily="34" charset="0"/>
+                <a:cs typeface="Times New Roman" panose="02020603050405020304" pitchFamily="18" charset="0"/>
+              </a:rPr>
+              <a:t>uifile</a:t>
+            </a:r>
+            <a:r>
+              <a:rPr lang="en-US" dirty="0">
+                <a:effectLst/>
+                <a:latin typeface="Calibri" panose="020F0502020204030204" pitchFamily="34" charset="0"/>
+                <a:ea typeface="Calibri" panose="020F0502020204030204" pitchFamily="34" charset="0"/>
+                <a:cs typeface="Times New Roman" panose="02020603050405020304" pitchFamily="18" charset="0"/>
+              </a:rPr>
+              <a:t>",(</a:t>
+            </a:r>
+            <a:r>
+              <a:rPr lang="en-US" b="1" dirty="0">
+                <a:effectLst/>
+                <a:latin typeface="Calibri" panose="020F0502020204030204" pitchFamily="34" charset="0"/>
+                <a:ea typeface="Calibri" panose="020F0502020204030204" pitchFamily="34" charset="0"/>
+                <a:cs typeface="Times New Roman" panose="02020603050405020304" pitchFamily="18" charset="0"/>
+              </a:rPr>
+              <a:t>char</a:t>
+            </a:r>
+            <a:r>
+              <a:rPr lang="en-US" dirty="0">
+                <a:effectLst/>
+                <a:latin typeface="Calibri" panose="020F0502020204030204" pitchFamily="34" charset="0"/>
+                <a:ea typeface="Calibri" panose="020F0502020204030204" pitchFamily="34" charset="0"/>
+                <a:cs typeface="Times New Roman" panose="02020603050405020304" pitchFamily="18" charset="0"/>
+              </a:rPr>
+              <a:t>*)"w")){</a:t>
+            </a:r>
+          </a:p>
+          <a:p>
+            <a:pPr marL="0" marR="0" indent="0">
+              <a:lnSpc>
+                <a:spcPct val="107000"/>
+              </a:lnSpc>
+              <a:spcBef>
+                <a:spcPts val="0"/>
+              </a:spcBef>
+              <a:spcAft>
+                <a:spcPts val="0"/>
+              </a:spcAft>
+              <a:buNone/>
+            </a:pPr>
+            <a:r>
+              <a:rPr lang="en-US" dirty="0">
+                <a:effectLst/>
+                <a:latin typeface="Calibri" panose="020F0502020204030204" pitchFamily="34" charset="0"/>
+                <a:ea typeface="Calibri" panose="020F0502020204030204" pitchFamily="34" charset="0"/>
+                <a:cs typeface="Times New Roman" panose="02020603050405020304" pitchFamily="18" charset="0"/>
+              </a:rPr>
+              <a:t>	</a:t>
+            </a:r>
+            <a:r>
+              <a:rPr lang="en-US" dirty="0" err="1">
+                <a:effectLst/>
+                <a:latin typeface="Calibri" panose="020F0502020204030204" pitchFamily="34" charset="0"/>
+                <a:ea typeface="Calibri" panose="020F0502020204030204" pitchFamily="34" charset="0"/>
+                <a:cs typeface="Times New Roman" panose="02020603050405020304" pitchFamily="18" charset="0"/>
+              </a:rPr>
+              <a:t>write_window</a:t>
+            </a:r>
+            <a:r>
+              <a:rPr lang="en-US" dirty="0">
+                <a:effectLst/>
+                <a:latin typeface="Calibri" panose="020F0502020204030204" pitchFamily="34" charset="0"/>
+                <a:ea typeface="Calibri" panose="020F0502020204030204" pitchFamily="34" charset="0"/>
+                <a:cs typeface="Times New Roman" panose="02020603050405020304" pitchFamily="18" charset="0"/>
+              </a:rPr>
+              <a:t>(</a:t>
+            </a:r>
+            <a:r>
+              <a:rPr lang="en-US" dirty="0" err="1">
+                <a:effectLst/>
+                <a:latin typeface="Calibri" panose="020F0502020204030204" pitchFamily="34" charset="0"/>
+                <a:ea typeface="Calibri" panose="020F0502020204030204" pitchFamily="34" charset="0"/>
+                <a:cs typeface="Times New Roman" panose="02020603050405020304" pitchFamily="18" charset="0"/>
+              </a:rPr>
+              <a:t>logwin</a:t>
+            </a:r>
+            <a:r>
+              <a:rPr lang="en-US" dirty="0">
+                <a:effectLst/>
+                <a:latin typeface="Calibri" panose="020F0502020204030204" pitchFamily="34" charset="0"/>
+                <a:ea typeface="Calibri" panose="020F0502020204030204" pitchFamily="34" charset="0"/>
+                <a:cs typeface="Times New Roman" panose="02020603050405020304" pitchFamily="18" charset="0"/>
+              </a:rPr>
+              <a:t>, </a:t>
+            </a:r>
+            <a:r>
+              <a:rPr lang="en-US" dirty="0">
+                <a:solidFill>
+                  <a:srgbClr val="00B050"/>
+                </a:solidFill>
+                <a:effectLst/>
+                <a:latin typeface="Calibri" panose="020F0502020204030204" pitchFamily="34" charset="0"/>
+                <a:ea typeface="Calibri" panose="020F0502020204030204" pitchFamily="34" charset="0"/>
+                <a:cs typeface="Times New Roman" panose="02020603050405020304" pitchFamily="18" charset="0"/>
+              </a:rPr>
+              <a:t>" open success\n"</a:t>
+            </a:r>
+            <a:r>
+              <a:rPr lang="en-US" dirty="0">
+                <a:effectLst/>
+                <a:latin typeface="Calibri" panose="020F0502020204030204" pitchFamily="34" charset="0"/>
+                <a:ea typeface="Calibri" panose="020F0502020204030204" pitchFamily="34" charset="0"/>
+                <a:cs typeface="Times New Roman" panose="02020603050405020304" pitchFamily="18" charset="0"/>
+              </a:rPr>
+              <a:t> );</a:t>
+            </a:r>
+          </a:p>
+          <a:p>
+            <a:pPr marL="0" marR="0" indent="0">
+              <a:lnSpc>
+                <a:spcPct val="107000"/>
+              </a:lnSpc>
+              <a:spcBef>
+                <a:spcPts val="0"/>
+              </a:spcBef>
+              <a:spcAft>
+                <a:spcPts val="0"/>
+              </a:spcAft>
+              <a:buNone/>
+            </a:pPr>
+            <a:r>
+              <a:rPr lang="en-US" dirty="0">
+                <a:effectLst/>
+                <a:latin typeface="Calibri" panose="020F0502020204030204" pitchFamily="34" charset="0"/>
+                <a:ea typeface="Calibri" panose="020F0502020204030204" pitchFamily="34" charset="0"/>
+                <a:cs typeface="Times New Roman" panose="02020603050405020304" pitchFamily="18" charset="0"/>
+              </a:rPr>
+              <a:t>	}</a:t>
+            </a:r>
+            <a:r>
+              <a:rPr lang="en-US" b="1" dirty="0">
+                <a:effectLst/>
+                <a:latin typeface="Calibri" panose="020F0502020204030204" pitchFamily="34" charset="0"/>
+                <a:ea typeface="Calibri" panose="020F0502020204030204" pitchFamily="34" charset="0"/>
+                <a:cs typeface="Times New Roman" panose="02020603050405020304" pitchFamily="18" charset="0"/>
+              </a:rPr>
+              <a:t>else</a:t>
+            </a:r>
+            <a:r>
+              <a:rPr lang="en-US" dirty="0">
+                <a:effectLst/>
+                <a:latin typeface="Calibri" panose="020F0502020204030204" pitchFamily="34" charset="0"/>
+                <a:ea typeface="Calibri" panose="020F0502020204030204" pitchFamily="34" charset="0"/>
+                <a:cs typeface="Times New Roman" panose="02020603050405020304" pitchFamily="18" charset="0"/>
+              </a:rPr>
+              <a:t>{</a:t>
+            </a:r>
+          </a:p>
+          <a:p>
+            <a:pPr marL="457200" marR="0" indent="0">
+              <a:lnSpc>
+                <a:spcPct val="107000"/>
+              </a:lnSpc>
+              <a:spcBef>
+                <a:spcPts val="0"/>
+              </a:spcBef>
+              <a:spcAft>
+                <a:spcPts val="0"/>
+              </a:spcAft>
+              <a:buNone/>
+            </a:pPr>
+            <a:r>
+              <a:rPr lang="en-US" dirty="0">
+                <a:effectLst/>
+                <a:latin typeface="Calibri" panose="020F0502020204030204" pitchFamily="34" charset="0"/>
+                <a:ea typeface="Calibri" panose="020F0502020204030204" pitchFamily="34" charset="0"/>
+                <a:cs typeface="Times New Roman" panose="02020603050405020304" pitchFamily="18" charset="0"/>
+              </a:rPr>
+              <a:t>	</a:t>
+            </a:r>
+            <a:r>
+              <a:rPr lang="en-US" dirty="0" err="1">
+                <a:effectLst/>
+                <a:latin typeface="Calibri" panose="020F0502020204030204" pitchFamily="34" charset="0"/>
+                <a:ea typeface="Calibri" panose="020F0502020204030204" pitchFamily="34" charset="0"/>
+                <a:cs typeface="Times New Roman" panose="02020603050405020304" pitchFamily="18" charset="0"/>
+              </a:rPr>
+              <a:t>write_window</a:t>
+            </a:r>
+            <a:r>
+              <a:rPr lang="en-US" dirty="0">
+                <a:effectLst/>
+                <a:latin typeface="Calibri" panose="020F0502020204030204" pitchFamily="34" charset="0"/>
+                <a:ea typeface="Calibri" panose="020F0502020204030204" pitchFamily="34" charset="0"/>
+                <a:cs typeface="Times New Roman" panose="02020603050405020304" pitchFamily="18" charset="0"/>
+              </a:rPr>
+              <a:t>(</a:t>
+            </a:r>
+            <a:r>
+              <a:rPr lang="en-US" dirty="0" err="1">
+                <a:effectLst/>
+                <a:latin typeface="Calibri" panose="020F0502020204030204" pitchFamily="34" charset="0"/>
+                <a:ea typeface="Calibri" panose="020F0502020204030204" pitchFamily="34" charset="0"/>
+                <a:cs typeface="Times New Roman" panose="02020603050405020304" pitchFamily="18" charset="0"/>
+              </a:rPr>
+              <a:t>logwin</a:t>
+            </a:r>
+            <a:r>
+              <a:rPr lang="en-US" dirty="0">
+                <a:effectLst/>
+                <a:latin typeface="Calibri" panose="020F0502020204030204" pitchFamily="34" charset="0"/>
+                <a:ea typeface="Calibri" panose="020F0502020204030204" pitchFamily="34" charset="0"/>
+                <a:cs typeface="Times New Roman" panose="02020603050405020304" pitchFamily="18" charset="0"/>
+              </a:rPr>
+              <a:t>, </a:t>
+            </a:r>
+            <a:r>
+              <a:rPr lang="en-US" dirty="0">
+                <a:solidFill>
+                  <a:srgbClr val="00B050"/>
+                </a:solidFill>
+                <a:effectLst/>
+                <a:latin typeface="Calibri" panose="020F0502020204030204" pitchFamily="34" charset="0"/>
+                <a:ea typeface="Calibri" panose="020F0502020204030204" pitchFamily="34" charset="0"/>
+                <a:cs typeface="Times New Roman" panose="02020603050405020304" pitchFamily="18" charset="0"/>
+              </a:rPr>
+              <a:t>" open fail\n"</a:t>
+            </a:r>
+            <a:r>
+              <a:rPr lang="en-US" dirty="0">
+                <a:effectLst/>
+                <a:latin typeface="Calibri" panose="020F0502020204030204" pitchFamily="34" charset="0"/>
+                <a:ea typeface="Calibri" panose="020F0502020204030204" pitchFamily="34" charset="0"/>
+                <a:cs typeface="Times New Roman" panose="02020603050405020304" pitchFamily="18" charset="0"/>
+              </a:rPr>
+              <a:t> );</a:t>
+            </a:r>
+          </a:p>
+          <a:p>
+            <a:pPr marL="0" marR="0" indent="0">
+              <a:lnSpc>
+                <a:spcPct val="107000"/>
+              </a:lnSpc>
+              <a:spcBef>
+                <a:spcPts val="0"/>
+              </a:spcBef>
+              <a:spcAft>
+                <a:spcPts val="0"/>
+              </a:spcAft>
+              <a:buNone/>
+            </a:pPr>
+            <a:r>
+              <a:rPr lang="en-US" dirty="0">
+                <a:effectLst/>
+                <a:latin typeface="Calibri" panose="020F0502020204030204" pitchFamily="34" charset="0"/>
+                <a:ea typeface="Calibri" panose="020F0502020204030204" pitchFamily="34" charset="0"/>
+                <a:cs typeface="Times New Roman" panose="02020603050405020304" pitchFamily="18" charset="0"/>
+              </a:rPr>
+              <a:t>	}</a:t>
+            </a:r>
+          </a:p>
+          <a:p>
+            <a:pPr marL="0" marR="0" indent="0">
+              <a:lnSpc>
+                <a:spcPct val="107000"/>
+              </a:lnSpc>
+              <a:spcBef>
+                <a:spcPts val="0"/>
+              </a:spcBef>
+              <a:spcAft>
+                <a:spcPts val="0"/>
+              </a:spcAft>
+              <a:buNone/>
+            </a:pPr>
+            <a:r>
+              <a:rPr lang="en-US" dirty="0" err="1">
+                <a:effectLst/>
+                <a:latin typeface="Calibri" panose="020F0502020204030204" pitchFamily="34" charset="0"/>
+                <a:ea typeface="Calibri" panose="020F0502020204030204" pitchFamily="34" charset="0"/>
+                <a:cs typeface="Times New Roman" panose="02020603050405020304" pitchFamily="18" charset="0"/>
+              </a:rPr>
+              <a:t>write_window</a:t>
+            </a:r>
+            <a:r>
+              <a:rPr lang="en-US" dirty="0">
+                <a:effectLst/>
+                <a:latin typeface="Calibri" panose="020F0502020204030204" pitchFamily="34" charset="0"/>
+                <a:ea typeface="Calibri" panose="020F0502020204030204" pitchFamily="34" charset="0"/>
+                <a:cs typeface="Times New Roman" panose="02020603050405020304" pitchFamily="18" charset="0"/>
+              </a:rPr>
+              <a:t>(</a:t>
+            </a:r>
+            <a:r>
+              <a:rPr lang="en-US" dirty="0" err="1">
+                <a:effectLst/>
+                <a:latin typeface="Calibri" panose="020F0502020204030204" pitchFamily="34" charset="0"/>
+                <a:ea typeface="Calibri" panose="020F0502020204030204" pitchFamily="34" charset="0"/>
+                <a:cs typeface="Times New Roman" panose="02020603050405020304" pitchFamily="18" charset="0"/>
+              </a:rPr>
+              <a:t>logwin</a:t>
+            </a:r>
+            <a:r>
+              <a:rPr lang="en-US" dirty="0">
+                <a:effectLst/>
+                <a:latin typeface="Calibri" panose="020F0502020204030204" pitchFamily="34" charset="0"/>
+                <a:ea typeface="Calibri" panose="020F0502020204030204" pitchFamily="34" charset="0"/>
+                <a:cs typeface="Times New Roman" panose="02020603050405020304" pitchFamily="18" charset="0"/>
+              </a:rPr>
+              <a:t>, </a:t>
+            </a:r>
+            <a:r>
+              <a:rPr lang="en-US" dirty="0">
+                <a:solidFill>
+                  <a:srgbClr val="00B050"/>
+                </a:solidFill>
+                <a:effectLst/>
+                <a:latin typeface="Calibri" panose="020F0502020204030204" pitchFamily="34" charset="0"/>
+                <a:ea typeface="Calibri" panose="020F0502020204030204" pitchFamily="34" charset="0"/>
+                <a:cs typeface="Times New Roman" panose="02020603050405020304" pitchFamily="18" charset="0"/>
+              </a:rPr>
+              <a:t>" calling </a:t>
+            </a:r>
+            <a:r>
+              <a:rPr lang="en-US" dirty="0" err="1">
+                <a:solidFill>
+                  <a:srgbClr val="00B050"/>
+                </a:solidFill>
+                <a:effectLst/>
+                <a:latin typeface="Calibri" panose="020F0502020204030204" pitchFamily="34" charset="0"/>
+                <a:ea typeface="Calibri" panose="020F0502020204030204" pitchFamily="34" charset="0"/>
+                <a:cs typeface="Times New Roman" panose="02020603050405020304" pitchFamily="18" charset="0"/>
+              </a:rPr>
+              <a:t>write_char</a:t>
+            </a:r>
+            <a:r>
+              <a:rPr lang="en-US" dirty="0">
+                <a:solidFill>
+                  <a:srgbClr val="00B050"/>
+                </a:solidFill>
+                <a:effectLst/>
+                <a:latin typeface="Calibri" panose="020F0502020204030204" pitchFamily="34" charset="0"/>
+                <a:ea typeface="Calibri" panose="020F0502020204030204" pitchFamily="34" charset="0"/>
+                <a:cs typeface="Times New Roman" panose="02020603050405020304" pitchFamily="18" charset="0"/>
+              </a:rPr>
+              <a:t>(</a:t>
+            </a:r>
+            <a:r>
+              <a:rPr lang="en-US" dirty="0" err="1">
+                <a:solidFill>
+                  <a:srgbClr val="00B050"/>
+                </a:solidFill>
+                <a:effectLst/>
+                <a:latin typeface="Calibri" panose="020F0502020204030204" pitchFamily="34" charset="0"/>
+                <a:ea typeface="Calibri" panose="020F0502020204030204" pitchFamily="34" charset="0"/>
+                <a:cs typeface="Times New Roman" panose="02020603050405020304" pitchFamily="18" charset="0"/>
+              </a:rPr>
+              <a:t>uifile</a:t>
+            </a:r>
+            <a:r>
+              <a:rPr lang="en-US" dirty="0">
+                <a:solidFill>
+                  <a:srgbClr val="00B050"/>
+                </a:solidFill>
+                <a:effectLst/>
+                <a:latin typeface="Calibri" panose="020F0502020204030204" pitchFamily="34" charset="0"/>
+                <a:ea typeface="Calibri" panose="020F0502020204030204" pitchFamily="34" charset="0"/>
+                <a:cs typeface="Times New Roman" panose="02020603050405020304" pitchFamily="18" charset="0"/>
+              </a:rPr>
+              <a:t>, x)\n"</a:t>
+            </a:r>
+            <a:r>
+              <a:rPr lang="en-US" dirty="0">
+                <a:effectLst/>
+                <a:latin typeface="Calibri" panose="020F0502020204030204" pitchFamily="34" charset="0"/>
+                <a:ea typeface="Calibri" panose="020F0502020204030204" pitchFamily="34" charset="0"/>
+                <a:cs typeface="Times New Roman" panose="02020603050405020304" pitchFamily="18" charset="0"/>
+              </a:rPr>
+              <a:t> );</a:t>
+            </a:r>
+          </a:p>
+          <a:p>
+            <a:pPr marL="0" marR="0" indent="0">
+              <a:lnSpc>
+                <a:spcPct val="107000"/>
+              </a:lnSpc>
+              <a:spcBef>
+                <a:spcPts val="0"/>
+              </a:spcBef>
+              <a:spcAft>
+                <a:spcPts val="0"/>
+              </a:spcAft>
+              <a:buNone/>
+            </a:pPr>
+            <a:r>
+              <a:rPr lang="en-US" dirty="0" err="1">
+                <a:effectLst/>
+                <a:latin typeface="Calibri" panose="020F0502020204030204" pitchFamily="34" charset="0"/>
+                <a:ea typeface="Calibri" panose="020F0502020204030204" pitchFamily="34" charset="0"/>
+                <a:cs typeface="Times New Roman" panose="02020603050405020304" pitchFamily="18" charset="0"/>
+              </a:rPr>
+              <a:t>superuser.Write_Char</a:t>
+            </a:r>
+            <a:r>
+              <a:rPr lang="en-US" dirty="0">
+                <a:effectLst/>
+                <a:latin typeface="Calibri" panose="020F0502020204030204" pitchFamily="34" charset="0"/>
+                <a:ea typeface="Calibri" panose="020F0502020204030204" pitchFamily="34" charset="0"/>
+                <a:cs typeface="Times New Roman" panose="02020603050405020304" pitchFamily="18" charset="0"/>
+              </a:rPr>
+              <a:t>(</a:t>
+            </a:r>
+            <a:r>
+              <a:rPr lang="en-US" dirty="0" err="1">
+                <a:effectLst/>
+                <a:latin typeface="Calibri" panose="020F0502020204030204" pitchFamily="34" charset="0"/>
+                <a:ea typeface="Calibri" panose="020F0502020204030204" pitchFamily="34" charset="0"/>
+                <a:cs typeface="Times New Roman" panose="02020603050405020304" pitchFamily="18" charset="0"/>
+              </a:rPr>
+              <a:t>tcb</a:t>
+            </a:r>
+            <a:r>
+              <a:rPr lang="en-US" dirty="0">
+                <a:effectLst/>
+                <a:latin typeface="Calibri" panose="020F0502020204030204" pitchFamily="34" charset="0"/>
+                <a:ea typeface="Calibri" panose="020F0502020204030204" pitchFamily="34" charset="0"/>
+                <a:cs typeface="Times New Roman" panose="02020603050405020304" pitchFamily="18" charset="0"/>
+              </a:rPr>
+              <a:t>-&gt;</a:t>
+            </a:r>
+            <a:r>
+              <a:rPr lang="en-US" dirty="0" err="1">
+                <a:effectLst/>
+                <a:latin typeface="Calibri" panose="020F0502020204030204" pitchFamily="34" charset="0"/>
+                <a:ea typeface="Calibri" panose="020F0502020204030204" pitchFamily="34" charset="0"/>
+                <a:cs typeface="Times New Roman" panose="02020603050405020304" pitchFamily="18" charset="0"/>
+              </a:rPr>
+              <a:t>thread_no</a:t>
+            </a:r>
+            <a:r>
+              <a:rPr lang="en-US" dirty="0">
+                <a:effectLst/>
+                <a:latin typeface="Calibri" panose="020F0502020204030204" pitchFamily="34" charset="0"/>
+                <a:ea typeface="Calibri" panose="020F0502020204030204" pitchFamily="34" charset="0"/>
+                <a:cs typeface="Times New Roman" panose="02020603050405020304" pitchFamily="18" charset="0"/>
+              </a:rPr>
+              <a:t>, (</a:t>
+            </a:r>
+            <a:r>
+              <a:rPr lang="en-US" b="1" dirty="0">
+                <a:effectLst/>
+                <a:latin typeface="Calibri" panose="020F0502020204030204" pitchFamily="34" charset="0"/>
+                <a:ea typeface="Calibri" panose="020F0502020204030204" pitchFamily="34" charset="0"/>
+                <a:cs typeface="Times New Roman" panose="02020603050405020304" pitchFamily="18" charset="0"/>
+              </a:rPr>
+              <a:t>char</a:t>
+            </a:r>
+            <a:r>
+              <a:rPr lang="en-US" dirty="0">
+                <a:effectLst/>
+                <a:latin typeface="Calibri" panose="020F0502020204030204" pitchFamily="34" charset="0"/>
+                <a:ea typeface="Calibri" panose="020F0502020204030204" pitchFamily="34" charset="0"/>
+                <a:cs typeface="Times New Roman" panose="02020603050405020304" pitchFamily="18" charset="0"/>
+              </a:rPr>
+              <a:t>*)</a:t>
+            </a:r>
+            <a:r>
+              <a:rPr lang="en-US" dirty="0">
+                <a:solidFill>
+                  <a:srgbClr val="00B050"/>
+                </a:solidFill>
+                <a:effectLst/>
+                <a:latin typeface="Calibri" panose="020F0502020204030204" pitchFamily="34" charset="0"/>
+                <a:ea typeface="Calibri" panose="020F0502020204030204" pitchFamily="34" charset="0"/>
+                <a:cs typeface="Times New Roman" panose="02020603050405020304" pitchFamily="18" charset="0"/>
+              </a:rPr>
+              <a:t>"</a:t>
+            </a:r>
+            <a:r>
+              <a:rPr lang="en-US" dirty="0" err="1">
+                <a:solidFill>
+                  <a:srgbClr val="00B050"/>
+                </a:solidFill>
+                <a:effectLst/>
+                <a:latin typeface="Calibri" panose="020F0502020204030204" pitchFamily="34" charset="0"/>
+                <a:ea typeface="Calibri" panose="020F0502020204030204" pitchFamily="34" charset="0"/>
+                <a:cs typeface="Times New Roman" panose="02020603050405020304" pitchFamily="18" charset="0"/>
+              </a:rPr>
+              <a:t>uifile</a:t>
+            </a:r>
+            <a:r>
+              <a:rPr lang="en-US" dirty="0">
+                <a:solidFill>
+                  <a:srgbClr val="00B050"/>
+                </a:solidFill>
+                <a:effectLst/>
+                <a:latin typeface="Calibri" panose="020F0502020204030204" pitchFamily="34" charset="0"/>
+                <a:ea typeface="Calibri" panose="020F0502020204030204" pitchFamily="34" charset="0"/>
+                <a:cs typeface="Times New Roman" panose="02020603050405020304" pitchFamily="18" charset="0"/>
+              </a:rPr>
+              <a:t>"</a:t>
+            </a:r>
+            <a:r>
+              <a:rPr lang="en-US" dirty="0">
+                <a:solidFill>
+                  <a:schemeClr val="tx1"/>
+                </a:solidFill>
+                <a:effectLst/>
+                <a:latin typeface="Calibri" panose="020F0502020204030204" pitchFamily="34" charset="0"/>
+                <a:ea typeface="Calibri" panose="020F0502020204030204" pitchFamily="34" charset="0"/>
+                <a:cs typeface="Times New Roman" panose="02020603050405020304" pitchFamily="18" charset="0"/>
+              </a:rPr>
+              <a:t>,</a:t>
+            </a:r>
+            <a:r>
+              <a:rPr lang="en-US" dirty="0">
+                <a:solidFill>
+                  <a:srgbClr val="00B050"/>
+                </a:solidFill>
+                <a:effectLst/>
+                <a:latin typeface="Calibri" panose="020F0502020204030204" pitchFamily="34" charset="0"/>
+                <a:ea typeface="Calibri" panose="020F0502020204030204" pitchFamily="34" charset="0"/>
+                <a:cs typeface="Times New Roman" panose="02020603050405020304" pitchFamily="18" charset="0"/>
+              </a:rPr>
+              <a:t> </a:t>
+            </a:r>
+            <a:r>
+              <a:rPr lang="en-US" dirty="0">
+                <a:effectLst/>
+                <a:latin typeface="Calibri" panose="020F0502020204030204" pitchFamily="34" charset="0"/>
+                <a:ea typeface="Calibri" panose="020F0502020204030204" pitchFamily="34" charset="0"/>
+                <a:cs typeface="Times New Roman" panose="02020603050405020304" pitchFamily="18" charset="0"/>
+              </a:rPr>
+              <a:t>(</a:t>
+            </a:r>
+            <a:r>
+              <a:rPr lang="en-US" b="1" dirty="0">
+                <a:effectLst/>
+                <a:latin typeface="Calibri" panose="020F0502020204030204" pitchFamily="34" charset="0"/>
+                <a:ea typeface="Calibri" panose="020F0502020204030204" pitchFamily="34" charset="0"/>
+                <a:cs typeface="Times New Roman" panose="02020603050405020304" pitchFamily="18" charset="0"/>
+              </a:rPr>
+              <a:t>char</a:t>
+            </a:r>
+            <a:r>
+              <a:rPr lang="en-US" dirty="0">
+                <a:effectLst/>
+                <a:latin typeface="Calibri" panose="020F0502020204030204" pitchFamily="34" charset="0"/>
+                <a:ea typeface="Calibri" panose="020F0502020204030204" pitchFamily="34" charset="0"/>
+                <a:cs typeface="Times New Roman" panose="02020603050405020304" pitchFamily="18" charset="0"/>
+              </a:rPr>
+              <a:t>*)"x");</a:t>
+            </a:r>
+          </a:p>
+          <a:p>
+            <a:pPr marL="0" marR="0" indent="0">
+              <a:lnSpc>
+                <a:spcPct val="107000"/>
+              </a:lnSpc>
+              <a:spcBef>
+                <a:spcPts val="0"/>
+              </a:spcBef>
+              <a:spcAft>
+                <a:spcPts val="0"/>
+              </a:spcAft>
+              <a:buNone/>
+            </a:pPr>
+            <a:r>
+              <a:rPr lang="en-US" dirty="0" err="1">
+                <a:effectLst/>
+                <a:latin typeface="Calibri" panose="020F0502020204030204" pitchFamily="34" charset="0"/>
+                <a:ea typeface="Calibri" panose="020F0502020204030204" pitchFamily="34" charset="0"/>
+                <a:cs typeface="Times New Roman" panose="02020603050405020304" pitchFamily="18" charset="0"/>
+              </a:rPr>
+              <a:t>write_window</a:t>
+            </a:r>
+            <a:r>
+              <a:rPr lang="en-US" dirty="0">
+                <a:effectLst/>
+                <a:latin typeface="Calibri" panose="020F0502020204030204" pitchFamily="34" charset="0"/>
+                <a:ea typeface="Calibri" panose="020F0502020204030204" pitchFamily="34" charset="0"/>
+                <a:cs typeface="Times New Roman" panose="02020603050405020304" pitchFamily="18" charset="0"/>
+              </a:rPr>
+              <a:t>(</a:t>
+            </a:r>
+            <a:r>
+              <a:rPr lang="en-US" dirty="0" err="1">
+                <a:effectLst/>
+                <a:latin typeface="Calibri" panose="020F0502020204030204" pitchFamily="34" charset="0"/>
+                <a:ea typeface="Calibri" panose="020F0502020204030204" pitchFamily="34" charset="0"/>
+                <a:cs typeface="Times New Roman" panose="02020603050405020304" pitchFamily="18" charset="0"/>
+              </a:rPr>
+              <a:t>logwin</a:t>
+            </a:r>
+            <a:r>
+              <a:rPr lang="en-US" dirty="0">
+                <a:effectLst/>
+                <a:latin typeface="Calibri" panose="020F0502020204030204" pitchFamily="34" charset="0"/>
+                <a:ea typeface="Calibri" panose="020F0502020204030204" pitchFamily="34" charset="0"/>
+                <a:cs typeface="Times New Roman" panose="02020603050405020304" pitchFamily="18" charset="0"/>
+              </a:rPr>
+              <a:t>, </a:t>
+            </a:r>
+            <a:r>
+              <a:rPr lang="en-US" dirty="0">
+                <a:solidFill>
+                  <a:srgbClr val="00B050"/>
+                </a:solidFill>
+                <a:effectLst/>
+                <a:latin typeface="Calibri" panose="020F0502020204030204" pitchFamily="34" charset="0"/>
+                <a:ea typeface="Calibri" panose="020F0502020204030204" pitchFamily="34" charset="0"/>
+                <a:cs typeface="Times New Roman" panose="02020603050405020304" pitchFamily="18" charset="0"/>
+              </a:rPr>
+              <a:t>" calling Dir();\n"</a:t>
+            </a:r>
+            <a:r>
+              <a:rPr lang="en-US" dirty="0">
+                <a:effectLst/>
+                <a:latin typeface="Calibri" panose="020F0502020204030204" pitchFamily="34" charset="0"/>
+                <a:ea typeface="Calibri" panose="020F0502020204030204" pitchFamily="34" charset="0"/>
+                <a:cs typeface="Times New Roman" panose="02020603050405020304" pitchFamily="18" charset="0"/>
+              </a:rPr>
+              <a:t> );</a:t>
+            </a:r>
+          </a:p>
+          <a:p>
+            <a:pPr marL="0" marR="0" indent="0">
+              <a:lnSpc>
+                <a:spcPct val="107000"/>
+              </a:lnSpc>
+              <a:spcBef>
+                <a:spcPts val="0"/>
+              </a:spcBef>
+              <a:spcAft>
+                <a:spcPts val="0"/>
+              </a:spcAft>
+              <a:buNone/>
+            </a:pPr>
+            <a:r>
+              <a:rPr lang="en-US" dirty="0" err="1">
+                <a:effectLst/>
+                <a:latin typeface="Calibri" panose="020F0502020204030204" pitchFamily="34" charset="0"/>
+                <a:ea typeface="Calibri" panose="020F0502020204030204" pitchFamily="34" charset="0"/>
+                <a:cs typeface="Times New Roman" panose="02020603050405020304" pitchFamily="18" charset="0"/>
+              </a:rPr>
+              <a:t>superuser.Dir</a:t>
+            </a:r>
+            <a:r>
+              <a:rPr lang="en-US" dirty="0">
+                <a:effectLst/>
+                <a:latin typeface="Calibri" panose="020F0502020204030204" pitchFamily="34" charset="0"/>
+                <a:ea typeface="Calibri" panose="020F0502020204030204" pitchFamily="34" charset="0"/>
+                <a:cs typeface="Times New Roman" panose="02020603050405020304" pitchFamily="18" charset="0"/>
+              </a:rPr>
+              <a:t>(</a:t>
+            </a:r>
+            <a:r>
+              <a:rPr lang="en-US" dirty="0" err="1">
+                <a:effectLst/>
+                <a:latin typeface="Calibri" panose="020F0502020204030204" pitchFamily="34" charset="0"/>
+                <a:ea typeface="Calibri" panose="020F0502020204030204" pitchFamily="34" charset="0"/>
+                <a:cs typeface="Times New Roman" panose="02020603050405020304" pitchFamily="18" charset="0"/>
+              </a:rPr>
+              <a:t>memwin</a:t>
+            </a:r>
+            <a:r>
+              <a:rPr lang="en-US" dirty="0">
+                <a:effectLst/>
+                <a:latin typeface="Calibri" panose="020F0502020204030204" pitchFamily="34" charset="0"/>
+                <a:ea typeface="Calibri" panose="020F0502020204030204" pitchFamily="34" charset="0"/>
+                <a:cs typeface="Times New Roman" panose="02020603050405020304" pitchFamily="18" charset="0"/>
+              </a:rPr>
+              <a:t>);</a:t>
+            </a:r>
+          </a:p>
+          <a:p>
+            <a:pPr marL="0" marR="0" indent="0">
+              <a:lnSpc>
+                <a:spcPct val="107000"/>
+              </a:lnSpc>
+              <a:spcBef>
+                <a:spcPts val="0"/>
+              </a:spcBef>
+              <a:spcAft>
+                <a:spcPts val="0"/>
+              </a:spcAft>
+              <a:buNone/>
+            </a:pPr>
+            <a:r>
+              <a:rPr lang="en-US" b="1" dirty="0">
+                <a:effectLst/>
+                <a:latin typeface="Calibri" panose="020F0502020204030204" pitchFamily="34" charset="0"/>
+                <a:ea typeface="Calibri" panose="020F0502020204030204" pitchFamily="34" charset="0"/>
+                <a:cs typeface="Times New Roman" panose="02020603050405020304" pitchFamily="18" charset="0"/>
+              </a:rPr>
+              <a:t>int</a:t>
+            </a:r>
+            <a:r>
+              <a:rPr lang="en-US" dirty="0">
+                <a:effectLst/>
+                <a:latin typeface="Calibri" panose="020F0502020204030204" pitchFamily="34" charset="0"/>
+                <a:ea typeface="Calibri" panose="020F0502020204030204" pitchFamily="34" charset="0"/>
+                <a:cs typeface="Times New Roman" panose="02020603050405020304" pitchFamily="18" charset="0"/>
+              </a:rPr>
+              <a:t> perm[4] = { 1, 1, 1, 1 };</a:t>
+            </a:r>
+          </a:p>
+          <a:p>
+            <a:pPr marL="0" marR="0" indent="0">
+              <a:lnSpc>
+                <a:spcPct val="107000"/>
+              </a:lnSpc>
+              <a:spcBef>
+                <a:spcPts val="0"/>
+              </a:spcBef>
+              <a:spcAft>
+                <a:spcPts val="0"/>
+              </a:spcAft>
+              <a:buNone/>
+            </a:pPr>
+            <a:r>
+              <a:rPr lang="en-US" dirty="0" err="1">
+                <a:effectLst/>
+                <a:latin typeface="Calibri" panose="020F0502020204030204" pitchFamily="34" charset="0"/>
+                <a:ea typeface="Calibri" panose="020F0502020204030204" pitchFamily="34" charset="0"/>
+                <a:cs typeface="Times New Roman" panose="02020603050405020304" pitchFamily="18" charset="0"/>
+              </a:rPr>
+              <a:t>write_window</a:t>
+            </a:r>
+            <a:r>
+              <a:rPr lang="en-US" dirty="0">
+                <a:effectLst/>
+                <a:latin typeface="Calibri" panose="020F0502020204030204" pitchFamily="34" charset="0"/>
+                <a:ea typeface="Calibri" panose="020F0502020204030204" pitchFamily="34" charset="0"/>
+                <a:cs typeface="Times New Roman" panose="02020603050405020304" pitchFamily="18" charset="0"/>
+              </a:rPr>
+              <a:t>(</a:t>
+            </a:r>
+            <a:r>
+              <a:rPr lang="en-US" dirty="0" err="1">
+                <a:effectLst/>
+                <a:latin typeface="Calibri" panose="020F0502020204030204" pitchFamily="34" charset="0"/>
+                <a:ea typeface="Calibri" panose="020F0502020204030204" pitchFamily="34" charset="0"/>
+                <a:cs typeface="Times New Roman" panose="02020603050405020304" pitchFamily="18" charset="0"/>
+              </a:rPr>
+              <a:t>logwin</a:t>
+            </a:r>
+            <a:r>
+              <a:rPr lang="en-US" dirty="0">
+                <a:effectLst/>
+                <a:latin typeface="Calibri" panose="020F0502020204030204" pitchFamily="34" charset="0"/>
+                <a:ea typeface="Calibri" panose="020F0502020204030204" pitchFamily="34" charset="0"/>
+                <a:cs typeface="Times New Roman" panose="02020603050405020304" pitchFamily="18" charset="0"/>
+              </a:rPr>
+              <a:t>, </a:t>
+            </a:r>
+            <a:r>
+              <a:rPr lang="en-US" dirty="0">
+                <a:solidFill>
+                  <a:srgbClr val="00B050"/>
+                </a:solidFill>
+                <a:effectLst/>
+                <a:latin typeface="Calibri" panose="020F0502020204030204" pitchFamily="34" charset="0"/>
+                <a:ea typeface="Calibri" panose="020F0502020204030204" pitchFamily="34" charset="0"/>
+                <a:cs typeface="Times New Roman" panose="02020603050405020304" pitchFamily="18" charset="0"/>
+              </a:rPr>
+              <a:t>" calling change permissions(1,1,1,1) </a:t>
+            </a:r>
+            <a:r>
+              <a:rPr lang="en-US" dirty="0" err="1">
+                <a:solidFill>
+                  <a:srgbClr val="00B050"/>
+                </a:solidFill>
+                <a:effectLst/>
+                <a:latin typeface="Calibri" panose="020F0502020204030204" pitchFamily="34" charset="0"/>
+                <a:ea typeface="Calibri" panose="020F0502020204030204" pitchFamily="34" charset="0"/>
+                <a:cs typeface="Times New Roman" panose="02020603050405020304" pitchFamily="18" charset="0"/>
+              </a:rPr>
+              <a:t>uifile</a:t>
+            </a:r>
+            <a:r>
+              <a:rPr lang="en-US" dirty="0">
+                <a:solidFill>
+                  <a:srgbClr val="00B050"/>
+                </a:solidFill>
+                <a:effectLst/>
+                <a:latin typeface="Calibri" panose="020F0502020204030204" pitchFamily="34" charset="0"/>
+                <a:ea typeface="Calibri" panose="020F0502020204030204" pitchFamily="34" charset="0"/>
+                <a:cs typeface="Times New Roman" panose="02020603050405020304" pitchFamily="18" charset="0"/>
+              </a:rPr>
+              <a:t>\n"</a:t>
+            </a:r>
+            <a:r>
+              <a:rPr lang="en-US" dirty="0">
+                <a:effectLst/>
+                <a:latin typeface="Calibri" panose="020F0502020204030204" pitchFamily="34" charset="0"/>
+                <a:ea typeface="Calibri" panose="020F0502020204030204" pitchFamily="34" charset="0"/>
+                <a:cs typeface="Times New Roman" panose="02020603050405020304" pitchFamily="18" charset="0"/>
+              </a:rPr>
+              <a:t> );</a:t>
             </a:r>
           </a:p>
         </p:txBody>
@@ -9860,7 +11574,7 @@
     </p:spTree>
     <p:extLst>
       <p:ext uri="{BB962C8B-B14F-4D97-AF65-F5344CB8AC3E}">
-        <p14:creationId xmlns:p14="http://schemas.microsoft.com/office/powerpoint/2010/main" val="823154206"/>
+        <p14:creationId xmlns:p14="http://schemas.microsoft.com/office/powerpoint/2010/main" val="2935090236"/>
       </p:ext>
     </p:extLst>
   </p:cSld>
@@ -9892,7 +11606,7 @@
           <p:cNvPr id="2" name="Title 1">
             <a:extLst>
               <a:ext uri="{FF2B5EF4-FFF2-40B4-BE49-F238E27FC236}">
-                <a16:creationId xmlns:a16="http://schemas.microsoft.com/office/drawing/2014/main" xmlns="" id="{DED74125-AB35-4292-B9D8-94F72D7F8E9B}"/>
+                <a16:creationId xmlns:a16="http://schemas.microsoft.com/office/drawing/2014/main" id="{B445D5D6-7D6A-4165-9FDB-201401ABC049}"/>
               </a:ext>
             </a:extLst>
           </p:cNvPr>
@@ -9908,7 +11622,1433 @@
           <a:bodyPr/>
           <a:lstStyle/>
           <a:p>
-            <a:endParaRPr lang="en-US"/>
+            <a:r>
+              <a:rPr lang="en-US" dirty="0"/>
+              <a:t>Phase 4 Testcase ‘f’</a:t>
+            </a:r>
+          </a:p>
+        </p:txBody>
+      </p:sp>
+      <p:sp>
+        <p:nvSpPr>
+          <p:cNvPr id="3" name="Content Placeholder 2">
+            <a:extLst>
+              <a:ext uri="{FF2B5EF4-FFF2-40B4-BE49-F238E27FC236}">
+                <a16:creationId xmlns:a16="http://schemas.microsoft.com/office/drawing/2014/main" id="{CACFE881-6C65-4B06-B621-2B8788E9ABE2}"/>
+              </a:ext>
+            </a:extLst>
+          </p:cNvPr>
+          <p:cNvSpPr>
+            <a:spLocks noGrp="1"/>
+          </p:cNvSpPr>
+          <p:nvPr>
+            <p:ph idx="1"/>
+          </p:nvPr>
+        </p:nvSpPr>
+        <p:spPr/>
+        <p:txBody>
+          <a:bodyPr>
+            <a:normAutofit fontScale="85000" lnSpcReduction="20000"/>
+          </a:bodyPr>
+          <a:lstStyle/>
+          <a:p>
+            <a:pPr marL="0" marR="0" indent="0">
+              <a:lnSpc>
+                <a:spcPct val="107000"/>
+              </a:lnSpc>
+              <a:spcBef>
+                <a:spcPts val="0"/>
+              </a:spcBef>
+              <a:spcAft>
+                <a:spcPts val="0"/>
+              </a:spcAft>
+              <a:buNone/>
+            </a:pPr>
+            <a:r>
+              <a:rPr lang="en-US" dirty="0" err="1">
+                <a:effectLst/>
+                <a:latin typeface="Calibri" panose="020F0502020204030204" pitchFamily="34" charset="0"/>
+                <a:ea typeface="Calibri" panose="020F0502020204030204" pitchFamily="34" charset="0"/>
+                <a:cs typeface="Times New Roman" panose="02020603050405020304" pitchFamily="18" charset="0"/>
+              </a:rPr>
+              <a:t>superuser.Change_Permission</a:t>
+            </a:r>
+            <a:r>
+              <a:rPr lang="en-US" dirty="0">
+                <a:effectLst/>
+                <a:latin typeface="Calibri" panose="020F0502020204030204" pitchFamily="34" charset="0"/>
+                <a:ea typeface="Calibri" panose="020F0502020204030204" pitchFamily="34" charset="0"/>
+                <a:cs typeface="Times New Roman" panose="02020603050405020304" pitchFamily="18" charset="0"/>
+              </a:rPr>
+              <a:t>(</a:t>
+            </a:r>
+            <a:r>
+              <a:rPr lang="en-US" dirty="0" err="1">
+                <a:effectLst/>
+                <a:latin typeface="Calibri" panose="020F0502020204030204" pitchFamily="34" charset="0"/>
+                <a:ea typeface="Calibri" panose="020F0502020204030204" pitchFamily="34" charset="0"/>
+                <a:cs typeface="Times New Roman" panose="02020603050405020304" pitchFamily="18" charset="0"/>
+              </a:rPr>
+              <a:t>tcb</a:t>
+            </a:r>
+            <a:r>
+              <a:rPr lang="en-US" dirty="0">
+                <a:effectLst/>
+                <a:latin typeface="Calibri" panose="020F0502020204030204" pitchFamily="34" charset="0"/>
+                <a:ea typeface="Calibri" panose="020F0502020204030204" pitchFamily="34" charset="0"/>
+                <a:cs typeface="Times New Roman" panose="02020603050405020304" pitchFamily="18" charset="0"/>
+              </a:rPr>
+              <a:t>-&gt;</a:t>
+            </a:r>
+            <a:r>
+              <a:rPr lang="en-US" dirty="0" err="1">
+                <a:effectLst/>
+                <a:latin typeface="Calibri" panose="020F0502020204030204" pitchFamily="34" charset="0"/>
+                <a:ea typeface="Calibri" panose="020F0502020204030204" pitchFamily="34" charset="0"/>
+                <a:cs typeface="Times New Roman" panose="02020603050405020304" pitchFamily="18" charset="0"/>
+              </a:rPr>
+              <a:t>thread_no</a:t>
+            </a:r>
+            <a:r>
+              <a:rPr lang="en-US" dirty="0">
+                <a:effectLst/>
+                <a:latin typeface="Calibri" panose="020F0502020204030204" pitchFamily="34" charset="0"/>
+                <a:ea typeface="Calibri" panose="020F0502020204030204" pitchFamily="34" charset="0"/>
+                <a:cs typeface="Times New Roman" panose="02020603050405020304" pitchFamily="18" charset="0"/>
+              </a:rPr>
+              <a:t>, (</a:t>
+            </a:r>
+            <a:r>
+              <a:rPr lang="en-US" b="1" dirty="0">
+                <a:effectLst/>
+                <a:latin typeface="Calibri" panose="020F0502020204030204" pitchFamily="34" charset="0"/>
+                <a:ea typeface="Calibri" panose="020F0502020204030204" pitchFamily="34" charset="0"/>
+                <a:cs typeface="Times New Roman" panose="02020603050405020304" pitchFamily="18" charset="0"/>
+              </a:rPr>
+              <a:t>char</a:t>
+            </a:r>
+            <a:r>
+              <a:rPr lang="en-US" dirty="0">
+                <a:effectLst/>
+                <a:latin typeface="Calibri" panose="020F0502020204030204" pitchFamily="34" charset="0"/>
+                <a:ea typeface="Calibri" panose="020F0502020204030204" pitchFamily="34" charset="0"/>
+                <a:cs typeface="Times New Roman" panose="02020603050405020304" pitchFamily="18" charset="0"/>
+              </a:rPr>
+              <a:t>*)</a:t>
+            </a:r>
+            <a:r>
+              <a:rPr lang="en-US" dirty="0">
+                <a:solidFill>
+                  <a:srgbClr val="00B050"/>
+                </a:solidFill>
+                <a:effectLst/>
+                <a:latin typeface="Calibri" panose="020F0502020204030204" pitchFamily="34" charset="0"/>
+                <a:ea typeface="Calibri" panose="020F0502020204030204" pitchFamily="34" charset="0"/>
+                <a:cs typeface="Times New Roman" panose="02020603050405020304" pitchFamily="18" charset="0"/>
+              </a:rPr>
+              <a:t>"</a:t>
+            </a:r>
+            <a:r>
+              <a:rPr lang="en-US" dirty="0" err="1">
+                <a:solidFill>
+                  <a:srgbClr val="00B050"/>
+                </a:solidFill>
+                <a:effectLst/>
+                <a:latin typeface="Calibri" panose="020F0502020204030204" pitchFamily="34" charset="0"/>
+                <a:ea typeface="Calibri" panose="020F0502020204030204" pitchFamily="34" charset="0"/>
+                <a:cs typeface="Times New Roman" panose="02020603050405020304" pitchFamily="18" charset="0"/>
+              </a:rPr>
+              <a:t>uifile</a:t>
+            </a:r>
+            <a:r>
+              <a:rPr lang="en-US" dirty="0">
+                <a:solidFill>
+                  <a:srgbClr val="00B050"/>
+                </a:solidFill>
+                <a:effectLst/>
+                <a:latin typeface="Calibri" panose="020F0502020204030204" pitchFamily="34" charset="0"/>
+                <a:ea typeface="Calibri" panose="020F0502020204030204" pitchFamily="34" charset="0"/>
+                <a:cs typeface="Times New Roman" panose="02020603050405020304" pitchFamily="18" charset="0"/>
+              </a:rPr>
+              <a:t>"</a:t>
+            </a:r>
+            <a:r>
+              <a:rPr lang="en-US" dirty="0">
+                <a:solidFill>
+                  <a:schemeClr val="tx1"/>
+                </a:solidFill>
+                <a:effectLst/>
+                <a:latin typeface="Calibri" panose="020F0502020204030204" pitchFamily="34" charset="0"/>
+                <a:ea typeface="Calibri" panose="020F0502020204030204" pitchFamily="34" charset="0"/>
+                <a:cs typeface="Times New Roman" panose="02020603050405020304" pitchFamily="18" charset="0"/>
+              </a:rPr>
+              <a:t>,</a:t>
+            </a:r>
+            <a:r>
+              <a:rPr lang="en-US" dirty="0">
+                <a:solidFill>
+                  <a:srgbClr val="00B050"/>
+                </a:solidFill>
+                <a:effectLst/>
+                <a:latin typeface="Calibri" panose="020F0502020204030204" pitchFamily="34" charset="0"/>
+                <a:ea typeface="Calibri" panose="020F0502020204030204" pitchFamily="34" charset="0"/>
+                <a:cs typeface="Times New Roman" panose="02020603050405020304" pitchFamily="18" charset="0"/>
+              </a:rPr>
+              <a:t> </a:t>
+            </a:r>
+            <a:r>
+              <a:rPr lang="en-US" dirty="0">
+                <a:effectLst/>
+                <a:latin typeface="Calibri" panose="020F0502020204030204" pitchFamily="34" charset="0"/>
+                <a:ea typeface="Calibri" panose="020F0502020204030204" pitchFamily="34" charset="0"/>
+                <a:cs typeface="Times New Roman" panose="02020603050405020304" pitchFamily="18" charset="0"/>
+              </a:rPr>
+              <a:t>perm, </a:t>
+            </a:r>
+            <a:r>
+              <a:rPr lang="en-US" dirty="0" err="1">
+                <a:effectLst/>
+                <a:latin typeface="Calibri" panose="020F0502020204030204" pitchFamily="34" charset="0"/>
+                <a:ea typeface="Calibri" panose="020F0502020204030204" pitchFamily="34" charset="0"/>
+                <a:cs typeface="Times New Roman" panose="02020603050405020304" pitchFamily="18" charset="0"/>
+              </a:rPr>
+              <a:t>logwin</a:t>
+            </a:r>
+            <a:r>
+              <a:rPr lang="en-US" dirty="0">
+                <a:effectLst/>
+                <a:latin typeface="Calibri" panose="020F0502020204030204" pitchFamily="34" charset="0"/>
+                <a:ea typeface="Calibri" panose="020F0502020204030204" pitchFamily="34" charset="0"/>
+                <a:cs typeface="Times New Roman" panose="02020603050405020304" pitchFamily="18" charset="0"/>
+              </a:rPr>
+              <a:t>);</a:t>
+            </a:r>
+          </a:p>
+          <a:p>
+            <a:pPr marL="0" marR="0" indent="0">
+              <a:lnSpc>
+                <a:spcPct val="107000"/>
+              </a:lnSpc>
+              <a:spcBef>
+                <a:spcPts val="0"/>
+              </a:spcBef>
+              <a:spcAft>
+                <a:spcPts val="0"/>
+              </a:spcAft>
+              <a:buNone/>
+            </a:pPr>
+            <a:r>
+              <a:rPr lang="en-US" dirty="0" err="1">
+                <a:effectLst/>
+                <a:latin typeface="Calibri" panose="020F0502020204030204" pitchFamily="34" charset="0"/>
+                <a:ea typeface="Calibri" panose="020F0502020204030204" pitchFamily="34" charset="0"/>
+                <a:cs typeface="Times New Roman" panose="02020603050405020304" pitchFamily="18" charset="0"/>
+              </a:rPr>
+              <a:t>write_window</a:t>
+            </a:r>
+            <a:r>
+              <a:rPr lang="en-US" dirty="0">
+                <a:effectLst/>
+                <a:latin typeface="Calibri" panose="020F0502020204030204" pitchFamily="34" charset="0"/>
+                <a:ea typeface="Calibri" panose="020F0502020204030204" pitchFamily="34" charset="0"/>
+                <a:cs typeface="Times New Roman" panose="02020603050405020304" pitchFamily="18" charset="0"/>
+              </a:rPr>
+              <a:t>(</a:t>
+            </a:r>
+            <a:r>
+              <a:rPr lang="en-US" dirty="0" err="1">
+                <a:effectLst/>
+                <a:latin typeface="Calibri" panose="020F0502020204030204" pitchFamily="34" charset="0"/>
+                <a:ea typeface="Calibri" panose="020F0502020204030204" pitchFamily="34" charset="0"/>
+                <a:cs typeface="Times New Roman" panose="02020603050405020304" pitchFamily="18" charset="0"/>
+              </a:rPr>
+              <a:t>logwin</a:t>
+            </a:r>
+            <a:r>
+              <a:rPr lang="en-US" dirty="0">
+                <a:effectLst/>
+                <a:latin typeface="Calibri" panose="020F0502020204030204" pitchFamily="34" charset="0"/>
+                <a:ea typeface="Calibri" panose="020F0502020204030204" pitchFamily="34" charset="0"/>
+                <a:cs typeface="Times New Roman" panose="02020603050405020304" pitchFamily="18" charset="0"/>
+              </a:rPr>
+              <a:t>, </a:t>
+            </a:r>
+            <a:r>
+              <a:rPr lang="en-US" dirty="0">
+                <a:solidFill>
+                  <a:srgbClr val="00B050"/>
+                </a:solidFill>
+                <a:effectLst/>
+                <a:latin typeface="Calibri" panose="020F0502020204030204" pitchFamily="34" charset="0"/>
+                <a:ea typeface="Calibri" panose="020F0502020204030204" pitchFamily="34" charset="0"/>
+                <a:cs typeface="Times New Roman" panose="02020603050405020304" pitchFamily="18" charset="0"/>
+              </a:rPr>
+              <a:t>" calling Dir(task id);\n" </a:t>
+            </a:r>
+            <a:r>
+              <a:rPr lang="en-US" dirty="0">
+                <a:effectLst/>
+                <a:latin typeface="Calibri" panose="020F0502020204030204" pitchFamily="34" charset="0"/>
+                <a:ea typeface="Calibri" panose="020F0502020204030204" pitchFamily="34" charset="0"/>
+                <a:cs typeface="Times New Roman" panose="02020603050405020304" pitchFamily="18" charset="0"/>
+              </a:rPr>
+              <a:t>);</a:t>
+            </a:r>
+          </a:p>
+          <a:p>
+            <a:pPr marL="0" marR="0" indent="0">
+              <a:lnSpc>
+                <a:spcPct val="107000"/>
+              </a:lnSpc>
+              <a:spcBef>
+                <a:spcPts val="0"/>
+              </a:spcBef>
+              <a:spcAft>
+                <a:spcPts val="0"/>
+              </a:spcAft>
+              <a:buNone/>
+            </a:pPr>
+            <a:r>
+              <a:rPr lang="en-US" dirty="0" err="1">
+                <a:effectLst/>
+                <a:latin typeface="Calibri" panose="020F0502020204030204" pitchFamily="34" charset="0"/>
+                <a:ea typeface="Calibri" panose="020F0502020204030204" pitchFamily="34" charset="0"/>
+                <a:cs typeface="Times New Roman" panose="02020603050405020304" pitchFamily="18" charset="0"/>
+              </a:rPr>
+              <a:t>superuser.Dir</a:t>
+            </a:r>
+            <a:r>
+              <a:rPr lang="en-US" dirty="0">
+                <a:effectLst/>
+                <a:latin typeface="Calibri" panose="020F0502020204030204" pitchFamily="34" charset="0"/>
+                <a:ea typeface="Calibri" panose="020F0502020204030204" pitchFamily="34" charset="0"/>
+                <a:cs typeface="Times New Roman" panose="02020603050405020304" pitchFamily="18" charset="0"/>
+              </a:rPr>
+              <a:t>(</a:t>
+            </a:r>
+            <a:r>
+              <a:rPr lang="en-US" dirty="0" err="1">
+                <a:effectLst/>
+                <a:latin typeface="Calibri" panose="020F0502020204030204" pitchFamily="34" charset="0"/>
+                <a:ea typeface="Calibri" panose="020F0502020204030204" pitchFamily="34" charset="0"/>
+                <a:cs typeface="Times New Roman" panose="02020603050405020304" pitchFamily="18" charset="0"/>
+              </a:rPr>
+              <a:t>tcb</a:t>
+            </a:r>
+            <a:r>
+              <a:rPr lang="en-US" dirty="0">
+                <a:effectLst/>
+                <a:latin typeface="Calibri" panose="020F0502020204030204" pitchFamily="34" charset="0"/>
+                <a:ea typeface="Calibri" panose="020F0502020204030204" pitchFamily="34" charset="0"/>
+                <a:cs typeface="Times New Roman" panose="02020603050405020304" pitchFamily="18" charset="0"/>
+              </a:rPr>
+              <a:t>-&gt;</a:t>
+            </a:r>
+            <a:r>
+              <a:rPr lang="en-US" dirty="0" err="1">
+                <a:effectLst/>
+                <a:latin typeface="Calibri" panose="020F0502020204030204" pitchFamily="34" charset="0"/>
+                <a:ea typeface="Calibri" panose="020F0502020204030204" pitchFamily="34" charset="0"/>
+                <a:cs typeface="Times New Roman" panose="02020603050405020304" pitchFamily="18" charset="0"/>
+              </a:rPr>
+              <a:t>thread_no,memwin</a:t>
+            </a:r>
+            <a:r>
+              <a:rPr lang="en-US" dirty="0">
+                <a:effectLst/>
+                <a:latin typeface="Calibri" panose="020F0502020204030204" pitchFamily="34" charset="0"/>
+                <a:ea typeface="Calibri" panose="020F0502020204030204" pitchFamily="34" charset="0"/>
+                <a:cs typeface="Times New Roman" panose="02020603050405020304" pitchFamily="18" charset="0"/>
+              </a:rPr>
+              <a:t>);</a:t>
+            </a:r>
+          </a:p>
+          <a:p>
+            <a:pPr marL="0" marR="0" indent="0">
+              <a:lnSpc>
+                <a:spcPct val="107000"/>
+              </a:lnSpc>
+              <a:spcBef>
+                <a:spcPts val="0"/>
+              </a:spcBef>
+              <a:spcAft>
+                <a:spcPts val="0"/>
+              </a:spcAft>
+              <a:buNone/>
+            </a:pPr>
+            <a:r>
+              <a:rPr lang="en-US" dirty="0" err="1">
+                <a:effectLst/>
+                <a:latin typeface="Calibri" panose="020F0502020204030204" pitchFamily="34" charset="0"/>
+                <a:ea typeface="Calibri" panose="020F0502020204030204" pitchFamily="34" charset="0"/>
+                <a:cs typeface="Times New Roman" panose="02020603050405020304" pitchFamily="18" charset="0"/>
+              </a:rPr>
+              <a:t>write_window</a:t>
+            </a:r>
+            <a:r>
+              <a:rPr lang="en-US" dirty="0">
+                <a:effectLst/>
+                <a:latin typeface="Calibri" panose="020F0502020204030204" pitchFamily="34" charset="0"/>
+                <a:ea typeface="Calibri" panose="020F0502020204030204" pitchFamily="34" charset="0"/>
+                <a:cs typeface="Times New Roman" panose="02020603050405020304" pitchFamily="18" charset="0"/>
+              </a:rPr>
+              <a:t>(</a:t>
+            </a:r>
+            <a:r>
+              <a:rPr lang="en-US" dirty="0" err="1">
+                <a:effectLst/>
+                <a:latin typeface="Calibri" panose="020F0502020204030204" pitchFamily="34" charset="0"/>
+                <a:ea typeface="Calibri" panose="020F0502020204030204" pitchFamily="34" charset="0"/>
+                <a:cs typeface="Times New Roman" panose="02020603050405020304" pitchFamily="18" charset="0"/>
+              </a:rPr>
+              <a:t>logwin</a:t>
+            </a:r>
+            <a:r>
+              <a:rPr lang="en-US" dirty="0">
+                <a:effectLst/>
+                <a:latin typeface="Calibri" panose="020F0502020204030204" pitchFamily="34" charset="0"/>
+                <a:ea typeface="Calibri" panose="020F0502020204030204" pitchFamily="34" charset="0"/>
+                <a:cs typeface="Times New Roman" panose="02020603050405020304" pitchFamily="18" charset="0"/>
+              </a:rPr>
+              <a:t>, </a:t>
+            </a:r>
+            <a:r>
+              <a:rPr lang="en-US" dirty="0">
+                <a:solidFill>
+                  <a:srgbClr val="00B050"/>
+                </a:solidFill>
+                <a:effectLst/>
+                <a:latin typeface="Calibri" panose="020F0502020204030204" pitchFamily="34" charset="0"/>
+                <a:ea typeface="Calibri" panose="020F0502020204030204" pitchFamily="34" charset="0"/>
+                <a:cs typeface="Times New Roman" panose="02020603050405020304" pitchFamily="18" charset="0"/>
+              </a:rPr>
+              <a:t>" calling dump\n"</a:t>
+            </a:r>
+            <a:r>
+              <a:rPr lang="en-US" dirty="0">
+                <a:effectLst/>
+                <a:latin typeface="Calibri" panose="020F0502020204030204" pitchFamily="34" charset="0"/>
+                <a:ea typeface="Calibri" panose="020F0502020204030204" pitchFamily="34" charset="0"/>
+                <a:cs typeface="Times New Roman" panose="02020603050405020304" pitchFamily="18" charset="0"/>
+              </a:rPr>
+              <a:t> );</a:t>
+            </a:r>
+          </a:p>
+          <a:p>
+            <a:pPr marL="0" marR="0" indent="0">
+              <a:lnSpc>
+                <a:spcPct val="107000"/>
+              </a:lnSpc>
+              <a:spcBef>
+                <a:spcPts val="0"/>
+              </a:spcBef>
+              <a:spcAft>
+                <a:spcPts val="0"/>
+              </a:spcAft>
+              <a:buNone/>
+            </a:pPr>
+            <a:r>
+              <a:rPr lang="en-US" dirty="0" err="1">
+                <a:effectLst/>
+                <a:latin typeface="Calibri" panose="020F0502020204030204" pitchFamily="34" charset="0"/>
+                <a:ea typeface="Calibri" panose="020F0502020204030204" pitchFamily="34" charset="0"/>
+                <a:cs typeface="Times New Roman" panose="02020603050405020304" pitchFamily="18" charset="0"/>
+              </a:rPr>
+              <a:t>superuser.dump</a:t>
+            </a:r>
+            <a:r>
+              <a:rPr lang="en-US" dirty="0">
+                <a:effectLst/>
+                <a:latin typeface="Calibri" panose="020F0502020204030204" pitchFamily="34" charset="0"/>
+                <a:ea typeface="Calibri" panose="020F0502020204030204" pitchFamily="34" charset="0"/>
+                <a:cs typeface="Times New Roman" panose="02020603050405020304" pitchFamily="18" charset="0"/>
+              </a:rPr>
+              <a:t>(</a:t>
+            </a:r>
+            <a:r>
+              <a:rPr lang="en-US" dirty="0" err="1">
+                <a:effectLst/>
+                <a:latin typeface="Calibri" panose="020F0502020204030204" pitchFamily="34" charset="0"/>
+                <a:ea typeface="Calibri" panose="020F0502020204030204" pitchFamily="34" charset="0"/>
+                <a:cs typeface="Times New Roman" panose="02020603050405020304" pitchFamily="18" charset="0"/>
+              </a:rPr>
+              <a:t>memwin</a:t>
+            </a:r>
+            <a:r>
+              <a:rPr lang="en-US" dirty="0">
+                <a:effectLst/>
+                <a:latin typeface="Calibri" panose="020F0502020204030204" pitchFamily="34" charset="0"/>
+                <a:ea typeface="Calibri" panose="020F0502020204030204" pitchFamily="34" charset="0"/>
+                <a:cs typeface="Times New Roman" panose="02020603050405020304" pitchFamily="18" charset="0"/>
+              </a:rPr>
+              <a:t>);</a:t>
+            </a:r>
+          </a:p>
+          <a:p>
+            <a:pPr marL="0" marR="0" indent="0">
+              <a:lnSpc>
+                <a:spcPct val="107000"/>
+              </a:lnSpc>
+              <a:spcBef>
+                <a:spcPts val="0"/>
+              </a:spcBef>
+              <a:spcAft>
+                <a:spcPts val="0"/>
+              </a:spcAft>
+              <a:buNone/>
+            </a:pPr>
+            <a:r>
+              <a:rPr lang="en-US" dirty="0" err="1">
+                <a:effectLst/>
+                <a:latin typeface="Calibri" panose="020F0502020204030204" pitchFamily="34" charset="0"/>
+                <a:ea typeface="Calibri" panose="020F0502020204030204" pitchFamily="34" charset="0"/>
+                <a:cs typeface="Times New Roman" panose="02020603050405020304" pitchFamily="18" charset="0"/>
+              </a:rPr>
+              <a:t>write_window</a:t>
+            </a:r>
+            <a:r>
+              <a:rPr lang="en-US" dirty="0">
+                <a:effectLst/>
+                <a:latin typeface="Calibri" panose="020F0502020204030204" pitchFamily="34" charset="0"/>
+                <a:ea typeface="Calibri" panose="020F0502020204030204" pitchFamily="34" charset="0"/>
+                <a:cs typeface="Times New Roman" panose="02020603050405020304" pitchFamily="18" charset="0"/>
+              </a:rPr>
+              <a:t>(</a:t>
+            </a:r>
+            <a:r>
+              <a:rPr lang="en-US" dirty="0" err="1">
+                <a:effectLst/>
+                <a:latin typeface="Calibri" panose="020F0502020204030204" pitchFamily="34" charset="0"/>
+                <a:ea typeface="Calibri" panose="020F0502020204030204" pitchFamily="34" charset="0"/>
+                <a:cs typeface="Times New Roman" panose="02020603050405020304" pitchFamily="18" charset="0"/>
+              </a:rPr>
+              <a:t>logwin</a:t>
+            </a:r>
+            <a:r>
+              <a:rPr lang="en-US" dirty="0">
+                <a:effectLst/>
+                <a:latin typeface="Calibri" panose="020F0502020204030204" pitchFamily="34" charset="0"/>
+                <a:ea typeface="Calibri" panose="020F0502020204030204" pitchFamily="34" charset="0"/>
+                <a:cs typeface="Times New Roman" panose="02020603050405020304" pitchFamily="18" charset="0"/>
+              </a:rPr>
+              <a:t>, </a:t>
+            </a:r>
+            <a:r>
+              <a:rPr lang="en-US" dirty="0">
+                <a:solidFill>
+                  <a:srgbClr val="00B050"/>
+                </a:solidFill>
+                <a:effectLst/>
+                <a:latin typeface="Calibri" panose="020F0502020204030204" pitchFamily="34" charset="0"/>
+                <a:ea typeface="Calibri" panose="020F0502020204030204" pitchFamily="34" charset="0"/>
+                <a:cs typeface="Times New Roman" panose="02020603050405020304" pitchFamily="18" charset="0"/>
+              </a:rPr>
+              <a:t>" calling read\n"</a:t>
+            </a:r>
+            <a:r>
+              <a:rPr lang="en-US" dirty="0">
+                <a:effectLst/>
+                <a:latin typeface="Calibri" panose="020F0502020204030204" pitchFamily="34" charset="0"/>
+                <a:ea typeface="Calibri" panose="020F0502020204030204" pitchFamily="34" charset="0"/>
+                <a:cs typeface="Times New Roman" panose="02020603050405020304" pitchFamily="18" charset="0"/>
+              </a:rPr>
+              <a:t> );</a:t>
+            </a:r>
+          </a:p>
+          <a:p>
+            <a:pPr marL="0" marR="0" indent="0">
+              <a:lnSpc>
+                <a:spcPct val="107000"/>
+              </a:lnSpc>
+              <a:spcBef>
+                <a:spcPts val="0"/>
+              </a:spcBef>
+              <a:spcAft>
+                <a:spcPts val="0"/>
+              </a:spcAft>
+              <a:buNone/>
+            </a:pPr>
+            <a:r>
+              <a:rPr lang="en-US" b="1" dirty="0">
+                <a:effectLst/>
+                <a:latin typeface="Calibri" panose="020F0502020204030204" pitchFamily="34" charset="0"/>
+                <a:ea typeface="Calibri" panose="020F0502020204030204" pitchFamily="34" charset="0"/>
+                <a:cs typeface="Times New Roman" panose="02020603050405020304" pitchFamily="18" charset="0"/>
+              </a:rPr>
+              <a:t>char</a:t>
+            </a:r>
+            <a:r>
+              <a:rPr lang="en-US" dirty="0">
+                <a:effectLst/>
+                <a:latin typeface="Calibri" panose="020F0502020204030204" pitchFamily="34" charset="0"/>
+                <a:ea typeface="Calibri" panose="020F0502020204030204" pitchFamily="34" charset="0"/>
+                <a:cs typeface="Times New Roman" panose="02020603050405020304" pitchFamily="18" charset="0"/>
+              </a:rPr>
+              <a:t> v;</a:t>
+            </a:r>
+          </a:p>
+          <a:p>
+            <a:pPr marL="0" marR="0" indent="0">
+              <a:lnSpc>
+                <a:spcPct val="107000"/>
+              </a:lnSpc>
+              <a:spcBef>
+                <a:spcPts val="0"/>
+              </a:spcBef>
+              <a:spcAft>
+                <a:spcPts val="0"/>
+              </a:spcAft>
+              <a:buNone/>
+            </a:pPr>
+            <a:r>
+              <a:rPr lang="en-US" dirty="0" err="1">
+                <a:effectLst/>
+                <a:latin typeface="Calibri" panose="020F0502020204030204" pitchFamily="34" charset="0"/>
+                <a:ea typeface="Calibri" panose="020F0502020204030204" pitchFamily="34" charset="0"/>
+                <a:cs typeface="Times New Roman" panose="02020603050405020304" pitchFamily="18" charset="0"/>
+              </a:rPr>
+              <a:t>superuser.Read_Char</a:t>
+            </a:r>
+            <a:r>
+              <a:rPr lang="en-US" dirty="0">
+                <a:effectLst/>
+                <a:latin typeface="Calibri" panose="020F0502020204030204" pitchFamily="34" charset="0"/>
+                <a:ea typeface="Calibri" panose="020F0502020204030204" pitchFamily="34" charset="0"/>
+                <a:cs typeface="Times New Roman" panose="02020603050405020304" pitchFamily="18" charset="0"/>
+              </a:rPr>
+              <a:t>(</a:t>
+            </a:r>
+            <a:r>
+              <a:rPr lang="en-US" dirty="0" err="1">
+                <a:effectLst/>
+                <a:latin typeface="Calibri" panose="020F0502020204030204" pitchFamily="34" charset="0"/>
+                <a:ea typeface="Calibri" panose="020F0502020204030204" pitchFamily="34" charset="0"/>
+                <a:cs typeface="Times New Roman" panose="02020603050405020304" pitchFamily="18" charset="0"/>
+              </a:rPr>
+              <a:t>tcb</a:t>
+            </a:r>
+            <a:r>
+              <a:rPr lang="en-US" dirty="0">
+                <a:effectLst/>
+                <a:latin typeface="Calibri" panose="020F0502020204030204" pitchFamily="34" charset="0"/>
+                <a:ea typeface="Calibri" panose="020F0502020204030204" pitchFamily="34" charset="0"/>
+                <a:cs typeface="Times New Roman" panose="02020603050405020304" pitchFamily="18" charset="0"/>
+              </a:rPr>
+              <a:t>-&gt;</a:t>
+            </a:r>
+            <a:r>
+              <a:rPr lang="en-US" dirty="0" err="1">
+                <a:effectLst/>
+                <a:latin typeface="Calibri" panose="020F0502020204030204" pitchFamily="34" charset="0"/>
+                <a:ea typeface="Calibri" panose="020F0502020204030204" pitchFamily="34" charset="0"/>
+                <a:cs typeface="Times New Roman" panose="02020603050405020304" pitchFamily="18" charset="0"/>
+              </a:rPr>
+              <a:t>thread_no</a:t>
+            </a:r>
+            <a:r>
+              <a:rPr lang="en-US" dirty="0">
+                <a:effectLst/>
+                <a:latin typeface="Calibri" panose="020F0502020204030204" pitchFamily="34" charset="0"/>
+                <a:ea typeface="Calibri" panose="020F0502020204030204" pitchFamily="34" charset="0"/>
+                <a:cs typeface="Times New Roman" panose="02020603050405020304" pitchFamily="18" charset="0"/>
+              </a:rPr>
+              <a:t>, (</a:t>
+            </a:r>
+            <a:r>
+              <a:rPr lang="en-US" b="1" dirty="0">
+                <a:effectLst/>
+                <a:latin typeface="Calibri" panose="020F0502020204030204" pitchFamily="34" charset="0"/>
+                <a:ea typeface="Calibri" panose="020F0502020204030204" pitchFamily="34" charset="0"/>
+                <a:cs typeface="Times New Roman" panose="02020603050405020304" pitchFamily="18" charset="0"/>
+              </a:rPr>
+              <a:t>char</a:t>
+            </a:r>
+            <a:r>
+              <a:rPr lang="en-US" dirty="0">
+                <a:effectLst/>
+                <a:latin typeface="Calibri" panose="020F0502020204030204" pitchFamily="34" charset="0"/>
+                <a:ea typeface="Calibri" panose="020F0502020204030204" pitchFamily="34" charset="0"/>
+                <a:cs typeface="Times New Roman" panose="02020603050405020304" pitchFamily="18" charset="0"/>
+              </a:rPr>
+              <a:t>*)</a:t>
+            </a:r>
+            <a:r>
+              <a:rPr lang="en-US" dirty="0">
+                <a:solidFill>
+                  <a:srgbClr val="00B050"/>
+                </a:solidFill>
+                <a:effectLst/>
+                <a:latin typeface="Calibri" panose="020F0502020204030204" pitchFamily="34" charset="0"/>
+                <a:ea typeface="Calibri" panose="020F0502020204030204" pitchFamily="34" charset="0"/>
+                <a:cs typeface="Times New Roman" panose="02020603050405020304" pitchFamily="18" charset="0"/>
+              </a:rPr>
+              <a:t> "</a:t>
+            </a:r>
+            <a:r>
+              <a:rPr lang="en-US" dirty="0" err="1">
+                <a:solidFill>
+                  <a:srgbClr val="00B050"/>
+                </a:solidFill>
+                <a:effectLst/>
+                <a:latin typeface="Calibri" panose="020F0502020204030204" pitchFamily="34" charset="0"/>
+                <a:ea typeface="Calibri" panose="020F0502020204030204" pitchFamily="34" charset="0"/>
+                <a:cs typeface="Times New Roman" panose="02020603050405020304" pitchFamily="18" charset="0"/>
+              </a:rPr>
+              <a:t>uifile</a:t>
+            </a:r>
+            <a:r>
+              <a:rPr lang="en-US" dirty="0">
+                <a:solidFill>
+                  <a:srgbClr val="00B050"/>
+                </a:solidFill>
+                <a:effectLst/>
+                <a:latin typeface="Calibri" panose="020F0502020204030204" pitchFamily="34" charset="0"/>
+                <a:ea typeface="Calibri" panose="020F0502020204030204" pitchFamily="34" charset="0"/>
+                <a:cs typeface="Times New Roman" panose="02020603050405020304" pitchFamily="18" charset="0"/>
+              </a:rPr>
+              <a:t>"</a:t>
+            </a:r>
+            <a:r>
+              <a:rPr lang="en-US" dirty="0">
+                <a:solidFill>
+                  <a:schemeClr val="tx1"/>
+                </a:solidFill>
+                <a:effectLst/>
+                <a:latin typeface="Calibri" panose="020F0502020204030204" pitchFamily="34" charset="0"/>
+                <a:ea typeface="Calibri" panose="020F0502020204030204" pitchFamily="34" charset="0"/>
+                <a:cs typeface="Times New Roman" panose="02020603050405020304" pitchFamily="18" charset="0"/>
+              </a:rPr>
+              <a:t>,</a:t>
+            </a:r>
+            <a:r>
+              <a:rPr lang="en-US" dirty="0">
+                <a:solidFill>
+                  <a:srgbClr val="00B050"/>
+                </a:solidFill>
+                <a:effectLst/>
+                <a:latin typeface="Calibri" panose="020F0502020204030204" pitchFamily="34" charset="0"/>
+                <a:ea typeface="Calibri" panose="020F0502020204030204" pitchFamily="34" charset="0"/>
+                <a:cs typeface="Times New Roman" panose="02020603050405020304" pitchFamily="18" charset="0"/>
+              </a:rPr>
+              <a:t> </a:t>
+            </a:r>
+            <a:r>
+              <a:rPr lang="en-US" dirty="0">
+                <a:effectLst/>
+                <a:latin typeface="Calibri" panose="020F0502020204030204" pitchFamily="34" charset="0"/>
+                <a:ea typeface="Calibri" panose="020F0502020204030204" pitchFamily="34" charset="0"/>
+                <a:cs typeface="Times New Roman" panose="02020603050405020304" pitchFamily="18" charset="0"/>
+              </a:rPr>
+              <a:t>&amp;v);</a:t>
+            </a:r>
+          </a:p>
+          <a:p>
+            <a:pPr marL="0" marR="0" indent="0">
+              <a:lnSpc>
+                <a:spcPct val="107000"/>
+              </a:lnSpc>
+              <a:spcBef>
+                <a:spcPts val="0"/>
+              </a:spcBef>
+              <a:spcAft>
+                <a:spcPts val="0"/>
+              </a:spcAft>
+              <a:buNone/>
+            </a:pPr>
+            <a:r>
+              <a:rPr lang="en-US" b="1" dirty="0">
+                <a:effectLst/>
+                <a:latin typeface="Calibri" panose="020F0502020204030204" pitchFamily="34" charset="0"/>
+                <a:ea typeface="Calibri" panose="020F0502020204030204" pitchFamily="34" charset="0"/>
+                <a:cs typeface="Times New Roman" panose="02020603050405020304" pitchFamily="18" charset="0"/>
+              </a:rPr>
+              <a:t>char</a:t>
+            </a:r>
+            <a:r>
+              <a:rPr lang="en-US" dirty="0">
+                <a:effectLst/>
+                <a:latin typeface="Calibri" panose="020F0502020204030204" pitchFamily="34" charset="0"/>
+                <a:ea typeface="Calibri" panose="020F0502020204030204" pitchFamily="34" charset="0"/>
+                <a:cs typeface="Times New Roman" panose="02020603050405020304" pitchFamily="18" charset="0"/>
+              </a:rPr>
+              <a:t> </a:t>
+            </a:r>
+            <a:r>
+              <a:rPr lang="en-US" dirty="0" err="1">
+                <a:effectLst/>
+                <a:latin typeface="Calibri" panose="020F0502020204030204" pitchFamily="34" charset="0"/>
+                <a:ea typeface="Calibri" panose="020F0502020204030204" pitchFamily="34" charset="0"/>
+                <a:cs typeface="Times New Roman" panose="02020603050405020304" pitchFamily="18" charset="0"/>
+              </a:rPr>
+              <a:t>buffread</a:t>
+            </a:r>
+            <a:r>
+              <a:rPr lang="en-US" dirty="0">
+                <a:effectLst/>
+                <a:latin typeface="Calibri" panose="020F0502020204030204" pitchFamily="34" charset="0"/>
+                <a:ea typeface="Calibri" panose="020F0502020204030204" pitchFamily="34" charset="0"/>
+                <a:cs typeface="Times New Roman" panose="02020603050405020304" pitchFamily="18" charset="0"/>
+              </a:rPr>
+              <a:t>[256];</a:t>
+            </a:r>
+          </a:p>
+          <a:p>
+            <a:pPr marL="0" marR="0" indent="0">
+              <a:lnSpc>
+                <a:spcPct val="107000"/>
+              </a:lnSpc>
+              <a:spcBef>
+                <a:spcPts val="0"/>
+              </a:spcBef>
+              <a:spcAft>
+                <a:spcPts val="0"/>
+              </a:spcAft>
+              <a:buNone/>
+            </a:pPr>
+            <a:r>
+              <a:rPr lang="en-US" dirty="0" err="1">
+                <a:effectLst/>
+                <a:latin typeface="Calibri" panose="020F0502020204030204" pitchFamily="34" charset="0"/>
+                <a:ea typeface="Calibri" panose="020F0502020204030204" pitchFamily="34" charset="0"/>
+                <a:cs typeface="Times New Roman" panose="02020603050405020304" pitchFamily="18" charset="0"/>
+              </a:rPr>
+              <a:t>sprintf</a:t>
+            </a:r>
+            <a:r>
+              <a:rPr lang="en-US" dirty="0">
+                <a:effectLst/>
+                <a:latin typeface="Calibri" panose="020F0502020204030204" pitchFamily="34" charset="0"/>
+                <a:ea typeface="Calibri" panose="020F0502020204030204" pitchFamily="34" charset="0"/>
+                <a:cs typeface="Times New Roman" panose="02020603050405020304" pitchFamily="18" charset="0"/>
+              </a:rPr>
+              <a:t>(buff, </a:t>
+            </a:r>
+            <a:r>
+              <a:rPr lang="en-US" dirty="0">
+                <a:solidFill>
+                  <a:srgbClr val="00B050"/>
+                </a:solidFill>
+                <a:effectLst/>
+                <a:latin typeface="Calibri" panose="020F0502020204030204" pitchFamily="34" charset="0"/>
+                <a:ea typeface="Calibri" panose="020F0502020204030204" pitchFamily="34" charset="0"/>
+                <a:cs typeface="Times New Roman" panose="02020603050405020304" pitchFamily="18" charset="0"/>
+              </a:rPr>
+              <a:t>" read in from </a:t>
+            </a:r>
+            <a:r>
+              <a:rPr lang="en-US" dirty="0" err="1">
+                <a:solidFill>
+                  <a:srgbClr val="00B050"/>
+                </a:solidFill>
+                <a:effectLst/>
+                <a:latin typeface="Calibri" panose="020F0502020204030204" pitchFamily="34" charset="0"/>
+                <a:ea typeface="Calibri" panose="020F0502020204030204" pitchFamily="34" charset="0"/>
+                <a:cs typeface="Times New Roman" panose="02020603050405020304" pitchFamily="18" charset="0"/>
+              </a:rPr>
+              <a:t>uifile</a:t>
+            </a:r>
+            <a:r>
+              <a:rPr lang="en-US" dirty="0">
+                <a:solidFill>
+                  <a:srgbClr val="00B050"/>
+                </a:solidFill>
+                <a:effectLst/>
+                <a:latin typeface="Calibri" panose="020F0502020204030204" pitchFamily="34" charset="0"/>
+                <a:ea typeface="Calibri" panose="020F0502020204030204" pitchFamily="34" charset="0"/>
+                <a:cs typeface="Times New Roman" panose="02020603050405020304" pitchFamily="18" charset="0"/>
+              </a:rPr>
+              <a:t> = %c \n"</a:t>
+            </a:r>
+            <a:r>
+              <a:rPr lang="en-US" dirty="0">
+                <a:effectLst/>
+                <a:latin typeface="Calibri" panose="020F0502020204030204" pitchFamily="34" charset="0"/>
+                <a:ea typeface="Calibri" panose="020F0502020204030204" pitchFamily="34" charset="0"/>
+                <a:cs typeface="Times New Roman" panose="02020603050405020304" pitchFamily="18" charset="0"/>
+              </a:rPr>
+              <a:t>, v);</a:t>
+            </a:r>
+          </a:p>
+          <a:p>
+            <a:pPr marL="0" marR="0" indent="0">
+              <a:lnSpc>
+                <a:spcPct val="107000"/>
+              </a:lnSpc>
+              <a:spcBef>
+                <a:spcPts val="0"/>
+              </a:spcBef>
+              <a:spcAft>
+                <a:spcPts val="0"/>
+              </a:spcAft>
+              <a:buNone/>
+            </a:pPr>
+            <a:r>
+              <a:rPr lang="en-US" dirty="0" err="1">
+                <a:effectLst/>
+                <a:latin typeface="Calibri" panose="020F0502020204030204" pitchFamily="34" charset="0"/>
+                <a:ea typeface="Calibri" panose="020F0502020204030204" pitchFamily="34" charset="0"/>
+                <a:cs typeface="Times New Roman" panose="02020603050405020304" pitchFamily="18" charset="0"/>
+              </a:rPr>
+              <a:t>write_window</a:t>
+            </a:r>
+            <a:r>
+              <a:rPr lang="en-US" dirty="0">
+                <a:effectLst/>
+                <a:latin typeface="Calibri" panose="020F0502020204030204" pitchFamily="34" charset="0"/>
+                <a:ea typeface="Calibri" panose="020F0502020204030204" pitchFamily="34" charset="0"/>
+                <a:cs typeface="Times New Roman" panose="02020603050405020304" pitchFamily="18" charset="0"/>
+              </a:rPr>
+              <a:t>(</a:t>
+            </a:r>
+            <a:r>
+              <a:rPr lang="en-US" dirty="0" err="1">
+                <a:effectLst/>
+                <a:latin typeface="Calibri" panose="020F0502020204030204" pitchFamily="34" charset="0"/>
+                <a:ea typeface="Calibri" panose="020F0502020204030204" pitchFamily="34" charset="0"/>
+                <a:cs typeface="Times New Roman" panose="02020603050405020304" pitchFamily="18" charset="0"/>
+              </a:rPr>
+              <a:t>logwin</a:t>
+            </a:r>
+            <a:r>
+              <a:rPr lang="en-US" dirty="0">
+                <a:effectLst/>
+                <a:latin typeface="Calibri" panose="020F0502020204030204" pitchFamily="34" charset="0"/>
+                <a:ea typeface="Calibri" panose="020F0502020204030204" pitchFamily="34" charset="0"/>
+                <a:cs typeface="Times New Roman" panose="02020603050405020304" pitchFamily="18" charset="0"/>
+              </a:rPr>
+              <a:t>, buff );</a:t>
+            </a:r>
+          </a:p>
+          <a:p>
+            <a:pPr marL="0" marR="0" indent="0">
+              <a:lnSpc>
+                <a:spcPct val="107000"/>
+              </a:lnSpc>
+              <a:spcBef>
+                <a:spcPts val="0"/>
+              </a:spcBef>
+              <a:spcAft>
+                <a:spcPts val="0"/>
+              </a:spcAft>
+              <a:buNone/>
+            </a:pPr>
+            <a:r>
+              <a:rPr lang="en-US" dirty="0" err="1">
+                <a:effectLst/>
+                <a:latin typeface="Calibri" panose="020F0502020204030204" pitchFamily="34" charset="0"/>
+                <a:ea typeface="Calibri" panose="020F0502020204030204" pitchFamily="34" charset="0"/>
+                <a:cs typeface="Times New Roman" panose="02020603050405020304" pitchFamily="18" charset="0"/>
+              </a:rPr>
+              <a:t>write_window</a:t>
+            </a:r>
+            <a:r>
+              <a:rPr lang="en-US" dirty="0">
+                <a:effectLst/>
+                <a:latin typeface="Calibri" panose="020F0502020204030204" pitchFamily="34" charset="0"/>
+                <a:ea typeface="Calibri" panose="020F0502020204030204" pitchFamily="34" charset="0"/>
+                <a:cs typeface="Times New Roman" panose="02020603050405020304" pitchFamily="18" charset="0"/>
+              </a:rPr>
+              <a:t>(</a:t>
+            </a:r>
+            <a:r>
+              <a:rPr lang="en-US" dirty="0" err="1">
+                <a:effectLst/>
+                <a:latin typeface="Calibri" panose="020F0502020204030204" pitchFamily="34" charset="0"/>
+                <a:ea typeface="Calibri" panose="020F0502020204030204" pitchFamily="34" charset="0"/>
+                <a:cs typeface="Times New Roman" panose="02020603050405020304" pitchFamily="18" charset="0"/>
+              </a:rPr>
+              <a:t>logwin</a:t>
+            </a:r>
+            <a:r>
+              <a:rPr lang="en-US" dirty="0">
+                <a:effectLst/>
+                <a:latin typeface="Calibri" panose="020F0502020204030204" pitchFamily="34" charset="0"/>
+                <a:ea typeface="Calibri" panose="020F0502020204030204" pitchFamily="34" charset="0"/>
+                <a:cs typeface="Times New Roman" panose="02020603050405020304" pitchFamily="18" charset="0"/>
+              </a:rPr>
+              <a:t>, </a:t>
+            </a:r>
+            <a:r>
+              <a:rPr lang="en-US" dirty="0">
+                <a:solidFill>
+                  <a:srgbClr val="00B050"/>
+                </a:solidFill>
+                <a:effectLst/>
+                <a:latin typeface="Calibri" panose="020F0502020204030204" pitchFamily="34" charset="0"/>
+                <a:ea typeface="Calibri" panose="020F0502020204030204" pitchFamily="34" charset="0"/>
+                <a:cs typeface="Times New Roman" panose="02020603050405020304" pitchFamily="18" charset="0"/>
+              </a:rPr>
+              <a:t>" calling delete(</a:t>
+            </a:r>
+            <a:r>
+              <a:rPr lang="en-US" dirty="0" err="1">
+                <a:solidFill>
+                  <a:srgbClr val="00B050"/>
+                </a:solidFill>
+                <a:effectLst/>
+                <a:latin typeface="Calibri" panose="020F0502020204030204" pitchFamily="34" charset="0"/>
+                <a:ea typeface="Calibri" panose="020F0502020204030204" pitchFamily="34" charset="0"/>
+                <a:cs typeface="Times New Roman" panose="02020603050405020304" pitchFamily="18" charset="0"/>
+              </a:rPr>
+              <a:t>uifile</a:t>
+            </a:r>
+            <a:r>
+              <a:rPr lang="en-US" dirty="0">
+                <a:solidFill>
+                  <a:srgbClr val="00B050"/>
+                </a:solidFill>
+                <a:effectLst/>
+                <a:latin typeface="Calibri" panose="020F0502020204030204" pitchFamily="34" charset="0"/>
+                <a:ea typeface="Calibri" panose="020F0502020204030204" pitchFamily="34" charset="0"/>
+                <a:cs typeface="Times New Roman" panose="02020603050405020304" pitchFamily="18" charset="0"/>
+              </a:rPr>
+              <a:t>)\n"</a:t>
+            </a:r>
+            <a:r>
+              <a:rPr lang="en-US" dirty="0">
+                <a:effectLst/>
+                <a:latin typeface="Calibri" panose="020F0502020204030204" pitchFamily="34" charset="0"/>
+                <a:ea typeface="Calibri" panose="020F0502020204030204" pitchFamily="34" charset="0"/>
+                <a:cs typeface="Times New Roman" panose="02020603050405020304" pitchFamily="18" charset="0"/>
+              </a:rPr>
+              <a:t> );</a:t>
+            </a:r>
+          </a:p>
+          <a:p>
+            <a:pPr marL="0" marR="0" indent="0">
+              <a:lnSpc>
+                <a:spcPct val="107000"/>
+              </a:lnSpc>
+              <a:spcBef>
+                <a:spcPts val="0"/>
+              </a:spcBef>
+              <a:spcAft>
+                <a:spcPts val="0"/>
+              </a:spcAft>
+              <a:buNone/>
+            </a:pPr>
+            <a:r>
+              <a:rPr lang="en-US" dirty="0" err="1">
+                <a:effectLst/>
+                <a:latin typeface="Calibri" panose="020F0502020204030204" pitchFamily="34" charset="0"/>
+                <a:ea typeface="Calibri" panose="020F0502020204030204" pitchFamily="34" charset="0"/>
+                <a:cs typeface="Times New Roman" panose="02020603050405020304" pitchFamily="18" charset="0"/>
+              </a:rPr>
+              <a:t>superuser.Del_file</a:t>
+            </a:r>
+            <a:r>
+              <a:rPr lang="en-US" dirty="0">
+                <a:effectLst/>
+                <a:latin typeface="Calibri" panose="020F0502020204030204" pitchFamily="34" charset="0"/>
+                <a:ea typeface="Calibri" panose="020F0502020204030204" pitchFamily="34" charset="0"/>
+                <a:cs typeface="Times New Roman" panose="02020603050405020304" pitchFamily="18" charset="0"/>
+              </a:rPr>
+              <a:t>(</a:t>
+            </a:r>
+            <a:r>
+              <a:rPr lang="en-US" dirty="0" err="1">
+                <a:effectLst/>
+                <a:latin typeface="Calibri" panose="020F0502020204030204" pitchFamily="34" charset="0"/>
+                <a:ea typeface="Calibri" panose="020F0502020204030204" pitchFamily="34" charset="0"/>
+                <a:cs typeface="Times New Roman" panose="02020603050405020304" pitchFamily="18" charset="0"/>
+              </a:rPr>
+              <a:t>tcb</a:t>
+            </a:r>
+            <a:r>
+              <a:rPr lang="en-US" dirty="0">
+                <a:effectLst/>
+                <a:latin typeface="Calibri" panose="020F0502020204030204" pitchFamily="34" charset="0"/>
+                <a:ea typeface="Calibri" panose="020F0502020204030204" pitchFamily="34" charset="0"/>
+                <a:cs typeface="Times New Roman" panose="02020603050405020304" pitchFamily="18" charset="0"/>
+              </a:rPr>
+              <a:t>-&gt;</a:t>
+            </a:r>
+            <a:r>
+              <a:rPr lang="en-US" dirty="0" err="1">
+                <a:effectLst/>
+                <a:latin typeface="Calibri" panose="020F0502020204030204" pitchFamily="34" charset="0"/>
+                <a:ea typeface="Calibri" panose="020F0502020204030204" pitchFamily="34" charset="0"/>
+                <a:cs typeface="Times New Roman" panose="02020603050405020304" pitchFamily="18" charset="0"/>
+              </a:rPr>
+              <a:t>thread_no</a:t>
+            </a:r>
+            <a:r>
+              <a:rPr lang="en-US" dirty="0">
+                <a:effectLst/>
+                <a:latin typeface="Calibri" panose="020F0502020204030204" pitchFamily="34" charset="0"/>
+                <a:ea typeface="Calibri" panose="020F0502020204030204" pitchFamily="34" charset="0"/>
+                <a:cs typeface="Times New Roman" panose="02020603050405020304" pitchFamily="18" charset="0"/>
+              </a:rPr>
+              <a:t>, (</a:t>
+            </a:r>
+            <a:r>
+              <a:rPr lang="en-US" b="1" dirty="0">
+                <a:effectLst/>
+                <a:latin typeface="Calibri" panose="020F0502020204030204" pitchFamily="34" charset="0"/>
+                <a:ea typeface="Calibri" panose="020F0502020204030204" pitchFamily="34" charset="0"/>
+                <a:cs typeface="Times New Roman" panose="02020603050405020304" pitchFamily="18" charset="0"/>
+              </a:rPr>
+              <a:t>char</a:t>
+            </a:r>
+            <a:r>
+              <a:rPr lang="en-US" dirty="0">
+                <a:effectLst/>
+                <a:latin typeface="Calibri" panose="020F0502020204030204" pitchFamily="34" charset="0"/>
+                <a:ea typeface="Calibri" panose="020F0502020204030204" pitchFamily="34" charset="0"/>
+                <a:cs typeface="Times New Roman" panose="02020603050405020304" pitchFamily="18" charset="0"/>
+              </a:rPr>
+              <a:t>*)</a:t>
+            </a:r>
+            <a:r>
+              <a:rPr lang="en-US" dirty="0">
+                <a:solidFill>
+                  <a:srgbClr val="00B050"/>
+                </a:solidFill>
+                <a:effectLst/>
+                <a:latin typeface="Calibri" panose="020F0502020204030204" pitchFamily="34" charset="0"/>
+                <a:ea typeface="Calibri" panose="020F0502020204030204" pitchFamily="34" charset="0"/>
+                <a:cs typeface="Times New Roman" panose="02020603050405020304" pitchFamily="18" charset="0"/>
+              </a:rPr>
+              <a:t>"</a:t>
+            </a:r>
+            <a:r>
+              <a:rPr lang="en-US" dirty="0" err="1">
+                <a:solidFill>
+                  <a:srgbClr val="00B050"/>
+                </a:solidFill>
+                <a:effectLst/>
+                <a:latin typeface="Calibri" panose="020F0502020204030204" pitchFamily="34" charset="0"/>
+                <a:ea typeface="Calibri" panose="020F0502020204030204" pitchFamily="34" charset="0"/>
+                <a:cs typeface="Times New Roman" panose="02020603050405020304" pitchFamily="18" charset="0"/>
+              </a:rPr>
+              <a:t>uifile</a:t>
+            </a:r>
+            <a:r>
+              <a:rPr lang="en-US" dirty="0">
+                <a:solidFill>
+                  <a:srgbClr val="00B050"/>
+                </a:solidFill>
+                <a:effectLst/>
+                <a:latin typeface="Calibri" panose="020F0502020204030204" pitchFamily="34" charset="0"/>
+                <a:ea typeface="Calibri" panose="020F0502020204030204" pitchFamily="34" charset="0"/>
+                <a:cs typeface="Times New Roman" panose="02020603050405020304" pitchFamily="18" charset="0"/>
+              </a:rPr>
+              <a:t>"</a:t>
+            </a:r>
+            <a:r>
+              <a:rPr lang="en-US" dirty="0">
+                <a:effectLst/>
+                <a:latin typeface="Calibri" panose="020F0502020204030204" pitchFamily="34" charset="0"/>
+                <a:ea typeface="Calibri" panose="020F0502020204030204" pitchFamily="34" charset="0"/>
+                <a:cs typeface="Times New Roman" panose="02020603050405020304" pitchFamily="18" charset="0"/>
+              </a:rPr>
+              <a:t>);</a:t>
+            </a:r>
+          </a:p>
+          <a:p>
+            <a:pPr marL="0" marR="0" indent="0">
+              <a:lnSpc>
+                <a:spcPct val="107000"/>
+              </a:lnSpc>
+              <a:spcBef>
+                <a:spcPts val="0"/>
+              </a:spcBef>
+              <a:spcAft>
+                <a:spcPts val="0"/>
+              </a:spcAft>
+              <a:buNone/>
+            </a:pPr>
+            <a:r>
+              <a:rPr lang="en-US" dirty="0" err="1">
+                <a:effectLst/>
+                <a:latin typeface="Calibri" panose="020F0502020204030204" pitchFamily="34" charset="0"/>
+                <a:ea typeface="Calibri" panose="020F0502020204030204" pitchFamily="34" charset="0"/>
+                <a:cs typeface="Times New Roman" panose="02020603050405020304" pitchFamily="18" charset="0"/>
+              </a:rPr>
+              <a:t>write_window</a:t>
+            </a:r>
+            <a:r>
+              <a:rPr lang="en-US" dirty="0">
+                <a:effectLst/>
+                <a:latin typeface="Calibri" panose="020F0502020204030204" pitchFamily="34" charset="0"/>
+                <a:ea typeface="Calibri" panose="020F0502020204030204" pitchFamily="34" charset="0"/>
+                <a:cs typeface="Times New Roman" panose="02020603050405020304" pitchFamily="18" charset="0"/>
+              </a:rPr>
+              <a:t>(</a:t>
+            </a:r>
+            <a:r>
+              <a:rPr lang="en-US" dirty="0" err="1">
+                <a:effectLst/>
+                <a:latin typeface="Calibri" panose="020F0502020204030204" pitchFamily="34" charset="0"/>
+                <a:ea typeface="Calibri" panose="020F0502020204030204" pitchFamily="34" charset="0"/>
+                <a:cs typeface="Times New Roman" panose="02020603050405020304" pitchFamily="18" charset="0"/>
+              </a:rPr>
+              <a:t>logwin</a:t>
+            </a:r>
+            <a:r>
+              <a:rPr lang="en-US" dirty="0">
+                <a:effectLst/>
+                <a:latin typeface="Calibri" panose="020F0502020204030204" pitchFamily="34" charset="0"/>
+                <a:ea typeface="Calibri" panose="020F0502020204030204" pitchFamily="34" charset="0"/>
+                <a:cs typeface="Times New Roman" panose="02020603050405020304" pitchFamily="18" charset="0"/>
+              </a:rPr>
+              <a:t>, </a:t>
+            </a:r>
+            <a:r>
+              <a:rPr lang="en-US" dirty="0">
+                <a:solidFill>
+                  <a:srgbClr val="00B050"/>
+                </a:solidFill>
+                <a:effectLst/>
+                <a:latin typeface="Calibri" panose="020F0502020204030204" pitchFamily="34" charset="0"/>
+                <a:ea typeface="Calibri" panose="020F0502020204030204" pitchFamily="34" charset="0"/>
+                <a:cs typeface="Times New Roman" panose="02020603050405020304" pitchFamily="18" charset="0"/>
+              </a:rPr>
+              <a:t>" calling Dir();\n"</a:t>
+            </a:r>
+            <a:r>
+              <a:rPr lang="en-US" dirty="0">
+                <a:effectLst/>
+                <a:latin typeface="Calibri" panose="020F0502020204030204" pitchFamily="34" charset="0"/>
+                <a:ea typeface="Calibri" panose="020F0502020204030204" pitchFamily="34" charset="0"/>
+                <a:cs typeface="Times New Roman" panose="02020603050405020304" pitchFamily="18" charset="0"/>
+              </a:rPr>
+              <a:t> );</a:t>
+            </a:r>
+          </a:p>
+          <a:p>
+            <a:pPr marL="0" marR="0" indent="0">
+              <a:lnSpc>
+                <a:spcPct val="107000"/>
+              </a:lnSpc>
+              <a:spcBef>
+                <a:spcPts val="0"/>
+              </a:spcBef>
+              <a:spcAft>
+                <a:spcPts val="0"/>
+              </a:spcAft>
+              <a:buNone/>
+            </a:pPr>
+            <a:r>
+              <a:rPr lang="en-US" dirty="0" err="1">
+                <a:effectLst/>
+                <a:latin typeface="Calibri" panose="020F0502020204030204" pitchFamily="34" charset="0"/>
+                <a:ea typeface="Calibri" panose="020F0502020204030204" pitchFamily="34" charset="0"/>
+                <a:cs typeface="Times New Roman" panose="02020603050405020304" pitchFamily="18" charset="0"/>
+              </a:rPr>
+              <a:t>superuser.Dir</a:t>
+            </a:r>
+            <a:r>
+              <a:rPr lang="en-US" dirty="0">
+                <a:effectLst/>
+                <a:latin typeface="Calibri" panose="020F0502020204030204" pitchFamily="34" charset="0"/>
+                <a:ea typeface="Calibri" panose="020F0502020204030204" pitchFamily="34" charset="0"/>
+                <a:cs typeface="Times New Roman" panose="02020603050405020304" pitchFamily="18" charset="0"/>
+              </a:rPr>
+              <a:t>(</a:t>
+            </a:r>
+            <a:r>
+              <a:rPr lang="en-US" dirty="0" err="1">
+                <a:effectLst/>
+                <a:latin typeface="Calibri" panose="020F0502020204030204" pitchFamily="34" charset="0"/>
+                <a:ea typeface="Calibri" panose="020F0502020204030204" pitchFamily="34" charset="0"/>
+                <a:cs typeface="Times New Roman" panose="02020603050405020304" pitchFamily="18" charset="0"/>
+              </a:rPr>
+              <a:t>memwin</a:t>
+            </a:r>
+            <a:r>
+              <a:rPr lang="en-US" dirty="0">
+                <a:effectLst/>
+                <a:latin typeface="Calibri" panose="020F0502020204030204" pitchFamily="34" charset="0"/>
+                <a:ea typeface="Calibri" panose="020F0502020204030204" pitchFamily="34" charset="0"/>
+                <a:cs typeface="Times New Roman" panose="02020603050405020304" pitchFamily="18" charset="0"/>
+              </a:rPr>
+              <a:t>);</a:t>
+            </a:r>
+          </a:p>
+          <a:p>
+            <a:pPr marL="0" marR="0" indent="0">
+              <a:lnSpc>
+                <a:spcPct val="107000"/>
+              </a:lnSpc>
+              <a:spcBef>
+                <a:spcPts val="0"/>
+              </a:spcBef>
+              <a:spcAft>
+                <a:spcPts val="0"/>
+              </a:spcAft>
+              <a:buNone/>
+            </a:pPr>
+            <a:r>
+              <a:rPr lang="en-US" dirty="0" err="1">
+                <a:effectLst/>
+                <a:latin typeface="Calibri" panose="020F0502020204030204" pitchFamily="34" charset="0"/>
+                <a:ea typeface="Calibri" panose="020F0502020204030204" pitchFamily="34" charset="0"/>
+                <a:cs typeface="Times New Roman" panose="02020603050405020304" pitchFamily="18" charset="0"/>
+              </a:rPr>
+              <a:t>write_window</a:t>
+            </a:r>
+            <a:r>
+              <a:rPr lang="en-US" dirty="0">
+                <a:effectLst/>
+                <a:latin typeface="Calibri" panose="020F0502020204030204" pitchFamily="34" charset="0"/>
+                <a:ea typeface="Calibri" panose="020F0502020204030204" pitchFamily="34" charset="0"/>
+                <a:cs typeface="Times New Roman" panose="02020603050405020304" pitchFamily="18" charset="0"/>
+              </a:rPr>
+              <a:t>(</a:t>
+            </a:r>
+            <a:r>
+              <a:rPr lang="en-US" dirty="0" err="1">
+                <a:effectLst/>
+                <a:latin typeface="Calibri" panose="020F0502020204030204" pitchFamily="34" charset="0"/>
+                <a:ea typeface="Calibri" panose="020F0502020204030204" pitchFamily="34" charset="0"/>
+                <a:cs typeface="Times New Roman" panose="02020603050405020304" pitchFamily="18" charset="0"/>
+              </a:rPr>
+              <a:t>logwin</a:t>
+            </a:r>
+            <a:r>
+              <a:rPr lang="en-US" dirty="0">
+                <a:effectLst/>
+                <a:latin typeface="Calibri" panose="020F0502020204030204" pitchFamily="34" charset="0"/>
+                <a:ea typeface="Calibri" panose="020F0502020204030204" pitchFamily="34" charset="0"/>
+                <a:cs typeface="Times New Roman" panose="02020603050405020304" pitchFamily="18" charset="0"/>
+              </a:rPr>
+              <a:t>, </a:t>
+            </a:r>
+            <a:r>
+              <a:rPr lang="en-US" dirty="0">
+                <a:solidFill>
+                  <a:srgbClr val="00B050"/>
+                </a:solidFill>
+                <a:effectLst/>
+                <a:latin typeface="Calibri" panose="020F0502020204030204" pitchFamily="34" charset="0"/>
+                <a:ea typeface="Calibri" panose="020F0502020204030204" pitchFamily="34" charset="0"/>
+                <a:cs typeface="Times New Roman" panose="02020603050405020304" pitchFamily="18" charset="0"/>
+              </a:rPr>
+              <a:t>" calling dump\n"</a:t>
+            </a:r>
+            <a:r>
+              <a:rPr lang="en-US" dirty="0">
+                <a:effectLst/>
+                <a:latin typeface="Calibri" panose="020F0502020204030204" pitchFamily="34" charset="0"/>
+                <a:ea typeface="Calibri" panose="020F0502020204030204" pitchFamily="34" charset="0"/>
+                <a:cs typeface="Times New Roman" panose="02020603050405020304" pitchFamily="18" charset="0"/>
+              </a:rPr>
+              <a:t> );</a:t>
+            </a:r>
+          </a:p>
+          <a:p>
+            <a:pPr marL="0" marR="0" indent="0">
+              <a:lnSpc>
+                <a:spcPct val="107000"/>
+              </a:lnSpc>
+              <a:spcBef>
+                <a:spcPts val="0"/>
+              </a:spcBef>
+              <a:spcAft>
+                <a:spcPts val="0"/>
+              </a:spcAft>
+              <a:buNone/>
+            </a:pPr>
+            <a:r>
+              <a:rPr lang="en-US" dirty="0" err="1">
+                <a:effectLst/>
+                <a:latin typeface="Calibri" panose="020F0502020204030204" pitchFamily="34" charset="0"/>
+                <a:ea typeface="Calibri" panose="020F0502020204030204" pitchFamily="34" charset="0"/>
+                <a:cs typeface="Times New Roman" panose="02020603050405020304" pitchFamily="18" charset="0"/>
+              </a:rPr>
+              <a:t>superuser.dump</a:t>
+            </a:r>
+            <a:r>
+              <a:rPr lang="en-US" dirty="0">
+                <a:effectLst/>
+                <a:latin typeface="Calibri" panose="020F0502020204030204" pitchFamily="34" charset="0"/>
+                <a:ea typeface="Calibri" panose="020F0502020204030204" pitchFamily="34" charset="0"/>
+                <a:cs typeface="Times New Roman" panose="02020603050405020304" pitchFamily="18" charset="0"/>
+              </a:rPr>
+              <a:t>(</a:t>
+            </a:r>
+            <a:r>
+              <a:rPr lang="en-US" dirty="0" err="1">
+                <a:effectLst/>
+                <a:latin typeface="Calibri" panose="020F0502020204030204" pitchFamily="34" charset="0"/>
+                <a:ea typeface="Calibri" panose="020F0502020204030204" pitchFamily="34" charset="0"/>
+                <a:cs typeface="Times New Roman" panose="02020603050405020304" pitchFamily="18" charset="0"/>
+              </a:rPr>
+              <a:t>memwin</a:t>
+            </a:r>
+            <a:r>
+              <a:rPr lang="en-US" dirty="0">
+                <a:effectLst/>
+                <a:latin typeface="Calibri" panose="020F0502020204030204" pitchFamily="34" charset="0"/>
+                <a:ea typeface="Calibri" panose="020F0502020204030204" pitchFamily="34" charset="0"/>
+                <a:cs typeface="Times New Roman" panose="02020603050405020304" pitchFamily="18" charset="0"/>
+              </a:rPr>
+              <a:t>);</a:t>
+            </a:r>
+          </a:p>
+        </p:txBody>
+      </p:sp>
+    </p:spTree>
+    <p:extLst>
+      <p:ext uri="{BB962C8B-B14F-4D97-AF65-F5344CB8AC3E}">
+        <p14:creationId xmlns:p14="http://schemas.microsoft.com/office/powerpoint/2010/main" val="363588586"/>
+      </p:ext>
+    </p:extLst>
+  </p:cSld>
+  <p:clrMapOvr>
+    <a:masterClrMapping/>
+  </p:clrMapOvr>
+</p:sld>
+</file>
+
+<file path=ppt/slides/slide29.xml><?xml version="1.0" encoding="utf-8"?>
+<p:sld xmlns:a="http://schemas.openxmlformats.org/drawingml/2006/main" xmlns:r="http://schemas.openxmlformats.org/officeDocument/2006/relationships" xmlns:p="http://schemas.openxmlformats.org/presentationml/2006/main">
+  <p:cSld>
+    <p:spTree>
+      <p:nvGrpSpPr>
+        <p:cNvPr id="1" name=""/>
+        <p:cNvGrpSpPr/>
+        <p:nvPr/>
+      </p:nvGrpSpPr>
+      <p:grpSpPr>
+        <a:xfrm>
+          <a:off x="0" y="0"/>
+          <a:ext cx="0" cy="0"/>
+          <a:chOff x="0" y="0"/>
+          <a:chExt cx="0" cy="0"/>
+        </a:xfrm>
+      </p:grpSpPr>
+      <p:sp>
+        <p:nvSpPr>
+          <p:cNvPr id="2" name="Title 1">
+            <a:extLst>
+              <a:ext uri="{FF2B5EF4-FFF2-40B4-BE49-F238E27FC236}">
+                <a16:creationId xmlns:a16="http://schemas.microsoft.com/office/drawing/2014/main" id="{DED74125-AB35-4292-B9D8-94F72D7F8E9B}"/>
+              </a:ext>
+            </a:extLst>
+          </p:cNvPr>
+          <p:cNvSpPr>
+            <a:spLocks noGrp="1"/>
+          </p:cNvSpPr>
+          <p:nvPr>
+            <p:ph type="title"/>
+          </p:nvPr>
+        </p:nvSpPr>
+        <p:spPr>
+          <a:xfrm>
+            <a:off x="913795" y="609600"/>
+            <a:ext cx="4210655" cy="970450"/>
+          </a:xfrm>
+        </p:spPr>
+        <p:txBody>
+          <a:bodyPr/>
+          <a:lstStyle/>
+          <a:p>
+            <a:r>
+              <a:rPr lang="en-US" dirty="0"/>
+              <a:t>Running ‘f’</a:t>
+            </a:r>
           </a:p>
         </p:txBody>
       </p:sp>
@@ -9917,7 +13057,7 @@
           <p:cNvPr id="5" name="Content Placeholder 4" descr="A screenshot of a cell phone&#10;&#10;Description automatically generated">
             <a:extLst>
               <a:ext uri="{FF2B5EF4-FFF2-40B4-BE49-F238E27FC236}">
-                <a16:creationId xmlns:a16="http://schemas.microsoft.com/office/drawing/2014/main" xmlns="" id="{DEEA3EFF-BBE1-4E5A-84E0-7EBCB3ACA3B3}"/>
+                <a16:creationId xmlns:a16="http://schemas.microsoft.com/office/drawing/2014/main" id="{DEEA3EFF-BBE1-4E5A-84E0-7EBCB3ACA3B3}"/>
               </a:ext>
             </a:extLst>
           </p:cNvPr>
@@ -9952,7 +13092,7 @@
           <p:cNvPr id="7" name="Picture 6" descr="A screenshot of text&#10;&#10;Description automatically generated">
             <a:extLst>
               <a:ext uri="{FF2B5EF4-FFF2-40B4-BE49-F238E27FC236}">
-                <a16:creationId xmlns:a16="http://schemas.microsoft.com/office/drawing/2014/main" xmlns="" id="{43E04F55-30D9-4CE1-BF03-42CBC8B2C084}"/>
+                <a16:creationId xmlns:a16="http://schemas.microsoft.com/office/drawing/2014/main" id="{43E04F55-30D9-4CE1-BF03-42CBC8B2C084}"/>
               </a:ext>
             </a:extLst>
           </p:cNvPr>
@@ -9996,1570 +13136,6 @@
 </p:sld>
 </file>
 
-<file path=ppt/slides/slide29.xml><?xml version="1.0" encoding="utf-8"?>
-<p:sld xmlns:a="http://schemas.openxmlformats.org/drawingml/2006/main" xmlns:r="http://schemas.openxmlformats.org/officeDocument/2006/relationships" xmlns:p="http://schemas.openxmlformats.org/presentationml/2006/main">
-  <p:cSld>
-    <p:spTree>
-      <p:nvGrpSpPr>
-        <p:cNvPr id="1" name=""/>
-        <p:cNvGrpSpPr/>
-        <p:nvPr/>
-      </p:nvGrpSpPr>
-      <p:grpSpPr>
-        <a:xfrm>
-          <a:off x="0" y="0"/>
-          <a:ext cx="0" cy="0"/>
-          <a:chOff x="0" y="0"/>
-          <a:chExt cx="0" cy="0"/>
-        </a:xfrm>
-      </p:grpSpPr>
-      <p:sp>
-        <p:nvSpPr>
-          <p:cNvPr id="2" name="Title 1">
-            <a:extLst>
-              <a:ext uri="{FF2B5EF4-FFF2-40B4-BE49-F238E27FC236}">
-                <a16:creationId xmlns:a16="http://schemas.microsoft.com/office/drawing/2014/main" xmlns="" id="{B445D5D6-7D6A-4165-9FDB-201401ABC049}"/>
-              </a:ext>
-            </a:extLst>
-          </p:cNvPr>
-          <p:cNvSpPr>
-            <a:spLocks noGrp="1"/>
-          </p:cNvSpPr>
-          <p:nvPr>
-            <p:ph type="title"/>
-          </p:nvPr>
-        </p:nvSpPr>
-        <p:spPr/>
-        <p:txBody>
-          <a:bodyPr/>
-          <a:lstStyle/>
-          <a:p>
-            <a:r>
-              <a:rPr lang="en-US" dirty="0"/>
-              <a:t>Phase 4 Testcase ‘f’</a:t>
-            </a:r>
-          </a:p>
-        </p:txBody>
-      </p:sp>
-      <p:sp>
-        <p:nvSpPr>
-          <p:cNvPr id="3" name="Content Placeholder 2">
-            <a:extLst>
-              <a:ext uri="{FF2B5EF4-FFF2-40B4-BE49-F238E27FC236}">
-                <a16:creationId xmlns:a16="http://schemas.microsoft.com/office/drawing/2014/main" xmlns="" id="{CACFE881-6C65-4B06-B621-2B8788E9ABE2}"/>
-              </a:ext>
-            </a:extLst>
-          </p:cNvPr>
-          <p:cNvSpPr>
-            <a:spLocks noGrp="1"/>
-          </p:cNvSpPr>
-          <p:nvPr>
-            <p:ph idx="1"/>
-          </p:nvPr>
-        </p:nvSpPr>
-        <p:spPr/>
-        <p:txBody>
-          <a:bodyPr>
-            <a:normAutofit fontScale="77500" lnSpcReduction="20000"/>
-          </a:bodyPr>
-          <a:lstStyle/>
-          <a:p>
-            <a:pPr marL="0" marR="0" indent="0">
-              <a:lnSpc>
-                <a:spcPct val="107000"/>
-              </a:lnSpc>
-              <a:spcBef>
-                <a:spcPts val="0"/>
-              </a:spcBef>
-              <a:spcAft>
-                <a:spcPts val="0"/>
-              </a:spcAft>
-              <a:buNone/>
-            </a:pPr>
-            <a:r>
-              <a:rPr lang="en-US" dirty="0" err="1">
-                <a:effectLst/>
-                <a:latin typeface="Calibri" panose="020F0502020204030204" pitchFamily="34" charset="0"/>
-                <a:ea typeface="Calibri" panose="020F0502020204030204" pitchFamily="34" charset="0"/>
-                <a:cs typeface="Times New Roman" panose="02020603050405020304" pitchFamily="18" charset="0"/>
-              </a:rPr>
-              <a:t>write_window</a:t>
-            </a:r>
-            <a:r>
-              <a:rPr lang="en-US" dirty="0">
-                <a:effectLst/>
-                <a:latin typeface="Calibri" panose="020F0502020204030204" pitchFamily="34" charset="0"/>
-                <a:ea typeface="Calibri" panose="020F0502020204030204" pitchFamily="34" charset="0"/>
-                <a:cs typeface="Times New Roman" panose="02020603050405020304" pitchFamily="18" charset="0"/>
-              </a:rPr>
-              <a:t>(</a:t>
-            </a:r>
-            <a:r>
-              <a:rPr lang="en-US" dirty="0" err="1">
-                <a:effectLst/>
-                <a:latin typeface="Calibri" panose="020F0502020204030204" pitchFamily="34" charset="0"/>
-                <a:ea typeface="Calibri" panose="020F0502020204030204" pitchFamily="34" charset="0"/>
-                <a:cs typeface="Times New Roman" panose="02020603050405020304" pitchFamily="18" charset="0"/>
-              </a:rPr>
-              <a:t>conwin</a:t>
-            </a:r>
-            <a:r>
-              <a:rPr lang="en-US" dirty="0">
-                <a:effectLst/>
-                <a:latin typeface="Calibri" panose="020F0502020204030204" pitchFamily="34" charset="0"/>
-                <a:ea typeface="Calibri" panose="020F0502020204030204" pitchFamily="34" charset="0"/>
-                <a:cs typeface="Times New Roman" panose="02020603050405020304" pitchFamily="18" charset="0"/>
-              </a:rPr>
-              <a:t>, </a:t>
-            </a:r>
-            <a:r>
-              <a:rPr lang="en-US" dirty="0">
-                <a:solidFill>
-                  <a:srgbClr val="00B050"/>
-                </a:solidFill>
-                <a:effectLst/>
-                <a:latin typeface="Calibri" panose="020F0502020204030204" pitchFamily="34" charset="0"/>
-                <a:ea typeface="Calibri" panose="020F0502020204030204" pitchFamily="34" charset="0"/>
-                <a:cs typeface="Times New Roman" panose="02020603050405020304" pitchFamily="18" charset="0"/>
-              </a:rPr>
-              <a:t>"f \n Ultima # "</a:t>
-            </a:r>
-            <a:r>
-              <a:rPr lang="en-US" dirty="0">
-                <a:effectLst/>
-                <a:latin typeface="Calibri" panose="020F0502020204030204" pitchFamily="34" charset="0"/>
-                <a:ea typeface="Calibri" panose="020F0502020204030204" pitchFamily="34" charset="0"/>
-                <a:cs typeface="Times New Roman" panose="02020603050405020304" pitchFamily="18" charset="0"/>
-              </a:rPr>
-              <a:t>);</a:t>
-            </a:r>
-          </a:p>
-          <a:p>
-            <a:pPr marL="0" marR="0" indent="0">
-              <a:lnSpc>
-                <a:spcPct val="107000"/>
-              </a:lnSpc>
-              <a:spcBef>
-                <a:spcPts val="0"/>
-              </a:spcBef>
-              <a:spcAft>
-                <a:spcPts val="0"/>
-              </a:spcAft>
-              <a:buNone/>
-            </a:pPr>
-            <a:r>
-              <a:rPr lang="en-US" dirty="0" err="1">
-                <a:effectLst/>
-                <a:latin typeface="Calibri" panose="020F0502020204030204" pitchFamily="34" charset="0"/>
-                <a:ea typeface="Calibri" panose="020F0502020204030204" pitchFamily="34" charset="0"/>
-                <a:cs typeface="Times New Roman" panose="02020603050405020304" pitchFamily="18" charset="0"/>
-              </a:rPr>
-              <a:t>write_window</a:t>
-            </a:r>
-            <a:r>
-              <a:rPr lang="en-US" dirty="0">
-                <a:effectLst/>
-                <a:latin typeface="Calibri" panose="020F0502020204030204" pitchFamily="34" charset="0"/>
-                <a:ea typeface="Calibri" panose="020F0502020204030204" pitchFamily="34" charset="0"/>
-                <a:cs typeface="Times New Roman" panose="02020603050405020304" pitchFamily="18" charset="0"/>
-              </a:rPr>
-              <a:t>(</a:t>
-            </a:r>
-            <a:r>
-              <a:rPr lang="en-US" dirty="0" err="1">
-                <a:effectLst/>
-                <a:latin typeface="Calibri" panose="020F0502020204030204" pitchFamily="34" charset="0"/>
-                <a:ea typeface="Calibri" panose="020F0502020204030204" pitchFamily="34" charset="0"/>
-                <a:cs typeface="Times New Roman" panose="02020603050405020304" pitchFamily="18" charset="0"/>
-              </a:rPr>
-              <a:t>logwin</a:t>
-            </a:r>
-            <a:r>
-              <a:rPr lang="en-US" dirty="0">
-                <a:effectLst/>
-                <a:latin typeface="Calibri" panose="020F0502020204030204" pitchFamily="34" charset="0"/>
-                <a:ea typeface="Calibri" panose="020F0502020204030204" pitchFamily="34" charset="0"/>
-                <a:cs typeface="Times New Roman" panose="02020603050405020304" pitchFamily="18" charset="0"/>
-              </a:rPr>
-              <a:t>, </a:t>
-            </a:r>
-            <a:r>
-              <a:rPr lang="en-US" dirty="0">
-                <a:solidFill>
-                  <a:srgbClr val="00B050"/>
-                </a:solidFill>
-                <a:effectLst/>
-                <a:latin typeface="Calibri" panose="020F0502020204030204" pitchFamily="34" charset="0"/>
-                <a:ea typeface="Calibri" panose="020F0502020204030204" pitchFamily="34" charset="0"/>
-                <a:cs typeface="Times New Roman" panose="02020603050405020304" pitchFamily="18" charset="0"/>
-              </a:rPr>
-              <a:t>" calling Dir();\n"</a:t>
-            </a:r>
-            <a:r>
-              <a:rPr lang="en-US" dirty="0">
-                <a:effectLst/>
-                <a:latin typeface="Calibri" panose="020F0502020204030204" pitchFamily="34" charset="0"/>
-                <a:ea typeface="Calibri" panose="020F0502020204030204" pitchFamily="34" charset="0"/>
-                <a:cs typeface="Times New Roman" panose="02020603050405020304" pitchFamily="18" charset="0"/>
-              </a:rPr>
-              <a:t> );</a:t>
-            </a:r>
-          </a:p>
-          <a:p>
-            <a:pPr marL="0" marR="0" indent="0">
-              <a:lnSpc>
-                <a:spcPct val="107000"/>
-              </a:lnSpc>
-              <a:spcBef>
-                <a:spcPts val="0"/>
-              </a:spcBef>
-              <a:spcAft>
-                <a:spcPts val="0"/>
-              </a:spcAft>
-              <a:buNone/>
-            </a:pPr>
-            <a:r>
-              <a:rPr lang="en-US" dirty="0" err="1">
-                <a:effectLst/>
-                <a:latin typeface="Calibri" panose="020F0502020204030204" pitchFamily="34" charset="0"/>
-                <a:ea typeface="Calibri" panose="020F0502020204030204" pitchFamily="34" charset="0"/>
-                <a:cs typeface="Times New Roman" panose="02020603050405020304" pitchFamily="18" charset="0"/>
-              </a:rPr>
-              <a:t>superuser.Dir</a:t>
-            </a:r>
-            <a:r>
-              <a:rPr lang="en-US" dirty="0">
-                <a:effectLst/>
-                <a:latin typeface="Calibri" panose="020F0502020204030204" pitchFamily="34" charset="0"/>
-                <a:ea typeface="Calibri" panose="020F0502020204030204" pitchFamily="34" charset="0"/>
-                <a:cs typeface="Times New Roman" panose="02020603050405020304" pitchFamily="18" charset="0"/>
-              </a:rPr>
-              <a:t>(</a:t>
-            </a:r>
-            <a:r>
-              <a:rPr lang="en-US" dirty="0" err="1">
-                <a:effectLst/>
-                <a:latin typeface="Calibri" panose="020F0502020204030204" pitchFamily="34" charset="0"/>
-                <a:ea typeface="Calibri" panose="020F0502020204030204" pitchFamily="34" charset="0"/>
-                <a:cs typeface="Times New Roman" panose="02020603050405020304" pitchFamily="18" charset="0"/>
-              </a:rPr>
-              <a:t>memwin</a:t>
-            </a:r>
-            <a:r>
-              <a:rPr lang="en-US" dirty="0">
-                <a:effectLst/>
-                <a:latin typeface="Calibri" panose="020F0502020204030204" pitchFamily="34" charset="0"/>
-                <a:ea typeface="Calibri" panose="020F0502020204030204" pitchFamily="34" charset="0"/>
-                <a:cs typeface="Times New Roman" panose="02020603050405020304" pitchFamily="18" charset="0"/>
-              </a:rPr>
-              <a:t>);</a:t>
-            </a:r>
-          </a:p>
-          <a:p>
-            <a:pPr marL="0" marR="0" indent="0">
-              <a:lnSpc>
-                <a:spcPct val="107000"/>
-              </a:lnSpc>
-              <a:spcBef>
-                <a:spcPts val="0"/>
-              </a:spcBef>
-              <a:spcAft>
-                <a:spcPts val="0"/>
-              </a:spcAft>
-              <a:buNone/>
-            </a:pPr>
-            <a:r>
-              <a:rPr lang="en-US" dirty="0" err="1">
-                <a:effectLst/>
-                <a:latin typeface="Calibri" panose="020F0502020204030204" pitchFamily="34" charset="0"/>
-                <a:ea typeface="Calibri" panose="020F0502020204030204" pitchFamily="34" charset="0"/>
-                <a:cs typeface="Times New Roman" panose="02020603050405020304" pitchFamily="18" charset="0"/>
-              </a:rPr>
-              <a:t>write_window</a:t>
-            </a:r>
-            <a:r>
-              <a:rPr lang="en-US" dirty="0">
-                <a:effectLst/>
-                <a:latin typeface="Calibri" panose="020F0502020204030204" pitchFamily="34" charset="0"/>
-                <a:ea typeface="Calibri" panose="020F0502020204030204" pitchFamily="34" charset="0"/>
-                <a:cs typeface="Times New Roman" panose="02020603050405020304" pitchFamily="18" charset="0"/>
-              </a:rPr>
-              <a:t>(</a:t>
-            </a:r>
-            <a:r>
-              <a:rPr lang="en-US" dirty="0" err="1">
-                <a:effectLst/>
-                <a:latin typeface="Calibri" panose="020F0502020204030204" pitchFamily="34" charset="0"/>
-                <a:ea typeface="Calibri" panose="020F0502020204030204" pitchFamily="34" charset="0"/>
-                <a:cs typeface="Times New Roman" panose="02020603050405020304" pitchFamily="18" charset="0"/>
-              </a:rPr>
-              <a:t>logwin</a:t>
-            </a:r>
-            <a:r>
-              <a:rPr lang="en-US" dirty="0">
-                <a:effectLst/>
-                <a:latin typeface="Calibri" panose="020F0502020204030204" pitchFamily="34" charset="0"/>
-                <a:ea typeface="Calibri" panose="020F0502020204030204" pitchFamily="34" charset="0"/>
-                <a:cs typeface="Times New Roman" panose="02020603050405020304" pitchFamily="18" charset="0"/>
-              </a:rPr>
-              <a:t>, </a:t>
-            </a:r>
-            <a:r>
-              <a:rPr lang="en-US" dirty="0">
-                <a:solidFill>
-                  <a:srgbClr val="00B050"/>
-                </a:solidFill>
-                <a:effectLst/>
-                <a:latin typeface="Calibri" panose="020F0502020204030204" pitchFamily="34" charset="0"/>
-                <a:ea typeface="Calibri" panose="020F0502020204030204" pitchFamily="34" charset="0"/>
-                <a:cs typeface="Times New Roman" panose="02020603050405020304" pitchFamily="18" charset="0"/>
-              </a:rPr>
-              <a:t>" calling </a:t>
-            </a:r>
-            <a:r>
-              <a:rPr lang="en-US" dirty="0" err="1">
-                <a:solidFill>
-                  <a:srgbClr val="00B050"/>
-                </a:solidFill>
-                <a:effectLst/>
-                <a:latin typeface="Calibri" panose="020F0502020204030204" pitchFamily="34" charset="0"/>
-                <a:ea typeface="Calibri" panose="020F0502020204030204" pitchFamily="34" charset="0"/>
-                <a:cs typeface="Times New Roman" panose="02020603050405020304" pitchFamily="18" charset="0"/>
-              </a:rPr>
-              <a:t>Create_File</a:t>
-            </a:r>
-            <a:r>
-              <a:rPr lang="en-US" dirty="0">
-                <a:solidFill>
-                  <a:srgbClr val="00B050"/>
-                </a:solidFill>
-                <a:effectLst/>
-                <a:latin typeface="Calibri" panose="020F0502020204030204" pitchFamily="34" charset="0"/>
-                <a:ea typeface="Calibri" panose="020F0502020204030204" pitchFamily="34" charset="0"/>
-                <a:cs typeface="Times New Roman" panose="02020603050405020304" pitchFamily="18" charset="0"/>
-              </a:rPr>
-              <a:t>(</a:t>
-            </a:r>
-            <a:r>
-              <a:rPr lang="en-US" dirty="0" err="1">
-                <a:solidFill>
-                  <a:srgbClr val="00B050"/>
-                </a:solidFill>
-                <a:effectLst/>
-                <a:latin typeface="Calibri" panose="020F0502020204030204" pitchFamily="34" charset="0"/>
-                <a:ea typeface="Calibri" panose="020F0502020204030204" pitchFamily="34" charset="0"/>
-                <a:cs typeface="Times New Roman" panose="02020603050405020304" pitchFamily="18" charset="0"/>
-              </a:rPr>
-              <a:t>uifile</a:t>
-            </a:r>
-            <a:r>
-              <a:rPr lang="en-US" dirty="0">
-                <a:solidFill>
-                  <a:srgbClr val="00B050"/>
-                </a:solidFill>
-                <a:effectLst/>
-                <a:latin typeface="Calibri" panose="020F0502020204030204" pitchFamily="34" charset="0"/>
-                <a:ea typeface="Calibri" panose="020F0502020204030204" pitchFamily="34" charset="0"/>
-                <a:cs typeface="Times New Roman" panose="02020603050405020304" pitchFamily="18" charset="0"/>
-              </a:rPr>
-              <a:t>);\n"</a:t>
-            </a:r>
-            <a:r>
-              <a:rPr lang="en-US" dirty="0">
-                <a:effectLst/>
-                <a:latin typeface="Calibri" panose="020F0502020204030204" pitchFamily="34" charset="0"/>
-                <a:ea typeface="Calibri" panose="020F0502020204030204" pitchFamily="34" charset="0"/>
-                <a:cs typeface="Times New Roman" panose="02020603050405020304" pitchFamily="18" charset="0"/>
-              </a:rPr>
-              <a:t> );</a:t>
-            </a:r>
-          </a:p>
-          <a:p>
-            <a:pPr marL="0" marR="0" indent="0">
-              <a:lnSpc>
-                <a:spcPct val="107000"/>
-              </a:lnSpc>
-              <a:spcBef>
-                <a:spcPts val="0"/>
-              </a:spcBef>
-              <a:spcAft>
-                <a:spcPts val="0"/>
-              </a:spcAft>
-              <a:buNone/>
-            </a:pPr>
-            <a:r>
-              <a:rPr lang="en-US" b="1" dirty="0">
-                <a:effectLst/>
-                <a:latin typeface="Calibri" panose="020F0502020204030204" pitchFamily="34" charset="0"/>
-                <a:ea typeface="Calibri" panose="020F0502020204030204" pitchFamily="34" charset="0"/>
-                <a:cs typeface="Times New Roman" panose="02020603050405020304" pitchFamily="18" charset="0"/>
-              </a:rPr>
-              <a:t>int</a:t>
-            </a:r>
-            <a:r>
-              <a:rPr lang="en-US" dirty="0">
-                <a:effectLst/>
-                <a:latin typeface="Calibri" panose="020F0502020204030204" pitchFamily="34" charset="0"/>
-                <a:ea typeface="Calibri" panose="020F0502020204030204" pitchFamily="34" charset="0"/>
-                <a:cs typeface="Times New Roman" panose="02020603050405020304" pitchFamily="18" charset="0"/>
-              </a:rPr>
-              <a:t> per[4] = {1, 1, 0, 0};</a:t>
-            </a:r>
-          </a:p>
-          <a:p>
-            <a:pPr marL="0" marR="0" indent="0">
-              <a:lnSpc>
-                <a:spcPct val="107000"/>
-              </a:lnSpc>
-              <a:spcBef>
-                <a:spcPts val="0"/>
-              </a:spcBef>
-              <a:spcAft>
-                <a:spcPts val="0"/>
-              </a:spcAft>
-              <a:buNone/>
-            </a:pPr>
-            <a:r>
-              <a:rPr lang="en-US" dirty="0" err="1">
-                <a:effectLst/>
-                <a:latin typeface="Calibri" panose="020F0502020204030204" pitchFamily="34" charset="0"/>
-                <a:ea typeface="Calibri" panose="020F0502020204030204" pitchFamily="34" charset="0"/>
-                <a:cs typeface="Times New Roman" panose="02020603050405020304" pitchFamily="18" charset="0"/>
-              </a:rPr>
-              <a:t>superuser.Create_file</a:t>
-            </a:r>
-            <a:r>
-              <a:rPr lang="en-US" dirty="0">
-                <a:effectLst/>
-                <a:latin typeface="Calibri" panose="020F0502020204030204" pitchFamily="34" charset="0"/>
-                <a:ea typeface="Calibri" panose="020F0502020204030204" pitchFamily="34" charset="0"/>
-                <a:cs typeface="Times New Roman" panose="02020603050405020304" pitchFamily="18" charset="0"/>
-              </a:rPr>
-              <a:t>(</a:t>
-            </a:r>
-            <a:r>
-              <a:rPr lang="en-US" dirty="0" err="1">
-                <a:effectLst/>
-                <a:latin typeface="Calibri" panose="020F0502020204030204" pitchFamily="34" charset="0"/>
-                <a:ea typeface="Calibri" panose="020F0502020204030204" pitchFamily="34" charset="0"/>
-                <a:cs typeface="Times New Roman" panose="02020603050405020304" pitchFamily="18" charset="0"/>
-              </a:rPr>
-              <a:t>tcb</a:t>
-            </a:r>
-            <a:r>
-              <a:rPr lang="en-US" dirty="0">
-                <a:effectLst/>
-                <a:latin typeface="Calibri" panose="020F0502020204030204" pitchFamily="34" charset="0"/>
-                <a:ea typeface="Calibri" panose="020F0502020204030204" pitchFamily="34" charset="0"/>
-                <a:cs typeface="Times New Roman" panose="02020603050405020304" pitchFamily="18" charset="0"/>
-              </a:rPr>
-              <a:t>-&gt;</a:t>
-            </a:r>
-            <a:r>
-              <a:rPr lang="en-US" dirty="0" err="1">
-                <a:effectLst/>
-                <a:latin typeface="Calibri" panose="020F0502020204030204" pitchFamily="34" charset="0"/>
-                <a:ea typeface="Calibri" panose="020F0502020204030204" pitchFamily="34" charset="0"/>
-                <a:cs typeface="Times New Roman" panose="02020603050405020304" pitchFamily="18" charset="0"/>
-              </a:rPr>
-              <a:t>thread_no</a:t>
-            </a:r>
-            <a:r>
-              <a:rPr lang="en-US" dirty="0">
-                <a:effectLst/>
-                <a:latin typeface="Calibri" panose="020F0502020204030204" pitchFamily="34" charset="0"/>
-                <a:ea typeface="Calibri" panose="020F0502020204030204" pitchFamily="34" charset="0"/>
-                <a:cs typeface="Times New Roman" panose="02020603050405020304" pitchFamily="18" charset="0"/>
-              </a:rPr>
-              <a:t>, (</a:t>
-            </a:r>
-            <a:r>
-              <a:rPr lang="en-US" b="1" dirty="0">
-                <a:effectLst/>
-                <a:latin typeface="Calibri" panose="020F0502020204030204" pitchFamily="34" charset="0"/>
-                <a:ea typeface="Calibri" panose="020F0502020204030204" pitchFamily="34" charset="0"/>
-                <a:cs typeface="Times New Roman" panose="02020603050405020304" pitchFamily="18" charset="0"/>
-              </a:rPr>
-              <a:t>char</a:t>
-            </a:r>
-            <a:r>
-              <a:rPr lang="en-US" dirty="0">
-                <a:effectLst/>
-                <a:latin typeface="Calibri" panose="020F0502020204030204" pitchFamily="34" charset="0"/>
-                <a:ea typeface="Calibri" panose="020F0502020204030204" pitchFamily="34" charset="0"/>
-                <a:cs typeface="Times New Roman" panose="02020603050405020304" pitchFamily="18" charset="0"/>
-              </a:rPr>
-              <a:t>*)"</a:t>
-            </a:r>
-            <a:r>
-              <a:rPr lang="en-US" dirty="0" err="1">
-                <a:effectLst/>
-                <a:latin typeface="Calibri" panose="020F0502020204030204" pitchFamily="34" charset="0"/>
-                <a:ea typeface="Calibri" panose="020F0502020204030204" pitchFamily="34" charset="0"/>
-                <a:cs typeface="Times New Roman" panose="02020603050405020304" pitchFamily="18" charset="0"/>
-              </a:rPr>
-              <a:t>uifile</a:t>
-            </a:r>
-            <a:r>
-              <a:rPr lang="en-US" dirty="0">
-                <a:effectLst/>
-                <a:latin typeface="Calibri" panose="020F0502020204030204" pitchFamily="34" charset="0"/>
-                <a:ea typeface="Calibri" panose="020F0502020204030204" pitchFamily="34" charset="0"/>
-                <a:cs typeface="Times New Roman" panose="02020603050405020304" pitchFamily="18" charset="0"/>
-              </a:rPr>
-              <a:t>", 120, per);</a:t>
-            </a:r>
-          </a:p>
-          <a:p>
-            <a:pPr marL="0" marR="0" indent="0">
-              <a:lnSpc>
-                <a:spcPct val="107000"/>
-              </a:lnSpc>
-              <a:spcBef>
-                <a:spcPts val="0"/>
-              </a:spcBef>
-              <a:spcAft>
-                <a:spcPts val="0"/>
-              </a:spcAft>
-              <a:buNone/>
-            </a:pPr>
-            <a:r>
-              <a:rPr lang="en-US" dirty="0" err="1">
-                <a:effectLst/>
-                <a:latin typeface="Calibri" panose="020F0502020204030204" pitchFamily="34" charset="0"/>
-                <a:ea typeface="Calibri" panose="020F0502020204030204" pitchFamily="34" charset="0"/>
-                <a:cs typeface="Times New Roman" panose="02020603050405020304" pitchFamily="18" charset="0"/>
-              </a:rPr>
-              <a:t>write_window</a:t>
-            </a:r>
-            <a:r>
-              <a:rPr lang="en-US" dirty="0">
-                <a:effectLst/>
-                <a:latin typeface="Calibri" panose="020F0502020204030204" pitchFamily="34" charset="0"/>
-                <a:ea typeface="Calibri" panose="020F0502020204030204" pitchFamily="34" charset="0"/>
-                <a:cs typeface="Times New Roman" panose="02020603050405020304" pitchFamily="18" charset="0"/>
-              </a:rPr>
-              <a:t>(</a:t>
-            </a:r>
-            <a:r>
-              <a:rPr lang="en-US" dirty="0" err="1">
-                <a:effectLst/>
-                <a:latin typeface="Calibri" panose="020F0502020204030204" pitchFamily="34" charset="0"/>
-                <a:ea typeface="Calibri" panose="020F0502020204030204" pitchFamily="34" charset="0"/>
-                <a:cs typeface="Times New Roman" panose="02020603050405020304" pitchFamily="18" charset="0"/>
-              </a:rPr>
-              <a:t>logwin</a:t>
-            </a:r>
-            <a:r>
-              <a:rPr lang="en-US" dirty="0">
-                <a:effectLst/>
-                <a:latin typeface="Calibri" panose="020F0502020204030204" pitchFamily="34" charset="0"/>
-                <a:ea typeface="Calibri" panose="020F0502020204030204" pitchFamily="34" charset="0"/>
-                <a:cs typeface="Times New Roman" panose="02020603050405020304" pitchFamily="18" charset="0"/>
-              </a:rPr>
-              <a:t>, </a:t>
-            </a:r>
-            <a:r>
-              <a:rPr lang="en-US" dirty="0">
-                <a:solidFill>
-                  <a:srgbClr val="00B050"/>
-                </a:solidFill>
-                <a:effectLst/>
-                <a:latin typeface="Calibri" panose="020F0502020204030204" pitchFamily="34" charset="0"/>
-                <a:ea typeface="Calibri" panose="020F0502020204030204" pitchFamily="34" charset="0"/>
-                <a:cs typeface="Times New Roman" panose="02020603050405020304" pitchFamily="18" charset="0"/>
-              </a:rPr>
-              <a:t>" calling open(</a:t>
-            </a:r>
-            <a:r>
-              <a:rPr lang="en-US" dirty="0" err="1">
-                <a:solidFill>
-                  <a:srgbClr val="00B050"/>
-                </a:solidFill>
-                <a:effectLst/>
-                <a:latin typeface="Calibri" panose="020F0502020204030204" pitchFamily="34" charset="0"/>
-                <a:ea typeface="Calibri" panose="020F0502020204030204" pitchFamily="34" charset="0"/>
-                <a:cs typeface="Times New Roman" panose="02020603050405020304" pitchFamily="18" charset="0"/>
-              </a:rPr>
-              <a:t>uifile</a:t>
-            </a:r>
-            <a:r>
-              <a:rPr lang="en-US" dirty="0">
-                <a:solidFill>
-                  <a:srgbClr val="00B050"/>
-                </a:solidFill>
-                <a:effectLst/>
-                <a:latin typeface="Calibri" panose="020F0502020204030204" pitchFamily="34" charset="0"/>
-                <a:ea typeface="Calibri" panose="020F0502020204030204" pitchFamily="34" charset="0"/>
-                <a:cs typeface="Times New Roman" panose="02020603050405020304" pitchFamily="18" charset="0"/>
-              </a:rPr>
-              <a:t>)\n"</a:t>
-            </a:r>
-            <a:r>
-              <a:rPr lang="en-US" dirty="0">
-                <a:effectLst/>
-                <a:latin typeface="Calibri" panose="020F0502020204030204" pitchFamily="34" charset="0"/>
-                <a:ea typeface="Calibri" panose="020F0502020204030204" pitchFamily="34" charset="0"/>
-                <a:cs typeface="Times New Roman" panose="02020603050405020304" pitchFamily="18" charset="0"/>
-              </a:rPr>
-              <a:t> );</a:t>
-            </a:r>
-          </a:p>
-          <a:p>
-            <a:pPr marL="0" marR="0" indent="0">
-              <a:lnSpc>
-                <a:spcPct val="107000"/>
-              </a:lnSpc>
-              <a:spcBef>
-                <a:spcPts val="0"/>
-              </a:spcBef>
-              <a:spcAft>
-                <a:spcPts val="0"/>
-              </a:spcAft>
-              <a:buNone/>
-            </a:pPr>
-            <a:r>
-              <a:rPr lang="en-US" b="1" dirty="0">
-                <a:effectLst/>
-                <a:latin typeface="Calibri" panose="020F0502020204030204" pitchFamily="34" charset="0"/>
-                <a:ea typeface="Calibri" panose="020F0502020204030204" pitchFamily="34" charset="0"/>
-                <a:cs typeface="Times New Roman" panose="02020603050405020304" pitchFamily="18" charset="0"/>
-              </a:rPr>
-              <a:t>if</a:t>
-            </a:r>
-            <a:r>
-              <a:rPr lang="en-US" dirty="0">
-                <a:effectLst/>
-                <a:latin typeface="Calibri" panose="020F0502020204030204" pitchFamily="34" charset="0"/>
-                <a:ea typeface="Calibri" panose="020F0502020204030204" pitchFamily="34" charset="0"/>
-                <a:cs typeface="Times New Roman" panose="02020603050405020304" pitchFamily="18" charset="0"/>
-              </a:rPr>
-              <a:t> (</a:t>
-            </a:r>
-            <a:r>
-              <a:rPr lang="en-US" dirty="0" err="1">
-                <a:effectLst/>
-                <a:latin typeface="Calibri" panose="020F0502020204030204" pitchFamily="34" charset="0"/>
-                <a:ea typeface="Calibri" panose="020F0502020204030204" pitchFamily="34" charset="0"/>
-                <a:cs typeface="Times New Roman" panose="02020603050405020304" pitchFamily="18" charset="0"/>
-              </a:rPr>
-              <a:t>superuser.Open</a:t>
-            </a:r>
-            <a:r>
-              <a:rPr lang="en-US" dirty="0">
-                <a:effectLst/>
-                <a:latin typeface="Calibri" panose="020F0502020204030204" pitchFamily="34" charset="0"/>
-                <a:ea typeface="Calibri" panose="020F0502020204030204" pitchFamily="34" charset="0"/>
-                <a:cs typeface="Times New Roman" panose="02020603050405020304" pitchFamily="18" charset="0"/>
-              </a:rPr>
-              <a:t>(</a:t>
-            </a:r>
-            <a:r>
-              <a:rPr lang="en-US" dirty="0" err="1">
-                <a:effectLst/>
-                <a:latin typeface="Calibri" panose="020F0502020204030204" pitchFamily="34" charset="0"/>
-                <a:ea typeface="Calibri" panose="020F0502020204030204" pitchFamily="34" charset="0"/>
-                <a:cs typeface="Times New Roman" panose="02020603050405020304" pitchFamily="18" charset="0"/>
-              </a:rPr>
-              <a:t>tcb</a:t>
-            </a:r>
-            <a:r>
-              <a:rPr lang="en-US" dirty="0">
-                <a:effectLst/>
-                <a:latin typeface="Calibri" panose="020F0502020204030204" pitchFamily="34" charset="0"/>
-                <a:ea typeface="Calibri" panose="020F0502020204030204" pitchFamily="34" charset="0"/>
-                <a:cs typeface="Times New Roman" panose="02020603050405020304" pitchFamily="18" charset="0"/>
-              </a:rPr>
-              <a:t>-&gt;</a:t>
-            </a:r>
-            <a:r>
-              <a:rPr lang="en-US" dirty="0" err="1">
-                <a:effectLst/>
-                <a:latin typeface="Calibri" panose="020F0502020204030204" pitchFamily="34" charset="0"/>
-                <a:ea typeface="Calibri" panose="020F0502020204030204" pitchFamily="34" charset="0"/>
-                <a:cs typeface="Times New Roman" panose="02020603050405020304" pitchFamily="18" charset="0"/>
-              </a:rPr>
-              <a:t>thread_no</a:t>
-            </a:r>
-            <a:r>
-              <a:rPr lang="en-US" dirty="0">
-                <a:effectLst/>
-                <a:latin typeface="Calibri" panose="020F0502020204030204" pitchFamily="34" charset="0"/>
-                <a:ea typeface="Calibri" panose="020F0502020204030204" pitchFamily="34" charset="0"/>
-                <a:cs typeface="Times New Roman" panose="02020603050405020304" pitchFamily="18" charset="0"/>
-              </a:rPr>
-              <a:t>, </a:t>
-            </a:r>
-            <a:r>
-              <a:rPr lang="en-US" dirty="0" err="1">
-                <a:effectLst/>
-                <a:latin typeface="Calibri" panose="020F0502020204030204" pitchFamily="34" charset="0"/>
-                <a:ea typeface="Calibri" panose="020F0502020204030204" pitchFamily="34" charset="0"/>
-                <a:cs typeface="Times New Roman" panose="02020603050405020304" pitchFamily="18" charset="0"/>
-              </a:rPr>
-              <a:t>tcb</a:t>
-            </a:r>
-            <a:r>
-              <a:rPr lang="en-US" dirty="0">
-                <a:effectLst/>
-                <a:latin typeface="Calibri" panose="020F0502020204030204" pitchFamily="34" charset="0"/>
-                <a:ea typeface="Calibri" panose="020F0502020204030204" pitchFamily="34" charset="0"/>
-                <a:cs typeface="Times New Roman" panose="02020603050405020304" pitchFamily="18" charset="0"/>
-              </a:rPr>
-              <a:t>-&gt;</a:t>
-            </a:r>
-            <a:r>
-              <a:rPr lang="en-US" dirty="0" err="1">
-                <a:effectLst/>
-                <a:latin typeface="Calibri" panose="020F0502020204030204" pitchFamily="34" charset="0"/>
-                <a:ea typeface="Calibri" panose="020F0502020204030204" pitchFamily="34" charset="0"/>
-                <a:cs typeface="Times New Roman" panose="02020603050405020304" pitchFamily="18" charset="0"/>
-              </a:rPr>
-              <a:t>thread_no</a:t>
-            </a:r>
-            <a:r>
-              <a:rPr lang="en-US" dirty="0">
-                <a:effectLst/>
-                <a:latin typeface="Calibri" panose="020F0502020204030204" pitchFamily="34" charset="0"/>
-                <a:ea typeface="Calibri" panose="020F0502020204030204" pitchFamily="34" charset="0"/>
-                <a:cs typeface="Times New Roman" panose="02020603050405020304" pitchFamily="18" charset="0"/>
-              </a:rPr>
-              <a:t>,(</a:t>
-            </a:r>
-            <a:r>
-              <a:rPr lang="en-US" b="1" dirty="0">
-                <a:effectLst/>
-                <a:latin typeface="Calibri" panose="020F0502020204030204" pitchFamily="34" charset="0"/>
-                <a:ea typeface="Calibri" panose="020F0502020204030204" pitchFamily="34" charset="0"/>
-                <a:cs typeface="Times New Roman" panose="02020603050405020304" pitchFamily="18" charset="0"/>
-              </a:rPr>
-              <a:t>char</a:t>
-            </a:r>
-            <a:r>
-              <a:rPr lang="en-US" dirty="0">
-                <a:effectLst/>
-                <a:latin typeface="Calibri" panose="020F0502020204030204" pitchFamily="34" charset="0"/>
-                <a:ea typeface="Calibri" panose="020F0502020204030204" pitchFamily="34" charset="0"/>
-                <a:cs typeface="Times New Roman" panose="02020603050405020304" pitchFamily="18" charset="0"/>
-              </a:rPr>
-              <a:t>*)"</a:t>
-            </a:r>
-            <a:r>
-              <a:rPr lang="en-US" dirty="0" err="1">
-                <a:effectLst/>
-                <a:latin typeface="Calibri" panose="020F0502020204030204" pitchFamily="34" charset="0"/>
-                <a:ea typeface="Calibri" panose="020F0502020204030204" pitchFamily="34" charset="0"/>
-                <a:cs typeface="Times New Roman" panose="02020603050405020304" pitchFamily="18" charset="0"/>
-              </a:rPr>
-              <a:t>uifile</a:t>
-            </a:r>
-            <a:r>
-              <a:rPr lang="en-US" dirty="0">
-                <a:effectLst/>
-                <a:latin typeface="Calibri" panose="020F0502020204030204" pitchFamily="34" charset="0"/>
-                <a:ea typeface="Calibri" panose="020F0502020204030204" pitchFamily="34" charset="0"/>
-                <a:cs typeface="Times New Roman" panose="02020603050405020304" pitchFamily="18" charset="0"/>
-              </a:rPr>
-              <a:t>",(</a:t>
-            </a:r>
-            <a:r>
-              <a:rPr lang="en-US" b="1" dirty="0">
-                <a:effectLst/>
-                <a:latin typeface="Calibri" panose="020F0502020204030204" pitchFamily="34" charset="0"/>
-                <a:ea typeface="Calibri" panose="020F0502020204030204" pitchFamily="34" charset="0"/>
-                <a:cs typeface="Times New Roman" panose="02020603050405020304" pitchFamily="18" charset="0"/>
-              </a:rPr>
-              <a:t>char</a:t>
-            </a:r>
-            <a:r>
-              <a:rPr lang="en-US" dirty="0">
-                <a:effectLst/>
-                <a:latin typeface="Calibri" panose="020F0502020204030204" pitchFamily="34" charset="0"/>
-                <a:ea typeface="Calibri" panose="020F0502020204030204" pitchFamily="34" charset="0"/>
-                <a:cs typeface="Times New Roman" panose="02020603050405020304" pitchFamily="18" charset="0"/>
-              </a:rPr>
-              <a:t>*)"w")){</a:t>
-            </a:r>
-          </a:p>
-          <a:p>
-            <a:pPr marL="0" marR="0" indent="0">
-              <a:lnSpc>
-                <a:spcPct val="107000"/>
-              </a:lnSpc>
-              <a:spcBef>
-                <a:spcPts val="0"/>
-              </a:spcBef>
-              <a:spcAft>
-                <a:spcPts val="0"/>
-              </a:spcAft>
-              <a:buNone/>
-            </a:pPr>
-            <a:r>
-              <a:rPr lang="en-US" dirty="0">
-                <a:effectLst/>
-                <a:latin typeface="Calibri" panose="020F0502020204030204" pitchFamily="34" charset="0"/>
-                <a:ea typeface="Calibri" panose="020F0502020204030204" pitchFamily="34" charset="0"/>
-                <a:cs typeface="Times New Roman" panose="02020603050405020304" pitchFamily="18" charset="0"/>
-              </a:rPr>
-              <a:t>	</a:t>
-            </a:r>
-            <a:r>
-              <a:rPr lang="en-US" dirty="0" err="1">
-                <a:effectLst/>
-                <a:latin typeface="Calibri" panose="020F0502020204030204" pitchFamily="34" charset="0"/>
-                <a:ea typeface="Calibri" panose="020F0502020204030204" pitchFamily="34" charset="0"/>
-                <a:cs typeface="Times New Roman" panose="02020603050405020304" pitchFamily="18" charset="0"/>
-              </a:rPr>
-              <a:t>write_window</a:t>
-            </a:r>
-            <a:r>
-              <a:rPr lang="en-US" dirty="0">
-                <a:effectLst/>
-                <a:latin typeface="Calibri" panose="020F0502020204030204" pitchFamily="34" charset="0"/>
-                <a:ea typeface="Calibri" panose="020F0502020204030204" pitchFamily="34" charset="0"/>
-                <a:cs typeface="Times New Roman" panose="02020603050405020304" pitchFamily="18" charset="0"/>
-              </a:rPr>
-              <a:t>(</a:t>
-            </a:r>
-            <a:r>
-              <a:rPr lang="en-US" dirty="0" err="1">
-                <a:effectLst/>
-                <a:latin typeface="Calibri" panose="020F0502020204030204" pitchFamily="34" charset="0"/>
-                <a:ea typeface="Calibri" panose="020F0502020204030204" pitchFamily="34" charset="0"/>
-                <a:cs typeface="Times New Roman" panose="02020603050405020304" pitchFamily="18" charset="0"/>
-              </a:rPr>
-              <a:t>logwin</a:t>
-            </a:r>
-            <a:r>
-              <a:rPr lang="en-US" dirty="0">
-                <a:effectLst/>
-                <a:latin typeface="Calibri" panose="020F0502020204030204" pitchFamily="34" charset="0"/>
-                <a:ea typeface="Calibri" panose="020F0502020204030204" pitchFamily="34" charset="0"/>
-                <a:cs typeface="Times New Roman" panose="02020603050405020304" pitchFamily="18" charset="0"/>
-              </a:rPr>
-              <a:t>, </a:t>
-            </a:r>
-            <a:r>
-              <a:rPr lang="en-US" dirty="0">
-                <a:solidFill>
-                  <a:srgbClr val="00B050"/>
-                </a:solidFill>
-                <a:effectLst/>
-                <a:latin typeface="Calibri" panose="020F0502020204030204" pitchFamily="34" charset="0"/>
-                <a:ea typeface="Calibri" panose="020F0502020204030204" pitchFamily="34" charset="0"/>
-                <a:cs typeface="Times New Roman" panose="02020603050405020304" pitchFamily="18" charset="0"/>
-              </a:rPr>
-              <a:t>" open success\n"</a:t>
-            </a:r>
-            <a:r>
-              <a:rPr lang="en-US" dirty="0">
-                <a:effectLst/>
-                <a:latin typeface="Calibri" panose="020F0502020204030204" pitchFamily="34" charset="0"/>
-                <a:ea typeface="Calibri" panose="020F0502020204030204" pitchFamily="34" charset="0"/>
-                <a:cs typeface="Times New Roman" panose="02020603050405020304" pitchFamily="18" charset="0"/>
-              </a:rPr>
-              <a:t> );</a:t>
-            </a:r>
-          </a:p>
-          <a:p>
-            <a:pPr marL="0" marR="0" indent="0">
-              <a:lnSpc>
-                <a:spcPct val="107000"/>
-              </a:lnSpc>
-              <a:spcBef>
-                <a:spcPts val="0"/>
-              </a:spcBef>
-              <a:spcAft>
-                <a:spcPts val="0"/>
-              </a:spcAft>
-              <a:buNone/>
-            </a:pPr>
-            <a:r>
-              <a:rPr lang="en-US" dirty="0">
-                <a:effectLst/>
-                <a:latin typeface="Calibri" panose="020F0502020204030204" pitchFamily="34" charset="0"/>
-                <a:ea typeface="Calibri" panose="020F0502020204030204" pitchFamily="34" charset="0"/>
-                <a:cs typeface="Times New Roman" panose="02020603050405020304" pitchFamily="18" charset="0"/>
-              </a:rPr>
-              <a:t>	}</a:t>
-            </a:r>
-            <a:r>
-              <a:rPr lang="en-US" b="1" dirty="0">
-                <a:effectLst/>
-                <a:latin typeface="Calibri" panose="020F0502020204030204" pitchFamily="34" charset="0"/>
-                <a:ea typeface="Calibri" panose="020F0502020204030204" pitchFamily="34" charset="0"/>
-                <a:cs typeface="Times New Roman" panose="02020603050405020304" pitchFamily="18" charset="0"/>
-              </a:rPr>
-              <a:t>else</a:t>
-            </a:r>
-            <a:r>
-              <a:rPr lang="en-US" dirty="0">
-                <a:effectLst/>
-                <a:latin typeface="Calibri" panose="020F0502020204030204" pitchFamily="34" charset="0"/>
-                <a:ea typeface="Calibri" panose="020F0502020204030204" pitchFamily="34" charset="0"/>
-                <a:cs typeface="Times New Roman" panose="02020603050405020304" pitchFamily="18" charset="0"/>
-              </a:rPr>
-              <a:t>{</a:t>
-            </a:r>
-          </a:p>
-          <a:p>
-            <a:pPr marL="457200" marR="0" indent="0">
-              <a:lnSpc>
-                <a:spcPct val="107000"/>
-              </a:lnSpc>
-              <a:spcBef>
-                <a:spcPts val="0"/>
-              </a:spcBef>
-              <a:spcAft>
-                <a:spcPts val="0"/>
-              </a:spcAft>
-              <a:buNone/>
-            </a:pPr>
-            <a:r>
-              <a:rPr lang="en-US" dirty="0">
-                <a:effectLst/>
-                <a:latin typeface="Calibri" panose="020F0502020204030204" pitchFamily="34" charset="0"/>
-                <a:ea typeface="Calibri" panose="020F0502020204030204" pitchFamily="34" charset="0"/>
-                <a:cs typeface="Times New Roman" panose="02020603050405020304" pitchFamily="18" charset="0"/>
-              </a:rPr>
-              <a:t>	</a:t>
-            </a:r>
-            <a:r>
-              <a:rPr lang="en-US" dirty="0" err="1">
-                <a:effectLst/>
-                <a:latin typeface="Calibri" panose="020F0502020204030204" pitchFamily="34" charset="0"/>
-                <a:ea typeface="Calibri" panose="020F0502020204030204" pitchFamily="34" charset="0"/>
-                <a:cs typeface="Times New Roman" panose="02020603050405020304" pitchFamily="18" charset="0"/>
-              </a:rPr>
-              <a:t>write_window</a:t>
-            </a:r>
-            <a:r>
-              <a:rPr lang="en-US" dirty="0">
-                <a:effectLst/>
-                <a:latin typeface="Calibri" panose="020F0502020204030204" pitchFamily="34" charset="0"/>
-                <a:ea typeface="Calibri" panose="020F0502020204030204" pitchFamily="34" charset="0"/>
-                <a:cs typeface="Times New Roman" panose="02020603050405020304" pitchFamily="18" charset="0"/>
-              </a:rPr>
-              <a:t>(</a:t>
-            </a:r>
-            <a:r>
-              <a:rPr lang="en-US" dirty="0" err="1">
-                <a:effectLst/>
-                <a:latin typeface="Calibri" panose="020F0502020204030204" pitchFamily="34" charset="0"/>
-                <a:ea typeface="Calibri" panose="020F0502020204030204" pitchFamily="34" charset="0"/>
-                <a:cs typeface="Times New Roman" panose="02020603050405020304" pitchFamily="18" charset="0"/>
-              </a:rPr>
-              <a:t>logwin</a:t>
-            </a:r>
-            <a:r>
-              <a:rPr lang="en-US" dirty="0">
-                <a:effectLst/>
-                <a:latin typeface="Calibri" panose="020F0502020204030204" pitchFamily="34" charset="0"/>
-                <a:ea typeface="Calibri" panose="020F0502020204030204" pitchFamily="34" charset="0"/>
-                <a:cs typeface="Times New Roman" panose="02020603050405020304" pitchFamily="18" charset="0"/>
-              </a:rPr>
-              <a:t>, </a:t>
-            </a:r>
-            <a:r>
-              <a:rPr lang="en-US" dirty="0">
-                <a:solidFill>
-                  <a:srgbClr val="00B050"/>
-                </a:solidFill>
-                <a:effectLst/>
-                <a:latin typeface="Calibri" panose="020F0502020204030204" pitchFamily="34" charset="0"/>
-                <a:ea typeface="Calibri" panose="020F0502020204030204" pitchFamily="34" charset="0"/>
-                <a:cs typeface="Times New Roman" panose="02020603050405020304" pitchFamily="18" charset="0"/>
-              </a:rPr>
-              <a:t>" open fail\n"</a:t>
-            </a:r>
-            <a:r>
-              <a:rPr lang="en-US" dirty="0">
-                <a:effectLst/>
-                <a:latin typeface="Calibri" panose="020F0502020204030204" pitchFamily="34" charset="0"/>
-                <a:ea typeface="Calibri" panose="020F0502020204030204" pitchFamily="34" charset="0"/>
-                <a:cs typeface="Times New Roman" panose="02020603050405020304" pitchFamily="18" charset="0"/>
-              </a:rPr>
-              <a:t> );</a:t>
-            </a:r>
-          </a:p>
-          <a:p>
-            <a:pPr marL="0" marR="0" indent="0">
-              <a:lnSpc>
-                <a:spcPct val="107000"/>
-              </a:lnSpc>
-              <a:spcBef>
-                <a:spcPts val="0"/>
-              </a:spcBef>
-              <a:spcAft>
-                <a:spcPts val="0"/>
-              </a:spcAft>
-              <a:buNone/>
-            </a:pPr>
-            <a:r>
-              <a:rPr lang="en-US" dirty="0">
-                <a:effectLst/>
-                <a:latin typeface="Calibri" panose="020F0502020204030204" pitchFamily="34" charset="0"/>
-                <a:ea typeface="Calibri" panose="020F0502020204030204" pitchFamily="34" charset="0"/>
-                <a:cs typeface="Times New Roman" panose="02020603050405020304" pitchFamily="18" charset="0"/>
-              </a:rPr>
-              <a:t>	}</a:t>
-            </a:r>
-          </a:p>
-          <a:p>
-            <a:pPr marL="0" marR="0" indent="0">
-              <a:lnSpc>
-                <a:spcPct val="107000"/>
-              </a:lnSpc>
-              <a:spcBef>
-                <a:spcPts val="0"/>
-              </a:spcBef>
-              <a:spcAft>
-                <a:spcPts val="0"/>
-              </a:spcAft>
-              <a:buNone/>
-            </a:pPr>
-            <a:r>
-              <a:rPr lang="en-US" dirty="0" err="1">
-                <a:effectLst/>
-                <a:latin typeface="Calibri" panose="020F0502020204030204" pitchFamily="34" charset="0"/>
-                <a:ea typeface="Calibri" panose="020F0502020204030204" pitchFamily="34" charset="0"/>
-                <a:cs typeface="Times New Roman" panose="02020603050405020304" pitchFamily="18" charset="0"/>
-              </a:rPr>
-              <a:t>write_window</a:t>
-            </a:r>
-            <a:r>
-              <a:rPr lang="en-US" dirty="0">
-                <a:effectLst/>
-                <a:latin typeface="Calibri" panose="020F0502020204030204" pitchFamily="34" charset="0"/>
-                <a:ea typeface="Calibri" panose="020F0502020204030204" pitchFamily="34" charset="0"/>
-                <a:cs typeface="Times New Roman" panose="02020603050405020304" pitchFamily="18" charset="0"/>
-              </a:rPr>
-              <a:t>(</a:t>
-            </a:r>
-            <a:r>
-              <a:rPr lang="en-US" dirty="0" err="1">
-                <a:effectLst/>
-                <a:latin typeface="Calibri" panose="020F0502020204030204" pitchFamily="34" charset="0"/>
-                <a:ea typeface="Calibri" panose="020F0502020204030204" pitchFamily="34" charset="0"/>
-                <a:cs typeface="Times New Roman" panose="02020603050405020304" pitchFamily="18" charset="0"/>
-              </a:rPr>
-              <a:t>logwin</a:t>
-            </a:r>
-            <a:r>
-              <a:rPr lang="en-US" dirty="0">
-                <a:effectLst/>
-                <a:latin typeface="Calibri" panose="020F0502020204030204" pitchFamily="34" charset="0"/>
-                <a:ea typeface="Calibri" panose="020F0502020204030204" pitchFamily="34" charset="0"/>
-                <a:cs typeface="Times New Roman" panose="02020603050405020304" pitchFamily="18" charset="0"/>
-              </a:rPr>
-              <a:t>, </a:t>
-            </a:r>
-            <a:r>
-              <a:rPr lang="en-US" dirty="0">
-                <a:solidFill>
-                  <a:srgbClr val="00B050"/>
-                </a:solidFill>
-                <a:effectLst/>
-                <a:latin typeface="Calibri" panose="020F0502020204030204" pitchFamily="34" charset="0"/>
-                <a:ea typeface="Calibri" panose="020F0502020204030204" pitchFamily="34" charset="0"/>
-                <a:cs typeface="Times New Roman" panose="02020603050405020304" pitchFamily="18" charset="0"/>
-              </a:rPr>
-              <a:t>" calling </a:t>
-            </a:r>
-            <a:r>
-              <a:rPr lang="en-US" dirty="0" err="1">
-                <a:solidFill>
-                  <a:srgbClr val="00B050"/>
-                </a:solidFill>
-                <a:effectLst/>
-                <a:latin typeface="Calibri" panose="020F0502020204030204" pitchFamily="34" charset="0"/>
-                <a:ea typeface="Calibri" panose="020F0502020204030204" pitchFamily="34" charset="0"/>
-                <a:cs typeface="Times New Roman" panose="02020603050405020304" pitchFamily="18" charset="0"/>
-              </a:rPr>
-              <a:t>write_char</a:t>
-            </a:r>
-            <a:r>
-              <a:rPr lang="en-US" dirty="0">
-                <a:solidFill>
-                  <a:srgbClr val="00B050"/>
-                </a:solidFill>
-                <a:effectLst/>
-                <a:latin typeface="Calibri" panose="020F0502020204030204" pitchFamily="34" charset="0"/>
-                <a:ea typeface="Calibri" panose="020F0502020204030204" pitchFamily="34" charset="0"/>
-                <a:cs typeface="Times New Roman" panose="02020603050405020304" pitchFamily="18" charset="0"/>
-              </a:rPr>
-              <a:t>(</a:t>
-            </a:r>
-            <a:r>
-              <a:rPr lang="en-US" dirty="0" err="1">
-                <a:solidFill>
-                  <a:srgbClr val="00B050"/>
-                </a:solidFill>
-                <a:effectLst/>
-                <a:latin typeface="Calibri" panose="020F0502020204030204" pitchFamily="34" charset="0"/>
-                <a:ea typeface="Calibri" panose="020F0502020204030204" pitchFamily="34" charset="0"/>
-                <a:cs typeface="Times New Roman" panose="02020603050405020304" pitchFamily="18" charset="0"/>
-              </a:rPr>
-              <a:t>uifile</a:t>
-            </a:r>
-            <a:r>
-              <a:rPr lang="en-US" dirty="0">
-                <a:solidFill>
-                  <a:srgbClr val="00B050"/>
-                </a:solidFill>
-                <a:effectLst/>
-                <a:latin typeface="Calibri" panose="020F0502020204030204" pitchFamily="34" charset="0"/>
-                <a:ea typeface="Calibri" panose="020F0502020204030204" pitchFamily="34" charset="0"/>
-                <a:cs typeface="Times New Roman" panose="02020603050405020304" pitchFamily="18" charset="0"/>
-              </a:rPr>
-              <a:t>, x)\n"</a:t>
-            </a:r>
-            <a:r>
-              <a:rPr lang="en-US" dirty="0">
-                <a:effectLst/>
-                <a:latin typeface="Calibri" panose="020F0502020204030204" pitchFamily="34" charset="0"/>
-                <a:ea typeface="Calibri" panose="020F0502020204030204" pitchFamily="34" charset="0"/>
-                <a:cs typeface="Times New Roman" panose="02020603050405020304" pitchFamily="18" charset="0"/>
-              </a:rPr>
-              <a:t> );</a:t>
-            </a:r>
-          </a:p>
-          <a:p>
-            <a:pPr marL="0" marR="0" indent="0">
-              <a:lnSpc>
-                <a:spcPct val="107000"/>
-              </a:lnSpc>
-              <a:spcBef>
-                <a:spcPts val="0"/>
-              </a:spcBef>
-              <a:spcAft>
-                <a:spcPts val="0"/>
-              </a:spcAft>
-              <a:buNone/>
-            </a:pPr>
-            <a:r>
-              <a:rPr lang="en-US" dirty="0" err="1">
-                <a:effectLst/>
-                <a:latin typeface="Calibri" panose="020F0502020204030204" pitchFamily="34" charset="0"/>
-                <a:ea typeface="Calibri" panose="020F0502020204030204" pitchFamily="34" charset="0"/>
-                <a:cs typeface="Times New Roman" panose="02020603050405020304" pitchFamily="18" charset="0"/>
-              </a:rPr>
-              <a:t>superuser.Write_Char</a:t>
-            </a:r>
-            <a:r>
-              <a:rPr lang="en-US" dirty="0">
-                <a:effectLst/>
-                <a:latin typeface="Calibri" panose="020F0502020204030204" pitchFamily="34" charset="0"/>
-                <a:ea typeface="Calibri" panose="020F0502020204030204" pitchFamily="34" charset="0"/>
-                <a:cs typeface="Times New Roman" panose="02020603050405020304" pitchFamily="18" charset="0"/>
-              </a:rPr>
-              <a:t>(</a:t>
-            </a:r>
-            <a:r>
-              <a:rPr lang="en-US" dirty="0" err="1">
-                <a:effectLst/>
-                <a:latin typeface="Calibri" panose="020F0502020204030204" pitchFamily="34" charset="0"/>
-                <a:ea typeface="Calibri" panose="020F0502020204030204" pitchFamily="34" charset="0"/>
-                <a:cs typeface="Times New Roman" panose="02020603050405020304" pitchFamily="18" charset="0"/>
-              </a:rPr>
-              <a:t>tcb</a:t>
-            </a:r>
-            <a:r>
-              <a:rPr lang="en-US" dirty="0">
-                <a:effectLst/>
-                <a:latin typeface="Calibri" panose="020F0502020204030204" pitchFamily="34" charset="0"/>
-                <a:ea typeface="Calibri" panose="020F0502020204030204" pitchFamily="34" charset="0"/>
-                <a:cs typeface="Times New Roman" panose="02020603050405020304" pitchFamily="18" charset="0"/>
-              </a:rPr>
-              <a:t>-&gt;</a:t>
-            </a:r>
-            <a:r>
-              <a:rPr lang="en-US" dirty="0" err="1">
-                <a:effectLst/>
-                <a:latin typeface="Calibri" panose="020F0502020204030204" pitchFamily="34" charset="0"/>
-                <a:ea typeface="Calibri" panose="020F0502020204030204" pitchFamily="34" charset="0"/>
-                <a:cs typeface="Times New Roman" panose="02020603050405020304" pitchFamily="18" charset="0"/>
-              </a:rPr>
-              <a:t>thread_no</a:t>
-            </a:r>
-            <a:r>
-              <a:rPr lang="en-US" dirty="0">
-                <a:effectLst/>
-                <a:latin typeface="Calibri" panose="020F0502020204030204" pitchFamily="34" charset="0"/>
-                <a:ea typeface="Calibri" panose="020F0502020204030204" pitchFamily="34" charset="0"/>
-                <a:cs typeface="Times New Roman" panose="02020603050405020304" pitchFamily="18" charset="0"/>
-              </a:rPr>
-              <a:t>, (</a:t>
-            </a:r>
-            <a:r>
-              <a:rPr lang="en-US" b="1" dirty="0">
-                <a:effectLst/>
-                <a:latin typeface="Calibri" panose="020F0502020204030204" pitchFamily="34" charset="0"/>
-                <a:ea typeface="Calibri" panose="020F0502020204030204" pitchFamily="34" charset="0"/>
-                <a:cs typeface="Times New Roman" panose="02020603050405020304" pitchFamily="18" charset="0"/>
-              </a:rPr>
-              <a:t>char</a:t>
-            </a:r>
-            <a:r>
-              <a:rPr lang="en-US" dirty="0">
-                <a:effectLst/>
-                <a:latin typeface="Calibri" panose="020F0502020204030204" pitchFamily="34" charset="0"/>
-                <a:ea typeface="Calibri" panose="020F0502020204030204" pitchFamily="34" charset="0"/>
-                <a:cs typeface="Times New Roman" panose="02020603050405020304" pitchFamily="18" charset="0"/>
-              </a:rPr>
-              <a:t>*)</a:t>
-            </a:r>
-            <a:r>
-              <a:rPr lang="en-US" dirty="0">
-                <a:solidFill>
-                  <a:srgbClr val="00B050"/>
-                </a:solidFill>
-                <a:effectLst/>
-                <a:latin typeface="Calibri" panose="020F0502020204030204" pitchFamily="34" charset="0"/>
-                <a:ea typeface="Calibri" panose="020F0502020204030204" pitchFamily="34" charset="0"/>
-                <a:cs typeface="Times New Roman" panose="02020603050405020304" pitchFamily="18" charset="0"/>
-              </a:rPr>
-              <a:t>"</a:t>
-            </a:r>
-            <a:r>
-              <a:rPr lang="en-US" dirty="0" err="1">
-                <a:solidFill>
-                  <a:srgbClr val="00B050"/>
-                </a:solidFill>
-                <a:effectLst/>
-                <a:latin typeface="Calibri" panose="020F0502020204030204" pitchFamily="34" charset="0"/>
-                <a:ea typeface="Calibri" panose="020F0502020204030204" pitchFamily="34" charset="0"/>
-                <a:cs typeface="Times New Roman" panose="02020603050405020304" pitchFamily="18" charset="0"/>
-              </a:rPr>
-              <a:t>uifile</a:t>
-            </a:r>
-            <a:r>
-              <a:rPr lang="en-US" dirty="0">
-                <a:solidFill>
-                  <a:srgbClr val="00B050"/>
-                </a:solidFill>
-                <a:effectLst/>
-                <a:latin typeface="Calibri" panose="020F0502020204030204" pitchFamily="34" charset="0"/>
-                <a:ea typeface="Calibri" panose="020F0502020204030204" pitchFamily="34" charset="0"/>
-                <a:cs typeface="Times New Roman" panose="02020603050405020304" pitchFamily="18" charset="0"/>
-              </a:rPr>
-              <a:t>"</a:t>
-            </a:r>
-            <a:r>
-              <a:rPr lang="en-US" dirty="0">
-                <a:solidFill>
-                  <a:schemeClr val="tx1"/>
-                </a:solidFill>
-                <a:effectLst/>
-                <a:latin typeface="Calibri" panose="020F0502020204030204" pitchFamily="34" charset="0"/>
-                <a:ea typeface="Calibri" panose="020F0502020204030204" pitchFamily="34" charset="0"/>
-                <a:cs typeface="Times New Roman" panose="02020603050405020304" pitchFamily="18" charset="0"/>
-              </a:rPr>
-              <a:t>,</a:t>
-            </a:r>
-            <a:r>
-              <a:rPr lang="en-US" dirty="0">
-                <a:solidFill>
-                  <a:srgbClr val="00B050"/>
-                </a:solidFill>
-                <a:effectLst/>
-                <a:latin typeface="Calibri" panose="020F0502020204030204" pitchFamily="34" charset="0"/>
-                <a:ea typeface="Calibri" panose="020F0502020204030204" pitchFamily="34" charset="0"/>
-                <a:cs typeface="Times New Roman" panose="02020603050405020304" pitchFamily="18" charset="0"/>
-              </a:rPr>
-              <a:t> </a:t>
-            </a:r>
-            <a:r>
-              <a:rPr lang="en-US" dirty="0">
-                <a:effectLst/>
-                <a:latin typeface="Calibri" panose="020F0502020204030204" pitchFamily="34" charset="0"/>
-                <a:ea typeface="Calibri" panose="020F0502020204030204" pitchFamily="34" charset="0"/>
-                <a:cs typeface="Times New Roman" panose="02020603050405020304" pitchFamily="18" charset="0"/>
-              </a:rPr>
-              <a:t>(</a:t>
-            </a:r>
-            <a:r>
-              <a:rPr lang="en-US" b="1" dirty="0">
-                <a:effectLst/>
-                <a:latin typeface="Calibri" panose="020F0502020204030204" pitchFamily="34" charset="0"/>
-                <a:ea typeface="Calibri" panose="020F0502020204030204" pitchFamily="34" charset="0"/>
-                <a:cs typeface="Times New Roman" panose="02020603050405020304" pitchFamily="18" charset="0"/>
-              </a:rPr>
-              <a:t>char</a:t>
-            </a:r>
-            <a:r>
-              <a:rPr lang="en-US" dirty="0">
-                <a:effectLst/>
-                <a:latin typeface="Calibri" panose="020F0502020204030204" pitchFamily="34" charset="0"/>
-                <a:ea typeface="Calibri" panose="020F0502020204030204" pitchFamily="34" charset="0"/>
-                <a:cs typeface="Times New Roman" panose="02020603050405020304" pitchFamily="18" charset="0"/>
-              </a:rPr>
-              <a:t>*)"x");</a:t>
-            </a:r>
-          </a:p>
-          <a:p>
-            <a:pPr marL="0" marR="0" indent="0">
-              <a:lnSpc>
-                <a:spcPct val="107000"/>
-              </a:lnSpc>
-              <a:spcBef>
-                <a:spcPts val="0"/>
-              </a:spcBef>
-              <a:spcAft>
-                <a:spcPts val="0"/>
-              </a:spcAft>
-              <a:buNone/>
-            </a:pPr>
-            <a:r>
-              <a:rPr lang="en-US" dirty="0" err="1">
-                <a:effectLst/>
-                <a:latin typeface="Calibri" panose="020F0502020204030204" pitchFamily="34" charset="0"/>
-                <a:ea typeface="Calibri" panose="020F0502020204030204" pitchFamily="34" charset="0"/>
-                <a:cs typeface="Times New Roman" panose="02020603050405020304" pitchFamily="18" charset="0"/>
-              </a:rPr>
-              <a:t>write_window</a:t>
-            </a:r>
-            <a:r>
-              <a:rPr lang="en-US" dirty="0">
-                <a:effectLst/>
-                <a:latin typeface="Calibri" panose="020F0502020204030204" pitchFamily="34" charset="0"/>
-                <a:ea typeface="Calibri" panose="020F0502020204030204" pitchFamily="34" charset="0"/>
-                <a:cs typeface="Times New Roman" panose="02020603050405020304" pitchFamily="18" charset="0"/>
-              </a:rPr>
-              <a:t>(</a:t>
-            </a:r>
-            <a:r>
-              <a:rPr lang="en-US" dirty="0" err="1">
-                <a:effectLst/>
-                <a:latin typeface="Calibri" panose="020F0502020204030204" pitchFamily="34" charset="0"/>
-                <a:ea typeface="Calibri" panose="020F0502020204030204" pitchFamily="34" charset="0"/>
-                <a:cs typeface="Times New Roman" panose="02020603050405020304" pitchFamily="18" charset="0"/>
-              </a:rPr>
-              <a:t>logwin</a:t>
-            </a:r>
-            <a:r>
-              <a:rPr lang="en-US" dirty="0">
-                <a:effectLst/>
-                <a:latin typeface="Calibri" panose="020F0502020204030204" pitchFamily="34" charset="0"/>
-                <a:ea typeface="Calibri" panose="020F0502020204030204" pitchFamily="34" charset="0"/>
-                <a:cs typeface="Times New Roman" panose="02020603050405020304" pitchFamily="18" charset="0"/>
-              </a:rPr>
-              <a:t>, </a:t>
-            </a:r>
-            <a:r>
-              <a:rPr lang="en-US" dirty="0">
-                <a:solidFill>
-                  <a:srgbClr val="00B050"/>
-                </a:solidFill>
-                <a:effectLst/>
-                <a:latin typeface="Calibri" panose="020F0502020204030204" pitchFamily="34" charset="0"/>
-                <a:ea typeface="Calibri" panose="020F0502020204030204" pitchFamily="34" charset="0"/>
-                <a:cs typeface="Times New Roman" panose="02020603050405020304" pitchFamily="18" charset="0"/>
-              </a:rPr>
-              <a:t>" calling Dir();\n"</a:t>
-            </a:r>
-            <a:r>
-              <a:rPr lang="en-US" dirty="0">
-                <a:effectLst/>
-                <a:latin typeface="Calibri" panose="020F0502020204030204" pitchFamily="34" charset="0"/>
-                <a:ea typeface="Calibri" panose="020F0502020204030204" pitchFamily="34" charset="0"/>
-                <a:cs typeface="Times New Roman" panose="02020603050405020304" pitchFamily="18" charset="0"/>
-              </a:rPr>
-              <a:t> );</a:t>
-            </a:r>
-          </a:p>
-          <a:p>
-            <a:pPr marL="0" marR="0" indent="0">
-              <a:lnSpc>
-                <a:spcPct val="107000"/>
-              </a:lnSpc>
-              <a:spcBef>
-                <a:spcPts val="0"/>
-              </a:spcBef>
-              <a:spcAft>
-                <a:spcPts val="0"/>
-              </a:spcAft>
-              <a:buNone/>
-            </a:pPr>
-            <a:r>
-              <a:rPr lang="en-US" dirty="0" err="1">
-                <a:effectLst/>
-                <a:latin typeface="Calibri" panose="020F0502020204030204" pitchFamily="34" charset="0"/>
-                <a:ea typeface="Calibri" panose="020F0502020204030204" pitchFamily="34" charset="0"/>
-                <a:cs typeface="Times New Roman" panose="02020603050405020304" pitchFamily="18" charset="0"/>
-              </a:rPr>
-              <a:t>superuser.Dir</a:t>
-            </a:r>
-            <a:r>
-              <a:rPr lang="en-US" dirty="0">
-                <a:effectLst/>
-                <a:latin typeface="Calibri" panose="020F0502020204030204" pitchFamily="34" charset="0"/>
-                <a:ea typeface="Calibri" panose="020F0502020204030204" pitchFamily="34" charset="0"/>
-                <a:cs typeface="Times New Roman" panose="02020603050405020304" pitchFamily="18" charset="0"/>
-              </a:rPr>
-              <a:t>(</a:t>
-            </a:r>
-            <a:r>
-              <a:rPr lang="en-US" dirty="0" err="1">
-                <a:effectLst/>
-                <a:latin typeface="Calibri" panose="020F0502020204030204" pitchFamily="34" charset="0"/>
-                <a:ea typeface="Calibri" panose="020F0502020204030204" pitchFamily="34" charset="0"/>
-                <a:cs typeface="Times New Roman" panose="02020603050405020304" pitchFamily="18" charset="0"/>
-              </a:rPr>
-              <a:t>memwin</a:t>
-            </a:r>
-            <a:r>
-              <a:rPr lang="en-US" dirty="0">
-                <a:effectLst/>
-                <a:latin typeface="Calibri" panose="020F0502020204030204" pitchFamily="34" charset="0"/>
-                <a:ea typeface="Calibri" panose="020F0502020204030204" pitchFamily="34" charset="0"/>
-                <a:cs typeface="Times New Roman" panose="02020603050405020304" pitchFamily="18" charset="0"/>
-              </a:rPr>
-              <a:t>);</a:t>
-            </a:r>
-          </a:p>
-          <a:p>
-            <a:pPr marL="0" marR="0" indent="0">
-              <a:lnSpc>
-                <a:spcPct val="107000"/>
-              </a:lnSpc>
-              <a:spcBef>
-                <a:spcPts val="0"/>
-              </a:spcBef>
-              <a:spcAft>
-                <a:spcPts val="0"/>
-              </a:spcAft>
-              <a:buNone/>
-            </a:pPr>
-            <a:r>
-              <a:rPr lang="en-US" b="1" dirty="0">
-                <a:effectLst/>
-                <a:latin typeface="Calibri" panose="020F0502020204030204" pitchFamily="34" charset="0"/>
-                <a:ea typeface="Calibri" panose="020F0502020204030204" pitchFamily="34" charset="0"/>
-                <a:cs typeface="Times New Roman" panose="02020603050405020304" pitchFamily="18" charset="0"/>
-              </a:rPr>
-              <a:t>int</a:t>
-            </a:r>
-            <a:r>
-              <a:rPr lang="en-US" dirty="0">
-                <a:effectLst/>
-                <a:latin typeface="Calibri" panose="020F0502020204030204" pitchFamily="34" charset="0"/>
-                <a:ea typeface="Calibri" panose="020F0502020204030204" pitchFamily="34" charset="0"/>
-                <a:cs typeface="Times New Roman" panose="02020603050405020304" pitchFamily="18" charset="0"/>
-              </a:rPr>
-              <a:t> perm[4] = { 1, 1, 1, 1 };</a:t>
-            </a:r>
-          </a:p>
-          <a:p>
-            <a:pPr marL="0" marR="0" indent="0">
-              <a:lnSpc>
-                <a:spcPct val="107000"/>
-              </a:lnSpc>
-              <a:spcBef>
-                <a:spcPts val="0"/>
-              </a:spcBef>
-              <a:spcAft>
-                <a:spcPts val="0"/>
-              </a:spcAft>
-              <a:buNone/>
-            </a:pPr>
-            <a:r>
-              <a:rPr lang="en-US" dirty="0" err="1">
-                <a:effectLst/>
-                <a:latin typeface="Calibri" panose="020F0502020204030204" pitchFamily="34" charset="0"/>
-                <a:ea typeface="Calibri" panose="020F0502020204030204" pitchFamily="34" charset="0"/>
-                <a:cs typeface="Times New Roman" panose="02020603050405020304" pitchFamily="18" charset="0"/>
-              </a:rPr>
-              <a:t>write_window</a:t>
-            </a:r>
-            <a:r>
-              <a:rPr lang="en-US" dirty="0">
-                <a:effectLst/>
-                <a:latin typeface="Calibri" panose="020F0502020204030204" pitchFamily="34" charset="0"/>
-                <a:ea typeface="Calibri" panose="020F0502020204030204" pitchFamily="34" charset="0"/>
-                <a:cs typeface="Times New Roman" panose="02020603050405020304" pitchFamily="18" charset="0"/>
-              </a:rPr>
-              <a:t>(</a:t>
-            </a:r>
-            <a:r>
-              <a:rPr lang="en-US" dirty="0" err="1">
-                <a:effectLst/>
-                <a:latin typeface="Calibri" panose="020F0502020204030204" pitchFamily="34" charset="0"/>
-                <a:ea typeface="Calibri" panose="020F0502020204030204" pitchFamily="34" charset="0"/>
-                <a:cs typeface="Times New Roman" panose="02020603050405020304" pitchFamily="18" charset="0"/>
-              </a:rPr>
-              <a:t>logwin</a:t>
-            </a:r>
-            <a:r>
-              <a:rPr lang="en-US" dirty="0">
-                <a:effectLst/>
-                <a:latin typeface="Calibri" panose="020F0502020204030204" pitchFamily="34" charset="0"/>
-                <a:ea typeface="Calibri" panose="020F0502020204030204" pitchFamily="34" charset="0"/>
-                <a:cs typeface="Times New Roman" panose="02020603050405020304" pitchFamily="18" charset="0"/>
-              </a:rPr>
-              <a:t>, </a:t>
-            </a:r>
-            <a:r>
-              <a:rPr lang="en-US" dirty="0">
-                <a:solidFill>
-                  <a:srgbClr val="00B050"/>
-                </a:solidFill>
-                <a:effectLst/>
-                <a:latin typeface="Calibri" panose="020F0502020204030204" pitchFamily="34" charset="0"/>
-                <a:ea typeface="Calibri" panose="020F0502020204030204" pitchFamily="34" charset="0"/>
-                <a:cs typeface="Times New Roman" panose="02020603050405020304" pitchFamily="18" charset="0"/>
-              </a:rPr>
-              <a:t>" calling change permissions(1,1,1,1) </a:t>
-            </a:r>
-            <a:r>
-              <a:rPr lang="en-US" dirty="0" err="1">
-                <a:solidFill>
-                  <a:srgbClr val="00B050"/>
-                </a:solidFill>
-                <a:effectLst/>
-                <a:latin typeface="Calibri" panose="020F0502020204030204" pitchFamily="34" charset="0"/>
-                <a:ea typeface="Calibri" panose="020F0502020204030204" pitchFamily="34" charset="0"/>
-                <a:cs typeface="Times New Roman" panose="02020603050405020304" pitchFamily="18" charset="0"/>
-              </a:rPr>
-              <a:t>uifile</a:t>
-            </a:r>
-            <a:r>
-              <a:rPr lang="en-US" dirty="0">
-                <a:solidFill>
-                  <a:srgbClr val="00B050"/>
-                </a:solidFill>
-                <a:effectLst/>
-                <a:latin typeface="Calibri" panose="020F0502020204030204" pitchFamily="34" charset="0"/>
-                <a:ea typeface="Calibri" panose="020F0502020204030204" pitchFamily="34" charset="0"/>
-                <a:cs typeface="Times New Roman" panose="02020603050405020304" pitchFamily="18" charset="0"/>
-              </a:rPr>
-              <a:t>\n"</a:t>
-            </a:r>
-            <a:r>
-              <a:rPr lang="en-US" dirty="0">
-                <a:effectLst/>
-                <a:latin typeface="Calibri" panose="020F0502020204030204" pitchFamily="34" charset="0"/>
-                <a:ea typeface="Calibri" panose="020F0502020204030204" pitchFamily="34" charset="0"/>
-                <a:cs typeface="Times New Roman" panose="02020603050405020304" pitchFamily="18" charset="0"/>
-              </a:rPr>
-              <a:t> );</a:t>
-            </a:r>
-          </a:p>
-        </p:txBody>
-      </p:sp>
-    </p:spTree>
-    <p:extLst>
-      <p:ext uri="{BB962C8B-B14F-4D97-AF65-F5344CB8AC3E}">
-        <p14:creationId xmlns:p14="http://schemas.microsoft.com/office/powerpoint/2010/main" val="2935090236"/>
-      </p:ext>
-    </p:extLst>
-  </p:cSld>
-  <p:clrMapOvr>
-    <a:masterClrMapping/>
-  </p:clrMapOvr>
-</p:sld>
-</file>
-
 <file path=ppt/slides/slide3.xml><?xml version="1.0" encoding="utf-8"?>
 <p:sld xmlns:a="http://schemas.openxmlformats.org/drawingml/2006/main" xmlns:r="http://schemas.openxmlformats.org/officeDocument/2006/relationships" xmlns:p="http://schemas.openxmlformats.org/presentationml/2006/main">
   <p:cSld>
@@ -11582,7 +13158,7 @@
           <p:cNvPr id="2" name="Title 1">
             <a:extLst>
               <a:ext uri="{FF2B5EF4-FFF2-40B4-BE49-F238E27FC236}">
-                <a16:creationId xmlns:a16="http://schemas.microsoft.com/office/drawing/2014/main" xmlns="" id="{0987B8C3-25BC-4BF6-8F7A-BCA7E31151E7}"/>
+                <a16:creationId xmlns:a16="http://schemas.microsoft.com/office/drawing/2014/main" id="{0987B8C3-25BC-4BF6-8F7A-BCA7E31151E7}"/>
               </a:ext>
             </a:extLst>
           </p:cNvPr>
@@ -11614,7 +13190,7 @@
           <p:cNvPr id="3" name="Content Placeholder 2">
             <a:extLst>
               <a:ext uri="{FF2B5EF4-FFF2-40B4-BE49-F238E27FC236}">
-                <a16:creationId xmlns:a16="http://schemas.microsoft.com/office/drawing/2014/main" xmlns="" id="{010BCA8A-382C-4CC7-A6EC-305FA37C328F}"/>
+                <a16:creationId xmlns:a16="http://schemas.microsoft.com/office/drawing/2014/main" id="{010BCA8A-382C-4CC7-A6EC-305FA37C328F}"/>
               </a:ext>
             </a:extLst>
           </p:cNvPr>
@@ -11671,13 +13247,6 @@
   <p:clrMapOvr>
     <a:masterClrMapping/>
   </p:clrMapOvr>
-  <p:timing>
-    <p:tnLst>
-      <p:par>
-        <p:cTn id="1" dur="indefinite" restart="never" nodeType="tmRoot"/>
-      </p:par>
-    </p:tnLst>
-  </p:timing>
 </p:sld>
 </file>
 
@@ -11700,1396 +13269,61 @@
       </p:grpSpPr>
       <p:sp>
         <p:nvSpPr>
-          <p:cNvPr id="2" name="Title 1">
+          <p:cNvPr id="2" name="Title 1"/>
+          <p:cNvSpPr>
+            <a:spLocks noGrp="1"/>
+          </p:cNvSpPr>
+          <p:nvPr>
+            <p:ph type="title"/>
+          </p:nvPr>
+        </p:nvSpPr>
+        <p:spPr/>
+        <p:txBody>
+          <a:bodyPr>
+            <a:normAutofit/>
+          </a:bodyPr>
+          <a:lstStyle/>
+          <a:p>
+            <a:r>
+              <a:rPr lang="en-US" dirty="0"/>
+              <a:t>Dump Function</a:t>
+            </a:r>
+          </a:p>
+        </p:txBody>
+      </p:sp>
+      <p:pic>
+        <p:nvPicPr>
+          <p:cNvPr id="4" name="Content Placeholder 3"/>
+          <p:cNvPicPr>
+            <a:picLocks noGrp="1" noChangeAspect="1"/>
+          </p:cNvPicPr>
+          <p:nvPr>
+            <p:ph idx="1"/>
+          </p:nvPr>
+        </p:nvPicPr>
+        <p:blipFill>
+          <a:blip r:embed="rId2">
             <a:extLst>
-              <a:ext uri="{FF2B5EF4-FFF2-40B4-BE49-F238E27FC236}">
-                <a16:creationId xmlns:a16="http://schemas.microsoft.com/office/drawing/2014/main" xmlns="" id="{B445D5D6-7D6A-4165-9FDB-201401ABC049}"/>
+              <a:ext uri="{28A0092B-C50C-407E-A947-70E740481C1C}">
+                <a14:useLocalDpi xmlns:a14="http://schemas.microsoft.com/office/drawing/2010/main" val="0"/>
               </a:ext>
             </a:extLst>
-          </p:cNvPr>
-          <p:cNvSpPr>
-            <a:spLocks noGrp="1"/>
-          </p:cNvSpPr>
-          <p:nvPr>
-            <p:ph type="title"/>
-          </p:nvPr>
-        </p:nvSpPr>
-        <p:spPr/>
-        <p:txBody>
-          <a:bodyPr/>
-          <a:lstStyle/>
-          <a:p>
-            <a:r>
-              <a:rPr lang="en-US" dirty="0"/>
-              <a:t>Phase 4 Testcase ‘f’</a:t>
-            </a:r>
-          </a:p>
-        </p:txBody>
-      </p:sp>
-      <p:sp>
-        <p:nvSpPr>
-          <p:cNvPr id="3" name="Content Placeholder 2">
-            <a:extLst>
-              <a:ext uri="{FF2B5EF4-FFF2-40B4-BE49-F238E27FC236}">
-                <a16:creationId xmlns:a16="http://schemas.microsoft.com/office/drawing/2014/main" xmlns="" id="{CACFE881-6C65-4B06-B621-2B8788E9ABE2}"/>
-              </a:ext>
-            </a:extLst>
-          </p:cNvPr>
-          <p:cNvSpPr>
-            <a:spLocks noGrp="1"/>
-          </p:cNvSpPr>
-          <p:nvPr>
-            <p:ph idx="1"/>
-          </p:nvPr>
-        </p:nvSpPr>
-        <p:spPr/>
-        <p:txBody>
-          <a:bodyPr>
-            <a:normAutofit fontScale="85000" lnSpcReduction="20000"/>
-          </a:bodyPr>
-          <a:lstStyle/>
-          <a:p>
-            <a:pPr marL="0" marR="0" indent="0">
-              <a:lnSpc>
-                <a:spcPct val="107000"/>
-              </a:lnSpc>
-              <a:spcBef>
-                <a:spcPts val="0"/>
-              </a:spcBef>
-              <a:spcAft>
-                <a:spcPts val="0"/>
-              </a:spcAft>
-              <a:buNone/>
-            </a:pPr>
-            <a:r>
-              <a:rPr lang="en-US" dirty="0" err="1">
-                <a:effectLst/>
-                <a:latin typeface="Calibri" panose="020F0502020204030204" pitchFamily="34" charset="0"/>
-                <a:ea typeface="Calibri" panose="020F0502020204030204" pitchFamily="34" charset="0"/>
-                <a:cs typeface="Times New Roman" panose="02020603050405020304" pitchFamily="18" charset="0"/>
-              </a:rPr>
-              <a:t>superuser.Change_Permission</a:t>
-            </a:r>
-            <a:r>
-              <a:rPr lang="en-US" dirty="0">
-                <a:effectLst/>
-                <a:latin typeface="Calibri" panose="020F0502020204030204" pitchFamily="34" charset="0"/>
-                <a:ea typeface="Calibri" panose="020F0502020204030204" pitchFamily="34" charset="0"/>
-                <a:cs typeface="Times New Roman" panose="02020603050405020304" pitchFamily="18" charset="0"/>
-              </a:rPr>
-              <a:t>(</a:t>
-            </a:r>
-            <a:r>
-              <a:rPr lang="en-US" dirty="0" err="1">
-                <a:effectLst/>
-                <a:latin typeface="Calibri" panose="020F0502020204030204" pitchFamily="34" charset="0"/>
-                <a:ea typeface="Calibri" panose="020F0502020204030204" pitchFamily="34" charset="0"/>
-                <a:cs typeface="Times New Roman" panose="02020603050405020304" pitchFamily="18" charset="0"/>
-              </a:rPr>
-              <a:t>tcb</a:t>
-            </a:r>
-            <a:r>
-              <a:rPr lang="en-US" dirty="0">
-                <a:effectLst/>
-                <a:latin typeface="Calibri" panose="020F0502020204030204" pitchFamily="34" charset="0"/>
-                <a:ea typeface="Calibri" panose="020F0502020204030204" pitchFamily="34" charset="0"/>
-                <a:cs typeface="Times New Roman" panose="02020603050405020304" pitchFamily="18" charset="0"/>
-              </a:rPr>
-              <a:t>-&gt;</a:t>
-            </a:r>
-            <a:r>
-              <a:rPr lang="en-US" dirty="0" err="1">
-                <a:effectLst/>
-                <a:latin typeface="Calibri" panose="020F0502020204030204" pitchFamily="34" charset="0"/>
-                <a:ea typeface="Calibri" panose="020F0502020204030204" pitchFamily="34" charset="0"/>
-                <a:cs typeface="Times New Roman" panose="02020603050405020304" pitchFamily="18" charset="0"/>
-              </a:rPr>
-              <a:t>thread_no</a:t>
-            </a:r>
-            <a:r>
-              <a:rPr lang="en-US" dirty="0">
-                <a:effectLst/>
-                <a:latin typeface="Calibri" panose="020F0502020204030204" pitchFamily="34" charset="0"/>
-                <a:ea typeface="Calibri" panose="020F0502020204030204" pitchFamily="34" charset="0"/>
-                <a:cs typeface="Times New Roman" panose="02020603050405020304" pitchFamily="18" charset="0"/>
-              </a:rPr>
-              <a:t>, (</a:t>
-            </a:r>
-            <a:r>
-              <a:rPr lang="en-US" b="1" dirty="0">
-                <a:effectLst/>
-                <a:latin typeface="Calibri" panose="020F0502020204030204" pitchFamily="34" charset="0"/>
-                <a:ea typeface="Calibri" panose="020F0502020204030204" pitchFamily="34" charset="0"/>
-                <a:cs typeface="Times New Roman" panose="02020603050405020304" pitchFamily="18" charset="0"/>
-              </a:rPr>
-              <a:t>char</a:t>
-            </a:r>
-            <a:r>
-              <a:rPr lang="en-US" dirty="0">
-                <a:effectLst/>
-                <a:latin typeface="Calibri" panose="020F0502020204030204" pitchFamily="34" charset="0"/>
-                <a:ea typeface="Calibri" panose="020F0502020204030204" pitchFamily="34" charset="0"/>
-                <a:cs typeface="Times New Roman" panose="02020603050405020304" pitchFamily="18" charset="0"/>
-              </a:rPr>
-              <a:t>*)</a:t>
-            </a:r>
-            <a:r>
-              <a:rPr lang="en-US" dirty="0">
-                <a:solidFill>
-                  <a:srgbClr val="00B050"/>
-                </a:solidFill>
-                <a:effectLst/>
-                <a:latin typeface="Calibri" panose="020F0502020204030204" pitchFamily="34" charset="0"/>
-                <a:ea typeface="Calibri" panose="020F0502020204030204" pitchFamily="34" charset="0"/>
-                <a:cs typeface="Times New Roman" panose="02020603050405020304" pitchFamily="18" charset="0"/>
-              </a:rPr>
-              <a:t>"</a:t>
-            </a:r>
-            <a:r>
-              <a:rPr lang="en-US" dirty="0" err="1">
-                <a:solidFill>
-                  <a:srgbClr val="00B050"/>
-                </a:solidFill>
-                <a:effectLst/>
-                <a:latin typeface="Calibri" panose="020F0502020204030204" pitchFamily="34" charset="0"/>
-                <a:ea typeface="Calibri" panose="020F0502020204030204" pitchFamily="34" charset="0"/>
-                <a:cs typeface="Times New Roman" panose="02020603050405020304" pitchFamily="18" charset="0"/>
-              </a:rPr>
-              <a:t>uifile</a:t>
-            </a:r>
-            <a:r>
-              <a:rPr lang="en-US" dirty="0">
-                <a:solidFill>
-                  <a:srgbClr val="00B050"/>
-                </a:solidFill>
-                <a:effectLst/>
-                <a:latin typeface="Calibri" panose="020F0502020204030204" pitchFamily="34" charset="0"/>
-                <a:ea typeface="Calibri" panose="020F0502020204030204" pitchFamily="34" charset="0"/>
-                <a:cs typeface="Times New Roman" panose="02020603050405020304" pitchFamily="18" charset="0"/>
-              </a:rPr>
-              <a:t>"</a:t>
-            </a:r>
-            <a:r>
-              <a:rPr lang="en-US" dirty="0">
-                <a:solidFill>
-                  <a:schemeClr val="tx1"/>
-                </a:solidFill>
-                <a:effectLst/>
-                <a:latin typeface="Calibri" panose="020F0502020204030204" pitchFamily="34" charset="0"/>
-                <a:ea typeface="Calibri" panose="020F0502020204030204" pitchFamily="34" charset="0"/>
-                <a:cs typeface="Times New Roman" panose="02020603050405020304" pitchFamily="18" charset="0"/>
-              </a:rPr>
-              <a:t>,</a:t>
-            </a:r>
-            <a:r>
-              <a:rPr lang="en-US" dirty="0">
-                <a:solidFill>
-                  <a:srgbClr val="00B050"/>
-                </a:solidFill>
-                <a:effectLst/>
-                <a:latin typeface="Calibri" panose="020F0502020204030204" pitchFamily="34" charset="0"/>
-                <a:ea typeface="Calibri" panose="020F0502020204030204" pitchFamily="34" charset="0"/>
-                <a:cs typeface="Times New Roman" panose="02020603050405020304" pitchFamily="18" charset="0"/>
-              </a:rPr>
-              <a:t> </a:t>
-            </a:r>
-            <a:r>
-              <a:rPr lang="en-US" dirty="0">
-                <a:effectLst/>
-                <a:latin typeface="Calibri" panose="020F0502020204030204" pitchFamily="34" charset="0"/>
-                <a:ea typeface="Calibri" panose="020F0502020204030204" pitchFamily="34" charset="0"/>
-                <a:cs typeface="Times New Roman" panose="02020603050405020304" pitchFamily="18" charset="0"/>
-              </a:rPr>
-              <a:t>perm, </a:t>
-            </a:r>
-            <a:r>
-              <a:rPr lang="en-US" dirty="0" err="1">
-                <a:effectLst/>
-                <a:latin typeface="Calibri" panose="020F0502020204030204" pitchFamily="34" charset="0"/>
-                <a:ea typeface="Calibri" panose="020F0502020204030204" pitchFamily="34" charset="0"/>
-                <a:cs typeface="Times New Roman" panose="02020603050405020304" pitchFamily="18" charset="0"/>
-              </a:rPr>
-              <a:t>logwin</a:t>
-            </a:r>
-            <a:r>
-              <a:rPr lang="en-US" dirty="0">
-                <a:effectLst/>
-                <a:latin typeface="Calibri" panose="020F0502020204030204" pitchFamily="34" charset="0"/>
-                <a:ea typeface="Calibri" panose="020F0502020204030204" pitchFamily="34" charset="0"/>
-                <a:cs typeface="Times New Roman" panose="02020603050405020304" pitchFamily="18" charset="0"/>
-              </a:rPr>
-              <a:t>);</a:t>
-            </a:r>
-          </a:p>
-          <a:p>
-            <a:pPr marL="0" marR="0" indent="0">
-              <a:lnSpc>
-                <a:spcPct val="107000"/>
-              </a:lnSpc>
-              <a:spcBef>
-                <a:spcPts val="0"/>
-              </a:spcBef>
-              <a:spcAft>
-                <a:spcPts val="0"/>
-              </a:spcAft>
-              <a:buNone/>
-            </a:pPr>
-            <a:r>
-              <a:rPr lang="en-US" dirty="0" err="1">
-                <a:effectLst/>
-                <a:latin typeface="Calibri" panose="020F0502020204030204" pitchFamily="34" charset="0"/>
-                <a:ea typeface="Calibri" panose="020F0502020204030204" pitchFamily="34" charset="0"/>
-                <a:cs typeface="Times New Roman" panose="02020603050405020304" pitchFamily="18" charset="0"/>
-              </a:rPr>
-              <a:t>write_window</a:t>
-            </a:r>
-            <a:r>
-              <a:rPr lang="en-US" dirty="0">
-                <a:effectLst/>
-                <a:latin typeface="Calibri" panose="020F0502020204030204" pitchFamily="34" charset="0"/>
-                <a:ea typeface="Calibri" panose="020F0502020204030204" pitchFamily="34" charset="0"/>
-                <a:cs typeface="Times New Roman" panose="02020603050405020304" pitchFamily="18" charset="0"/>
-              </a:rPr>
-              <a:t>(</a:t>
-            </a:r>
-            <a:r>
-              <a:rPr lang="en-US" dirty="0" err="1">
-                <a:effectLst/>
-                <a:latin typeface="Calibri" panose="020F0502020204030204" pitchFamily="34" charset="0"/>
-                <a:ea typeface="Calibri" panose="020F0502020204030204" pitchFamily="34" charset="0"/>
-                <a:cs typeface="Times New Roman" panose="02020603050405020304" pitchFamily="18" charset="0"/>
-              </a:rPr>
-              <a:t>logwin</a:t>
-            </a:r>
-            <a:r>
-              <a:rPr lang="en-US" dirty="0">
-                <a:effectLst/>
-                <a:latin typeface="Calibri" panose="020F0502020204030204" pitchFamily="34" charset="0"/>
-                <a:ea typeface="Calibri" panose="020F0502020204030204" pitchFamily="34" charset="0"/>
-                <a:cs typeface="Times New Roman" panose="02020603050405020304" pitchFamily="18" charset="0"/>
-              </a:rPr>
-              <a:t>, </a:t>
-            </a:r>
-            <a:r>
-              <a:rPr lang="en-US" dirty="0">
-                <a:solidFill>
-                  <a:srgbClr val="00B050"/>
-                </a:solidFill>
-                <a:effectLst/>
-                <a:latin typeface="Calibri" panose="020F0502020204030204" pitchFamily="34" charset="0"/>
-                <a:ea typeface="Calibri" panose="020F0502020204030204" pitchFamily="34" charset="0"/>
-                <a:cs typeface="Times New Roman" panose="02020603050405020304" pitchFamily="18" charset="0"/>
-              </a:rPr>
-              <a:t>" calling Dir(task id);\n" </a:t>
-            </a:r>
-            <a:r>
-              <a:rPr lang="en-US" dirty="0">
-                <a:effectLst/>
-                <a:latin typeface="Calibri" panose="020F0502020204030204" pitchFamily="34" charset="0"/>
-                <a:ea typeface="Calibri" panose="020F0502020204030204" pitchFamily="34" charset="0"/>
-                <a:cs typeface="Times New Roman" panose="02020603050405020304" pitchFamily="18" charset="0"/>
-              </a:rPr>
-              <a:t>);</a:t>
-            </a:r>
-          </a:p>
-          <a:p>
-            <a:pPr marL="0" marR="0" indent="0">
-              <a:lnSpc>
-                <a:spcPct val="107000"/>
-              </a:lnSpc>
-              <a:spcBef>
-                <a:spcPts val="0"/>
-              </a:spcBef>
-              <a:spcAft>
-                <a:spcPts val="0"/>
-              </a:spcAft>
-              <a:buNone/>
-            </a:pPr>
-            <a:r>
-              <a:rPr lang="en-US" dirty="0" err="1">
-                <a:effectLst/>
-                <a:latin typeface="Calibri" panose="020F0502020204030204" pitchFamily="34" charset="0"/>
-                <a:ea typeface="Calibri" panose="020F0502020204030204" pitchFamily="34" charset="0"/>
-                <a:cs typeface="Times New Roman" panose="02020603050405020304" pitchFamily="18" charset="0"/>
-              </a:rPr>
-              <a:t>superuser.Dir</a:t>
-            </a:r>
-            <a:r>
-              <a:rPr lang="en-US" dirty="0">
-                <a:effectLst/>
-                <a:latin typeface="Calibri" panose="020F0502020204030204" pitchFamily="34" charset="0"/>
-                <a:ea typeface="Calibri" panose="020F0502020204030204" pitchFamily="34" charset="0"/>
-                <a:cs typeface="Times New Roman" panose="02020603050405020304" pitchFamily="18" charset="0"/>
-              </a:rPr>
-              <a:t>(</a:t>
-            </a:r>
-            <a:r>
-              <a:rPr lang="en-US" dirty="0" err="1">
-                <a:effectLst/>
-                <a:latin typeface="Calibri" panose="020F0502020204030204" pitchFamily="34" charset="0"/>
-                <a:ea typeface="Calibri" panose="020F0502020204030204" pitchFamily="34" charset="0"/>
-                <a:cs typeface="Times New Roman" panose="02020603050405020304" pitchFamily="18" charset="0"/>
-              </a:rPr>
-              <a:t>tcb</a:t>
-            </a:r>
-            <a:r>
-              <a:rPr lang="en-US" dirty="0">
-                <a:effectLst/>
-                <a:latin typeface="Calibri" panose="020F0502020204030204" pitchFamily="34" charset="0"/>
-                <a:ea typeface="Calibri" panose="020F0502020204030204" pitchFamily="34" charset="0"/>
-                <a:cs typeface="Times New Roman" panose="02020603050405020304" pitchFamily="18" charset="0"/>
-              </a:rPr>
-              <a:t>-&gt;</a:t>
-            </a:r>
-            <a:r>
-              <a:rPr lang="en-US" dirty="0" err="1">
-                <a:effectLst/>
-                <a:latin typeface="Calibri" panose="020F0502020204030204" pitchFamily="34" charset="0"/>
-                <a:ea typeface="Calibri" panose="020F0502020204030204" pitchFamily="34" charset="0"/>
-                <a:cs typeface="Times New Roman" panose="02020603050405020304" pitchFamily="18" charset="0"/>
-              </a:rPr>
-              <a:t>thread_no,memwin</a:t>
-            </a:r>
-            <a:r>
-              <a:rPr lang="en-US" dirty="0">
-                <a:effectLst/>
-                <a:latin typeface="Calibri" panose="020F0502020204030204" pitchFamily="34" charset="0"/>
-                <a:ea typeface="Calibri" panose="020F0502020204030204" pitchFamily="34" charset="0"/>
-                <a:cs typeface="Times New Roman" panose="02020603050405020304" pitchFamily="18" charset="0"/>
-              </a:rPr>
-              <a:t>);</a:t>
-            </a:r>
-          </a:p>
-          <a:p>
-            <a:pPr marL="0" marR="0" indent="0">
-              <a:lnSpc>
-                <a:spcPct val="107000"/>
-              </a:lnSpc>
-              <a:spcBef>
-                <a:spcPts val="0"/>
-              </a:spcBef>
-              <a:spcAft>
-                <a:spcPts val="0"/>
-              </a:spcAft>
-              <a:buNone/>
-            </a:pPr>
-            <a:r>
-              <a:rPr lang="en-US" dirty="0" err="1">
-                <a:effectLst/>
-                <a:latin typeface="Calibri" panose="020F0502020204030204" pitchFamily="34" charset="0"/>
-                <a:ea typeface="Calibri" panose="020F0502020204030204" pitchFamily="34" charset="0"/>
-                <a:cs typeface="Times New Roman" panose="02020603050405020304" pitchFamily="18" charset="0"/>
-              </a:rPr>
-              <a:t>write_window</a:t>
-            </a:r>
-            <a:r>
-              <a:rPr lang="en-US" dirty="0">
-                <a:effectLst/>
-                <a:latin typeface="Calibri" panose="020F0502020204030204" pitchFamily="34" charset="0"/>
-                <a:ea typeface="Calibri" panose="020F0502020204030204" pitchFamily="34" charset="0"/>
-                <a:cs typeface="Times New Roman" panose="02020603050405020304" pitchFamily="18" charset="0"/>
-              </a:rPr>
-              <a:t>(</a:t>
-            </a:r>
-            <a:r>
-              <a:rPr lang="en-US" dirty="0" err="1">
-                <a:effectLst/>
-                <a:latin typeface="Calibri" panose="020F0502020204030204" pitchFamily="34" charset="0"/>
-                <a:ea typeface="Calibri" panose="020F0502020204030204" pitchFamily="34" charset="0"/>
-                <a:cs typeface="Times New Roman" panose="02020603050405020304" pitchFamily="18" charset="0"/>
-              </a:rPr>
-              <a:t>logwin</a:t>
-            </a:r>
-            <a:r>
-              <a:rPr lang="en-US" dirty="0">
-                <a:effectLst/>
-                <a:latin typeface="Calibri" panose="020F0502020204030204" pitchFamily="34" charset="0"/>
-                <a:ea typeface="Calibri" panose="020F0502020204030204" pitchFamily="34" charset="0"/>
-                <a:cs typeface="Times New Roman" panose="02020603050405020304" pitchFamily="18" charset="0"/>
-              </a:rPr>
-              <a:t>, </a:t>
-            </a:r>
-            <a:r>
-              <a:rPr lang="en-US" dirty="0">
-                <a:solidFill>
-                  <a:srgbClr val="00B050"/>
-                </a:solidFill>
-                <a:effectLst/>
-                <a:latin typeface="Calibri" panose="020F0502020204030204" pitchFamily="34" charset="0"/>
-                <a:ea typeface="Calibri" panose="020F0502020204030204" pitchFamily="34" charset="0"/>
-                <a:cs typeface="Times New Roman" panose="02020603050405020304" pitchFamily="18" charset="0"/>
-              </a:rPr>
-              <a:t>" calling dump\n"</a:t>
-            </a:r>
-            <a:r>
-              <a:rPr lang="en-US" dirty="0">
-                <a:effectLst/>
-                <a:latin typeface="Calibri" panose="020F0502020204030204" pitchFamily="34" charset="0"/>
-                <a:ea typeface="Calibri" panose="020F0502020204030204" pitchFamily="34" charset="0"/>
-                <a:cs typeface="Times New Roman" panose="02020603050405020304" pitchFamily="18" charset="0"/>
-              </a:rPr>
-              <a:t> );</a:t>
-            </a:r>
-          </a:p>
-          <a:p>
-            <a:pPr marL="0" marR="0" indent="0">
-              <a:lnSpc>
-                <a:spcPct val="107000"/>
-              </a:lnSpc>
-              <a:spcBef>
-                <a:spcPts val="0"/>
-              </a:spcBef>
-              <a:spcAft>
-                <a:spcPts val="0"/>
-              </a:spcAft>
-              <a:buNone/>
-            </a:pPr>
-            <a:r>
-              <a:rPr lang="en-US" dirty="0" err="1">
-                <a:effectLst/>
-                <a:latin typeface="Calibri" panose="020F0502020204030204" pitchFamily="34" charset="0"/>
-                <a:ea typeface="Calibri" panose="020F0502020204030204" pitchFamily="34" charset="0"/>
-                <a:cs typeface="Times New Roman" panose="02020603050405020304" pitchFamily="18" charset="0"/>
-              </a:rPr>
-              <a:t>superuser.dump</a:t>
-            </a:r>
-            <a:r>
-              <a:rPr lang="en-US" dirty="0">
-                <a:effectLst/>
-                <a:latin typeface="Calibri" panose="020F0502020204030204" pitchFamily="34" charset="0"/>
-                <a:ea typeface="Calibri" panose="020F0502020204030204" pitchFamily="34" charset="0"/>
-                <a:cs typeface="Times New Roman" panose="02020603050405020304" pitchFamily="18" charset="0"/>
-              </a:rPr>
-              <a:t>(</a:t>
-            </a:r>
-            <a:r>
-              <a:rPr lang="en-US" dirty="0" err="1">
-                <a:effectLst/>
-                <a:latin typeface="Calibri" panose="020F0502020204030204" pitchFamily="34" charset="0"/>
-                <a:ea typeface="Calibri" panose="020F0502020204030204" pitchFamily="34" charset="0"/>
-                <a:cs typeface="Times New Roman" panose="02020603050405020304" pitchFamily="18" charset="0"/>
-              </a:rPr>
-              <a:t>memwin</a:t>
-            </a:r>
-            <a:r>
-              <a:rPr lang="en-US" dirty="0">
-                <a:effectLst/>
-                <a:latin typeface="Calibri" panose="020F0502020204030204" pitchFamily="34" charset="0"/>
-                <a:ea typeface="Calibri" panose="020F0502020204030204" pitchFamily="34" charset="0"/>
-                <a:cs typeface="Times New Roman" panose="02020603050405020304" pitchFamily="18" charset="0"/>
-              </a:rPr>
-              <a:t>);</a:t>
-            </a:r>
-          </a:p>
-          <a:p>
-            <a:pPr marL="0" marR="0" indent="0">
-              <a:lnSpc>
-                <a:spcPct val="107000"/>
-              </a:lnSpc>
-              <a:spcBef>
-                <a:spcPts val="0"/>
-              </a:spcBef>
-              <a:spcAft>
-                <a:spcPts val="0"/>
-              </a:spcAft>
-              <a:buNone/>
-            </a:pPr>
-            <a:r>
-              <a:rPr lang="en-US" dirty="0" err="1">
-                <a:effectLst/>
-                <a:latin typeface="Calibri" panose="020F0502020204030204" pitchFamily="34" charset="0"/>
-                <a:ea typeface="Calibri" panose="020F0502020204030204" pitchFamily="34" charset="0"/>
-                <a:cs typeface="Times New Roman" panose="02020603050405020304" pitchFamily="18" charset="0"/>
-              </a:rPr>
-              <a:t>write_window</a:t>
-            </a:r>
-            <a:r>
-              <a:rPr lang="en-US" dirty="0">
-                <a:effectLst/>
-                <a:latin typeface="Calibri" panose="020F0502020204030204" pitchFamily="34" charset="0"/>
-                <a:ea typeface="Calibri" panose="020F0502020204030204" pitchFamily="34" charset="0"/>
-                <a:cs typeface="Times New Roman" panose="02020603050405020304" pitchFamily="18" charset="0"/>
-              </a:rPr>
-              <a:t>(</a:t>
-            </a:r>
-            <a:r>
-              <a:rPr lang="en-US" dirty="0" err="1">
-                <a:effectLst/>
-                <a:latin typeface="Calibri" panose="020F0502020204030204" pitchFamily="34" charset="0"/>
-                <a:ea typeface="Calibri" panose="020F0502020204030204" pitchFamily="34" charset="0"/>
-                <a:cs typeface="Times New Roman" panose="02020603050405020304" pitchFamily="18" charset="0"/>
-              </a:rPr>
-              <a:t>logwin</a:t>
-            </a:r>
-            <a:r>
-              <a:rPr lang="en-US" dirty="0">
-                <a:effectLst/>
-                <a:latin typeface="Calibri" panose="020F0502020204030204" pitchFamily="34" charset="0"/>
-                <a:ea typeface="Calibri" panose="020F0502020204030204" pitchFamily="34" charset="0"/>
-                <a:cs typeface="Times New Roman" panose="02020603050405020304" pitchFamily="18" charset="0"/>
-              </a:rPr>
-              <a:t>, </a:t>
-            </a:r>
-            <a:r>
-              <a:rPr lang="en-US" dirty="0">
-                <a:solidFill>
-                  <a:srgbClr val="00B050"/>
-                </a:solidFill>
-                <a:effectLst/>
-                <a:latin typeface="Calibri" panose="020F0502020204030204" pitchFamily="34" charset="0"/>
-                <a:ea typeface="Calibri" panose="020F0502020204030204" pitchFamily="34" charset="0"/>
-                <a:cs typeface="Times New Roman" panose="02020603050405020304" pitchFamily="18" charset="0"/>
-              </a:rPr>
-              <a:t>" calling read\n"</a:t>
-            </a:r>
-            <a:r>
-              <a:rPr lang="en-US" dirty="0">
-                <a:effectLst/>
-                <a:latin typeface="Calibri" panose="020F0502020204030204" pitchFamily="34" charset="0"/>
-                <a:ea typeface="Calibri" panose="020F0502020204030204" pitchFamily="34" charset="0"/>
-                <a:cs typeface="Times New Roman" panose="02020603050405020304" pitchFamily="18" charset="0"/>
-              </a:rPr>
-              <a:t> );</a:t>
-            </a:r>
-          </a:p>
-          <a:p>
-            <a:pPr marL="0" marR="0" indent="0">
-              <a:lnSpc>
-                <a:spcPct val="107000"/>
-              </a:lnSpc>
-              <a:spcBef>
-                <a:spcPts val="0"/>
-              </a:spcBef>
-              <a:spcAft>
-                <a:spcPts val="0"/>
-              </a:spcAft>
-              <a:buNone/>
-            </a:pPr>
-            <a:r>
-              <a:rPr lang="en-US" b="1" dirty="0">
-                <a:effectLst/>
-                <a:latin typeface="Calibri" panose="020F0502020204030204" pitchFamily="34" charset="0"/>
-                <a:ea typeface="Calibri" panose="020F0502020204030204" pitchFamily="34" charset="0"/>
-                <a:cs typeface="Times New Roman" panose="02020603050405020304" pitchFamily="18" charset="0"/>
-              </a:rPr>
-              <a:t>char</a:t>
-            </a:r>
-            <a:r>
-              <a:rPr lang="en-US" dirty="0">
-                <a:effectLst/>
-                <a:latin typeface="Calibri" panose="020F0502020204030204" pitchFamily="34" charset="0"/>
-                <a:ea typeface="Calibri" panose="020F0502020204030204" pitchFamily="34" charset="0"/>
-                <a:cs typeface="Times New Roman" panose="02020603050405020304" pitchFamily="18" charset="0"/>
-              </a:rPr>
-              <a:t> v;</a:t>
-            </a:r>
-          </a:p>
-          <a:p>
-            <a:pPr marL="0" marR="0" indent="0">
-              <a:lnSpc>
-                <a:spcPct val="107000"/>
-              </a:lnSpc>
-              <a:spcBef>
-                <a:spcPts val="0"/>
-              </a:spcBef>
-              <a:spcAft>
-                <a:spcPts val="0"/>
-              </a:spcAft>
-              <a:buNone/>
-            </a:pPr>
-            <a:r>
-              <a:rPr lang="en-US" dirty="0" err="1">
-                <a:effectLst/>
-                <a:latin typeface="Calibri" panose="020F0502020204030204" pitchFamily="34" charset="0"/>
-                <a:ea typeface="Calibri" panose="020F0502020204030204" pitchFamily="34" charset="0"/>
-                <a:cs typeface="Times New Roman" panose="02020603050405020304" pitchFamily="18" charset="0"/>
-              </a:rPr>
-              <a:t>superuser.Read_Char</a:t>
-            </a:r>
-            <a:r>
-              <a:rPr lang="en-US" dirty="0">
-                <a:effectLst/>
-                <a:latin typeface="Calibri" panose="020F0502020204030204" pitchFamily="34" charset="0"/>
-                <a:ea typeface="Calibri" panose="020F0502020204030204" pitchFamily="34" charset="0"/>
-                <a:cs typeface="Times New Roman" panose="02020603050405020304" pitchFamily="18" charset="0"/>
-              </a:rPr>
-              <a:t>(</a:t>
-            </a:r>
-            <a:r>
-              <a:rPr lang="en-US" dirty="0" err="1">
-                <a:effectLst/>
-                <a:latin typeface="Calibri" panose="020F0502020204030204" pitchFamily="34" charset="0"/>
-                <a:ea typeface="Calibri" panose="020F0502020204030204" pitchFamily="34" charset="0"/>
-                <a:cs typeface="Times New Roman" panose="02020603050405020304" pitchFamily="18" charset="0"/>
-              </a:rPr>
-              <a:t>tcb</a:t>
-            </a:r>
-            <a:r>
-              <a:rPr lang="en-US" dirty="0">
-                <a:effectLst/>
-                <a:latin typeface="Calibri" panose="020F0502020204030204" pitchFamily="34" charset="0"/>
-                <a:ea typeface="Calibri" panose="020F0502020204030204" pitchFamily="34" charset="0"/>
-                <a:cs typeface="Times New Roman" panose="02020603050405020304" pitchFamily="18" charset="0"/>
-              </a:rPr>
-              <a:t>-&gt;</a:t>
-            </a:r>
-            <a:r>
-              <a:rPr lang="en-US" dirty="0" err="1">
-                <a:effectLst/>
-                <a:latin typeface="Calibri" panose="020F0502020204030204" pitchFamily="34" charset="0"/>
-                <a:ea typeface="Calibri" panose="020F0502020204030204" pitchFamily="34" charset="0"/>
-                <a:cs typeface="Times New Roman" panose="02020603050405020304" pitchFamily="18" charset="0"/>
-              </a:rPr>
-              <a:t>thread_no</a:t>
-            </a:r>
-            <a:r>
-              <a:rPr lang="en-US" dirty="0">
-                <a:effectLst/>
-                <a:latin typeface="Calibri" panose="020F0502020204030204" pitchFamily="34" charset="0"/>
-                <a:ea typeface="Calibri" panose="020F0502020204030204" pitchFamily="34" charset="0"/>
-                <a:cs typeface="Times New Roman" panose="02020603050405020304" pitchFamily="18" charset="0"/>
-              </a:rPr>
-              <a:t>, (</a:t>
-            </a:r>
-            <a:r>
-              <a:rPr lang="en-US" b="1" dirty="0">
-                <a:effectLst/>
-                <a:latin typeface="Calibri" panose="020F0502020204030204" pitchFamily="34" charset="0"/>
-                <a:ea typeface="Calibri" panose="020F0502020204030204" pitchFamily="34" charset="0"/>
-                <a:cs typeface="Times New Roman" panose="02020603050405020304" pitchFamily="18" charset="0"/>
-              </a:rPr>
-              <a:t>char</a:t>
-            </a:r>
-            <a:r>
-              <a:rPr lang="en-US" dirty="0">
-                <a:effectLst/>
-                <a:latin typeface="Calibri" panose="020F0502020204030204" pitchFamily="34" charset="0"/>
-                <a:ea typeface="Calibri" panose="020F0502020204030204" pitchFamily="34" charset="0"/>
-                <a:cs typeface="Times New Roman" panose="02020603050405020304" pitchFamily="18" charset="0"/>
-              </a:rPr>
-              <a:t>*)</a:t>
-            </a:r>
-            <a:r>
-              <a:rPr lang="en-US" dirty="0">
-                <a:solidFill>
-                  <a:srgbClr val="00B050"/>
-                </a:solidFill>
-                <a:effectLst/>
-                <a:latin typeface="Calibri" panose="020F0502020204030204" pitchFamily="34" charset="0"/>
-                <a:ea typeface="Calibri" panose="020F0502020204030204" pitchFamily="34" charset="0"/>
-                <a:cs typeface="Times New Roman" panose="02020603050405020304" pitchFamily="18" charset="0"/>
-              </a:rPr>
-              <a:t> "</a:t>
-            </a:r>
-            <a:r>
-              <a:rPr lang="en-US" dirty="0" err="1">
-                <a:solidFill>
-                  <a:srgbClr val="00B050"/>
-                </a:solidFill>
-                <a:effectLst/>
-                <a:latin typeface="Calibri" panose="020F0502020204030204" pitchFamily="34" charset="0"/>
-                <a:ea typeface="Calibri" panose="020F0502020204030204" pitchFamily="34" charset="0"/>
-                <a:cs typeface="Times New Roman" panose="02020603050405020304" pitchFamily="18" charset="0"/>
-              </a:rPr>
-              <a:t>uifile</a:t>
-            </a:r>
-            <a:r>
-              <a:rPr lang="en-US" dirty="0">
-                <a:solidFill>
-                  <a:srgbClr val="00B050"/>
-                </a:solidFill>
-                <a:effectLst/>
-                <a:latin typeface="Calibri" panose="020F0502020204030204" pitchFamily="34" charset="0"/>
-                <a:ea typeface="Calibri" panose="020F0502020204030204" pitchFamily="34" charset="0"/>
-                <a:cs typeface="Times New Roman" panose="02020603050405020304" pitchFamily="18" charset="0"/>
-              </a:rPr>
-              <a:t>"</a:t>
-            </a:r>
-            <a:r>
-              <a:rPr lang="en-US" dirty="0">
-                <a:solidFill>
-                  <a:schemeClr val="tx1"/>
-                </a:solidFill>
-                <a:effectLst/>
-                <a:latin typeface="Calibri" panose="020F0502020204030204" pitchFamily="34" charset="0"/>
-                <a:ea typeface="Calibri" panose="020F0502020204030204" pitchFamily="34" charset="0"/>
-                <a:cs typeface="Times New Roman" panose="02020603050405020304" pitchFamily="18" charset="0"/>
-              </a:rPr>
-              <a:t>,</a:t>
-            </a:r>
-            <a:r>
-              <a:rPr lang="en-US" dirty="0">
-                <a:solidFill>
-                  <a:srgbClr val="00B050"/>
-                </a:solidFill>
-                <a:effectLst/>
-                <a:latin typeface="Calibri" panose="020F0502020204030204" pitchFamily="34" charset="0"/>
-                <a:ea typeface="Calibri" panose="020F0502020204030204" pitchFamily="34" charset="0"/>
-                <a:cs typeface="Times New Roman" panose="02020603050405020304" pitchFamily="18" charset="0"/>
-              </a:rPr>
-              <a:t> </a:t>
-            </a:r>
-            <a:r>
-              <a:rPr lang="en-US" dirty="0">
-                <a:effectLst/>
-                <a:latin typeface="Calibri" panose="020F0502020204030204" pitchFamily="34" charset="0"/>
-                <a:ea typeface="Calibri" panose="020F0502020204030204" pitchFamily="34" charset="0"/>
-                <a:cs typeface="Times New Roman" panose="02020603050405020304" pitchFamily="18" charset="0"/>
-              </a:rPr>
-              <a:t>&amp;v);</a:t>
-            </a:r>
-          </a:p>
-          <a:p>
-            <a:pPr marL="0" marR="0" indent="0">
-              <a:lnSpc>
-                <a:spcPct val="107000"/>
-              </a:lnSpc>
-              <a:spcBef>
-                <a:spcPts val="0"/>
-              </a:spcBef>
-              <a:spcAft>
-                <a:spcPts val="0"/>
-              </a:spcAft>
-              <a:buNone/>
-            </a:pPr>
-            <a:r>
-              <a:rPr lang="en-US" b="1" dirty="0">
-                <a:effectLst/>
-                <a:latin typeface="Calibri" panose="020F0502020204030204" pitchFamily="34" charset="0"/>
-                <a:ea typeface="Calibri" panose="020F0502020204030204" pitchFamily="34" charset="0"/>
-                <a:cs typeface="Times New Roman" panose="02020603050405020304" pitchFamily="18" charset="0"/>
-              </a:rPr>
-              <a:t>char</a:t>
-            </a:r>
-            <a:r>
-              <a:rPr lang="en-US" dirty="0">
-                <a:effectLst/>
-                <a:latin typeface="Calibri" panose="020F0502020204030204" pitchFamily="34" charset="0"/>
-                <a:ea typeface="Calibri" panose="020F0502020204030204" pitchFamily="34" charset="0"/>
-                <a:cs typeface="Times New Roman" panose="02020603050405020304" pitchFamily="18" charset="0"/>
-              </a:rPr>
-              <a:t> </a:t>
-            </a:r>
-            <a:r>
-              <a:rPr lang="en-US" dirty="0" err="1">
-                <a:effectLst/>
-                <a:latin typeface="Calibri" panose="020F0502020204030204" pitchFamily="34" charset="0"/>
-                <a:ea typeface="Calibri" panose="020F0502020204030204" pitchFamily="34" charset="0"/>
-                <a:cs typeface="Times New Roman" panose="02020603050405020304" pitchFamily="18" charset="0"/>
-              </a:rPr>
-              <a:t>buffread</a:t>
-            </a:r>
-            <a:r>
-              <a:rPr lang="en-US" dirty="0">
-                <a:effectLst/>
-                <a:latin typeface="Calibri" panose="020F0502020204030204" pitchFamily="34" charset="0"/>
-                <a:ea typeface="Calibri" panose="020F0502020204030204" pitchFamily="34" charset="0"/>
-                <a:cs typeface="Times New Roman" panose="02020603050405020304" pitchFamily="18" charset="0"/>
-              </a:rPr>
-              <a:t>[256];</a:t>
-            </a:r>
-          </a:p>
-          <a:p>
-            <a:pPr marL="0" marR="0" indent="0">
-              <a:lnSpc>
-                <a:spcPct val="107000"/>
-              </a:lnSpc>
-              <a:spcBef>
-                <a:spcPts val="0"/>
-              </a:spcBef>
-              <a:spcAft>
-                <a:spcPts val="0"/>
-              </a:spcAft>
-              <a:buNone/>
-            </a:pPr>
-            <a:r>
-              <a:rPr lang="en-US" dirty="0" err="1">
-                <a:effectLst/>
-                <a:latin typeface="Calibri" panose="020F0502020204030204" pitchFamily="34" charset="0"/>
-                <a:ea typeface="Calibri" panose="020F0502020204030204" pitchFamily="34" charset="0"/>
-                <a:cs typeface="Times New Roman" panose="02020603050405020304" pitchFamily="18" charset="0"/>
-              </a:rPr>
-              <a:t>sprintf</a:t>
-            </a:r>
-            <a:r>
-              <a:rPr lang="en-US" dirty="0">
-                <a:effectLst/>
-                <a:latin typeface="Calibri" panose="020F0502020204030204" pitchFamily="34" charset="0"/>
-                <a:ea typeface="Calibri" panose="020F0502020204030204" pitchFamily="34" charset="0"/>
-                <a:cs typeface="Times New Roman" panose="02020603050405020304" pitchFamily="18" charset="0"/>
-              </a:rPr>
-              <a:t>(buff, </a:t>
-            </a:r>
-            <a:r>
-              <a:rPr lang="en-US" dirty="0">
-                <a:solidFill>
-                  <a:srgbClr val="00B050"/>
-                </a:solidFill>
-                <a:effectLst/>
-                <a:latin typeface="Calibri" panose="020F0502020204030204" pitchFamily="34" charset="0"/>
-                <a:ea typeface="Calibri" panose="020F0502020204030204" pitchFamily="34" charset="0"/>
-                <a:cs typeface="Times New Roman" panose="02020603050405020304" pitchFamily="18" charset="0"/>
-              </a:rPr>
-              <a:t>" read in from </a:t>
-            </a:r>
-            <a:r>
-              <a:rPr lang="en-US" dirty="0" err="1">
-                <a:solidFill>
-                  <a:srgbClr val="00B050"/>
-                </a:solidFill>
-                <a:effectLst/>
-                <a:latin typeface="Calibri" panose="020F0502020204030204" pitchFamily="34" charset="0"/>
-                <a:ea typeface="Calibri" panose="020F0502020204030204" pitchFamily="34" charset="0"/>
-                <a:cs typeface="Times New Roman" panose="02020603050405020304" pitchFamily="18" charset="0"/>
-              </a:rPr>
-              <a:t>uifile</a:t>
-            </a:r>
-            <a:r>
-              <a:rPr lang="en-US" dirty="0">
-                <a:solidFill>
-                  <a:srgbClr val="00B050"/>
-                </a:solidFill>
-                <a:effectLst/>
-                <a:latin typeface="Calibri" panose="020F0502020204030204" pitchFamily="34" charset="0"/>
-                <a:ea typeface="Calibri" panose="020F0502020204030204" pitchFamily="34" charset="0"/>
-                <a:cs typeface="Times New Roman" panose="02020603050405020304" pitchFamily="18" charset="0"/>
-              </a:rPr>
-              <a:t> = %c \n"</a:t>
-            </a:r>
-            <a:r>
-              <a:rPr lang="en-US" dirty="0">
-                <a:effectLst/>
-                <a:latin typeface="Calibri" panose="020F0502020204030204" pitchFamily="34" charset="0"/>
-                <a:ea typeface="Calibri" panose="020F0502020204030204" pitchFamily="34" charset="0"/>
-                <a:cs typeface="Times New Roman" panose="02020603050405020304" pitchFamily="18" charset="0"/>
-              </a:rPr>
-              <a:t>, v);</a:t>
-            </a:r>
-          </a:p>
-          <a:p>
-            <a:pPr marL="0" marR="0" indent="0">
-              <a:lnSpc>
-                <a:spcPct val="107000"/>
-              </a:lnSpc>
-              <a:spcBef>
-                <a:spcPts val="0"/>
-              </a:spcBef>
-              <a:spcAft>
-                <a:spcPts val="0"/>
-              </a:spcAft>
-              <a:buNone/>
-            </a:pPr>
-            <a:r>
-              <a:rPr lang="en-US" dirty="0" err="1">
-                <a:effectLst/>
-                <a:latin typeface="Calibri" panose="020F0502020204030204" pitchFamily="34" charset="0"/>
-                <a:ea typeface="Calibri" panose="020F0502020204030204" pitchFamily="34" charset="0"/>
-                <a:cs typeface="Times New Roman" panose="02020603050405020304" pitchFamily="18" charset="0"/>
-              </a:rPr>
-              <a:t>write_window</a:t>
-            </a:r>
-            <a:r>
-              <a:rPr lang="en-US" dirty="0">
-                <a:effectLst/>
-                <a:latin typeface="Calibri" panose="020F0502020204030204" pitchFamily="34" charset="0"/>
-                <a:ea typeface="Calibri" panose="020F0502020204030204" pitchFamily="34" charset="0"/>
-                <a:cs typeface="Times New Roman" panose="02020603050405020304" pitchFamily="18" charset="0"/>
-              </a:rPr>
-              <a:t>(</a:t>
-            </a:r>
-            <a:r>
-              <a:rPr lang="en-US" dirty="0" err="1">
-                <a:effectLst/>
-                <a:latin typeface="Calibri" panose="020F0502020204030204" pitchFamily="34" charset="0"/>
-                <a:ea typeface="Calibri" panose="020F0502020204030204" pitchFamily="34" charset="0"/>
-                <a:cs typeface="Times New Roman" panose="02020603050405020304" pitchFamily="18" charset="0"/>
-              </a:rPr>
-              <a:t>logwin</a:t>
-            </a:r>
-            <a:r>
-              <a:rPr lang="en-US" dirty="0">
-                <a:effectLst/>
-                <a:latin typeface="Calibri" panose="020F0502020204030204" pitchFamily="34" charset="0"/>
-                <a:ea typeface="Calibri" panose="020F0502020204030204" pitchFamily="34" charset="0"/>
-                <a:cs typeface="Times New Roman" panose="02020603050405020304" pitchFamily="18" charset="0"/>
-              </a:rPr>
-              <a:t>, buff );</a:t>
-            </a:r>
-          </a:p>
-          <a:p>
-            <a:pPr marL="0" marR="0" indent="0">
-              <a:lnSpc>
-                <a:spcPct val="107000"/>
-              </a:lnSpc>
-              <a:spcBef>
-                <a:spcPts val="0"/>
-              </a:spcBef>
-              <a:spcAft>
-                <a:spcPts val="0"/>
-              </a:spcAft>
-              <a:buNone/>
-            </a:pPr>
-            <a:r>
-              <a:rPr lang="en-US" dirty="0" err="1">
-                <a:effectLst/>
-                <a:latin typeface="Calibri" panose="020F0502020204030204" pitchFamily="34" charset="0"/>
-                <a:ea typeface="Calibri" panose="020F0502020204030204" pitchFamily="34" charset="0"/>
-                <a:cs typeface="Times New Roman" panose="02020603050405020304" pitchFamily="18" charset="0"/>
-              </a:rPr>
-              <a:t>write_window</a:t>
-            </a:r>
-            <a:r>
-              <a:rPr lang="en-US" dirty="0">
-                <a:effectLst/>
-                <a:latin typeface="Calibri" panose="020F0502020204030204" pitchFamily="34" charset="0"/>
-                <a:ea typeface="Calibri" panose="020F0502020204030204" pitchFamily="34" charset="0"/>
-                <a:cs typeface="Times New Roman" panose="02020603050405020304" pitchFamily="18" charset="0"/>
-              </a:rPr>
-              <a:t>(</a:t>
-            </a:r>
-            <a:r>
-              <a:rPr lang="en-US" dirty="0" err="1">
-                <a:effectLst/>
-                <a:latin typeface="Calibri" panose="020F0502020204030204" pitchFamily="34" charset="0"/>
-                <a:ea typeface="Calibri" panose="020F0502020204030204" pitchFamily="34" charset="0"/>
-                <a:cs typeface="Times New Roman" panose="02020603050405020304" pitchFamily="18" charset="0"/>
-              </a:rPr>
-              <a:t>logwin</a:t>
-            </a:r>
-            <a:r>
-              <a:rPr lang="en-US" dirty="0">
-                <a:effectLst/>
-                <a:latin typeface="Calibri" panose="020F0502020204030204" pitchFamily="34" charset="0"/>
-                <a:ea typeface="Calibri" panose="020F0502020204030204" pitchFamily="34" charset="0"/>
-                <a:cs typeface="Times New Roman" panose="02020603050405020304" pitchFamily="18" charset="0"/>
-              </a:rPr>
-              <a:t>, </a:t>
-            </a:r>
-            <a:r>
-              <a:rPr lang="en-US" dirty="0">
-                <a:solidFill>
-                  <a:srgbClr val="00B050"/>
-                </a:solidFill>
-                <a:effectLst/>
-                <a:latin typeface="Calibri" panose="020F0502020204030204" pitchFamily="34" charset="0"/>
-                <a:ea typeface="Calibri" panose="020F0502020204030204" pitchFamily="34" charset="0"/>
-                <a:cs typeface="Times New Roman" panose="02020603050405020304" pitchFamily="18" charset="0"/>
-              </a:rPr>
-              <a:t>" calling delete(</a:t>
-            </a:r>
-            <a:r>
-              <a:rPr lang="en-US" dirty="0" err="1">
-                <a:solidFill>
-                  <a:srgbClr val="00B050"/>
-                </a:solidFill>
-                <a:effectLst/>
-                <a:latin typeface="Calibri" panose="020F0502020204030204" pitchFamily="34" charset="0"/>
-                <a:ea typeface="Calibri" panose="020F0502020204030204" pitchFamily="34" charset="0"/>
-                <a:cs typeface="Times New Roman" panose="02020603050405020304" pitchFamily="18" charset="0"/>
-              </a:rPr>
-              <a:t>uifile</a:t>
-            </a:r>
-            <a:r>
-              <a:rPr lang="en-US" dirty="0">
-                <a:solidFill>
-                  <a:srgbClr val="00B050"/>
-                </a:solidFill>
-                <a:effectLst/>
-                <a:latin typeface="Calibri" panose="020F0502020204030204" pitchFamily="34" charset="0"/>
-                <a:ea typeface="Calibri" panose="020F0502020204030204" pitchFamily="34" charset="0"/>
-                <a:cs typeface="Times New Roman" panose="02020603050405020304" pitchFamily="18" charset="0"/>
-              </a:rPr>
-              <a:t>)\n"</a:t>
-            </a:r>
-            <a:r>
-              <a:rPr lang="en-US" dirty="0">
-                <a:effectLst/>
-                <a:latin typeface="Calibri" panose="020F0502020204030204" pitchFamily="34" charset="0"/>
-                <a:ea typeface="Calibri" panose="020F0502020204030204" pitchFamily="34" charset="0"/>
-                <a:cs typeface="Times New Roman" panose="02020603050405020304" pitchFamily="18" charset="0"/>
-              </a:rPr>
-              <a:t> );</a:t>
-            </a:r>
-          </a:p>
-          <a:p>
-            <a:pPr marL="0" marR="0" indent="0">
-              <a:lnSpc>
-                <a:spcPct val="107000"/>
-              </a:lnSpc>
-              <a:spcBef>
-                <a:spcPts val="0"/>
-              </a:spcBef>
-              <a:spcAft>
-                <a:spcPts val="0"/>
-              </a:spcAft>
-              <a:buNone/>
-            </a:pPr>
-            <a:r>
-              <a:rPr lang="en-US" dirty="0" err="1">
-                <a:effectLst/>
-                <a:latin typeface="Calibri" panose="020F0502020204030204" pitchFamily="34" charset="0"/>
-                <a:ea typeface="Calibri" panose="020F0502020204030204" pitchFamily="34" charset="0"/>
-                <a:cs typeface="Times New Roman" panose="02020603050405020304" pitchFamily="18" charset="0"/>
-              </a:rPr>
-              <a:t>superuser.Del_file</a:t>
-            </a:r>
-            <a:r>
-              <a:rPr lang="en-US" dirty="0">
-                <a:effectLst/>
-                <a:latin typeface="Calibri" panose="020F0502020204030204" pitchFamily="34" charset="0"/>
-                <a:ea typeface="Calibri" panose="020F0502020204030204" pitchFamily="34" charset="0"/>
-                <a:cs typeface="Times New Roman" panose="02020603050405020304" pitchFamily="18" charset="0"/>
-              </a:rPr>
-              <a:t>(</a:t>
-            </a:r>
-            <a:r>
-              <a:rPr lang="en-US" dirty="0" err="1">
-                <a:effectLst/>
-                <a:latin typeface="Calibri" panose="020F0502020204030204" pitchFamily="34" charset="0"/>
-                <a:ea typeface="Calibri" panose="020F0502020204030204" pitchFamily="34" charset="0"/>
-                <a:cs typeface="Times New Roman" panose="02020603050405020304" pitchFamily="18" charset="0"/>
-              </a:rPr>
-              <a:t>tcb</a:t>
-            </a:r>
-            <a:r>
-              <a:rPr lang="en-US" dirty="0">
-                <a:effectLst/>
-                <a:latin typeface="Calibri" panose="020F0502020204030204" pitchFamily="34" charset="0"/>
-                <a:ea typeface="Calibri" panose="020F0502020204030204" pitchFamily="34" charset="0"/>
-                <a:cs typeface="Times New Roman" panose="02020603050405020304" pitchFamily="18" charset="0"/>
-              </a:rPr>
-              <a:t>-&gt;</a:t>
-            </a:r>
-            <a:r>
-              <a:rPr lang="en-US" dirty="0" err="1">
-                <a:effectLst/>
-                <a:latin typeface="Calibri" panose="020F0502020204030204" pitchFamily="34" charset="0"/>
-                <a:ea typeface="Calibri" panose="020F0502020204030204" pitchFamily="34" charset="0"/>
-                <a:cs typeface="Times New Roman" panose="02020603050405020304" pitchFamily="18" charset="0"/>
-              </a:rPr>
-              <a:t>thread_no</a:t>
-            </a:r>
-            <a:r>
-              <a:rPr lang="en-US" dirty="0">
-                <a:effectLst/>
-                <a:latin typeface="Calibri" panose="020F0502020204030204" pitchFamily="34" charset="0"/>
-                <a:ea typeface="Calibri" panose="020F0502020204030204" pitchFamily="34" charset="0"/>
-                <a:cs typeface="Times New Roman" panose="02020603050405020304" pitchFamily="18" charset="0"/>
-              </a:rPr>
-              <a:t>, (</a:t>
-            </a:r>
-            <a:r>
-              <a:rPr lang="en-US" b="1" dirty="0">
-                <a:effectLst/>
-                <a:latin typeface="Calibri" panose="020F0502020204030204" pitchFamily="34" charset="0"/>
-                <a:ea typeface="Calibri" panose="020F0502020204030204" pitchFamily="34" charset="0"/>
-                <a:cs typeface="Times New Roman" panose="02020603050405020304" pitchFamily="18" charset="0"/>
-              </a:rPr>
-              <a:t>char</a:t>
-            </a:r>
-            <a:r>
-              <a:rPr lang="en-US" dirty="0">
-                <a:effectLst/>
-                <a:latin typeface="Calibri" panose="020F0502020204030204" pitchFamily="34" charset="0"/>
-                <a:ea typeface="Calibri" panose="020F0502020204030204" pitchFamily="34" charset="0"/>
-                <a:cs typeface="Times New Roman" panose="02020603050405020304" pitchFamily="18" charset="0"/>
-              </a:rPr>
-              <a:t>*)</a:t>
-            </a:r>
-            <a:r>
-              <a:rPr lang="en-US" dirty="0">
-                <a:solidFill>
-                  <a:srgbClr val="00B050"/>
-                </a:solidFill>
-                <a:effectLst/>
-                <a:latin typeface="Calibri" panose="020F0502020204030204" pitchFamily="34" charset="0"/>
-                <a:ea typeface="Calibri" panose="020F0502020204030204" pitchFamily="34" charset="0"/>
-                <a:cs typeface="Times New Roman" panose="02020603050405020304" pitchFamily="18" charset="0"/>
-              </a:rPr>
-              <a:t>"</a:t>
-            </a:r>
-            <a:r>
-              <a:rPr lang="en-US" dirty="0" err="1">
-                <a:solidFill>
-                  <a:srgbClr val="00B050"/>
-                </a:solidFill>
-                <a:effectLst/>
-                <a:latin typeface="Calibri" panose="020F0502020204030204" pitchFamily="34" charset="0"/>
-                <a:ea typeface="Calibri" panose="020F0502020204030204" pitchFamily="34" charset="0"/>
-                <a:cs typeface="Times New Roman" panose="02020603050405020304" pitchFamily="18" charset="0"/>
-              </a:rPr>
-              <a:t>uifile</a:t>
-            </a:r>
-            <a:r>
-              <a:rPr lang="en-US" dirty="0">
-                <a:solidFill>
-                  <a:srgbClr val="00B050"/>
-                </a:solidFill>
-                <a:effectLst/>
-                <a:latin typeface="Calibri" panose="020F0502020204030204" pitchFamily="34" charset="0"/>
-                <a:ea typeface="Calibri" panose="020F0502020204030204" pitchFamily="34" charset="0"/>
-                <a:cs typeface="Times New Roman" panose="02020603050405020304" pitchFamily="18" charset="0"/>
-              </a:rPr>
-              <a:t>"</a:t>
-            </a:r>
-            <a:r>
-              <a:rPr lang="en-US" dirty="0">
-                <a:effectLst/>
-                <a:latin typeface="Calibri" panose="020F0502020204030204" pitchFamily="34" charset="0"/>
-                <a:ea typeface="Calibri" panose="020F0502020204030204" pitchFamily="34" charset="0"/>
-                <a:cs typeface="Times New Roman" panose="02020603050405020304" pitchFamily="18" charset="0"/>
-              </a:rPr>
-              <a:t>);</a:t>
-            </a:r>
-          </a:p>
-          <a:p>
-            <a:pPr marL="0" marR="0" indent="0">
-              <a:lnSpc>
-                <a:spcPct val="107000"/>
-              </a:lnSpc>
-              <a:spcBef>
-                <a:spcPts val="0"/>
-              </a:spcBef>
-              <a:spcAft>
-                <a:spcPts val="0"/>
-              </a:spcAft>
-              <a:buNone/>
-            </a:pPr>
-            <a:r>
-              <a:rPr lang="en-US" dirty="0" err="1">
-                <a:effectLst/>
-                <a:latin typeface="Calibri" panose="020F0502020204030204" pitchFamily="34" charset="0"/>
-                <a:ea typeface="Calibri" panose="020F0502020204030204" pitchFamily="34" charset="0"/>
-                <a:cs typeface="Times New Roman" panose="02020603050405020304" pitchFamily="18" charset="0"/>
-              </a:rPr>
-              <a:t>write_window</a:t>
-            </a:r>
-            <a:r>
-              <a:rPr lang="en-US" dirty="0">
-                <a:effectLst/>
-                <a:latin typeface="Calibri" panose="020F0502020204030204" pitchFamily="34" charset="0"/>
-                <a:ea typeface="Calibri" panose="020F0502020204030204" pitchFamily="34" charset="0"/>
-                <a:cs typeface="Times New Roman" panose="02020603050405020304" pitchFamily="18" charset="0"/>
-              </a:rPr>
-              <a:t>(</a:t>
-            </a:r>
-            <a:r>
-              <a:rPr lang="en-US" dirty="0" err="1">
-                <a:effectLst/>
-                <a:latin typeface="Calibri" panose="020F0502020204030204" pitchFamily="34" charset="0"/>
-                <a:ea typeface="Calibri" panose="020F0502020204030204" pitchFamily="34" charset="0"/>
-                <a:cs typeface="Times New Roman" panose="02020603050405020304" pitchFamily="18" charset="0"/>
-              </a:rPr>
-              <a:t>logwin</a:t>
-            </a:r>
-            <a:r>
-              <a:rPr lang="en-US" dirty="0">
-                <a:effectLst/>
-                <a:latin typeface="Calibri" panose="020F0502020204030204" pitchFamily="34" charset="0"/>
-                <a:ea typeface="Calibri" panose="020F0502020204030204" pitchFamily="34" charset="0"/>
-                <a:cs typeface="Times New Roman" panose="02020603050405020304" pitchFamily="18" charset="0"/>
-              </a:rPr>
-              <a:t>, </a:t>
-            </a:r>
-            <a:r>
-              <a:rPr lang="en-US" dirty="0">
-                <a:solidFill>
-                  <a:srgbClr val="00B050"/>
-                </a:solidFill>
-                <a:effectLst/>
-                <a:latin typeface="Calibri" panose="020F0502020204030204" pitchFamily="34" charset="0"/>
-                <a:ea typeface="Calibri" panose="020F0502020204030204" pitchFamily="34" charset="0"/>
-                <a:cs typeface="Times New Roman" panose="02020603050405020304" pitchFamily="18" charset="0"/>
-              </a:rPr>
-              <a:t>" calling Dir();\n"</a:t>
-            </a:r>
-            <a:r>
-              <a:rPr lang="en-US" dirty="0">
-                <a:effectLst/>
-                <a:latin typeface="Calibri" panose="020F0502020204030204" pitchFamily="34" charset="0"/>
-                <a:ea typeface="Calibri" panose="020F0502020204030204" pitchFamily="34" charset="0"/>
-                <a:cs typeface="Times New Roman" panose="02020603050405020304" pitchFamily="18" charset="0"/>
-              </a:rPr>
-              <a:t> );</a:t>
-            </a:r>
-          </a:p>
-          <a:p>
-            <a:pPr marL="0" marR="0" indent="0">
-              <a:lnSpc>
-                <a:spcPct val="107000"/>
-              </a:lnSpc>
-              <a:spcBef>
-                <a:spcPts val="0"/>
-              </a:spcBef>
-              <a:spcAft>
-                <a:spcPts val="0"/>
-              </a:spcAft>
-              <a:buNone/>
-            </a:pPr>
-            <a:r>
-              <a:rPr lang="en-US" dirty="0" err="1">
-                <a:effectLst/>
-                <a:latin typeface="Calibri" panose="020F0502020204030204" pitchFamily="34" charset="0"/>
-                <a:ea typeface="Calibri" panose="020F0502020204030204" pitchFamily="34" charset="0"/>
-                <a:cs typeface="Times New Roman" panose="02020603050405020304" pitchFamily="18" charset="0"/>
-              </a:rPr>
-              <a:t>superuser.Dir</a:t>
-            </a:r>
-            <a:r>
-              <a:rPr lang="en-US" dirty="0">
-                <a:effectLst/>
-                <a:latin typeface="Calibri" panose="020F0502020204030204" pitchFamily="34" charset="0"/>
-                <a:ea typeface="Calibri" panose="020F0502020204030204" pitchFamily="34" charset="0"/>
-                <a:cs typeface="Times New Roman" panose="02020603050405020304" pitchFamily="18" charset="0"/>
-              </a:rPr>
-              <a:t>(</a:t>
-            </a:r>
-            <a:r>
-              <a:rPr lang="en-US" dirty="0" err="1">
-                <a:effectLst/>
-                <a:latin typeface="Calibri" panose="020F0502020204030204" pitchFamily="34" charset="0"/>
-                <a:ea typeface="Calibri" panose="020F0502020204030204" pitchFamily="34" charset="0"/>
-                <a:cs typeface="Times New Roman" panose="02020603050405020304" pitchFamily="18" charset="0"/>
-              </a:rPr>
-              <a:t>memwin</a:t>
-            </a:r>
-            <a:r>
-              <a:rPr lang="en-US" dirty="0">
-                <a:effectLst/>
-                <a:latin typeface="Calibri" panose="020F0502020204030204" pitchFamily="34" charset="0"/>
-                <a:ea typeface="Calibri" panose="020F0502020204030204" pitchFamily="34" charset="0"/>
-                <a:cs typeface="Times New Roman" panose="02020603050405020304" pitchFamily="18" charset="0"/>
-              </a:rPr>
-              <a:t>);</a:t>
-            </a:r>
-          </a:p>
-          <a:p>
-            <a:pPr marL="0" marR="0" indent="0">
-              <a:lnSpc>
-                <a:spcPct val="107000"/>
-              </a:lnSpc>
-              <a:spcBef>
-                <a:spcPts val="0"/>
-              </a:spcBef>
-              <a:spcAft>
-                <a:spcPts val="0"/>
-              </a:spcAft>
-              <a:buNone/>
-            </a:pPr>
-            <a:r>
-              <a:rPr lang="en-US" dirty="0" err="1">
-                <a:effectLst/>
-                <a:latin typeface="Calibri" panose="020F0502020204030204" pitchFamily="34" charset="0"/>
-                <a:ea typeface="Calibri" panose="020F0502020204030204" pitchFamily="34" charset="0"/>
-                <a:cs typeface="Times New Roman" panose="02020603050405020304" pitchFamily="18" charset="0"/>
-              </a:rPr>
-              <a:t>write_window</a:t>
-            </a:r>
-            <a:r>
-              <a:rPr lang="en-US" dirty="0">
-                <a:effectLst/>
-                <a:latin typeface="Calibri" panose="020F0502020204030204" pitchFamily="34" charset="0"/>
-                <a:ea typeface="Calibri" panose="020F0502020204030204" pitchFamily="34" charset="0"/>
-                <a:cs typeface="Times New Roman" panose="02020603050405020304" pitchFamily="18" charset="0"/>
-              </a:rPr>
-              <a:t>(</a:t>
-            </a:r>
-            <a:r>
-              <a:rPr lang="en-US" dirty="0" err="1">
-                <a:effectLst/>
-                <a:latin typeface="Calibri" panose="020F0502020204030204" pitchFamily="34" charset="0"/>
-                <a:ea typeface="Calibri" panose="020F0502020204030204" pitchFamily="34" charset="0"/>
-                <a:cs typeface="Times New Roman" panose="02020603050405020304" pitchFamily="18" charset="0"/>
-              </a:rPr>
-              <a:t>logwin</a:t>
-            </a:r>
-            <a:r>
-              <a:rPr lang="en-US" dirty="0">
-                <a:effectLst/>
-                <a:latin typeface="Calibri" panose="020F0502020204030204" pitchFamily="34" charset="0"/>
-                <a:ea typeface="Calibri" panose="020F0502020204030204" pitchFamily="34" charset="0"/>
-                <a:cs typeface="Times New Roman" panose="02020603050405020304" pitchFamily="18" charset="0"/>
-              </a:rPr>
-              <a:t>, </a:t>
-            </a:r>
-            <a:r>
-              <a:rPr lang="en-US" dirty="0">
-                <a:solidFill>
-                  <a:srgbClr val="00B050"/>
-                </a:solidFill>
-                <a:effectLst/>
-                <a:latin typeface="Calibri" panose="020F0502020204030204" pitchFamily="34" charset="0"/>
-                <a:ea typeface="Calibri" panose="020F0502020204030204" pitchFamily="34" charset="0"/>
-                <a:cs typeface="Times New Roman" panose="02020603050405020304" pitchFamily="18" charset="0"/>
-              </a:rPr>
-              <a:t>" calling dump\n"</a:t>
-            </a:r>
-            <a:r>
-              <a:rPr lang="en-US" dirty="0">
-                <a:effectLst/>
-                <a:latin typeface="Calibri" panose="020F0502020204030204" pitchFamily="34" charset="0"/>
-                <a:ea typeface="Calibri" panose="020F0502020204030204" pitchFamily="34" charset="0"/>
-                <a:cs typeface="Times New Roman" panose="02020603050405020304" pitchFamily="18" charset="0"/>
-              </a:rPr>
-              <a:t> );</a:t>
-            </a:r>
-          </a:p>
-          <a:p>
-            <a:pPr marL="0" marR="0" indent="0">
-              <a:lnSpc>
-                <a:spcPct val="107000"/>
-              </a:lnSpc>
-              <a:spcBef>
-                <a:spcPts val="0"/>
-              </a:spcBef>
-              <a:spcAft>
-                <a:spcPts val="0"/>
-              </a:spcAft>
-              <a:buNone/>
-            </a:pPr>
-            <a:r>
-              <a:rPr lang="en-US" dirty="0" err="1">
-                <a:effectLst/>
-                <a:latin typeface="Calibri" panose="020F0502020204030204" pitchFamily="34" charset="0"/>
-                <a:ea typeface="Calibri" panose="020F0502020204030204" pitchFamily="34" charset="0"/>
-                <a:cs typeface="Times New Roman" panose="02020603050405020304" pitchFamily="18" charset="0"/>
-              </a:rPr>
-              <a:t>superuser.dump</a:t>
-            </a:r>
-            <a:r>
-              <a:rPr lang="en-US" dirty="0">
-                <a:effectLst/>
-                <a:latin typeface="Calibri" panose="020F0502020204030204" pitchFamily="34" charset="0"/>
-                <a:ea typeface="Calibri" panose="020F0502020204030204" pitchFamily="34" charset="0"/>
-                <a:cs typeface="Times New Roman" panose="02020603050405020304" pitchFamily="18" charset="0"/>
-              </a:rPr>
-              <a:t>(</a:t>
-            </a:r>
-            <a:r>
-              <a:rPr lang="en-US" dirty="0" err="1">
-                <a:effectLst/>
-                <a:latin typeface="Calibri" panose="020F0502020204030204" pitchFamily="34" charset="0"/>
-                <a:ea typeface="Calibri" panose="020F0502020204030204" pitchFamily="34" charset="0"/>
-                <a:cs typeface="Times New Roman" panose="02020603050405020304" pitchFamily="18" charset="0"/>
-              </a:rPr>
-              <a:t>memwin</a:t>
-            </a:r>
-            <a:r>
-              <a:rPr lang="en-US" dirty="0">
-                <a:effectLst/>
-                <a:latin typeface="Calibri" panose="020F0502020204030204" pitchFamily="34" charset="0"/>
-                <a:ea typeface="Calibri" panose="020F0502020204030204" pitchFamily="34" charset="0"/>
-                <a:cs typeface="Times New Roman" panose="02020603050405020304" pitchFamily="18" charset="0"/>
-              </a:rPr>
-              <a:t>);</a:t>
-            </a:r>
-          </a:p>
-        </p:txBody>
-      </p:sp>
+          </a:blip>
+          <a:stretch>
+            <a:fillRect/>
+          </a:stretch>
+        </p:blipFill>
+        <p:spPr>
+          <a:xfrm>
+            <a:off x="2405134" y="1731963"/>
+            <a:ext cx="7372207" cy="4059237"/>
+          </a:xfrm>
+        </p:spPr>
+      </p:pic>
     </p:spTree>
     <p:extLst>
       <p:ext uri="{BB962C8B-B14F-4D97-AF65-F5344CB8AC3E}">
-        <p14:creationId xmlns:p14="http://schemas.microsoft.com/office/powerpoint/2010/main" val="363588586"/>
+        <p14:creationId xmlns:p14="http://schemas.microsoft.com/office/powerpoint/2010/main" val="1066223481"/>
       </p:ext>
     </p:extLst>
   </p:cSld>
@@ -13121,7 +13355,7 @@
           <p:cNvPr id="2" name="Title 1">
             <a:extLst>
               <a:ext uri="{FF2B5EF4-FFF2-40B4-BE49-F238E27FC236}">
-                <a16:creationId xmlns:a16="http://schemas.microsoft.com/office/drawing/2014/main" xmlns="" id="{D01C3F7A-BEDA-4B76-B83E-193A30C4D52B}"/>
+                <a16:creationId xmlns:a16="http://schemas.microsoft.com/office/drawing/2014/main" id="{D01C3F7A-BEDA-4B76-B83E-193A30C4D52B}"/>
               </a:ext>
             </a:extLst>
           </p:cNvPr>
@@ -13153,7 +13387,7 @@
           <p:cNvPr id="3" name="Content Placeholder 2">
             <a:extLst>
               <a:ext uri="{FF2B5EF4-FFF2-40B4-BE49-F238E27FC236}">
-                <a16:creationId xmlns:a16="http://schemas.microsoft.com/office/drawing/2014/main" xmlns="" id="{C7D69E4D-1A1C-41F5-971B-313988E9BDEC}"/>
+                <a16:creationId xmlns:a16="http://schemas.microsoft.com/office/drawing/2014/main" id="{C7D69E4D-1A1C-41F5-971B-313988E9BDEC}"/>
               </a:ext>
             </a:extLst>
           </p:cNvPr>
@@ -13201,13 +13435,6 @@
   <p:clrMapOvr>
     <a:masterClrMapping/>
   </p:clrMapOvr>
-  <p:timing>
-    <p:tnLst>
-      <p:par>
-        <p:cTn id="1" dur="indefinite" restart="never" nodeType="tmRoot"/>
-      </p:par>
-    </p:tnLst>
-  </p:timing>
 </p:sld>
 </file>
 
@@ -13233,7 +13460,7 @@
           <p:cNvPr id="2" name="Title 1">
             <a:extLst>
               <a:ext uri="{FF2B5EF4-FFF2-40B4-BE49-F238E27FC236}">
-                <a16:creationId xmlns:a16="http://schemas.microsoft.com/office/drawing/2014/main" xmlns="" id="{5AC045DC-8ABA-4DA0-A018-F9497FDFAE71}"/>
+                <a16:creationId xmlns:a16="http://schemas.microsoft.com/office/drawing/2014/main" id="{5AC045DC-8ABA-4DA0-A018-F9497FDFAE71}"/>
               </a:ext>
             </a:extLst>
           </p:cNvPr>
@@ -13265,7 +13492,7 @@
           <p:cNvPr id="3" name="Content Placeholder 2">
             <a:extLst>
               <a:ext uri="{FF2B5EF4-FFF2-40B4-BE49-F238E27FC236}">
-                <a16:creationId xmlns:a16="http://schemas.microsoft.com/office/drawing/2014/main" xmlns="" id="{D096A6D5-7BDB-4104-8437-2CEDC491DDC5}"/>
+                <a16:creationId xmlns:a16="http://schemas.microsoft.com/office/drawing/2014/main" id="{D096A6D5-7BDB-4104-8437-2CEDC491DDC5}"/>
               </a:ext>
             </a:extLst>
           </p:cNvPr>
@@ -13316,13 +13543,6 @@
   <p:clrMapOvr>
     <a:masterClrMapping/>
   </p:clrMapOvr>
-  <p:timing>
-    <p:tnLst>
-      <p:par>
-        <p:cTn id="1" dur="indefinite" restart="never" nodeType="tmRoot"/>
-      </p:par>
-    </p:tnLst>
-  </p:timing>
 </p:sld>
 </file>
 
@@ -13348,7 +13568,7 @@
           <p:cNvPr id="2" name="Title 1">
             <a:extLst>
               <a:ext uri="{FF2B5EF4-FFF2-40B4-BE49-F238E27FC236}">
-                <a16:creationId xmlns:a16="http://schemas.microsoft.com/office/drawing/2014/main" xmlns="" id="{7B811E21-E649-4C2B-AD0B-82277E1D24F1}"/>
+                <a16:creationId xmlns:a16="http://schemas.microsoft.com/office/drawing/2014/main" id="{7B811E21-E649-4C2B-AD0B-82277E1D24F1}"/>
               </a:ext>
             </a:extLst>
           </p:cNvPr>
@@ -13380,7 +13600,7 @@
           <p:cNvPr id="3" name="Content Placeholder 2">
             <a:extLst>
               <a:ext uri="{FF2B5EF4-FFF2-40B4-BE49-F238E27FC236}">
-                <a16:creationId xmlns:a16="http://schemas.microsoft.com/office/drawing/2014/main" xmlns="" id="{C6240AF0-4269-4489-9610-8CBFB2369C9F}"/>
+                <a16:creationId xmlns:a16="http://schemas.microsoft.com/office/drawing/2014/main" id="{C6240AF0-4269-4489-9610-8CBFB2369C9F}"/>
               </a:ext>
             </a:extLst>
           </p:cNvPr>
@@ -13443,13 +13663,6 @@
   <p:clrMapOvr>
     <a:masterClrMapping/>
   </p:clrMapOvr>
-  <p:timing>
-    <p:tnLst>
-      <p:par>
-        <p:cTn id="1" dur="indefinite" restart="never" nodeType="tmRoot"/>
-      </p:par>
-    </p:tnLst>
-  </p:timing>
 </p:sld>
 </file>
 
@@ -13475,7 +13688,7 @@
           <p:cNvPr id="2" name="Title 1">
             <a:extLst>
               <a:ext uri="{FF2B5EF4-FFF2-40B4-BE49-F238E27FC236}">
-                <a16:creationId xmlns:a16="http://schemas.microsoft.com/office/drawing/2014/main" xmlns="" id="{6CA8F64E-2BEA-41B5-BA02-3D8DDB743470}"/>
+                <a16:creationId xmlns:a16="http://schemas.microsoft.com/office/drawing/2014/main" id="{6CA8F64E-2BEA-41B5-BA02-3D8DDB743470}"/>
               </a:ext>
             </a:extLst>
           </p:cNvPr>
@@ -13507,7 +13720,7 @@
           <p:cNvPr id="3" name="Content Placeholder 2">
             <a:extLst>
               <a:ext uri="{FF2B5EF4-FFF2-40B4-BE49-F238E27FC236}">
-                <a16:creationId xmlns:a16="http://schemas.microsoft.com/office/drawing/2014/main" xmlns="" id="{F3604276-9A6C-4BE6-A39D-A7AD2D1791F8}"/>
+                <a16:creationId xmlns:a16="http://schemas.microsoft.com/office/drawing/2014/main" id="{F3604276-9A6C-4BE6-A39D-A7AD2D1791F8}"/>
               </a:ext>
             </a:extLst>
           </p:cNvPr>
@@ -13552,13 +13765,6 @@
   <p:clrMapOvr>
     <a:masterClrMapping/>
   </p:clrMapOvr>
-  <p:timing>
-    <p:tnLst>
-      <p:par>
-        <p:cTn id="1" dur="indefinite" restart="never" nodeType="tmRoot"/>
-      </p:par>
-    </p:tnLst>
-  </p:timing>
 </p:sld>
 </file>
 
@@ -13584,7 +13790,7 @@
           <p:cNvPr id="2" name="Title 1">
             <a:extLst>
               <a:ext uri="{FF2B5EF4-FFF2-40B4-BE49-F238E27FC236}">
-                <a16:creationId xmlns:a16="http://schemas.microsoft.com/office/drawing/2014/main" xmlns="" id="{ED860CF3-EA9D-4BEE-B62C-0D6567622753}"/>
+                <a16:creationId xmlns:a16="http://schemas.microsoft.com/office/drawing/2014/main" id="{ED860CF3-EA9D-4BEE-B62C-0D6567622753}"/>
               </a:ext>
             </a:extLst>
           </p:cNvPr>
@@ -13618,7 +13824,7 @@
           <p:cNvPr id="3" name="Content Placeholder 2">
             <a:extLst>
               <a:ext uri="{FF2B5EF4-FFF2-40B4-BE49-F238E27FC236}">
-                <a16:creationId xmlns:a16="http://schemas.microsoft.com/office/drawing/2014/main" xmlns="" id="{496582DD-5829-4D96-BE0C-C098A968D7A8}"/>
+                <a16:creationId xmlns:a16="http://schemas.microsoft.com/office/drawing/2014/main" id="{496582DD-5829-4D96-BE0C-C098A968D7A8}"/>
               </a:ext>
             </a:extLst>
           </p:cNvPr>
@@ -13669,13 +13875,6 @@
   <p:clrMapOvr>
     <a:masterClrMapping/>
   </p:clrMapOvr>
-  <p:timing>
-    <p:tnLst>
-      <p:par>
-        <p:cTn id="1" dur="indefinite" restart="never" nodeType="tmRoot"/>
-      </p:par>
-    </p:tnLst>
-  </p:timing>
 </p:sld>
 </file>
 
@@ -13701,7 +13900,7 @@
           <p:cNvPr id="2" name="Title 1">
             <a:extLst>
               <a:ext uri="{FF2B5EF4-FFF2-40B4-BE49-F238E27FC236}">
-                <a16:creationId xmlns:a16="http://schemas.microsoft.com/office/drawing/2014/main" xmlns="" id="{6FE5EEFC-A8DE-4AA5-86E5-40439DCA3433}"/>
+                <a16:creationId xmlns:a16="http://schemas.microsoft.com/office/drawing/2014/main" id="{6FE5EEFC-A8DE-4AA5-86E5-40439DCA3433}"/>
               </a:ext>
             </a:extLst>
           </p:cNvPr>
@@ -13729,7 +13928,7 @@
           <p:cNvPr id="3" name="Content Placeholder 2">
             <a:extLst>
               <a:ext uri="{FF2B5EF4-FFF2-40B4-BE49-F238E27FC236}">
-                <a16:creationId xmlns:a16="http://schemas.microsoft.com/office/drawing/2014/main" xmlns="" id="{F9DC5653-0CEF-4FC7-ACEB-C48167324057}"/>
+                <a16:creationId xmlns:a16="http://schemas.microsoft.com/office/drawing/2014/main" id="{F9DC5653-0CEF-4FC7-ACEB-C48167324057}"/>
               </a:ext>
             </a:extLst>
           </p:cNvPr>
@@ -13824,7 +14023,7 @@
           <p:cNvPr id="4" name="Arrow: Down 3">
             <a:extLst>
               <a:ext uri="{FF2B5EF4-FFF2-40B4-BE49-F238E27FC236}">
-                <a16:creationId xmlns:a16="http://schemas.microsoft.com/office/drawing/2014/main" xmlns="" id="{A44451E7-4F11-4D32-9C1F-BDD9A31142B8}"/>
+                <a16:creationId xmlns:a16="http://schemas.microsoft.com/office/drawing/2014/main" id="{A44451E7-4F11-4D32-9C1F-BDD9A31142B8}"/>
               </a:ext>
             </a:extLst>
           </p:cNvPr>
@@ -13875,13 +14074,6 @@
   <p:clrMapOvr>
     <a:masterClrMapping/>
   </p:clrMapOvr>
-  <p:timing>
-    <p:tnLst>
-      <p:par>
-        <p:cTn id="1" dur="indefinite" restart="never" nodeType="tmRoot"/>
-      </p:par>
-    </p:tnLst>
-  </p:timing>
 </p:sld>
 </file>
 
